--- a/designDoc/designDoc.pptx
+++ b/designDoc/designDoc.pptx
@@ -6,6 +6,7 @@
   </p:sldMasterIdLst>
   <p:sldIdLst>
     <p:sldId id="256" r:id="rId2"/>
+    <p:sldId id="257" r:id="rId3"/>
   </p:sldIdLst>
   <p:sldSz cx="12192000" cy="6858000"/>
   <p:notesSz cx="6858000" cy="9144000"/>
@@ -104,6 +105,11 @@
       </a:defRPr>
     </a:lvl9pPr>
   </p:defaultTextStyle>
+  <p:extLst>
+    <p:ext uri="{EFAFB233-063F-42B5-8137-9DF3F51BA10A}">
+      <p15:sldGuideLst xmlns:p15="http://schemas.microsoft.com/office/powerpoint/2012/main"/>
+    </p:ext>
+  </p:extLst>
 </p:presentation>
 </file>
 
@@ -256,7 +262,7 @@
           <a:p>
             <a:fld id="{DAB0784D-3A10-485A-BA3A-AF2134252110}" type="datetimeFigureOut">
               <a:rPr lang="en-SG" smtClean="0"/>
-              <a:t>16/4/2024</a:t>
+              <a:t>17/4/2024</a:t>
             </a:fld>
             <a:endParaRPr lang="en-SG"/>
           </a:p>
@@ -456,7 +462,7 @@
           <a:p>
             <a:fld id="{DAB0784D-3A10-485A-BA3A-AF2134252110}" type="datetimeFigureOut">
               <a:rPr lang="en-SG" smtClean="0"/>
-              <a:t>16/4/2024</a:t>
+              <a:t>17/4/2024</a:t>
             </a:fld>
             <a:endParaRPr lang="en-SG"/>
           </a:p>
@@ -666,7 +672,7 @@
           <a:p>
             <a:fld id="{DAB0784D-3A10-485A-BA3A-AF2134252110}" type="datetimeFigureOut">
               <a:rPr lang="en-SG" smtClean="0"/>
-              <a:t>16/4/2024</a:t>
+              <a:t>17/4/2024</a:t>
             </a:fld>
             <a:endParaRPr lang="en-SG"/>
           </a:p>
@@ -866,7 +872,7 @@
           <a:p>
             <a:fld id="{DAB0784D-3A10-485A-BA3A-AF2134252110}" type="datetimeFigureOut">
               <a:rPr lang="en-SG" smtClean="0"/>
-              <a:t>16/4/2024</a:t>
+              <a:t>17/4/2024</a:t>
             </a:fld>
             <a:endParaRPr lang="en-SG"/>
           </a:p>
@@ -1142,7 +1148,7 @@
           <a:p>
             <a:fld id="{DAB0784D-3A10-485A-BA3A-AF2134252110}" type="datetimeFigureOut">
               <a:rPr lang="en-SG" smtClean="0"/>
-              <a:t>16/4/2024</a:t>
+              <a:t>17/4/2024</a:t>
             </a:fld>
             <a:endParaRPr lang="en-SG"/>
           </a:p>
@@ -1410,7 +1416,7 @@
           <a:p>
             <a:fld id="{DAB0784D-3A10-485A-BA3A-AF2134252110}" type="datetimeFigureOut">
               <a:rPr lang="en-SG" smtClean="0"/>
-              <a:t>16/4/2024</a:t>
+              <a:t>17/4/2024</a:t>
             </a:fld>
             <a:endParaRPr lang="en-SG"/>
           </a:p>
@@ -1825,7 +1831,7 @@
           <a:p>
             <a:fld id="{DAB0784D-3A10-485A-BA3A-AF2134252110}" type="datetimeFigureOut">
               <a:rPr lang="en-SG" smtClean="0"/>
-              <a:t>16/4/2024</a:t>
+              <a:t>17/4/2024</a:t>
             </a:fld>
             <a:endParaRPr lang="en-SG"/>
           </a:p>
@@ -1967,7 +1973,7 @@
           <a:p>
             <a:fld id="{DAB0784D-3A10-485A-BA3A-AF2134252110}" type="datetimeFigureOut">
               <a:rPr lang="en-SG" smtClean="0"/>
-              <a:t>16/4/2024</a:t>
+              <a:t>17/4/2024</a:t>
             </a:fld>
             <a:endParaRPr lang="en-SG"/>
           </a:p>
@@ -2080,7 +2086,7 @@
           <a:p>
             <a:fld id="{DAB0784D-3A10-485A-BA3A-AF2134252110}" type="datetimeFigureOut">
               <a:rPr lang="en-SG" smtClean="0"/>
-              <a:t>16/4/2024</a:t>
+              <a:t>17/4/2024</a:t>
             </a:fld>
             <a:endParaRPr lang="en-SG"/>
           </a:p>
@@ -2393,7 +2399,7 @@
           <a:p>
             <a:fld id="{DAB0784D-3A10-485A-BA3A-AF2134252110}" type="datetimeFigureOut">
               <a:rPr lang="en-SG" smtClean="0"/>
-              <a:t>16/4/2024</a:t>
+              <a:t>17/4/2024</a:t>
             </a:fld>
             <a:endParaRPr lang="en-SG"/>
           </a:p>
@@ -2682,7 +2688,7 @@
           <a:p>
             <a:fld id="{DAB0784D-3A10-485A-BA3A-AF2134252110}" type="datetimeFigureOut">
               <a:rPr lang="en-SG" smtClean="0"/>
-              <a:t>16/4/2024</a:t>
+              <a:t>17/4/2024</a:t>
             </a:fld>
             <a:endParaRPr lang="en-SG"/>
           </a:p>
@@ -2925,7 +2931,7 @@
           <a:p>
             <a:fld id="{DAB0784D-3A10-485A-BA3A-AF2134252110}" type="datetimeFigureOut">
               <a:rPr lang="en-SG" smtClean="0"/>
-              <a:t>16/4/2024</a:t>
+              <a:t>17/4/2024</a:t>
             </a:fld>
             <a:endParaRPr lang="en-SG"/>
           </a:p>
@@ -3356,7 +3362,7 @@
         </p:nvSpPr>
         <p:spPr>
           <a:xfrm>
-            <a:off x="2591426" y="582930"/>
+            <a:off x="3253163" y="775435"/>
             <a:ext cx="3043559" cy="1850629"/>
           </a:xfrm>
           <a:prstGeom prst="rect">
@@ -3364,7 +3370,10 @@
           </a:prstGeom>
           <a:ln>
             <a:solidFill>
-              <a:schemeClr val="tx1"/>
+              <a:schemeClr val="tx2">
+                <a:lumMod val="75000"/>
+                <a:lumOff val="25000"/>
+              </a:schemeClr>
             </a:solidFill>
           </a:ln>
         </p:spPr>
@@ -3413,7 +3422,7 @@
         </p:blipFill>
         <p:spPr>
           <a:xfrm>
-            <a:off x="2762135" y="1463140"/>
+            <a:off x="3423872" y="1655645"/>
             <a:ext cx="474159" cy="468580"/>
           </a:xfrm>
           <a:prstGeom prst="rect">
@@ -3448,7 +3457,7 @@
         </p:blipFill>
         <p:spPr>
           <a:xfrm>
-            <a:off x="2762135" y="725830"/>
+            <a:off x="3423872" y="918335"/>
             <a:ext cx="485517" cy="468580"/>
           </a:xfrm>
           <a:prstGeom prst="rect">
@@ -3478,7 +3487,7 @@
         </p:nvCxnSpPr>
         <p:spPr>
           <a:xfrm flipH="1">
-            <a:off x="2999215" y="1194410"/>
+            <a:off x="3660952" y="1386915"/>
             <a:ext cx="5679" cy="268730"/>
           </a:xfrm>
           <a:prstGeom prst="line">
@@ -3514,7 +3523,7 @@
         </p:nvSpPr>
         <p:spPr>
           <a:xfrm>
-            <a:off x="3247651" y="1448815"/>
+            <a:off x="3909388" y="1641320"/>
             <a:ext cx="975769" cy="461665"/>
           </a:xfrm>
           <a:prstGeom prst="rect">
@@ -3529,10 +3538,22 @@
           <a:lstStyle/>
           <a:p>
             <a:r>
-              <a:rPr lang="en-US" sz="1200" b="1" dirty="0"/>
+              <a:rPr lang="en-US" sz="1200" b="1" dirty="0">
+                <a:solidFill>
+                  <a:schemeClr val="accent1">
+                    <a:lumMod val="75000"/>
+                  </a:schemeClr>
+                </a:solidFill>
+              </a:rPr>
               <a:t>Power generator  </a:t>
             </a:r>
-            <a:endParaRPr lang="en-SG" sz="1200" b="1" dirty="0"/>
+            <a:endParaRPr lang="en-SG" sz="1200" b="1" dirty="0">
+              <a:solidFill>
+                <a:schemeClr val="accent1">
+                  <a:lumMod val="75000"/>
+                </a:schemeClr>
+              </a:solidFill>
+            </a:endParaRPr>
           </a:p>
         </p:txBody>
       </p:sp>
@@ -3550,7 +3571,7 @@
         </p:nvSpPr>
         <p:spPr>
           <a:xfrm>
-            <a:off x="3236294" y="732745"/>
+            <a:off x="3898031" y="925250"/>
             <a:ext cx="975769" cy="461665"/>
           </a:xfrm>
           <a:prstGeom prst="rect">
@@ -3565,10 +3586,22 @@
           <a:lstStyle/>
           <a:p>
             <a:r>
-              <a:rPr lang="en-US" sz="1200" b="1" dirty="0"/>
+              <a:rPr lang="en-US" sz="1200" b="1" dirty="0">
+                <a:solidFill>
+                  <a:schemeClr val="accent1">
+                    <a:lumMod val="75000"/>
+                  </a:schemeClr>
+                </a:solidFill>
+              </a:rPr>
               <a:t>Fuel pump and moto</a:t>
             </a:r>
-            <a:endParaRPr lang="en-SG" sz="1200" b="1" dirty="0"/>
+            <a:endParaRPr lang="en-SG" sz="1200" b="1" dirty="0">
+              <a:solidFill>
+                <a:schemeClr val="accent1">
+                  <a:lumMod val="75000"/>
+                </a:schemeClr>
+              </a:solidFill>
+            </a:endParaRPr>
           </a:p>
         </p:txBody>
       </p:sp>
@@ -3589,7 +3622,7 @@
         </p:nvCxnSpPr>
         <p:spPr>
           <a:xfrm flipH="1">
-            <a:off x="2999214" y="1931720"/>
+            <a:off x="3660951" y="2124225"/>
             <a:ext cx="1" cy="360070"/>
           </a:xfrm>
           <a:prstGeom prst="line">
@@ -3625,7 +3658,7 @@
         </p:nvSpPr>
         <p:spPr>
           <a:xfrm>
-            <a:off x="2966449" y="1973255"/>
+            <a:off x="3628186" y="2165760"/>
             <a:ext cx="646956" cy="276999"/>
           </a:xfrm>
           <a:prstGeom prst="rect">
@@ -3640,10 +3673,22 @@
           <a:lstStyle/>
           <a:p>
             <a:r>
-              <a:rPr lang="en-US" sz="1200" b="1" dirty="0"/>
+              <a:rPr lang="en-US" sz="1200" b="1" dirty="0">
+                <a:solidFill>
+                  <a:schemeClr val="accent1">
+                    <a:lumMod val="75000"/>
+                  </a:schemeClr>
+                </a:solidFill>
+              </a:rPr>
               <a:t>10KV</a:t>
             </a:r>
-            <a:endParaRPr lang="en-SG" sz="1200" b="1" dirty="0"/>
+            <a:endParaRPr lang="en-SG" sz="1200" b="1" dirty="0">
+              <a:solidFill>
+                <a:schemeClr val="accent1">
+                  <a:lumMod val="75000"/>
+                </a:schemeClr>
+              </a:solidFill>
+            </a:endParaRPr>
           </a:p>
         </p:txBody>
       </p:sp>
@@ -3669,7 +3714,7 @@
         </p:blipFill>
         <p:spPr>
           <a:xfrm>
-            <a:off x="432744" y="733700"/>
+            <a:off x="1094481" y="926205"/>
             <a:ext cx="747676" cy="729440"/>
           </a:xfrm>
           <a:prstGeom prst="rect">
@@ -3696,7 +3741,7 @@
         </p:nvSpPr>
         <p:spPr>
           <a:xfrm>
-            <a:off x="337668" y="259665"/>
+            <a:off x="999405" y="452170"/>
             <a:ext cx="1126879" cy="461665"/>
           </a:xfrm>
           <a:prstGeom prst="rect">
@@ -3711,10 +3756,22 @@
           <a:lstStyle/>
           <a:p>
             <a:r>
-              <a:rPr lang="en-US" sz="1200" b="1" dirty="0"/>
+              <a:rPr lang="en-US" sz="1200" b="1" dirty="0">
+                <a:solidFill>
+                  <a:schemeClr val="accent1">
+                    <a:lumMod val="75000"/>
+                  </a:schemeClr>
+                </a:solidFill>
+              </a:rPr>
               <a:t>Solar panel power plant  </a:t>
             </a:r>
-            <a:endParaRPr lang="en-SG" sz="1200" b="1" dirty="0"/>
+            <a:endParaRPr lang="en-SG" sz="1200" b="1" dirty="0">
+              <a:solidFill>
+                <a:schemeClr val="accent1">
+                  <a:lumMod val="75000"/>
+                </a:schemeClr>
+              </a:solidFill>
+            </a:endParaRPr>
           </a:p>
         </p:txBody>
       </p:sp>
@@ -3740,7 +3797,7 @@
         </p:blipFill>
         <p:spPr>
           <a:xfrm>
-            <a:off x="1582232" y="725830"/>
+            <a:off x="2243969" y="918335"/>
             <a:ext cx="759113" cy="737310"/>
           </a:xfrm>
           <a:prstGeom prst="rect">
@@ -3767,7 +3824,7 @@
         </p:nvSpPr>
         <p:spPr>
           <a:xfrm>
-            <a:off x="1464547" y="271080"/>
+            <a:off x="2126284" y="463585"/>
             <a:ext cx="1087193" cy="461665"/>
           </a:xfrm>
           <a:prstGeom prst="rect">
@@ -3782,13 +3839,25 @@
           <a:lstStyle/>
           <a:p>
             <a:r>
-              <a:rPr lang="en-US" sz="1200" b="1" dirty="0"/>
+              <a:rPr lang="en-US" sz="1200" b="1" dirty="0">
+                <a:solidFill>
+                  <a:schemeClr val="accent1">
+                    <a:lumMod val="75000"/>
+                  </a:schemeClr>
+                </a:solidFill>
+              </a:rPr>
               <a:t>Wind turbine</a:t>
             </a:r>
           </a:p>
           <a:p>
             <a:r>
-              <a:rPr lang="en-US" sz="1200" b="1" dirty="0"/>
+              <a:rPr lang="en-US" sz="1200" b="1" dirty="0">
+                <a:solidFill>
+                  <a:schemeClr val="accent1">
+                    <a:lumMod val="75000"/>
+                  </a:schemeClr>
+                </a:solidFill>
+              </a:rPr>
               <a:t>Power plant </a:t>
             </a:r>
           </a:p>
@@ -3810,7 +3879,7 @@
         </p:nvCxnSpPr>
         <p:spPr>
           <a:xfrm flipH="1">
-            <a:off x="718160" y="1488229"/>
+            <a:off x="1379897" y="1680734"/>
             <a:ext cx="0" cy="762025"/>
           </a:xfrm>
           <a:prstGeom prst="line">
@@ -3846,7 +3915,7 @@
         </p:nvSpPr>
         <p:spPr>
           <a:xfrm>
-            <a:off x="786051" y="1571300"/>
+            <a:off x="1447788" y="1763805"/>
             <a:ext cx="646956" cy="276999"/>
           </a:xfrm>
           <a:prstGeom prst="rect">
@@ -3861,10 +3930,22 @@
           <a:lstStyle/>
           <a:p>
             <a:r>
-              <a:rPr lang="en-US" sz="1200" b="1" dirty="0"/>
+              <a:rPr lang="en-US" sz="1200" b="1" dirty="0">
+                <a:solidFill>
+                  <a:schemeClr val="accent1">
+                    <a:lumMod val="75000"/>
+                  </a:schemeClr>
+                </a:solidFill>
+              </a:rPr>
               <a:t>40V</a:t>
             </a:r>
-            <a:endParaRPr lang="en-SG" sz="1200" b="1" dirty="0"/>
+            <a:endParaRPr lang="en-SG" sz="1200" b="1" dirty="0">
+              <a:solidFill>
+                <a:schemeClr val="accent1">
+                  <a:lumMod val="75000"/>
+                </a:schemeClr>
+              </a:solidFill>
+            </a:endParaRPr>
           </a:p>
         </p:txBody>
       </p:sp>
@@ -3882,7 +3963,7 @@
         </p:nvSpPr>
         <p:spPr>
           <a:xfrm>
-            <a:off x="1944470" y="1541147"/>
+            <a:off x="2606207" y="1733652"/>
             <a:ext cx="646956" cy="276999"/>
           </a:xfrm>
           <a:prstGeom prst="rect">
@@ -3897,10 +3978,22 @@
           <a:lstStyle/>
           <a:p>
             <a:r>
-              <a:rPr lang="en-US" sz="1200" b="1" dirty="0"/>
+              <a:rPr lang="en-US" sz="1200" b="1" dirty="0">
+                <a:solidFill>
+                  <a:schemeClr val="accent1">
+                    <a:lumMod val="75000"/>
+                  </a:schemeClr>
+                </a:solidFill>
+              </a:rPr>
               <a:t>3.3 KV</a:t>
             </a:r>
-            <a:endParaRPr lang="en-SG" sz="1200" b="1" dirty="0"/>
+            <a:endParaRPr lang="en-SG" sz="1200" b="1" dirty="0">
+              <a:solidFill>
+                <a:schemeClr val="accent1">
+                  <a:lumMod val="75000"/>
+                </a:schemeClr>
+              </a:solidFill>
+            </a:endParaRPr>
           </a:p>
         </p:txBody>
       </p:sp>
@@ -3920,7 +4013,7 @@
         </p:nvCxnSpPr>
         <p:spPr>
           <a:xfrm flipH="1">
-            <a:off x="1963797" y="1468929"/>
+            <a:off x="2625534" y="1661434"/>
             <a:ext cx="0" cy="820509"/>
           </a:xfrm>
           <a:prstGeom prst="line">
@@ -3964,7 +4057,7 @@
         </p:blipFill>
         <p:spPr>
           <a:xfrm>
-            <a:off x="1776626" y="2277821"/>
+            <a:off x="2438363" y="2470326"/>
             <a:ext cx="464174" cy="495720"/>
           </a:xfrm>
           <a:prstGeom prst="rect">
@@ -3999,7 +4092,7 @@
         </p:blipFill>
         <p:spPr>
           <a:xfrm>
-            <a:off x="4148932" y="1463140"/>
+            <a:off x="4810669" y="1655645"/>
             <a:ext cx="474159" cy="468580"/>
           </a:xfrm>
           <a:prstGeom prst="rect">
@@ -4034,7 +4127,7 @@
         </p:blipFill>
         <p:spPr>
           <a:xfrm>
-            <a:off x="4148932" y="725830"/>
+            <a:off x="4810669" y="918335"/>
             <a:ext cx="485517" cy="468580"/>
           </a:xfrm>
           <a:prstGeom prst="rect">
@@ -4065,7 +4158,7 @@
         </p:nvCxnSpPr>
         <p:spPr>
           <a:xfrm flipH="1">
-            <a:off x="4386012" y="1194410"/>
+            <a:off x="5047749" y="1386915"/>
             <a:ext cx="5679" cy="268730"/>
           </a:xfrm>
           <a:prstGeom prst="line">
@@ -4104,7 +4197,7 @@
         </p:nvCxnSpPr>
         <p:spPr>
           <a:xfrm flipH="1">
-            <a:off x="4386011" y="1931720"/>
+            <a:off x="5047748" y="2124225"/>
             <a:ext cx="1" cy="360070"/>
           </a:xfrm>
           <a:prstGeom prst="line">
@@ -4148,7 +4241,7 @@
         </p:blipFill>
         <p:spPr>
           <a:xfrm>
-            <a:off x="4783635" y="1463140"/>
+            <a:off x="5445372" y="1655645"/>
             <a:ext cx="474159" cy="468580"/>
           </a:xfrm>
           <a:prstGeom prst="rect">
@@ -4183,7 +4276,7 @@
         </p:blipFill>
         <p:spPr>
           <a:xfrm>
-            <a:off x="4783635" y="725830"/>
+            <a:off x="5445372" y="918335"/>
             <a:ext cx="485517" cy="468580"/>
           </a:xfrm>
           <a:prstGeom prst="rect">
@@ -4213,7 +4306,7 @@
         </p:nvCxnSpPr>
         <p:spPr>
           <a:xfrm flipH="1">
-            <a:off x="5020715" y="1194410"/>
+            <a:off x="5682452" y="1386915"/>
             <a:ext cx="5679" cy="268730"/>
           </a:xfrm>
           <a:prstGeom prst="line">
@@ -4252,7 +4345,7 @@
         </p:nvCxnSpPr>
         <p:spPr>
           <a:xfrm flipH="1">
-            <a:off x="5020714" y="1931720"/>
+            <a:off x="5682451" y="2124225"/>
             <a:ext cx="1" cy="360070"/>
           </a:xfrm>
           <a:prstGeom prst="line">
@@ -4296,7 +4389,7 @@
         </p:blipFill>
         <p:spPr>
           <a:xfrm>
-            <a:off x="536058" y="2289438"/>
+            <a:off x="1197795" y="2481943"/>
             <a:ext cx="464174" cy="495720"/>
           </a:xfrm>
           <a:prstGeom prst="rect">
@@ -4331,7 +4424,7 @@
         </p:blipFill>
         <p:spPr>
           <a:xfrm>
-            <a:off x="3571211" y="2206467"/>
+            <a:off x="4232948" y="2398972"/>
             <a:ext cx="464174" cy="495720"/>
           </a:xfrm>
           <a:prstGeom prst="rect">
@@ -4360,7 +4453,7 @@
         </p:nvCxnSpPr>
         <p:spPr>
           <a:xfrm>
-            <a:off x="4043793" y="2289438"/>
+            <a:off x="4705530" y="2481943"/>
             <a:ext cx="976921" cy="0"/>
           </a:xfrm>
           <a:prstGeom prst="line">
@@ -4398,7 +4491,7 @@
         </p:nvCxnSpPr>
         <p:spPr>
           <a:xfrm flipH="1">
-            <a:off x="2999214" y="2310559"/>
+            <a:off x="3660951" y="2503064"/>
             <a:ext cx="571997" cy="0"/>
           </a:xfrm>
           <a:prstGeom prst="line">
@@ -4434,7 +4527,7 @@
         </p:nvSpPr>
         <p:spPr>
           <a:xfrm>
-            <a:off x="958781" y="2233009"/>
+            <a:off x="1620518" y="2425514"/>
             <a:ext cx="812286" cy="553998"/>
           </a:xfrm>
           <a:prstGeom prst="rect">
@@ -4449,10 +4542,22 @@
           <a:lstStyle/>
           <a:p>
             <a:r>
-              <a:rPr lang="en-US" sz="1000" b="1" dirty="0"/>
+              <a:rPr lang="en-US" sz="1000" b="1" dirty="0">
+                <a:solidFill>
+                  <a:schemeClr val="accent1">
+                    <a:lumMod val="75000"/>
+                  </a:schemeClr>
+                </a:solidFill>
+              </a:rPr>
               <a:t>DC-AC generating substation </a:t>
             </a:r>
-            <a:endParaRPr lang="en-SG" sz="1000" b="1" dirty="0"/>
+            <a:endParaRPr lang="en-SG" sz="1000" b="1" dirty="0">
+              <a:solidFill>
+                <a:schemeClr val="accent1">
+                  <a:lumMod val="75000"/>
+                </a:schemeClr>
+              </a:solidFill>
+            </a:endParaRPr>
           </a:p>
         </p:txBody>
       </p:sp>
@@ -4470,7 +4575,7 @@
         </p:nvSpPr>
         <p:spPr>
           <a:xfrm>
-            <a:off x="2198695" y="2386398"/>
+            <a:off x="2860432" y="2578903"/>
             <a:ext cx="1126879" cy="553998"/>
           </a:xfrm>
           <a:prstGeom prst="rect">
@@ -4485,10 +4590,22 @@
           <a:lstStyle/>
           <a:p>
             <a:r>
-              <a:rPr lang="en-US" sz="1000" b="1" dirty="0"/>
+              <a:rPr lang="en-US" sz="1000" b="1" dirty="0">
+                <a:solidFill>
+                  <a:schemeClr val="accent1">
+                    <a:lumMod val="75000"/>
+                  </a:schemeClr>
+                </a:solidFill>
+              </a:rPr>
               <a:t>AC-AC generating substation </a:t>
             </a:r>
-            <a:endParaRPr lang="en-SG" sz="1000" b="1" dirty="0"/>
+            <a:endParaRPr lang="en-SG" sz="1000" b="1" dirty="0">
+              <a:solidFill>
+                <a:schemeClr val="accent1">
+                  <a:lumMod val="75000"/>
+                </a:schemeClr>
+              </a:solidFill>
+            </a:endParaRPr>
           </a:p>
         </p:txBody>
       </p:sp>
@@ -4506,7 +4623,7 @@
         </p:nvSpPr>
         <p:spPr>
           <a:xfrm>
-            <a:off x="4035385" y="2499927"/>
+            <a:off x="4697122" y="2692432"/>
             <a:ext cx="1851065" cy="246221"/>
           </a:xfrm>
           <a:prstGeom prst="rect">
@@ -4521,10 +4638,22 @@
           <a:lstStyle/>
           <a:p>
             <a:r>
-              <a:rPr lang="en-US" sz="1000" b="1" dirty="0"/>
+              <a:rPr lang="en-US" sz="1000" b="1" dirty="0">
+                <a:solidFill>
+                  <a:schemeClr val="accent1">
+                    <a:lumMod val="75000"/>
+                  </a:schemeClr>
+                </a:solidFill>
+              </a:rPr>
               <a:t>AC generating substation </a:t>
             </a:r>
-            <a:endParaRPr lang="en-SG" sz="1000" b="1" dirty="0"/>
+            <a:endParaRPr lang="en-SG" sz="1000" b="1" dirty="0">
+              <a:solidFill>
+                <a:schemeClr val="accent1">
+                  <a:lumMod val="75000"/>
+                </a:schemeClr>
+              </a:solidFill>
+            </a:endParaRPr>
           </a:p>
         </p:txBody>
       </p:sp>
@@ -4550,7 +4679,7 @@
         </p:blipFill>
         <p:spPr>
           <a:xfrm>
-            <a:off x="2140141" y="3194771"/>
+            <a:off x="2801878" y="3387276"/>
             <a:ext cx="621994" cy="580179"/>
           </a:xfrm>
           <a:prstGeom prst="rect">
@@ -4577,7 +4706,7 @@
         </p:nvSpPr>
         <p:spPr>
           <a:xfrm>
-            <a:off x="2591426" y="299288"/>
+            <a:off x="3253163" y="491793"/>
             <a:ext cx="1087193" cy="276999"/>
           </a:xfrm>
           <a:prstGeom prst="rect">
@@ -4592,7 +4721,13 @@
           <a:lstStyle/>
           <a:p>
             <a:r>
-              <a:rPr lang="en-US" sz="1200" b="1" dirty="0"/>
+              <a:rPr lang="en-US" sz="1200" b="1" dirty="0">
+                <a:solidFill>
+                  <a:schemeClr val="accent1">
+                    <a:lumMod val="75000"/>
+                  </a:schemeClr>
+                </a:solidFill>
+              </a:rPr>
               <a:t>Power plant </a:t>
             </a:r>
           </a:p>
@@ -4615,7 +4750,7 @@
         </p:nvCxnSpPr>
         <p:spPr>
           <a:xfrm rot="16200000" flipH="1">
-            <a:off x="1104292" y="2449011"/>
+            <a:off x="1766029" y="2641516"/>
             <a:ext cx="699703" cy="1371996"/>
           </a:xfrm>
           <a:prstGeom prst="bentConnector2">
@@ -4655,7 +4790,7 @@
         </p:nvCxnSpPr>
         <p:spPr>
           <a:xfrm rot="16200000" flipH="1">
-            <a:off x="2019310" y="2762943"/>
+            <a:off x="2681047" y="2955448"/>
             <a:ext cx="421230" cy="442425"/>
           </a:xfrm>
           <a:prstGeom prst="bentConnector3">
@@ -4697,7 +4832,7 @@
         </p:nvCxnSpPr>
         <p:spPr>
           <a:xfrm rot="5400000">
-            <a:off x="2891380" y="2572943"/>
+            <a:off x="3553117" y="2765448"/>
             <a:ext cx="782674" cy="1041163"/>
           </a:xfrm>
           <a:prstGeom prst="bentConnector2">
@@ -4733,7 +4868,7 @@
         </p:nvSpPr>
         <p:spPr>
           <a:xfrm>
-            <a:off x="1143876" y="3010286"/>
+            <a:off x="1805613" y="3202791"/>
             <a:ext cx="1391472" cy="400110"/>
           </a:xfrm>
           <a:prstGeom prst="rect">
@@ -4748,10 +4883,22 @@
           <a:lstStyle/>
           <a:p>
             <a:r>
-              <a:rPr lang="en-US" sz="1000" b="1" dirty="0"/>
+              <a:rPr lang="en-US" sz="1000" b="1" dirty="0">
+                <a:solidFill>
+                  <a:schemeClr val="accent1">
+                    <a:lumMod val="75000"/>
+                  </a:schemeClr>
+                </a:solidFill>
+              </a:rPr>
               <a:t>Generating step up transformer  </a:t>
             </a:r>
-            <a:endParaRPr lang="en-SG" sz="1000" b="1" dirty="0"/>
+            <a:endParaRPr lang="en-SG" sz="1000" b="1" dirty="0">
+              <a:solidFill>
+                <a:schemeClr val="accent1">
+                  <a:lumMod val="75000"/>
+                </a:schemeClr>
+              </a:solidFill>
+            </a:endParaRPr>
           </a:p>
         </p:txBody>
       </p:sp>
@@ -4771,6 +4918,13 @@
         </p:nvPicPr>
         <p:blipFill>
           <a:blip r:embed="rId8">
+            <a:duotone>
+              <a:schemeClr val="accent2">
+                <a:shade val="45000"/>
+                <a:satMod val="135000"/>
+              </a:schemeClr>
+              <a:prstClr val="white"/>
+            </a:duotone>
             <a:extLst>
               <a:ext uri="{28A0092B-C50C-407E-A947-70E740481C1C}">
                 <a14:useLocalDpi xmlns:a14="http://schemas.microsoft.com/office/drawing/2010/main" val="0"/>
@@ -4783,7 +4937,7 @@
         </p:blipFill>
         <p:spPr>
           <a:xfrm>
-            <a:off x="3102184" y="3876413"/>
+            <a:off x="3763921" y="4068918"/>
             <a:ext cx="621994" cy="1301403"/>
           </a:xfrm>
           <a:prstGeom prst="rect">
@@ -4808,12 +4962,17 @@
         </p:nvCxnSpPr>
         <p:spPr>
           <a:xfrm>
-            <a:off x="2451138" y="3774950"/>
+            <a:off x="3112875" y="3967455"/>
             <a:ext cx="662403" cy="462077"/>
           </a:xfrm>
           <a:prstGeom prst="line">
             <a:avLst/>
           </a:prstGeom>
+          <a:ln>
+            <a:solidFill>
+              <a:srgbClr val="C00000"/>
+            </a:solidFill>
+          </a:ln>
         </p:spPr>
         <p:style>
           <a:lnRef idx="2">
@@ -4846,6 +5005,13 @@
         </p:nvPicPr>
         <p:blipFill>
           <a:blip r:embed="rId8">
+            <a:duotone>
+              <a:schemeClr val="accent2">
+                <a:shade val="45000"/>
+                <a:satMod val="135000"/>
+              </a:schemeClr>
+              <a:prstClr val="white"/>
+            </a:duotone>
             <a:extLst>
               <a:ext uri="{28A0092B-C50C-407E-A947-70E740481C1C}">
                 <a14:useLocalDpi xmlns:a14="http://schemas.microsoft.com/office/drawing/2010/main" val="0"/>
@@ -4858,7 +5024,7 @@
         </p:blipFill>
         <p:spPr>
           <a:xfrm>
-            <a:off x="5451566" y="3876413"/>
+            <a:off x="6113303" y="4068918"/>
             <a:ext cx="621994" cy="1301403"/>
           </a:xfrm>
           <a:prstGeom prst="rect">
@@ -4883,12 +5049,17 @@
         </p:nvCxnSpPr>
         <p:spPr>
           <a:xfrm>
-            <a:off x="2451138" y="3774950"/>
+            <a:off x="3112875" y="3967455"/>
             <a:ext cx="683884" cy="357434"/>
           </a:xfrm>
           <a:prstGeom prst="line">
             <a:avLst/>
           </a:prstGeom>
+          <a:ln>
+            <a:solidFill>
+              <a:srgbClr val="C00000"/>
+            </a:solidFill>
+          </a:ln>
         </p:spPr>
         <p:style>
           <a:lnRef idx="2">
@@ -4922,12 +5093,17 @@
         </p:nvCxnSpPr>
         <p:spPr>
           <a:xfrm>
-            <a:off x="2451138" y="3774950"/>
+            <a:off x="3112875" y="3967455"/>
             <a:ext cx="662403" cy="231038"/>
           </a:xfrm>
           <a:prstGeom prst="line">
             <a:avLst/>
           </a:prstGeom>
+          <a:ln>
+            <a:solidFill>
+              <a:srgbClr val="C00000"/>
+            </a:solidFill>
+          </a:ln>
         </p:spPr>
         <p:style>
           <a:lnRef idx="2">
@@ -4958,7 +5134,7 @@
         </p:nvSpPr>
         <p:spPr>
           <a:xfrm>
-            <a:off x="739763" y="2815078"/>
+            <a:off x="1401500" y="3007583"/>
             <a:ext cx="646956" cy="276999"/>
           </a:xfrm>
           <a:prstGeom prst="rect">
@@ -4973,10 +5149,22 @@
           <a:lstStyle/>
           <a:p>
             <a:r>
-              <a:rPr lang="en-US" sz="1200" b="1" dirty="0"/>
+              <a:rPr lang="en-US" sz="1200" b="1" dirty="0">
+                <a:solidFill>
+                  <a:schemeClr val="accent1">
+                    <a:lumMod val="75000"/>
+                  </a:schemeClr>
+                </a:solidFill>
+              </a:rPr>
               <a:t>33kV</a:t>
             </a:r>
-            <a:endParaRPr lang="en-SG" sz="1200" b="1" dirty="0"/>
+            <a:endParaRPr lang="en-SG" sz="1200" b="1" dirty="0">
+              <a:solidFill>
+                <a:schemeClr val="accent1">
+                  <a:lumMod val="75000"/>
+                </a:schemeClr>
+              </a:solidFill>
+            </a:endParaRPr>
           </a:p>
         </p:txBody>
       </p:sp>
@@ -4994,7 +5182,7 @@
         </p:nvSpPr>
         <p:spPr>
           <a:xfrm>
-            <a:off x="1535291" y="2758005"/>
+            <a:off x="2197028" y="2950510"/>
             <a:ext cx="646956" cy="276999"/>
           </a:xfrm>
           <a:prstGeom prst="rect">
@@ -5009,10 +5197,22 @@
           <a:lstStyle/>
           <a:p>
             <a:r>
-              <a:rPr lang="en-US" sz="1200" b="1" dirty="0"/>
+              <a:rPr lang="en-US" sz="1200" b="1" dirty="0">
+                <a:solidFill>
+                  <a:schemeClr val="accent1">
+                    <a:lumMod val="75000"/>
+                  </a:schemeClr>
+                </a:solidFill>
+              </a:rPr>
               <a:t>33kV</a:t>
             </a:r>
-            <a:endParaRPr lang="en-SG" sz="1200" b="1" dirty="0"/>
+            <a:endParaRPr lang="en-SG" sz="1200" b="1" dirty="0">
+              <a:solidFill>
+                <a:schemeClr val="accent1">
+                  <a:lumMod val="75000"/>
+                </a:schemeClr>
+              </a:solidFill>
+            </a:endParaRPr>
           </a:p>
         </p:txBody>
       </p:sp>
@@ -5030,7 +5230,7 @@
         </p:nvSpPr>
         <p:spPr>
           <a:xfrm>
-            <a:off x="3747643" y="2758005"/>
+            <a:off x="4409380" y="2950510"/>
             <a:ext cx="646956" cy="276999"/>
           </a:xfrm>
           <a:prstGeom prst="rect">
@@ -5045,10 +5245,22 @@
           <a:lstStyle/>
           <a:p>
             <a:r>
-              <a:rPr lang="en-US" sz="1200" b="1" dirty="0"/>
+              <a:rPr lang="en-US" sz="1200" b="1" dirty="0">
+                <a:solidFill>
+                  <a:schemeClr val="accent1">
+                    <a:lumMod val="75000"/>
+                  </a:schemeClr>
+                </a:solidFill>
+              </a:rPr>
               <a:t>33kV</a:t>
             </a:r>
-            <a:endParaRPr lang="en-SG" sz="1200" b="1" dirty="0"/>
+            <a:endParaRPr lang="en-SG" sz="1200" b="1" dirty="0">
+              <a:solidFill>
+                <a:schemeClr val="accent1">
+                  <a:lumMod val="75000"/>
+                </a:schemeClr>
+              </a:solidFill>
+            </a:endParaRPr>
           </a:p>
         </p:txBody>
       </p:sp>
@@ -5066,7 +5278,7 @@
         </p:nvSpPr>
         <p:spPr>
           <a:xfrm>
-            <a:off x="2753877" y="3653688"/>
+            <a:off x="3415614" y="3846193"/>
             <a:ext cx="1141491" cy="276999"/>
           </a:xfrm>
           <a:prstGeom prst="rect">
@@ -5081,10 +5293,18 @@
           <a:lstStyle/>
           <a:p>
             <a:r>
-              <a:rPr lang="en-US" sz="1200" b="1" dirty="0"/>
+              <a:rPr lang="en-US" sz="1200" b="1" dirty="0">
+                <a:solidFill>
+                  <a:srgbClr val="FF0000"/>
+                </a:solidFill>
+              </a:rPr>
               <a:t>138k-400k V</a:t>
             </a:r>
-            <a:endParaRPr lang="en-SG" sz="1200" b="1" dirty="0"/>
+            <a:endParaRPr lang="en-SG" sz="1200" b="1" dirty="0">
+              <a:solidFill>
+                <a:srgbClr val="FF0000"/>
+              </a:solidFill>
+            </a:endParaRPr>
           </a:p>
         </p:txBody>
       </p:sp>
@@ -5104,12 +5324,17 @@
         </p:nvCxnSpPr>
         <p:spPr>
           <a:xfrm>
-            <a:off x="3717573" y="3999631"/>
+            <a:off x="4379310" y="4192136"/>
             <a:ext cx="1733993" cy="0"/>
           </a:xfrm>
           <a:prstGeom prst="line">
             <a:avLst/>
           </a:prstGeom>
+          <a:ln>
+            <a:solidFill>
+              <a:srgbClr val="C00000"/>
+            </a:solidFill>
+          </a:ln>
         </p:spPr>
         <p:style>
           <a:lnRef idx="2">
@@ -5142,12 +5367,17 @@
         </p:nvCxnSpPr>
         <p:spPr>
           <a:xfrm>
-            <a:off x="3726826" y="4114966"/>
+            <a:off x="4388563" y="4307471"/>
             <a:ext cx="1733993" cy="0"/>
           </a:xfrm>
           <a:prstGeom prst="line">
             <a:avLst/>
           </a:prstGeom>
+          <a:ln>
+            <a:solidFill>
+              <a:srgbClr val="C00000"/>
+            </a:solidFill>
+          </a:ln>
         </p:spPr>
         <p:style>
           <a:lnRef idx="2">
@@ -5180,12 +5410,17 @@
         </p:nvCxnSpPr>
         <p:spPr>
           <a:xfrm>
-            <a:off x="3710333" y="4237027"/>
+            <a:off x="4372070" y="4429532"/>
             <a:ext cx="1733993" cy="0"/>
           </a:xfrm>
           <a:prstGeom prst="line">
             <a:avLst/>
           </a:prstGeom>
+          <a:ln>
+            <a:solidFill>
+              <a:srgbClr val="C00000"/>
+            </a:solidFill>
+          </a:ln>
         </p:spPr>
         <p:style>
           <a:lnRef idx="2">
@@ -5218,12 +5453,17 @@
         </p:nvCxnSpPr>
         <p:spPr>
           <a:xfrm>
-            <a:off x="6052475" y="3998288"/>
+            <a:off x="6714212" y="4190793"/>
             <a:ext cx="1216983" cy="755249"/>
           </a:xfrm>
           <a:prstGeom prst="line">
             <a:avLst/>
           </a:prstGeom>
+          <a:ln>
+            <a:solidFill>
+              <a:srgbClr val="C00000"/>
+            </a:solidFill>
+          </a:ln>
         </p:spPr>
         <p:style>
           <a:lnRef idx="2">
@@ -5256,12 +5496,17 @@
         </p:nvCxnSpPr>
         <p:spPr>
           <a:xfrm>
-            <a:off x="6068780" y="4114966"/>
+            <a:off x="6730517" y="4307471"/>
             <a:ext cx="1200678" cy="638571"/>
           </a:xfrm>
           <a:prstGeom prst="line">
             <a:avLst/>
           </a:prstGeom>
+          <a:ln>
+            <a:solidFill>
+              <a:srgbClr val="C00000"/>
+            </a:solidFill>
+          </a:ln>
         </p:spPr>
         <p:style>
           <a:lnRef idx="2">
@@ -5294,12 +5539,17 @@
         </p:nvCxnSpPr>
         <p:spPr>
           <a:xfrm>
-            <a:off x="6052475" y="4237027"/>
+            <a:off x="6714212" y="4429532"/>
             <a:ext cx="1216983" cy="516510"/>
           </a:xfrm>
           <a:prstGeom prst="line">
             <a:avLst/>
           </a:prstGeom>
+          <a:ln>
+            <a:solidFill>
+              <a:srgbClr val="C00000"/>
+            </a:solidFill>
+          </a:ln>
         </p:spPr>
         <p:style>
           <a:lnRef idx="2">
@@ -5338,7 +5588,7 @@
         </p:blipFill>
         <p:spPr>
           <a:xfrm>
-            <a:off x="4113205" y="4733250"/>
+            <a:off x="4774942" y="4925755"/>
             <a:ext cx="748250" cy="661610"/>
           </a:xfrm>
           <a:prstGeom prst="rect">
@@ -5367,12 +5617,17 @@
         </p:nvCxnSpPr>
         <p:spPr>
           <a:xfrm>
-            <a:off x="4258305" y="4005988"/>
+            <a:off x="4920042" y="4198493"/>
             <a:ext cx="0" cy="730619"/>
           </a:xfrm>
           <a:prstGeom prst="line">
             <a:avLst/>
           </a:prstGeom>
+          <a:ln>
+            <a:solidFill>
+              <a:srgbClr val="C00000"/>
+            </a:solidFill>
+          </a:ln>
         </p:spPr>
         <p:style>
           <a:lnRef idx="2">
@@ -5405,12 +5660,17 @@
         </p:nvCxnSpPr>
         <p:spPr>
           <a:xfrm>
-            <a:off x="4381470" y="4132384"/>
+            <a:off x="5043207" y="4324889"/>
             <a:ext cx="0" cy="604223"/>
           </a:xfrm>
           <a:prstGeom prst="line">
             <a:avLst/>
           </a:prstGeom>
+          <a:ln>
+            <a:solidFill>
+              <a:srgbClr val="C00000"/>
+            </a:solidFill>
+          </a:ln>
         </p:spPr>
         <p:style>
           <a:lnRef idx="2">
@@ -5444,12 +5704,17 @@
         </p:nvCxnSpPr>
         <p:spPr>
           <a:xfrm>
-            <a:off x="4487330" y="4220548"/>
+            <a:off x="5149067" y="4413053"/>
             <a:ext cx="0" cy="512702"/>
           </a:xfrm>
           <a:prstGeom prst="line">
             <a:avLst/>
           </a:prstGeom>
+          <a:ln>
+            <a:solidFill>
+              <a:srgbClr val="C00000"/>
+            </a:solidFill>
+          </a:ln>
         </p:spPr>
         <p:style>
           <a:lnRef idx="2">
@@ -5488,7 +5753,7 @@
         </p:blipFill>
         <p:spPr>
           <a:xfrm>
-            <a:off x="1410725" y="4723078"/>
+            <a:off x="2072462" y="4915583"/>
             <a:ext cx="748250" cy="661610"/>
           </a:xfrm>
           <a:prstGeom prst="rect">
@@ -5518,12 +5783,17 @@
         </p:nvCxnSpPr>
         <p:spPr>
           <a:xfrm flipV="1">
-            <a:off x="1582232" y="3774950"/>
+            <a:off x="2243969" y="3967455"/>
             <a:ext cx="868906" cy="937613"/>
           </a:xfrm>
           <a:prstGeom prst="line">
             <a:avLst/>
           </a:prstGeom>
+          <a:ln>
+            <a:solidFill>
+              <a:srgbClr val="C00000"/>
+            </a:solidFill>
+          </a:ln>
         </p:spPr>
         <p:style>
           <a:lnRef idx="2">
@@ -5557,12 +5827,17 @@
         </p:nvCxnSpPr>
         <p:spPr>
           <a:xfrm flipH="1">
-            <a:off x="1660157" y="3774950"/>
+            <a:off x="2321894" y="3967455"/>
             <a:ext cx="790981" cy="948128"/>
           </a:xfrm>
           <a:prstGeom prst="line">
             <a:avLst/>
           </a:prstGeom>
+          <a:ln>
+            <a:solidFill>
+              <a:srgbClr val="C00000"/>
+            </a:solidFill>
+          </a:ln>
         </p:spPr>
         <p:style>
           <a:lnRef idx="2">
@@ -5597,12 +5872,17 @@
         </p:nvCxnSpPr>
         <p:spPr>
           <a:xfrm flipH="1">
-            <a:off x="1784850" y="3774950"/>
+            <a:off x="2446587" y="3967455"/>
             <a:ext cx="666288" cy="948128"/>
           </a:xfrm>
           <a:prstGeom prst="line">
             <a:avLst/>
           </a:prstGeom>
+          <a:ln>
+            <a:solidFill>
+              <a:srgbClr val="C00000"/>
+            </a:solidFill>
+          </a:ln>
         </p:spPr>
         <p:style>
           <a:lnRef idx="2">
@@ -5633,7 +5913,7 @@
         </p:nvSpPr>
         <p:spPr>
           <a:xfrm>
-            <a:off x="1259280" y="5372188"/>
+            <a:off x="1921017" y="5564693"/>
             <a:ext cx="2065342" cy="430887"/>
           </a:xfrm>
           <a:prstGeom prst="rect">
@@ -5649,7 +5929,13 @@
           <a:p>
             <a:r>
               <a:rPr lang="en-US" sz="1100" b="1" dirty="0"/>
-              <a:t>138k-230k direct transmission customer </a:t>
+              <a:t>138k-230k </a:t>
+            </a:r>
+          </a:p>
+          <a:p>
+            <a:r>
+              <a:rPr lang="en-US" sz="1100" b="1" dirty="0"/>
+              <a:t>direct customer </a:t>
             </a:r>
             <a:endParaRPr lang="en-SG" sz="1100" b="1" dirty="0"/>
           </a:p>
@@ -5669,7 +5955,7 @@
         </p:nvSpPr>
         <p:spPr>
           <a:xfrm>
-            <a:off x="3928246" y="5394860"/>
+            <a:off x="4589983" y="5587365"/>
             <a:ext cx="2065342" cy="430887"/>
           </a:xfrm>
           <a:prstGeom prst="rect">
@@ -5713,7 +5999,7 @@
         </p:blipFill>
         <p:spPr>
           <a:xfrm>
-            <a:off x="7283857" y="4597637"/>
+            <a:off x="7945594" y="4790142"/>
             <a:ext cx="621994" cy="580179"/>
           </a:xfrm>
           <a:prstGeom prst="rect">
@@ -5740,7 +6026,7 @@
         </p:nvSpPr>
         <p:spPr>
           <a:xfrm>
-            <a:off x="7210115" y="5194805"/>
+            <a:off x="7871852" y="5387310"/>
             <a:ext cx="1391472" cy="400110"/>
           </a:xfrm>
           <a:prstGeom prst="rect">
@@ -5755,10 +6041,22 @@
           <a:lstStyle/>
           <a:p>
             <a:r>
-              <a:rPr lang="en-US" sz="1000" b="1" dirty="0"/>
+              <a:rPr lang="en-US" sz="1000" b="1" dirty="0">
+                <a:solidFill>
+                  <a:schemeClr val="accent6">
+                    <a:lumMod val="75000"/>
+                  </a:schemeClr>
+                </a:solidFill>
+              </a:rPr>
               <a:t>Substation step down transformer  </a:t>
             </a:r>
-            <a:endParaRPr lang="en-SG" sz="1000" b="1" dirty="0"/>
+            <a:endParaRPr lang="en-SG" sz="1000" b="1" dirty="0">
+              <a:solidFill>
+                <a:schemeClr val="accent6">
+                  <a:lumMod val="75000"/>
+                </a:schemeClr>
+              </a:solidFill>
+            </a:endParaRPr>
           </a:p>
         </p:txBody>
       </p:sp>
@@ -5778,12 +6076,19 @@
         </p:nvCxnSpPr>
         <p:spPr>
           <a:xfrm>
-            <a:off x="7568960" y="3802931"/>
+            <a:off x="8230697" y="3995436"/>
             <a:ext cx="9816" cy="786212"/>
           </a:xfrm>
           <a:prstGeom prst="line">
             <a:avLst/>
           </a:prstGeom>
+          <a:ln>
+            <a:solidFill>
+              <a:schemeClr val="accent6">
+                <a:lumMod val="75000"/>
+              </a:schemeClr>
+            </a:solidFill>
+          </a:ln>
         </p:spPr>
         <p:style>
           <a:lnRef idx="2">
@@ -5822,7 +6127,7 @@
         </p:blipFill>
         <p:spPr>
           <a:xfrm>
-            <a:off x="7257963" y="3225878"/>
+            <a:off x="7919700" y="3418383"/>
             <a:ext cx="621994" cy="580179"/>
           </a:xfrm>
           <a:prstGeom prst="rect">
@@ -5857,15 +6162,17 @@
         </p:blipFill>
         <p:spPr>
           <a:xfrm>
-            <a:off x="7257963" y="1806219"/>
+            <a:off x="7919700" y="1998724"/>
             <a:ext cx="621994" cy="580179"/>
           </a:xfrm>
           <a:prstGeom prst="rect">
             <a:avLst/>
           </a:prstGeom>
-          <a:ln w="9525">
+          <a:ln w="12700">
             <a:solidFill>
-              <a:schemeClr val="tx1"/>
+              <a:schemeClr val="accent6">
+                <a:lumMod val="75000"/>
+              </a:schemeClr>
             </a:solidFill>
           </a:ln>
         </p:spPr>
@@ -5888,12 +6195,19 @@
         </p:nvCxnSpPr>
         <p:spPr>
           <a:xfrm>
-            <a:off x="7568960" y="2386398"/>
+            <a:off x="8230697" y="2578903"/>
             <a:ext cx="0" cy="839480"/>
           </a:xfrm>
           <a:prstGeom prst="line">
             <a:avLst/>
           </a:prstGeom>
+          <a:ln>
+            <a:solidFill>
+              <a:schemeClr val="accent6">
+                <a:lumMod val="75000"/>
+              </a:schemeClr>
+            </a:solidFill>
+          </a:ln>
         </p:spPr>
         <p:style>
           <a:lnRef idx="2">
@@ -5924,7 +6238,7 @@
         </p:nvSpPr>
         <p:spPr>
           <a:xfrm>
-            <a:off x="7095731" y="4303649"/>
+            <a:off x="7757468" y="4496154"/>
             <a:ext cx="646956" cy="276999"/>
           </a:xfrm>
           <a:prstGeom prst="rect">
@@ -5939,10 +6253,22 @@
           <a:lstStyle/>
           <a:p>
             <a:r>
-              <a:rPr lang="en-US" sz="1200" b="1" dirty="0"/>
+              <a:rPr lang="en-US" sz="1200" b="1" dirty="0">
+                <a:solidFill>
+                  <a:schemeClr val="accent6">
+                    <a:lumMod val="75000"/>
+                  </a:schemeClr>
+                </a:solidFill>
+              </a:rPr>
               <a:t>lvl0</a:t>
             </a:r>
-            <a:endParaRPr lang="en-SG" sz="1200" b="1" dirty="0"/>
+            <a:endParaRPr lang="en-SG" sz="1200" b="1" dirty="0">
+              <a:solidFill>
+                <a:schemeClr val="accent6">
+                  <a:lumMod val="75000"/>
+                </a:schemeClr>
+              </a:solidFill>
+            </a:endParaRPr>
           </a:p>
         </p:txBody>
       </p:sp>
@@ -5960,7 +6286,7 @@
         </p:nvSpPr>
         <p:spPr>
           <a:xfrm>
-            <a:off x="7031176" y="2935898"/>
+            <a:off x="7692913" y="3128403"/>
             <a:ext cx="646956" cy="276999"/>
           </a:xfrm>
           <a:prstGeom prst="rect">
@@ -5975,10 +6301,22 @@
           <a:lstStyle/>
           <a:p>
             <a:r>
-              <a:rPr lang="en-US" sz="1200" b="1" dirty="0"/>
+              <a:rPr lang="en-US" sz="1200" b="1" dirty="0">
+                <a:solidFill>
+                  <a:schemeClr val="accent6">
+                    <a:lumMod val="75000"/>
+                  </a:schemeClr>
+                </a:solidFill>
+              </a:rPr>
               <a:t>lvl1</a:t>
             </a:r>
-            <a:endParaRPr lang="en-SG" sz="1200" b="1" dirty="0"/>
+            <a:endParaRPr lang="en-SG" sz="1200" b="1" dirty="0">
+              <a:solidFill>
+                <a:schemeClr val="accent6">
+                  <a:lumMod val="75000"/>
+                </a:schemeClr>
+              </a:solidFill>
+            </a:endParaRPr>
           </a:p>
         </p:txBody>
       </p:sp>
@@ -5996,7 +6334,7 @@
         </p:nvSpPr>
         <p:spPr>
           <a:xfrm>
-            <a:off x="7045991" y="1529783"/>
+            <a:off x="7707728" y="1722288"/>
             <a:ext cx="646956" cy="276999"/>
           </a:xfrm>
           <a:prstGeom prst="rect">
@@ -6011,19 +6349,67 @@
           <a:lstStyle/>
           <a:p>
             <a:r>
-              <a:rPr lang="en-US" sz="1200" b="1" dirty="0"/>
+              <a:rPr lang="en-US" sz="1200" b="1" dirty="0">
+                <a:solidFill>
+                  <a:schemeClr val="accent6">
+                    <a:lumMod val="75000"/>
+                  </a:schemeClr>
+                </a:solidFill>
+              </a:rPr>
               <a:t>lvl2</a:t>
             </a:r>
-            <a:endParaRPr lang="en-SG" sz="1200" b="1" dirty="0"/>
+            <a:endParaRPr lang="en-SG" sz="1200" b="1" dirty="0">
+              <a:solidFill>
+                <a:schemeClr val="accent6">
+                  <a:lumMod val="75000"/>
+                </a:schemeClr>
+              </a:solidFill>
+            </a:endParaRPr>
+          </a:p>
+        </p:txBody>
+      </p:sp>
+      <p:sp>
+        <p:nvSpPr>
+          <p:cNvPr id="139" name="TextBox 138">
+            <a:extLst>
+              <a:ext uri="{FF2B5EF4-FFF2-40B4-BE49-F238E27FC236}">
+                <a16:creationId xmlns:a16="http://schemas.microsoft.com/office/drawing/2014/main" id="{CC2C0FB3-B03D-19C4-CDB1-1EE20936CAD2}"/>
+              </a:ext>
+            </a:extLst>
+          </p:cNvPr>
+          <p:cNvSpPr txBox="1"/>
+          <p:nvPr/>
+        </p:nvSpPr>
+        <p:spPr>
+          <a:xfrm>
+            <a:off x="9218260" y="4319936"/>
+            <a:ext cx="1190629" cy="400110"/>
+          </a:xfrm>
+          <a:prstGeom prst="rect">
+            <a:avLst/>
+          </a:prstGeom>
+          <a:noFill/>
+        </p:spPr>
+        <p:txBody>
+          <a:bodyPr wrap="square" rtlCol="0">
+            <a:spAutoFit/>
+          </a:bodyPr>
+          <a:lstStyle/>
+          <a:p>
+            <a:r>
+              <a:rPr lang="en-US" sz="1000" b="1" dirty="0"/>
+              <a:t>Substation Customer</a:t>
+            </a:r>
+            <a:endParaRPr lang="en-SG" sz="1000" b="1" dirty="0"/>
           </a:p>
         </p:txBody>
       </p:sp>
       <p:pic>
         <p:nvPicPr>
-          <p:cNvPr id="138" name="Picture 137">
-            <a:extLst>
-              <a:ext uri="{FF2B5EF4-FFF2-40B4-BE49-F238E27FC236}">
-                <a16:creationId xmlns:a16="http://schemas.microsoft.com/office/drawing/2014/main" id="{99594CAE-76D9-EB8F-3C7D-F3A0A21BF26F}"/>
+          <p:cNvPr id="140" name="Picture 139" descr="A picture containing text, screenshot, display, diagram&#10;&#10;Description automatically generated">
+            <a:extLst>
+              <a:ext uri="{FF2B5EF4-FFF2-40B4-BE49-F238E27FC236}">
+                <a16:creationId xmlns:a16="http://schemas.microsoft.com/office/drawing/2014/main" id="{177BDBFA-8447-8060-E427-07E7C657FE41}"/>
               </a:ext>
             </a:extLst>
           </p:cNvPr>
@@ -6033,15 +6419,21 @@
           <p:nvPr/>
         </p:nvPicPr>
         <p:blipFill>
-          <a:blip r:embed="rId10"/>
+          <a:blip r:embed="rId10">
+            <a:extLst>
+              <a:ext uri="{28A0092B-C50C-407E-A947-70E740481C1C}">
+                <a14:useLocalDpi xmlns:a14="http://schemas.microsoft.com/office/drawing/2010/main" val="0"/>
+              </a:ext>
+            </a:extLst>
+          </a:blip>
           <a:stretch>
             <a:fillRect/>
           </a:stretch>
         </p:blipFill>
         <p:spPr>
           <a:xfrm>
-            <a:off x="9312192" y="5169931"/>
-            <a:ext cx="499692" cy="580179"/>
+            <a:off x="10077055" y="4529403"/>
+            <a:ext cx="1757663" cy="977245"/>
           </a:xfrm>
           <a:prstGeom prst="rect">
             <a:avLst/>
@@ -6053,12 +6445,59 @@
           </a:ln>
         </p:spPr>
       </p:pic>
-      <p:sp>
-        <p:nvSpPr>
-          <p:cNvPr id="139" name="TextBox 138">
-            <a:extLst>
-              <a:ext uri="{FF2B5EF4-FFF2-40B4-BE49-F238E27FC236}">
-                <a16:creationId xmlns:a16="http://schemas.microsoft.com/office/drawing/2014/main" id="{CC2C0FB3-B03D-19C4-CDB1-1EE20936CAD2}"/>
+      <p:cxnSp>
+        <p:nvCxnSpPr>
+          <p:cNvPr id="143" name="Straight Connector 142">
+            <a:extLst>
+              <a:ext uri="{FF2B5EF4-FFF2-40B4-BE49-F238E27FC236}">
+                <a16:creationId xmlns:a16="http://schemas.microsoft.com/office/drawing/2014/main" id="{90B2D6CB-1063-920B-0132-B85EF327B999}"/>
+              </a:ext>
+            </a:extLst>
+          </p:cNvPr>
+          <p:cNvCxnSpPr>
+            <a:cxnSpLocks/>
+            <a:stCxn id="138" idx="1"/>
+            <a:endCxn id="121" idx="3"/>
+          </p:cNvCxnSpPr>
+          <p:nvPr/>
+        </p:nvCxnSpPr>
+        <p:spPr>
+          <a:xfrm flipH="1">
+            <a:off x="8567588" y="5071738"/>
+            <a:ext cx="770589" cy="0"/>
+          </a:xfrm>
+          <a:prstGeom prst="line">
+            <a:avLst/>
+          </a:prstGeom>
+          <a:ln>
+            <a:solidFill>
+              <a:schemeClr val="accent6">
+                <a:lumMod val="75000"/>
+              </a:schemeClr>
+            </a:solidFill>
+          </a:ln>
+        </p:spPr>
+        <p:style>
+          <a:lnRef idx="2">
+            <a:schemeClr val="accent1"/>
+          </a:lnRef>
+          <a:fillRef idx="0">
+            <a:schemeClr val="accent1"/>
+          </a:fillRef>
+          <a:effectRef idx="1">
+            <a:schemeClr val="accent1"/>
+          </a:effectRef>
+          <a:fontRef idx="minor">
+            <a:schemeClr val="tx1"/>
+          </a:fontRef>
+        </p:style>
+      </p:cxnSp>
+      <p:sp>
+        <p:nvSpPr>
+          <p:cNvPr id="148" name="TextBox 147">
+            <a:extLst>
+              <a:ext uri="{FF2B5EF4-FFF2-40B4-BE49-F238E27FC236}">
+                <a16:creationId xmlns:a16="http://schemas.microsoft.com/office/drawing/2014/main" id="{8A63DD43-3C37-1BB0-8BBC-8ABC3A8B2474}"/>
               </a:ext>
             </a:extLst>
           </p:cNvPr>
@@ -6067,8 +6506,8 @@
         </p:nvSpPr>
         <p:spPr>
           <a:xfrm>
-            <a:off x="8863962" y="5870023"/>
-            <a:ext cx="1767478" cy="246221"/>
+            <a:off x="8522851" y="4706629"/>
+            <a:ext cx="883655" cy="276999"/>
           </a:xfrm>
           <a:prstGeom prst="rect">
             <a:avLst/>
@@ -6082,19 +6521,208 @@
           <a:lstStyle/>
           <a:p>
             <a:r>
+              <a:rPr lang="en-US" sz="1200" b="1" dirty="0">
+                <a:solidFill>
+                  <a:schemeClr val="accent6">
+                    <a:lumMod val="75000"/>
+                  </a:schemeClr>
+                </a:solidFill>
+              </a:rPr>
+              <a:t>26-69kV</a:t>
+            </a:r>
+            <a:endParaRPr lang="en-SG" sz="1200" b="1" dirty="0">
+              <a:solidFill>
+                <a:schemeClr val="accent6">
+                  <a:lumMod val="75000"/>
+                </a:schemeClr>
+              </a:solidFill>
+            </a:endParaRPr>
+          </a:p>
+        </p:txBody>
+      </p:sp>
+      <p:cxnSp>
+        <p:nvCxnSpPr>
+          <p:cNvPr id="149" name="Straight Connector 148">
+            <a:extLst>
+              <a:ext uri="{FF2B5EF4-FFF2-40B4-BE49-F238E27FC236}">
+                <a16:creationId xmlns:a16="http://schemas.microsoft.com/office/drawing/2014/main" id="{4683D50D-9AB2-C318-BB1B-7FCC65234729}"/>
+              </a:ext>
+            </a:extLst>
+          </p:cNvPr>
+          <p:cNvCxnSpPr>
+            <a:cxnSpLocks/>
+          </p:cNvCxnSpPr>
+          <p:nvPr/>
+        </p:nvCxnSpPr>
+        <p:spPr>
+          <a:xfrm flipH="1">
+            <a:off x="8541694" y="3658697"/>
+            <a:ext cx="1046329" cy="0"/>
+          </a:xfrm>
+          <a:prstGeom prst="line">
+            <a:avLst/>
+          </a:prstGeom>
+          <a:ln>
+            <a:solidFill>
+              <a:schemeClr val="accent6">
+                <a:lumMod val="75000"/>
+              </a:schemeClr>
+            </a:solidFill>
+          </a:ln>
+        </p:spPr>
+        <p:style>
+          <a:lnRef idx="2">
+            <a:schemeClr val="accent1"/>
+          </a:lnRef>
+          <a:fillRef idx="0">
+            <a:schemeClr val="accent1"/>
+          </a:fillRef>
+          <a:effectRef idx="1">
+            <a:schemeClr val="accent1"/>
+          </a:effectRef>
+          <a:fontRef idx="minor">
+            <a:schemeClr val="tx1"/>
+          </a:fontRef>
+        </p:style>
+      </p:cxnSp>
+      <p:sp>
+        <p:nvSpPr>
+          <p:cNvPr id="151" name="TextBox 150">
+            <a:extLst>
+              <a:ext uri="{FF2B5EF4-FFF2-40B4-BE49-F238E27FC236}">
+                <a16:creationId xmlns:a16="http://schemas.microsoft.com/office/drawing/2014/main" id="{1A1F7EE5-1E92-AFB6-59A5-3F13E02CC94C}"/>
+              </a:ext>
+            </a:extLst>
+          </p:cNvPr>
+          <p:cNvSpPr txBox="1"/>
+          <p:nvPr/>
+        </p:nvSpPr>
+        <p:spPr>
+          <a:xfrm>
+            <a:off x="8291495" y="4009290"/>
+            <a:ext cx="1391472" cy="400110"/>
+          </a:xfrm>
+          <a:prstGeom prst="rect">
+            <a:avLst/>
+          </a:prstGeom>
+          <a:noFill/>
+        </p:spPr>
+        <p:txBody>
+          <a:bodyPr wrap="square" rtlCol="0">
+            <a:spAutoFit/>
+          </a:bodyPr>
+          <a:lstStyle/>
+          <a:p>
+            <a:r>
+              <a:rPr lang="en-US" sz="1000" b="1" dirty="0">
+                <a:solidFill>
+                  <a:schemeClr val="accent6">
+                    <a:lumMod val="75000"/>
+                  </a:schemeClr>
+                </a:solidFill>
+              </a:rPr>
+              <a:t>Primary step-down transformer  </a:t>
+            </a:r>
+            <a:endParaRPr lang="en-SG" sz="1000" b="1" dirty="0">
+              <a:solidFill>
+                <a:schemeClr val="accent6">
+                  <a:lumMod val="75000"/>
+                </a:schemeClr>
+              </a:solidFill>
+            </a:endParaRPr>
+          </a:p>
+        </p:txBody>
+      </p:sp>
+      <p:sp>
+        <p:nvSpPr>
+          <p:cNvPr id="153" name="TextBox 152">
+            <a:extLst>
+              <a:ext uri="{FF2B5EF4-FFF2-40B4-BE49-F238E27FC236}">
+                <a16:creationId xmlns:a16="http://schemas.microsoft.com/office/drawing/2014/main" id="{00EDE1FD-5104-EEB4-D61B-447483C9E820}"/>
+              </a:ext>
+            </a:extLst>
+          </p:cNvPr>
+          <p:cNvSpPr txBox="1"/>
+          <p:nvPr/>
+        </p:nvSpPr>
+        <p:spPr>
+          <a:xfrm>
+            <a:off x="9296872" y="2948789"/>
+            <a:ext cx="995055" cy="400110"/>
+          </a:xfrm>
+          <a:prstGeom prst="rect">
+            <a:avLst/>
+          </a:prstGeom>
+          <a:noFill/>
+        </p:spPr>
+        <p:txBody>
+          <a:bodyPr wrap="square" rtlCol="0">
+            <a:spAutoFit/>
+          </a:bodyPr>
+          <a:lstStyle/>
+          <a:p>
+            <a:r>
               <a:rPr lang="en-US" sz="1000" b="1" dirty="0"/>
-              <a:t>Substation Customer</a:t>
+              <a:t>Primary Customer</a:t>
             </a:r>
             <a:endParaRPr lang="en-SG" sz="1000" b="1" dirty="0"/>
+          </a:p>
+        </p:txBody>
+      </p:sp>
+      <p:sp>
+        <p:nvSpPr>
+          <p:cNvPr id="154" name="TextBox 153">
+            <a:extLst>
+              <a:ext uri="{FF2B5EF4-FFF2-40B4-BE49-F238E27FC236}">
+                <a16:creationId xmlns:a16="http://schemas.microsoft.com/office/drawing/2014/main" id="{11A962FD-1656-364A-8C38-E038535C3235}"/>
+              </a:ext>
+            </a:extLst>
+          </p:cNvPr>
+          <p:cNvSpPr txBox="1"/>
+          <p:nvPr/>
+        </p:nvSpPr>
+        <p:spPr>
+          <a:xfrm>
+            <a:off x="8230697" y="2565935"/>
+            <a:ext cx="1391472" cy="400110"/>
+          </a:xfrm>
+          <a:prstGeom prst="rect">
+            <a:avLst/>
+          </a:prstGeom>
+          <a:noFill/>
+        </p:spPr>
+        <p:txBody>
+          <a:bodyPr wrap="square" rtlCol="0">
+            <a:spAutoFit/>
+          </a:bodyPr>
+          <a:lstStyle/>
+          <a:p>
+            <a:r>
+              <a:rPr lang="en-US" sz="1000" b="1" dirty="0">
+                <a:solidFill>
+                  <a:schemeClr val="accent6">
+                    <a:lumMod val="75000"/>
+                  </a:schemeClr>
+                </a:solidFill>
+              </a:rPr>
+              <a:t>Secondary step-down transformer  </a:t>
+            </a:r>
+            <a:endParaRPr lang="en-SG" sz="1000" b="1" dirty="0">
+              <a:solidFill>
+                <a:schemeClr val="accent6">
+                  <a:lumMod val="75000"/>
+                </a:schemeClr>
+              </a:solidFill>
+            </a:endParaRPr>
           </a:p>
         </p:txBody>
       </p:sp>
       <p:pic>
         <p:nvPicPr>
-          <p:cNvPr id="140" name="Picture 139" descr="A picture containing text, screenshot, display, diagram&#10;&#10;Description automatically generated">
-            <a:extLst>
-              <a:ext uri="{FF2B5EF4-FFF2-40B4-BE49-F238E27FC236}">
-                <a16:creationId xmlns:a16="http://schemas.microsoft.com/office/drawing/2014/main" id="{177BDBFA-8447-8060-E427-07E7C657FE41}"/>
+          <p:cNvPr id="156" name="Picture 155">
+            <a:extLst>
+              <a:ext uri="{FF2B5EF4-FFF2-40B4-BE49-F238E27FC236}">
+                <a16:creationId xmlns:a16="http://schemas.microsoft.com/office/drawing/2014/main" id="{FC2474D5-1B62-1024-18E3-FC6B0B11B592}"/>
               </a:ext>
             </a:extLst>
           </p:cNvPr>
@@ -6103,22 +6731,337 @@
           </p:cNvPicPr>
           <p:nvPr/>
         </p:nvPicPr>
+        <p:blipFill rotWithShape="1">
+          <a:blip r:embed="rId11"/>
+          <a:srcRect r="35693"/>
+          <a:stretch/>
+        </p:blipFill>
+        <p:spPr>
+          <a:xfrm>
+            <a:off x="10433048" y="1369568"/>
+            <a:ext cx="1180868" cy="1258311"/>
+          </a:xfrm>
+          <a:prstGeom prst="rect">
+            <a:avLst/>
+          </a:prstGeom>
+          <a:ln w="6350">
+            <a:solidFill>
+              <a:schemeClr val="tx1"/>
+            </a:solidFill>
+          </a:ln>
+        </p:spPr>
+      </p:pic>
+      <p:sp>
+        <p:nvSpPr>
+          <p:cNvPr id="157" name="TextBox 156">
+            <a:extLst>
+              <a:ext uri="{FF2B5EF4-FFF2-40B4-BE49-F238E27FC236}">
+                <a16:creationId xmlns:a16="http://schemas.microsoft.com/office/drawing/2014/main" id="{F0962445-53C1-1AF3-0E2B-F559CD514D99}"/>
+              </a:ext>
+            </a:extLst>
+          </p:cNvPr>
+          <p:cNvSpPr txBox="1"/>
+          <p:nvPr/>
+        </p:nvSpPr>
+        <p:spPr>
+          <a:xfrm>
+            <a:off x="8567588" y="3413131"/>
+            <a:ext cx="883655" cy="276999"/>
+          </a:xfrm>
+          <a:prstGeom prst="rect">
+            <a:avLst/>
+          </a:prstGeom>
+          <a:noFill/>
+        </p:spPr>
+        <p:txBody>
+          <a:bodyPr wrap="square" rtlCol="0">
+            <a:spAutoFit/>
+          </a:bodyPr>
+          <a:lstStyle/>
+          <a:p>
+            <a:r>
+              <a:rPr lang="en-US" sz="1200" b="1" dirty="0">
+                <a:solidFill>
+                  <a:schemeClr val="accent6">
+                    <a:lumMod val="75000"/>
+                  </a:schemeClr>
+                </a:solidFill>
+              </a:rPr>
+              <a:t>4-13kV</a:t>
+            </a:r>
+            <a:endParaRPr lang="en-SG" sz="1200" b="1" dirty="0">
+              <a:solidFill>
+                <a:schemeClr val="accent6">
+                  <a:lumMod val="75000"/>
+                </a:schemeClr>
+              </a:solidFill>
+            </a:endParaRPr>
+          </a:p>
+        </p:txBody>
+      </p:sp>
+      <p:cxnSp>
+        <p:nvCxnSpPr>
+          <p:cNvPr id="158" name="Straight Connector 157">
+            <a:extLst>
+              <a:ext uri="{FF2B5EF4-FFF2-40B4-BE49-F238E27FC236}">
+                <a16:creationId xmlns:a16="http://schemas.microsoft.com/office/drawing/2014/main" id="{32F5CFA2-A55F-ADD5-15BC-60FD31555AFF}"/>
+              </a:ext>
+            </a:extLst>
+          </p:cNvPr>
+          <p:cNvCxnSpPr>
+            <a:cxnSpLocks/>
+            <a:stCxn id="27" idx="1"/>
+            <a:endCxn id="127" idx="3"/>
+          </p:cNvCxnSpPr>
+          <p:nvPr/>
+        </p:nvCxnSpPr>
+        <p:spPr>
+          <a:xfrm flipH="1">
+            <a:off x="8541694" y="2288814"/>
+            <a:ext cx="810879" cy="0"/>
+          </a:xfrm>
+          <a:prstGeom prst="line">
+            <a:avLst/>
+          </a:prstGeom>
+          <a:ln>
+            <a:solidFill>
+              <a:schemeClr val="accent6">
+                <a:lumMod val="75000"/>
+              </a:schemeClr>
+            </a:solidFill>
+          </a:ln>
+        </p:spPr>
+        <p:style>
+          <a:lnRef idx="2">
+            <a:schemeClr val="accent1"/>
+          </a:lnRef>
+          <a:fillRef idx="0">
+            <a:schemeClr val="accent1"/>
+          </a:fillRef>
+          <a:effectRef idx="1">
+            <a:schemeClr val="accent1"/>
+          </a:effectRef>
+          <a:fontRef idx="minor">
+            <a:schemeClr val="tx1"/>
+          </a:fontRef>
+        </p:style>
+      </p:cxnSp>
+      <p:sp>
+        <p:nvSpPr>
+          <p:cNvPr id="162" name="TextBox 161">
+            <a:extLst>
+              <a:ext uri="{FF2B5EF4-FFF2-40B4-BE49-F238E27FC236}">
+                <a16:creationId xmlns:a16="http://schemas.microsoft.com/office/drawing/2014/main" id="{AA5B8391-A485-7929-8737-77DCF5463DD9}"/>
+              </a:ext>
+            </a:extLst>
+          </p:cNvPr>
+          <p:cNvSpPr txBox="1"/>
+          <p:nvPr/>
+        </p:nvSpPr>
+        <p:spPr>
+          <a:xfrm>
+            <a:off x="8505305" y="1828792"/>
+            <a:ext cx="883655" cy="276999"/>
+          </a:xfrm>
+          <a:prstGeom prst="rect">
+            <a:avLst/>
+          </a:prstGeom>
+          <a:noFill/>
+        </p:spPr>
+        <p:txBody>
+          <a:bodyPr wrap="square" rtlCol="0">
+            <a:spAutoFit/>
+          </a:bodyPr>
+          <a:lstStyle/>
+          <a:p>
+            <a:r>
+              <a:rPr lang="en-US" sz="1200" b="1" dirty="0">
+                <a:solidFill>
+                  <a:schemeClr val="accent6">
+                    <a:lumMod val="75000"/>
+                  </a:schemeClr>
+                </a:solidFill>
+              </a:rPr>
+              <a:t>120-240V</a:t>
+            </a:r>
+            <a:endParaRPr lang="en-SG" sz="1200" b="1" dirty="0">
+              <a:solidFill>
+                <a:schemeClr val="accent6">
+                  <a:lumMod val="75000"/>
+                </a:schemeClr>
+              </a:solidFill>
+            </a:endParaRPr>
+          </a:p>
+        </p:txBody>
+      </p:sp>
+      <p:sp>
+        <p:nvSpPr>
+          <p:cNvPr id="2" name="TextBox 1">
+            <a:extLst>
+              <a:ext uri="{FF2B5EF4-FFF2-40B4-BE49-F238E27FC236}">
+                <a16:creationId xmlns:a16="http://schemas.microsoft.com/office/drawing/2014/main" id="{88E449E0-2BF9-5616-017B-757911CA1E03}"/>
+              </a:ext>
+            </a:extLst>
+          </p:cNvPr>
+          <p:cNvSpPr txBox="1"/>
+          <p:nvPr/>
+        </p:nvSpPr>
+        <p:spPr>
+          <a:xfrm>
+            <a:off x="10024472" y="4249467"/>
+            <a:ext cx="1767478" cy="246221"/>
+          </a:xfrm>
+          <a:prstGeom prst="rect">
+            <a:avLst/>
+          </a:prstGeom>
+          <a:noFill/>
+        </p:spPr>
+        <p:txBody>
+          <a:bodyPr wrap="square" rtlCol="0">
+            <a:spAutoFit/>
+          </a:bodyPr>
+          <a:lstStyle/>
+          <a:p>
+            <a:r>
+              <a:rPr lang="en-US" sz="1000" b="1" dirty="0"/>
+              <a:t>Railway Simulation System</a:t>
+            </a:r>
+            <a:endParaRPr lang="en-SG" sz="1000" b="1" dirty="0"/>
+          </a:p>
+        </p:txBody>
+      </p:sp>
+      <p:sp>
+        <p:nvSpPr>
+          <p:cNvPr id="15" name="TextBox 14">
+            <a:extLst>
+              <a:ext uri="{FF2B5EF4-FFF2-40B4-BE49-F238E27FC236}">
+                <a16:creationId xmlns:a16="http://schemas.microsoft.com/office/drawing/2014/main" id="{D5920B21-A296-A711-334A-EC19F873A3F2}"/>
+              </a:ext>
+            </a:extLst>
+          </p:cNvPr>
+          <p:cNvSpPr txBox="1"/>
+          <p:nvPr/>
+        </p:nvSpPr>
+        <p:spPr>
+          <a:xfrm>
+            <a:off x="10044894" y="2749495"/>
+            <a:ext cx="2147105" cy="246221"/>
+          </a:xfrm>
+          <a:prstGeom prst="rect">
+            <a:avLst/>
+          </a:prstGeom>
+          <a:noFill/>
+        </p:spPr>
+        <p:txBody>
+          <a:bodyPr wrap="square" rtlCol="0">
+            <a:spAutoFit/>
+          </a:bodyPr>
+          <a:lstStyle/>
+          <a:p>
+            <a:r>
+              <a:rPr lang="en-US" sz="1000" b="1" dirty="0"/>
+              <a:t>Smart Factory Simulation System</a:t>
+            </a:r>
+            <a:endParaRPr lang="en-SG" sz="1000" b="1" dirty="0"/>
+          </a:p>
+        </p:txBody>
+      </p:sp>
+      <p:sp>
+        <p:nvSpPr>
+          <p:cNvPr id="17" name="TextBox 16">
+            <a:extLst>
+              <a:ext uri="{FF2B5EF4-FFF2-40B4-BE49-F238E27FC236}">
+                <a16:creationId xmlns:a16="http://schemas.microsoft.com/office/drawing/2014/main" id="{B0A1B8C8-74F3-A111-8012-79A6923E91B7}"/>
+              </a:ext>
+            </a:extLst>
+          </p:cNvPr>
+          <p:cNvSpPr txBox="1"/>
+          <p:nvPr/>
+        </p:nvSpPr>
+        <p:spPr>
+          <a:xfrm>
+            <a:off x="10124679" y="1147324"/>
+            <a:ext cx="2147105" cy="246221"/>
+          </a:xfrm>
+          <a:prstGeom prst="rect">
+            <a:avLst/>
+          </a:prstGeom>
+          <a:noFill/>
+        </p:spPr>
+        <p:txBody>
+          <a:bodyPr wrap="square" rtlCol="0">
+            <a:spAutoFit/>
+          </a:bodyPr>
+          <a:lstStyle/>
+          <a:p>
+            <a:r>
+              <a:rPr lang="en-US" sz="1000" b="1" dirty="0"/>
+              <a:t>Smart Home Simulation System</a:t>
+            </a:r>
+            <a:endParaRPr lang="en-SG" sz="1000" b="1" dirty="0"/>
+          </a:p>
+        </p:txBody>
+      </p:sp>
+      <p:sp>
+        <p:nvSpPr>
+          <p:cNvPr id="37" name="TextBox 36">
+            <a:extLst>
+              <a:ext uri="{FF2B5EF4-FFF2-40B4-BE49-F238E27FC236}">
+                <a16:creationId xmlns:a16="http://schemas.microsoft.com/office/drawing/2014/main" id="{7D1F8628-FBE0-2E53-D126-2570410B8C98}"/>
+              </a:ext>
+            </a:extLst>
+          </p:cNvPr>
+          <p:cNvSpPr txBox="1"/>
+          <p:nvPr/>
+        </p:nvSpPr>
+        <p:spPr>
+          <a:xfrm>
+            <a:off x="9276621" y="1586126"/>
+            <a:ext cx="1134274" cy="400110"/>
+          </a:xfrm>
+          <a:prstGeom prst="rect">
+            <a:avLst/>
+          </a:prstGeom>
+          <a:noFill/>
+        </p:spPr>
+        <p:txBody>
+          <a:bodyPr wrap="square" rtlCol="0">
+            <a:spAutoFit/>
+          </a:bodyPr>
+          <a:lstStyle/>
+          <a:p>
+            <a:r>
+              <a:rPr lang="en-US" sz="1000" b="1" dirty="0"/>
+              <a:t>Secondary Customer</a:t>
+            </a:r>
+            <a:endParaRPr lang="en-SG" sz="1000" b="1" dirty="0"/>
+          </a:p>
+        </p:txBody>
+      </p:sp>
+      <p:pic>
+        <p:nvPicPr>
+          <p:cNvPr id="47" name="Picture 46">
+            <a:extLst>
+              <a:ext uri="{FF2B5EF4-FFF2-40B4-BE49-F238E27FC236}">
+                <a16:creationId xmlns:a16="http://schemas.microsoft.com/office/drawing/2014/main" id="{77CDA114-6594-6DB9-4DB9-DFECDFBAB59C}"/>
+              </a:ext>
+            </a:extLst>
+          </p:cNvPr>
+          <p:cNvPicPr>
+            <a:picLocks noChangeAspect="1"/>
+          </p:cNvPicPr>
+          <p:nvPr/>
+        </p:nvPicPr>
         <p:blipFill>
-          <a:blip r:embed="rId11">
-            <a:extLst>
-              <a:ext uri="{28A0092B-C50C-407E-A947-70E740481C1C}">
-                <a14:useLocalDpi xmlns:a14="http://schemas.microsoft.com/office/drawing/2010/main" val="0"/>
-              </a:ext>
-            </a:extLst>
-          </a:blip>
+          <a:blip r:embed="rId12"/>
           <a:stretch>
             <a:fillRect/>
           </a:stretch>
         </p:blipFill>
         <p:spPr>
           <a:xfrm>
-            <a:off x="9074176" y="4051584"/>
-            <a:ext cx="1757663" cy="977245"/>
+            <a:off x="10132980" y="2996694"/>
+            <a:ext cx="1722449" cy="1016245"/>
           </a:xfrm>
           <a:prstGeom prst="rect">
             <a:avLst/>
@@ -6132,25 +7075,1139 @@
       </p:pic>
       <p:cxnSp>
         <p:nvCxnSpPr>
-          <p:cNvPr id="142" name="Connector: Elbow 141">
-            <a:extLst>
-              <a:ext uri="{FF2B5EF4-FFF2-40B4-BE49-F238E27FC236}">
-                <a16:creationId xmlns:a16="http://schemas.microsoft.com/office/drawing/2014/main" id="{E421F8E3-8DE7-F82B-A1A0-1416AD72F2C0}"/>
+          <p:cNvPr id="59" name="Straight Connector 58">
+            <a:extLst>
+              <a:ext uri="{FF2B5EF4-FFF2-40B4-BE49-F238E27FC236}">
+                <a16:creationId xmlns:a16="http://schemas.microsoft.com/office/drawing/2014/main" id="{3971ED5E-19FD-8C4E-7F82-142122808757}"/>
               </a:ext>
             </a:extLst>
           </p:cNvPr>
           <p:cNvCxnSpPr>
-            <a:stCxn id="121" idx="3"/>
-            <a:endCxn id="138" idx="1"/>
+            <a:cxnSpLocks/>
           </p:cNvCxnSpPr>
           <p:nvPr/>
         </p:nvCxnSpPr>
         <p:spPr>
-          <a:xfrm>
-            <a:off x="7905851" y="4887727"/>
-            <a:ext cx="1406341" cy="572294"/>
-          </a:xfrm>
-          <a:prstGeom prst="bentConnector3">
+          <a:xfrm flipH="1">
+            <a:off x="8541694" y="2398972"/>
+            <a:ext cx="1867195" cy="8501"/>
+          </a:xfrm>
+          <a:prstGeom prst="line">
+            <a:avLst/>
+          </a:prstGeom>
+          <a:ln>
+            <a:solidFill>
+              <a:schemeClr val="accent6">
+                <a:lumMod val="75000"/>
+              </a:schemeClr>
+            </a:solidFill>
+            <a:prstDash val="sysDash"/>
+          </a:ln>
+        </p:spPr>
+        <p:style>
+          <a:lnRef idx="2">
+            <a:schemeClr val="accent1"/>
+          </a:lnRef>
+          <a:fillRef idx="0">
+            <a:schemeClr val="accent1"/>
+          </a:fillRef>
+          <a:effectRef idx="1">
+            <a:schemeClr val="accent1"/>
+          </a:effectRef>
+          <a:fontRef idx="minor">
+            <a:schemeClr val="tx1"/>
+          </a:fontRef>
+        </p:style>
+      </p:cxnSp>
+      <p:pic>
+        <p:nvPicPr>
+          <p:cNvPr id="27" name="Picture 26">
+            <a:extLst>
+              <a:ext uri="{FF2B5EF4-FFF2-40B4-BE49-F238E27FC236}">
+                <a16:creationId xmlns:a16="http://schemas.microsoft.com/office/drawing/2014/main" id="{53E119A6-5888-9F3E-9BB2-9FB00F3D5DA0}"/>
+              </a:ext>
+            </a:extLst>
+          </p:cNvPr>
+          <p:cNvPicPr>
+            <a:picLocks noChangeAspect="1"/>
+          </p:cNvPicPr>
+          <p:nvPr/>
+        </p:nvPicPr>
+        <p:blipFill>
+          <a:blip r:embed="rId13"/>
+          <a:stretch>
+            <a:fillRect/>
+          </a:stretch>
+        </p:blipFill>
+        <p:spPr>
+          <a:xfrm>
+            <a:off x="9352573" y="2014000"/>
+            <a:ext cx="883655" cy="549627"/>
+          </a:xfrm>
+          <a:prstGeom prst="rect">
+            <a:avLst/>
+          </a:prstGeom>
+          <a:ln w="6350">
+            <a:solidFill>
+              <a:schemeClr val="tx1"/>
+            </a:solidFill>
+          </a:ln>
+        </p:spPr>
+      </p:pic>
+      <p:cxnSp>
+        <p:nvCxnSpPr>
+          <p:cNvPr id="63" name="Straight Connector 62">
+            <a:extLst>
+              <a:ext uri="{FF2B5EF4-FFF2-40B4-BE49-F238E27FC236}">
+                <a16:creationId xmlns:a16="http://schemas.microsoft.com/office/drawing/2014/main" id="{3687BCC2-ECDD-7341-04C9-219E6574C3CF}"/>
+              </a:ext>
+            </a:extLst>
+          </p:cNvPr>
+          <p:cNvCxnSpPr>
+            <a:cxnSpLocks/>
+          </p:cNvCxnSpPr>
+          <p:nvPr/>
+        </p:nvCxnSpPr>
+        <p:spPr>
+          <a:xfrm flipH="1">
+            <a:off x="8549279" y="3829743"/>
+            <a:ext cx="1575400" cy="6142"/>
+          </a:xfrm>
+          <a:prstGeom prst="line">
+            <a:avLst/>
+          </a:prstGeom>
+          <a:ln>
+            <a:solidFill>
+              <a:schemeClr val="accent6">
+                <a:lumMod val="75000"/>
+              </a:schemeClr>
+            </a:solidFill>
+            <a:prstDash val="sysDash"/>
+          </a:ln>
+        </p:spPr>
+        <p:style>
+          <a:lnRef idx="2">
+            <a:schemeClr val="accent1"/>
+          </a:lnRef>
+          <a:fillRef idx="0">
+            <a:schemeClr val="accent1"/>
+          </a:fillRef>
+          <a:effectRef idx="1">
+            <a:schemeClr val="accent1"/>
+          </a:effectRef>
+          <a:fontRef idx="minor">
+            <a:schemeClr val="tx1"/>
+          </a:fontRef>
+        </p:style>
+      </p:cxnSp>
+      <p:pic>
+        <p:nvPicPr>
+          <p:cNvPr id="152" name="Picture 151">
+            <a:extLst>
+              <a:ext uri="{FF2B5EF4-FFF2-40B4-BE49-F238E27FC236}">
+                <a16:creationId xmlns:a16="http://schemas.microsoft.com/office/drawing/2014/main" id="{D4FE36E0-EAEA-42B9-CD41-96C209D7C9D7}"/>
+              </a:ext>
+            </a:extLst>
+          </p:cNvPr>
+          <p:cNvPicPr>
+            <a:picLocks noChangeAspect="1"/>
+          </p:cNvPicPr>
+          <p:nvPr/>
+        </p:nvPicPr>
+        <p:blipFill>
+          <a:blip r:embed="rId14"/>
+          <a:stretch>
+            <a:fillRect/>
+          </a:stretch>
+        </p:blipFill>
+        <p:spPr>
+          <a:xfrm>
+            <a:off x="9372323" y="3353393"/>
+            <a:ext cx="499692" cy="580179"/>
+          </a:xfrm>
+          <a:prstGeom prst="rect">
+            <a:avLst/>
+          </a:prstGeom>
+          <a:ln w="9525">
+            <a:solidFill>
+              <a:schemeClr val="tx1"/>
+            </a:solidFill>
+          </a:ln>
+        </p:spPr>
+      </p:pic>
+      <p:cxnSp>
+        <p:nvCxnSpPr>
+          <p:cNvPr id="65" name="Straight Connector 64">
+            <a:extLst>
+              <a:ext uri="{FF2B5EF4-FFF2-40B4-BE49-F238E27FC236}">
+                <a16:creationId xmlns:a16="http://schemas.microsoft.com/office/drawing/2014/main" id="{9A334B94-BFE4-F9EA-7FBF-C8C77ADAC0D3}"/>
+              </a:ext>
+            </a:extLst>
+          </p:cNvPr>
+          <p:cNvCxnSpPr>
+            <a:cxnSpLocks/>
+          </p:cNvCxnSpPr>
+          <p:nvPr/>
+        </p:nvCxnSpPr>
+        <p:spPr>
+          <a:xfrm flipH="1">
+            <a:off x="8549279" y="5226453"/>
+            <a:ext cx="1495615" cy="19935"/>
+          </a:xfrm>
+          <a:prstGeom prst="line">
+            <a:avLst/>
+          </a:prstGeom>
+          <a:ln>
+            <a:solidFill>
+              <a:schemeClr val="accent6">
+                <a:lumMod val="75000"/>
+              </a:schemeClr>
+            </a:solidFill>
+            <a:prstDash val="sysDash"/>
+          </a:ln>
+        </p:spPr>
+        <p:style>
+          <a:lnRef idx="2">
+            <a:schemeClr val="accent1"/>
+          </a:lnRef>
+          <a:fillRef idx="0">
+            <a:schemeClr val="accent1"/>
+          </a:fillRef>
+          <a:effectRef idx="1">
+            <a:schemeClr val="accent1"/>
+          </a:effectRef>
+          <a:fontRef idx="minor">
+            <a:schemeClr val="tx1"/>
+          </a:fontRef>
+        </p:style>
+      </p:cxnSp>
+      <p:pic>
+        <p:nvPicPr>
+          <p:cNvPr id="138" name="Picture 137">
+            <a:extLst>
+              <a:ext uri="{FF2B5EF4-FFF2-40B4-BE49-F238E27FC236}">
+                <a16:creationId xmlns:a16="http://schemas.microsoft.com/office/drawing/2014/main" id="{99594CAE-76D9-EB8F-3C7D-F3A0A21BF26F}"/>
+              </a:ext>
+            </a:extLst>
+          </p:cNvPr>
+          <p:cNvPicPr>
+            <a:picLocks noChangeAspect="1"/>
+          </p:cNvPicPr>
+          <p:nvPr/>
+        </p:nvPicPr>
+        <p:blipFill>
+          <a:blip r:embed="rId14"/>
+          <a:stretch>
+            <a:fillRect/>
+          </a:stretch>
+        </p:blipFill>
+        <p:spPr>
+          <a:xfrm>
+            <a:off x="9338177" y="4781648"/>
+            <a:ext cx="499692" cy="580179"/>
+          </a:xfrm>
+          <a:prstGeom prst="rect">
+            <a:avLst/>
+          </a:prstGeom>
+          <a:ln w="9525">
+            <a:solidFill>
+              <a:schemeClr val="tx1"/>
+            </a:solidFill>
+          </a:ln>
+        </p:spPr>
+      </p:pic>
+      <p:sp>
+        <p:nvSpPr>
+          <p:cNvPr id="70" name="TextBox 69">
+            <a:extLst>
+              <a:ext uri="{FF2B5EF4-FFF2-40B4-BE49-F238E27FC236}">
+                <a16:creationId xmlns:a16="http://schemas.microsoft.com/office/drawing/2014/main" id="{1AF9BA4F-ABD0-28C6-04B6-3D7657607D69}"/>
+              </a:ext>
+            </a:extLst>
+          </p:cNvPr>
+          <p:cNvSpPr txBox="1"/>
+          <p:nvPr/>
+        </p:nvSpPr>
+        <p:spPr>
+          <a:xfrm>
+            <a:off x="7357643" y="489403"/>
+            <a:ext cx="2554174" cy="1107996"/>
+          </a:xfrm>
+          <a:prstGeom prst="rect">
+            <a:avLst/>
+          </a:prstGeom>
+          <a:noFill/>
+        </p:spPr>
+        <p:txBody>
+          <a:bodyPr wrap="square" rtlCol="0">
+            <a:spAutoFit/>
+          </a:bodyPr>
+          <a:lstStyle/>
+          <a:p>
+            <a:r>
+              <a:rPr lang="en-US" sz="1100" b="1" dirty="0"/>
+              <a:t>Color Key:</a:t>
+            </a:r>
+          </a:p>
+          <a:p>
+            <a:r>
+              <a:rPr lang="en-US" sz="1100" b="1" dirty="0">
+                <a:solidFill>
+                  <a:schemeClr val="accent1">
+                    <a:lumMod val="75000"/>
+                  </a:schemeClr>
+                </a:solidFill>
+              </a:rPr>
+              <a:t>Blue: Generation </a:t>
+            </a:r>
+          </a:p>
+          <a:p>
+            <a:r>
+              <a:rPr lang="en-US" sz="1100" b="1" dirty="0">
+                <a:solidFill>
+                  <a:srgbClr val="FF0000"/>
+                </a:solidFill>
+              </a:rPr>
+              <a:t>Red: Transmission</a:t>
+            </a:r>
+          </a:p>
+          <a:p>
+            <a:r>
+              <a:rPr lang="en-US" sz="1100" b="1" dirty="0">
+                <a:solidFill>
+                  <a:schemeClr val="accent6">
+                    <a:lumMod val="75000"/>
+                  </a:schemeClr>
+                </a:solidFill>
+              </a:rPr>
+              <a:t>Green: distribution</a:t>
+            </a:r>
+            <a:r>
+              <a:rPr lang="en-US" sz="1100" b="1" dirty="0"/>
+              <a:t> </a:t>
+            </a:r>
+          </a:p>
+          <a:p>
+            <a:r>
+              <a:rPr lang="en-US" sz="1100" b="1" dirty="0"/>
+              <a:t>Black: Customer  </a:t>
+            </a:r>
+          </a:p>
+          <a:p>
+            <a:endParaRPr lang="en-SG" sz="1100" b="1" dirty="0"/>
+          </a:p>
+        </p:txBody>
+      </p:sp>
+    </p:spTree>
+    <p:extLst>
+      <p:ext uri="{BB962C8B-B14F-4D97-AF65-F5344CB8AC3E}">
+        <p14:creationId xmlns:p14="http://schemas.microsoft.com/office/powerpoint/2010/main" val="4194442898"/>
+      </p:ext>
+    </p:extLst>
+  </p:cSld>
+  <p:clrMapOvr>
+    <a:masterClrMapping/>
+  </p:clrMapOvr>
+</p:sld>
+</file>
+
+<file path=ppt/slides/slide2.xml><?xml version="1.0" encoding="utf-8"?>
+<p:sld xmlns:a="http://schemas.openxmlformats.org/drawingml/2006/main" xmlns:r="http://schemas.openxmlformats.org/officeDocument/2006/relationships" xmlns:p="http://schemas.openxmlformats.org/presentationml/2006/main">
+  <p:cSld>
+    <p:spTree>
+      <p:nvGrpSpPr>
+        <p:cNvPr id="1" name=""/>
+        <p:cNvGrpSpPr/>
+        <p:nvPr/>
+      </p:nvGrpSpPr>
+      <p:grpSpPr>
+        <a:xfrm>
+          <a:off x="0" y="0"/>
+          <a:ext cx="0" cy="0"/>
+          <a:chOff x="0" y="0"/>
+          <a:chExt cx="0" cy="0"/>
+        </a:xfrm>
+      </p:grpSpPr>
+      <p:sp>
+        <p:nvSpPr>
+          <p:cNvPr id="42" name="Rectangle 41">
+            <a:extLst>
+              <a:ext uri="{FF2B5EF4-FFF2-40B4-BE49-F238E27FC236}">
+                <a16:creationId xmlns:a16="http://schemas.microsoft.com/office/drawing/2014/main" id="{8DC637D9-945D-2841-A6CA-104FFC404980}"/>
+              </a:ext>
+            </a:extLst>
+          </p:cNvPr>
+          <p:cNvSpPr/>
+          <p:nvPr/>
+        </p:nvSpPr>
+        <p:spPr>
+          <a:xfrm>
+            <a:off x="3253163" y="775435"/>
+            <a:ext cx="3043559" cy="1850629"/>
+          </a:xfrm>
+          <a:prstGeom prst="rect">
+            <a:avLst/>
+          </a:prstGeom>
+          <a:ln>
+            <a:solidFill>
+              <a:schemeClr val="tx2">
+                <a:lumMod val="75000"/>
+                <a:lumOff val="25000"/>
+              </a:schemeClr>
+            </a:solidFill>
+          </a:ln>
+        </p:spPr>
+        <p:style>
+          <a:lnRef idx="2">
+            <a:schemeClr val="accent6"/>
+          </a:lnRef>
+          <a:fillRef idx="1">
+            <a:schemeClr val="lt1"/>
+          </a:fillRef>
+          <a:effectRef idx="0">
+            <a:schemeClr val="accent6"/>
+          </a:effectRef>
+          <a:fontRef idx="minor">
+            <a:schemeClr val="dk1"/>
+          </a:fontRef>
+        </p:style>
+        <p:txBody>
+          <a:bodyPr rtlCol="0" anchor="ctr"/>
+          <a:lstStyle/>
+          <a:p>
+            <a:pPr algn="ctr"/>
+            <a:endParaRPr lang="en-SG"/>
+          </a:p>
+        </p:txBody>
+      </p:sp>
+      <p:pic>
+        <p:nvPicPr>
+          <p:cNvPr id="5" name="Picture 4">
+            <a:extLst>
+              <a:ext uri="{FF2B5EF4-FFF2-40B4-BE49-F238E27FC236}">
+                <a16:creationId xmlns:a16="http://schemas.microsoft.com/office/drawing/2014/main" id="{39113051-EBE4-AAA8-4A76-9BDD95DE4C12}"/>
+              </a:ext>
+            </a:extLst>
+          </p:cNvPr>
+          <p:cNvPicPr>
+            <a:picLocks noChangeAspect="1"/>
+          </p:cNvPicPr>
+          <p:nvPr/>
+        </p:nvPicPr>
+        <p:blipFill>
+          <a:blip r:embed="rId2"/>
+          <a:stretch>
+            <a:fillRect/>
+          </a:stretch>
+        </p:blipFill>
+        <p:spPr>
+          <a:xfrm>
+            <a:off x="3423872" y="1655645"/>
+            <a:ext cx="474159" cy="468580"/>
+          </a:xfrm>
+          <a:prstGeom prst="rect">
+            <a:avLst/>
+          </a:prstGeom>
+          <a:ln w="12700">
+            <a:solidFill>
+              <a:schemeClr val="tx1"/>
+            </a:solidFill>
+          </a:ln>
+        </p:spPr>
+      </p:pic>
+      <p:pic>
+        <p:nvPicPr>
+          <p:cNvPr id="7" name="Picture 6">
+            <a:extLst>
+              <a:ext uri="{FF2B5EF4-FFF2-40B4-BE49-F238E27FC236}">
+                <a16:creationId xmlns:a16="http://schemas.microsoft.com/office/drawing/2014/main" id="{E658A01B-4102-D1BE-97FE-2AC2E73F7DDA}"/>
+              </a:ext>
+            </a:extLst>
+          </p:cNvPr>
+          <p:cNvPicPr>
+            <a:picLocks noChangeAspect="1"/>
+          </p:cNvPicPr>
+          <p:nvPr/>
+        </p:nvPicPr>
+        <p:blipFill>
+          <a:blip r:embed="rId3"/>
+          <a:stretch>
+            <a:fillRect/>
+          </a:stretch>
+        </p:blipFill>
+        <p:spPr>
+          <a:xfrm>
+            <a:off x="3423872" y="918335"/>
+            <a:ext cx="485517" cy="468580"/>
+          </a:xfrm>
+          <a:prstGeom prst="rect">
+            <a:avLst/>
+          </a:prstGeom>
+          <a:ln w="9525">
+            <a:solidFill>
+              <a:schemeClr val="tx1"/>
+            </a:solidFill>
+          </a:ln>
+        </p:spPr>
+      </p:pic>
+      <p:cxnSp>
+        <p:nvCxnSpPr>
+          <p:cNvPr id="9" name="Straight Connector 8">
+            <a:extLst>
+              <a:ext uri="{FF2B5EF4-FFF2-40B4-BE49-F238E27FC236}">
+                <a16:creationId xmlns:a16="http://schemas.microsoft.com/office/drawing/2014/main" id="{2FA8D6EA-DE8E-7696-F70F-FFB483A387EF}"/>
+              </a:ext>
+            </a:extLst>
+          </p:cNvPr>
+          <p:cNvCxnSpPr>
+            <a:stCxn id="7" idx="2"/>
+            <a:endCxn id="5" idx="0"/>
+          </p:cNvCxnSpPr>
+          <p:nvPr/>
+        </p:nvCxnSpPr>
+        <p:spPr>
+          <a:xfrm flipH="1">
+            <a:off x="3660952" y="1386915"/>
+            <a:ext cx="5679" cy="268730"/>
+          </a:xfrm>
+          <a:prstGeom prst="line">
+            <a:avLst/>
+          </a:prstGeom>
+        </p:spPr>
+        <p:style>
+          <a:lnRef idx="2">
+            <a:schemeClr val="accent1"/>
+          </a:lnRef>
+          <a:fillRef idx="0">
+            <a:schemeClr val="accent1"/>
+          </a:fillRef>
+          <a:effectRef idx="1">
+            <a:schemeClr val="accent1"/>
+          </a:effectRef>
+          <a:fontRef idx="minor">
+            <a:schemeClr val="tx1"/>
+          </a:fontRef>
+        </p:style>
+      </p:cxnSp>
+      <p:sp>
+        <p:nvSpPr>
+          <p:cNvPr id="10" name="TextBox 9">
+            <a:extLst>
+              <a:ext uri="{FF2B5EF4-FFF2-40B4-BE49-F238E27FC236}">
+                <a16:creationId xmlns:a16="http://schemas.microsoft.com/office/drawing/2014/main" id="{CF24305A-0249-03EA-8E6B-A8B362EB71D3}"/>
+              </a:ext>
+            </a:extLst>
+          </p:cNvPr>
+          <p:cNvSpPr txBox="1"/>
+          <p:nvPr/>
+        </p:nvSpPr>
+        <p:spPr>
+          <a:xfrm>
+            <a:off x="3909388" y="1641320"/>
+            <a:ext cx="975769" cy="461665"/>
+          </a:xfrm>
+          <a:prstGeom prst="rect">
+            <a:avLst/>
+          </a:prstGeom>
+          <a:noFill/>
+        </p:spPr>
+        <p:txBody>
+          <a:bodyPr wrap="square" rtlCol="0">
+            <a:spAutoFit/>
+          </a:bodyPr>
+          <a:lstStyle/>
+          <a:p>
+            <a:r>
+              <a:rPr lang="en-US" sz="1200" b="1" dirty="0">
+                <a:solidFill>
+                  <a:schemeClr val="accent1">
+                    <a:lumMod val="75000"/>
+                  </a:schemeClr>
+                </a:solidFill>
+              </a:rPr>
+              <a:t>Power generator  </a:t>
+            </a:r>
+            <a:endParaRPr lang="en-SG" sz="1200" b="1" dirty="0">
+              <a:solidFill>
+                <a:schemeClr val="accent1">
+                  <a:lumMod val="75000"/>
+                </a:schemeClr>
+              </a:solidFill>
+            </a:endParaRPr>
+          </a:p>
+        </p:txBody>
+      </p:sp>
+      <p:sp>
+        <p:nvSpPr>
+          <p:cNvPr id="11" name="TextBox 10">
+            <a:extLst>
+              <a:ext uri="{FF2B5EF4-FFF2-40B4-BE49-F238E27FC236}">
+                <a16:creationId xmlns:a16="http://schemas.microsoft.com/office/drawing/2014/main" id="{EBC8F599-5934-6124-DB5E-A906506B44FB}"/>
+              </a:ext>
+            </a:extLst>
+          </p:cNvPr>
+          <p:cNvSpPr txBox="1"/>
+          <p:nvPr/>
+        </p:nvSpPr>
+        <p:spPr>
+          <a:xfrm>
+            <a:off x="3898031" y="925250"/>
+            <a:ext cx="975769" cy="461665"/>
+          </a:xfrm>
+          <a:prstGeom prst="rect">
+            <a:avLst/>
+          </a:prstGeom>
+          <a:noFill/>
+        </p:spPr>
+        <p:txBody>
+          <a:bodyPr wrap="square" rtlCol="0">
+            <a:spAutoFit/>
+          </a:bodyPr>
+          <a:lstStyle/>
+          <a:p>
+            <a:r>
+              <a:rPr lang="en-US" sz="1200" b="1" dirty="0">
+                <a:solidFill>
+                  <a:schemeClr val="accent1">
+                    <a:lumMod val="75000"/>
+                  </a:schemeClr>
+                </a:solidFill>
+              </a:rPr>
+              <a:t>Fuel pump and moto</a:t>
+            </a:r>
+            <a:endParaRPr lang="en-SG" sz="1200" b="1" dirty="0">
+              <a:solidFill>
+                <a:schemeClr val="accent1">
+                  <a:lumMod val="75000"/>
+                </a:schemeClr>
+              </a:solidFill>
+            </a:endParaRPr>
+          </a:p>
+        </p:txBody>
+      </p:sp>
+      <p:cxnSp>
+        <p:nvCxnSpPr>
+          <p:cNvPr id="12" name="Straight Connector 11">
+            <a:extLst>
+              <a:ext uri="{FF2B5EF4-FFF2-40B4-BE49-F238E27FC236}">
+                <a16:creationId xmlns:a16="http://schemas.microsoft.com/office/drawing/2014/main" id="{7DFE87A8-3BB7-6340-D7B0-3A4AC6277C11}"/>
+              </a:ext>
+            </a:extLst>
+          </p:cNvPr>
+          <p:cNvCxnSpPr>
+            <a:cxnSpLocks/>
+            <a:stCxn id="5" idx="2"/>
+          </p:cNvCxnSpPr>
+          <p:nvPr/>
+        </p:nvCxnSpPr>
+        <p:spPr>
+          <a:xfrm flipH="1">
+            <a:off x="3660951" y="2124225"/>
+            <a:ext cx="1" cy="360070"/>
+          </a:xfrm>
+          <a:prstGeom prst="line">
+            <a:avLst/>
+          </a:prstGeom>
+        </p:spPr>
+        <p:style>
+          <a:lnRef idx="2">
+            <a:schemeClr val="accent1"/>
+          </a:lnRef>
+          <a:fillRef idx="0">
+            <a:schemeClr val="accent1"/>
+          </a:fillRef>
+          <a:effectRef idx="1">
+            <a:schemeClr val="accent1"/>
+          </a:effectRef>
+          <a:fontRef idx="minor">
+            <a:schemeClr val="tx1"/>
+          </a:fontRef>
+        </p:style>
+      </p:cxnSp>
+      <p:sp>
+        <p:nvSpPr>
+          <p:cNvPr id="16" name="TextBox 15">
+            <a:extLst>
+              <a:ext uri="{FF2B5EF4-FFF2-40B4-BE49-F238E27FC236}">
+                <a16:creationId xmlns:a16="http://schemas.microsoft.com/office/drawing/2014/main" id="{D7D414BC-DF86-7471-52BF-DDEE84F8887E}"/>
+              </a:ext>
+            </a:extLst>
+          </p:cNvPr>
+          <p:cNvSpPr txBox="1"/>
+          <p:nvPr/>
+        </p:nvSpPr>
+        <p:spPr>
+          <a:xfrm>
+            <a:off x="3628186" y="2165760"/>
+            <a:ext cx="646956" cy="276999"/>
+          </a:xfrm>
+          <a:prstGeom prst="rect">
+            <a:avLst/>
+          </a:prstGeom>
+          <a:noFill/>
+        </p:spPr>
+        <p:txBody>
+          <a:bodyPr wrap="square" rtlCol="0">
+            <a:spAutoFit/>
+          </a:bodyPr>
+          <a:lstStyle/>
+          <a:p>
+            <a:r>
+              <a:rPr lang="en-US" sz="1200" b="1" dirty="0">
+                <a:solidFill>
+                  <a:schemeClr val="accent1">
+                    <a:lumMod val="75000"/>
+                  </a:schemeClr>
+                </a:solidFill>
+              </a:rPr>
+              <a:t>10KV</a:t>
+            </a:r>
+            <a:endParaRPr lang="en-SG" sz="1200" b="1" dirty="0">
+              <a:solidFill>
+                <a:schemeClr val="accent1">
+                  <a:lumMod val="75000"/>
+                </a:schemeClr>
+              </a:solidFill>
+            </a:endParaRPr>
+          </a:p>
+        </p:txBody>
+      </p:sp>
+      <p:sp>
+        <p:nvSpPr>
+          <p:cNvPr id="19" name="TextBox 18">
+            <a:extLst>
+              <a:ext uri="{FF2B5EF4-FFF2-40B4-BE49-F238E27FC236}">
+                <a16:creationId xmlns:a16="http://schemas.microsoft.com/office/drawing/2014/main" id="{FEDC90B8-E0D0-D52A-A346-0807E9163486}"/>
+              </a:ext>
+            </a:extLst>
+          </p:cNvPr>
+          <p:cNvSpPr txBox="1"/>
+          <p:nvPr/>
+        </p:nvSpPr>
+        <p:spPr>
+          <a:xfrm>
+            <a:off x="999405" y="452170"/>
+            <a:ext cx="1126879" cy="461665"/>
+          </a:xfrm>
+          <a:prstGeom prst="rect">
+            <a:avLst/>
+          </a:prstGeom>
+          <a:noFill/>
+        </p:spPr>
+        <p:txBody>
+          <a:bodyPr wrap="square" rtlCol="0">
+            <a:spAutoFit/>
+          </a:bodyPr>
+          <a:lstStyle/>
+          <a:p>
+            <a:r>
+              <a:rPr lang="en-US" sz="1200" b="1" dirty="0">
+                <a:solidFill>
+                  <a:schemeClr val="accent1">
+                    <a:lumMod val="75000"/>
+                  </a:schemeClr>
+                </a:solidFill>
+              </a:rPr>
+              <a:t>Solar panel power plant  </a:t>
+            </a:r>
+            <a:endParaRPr lang="en-SG" sz="1200" b="1" dirty="0">
+              <a:solidFill>
+                <a:schemeClr val="accent1">
+                  <a:lumMod val="75000"/>
+                </a:schemeClr>
+              </a:solidFill>
+            </a:endParaRPr>
+          </a:p>
+        </p:txBody>
+      </p:sp>
+      <p:pic>
+        <p:nvPicPr>
+          <p:cNvPr id="21" name="Picture 20">
+            <a:extLst>
+              <a:ext uri="{FF2B5EF4-FFF2-40B4-BE49-F238E27FC236}">
+                <a16:creationId xmlns:a16="http://schemas.microsoft.com/office/drawing/2014/main" id="{4D321C95-F56D-3CF9-1935-98B3C3CFB44F}"/>
+              </a:ext>
+            </a:extLst>
+          </p:cNvPr>
+          <p:cNvPicPr>
+            <a:picLocks noChangeAspect="1"/>
+          </p:cNvPicPr>
+          <p:nvPr/>
+        </p:nvPicPr>
+        <p:blipFill>
+          <a:blip r:embed="rId4"/>
+          <a:stretch>
+            <a:fillRect/>
+          </a:stretch>
+        </p:blipFill>
+        <p:spPr>
+          <a:xfrm>
+            <a:off x="2243969" y="918335"/>
+            <a:ext cx="759113" cy="737310"/>
+          </a:xfrm>
+          <a:prstGeom prst="rect">
+            <a:avLst/>
+          </a:prstGeom>
+          <a:ln w="9525">
+            <a:solidFill>
+              <a:schemeClr val="tx1"/>
+            </a:solidFill>
+          </a:ln>
+        </p:spPr>
+      </p:pic>
+      <p:sp>
+        <p:nvSpPr>
+          <p:cNvPr id="22" name="TextBox 21">
+            <a:extLst>
+              <a:ext uri="{FF2B5EF4-FFF2-40B4-BE49-F238E27FC236}">
+                <a16:creationId xmlns:a16="http://schemas.microsoft.com/office/drawing/2014/main" id="{7F308E88-3266-6CAB-74B4-5F0888EACE2C}"/>
+              </a:ext>
+            </a:extLst>
+          </p:cNvPr>
+          <p:cNvSpPr txBox="1"/>
+          <p:nvPr/>
+        </p:nvSpPr>
+        <p:spPr>
+          <a:xfrm>
+            <a:off x="2126284" y="463585"/>
+            <a:ext cx="1087193" cy="461665"/>
+          </a:xfrm>
+          <a:prstGeom prst="rect">
+            <a:avLst/>
+          </a:prstGeom>
+          <a:noFill/>
+        </p:spPr>
+        <p:txBody>
+          <a:bodyPr wrap="square" rtlCol="0">
+            <a:spAutoFit/>
+          </a:bodyPr>
+          <a:lstStyle/>
+          <a:p>
+            <a:r>
+              <a:rPr lang="en-US" sz="1200" b="1" dirty="0">
+                <a:solidFill>
+                  <a:schemeClr val="accent1">
+                    <a:lumMod val="75000"/>
+                  </a:schemeClr>
+                </a:solidFill>
+              </a:rPr>
+              <a:t>Wind turbine</a:t>
+            </a:r>
+          </a:p>
+          <a:p>
+            <a:r>
+              <a:rPr lang="en-US" sz="1200" b="1" dirty="0">
+                <a:solidFill>
+                  <a:schemeClr val="accent1">
+                    <a:lumMod val="75000"/>
+                  </a:schemeClr>
+                </a:solidFill>
+              </a:rPr>
+              <a:t>Power plant </a:t>
+            </a:r>
+          </a:p>
+        </p:txBody>
+      </p:sp>
+      <p:cxnSp>
+        <p:nvCxnSpPr>
+          <p:cNvPr id="23" name="Straight Connector 22">
+            <a:extLst>
+              <a:ext uri="{FF2B5EF4-FFF2-40B4-BE49-F238E27FC236}">
+                <a16:creationId xmlns:a16="http://schemas.microsoft.com/office/drawing/2014/main" id="{0EF33BCB-3F47-D293-0B92-02E4C0A619B8}"/>
+              </a:ext>
+            </a:extLst>
+          </p:cNvPr>
+          <p:cNvCxnSpPr>
+            <a:cxnSpLocks/>
+            <a:endCxn id="44" idx="0"/>
+          </p:cNvCxnSpPr>
+          <p:nvPr/>
+        </p:nvCxnSpPr>
+        <p:spPr>
+          <a:xfrm>
+            <a:off x="1429444" y="1663489"/>
+            <a:ext cx="438" cy="818454"/>
+          </a:xfrm>
+          <a:prstGeom prst="line">
+            <a:avLst/>
+          </a:prstGeom>
+        </p:spPr>
+        <p:style>
+          <a:lnRef idx="2">
+            <a:schemeClr val="accent1"/>
+          </a:lnRef>
+          <a:fillRef idx="0">
+            <a:schemeClr val="accent1"/>
+          </a:fillRef>
+          <a:effectRef idx="1">
+            <a:schemeClr val="accent1"/>
+          </a:effectRef>
+          <a:fontRef idx="minor">
+            <a:schemeClr val="tx1"/>
+          </a:fontRef>
+        </p:style>
+      </p:cxnSp>
+      <p:sp>
+        <p:nvSpPr>
+          <p:cNvPr id="24" name="TextBox 23">
+            <a:extLst>
+              <a:ext uri="{FF2B5EF4-FFF2-40B4-BE49-F238E27FC236}">
+                <a16:creationId xmlns:a16="http://schemas.microsoft.com/office/drawing/2014/main" id="{C23D41DC-EF5F-80CA-62D2-FAED4FA646F5}"/>
+              </a:ext>
+            </a:extLst>
+          </p:cNvPr>
+          <p:cNvSpPr txBox="1"/>
+          <p:nvPr/>
+        </p:nvSpPr>
+        <p:spPr>
+          <a:xfrm>
+            <a:off x="1410425" y="1708133"/>
+            <a:ext cx="646956" cy="276999"/>
+          </a:xfrm>
+          <a:prstGeom prst="rect">
+            <a:avLst/>
+          </a:prstGeom>
+          <a:noFill/>
+        </p:spPr>
+        <p:txBody>
+          <a:bodyPr wrap="square" rtlCol="0">
+            <a:spAutoFit/>
+          </a:bodyPr>
+          <a:lstStyle/>
+          <a:p>
+            <a:r>
+              <a:rPr lang="en-US" sz="1200" b="1" dirty="0">
+                <a:solidFill>
+                  <a:schemeClr val="accent1">
+                    <a:lumMod val="75000"/>
+                  </a:schemeClr>
+                </a:solidFill>
+              </a:rPr>
+              <a:t>40V</a:t>
+            </a:r>
+            <a:endParaRPr lang="en-SG" sz="1200" b="1" dirty="0">
+              <a:solidFill>
+                <a:schemeClr val="accent1">
+                  <a:lumMod val="75000"/>
+                </a:schemeClr>
+              </a:solidFill>
+            </a:endParaRPr>
+          </a:p>
+        </p:txBody>
+      </p:sp>
+      <p:sp>
+        <p:nvSpPr>
+          <p:cNvPr id="25" name="TextBox 24">
+            <a:extLst>
+              <a:ext uri="{FF2B5EF4-FFF2-40B4-BE49-F238E27FC236}">
+                <a16:creationId xmlns:a16="http://schemas.microsoft.com/office/drawing/2014/main" id="{027E66CC-E00D-0E55-49B0-B94F09B87849}"/>
+              </a:ext>
+            </a:extLst>
+          </p:cNvPr>
+          <p:cNvSpPr txBox="1"/>
+          <p:nvPr/>
+        </p:nvSpPr>
+        <p:spPr>
+          <a:xfrm>
+            <a:off x="2605788" y="1691720"/>
+            <a:ext cx="646956" cy="276999"/>
+          </a:xfrm>
+          <a:prstGeom prst="rect">
+            <a:avLst/>
+          </a:prstGeom>
+          <a:noFill/>
+        </p:spPr>
+        <p:txBody>
+          <a:bodyPr wrap="square" rtlCol="0">
+            <a:spAutoFit/>
+          </a:bodyPr>
+          <a:lstStyle/>
+          <a:p>
+            <a:r>
+              <a:rPr lang="en-US" sz="1200" b="1" dirty="0">
+                <a:solidFill>
+                  <a:schemeClr val="accent1">
+                    <a:lumMod val="75000"/>
+                  </a:schemeClr>
+                </a:solidFill>
+              </a:rPr>
+              <a:t>3.3 KV</a:t>
+            </a:r>
+            <a:endParaRPr lang="en-SG" sz="1200" b="1" dirty="0">
+              <a:solidFill>
+                <a:schemeClr val="accent1">
+                  <a:lumMod val="75000"/>
+                </a:schemeClr>
+              </a:solidFill>
+            </a:endParaRPr>
+          </a:p>
+        </p:txBody>
+      </p:sp>
+      <p:cxnSp>
+        <p:nvCxnSpPr>
+          <p:cNvPr id="26" name="Straight Connector 25">
+            <a:extLst>
+              <a:ext uri="{FF2B5EF4-FFF2-40B4-BE49-F238E27FC236}">
+                <a16:creationId xmlns:a16="http://schemas.microsoft.com/office/drawing/2014/main" id="{CACD2A1C-6540-9640-62C5-F8BBE9256B8F}"/>
+              </a:ext>
+            </a:extLst>
+          </p:cNvPr>
+          <p:cNvCxnSpPr>
+            <a:cxnSpLocks/>
+          </p:cNvCxnSpPr>
+          <p:nvPr/>
+        </p:nvCxnSpPr>
+        <p:spPr>
+          <a:xfrm flipH="1">
+            <a:off x="2625534" y="1661434"/>
+            <a:ext cx="0" cy="820509"/>
+          </a:xfrm>
+          <a:prstGeom prst="line">
+            <a:avLst/>
+          </a:prstGeom>
+        </p:spPr>
+        <p:style>
+          <a:lnRef idx="2">
+            <a:schemeClr val="accent1"/>
+          </a:lnRef>
+          <a:fillRef idx="0">
+            <a:schemeClr val="accent1"/>
+          </a:fillRef>
+          <a:effectRef idx="1">
+            <a:schemeClr val="accent1"/>
+          </a:effectRef>
+          <a:fontRef idx="minor">
+            <a:schemeClr val="tx1"/>
+          </a:fontRef>
+        </p:style>
+      </p:cxnSp>
+      <p:pic>
+        <p:nvPicPr>
+          <p:cNvPr id="31" name="Picture 30">
+            <a:extLst>
+              <a:ext uri="{FF2B5EF4-FFF2-40B4-BE49-F238E27FC236}">
+                <a16:creationId xmlns:a16="http://schemas.microsoft.com/office/drawing/2014/main" id="{A8E3524E-AAAE-4B4D-F259-BCC3139F71C3}"/>
+              </a:ext>
+            </a:extLst>
+          </p:cNvPr>
+          <p:cNvPicPr>
+            <a:picLocks noChangeAspect="1"/>
+          </p:cNvPicPr>
+          <p:nvPr/>
+        </p:nvPicPr>
+        <p:blipFill>
+          <a:blip r:embed="rId5"/>
+          <a:stretch>
+            <a:fillRect/>
+          </a:stretch>
+        </p:blipFill>
+        <p:spPr>
+          <a:xfrm>
+            <a:off x="2438363" y="2470326"/>
+            <a:ext cx="464174" cy="495720"/>
+          </a:xfrm>
+          <a:prstGeom prst="rect">
+            <a:avLst/>
+          </a:prstGeom>
+          <a:ln w="9525">
+            <a:solidFill>
+              <a:schemeClr val="tx1"/>
+            </a:solidFill>
+          </a:ln>
+        </p:spPr>
+      </p:pic>
+      <p:pic>
+        <p:nvPicPr>
+          <p:cNvPr id="32" name="Picture 31">
+            <a:extLst>
+              <a:ext uri="{FF2B5EF4-FFF2-40B4-BE49-F238E27FC236}">
+                <a16:creationId xmlns:a16="http://schemas.microsoft.com/office/drawing/2014/main" id="{84407D8A-A0CE-9C38-3CE5-34B66F4945FD}"/>
+              </a:ext>
+            </a:extLst>
+          </p:cNvPr>
+          <p:cNvPicPr>
+            <a:picLocks noChangeAspect="1"/>
+          </p:cNvPicPr>
+          <p:nvPr/>
+        </p:nvPicPr>
+        <p:blipFill>
+          <a:blip r:embed="rId2"/>
+          <a:stretch>
+            <a:fillRect/>
+          </a:stretch>
+        </p:blipFill>
+        <p:spPr>
+          <a:xfrm>
+            <a:off x="4810669" y="1655645"/>
+            <a:ext cx="474159" cy="468580"/>
+          </a:xfrm>
+          <a:prstGeom prst="rect">
+            <a:avLst/>
+          </a:prstGeom>
+          <a:ln w="12700">
+            <a:solidFill>
+              <a:schemeClr val="tx1"/>
+            </a:solidFill>
+          </a:ln>
+        </p:spPr>
+      </p:pic>
+      <p:pic>
+        <p:nvPicPr>
+          <p:cNvPr id="33" name="Picture 32">
+            <a:extLst>
+              <a:ext uri="{FF2B5EF4-FFF2-40B4-BE49-F238E27FC236}">
+                <a16:creationId xmlns:a16="http://schemas.microsoft.com/office/drawing/2014/main" id="{7F4E5320-5B35-BB2A-6066-20F69AF84836}"/>
+              </a:ext>
+            </a:extLst>
+          </p:cNvPr>
+          <p:cNvPicPr>
+            <a:picLocks noChangeAspect="1"/>
+          </p:cNvPicPr>
+          <p:nvPr/>
+        </p:nvPicPr>
+        <p:blipFill>
+          <a:blip r:embed="rId3"/>
+          <a:stretch>
+            <a:fillRect/>
+          </a:stretch>
+        </p:blipFill>
+        <p:spPr>
+          <a:xfrm>
+            <a:off x="4810669" y="918335"/>
+            <a:ext cx="485517" cy="468580"/>
+          </a:xfrm>
+          <a:prstGeom prst="rect">
+            <a:avLst/>
+          </a:prstGeom>
+          <a:ln w="9525">
+            <a:solidFill>
+              <a:schemeClr val="tx1"/>
+            </a:solidFill>
+          </a:ln>
+        </p:spPr>
+      </p:pic>
+      <p:cxnSp>
+        <p:nvCxnSpPr>
+          <p:cNvPr id="34" name="Straight Connector 33">
+            <a:extLst>
+              <a:ext uri="{FF2B5EF4-FFF2-40B4-BE49-F238E27FC236}">
+                <a16:creationId xmlns:a16="http://schemas.microsoft.com/office/drawing/2014/main" id="{66C52FFE-F02B-8EDB-F8EF-FC20B7C0C538}"/>
+              </a:ext>
+            </a:extLst>
+          </p:cNvPr>
+          <p:cNvCxnSpPr>
+            <a:cxnSpLocks/>
+            <a:stCxn id="33" idx="2"/>
+            <a:endCxn id="32" idx="0"/>
+          </p:cNvCxnSpPr>
+          <p:nvPr/>
+        </p:nvCxnSpPr>
+        <p:spPr>
+          <a:xfrm flipH="1">
+            <a:off x="5047749" y="1386915"/>
+            <a:ext cx="5679" cy="268730"/>
+          </a:xfrm>
+          <a:prstGeom prst="line">
             <a:avLst/>
           </a:prstGeom>
         </p:spPr>
@@ -6171,22 +8228,23 @@
       </p:cxnSp>
       <p:cxnSp>
         <p:nvCxnSpPr>
-          <p:cNvPr id="143" name="Straight Connector 142">
-            <a:extLst>
-              <a:ext uri="{FF2B5EF4-FFF2-40B4-BE49-F238E27FC236}">
-                <a16:creationId xmlns:a16="http://schemas.microsoft.com/office/drawing/2014/main" id="{90B2D6CB-1063-920B-0132-B85EF327B999}"/>
+          <p:cNvPr id="35" name="Straight Connector 34">
+            <a:extLst>
+              <a:ext uri="{FF2B5EF4-FFF2-40B4-BE49-F238E27FC236}">
+                <a16:creationId xmlns:a16="http://schemas.microsoft.com/office/drawing/2014/main" id="{58222B5A-BDC5-9B0C-B0AA-89F84D6593DE}"/>
               </a:ext>
             </a:extLst>
           </p:cNvPr>
           <p:cNvCxnSpPr>
             <a:cxnSpLocks/>
+            <a:stCxn id="32" idx="2"/>
           </p:cNvCxnSpPr>
           <p:nvPr/>
         </p:nvCxnSpPr>
         <p:spPr>
           <a:xfrm flipH="1">
-            <a:off x="7905851" y="4679606"/>
-            <a:ext cx="1155806" cy="0"/>
+            <a:off x="5047748" y="2124225"/>
+            <a:ext cx="1" cy="360070"/>
           </a:xfrm>
           <a:prstGeom prst="line">
             <a:avLst/>
@@ -6207,60 +8265,95 @@
           </a:fontRef>
         </p:style>
       </p:cxnSp>
-      <p:sp>
-        <p:nvSpPr>
-          <p:cNvPr id="148" name="TextBox 147">
-            <a:extLst>
-              <a:ext uri="{FF2B5EF4-FFF2-40B4-BE49-F238E27FC236}">
-                <a16:creationId xmlns:a16="http://schemas.microsoft.com/office/drawing/2014/main" id="{8A63DD43-3C37-1BB0-8BBC-8ABC3A8B2474}"/>
-              </a:ext>
-            </a:extLst>
-          </p:cNvPr>
-          <p:cNvSpPr txBox="1"/>
-          <p:nvPr/>
-        </p:nvSpPr>
-        <p:spPr>
-          <a:xfrm>
-            <a:off x="7901027" y="4433884"/>
-            <a:ext cx="883655" cy="276999"/>
+      <p:pic>
+        <p:nvPicPr>
+          <p:cNvPr id="38" name="Picture 37">
+            <a:extLst>
+              <a:ext uri="{FF2B5EF4-FFF2-40B4-BE49-F238E27FC236}">
+                <a16:creationId xmlns:a16="http://schemas.microsoft.com/office/drawing/2014/main" id="{51C9DE96-7A10-F010-0852-4757F265F73E}"/>
+              </a:ext>
+            </a:extLst>
+          </p:cNvPr>
+          <p:cNvPicPr>
+            <a:picLocks noChangeAspect="1"/>
+          </p:cNvPicPr>
+          <p:nvPr/>
+        </p:nvPicPr>
+        <p:blipFill>
+          <a:blip r:embed="rId2"/>
+          <a:stretch>
+            <a:fillRect/>
+          </a:stretch>
+        </p:blipFill>
+        <p:spPr>
+          <a:xfrm>
+            <a:off x="5445372" y="1655645"/>
+            <a:ext cx="474159" cy="468580"/>
           </a:xfrm>
           <a:prstGeom prst="rect">
             <a:avLst/>
           </a:prstGeom>
-          <a:noFill/>
-        </p:spPr>
-        <p:txBody>
-          <a:bodyPr wrap="square" rtlCol="0">
-            <a:spAutoFit/>
-          </a:bodyPr>
-          <a:lstStyle/>
-          <a:p>
-            <a:r>
-              <a:rPr lang="en-US" sz="1200" b="1" dirty="0"/>
-              <a:t>26-69kV</a:t>
-            </a:r>
-            <a:endParaRPr lang="en-SG" sz="1200" b="1" dirty="0"/>
-          </a:p>
-        </p:txBody>
-      </p:sp>
+          <a:ln w="12700">
+            <a:solidFill>
+              <a:schemeClr val="tx1"/>
+            </a:solidFill>
+          </a:ln>
+        </p:spPr>
+      </p:pic>
+      <p:pic>
+        <p:nvPicPr>
+          <p:cNvPr id="39" name="Picture 38">
+            <a:extLst>
+              <a:ext uri="{FF2B5EF4-FFF2-40B4-BE49-F238E27FC236}">
+                <a16:creationId xmlns:a16="http://schemas.microsoft.com/office/drawing/2014/main" id="{6B3AF727-F517-F3C6-534E-108FFBFD4CE4}"/>
+              </a:ext>
+            </a:extLst>
+          </p:cNvPr>
+          <p:cNvPicPr>
+            <a:picLocks noChangeAspect="1"/>
+          </p:cNvPicPr>
+          <p:nvPr/>
+        </p:nvPicPr>
+        <p:blipFill>
+          <a:blip r:embed="rId3"/>
+          <a:stretch>
+            <a:fillRect/>
+          </a:stretch>
+        </p:blipFill>
+        <p:spPr>
+          <a:xfrm>
+            <a:off x="5445372" y="918335"/>
+            <a:ext cx="485517" cy="468580"/>
+          </a:xfrm>
+          <a:prstGeom prst="rect">
+            <a:avLst/>
+          </a:prstGeom>
+          <a:ln w="9525">
+            <a:solidFill>
+              <a:schemeClr val="tx1"/>
+            </a:solidFill>
+          </a:ln>
+        </p:spPr>
+      </p:pic>
       <p:cxnSp>
         <p:nvCxnSpPr>
-          <p:cNvPr id="149" name="Straight Connector 148">
-            <a:extLst>
-              <a:ext uri="{FF2B5EF4-FFF2-40B4-BE49-F238E27FC236}">
-                <a16:creationId xmlns:a16="http://schemas.microsoft.com/office/drawing/2014/main" id="{4683D50D-9AB2-C318-BB1B-7FCC65234729}"/>
+          <p:cNvPr id="40" name="Straight Connector 39">
+            <a:extLst>
+              <a:ext uri="{FF2B5EF4-FFF2-40B4-BE49-F238E27FC236}">
+                <a16:creationId xmlns:a16="http://schemas.microsoft.com/office/drawing/2014/main" id="{4A038D8A-9384-63C0-ACD1-5DF5378BB4C9}"/>
               </a:ext>
             </a:extLst>
           </p:cNvPr>
           <p:cNvCxnSpPr>
-            <a:cxnSpLocks/>
+            <a:stCxn id="39" idx="2"/>
+            <a:endCxn id="38" idx="0"/>
           </p:cNvCxnSpPr>
           <p:nvPr/>
         </p:nvCxnSpPr>
         <p:spPr>
           <a:xfrm flipH="1">
-            <a:off x="7879957" y="3466192"/>
-            <a:ext cx="1046329" cy="0"/>
+            <a:off x="5682452" y="1386915"/>
+            <a:ext cx="5679" cy="268730"/>
           </a:xfrm>
           <a:prstGeom prst="line">
             <a:avLst/>
@@ -6281,48 +8374,51 @@
           </a:fontRef>
         </p:style>
       </p:cxnSp>
-      <p:sp>
-        <p:nvSpPr>
-          <p:cNvPr id="151" name="TextBox 150">
-            <a:extLst>
-              <a:ext uri="{FF2B5EF4-FFF2-40B4-BE49-F238E27FC236}">
-                <a16:creationId xmlns:a16="http://schemas.microsoft.com/office/drawing/2014/main" id="{1A1F7EE5-1E92-AFB6-59A5-3F13E02CC94C}"/>
-              </a:ext>
-            </a:extLst>
-          </p:cNvPr>
-          <p:cNvSpPr txBox="1"/>
-          <p:nvPr/>
-        </p:nvSpPr>
-        <p:spPr>
-          <a:xfrm>
-            <a:off x="7629758" y="3816785"/>
-            <a:ext cx="1391472" cy="400110"/>
-          </a:xfrm>
-          <a:prstGeom prst="rect">
-            <a:avLst/>
-          </a:prstGeom>
-          <a:noFill/>
-        </p:spPr>
-        <p:txBody>
-          <a:bodyPr wrap="square" rtlCol="0">
-            <a:spAutoFit/>
-          </a:bodyPr>
-          <a:lstStyle/>
-          <a:p>
-            <a:r>
-              <a:rPr lang="en-US" sz="1000" b="1" dirty="0"/>
-              <a:t>Primary step down transformer  </a:t>
-            </a:r>
-            <a:endParaRPr lang="en-SG" sz="1000" b="1" dirty="0"/>
-          </a:p>
-        </p:txBody>
-      </p:sp>
+      <p:cxnSp>
+        <p:nvCxnSpPr>
+          <p:cNvPr id="41" name="Straight Connector 40">
+            <a:extLst>
+              <a:ext uri="{FF2B5EF4-FFF2-40B4-BE49-F238E27FC236}">
+                <a16:creationId xmlns:a16="http://schemas.microsoft.com/office/drawing/2014/main" id="{66504AA1-DD38-A6A1-A6A4-2C68A0A46202}"/>
+              </a:ext>
+            </a:extLst>
+          </p:cNvPr>
+          <p:cNvCxnSpPr>
+            <a:cxnSpLocks/>
+            <a:stCxn id="38" idx="2"/>
+          </p:cNvCxnSpPr>
+          <p:nvPr/>
+        </p:nvCxnSpPr>
+        <p:spPr>
+          <a:xfrm flipH="1">
+            <a:off x="5682451" y="2124225"/>
+            <a:ext cx="1" cy="360070"/>
+          </a:xfrm>
+          <a:prstGeom prst="line">
+            <a:avLst/>
+          </a:prstGeom>
+        </p:spPr>
+        <p:style>
+          <a:lnRef idx="2">
+            <a:schemeClr val="accent1"/>
+          </a:lnRef>
+          <a:fillRef idx="0">
+            <a:schemeClr val="accent1"/>
+          </a:fillRef>
+          <a:effectRef idx="1">
+            <a:schemeClr val="accent1"/>
+          </a:effectRef>
+          <a:fontRef idx="minor">
+            <a:schemeClr val="tx1"/>
+          </a:fontRef>
+        </p:style>
+      </p:cxnSp>
       <p:pic>
         <p:nvPicPr>
-          <p:cNvPr id="152" name="Picture 151">
-            <a:extLst>
-              <a:ext uri="{FF2B5EF4-FFF2-40B4-BE49-F238E27FC236}">
-                <a16:creationId xmlns:a16="http://schemas.microsoft.com/office/drawing/2014/main" id="{D4FE36E0-EAEA-42B9-CD41-96C209D7C9D7}"/>
+          <p:cNvPr id="44" name="Picture 43">
+            <a:extLst>
+              <a:ext uri="{FF2B5EF4-FFF2-40B4-BE49-F238E27FC236}">
+                <a16:creationId xmlns:a16="http://schemas.microsoft.com/office/drawing/2014/main" id="{F8D96FF3-0D50-2023-F83F-6D17D01DAC3E}"/>
               </a:ext>
             </a:extLst>
           </p:cNvPr>
@@ -6332,15 +8428,15 @@
           <p:nvPr/>
         </p:nvPicPr>
         <p:blipFill>
-          <a:blip r:embed="rId10"/>
+          <a:blip r:embed="rId5"/>
           <a:stretch>
             <a:fillRect/>
           </a:stretch>
         </p:blipFill>
         <p:spPr>
           <a:xfrm>
-            <a:off x="8997345" y="3161071"/>
-            <a:ext cx="499692" cy="580179"/>
+            <a:off x="1197795" y="2481943"/>
+            <a:ext cx="464174" cy="495720"/>
           </a:xfrm>
           <a:prstGeom prst="rect">
             <a:avLst/>
@@ -6352,12 +8448,123 @@
           </a:ln>
         </p:spPr>
       </p:pic>
-      <p:sp>
-        <p:nvSpPr>
-          <p:cNvPr id="153" name="TextBox 152">
-            <a:extLst>
-              <a:ext uri="{FF2B5EF4-FFF2-40B4-BE49-F238E27FC236}">
-                <a16:creationId xmlns:a16="http://schemas.microsoft.com/office/drawing/2014/main" id="{00EDE1FD-5104-EEB4-D61B-447483C9E820}"/>
+      <p:pic>
+        <p:nvPicPr>
+          <p:cNvPr id="45" name="Picture 44">
+            <a:extLst>
+              <a:ext uri="{FF2B5EF4-FFF2-40B4-BE49-F238E27FC236}">
+                <a16:creationId xmlns:a16="http://schemas.microsoft.com/office/drawing/2014/main" id="{DD87936D-372C-92FC-26D5-17614B9646B4}"/>
+              </a:ext>
+            </a:extLst>
+          </p:cNvPr>
+          <p:cNvPicPr>
+            <a:picLocks noChangeAspect="1"/>
+          </p:cNvPicPr>
+          <p:nvPr/>
+        </p:nvPicPr>
+        <p:blipFill>
+          <a:blip r:embed="rId5"/>
+          <a:stretch>
+            <a:fillRect/>
+          </a:stretch>
+        </p:blipFill>
+        <p:spPr>
+          <a:xfrm>
+            <a:off x="4232948" y="2398972"/>
+            <a:ext cx="464174" cy="495720"/>
+          </a:xfrm>
+          <a:prstGeom prst="rect">
+            <a:avLst/>
+          </a:prstGeom>
+          <a:ln w="9525">
+            <a:solidFill>
+              <a:schemeClr val="tx1"/>
+            </a:solidFill>
+          </a:ln>
+        </p:spPr>
+      </p:pic>
+      <p:cxnSp>
+        <p:nvCxnSpPr>
+          <p:cNvPr id="48" name="Straight Connector 47">
+            <a:extLst>
+              <a:ext uri="{FF2B5EF4-FFF2-40B4-BE49-F238E27FC236}">
+                <a16:creationId xmlns:a16="http://schemas.microsoft.com/office/drawing/2014/main" id="{4BEC40CA-888D-175F-5FA5-398AC7C44CB6}"/>
+              </a:ext>
+            </a:extLst>
+          </p:cNvPr>
+          <p:cNvCxnSpPr>
+            <a:cxnSpLocks/>
+          </p:cNvCxnSpPr>
+          <p:nvPr/>
+        </p:nvCxnSpPr>
+        <p:spPr>
+          <a:xfrm>
+            <a:off x="4705530" y="2481943"/>
+            <a:ext cx="976921" cy="0"/>
+          </a:xfrm>
+          <a:prstGeom prst="line">
+            <a:avLst/>
+          </a:prstGeom>
+        </p:spPr>
+        <p:style>
+          <a:lnRef idx="2">
+            <a:schemeClr val="accent1"/>
+          </a:lnRef>
+          <a:fillRef idx="0">
+            <a:schemeClr val="accent1"/>
+          </a:fillRef>
+          <a:effectRef idx="1">
+            <a:schemeClr val="accent1"/>
+          </a:effectRef>
+          <a:fontRef idx="minor">
+            <a:schemeClr val="tx1"/>
+          </a:fontRef>
+        </p:style>
+      </p:cxnSp>
+      <p:cxnSp>
+        <p:nvCxnSpPr>
+          <p:cNvPr id="51" name="Straight Connector 50">
+            <a:extLst>
+              <a:ext uri="{FF2B5EF4-FFF2-40B4-BE49-F238E27FC236}">
+                <a16:creationId xmlns:a16="http://schemas.microsoft.com/office/drawing/2014/main" id="{3ED1096D-BD04-8717-2A5E-5D36E547448A}"/>
+              </a:ext>
+            </a:extLst>
+          </p:cNvPr>
+          <p:cNvCxnSpPr>
+            <a:cxnSpLocks/>
+          </p:cNvCxnSpPr>
+          <p:nvPr/>
+        </p:nvCxnSpPr>
+        <p:spPr>
+          <a:xfrm flipH="1">
+            <a:off x="3660951" y="2503064"/>
+            <a:ext cx="571997" cy="0"/>
+          </a:xfrm>
+          <a:prstGeom prst="line">
+            <a:avLst/>
+          </a:prstGeom>
+        </p:spPr>
+        <p:style>
+          <a:lnRef idx="2">
+            <a:schemeClr val="accent1"/>
+          </a:lnRef>
+          <a:fillRef idx="0">
+            <a:schemeClr val="accent1"/>
+          </a:fillRef>
+          <a:effectRef idx="1">
+            <a:schemeClr val="accent1"/>
+          </a:effectRef>
+          <a:fontRef idx="minor">
+            <a:schemeClr val="tx1"/>
+          </a:fontRef>
+        </p:style>
+      </p:cxnSp>
+      <p:sp>
+        <p:nvSpPr>
+          <p:cNvPr id="53" name="TextBox 52">
+            <a:extLst>
+              <a:ext uri="{FF2B5EF4-FFF2-40B4-BE49-F238E27FC236}">
+                <a16:creationId xmlns:a16="http://schemas.microsoft.com/office/drawing/2014/main" id="{76A2CB0B-D2ED-BF52-F119-72E4BDC7EE34}"/>
               </a:ext>
             </a:extLst>
           </p:cNvPr>
@@ -6366,8 +8573,8 @@
         </p:nvSpPr>
         <p:spPr>
           <a:xfrm>
-            <a:off x="8911837" y="2880370"/>
-            <a:ext cx="1767478" cy="246221"/>
+            <a:off x="1620518" y="2425514"/>
+            <a:ext cx="812286" cy="553998"/>
           </a:xfrm>
           <a:prstGeom prst="rect">
             <a:avLst/>
@@ -6381,19 +8588,31 @@
           <a:lstStyle/>
           <a:p>
             <a:r>
-              <a:rPr lang="en-US" sz="1000" b="1" dirty="0"/>
-              <a:t>Primary Customer</a:t>
-            </a:r>
-            <a:endParaRPr lang="en-SG" sz="1000" b="1" dirty="0"/>
-          </a:p>
-        </p:txBody>
-      </p:sp>
-      <p:sp>
-        <p:nvSpPr>
-          <p:cNvPr id="154" name="TextBox 153">
-            <a:extLst>
-              <a:ext uri="{FF2B5EF4-FFF2-40B4-BE49-F238E27FC236}">
-                <a16:creationId xmlns:a16="http://schemas.microsoft.com/office/drawing/2014/main" id="{11A962FD-1656-364A-8C38-E038535C3235}"/>
+              <a:rPr lang="en-US" sz="1000" b="1" dirty="0">
+                <a:solidFill>
+                  <a:schemeClr val="accent1">
+                    <a:lumMod val="75000"/>
+                  </a:schemeClr>
+                </a:solidFill>
+              </a:rPr>
+              <a:t>DC-AC generating substation </a:t>
+            </a:r>
+            <a:endParaRPr lang="en-SG" sz="1000" b="1" dirty="0">
+              <a:solidFill>
+                <a:schemeClr val="accent1">
+                  <a:lumMod val="75000"/>
+                </a:schemeClr>
+              </a:solidFill>
+            </a:endParaRPr>
+          </a:p>
+        </p:txBody>
+      </p:sp>
+      <p:sp>
+        <p:nvSpPr>
+          <p:cNvPr id="54" name="TextBox 53">
+            <a:extLst>
+              <a:ext uri="{FF2B5EF4-FFF2-40B4-BE49-F238E27FC236}">
+                <a16:creationId xmlns:a16="http://schemas.microsoft.com/office/drawing/2014/main" id="{C8F03E5A-B3CA-337E-312D-807D1FBFF81C}"/>
               </a:ext>
             </a:extLst>
           </p:cNvPr>
@@ -6402,8 +8621,8 @@
         </p:nvSpPr>
         <p:spPr>
           <a:xfrm>
-            <a:off x="7568960" y="2373430"/>
-            <a:ext cx="1391472" cy="400110"/>
+            <a:off x="2860432" y="2578903"/>
+            <a:ext cx="1126879" cy="553998"/>
           </a:xfrm>
           <a:prstGeom prst="rect">
             <a:avLst/>
@@ -6417,10 +8636,2130 @@
           <a:lstStyle/>
           <a:p>
             <a:r>
+              <a:rPr lang="en-US" sz="1000" b="1" dirty="0">
+                <a:solidFill>
+                  <a:schemeClr val="accent1">
+                    <a:lumMod val="75000"/>
+                  </a:schemeClr>
+                </a:solidFill>
+              </a:rPr>
+              <a:t>AC-AC generating substation </a:t>
+            </a:r>
+            <a:endParaRPr lang="en-SG" sz="1000" b="1" dirty="0">
+              <a:solidFill>
+                <a:schemeClr val="accent1">
+                  <a:lumMod val="75000"/>
+                </a:schemeClr>
+              </a:solidFill>
+            </a:endParaRPr>
+          </a:p>
+        </p:txBody>
+      </p:sp>
+      <p:sp>
+        <p:nvSpPr>
+          <p:cNvPr id="55" name="TextBox 54">
+            <a:extLst>
+              <a:ext uri="{FF2B5EF4-FFF2-40B4-BE49-F238E27FC236}">
+                <a16:creationId xmlns:a16="http://schemas.microsoft.com/office/drawing/2014/main" id="{EA39547D-C5EB-C886-D126-A1DB6FB9FDAC}"/>
+              </a:ext>
+            </a:extLst>
+          </p:cNvPr>
+          <p:cNvSpPr txBox="1"/>
+          <p:nvPr/>
+        </p:nvSpPr>
+        <p:spPr>
+          <a:xfrm>
+            <a:off x="4697122" y="2692432"/>
+            <a:ext cx="1851065" cy="246221"/>
+          </a:xfrm>
+          <a:prstGeom prst="rect">
+            <a:avLst/>
+          </a:prstGeom>
+          <a:noFill/>
+        </p:spPr>
+        <p:txBody>
+          <a:bodyPr wrap="square" rtlCol="0">
+            <a:spAutoFit/>
+          </a:bodyPr>
+          <a:lstStyle/>
+          <a:p>
+            <a:r>
+              <a:rPr lang="en-US" sz="1000" b="1" dirty="0">
+                <a:solidFill>
+                  <a:schemeClr val="accent1">
+                    <a:lumMod val="75000"/>
+                  </a:schemeClr>
+                </a:solidFill>
+              </a:rPr>
+              <a:t>AC generating substation </a:t>
+            </a:r>
+            <a:endParaRPr lang="en-SG" sz="1000" b="1" dirty="0">
+              <a:solidFill>
+                <a:schemeClr val="accent1">
+                  <a:lumMod val="75000"/>
+                </a:schemeClr>
+              </a:solidFill>
+            </a:endParaRPr>
+          </a:p>
+        </p:txBody>
+      </p:sp>
+      <p:pic>
+        <p:nvPicPr>
+          <p:cNvPr id="57" name="Picture 56">
+            <a:extLst>
+              <a:ext uri="{FF2B5EF4-FFF2-40B4-BE49-F238E27FC236}">
+                <a16:creationId xmlns:a16="http://schemas.microsoft.com/office/drawing/2014/main" id="{7065AB45-9DAF-72CC-38F4-D3F0C5F06224}"/>
+              </a:ext>
+            </a:extLst>
+          </p:cNvPr>
+          <p:cNvPicPr>
+            <a:picLocks noChangeAspect="1"/>
+          </p:cNvPicPr>
+          <p:nvPr/>
+        </p:nvPicPr>
+        <p:blipFill>
+          <a:blip r:embed="rId6"/>
+          <a:stretch>
+            <a:fillRect/>
+          </a:stretch>
+        </p:blipFill>
+        <p:spPr>
+          <a:xfrm>
+            <a:off x="2801878" y="3387276"/>
+            <a:ext cx="621994" cy="580179"/>
+          </a:xfrm>
+          <a:prstGeom prst="rect">
+            <a:avLst/>
+          </a:prstGeom>
+          <a:ln w="9525">
+            <a:solidFill>
+              <a:schemeClr val="tx1"/>
+            </a:solidFill>
+          </a:ln>
+        </p:spPr>
+      </p:pic>
+      <p:sp>
+        <p:nvSpPr>
+          <p:cNvPr id="58" name="TextBox 57">
+            <a:extLst>
+              <a:ext uri="{FF2B5EF4-FFF2-40B4-BE49-F238E27FC236}">
+                <a16:creationId xmlns:a16="http://schemas.microsoft.com/office/drawing/2014/main" id="{7C9BE165-8ECD-2E75-9598-B2C6474F3DE4}"/>
+              </a:ext>
+            </a:extLst>
+          </p:cNvPr>
+          <p:cNvSpPr txBox="1"/>
+          <p:nvPr/>
+        </p:nvSpPr>
+        <p:spPr>
+          <a:xfrm>
+            <a:off x="3231681" y="443076"/>
+            <a:ext cx="1087193" cy="276999"/>
+          </a:xfrm>
+          <a:prstGeom prst="rect">
+            <a:avLst/>
+          </a:prstGeom>
+          <a:noFill/>
+        </p:spPr>
+        <p:txBody>
+          <a:bodyPr wrap="square" rtlCol="0">
+            <a:spAutoFit/>
+          </a:bodyPr>
+          <a:lstStyle/>
+          <a:p>
+            <a:r>
+              <a:rPr lang="en-US" sz="1200" b="1" dirty="0">
+                <a:solidFill>
+                  <a:schemeClr val="accent1">
+                    <a:lumMod val="75000"/>
+                  </a:schemeClr>
+                </a:solidFill>
+              </a:rPr>
+              <a:t>Power plant </a:t>
+            </a:r>
+          </a:p>
+        </p:txBody>
+      </p:sp>
+      <p:cxnSp>
+        <p:nvCxnSpPr>
+          <p:cNvPr id="61" name="Connector: Elbow 60">
+            <a:extLst>
+              <a:ext uri="{FF2B5EF4-FFF2-40B4-BE49-F238E27FC236}">
+                <a16:creationId xmlns:a16="http://schemas.microsoft.com/office/drawing/2014/main" id="{77799285-2DF4-65C4-D5D7-1618E10B89EF}"/>
+              </a:ext>
+            </a:extLst>
+          </p:cNvPr>
+          <p:cNvCxnSpPr>
+            <a:stCxn id="44" idx="2"/>
+            <a:endCxn id="57" idx="1"/>
+          </p:cNvCxnSpPr>
+          <p:nvPr/>
+        </p:nvCxnSpPr>
+        <p:spPr>
+          <a:xfrm rot="16200000" flipH="1">
+            <a:off x="1766029" y="2641516"/>
+            <a:ext cx="699703" cy="1371996"/>
+          </a:xfrm>
+          <a:prstGeom prst="bentConnector2">
+            <a:avLst/>
+          </a:prstGeom>
+        </p:spPr>
+        <p:style>
+          <a:lnRef idx="2">
+            <a:schemeClr val="accent1"/>
+          </a:lnRef>
+          <a:fillRef idx="0">
+            <a:schemeClr val="accent1"/>
+          </a:fillRef>
+          <a:effectRef idx="1">
+            <a:schemeClr val="accent1"/>
+          </a:effectRef>
+          <a:fontRef idx="minor">
+            <a:schemeClr val="tx1"/>
+          </a:fontRef>
+        </p:style>
+      </p:cxnSp>
+      <p:cxnSp>
+        <p:nvCxnSpPr>
+          <p:cNvPr id="62" name="Connector: Elbow 61">
+            <a:extLst>
+              <a:ext uri="{FF2B5EF4-FFF2-40B4-BE49-F238E27FC236}">
+                <a16:creationId xmlns:a16="http://schemas.microsoft.com/office/drawing/2014/main" id="{E3AB0DAC-BFDD-860A-661E-68AE8C8B90C8}"/>
+              </a:ext>
+            </a:extLst>
+          </p:cNvPr>
+          <p:cNvCxnSpPr>
+            <a:cxnSpLocks/>
+            <a:stCxn id="31" idx="2"/>
+            <a:endCxn id="57" idx="0"/>
+          </p:cNvCxnSpPr>
+          <p:nvPr/>
+        </p:nvCxnSpPr>
+        <p:spPr>
+          <a:xfrm rot="16200000" flipH="1">
+            <a:off x="2681047" y="2955448"/>
+            <a:ext cx="421230" cy="442425"/>
+          </a:xfrm>
+          <a:prstGeom prst="bentConnector3">
+            <a:avLst>
+              <a:gd name="adj1" fmla="val 50000"/>
+            </a:avLst>
+          </a:prstGeom>
+        </p:spPr>
+        <p:style>
+          <a:lnRef idx="2">
+            <a:schemeClr val="accent1"/>
+          </a:lnRef>
+          <a:fillRef idx="0">
+            <a:schemeClr val="accent1"/>
+          </a:fillRef>
+          <a:effectRef idx="1">
+            <a:schemeClr val="accent1"/>
+          </a:effectRef>
+          <a:fontRef idx="minor">
+            <a:schemeClr val="tx1"/>
+          </a:fontRef>
+        </p:style>
+      </p:cxnSp>
+      <p:cxnSp>
+        <p:nvCxnSpPr>
+          <p:cNvPr id="66" name="Connector: Elbow 65">
+            <a:extLst>
+              <a:ext uri="{FF2B5EF4-FFF2-40B4-BE49-F238E27FC236}">
+                <a16:creationId xmlns:a16="http://schemas.microsoft.com/office/drawing/2014/main" id="{5CFB3077-7DED-3940-8A8E-1D63372F06BB}"/>
+              </a:ext>
+            </a:extLst>
+          </p:cNvPr>
+          <p:cNvCxnSpPr>
+            <a:cxnSpLocks/>
+            <a:stCxn id="45" idx="2"/>
+            <a:endCxn id="57" idx="3"/>
+          </p:cNvCxnSpPr>
+          <p:nvPr/>
+        </p:nvCxnSpPr>
+        <p:spPr>
+          <a:xfrm rot="5400000">
+            <a:off x="3553117" y="2765448"/>
+            <a:ext cx="782674" cy="1041163"/>
+          </a:xfrm>
+          <a:prstGeom prst="bentConnector2">
+            <a:avLst/>
+          </a:prstGeom>
+        </p:spPr>
+        <p:style>
+          <a:lnRef idx="2">
+            <a:schemeClr val="accent1"/>
+          </a:lnRef>
+          <a:fillRef idx="0">
+            <a:schemeClr val="accent1"/>
+          </a:fillRef>
+          <a:effectRef idx="1">
+            <a:schemeClr val="accent1"/>
+          </a:effectRef>
+          <a:fontRef idx="minor">
+            <a:schemeClr val="tx1"/>
+          </a:fontRef>
+        </p:style>
+      </p:cxnSp>
+      <p:sp>
+        <p:nvSpPr>
+          <p:cNvPr id="69" name="TextBox 68">
+            <a:extLst>
+              <a:ext uri="{FF2B5EF4-FFF2-40B4-BE49-F238E27FC236}">
+                <a16:creationId xmlns:a16="http://schemas.microsoft.com/office/drawing/2014/main" id="{4B9616DB-00B6-B723-BA05-C77848843DC6}"/>
+              </a:ext>
+            </a:extLst>
+          </p:cNvPr>
+          <p:cNvSpPr txBox="1"/>
+          <p:nvPr/>
+        </p:nvSpPr>
+        <p:spPr>
+          <a:xfrm>
+            <a:off x="1805613" y="3202791"/>
+            <a:ext cx="1391472" cy="400110"/>
+          </a:xfrm>
+          <a:prstGeom prst="rect">
+            <a:avLst/>
+          </a:prstGeom>
+          <a:noFill/>
+        </p:spPr>
+        <p:txBody>
+          <a:bodyPr wrap="square" rtlCol="0">
+            <a:spAutoFit/>
+          </a:bodyPr>
+          <a:lstStyle/>
+          <a:p>
+            <a:r>
+              <a:rPr lang="en-US" sz="1000" b="1" dirty="0">
+                <a:solidFill>
+                  <a:schemeClr val="accent1">
+                    <a:lumMod val="75000"/>
+                  </a:schemeClr>
+                </a:solidFill>
+              </a:rPr>
+              <a:t>Generating step up transformer  </a:t>
+            </a:r>
+            <a:endParaRPr lang="en-SG" sz="1000" b="1" dirty="0">
+              <a:solidFill>
+                <a:schemeClr val="accent1">
+                  <a:lumMod val="75000"/>
+                </a:schemeClr>
+              </a:solidFill>
+            </a:endParaRPr>
+          </a:p>
+        </p:txBody>
+      </p:sp>
+      <p:pic>
+        <p:nvPicPr>
+          <p:cNvPr id="71" name="Picture 70" descr="A blue electrical tower with a black background&#10;&#10;Description automatically generated">
+            <a:extLst>
+              <a:ext uri="{FF2B5EF4-FFF2-40B4-BE49-F238E27FC236}">
+                <a16:creationId xmlns:a16="http://schemas.microsoft.com/office/drawing/2014/main" id="{36C7FF9D-796B-C989-3F4D-0A88BA544EA5}"/>
+              </a:ext>
+            </a:extLst>
+          </p:cNvPr>
+          <p:cNvPicPr>
+            <a:picLocks noChangeAspect="1"/>
+          </p:cNvPicPr>
+          <p:nvPr/>
+        </p:nvPicPr>
+        <p:blipFill>
+          <a:blip r:embed="rId7">
+            <a:duotone>
+              <a:schemeClr val="accent2">
+                <a:shade val="45000"/>
+                <a:satMod val="135000"/>
+              </a:schemeClr>
+              <a:prstClr val="white"/>
+            </a:duotone>
+            <a:extLst>
+              <a:ext uri="{28A0092B-C50C-407E-A947-70E740481C1C}">
+                <a14:useLocalDpi xmlns:a14="http://schemas.microsoft.com/office/drawing/2010/main" val="0"/>
+              </a:ext>
+            </a:extLst>
+          </a:blip>
+          <a:stretch>
+            <a:fillRect/>
+          </a:stretch>
+        </p:blipFill>
+        <p:spPr>
+          <a:xfrm>
+            <a:off x="3763921" y="4068918"/>
+            <a:ext cx="621994" cy="1301403"/>
+          </a:xfrm>
+          <a:prstGeom prst="rect">
+            <a:avLst/>
+          </a:prstGeom>
+        </p:spPr>
+      </p:pic>
+      <p:cxnSp>
+        <p:nvCxnSpPr>
+          <p:cNvPr id="73" name="Straight Connector 72">
+            <a:extLst>
+              <a:ext uri="{FF2B5EF4-FFF2-40B4-BE49-F238E27FC236}">
+                <a16:creationId xmlns:a16="http://schemas.microsoft.com/office/drawing/2014/main" id="{66536E10-E4DE-7B5C-06A1-D7A50BF0B505}"/>
+              </a:ext>
+            </a:extLst>
+          </p:cNvPr>
+          <p:cNvCxnSpPr>
+            <a:cxnSpLocks/>
+            <a:stCxn id="57" idx="2"/>
+          </p:cNvCxnSpPr>
+          <p:nvPr/>
+        </p:nvCxnSpPr>
+        <p:spPr>
+          <a:xfrm>
+            <a:off x="3112875" y="3967455"/>
+            <a:ext cx="662403" cy="462077"/>
+          </a:xfrm>
+          <a:prstGeom prst="line">
+            <a:avLst/>
+          </a:prstGeom>
+          <a:ln>
+            <a:solidFill>
+              <a:srgbClr val="C00000"/>
+            </a:solidFill>
+          </a:ln>
+        </p:spPr>
+        <p:style>
+          <a:lnRef idx="2">
+            <a:schemeClr val="accent1"/>
+          </a:lnRef>
+          <a:fillRef idx="0">
+            <a:schemeClr val="accent1"/>
+          </a:fillRef>
+          <a:effectRef idx="1">
+            <a:schemeClr val="accent1"/>
+          </a:effectRef>
+          <a:fontRef idx="minor">
+            <a:schemeClr val="tx1"/>
+          </a:fontRef>
+        </p:style>
+      </p:cxnSp>
+      <p:pic>
+        <p:nvPicPr>
+          <p:cNvPr id="76" name="Picture 75" descr="A blue electrical tower with a black background&#10;&#10;Description automatically generated">
+            <a:extLst>
+              <a:ext uri="{FF2B5EF4-FFF2-40B4-BE49-F238E27FC236}">
+                <a16:creationId xmlns:a16="http://schemas.microsoft.com/office/drawing/2014/main" id="{71E16F98-4778-2CBD-F399-303C41EC2C1C}"/>
+              </a:ext>
+            </a:extLst>
+          </p:cNvPr>
+          <p:cNvPicPr>
+            <a:picLocks noChangeAspect="1"/>
+          </p:cNvPicPr>
+          <p:nvPr/>
+        </p:nvPicPr>
+        <p:blipFill>
+          <a:blip r:embed="rId7">
+            <a:duotone>
+              <a:schemeClr val="accent2">
+                <a:shade val="45000"/>
+                <a:satMod val="135000"/>
+              </a:schemeClr>
+              <a:prstClr val="white"/>
+            </a:duotone>
+            <a:extLst>
+              <a:ext uri="{28A0092B-C50C-407E-A947-70E740481C1C}">
+                <a14:useLocalDpi xmlns:a14="http://schemas.microsoft.com/office/drawing/2010/main" val="0"/>
+              </a:ext>
+            </a:extLst>
+          </a:blip>
+          <a:stretch>
+            <a:fillRect/>
+          </a:stretch>
+        </p:blipFill>
+        <p:spPr>
+          <a:xfrm>
+            <a:off x="6113303" y="4068918"/>
+            <a:ext cx="621994" cy="1301403"/>
+          </a:xfrm>
+          <a:prstGeom prst="rect">
+            <a:avLst/>
+          </a:prstGeom>
+        </p:spPr>
+      </p:pic>
+      <p:cxnSp>
+        <p:nvCxnSpPr>
+          <p:cNvPr id="77" name="Straight Connector 76">
+            <a:extLst>
+              <a:ext uri="{FF2B5EF4-FFF2-40B4-BE49-F238E27FC236}">
+                <a16:creationId xmlns:a16="http://schemas.microsoft.com/office/drawing/2014/main" id="{9D7A4D50-390A-C474-EC03-E733E2A5D099}"/>
+              </a:ext>
+            </a:extLst>
+          </p:cNvPr>
+          <p:cNvCxnSpPr>
+            <a:cxnSpLocks/>
+            <a:stCxn id="57" idx="2"/>
+          </p:cNvCxnSpPr>
+          <p:nvPr/>
+        </p:nvCxnSpPr>
+        <p:spPr>
+          <a:xfrm>
+            <a:off x="3112875" y="3967455"/>
+            <a:ext cx="683884" cy="357434"/>
+          </a:xfrm>
+          <a:prstGeom prst="line">
+            <a:avLst/>
+          </a:prstGeom>
+          <a:ln>
+            <a:solidFill>
+              <a:srgbClr val="C00000"/>
+            </a:solidFill>
+          </a:ln>
+        </p:spPr>
+        <p:style>
+          <a:lnRef idx="2">
+            <a:schemeClr val="accent1"/>
+          </a:lnRef>
+          <a:fillRef idx="0">
+            <a:schemeClr val="accent1"/>
+          </a:fillRef>
+          <a:effectRef idx="1">
+            <a:schemeClr val="accent1"/>
+          </a:effectRef>
+          <a:fontRef idx="minor">
+            <a:schemeClr val="tx1"/>
+          </a:fontRef>
+        </p:style>
+      </p:cxnSp>
+      <p:cxnSp>
+        <p:nvCxnSpPr>
+          <p:cNvPr id="81" name="Straight Connector 80">
+            <a:extLst>
+              <a:ext uri="{FF2B5EF4-FFF2-40B4-BE49-F238E27FC236}">
+                <a16:creationId xmlns:a16="http://schemas.microsoft.com/office/drawing/2014/main" id="{8FD1DF48-0786-5AE1-84D8-A486EC921DA4}"/>
+              </a:ext>
+            </a:extLst>
+          </p:cNvPr>
+          <p:cNvCxnSpPr>
+            <a:cxnSpLocks/>
+            <a:stCxn id="57" idx="2"/>
+          </p:cNvCxnSpPr>
+          <p:nvPr/>
+        </p:nvCxnSpPr>
+        <p:spPr>
+          <a:xfrm>
+            <a:off x="3112875" y="3967455"/>
+            <a:ext cx="662403" cy="231038"/>
+          </a:xfrm>
+          <a:prstGeom prst="line">
+            <a:avLst/>
+          </a:prstGeom>
+          <a:ln>
+            <a:solidFill>
+              <a:srgbClr val="C00000"/>
+            </a:solidFill>
+          </a:ln>
+        </p:spPr>
+        <p:style>
+          <a:lnRef idx="2">
+            <a:schemeClr val="accent1"/>
+          </a:lnRef>
+          <a:fillRef idx="0">
+            <a:schemeClr val="accent1"/>
+          </a:fillRef>
+          <a:effectRef idx="1">
+            <a:schemeClr val="accent1"/>
+          </a:effectRef>
+          <a:fontRef idx="minor">
+            <a:schemeClr val="tx1"/>
+          </a:fontRef>
+        </p:style>
+      </p:cxnSp>
+      <p:sp>
+        <p:nvSpPr>
+          <p:cNvPr id="84" name="TextBox 83">
+            <a:extLst>
+              <a:ext uri="{FF2B5EF4-FFF2-40B4-BE49-F238E27FC236}">
+                <a16:creationId xmlns:a16="http://schemas.microsoft.com/office/drawing/2014/main" id="{7DB013EE-6978-0911-F5E6-91FA24762CB8}"/>
+              </a:ext>
+            </a:extLst>
+          </p:cNvPr>
+          <p:cNvSpPr txBox="1"/>
+          <p:nvPr/>
+        </p:nvSpPr>
+        <p:spPr>
+          <a:xfrm>
+            <a:off x="1401500" y="3007583"/>
+            <a:ext cx="646956" cy="276999"/>
+          </a:xfrm>
+          <a:prstGeom prst="rect">
+            <a:avLst/>
+          </a:prstGeom>
+          <a:noFill/>
+        </p:spPr>
+        <p:txBody>
+          <a:bodyPr wrap="square" rtlCol="0">
+            <a:spAutoFit/>
+          </a:bodyPr>
+          <a:lstStyle/>
+          <a:p>
+            <a:r>
+              <a:rPr lang="en-US" sz="1200" b="1" dirty="0">
+                <a:solidFill>
+                  <a:schemeClr val="accent1">
+                    <a:lumMod val="75000"/>
+                  </a:schemeClr>
+                </a:solidFill>
+              </a:rPr>
+              <a:t>33kV</a:t>
+            </a:r>
+            <a:endParaRPr lang="en-SG" sz="1200" b="1" dirty="0">
+              <a:solidFill>
+                <a:schemeClr val="accent1">
+                  <a:lumMod val="75000"/>
+                </a:schemeClr>
+              </a:solidFill>
+            </a:endParaRPr>
+          </a:p>
+        </p:txBody>
+      </p:sp>
+      <p:sp>
+        <p:nvSpPr>
+          <p:cNvPr id="85" name="TextBox 84">
+            <a:extLst>
+              <a:ext uri="{FF2B5EF4-FFF2-40B4-BE49-F238E27FC236}">
+                <a16:creationId xmlns:a16="http://schemas.microsoft.com/office/drawing/2014/main" id="{0416ED8D-C487-565D-D86E-E9BB71FAF2C5}"/>
+              </a:ext>
+            </a:extLst>
+          </p:cNvPr>
+          <p:cNvSpPr txBox="1"/>
+          <p:nvPr/>
+        </p:nvSpPr>
+        <p:spPr>
+          <a:xfrm>
+            <a:off x="2197028" y="2950510"/>
+            <a:ext cx="646956" cy="276999"/>
+          </a:xfrm>
+          <a:prstGeom prst="rect">
+            <a:avLst/>
+          </a:prstGeom>
+          <a:noFill/>
+        </p:spPr>
+        <p:txBody>
+          <a:bodyPr wrap="square" rtlCol="0">
+            <a:spAutoFit/>
+          </a:bodyPr>
+          <a:lstStyle/>
+          <a:p>
+            <a:r>
+              <a:rPr lang="en-US" sz="1200" b="1" dirty="0">
+                <a:solidFill>
+                  <a:schemeClr val="accent1">
+                    <a:lumMod val="75000"/>
+                  </a:schemeClr>
+                </a:solidFill>
+              </a:rPr>
+              <a:t>33kV</a:t>
+            </a:r>
+            <a:endParaRPr lang="en-SG" sz="1200" b="1" dirty="0">
+              <a:solidFill>
+                <a:schemeClr val="accent1">
+                  <a:lumMod val="75000"/>
+                </a:schemeClr>
+              </a:solidFill>
+            </a:endParaRPr>
+          </a:p>
+        </p:txBody>
+      </p:sp>
+      <p:sp>
+        <p:nvSpPr>
+          <p:cNvPr id="86" name="TextBox 85">
+            <a:extLst>
+              <a:ext uri="{FF2B5EF4-FFF2-40B4-BE49-F238E27FC236}">
+                <a16:creationId xmlns:a16="http://schemas.microsoft.com/office/drawing/2014/main" id="{0075FE9F-441B-685D-0ACF-EBC01A4B5C46}"/>
+              </a:ext>
+            </a:extLst>
+          </p:cNvPr>
+          <p:cNvSpPr txBox="1"/>
+          <p:nvPr/>
+        </p:nvSpPr>
+        <p:spPr>
+          <a:xfrm>
+            <a:off x="4409380" y="2950510"/>
+            <a:ext cx="646956" cy="276999"/>
+          </a:xfrm>
+          <a:prstGeom prst="rect">
+            <a:avLst/>
+          </a:prstGeom>
+          <a:noFill/>
+        </p:spPr>
+        <p:txBody>
+          <a:bodyPr wrap="square" rtlCol="0">
+            <a:spAutoFit/>
+          </a:bodyPr>
+          <a:lstStyle/>
+          <a:p>
+            <a:r>
+              <a:rPr lang="en-US" sz="1200" b="1" dirty="0">
+                <a:solidFill>
+                  <a:schemeClr val="accent1">
+                    <a:lumMod val="75000"/>
+                  </a:schemeClr>
+                </a:solidFill>
+              </a:rPr>
+              <a:t>33kV</a:t>
+            </a:r>
+            <a:endParaRPr lang="en-SG" sz="1200" b="1" dirty="0">
+              <a:solidFill>
+                <a:schemeClr val="accent1">
+                  <a:lumMod val="75000"/>
+                </a:schemeClr>
+              </a:solidFill>
+            </a:endParaRPr>
+          </a:p>
+        </p:txBody>
+      </p:sp>
+      <p:sp>
+        <p:nvSpPr>
+          <p:cNvPr id="87" name="TextBox 86">
+            <a:extLst>
+              <a:ext uri="{FF2B5EF4-FFF2-40B4-BE49-F238E27FC236}">
+                <a16:creationId xmlns:a16="http://schemas.microsoft.com/office/drawing/2014/main" id="{69357353-0546-D514-A613-32D33E7A4128}"/>
+              </a:ext>
+            </a:extLst>
+          </p:cNvPr>
+          <p:cNvSpPr txBox="1"/>
+          <p:nvPr/>
+        </p:nvSpPr>
+        <p:spPr>
+          <a:xfrm>
+            <a:off x="3415614" y="3846193"/>
+            <a:ext cx="1141491" cy="276999"/>
+          </a:xfrm>
+          <a:prstGeom prst="rect">
+            <a:avLst/>
+          </a:prstGeom>
+          <a:noFill/>
+        </p:spPr>
+        <p:txBody>
+          <a:bodyPr wrap="square" rtlCol="0">
+            <a:spAutoFit/>
+          </a:bodyPr>
+          <a:lstStyle/>
+          <a:p>
+            <a:r>
+              <a:rPr lang="en-US" sz="1200" b="1" dirty="0">
+                <a:solidFill>
+                  <a:srgbClr val="FF0000"/>
+                </a:solidFill>
+              </a:rPr>
+              <a:t>138k-400k V</a:t>
+            </a:r>
+            <a:endParaRPr lang="en-SG" sz="1200" b="1" dirty="0">
+              <a:solidFill>
+                <a:srgbClr val="FF0000"/>
+              </a:solidFill>
+            </a:endParaRPr>
+          </a:p>
+        </p:txBody>
+      </p:sp>
+      <p:cxnSp>
+        <p:nvCxnSpPr>
+          <p:cNvPr id="88" name="Straight Connector 87">
+            <a:extLst>
+              <a:ext uri="{FF2B5EF4-FFF2-40B4-BE49-F238E27FC236}">
+                <a16:creationId xmlns:a16="http://schemas.microsoft.com/office/drawing/2014/main" id="{89D5F635-A82F-9A6B-1041-790CCFE4093D}"/>
+              </a:ext>
+            </a:extLst>
+          </p:cNvPr>
+          <p:cNvCxnSpPr>
+            <a:cxnSpLocks/>
+          </p:cNvCxnSpPr>
+          <p:nvPr/>
+        </p:nvCxnSpPr>
+        <p:spPr>
+          <a:xfrm>
+            <a:off x="4379310" y="4192136"/>
+            <a:ext cx="1733993" cy="0"/>
+          </a:xfrm>
+          <a:prstGeom prst="line">
+            <a:avLst/>
+          </a:prstGeom>
+          <a:ln>
+            <a:solidFill>
+              <a:srgbClr val="C00000"/>
+            </a:solidFill>
+          </a:ln>
+        </p:spPr>
+        <p:style>
+          <a:lnRef idx="2">
+            <a:schemeClr val="accent1"/>
+          </a:lnRef>
+          <a:fillRef idx="0">
+            <a:schemeClr val="accent1"/>
+          </a:fillRef>
+          <a:effectRef idx="1">
+            <a:schemeClr val="accent1"/>
+          </a:effectRef>
+          <a:fontRef idx="minor">
+            <a:schemeClr val="tx1"/>
+          </a:fontRef>
+        </p:style>
+      </p:cxnSp>
+      <p:cxnSp>
+        <p:nvCxnSpPr>
+          <p:cNvPr id="91" name="Straight Connector 90">
+            <a:extLst>
+              <a:ext uri="{FF2B5EF4-FFF2-40B4-BE49-F238E27FC236}">
+                <a16:creationId xmlns:a16="http://schemas.microsoft.com/office/drawing/2014/main" id="{0D4B75EE-E21F-2704-6C20-C0B3C118CD3C}"/>
+              </a:ext>
+            </a:extLst>
+          </p:cNvPr>
+          <p:cNvCxnSpPr>
+            <a:cxnSpLocks/>
+          </p:cNvCxnSpPr>
+          <p:nvPr/>
+        </p:nvCxnSpPr>
+        <p:spPr>
+          <a:xfrm>
+            <a:off x="4388563" y="4307471"/>
+            <a:ext cx="1733993" cy="0"/>
+          </a:xfrm>
+          <a:prstGeom prst="line">
+            <a:avLst/>
+          </a:prstGeom>
+          <a:ln>
+            <a:solidFill>
+              <a:srgbClr val="C00000"/>
+            </a:solidFill>
+          </a:ln>
+        </p:spPr>
+        <p:style>
+          <a:lnRef idx="2">
+            <a:schemeClr val="accent1"/>
+          </a:lnRef>
+          <a:fillRef idx="0">
+            <a:schemeClr val="accent1"/>
+          </a:fillRef>
+          <a:effectRef idx="1">
+            <a:schemeClr val="accent1"/>
+          </a:effectRef>
+          <a:fontRef idx="minor">
+            <a:schemeClr val="tx1"/>
+          </a:fontRef>
+        </p:style>
+      </p:cxnSp>
+      <p:cxnSp>
+        <p:nvCxnSpPr>
+          <p:cNvPr id="92" name="Straight Connector 91">
+            <a:extLst>
+              <a:ext uri="{FF2B5EF4-FFF2-40B4-BE49-F238E27FC236}">
+                <a16:creationId xmlns:a16="http://schemas.microsoft.com/office/drawing/2014/main" id="{B8F1D83A-0A8F-A934-E161-D471116ED24B}"/>
+              </a:ext>
+            </a:extLst>
+          </p:cNvPr>
+          <p:cNvCxnSpPr>
+            <a:cxnSpLocks/>
+          </p:cNvCxnSpPr>
+          <p:nvPr/>
+        </p:nvCxnSpPr>
+        <p:spPr>
+          <a:xfrm>
+            <a:off x="4372070" y="4429532"/>
+            <a:ext cx="1733993" cy="0"/>
+          </a:xfrm>
+          <a:prstGeom prst="line">
+            <a:avLst/>
+          </a:prstGeom>
+          <a:ln>
+            <a:solidFill>
+              <a:srgbClr val="C00000"/>
+            </a:solidFill>
+          </a:ln>
+        </p:spPr>
+        <p:style>
+          <a:lnRef idx="2">
+            <a:schemeClr val="accent1"/>
+          </a:lnRef>
+          <a:fillRef idx="0">
+            <a:schemeClr val="accent1"/>
+          </a:fillRef>
+          <a:effectRef idx="1">
+            <a:schemeClr val="accent1"/>
+          </a:effectRef>
+          <a:fontRef idx="minor">
+            <a:schemeClr val="tx1"/>
+          </a:fontRef>
+        </p:style>
+      </p:cxnSp>
+      <p:cxnSp>
+        <p:nvCxnSpPr>
+          <p:cNvPr id="93" name="Straight Connector 92">
+            <a:extLst>
+              <a:ext uri="{FF2B5EF4-FFF2-40B4-BE49-F238E27FC236}">
+                <a16:creationId xmlns:a16="http://schemas.microsoft.com/office/drawing/2014/main" id="{DCD045ED-2038-3A16-9158-ED2D56994A2A}"/>
+              </a:ext>
+            </a:extLst>
+          </p:cNvPr>
+          <p:cNvCxnSpPr>
+            <a:cxnSpLocks/>
+          </p:cNvCxnSpPr>
+          <p:nvPr/>
+        </p:nvCxnSpPr>
+        <p:spPr>
+          <a:xfrm>
+            <a:off x="6714212" y="4190793"/>
+            <a:ext cx="1216983" cy="755249"/>
+          </a:xfrm>
+          <a:prstGeom prst="line">
+            <a:avLst/>
+          </a:prstGeom>
+          <a:ln>
+            <a:solidFill>
+              <a:srgbClr val="C00000"/>
+            </a:solidFill>
+          </a:ln>
+        </p:spPr>
+        <p:style>
+          <a:lnRef idx="2">
+            <a:schemeClr val="accent1"/>
+          </a:lnRef>
+          <a:fillRef idx="0">
+            <a:schemeClr val="accent1"/>
+          </a:fillRef>
+          <a:effectRef idx="1">
+            <a:schemeClr val="accent1"/>
+          </a:effectRef>
+          <a:fontRef idx="minor">
+            <a:schemeClr val="tx1"/>
+          </a:fontRef>
+        </p:style>
+      </p:cxnSp>
+      <p:cxnSp>
+        <p:nvCxnSpPr>
+          <p:cNvPr id="95" name="Straight Connector 94">
+            <a:extLst>
+              <a:ext uri="{FF2B5EF4-FFF2-40B4-BE49-F238E27FC236}">
+                <a16:creationId xmlns:a16="http://schemas.microsoft.com/office/drawing/2014/main" id="{28720251-5D7D-7F8F-74F9-FCF6AFC8491C}"/>
+              </a:ext>
+            </a:extLst>
+          </p:cNvPr>
+          <p:cNvCxnSpPr>
+            <a:cxnSpLocks/>
+          </p:cNvCxnSpPr>
+          <p:nvPr/>
+        </p:nvCxnSpPr>
+        <p:spPr>
+          <a:xfrm>
+            <a:off x="6730517" y="4307471"/>
+            <a:ext cx="1200678" cy="638571"/>
+          </a:xfrm>
+          <a:prstGeom prst="line">
+            <a:avLst/>
+          </a:prstGeom>
+          <a:ln>
+            <a:solidFill>
+              <a:srgbClr val="C00000"/>
+            </a:solidFill>
+          </a:ln>
+        </p:spPr>
+        <p:style>
+          <a:lnRef idx="2">
+            <a:schemeClr val="accent1"/>
+          </a:lnRef>
+          <a:fillRef idx="0">
+            <a:schemeClr val="accent1"/>
+          </a:fillRef>
+          <a:effectRef idx="1">
+            <a:schemeClr val="accent1"/>
+          </a:effectRef>
+          <a:fontRef idx="minor">
+            <a:schemeClr val="tx1"/>
+          </a:fontRef>
+        </p:style>
+      </p:cxnSp>
+      <p:cxnSp>
+        <p:nvCxnSpPr>
+          <p:cNvPr id="97" name="Straight Connector 96">
+            <a:extLst>
+              <a:ext uri="{FF2B5EF4-FFF2-40B4-BE49-F238E27FC236}">
+                <a16:creationId xmlns:a16="http://schemas.microsoft.com/office/drawing/2014/main" id="{4CC8332D-9D7D-379C-F2C9-F2F3C9DBF2BB}"/>
+              </a:ext>
+            </a:extLst>
+          </p:cNvPr>
+          <p:cNvCxnSpPr>
+            <a:cxnSpLocks/>
+          </p:cNvCxnSpPr>
+          <p:nvPr/>
+        </p:nvCxnSpPr>
+        <p:spPr>
+          <a:xfrm>
+            <a:off x="6714212" y="4429532"/>
+            <a:ext cx="1216983" cy="516510"/>
+          </a:xfrm>
+          <a:prstGeom prst="line">
+            <a:avLst/>
+          </a:prstGeom>
+          <a:ln>
+            <a:solidFill>
+              <a:srgbClr val="C00000"/>
+            </a:solidFill>
+          </a:ln>
+        </p:spPr>
+        <p:style>
+          <a:lnRef idx="2">
+            <a:schemeClr val="accent1"/>
+          </a:lnRef>
+          <a:fillRef idx="0">
+            <a:schemeClr val="accent1"/>
+          </a:fillRef>
+          <a:effectRef idx="1">
+            <a:schemeClr val="accent1"/>
+          </a:effectRef>
+          <a:fontRef idx="minor">
+            <a:schemeClr val="tx1"/>
+          </a:fontRef>
+        </p:style>
+      </p:cxnSp>
+      <p:pic>
+        <p:nvPicPr>
+          <p:cNvPr id="101" name="Picture 100">
+            <a:extLst>
+              <a:ext uri="{FF2B5EF4-FFF2-40B4-BE49-F238E27FC236}">
+                <a16:creationId xmlns:a16="http://schemas.microsoft.com/office/drawing/2014/main" id="{FEBD2BCF-EDC3-0B83-2299-789FACD04F51}"/>
+              </a:ext>
+            </a:extLst>
+          </p:cNvPr>
+          <p:cNvPicPr>
+            <a:picLocks noChangeAspect="1"/>
+          </p:cNvPicPr>
+          <p:nvPr/>
+        </p:nvPicPr>
+        <p:blipFill>
+          <a:blip r:embed="rId8"/>
+          <a:stretch>
+            <a:fillRect/>
+          </a:stretch>
+        </p:blipFill>
+        <p:spPr>
+          <a:xfrm>
+            <a:off x="4774942" y="4925755"/>
+            <a:ext cx="748250" cy="661610"/>
+          </a:xfrm>
+          <a:prstGeom prst="rect">
+            <a:avLst/>
+          </a:prstGeom>
+          <a:ln w="9525">
+            <a:solidFill>
+              <a:schemeClr val="tx1"/>
+            </a:solidFill>
+          </a:ln>
+        </p:spPr>
+      </p:pic>
+      <p:cxnSp>
+        <p:nvCxnSpPr>
+          <p:cNvPr id="102" name="Straight Connector 101">
+            <a:extLst>
+              <a:ext uri="{FF2B5EF4-FFF2-40B4-BE49-F238E27FC236}">
+                <a16:creationId xmlns:a16="http://schemas.microsoft.com/office/drawing/2014/main" id="{481E3A25-665C-8213-D3D6-92311A854BA7}"/>
+              </a:ext>
+            </a:extLst>
+          </p:cNvPr>
+          <p:cNvCxnSpPr>
+            <a:cxnSpLocks/>
+          </p:cNvCxnSpPr>
+          <p:nvPr/>
+        </p:nvCxnSpPr>
+        <p:spPr>
+          <a:xfrm>
+            <a:off x="4920042" y="4198493"/>
+            <a:ext cx="0" cy="730619"/>
+          </a:xfrm>
+          <a:prstGeom prst="line">
+            <a:avLst/>
+          </a:prstGeom>
+          <a:ln>
+            <a:solidFill>
+              <a:srgbClr val="C00000"/>
+            </a:solidFill>
+          </a:ln>
+        </p:spPr>
+        <p:style>
+          <a:lnRef idx="2">
+            <a:schemeClr val="accent1"/>
+          </a:lnRef>
+          <a:fillRef idx="0">
+            <a:schemeClr val="accent1"/>
+          </a:fillRef>
+          <a:effectRef idx="1">
+            <a:schemeClr val="accent1"/>
+          </a:effectRef>
+          <a:fontRef idx="minor">
+            <a:schemeClr val="tx1"/>
+          </a:fontRef>
+        </p:style>
+      </p:cxnSp>
+      <p:cxnSp>
+        <p:nvCxnSpPr>
+          <p:cNvPr id="104" name="Straight Connector 103">
+            <a:extLst>
+              <a:ext uri="{FF2B5EF4-FFF2-40B4-BE49-F238E27FC236}">
+                <a16:creationId xmlns:a16="http://schemas.microsoft.com/office/drawing/2014/main" id="{1A5BF638-5DF8-E963-3F73-68F4FECB9454}"/>
+              </a:ext>
+            </a:extLst>
+          </p:cNvPr>
+          <p:cNvCxnSpPr>
+            <a:cxnSpLocks/>
+          </p:cNvCxnSpPr>
+          <p:nvPr/>
+        </p:nvCxnSpPr>
+        <p:spPr>
+          <a:xfrm>
+            <a:off x="5043207" y="4324889"/>
+            <a:ext cx="0" cy="604223"/>
+          </a:xfrm>
+          <a:prstGeom prst="line">
+            <a:avLst/>
+          </a:prstGeom>
+          <a:ln>
+            <a:solidFill>
+              <a:srgbClr val="C00000"/>
+            </a:solidFill>
+          </a:ln>
+        </p:spPr>
+        <p:style>
+          <a:lnRef idx="2">
+            <a:schemeClr val="accent1"/>
+          </a:lnRef>
+          <a:fillRef idx="0">
+            <a:schemeClr val="accent1"/>
+          </a:fillRef>
+          <a:effectRef idx="1">
+            <a:schemeClr val="accent1"/>
+          </a:effectRef>
+          <a:fontRef idx="minor">
+            <a:schemeClr val="tx1"/>
+          </a:fontRef>
+        </p:style>
+      </p:cxnSp>
+      <p:cxnSp>
+        <p:nvCxnSpPr>
+          <p:cNvPr id="107" name="Straight Connector 106">
+            <a:extLst>
+              <a:ext uri="{FF2B5EF4-FFF2-40B4-BE49-F238E27FC236}">
+                <a16:creationId xmlns:a16="http://schemas.microsoft.com/office/drawing/2014/main" id="{71C55E84-22BB-6EF1-EF43-0FF0DE50A6F5}"/>
+              </a:ext>
+            </a:extLst>
+          </p:cNvPr>
+          <p:cNvCxnSpPr>
+            <a:cxnSpLocks/>
+            <a:endCxn id="101" idx="0"/>
+          </p:cNvCxnSpPr>
+          <p:nvPr/>
+        </p:nvCxnSpPr>
+        <p:spPr>
+          <a:xfrm>
+            <a:off x="5149067" y="4413053"/>
+            <a:ext cx="0" cy="512702"/>
+          </a:xfrm>
+          <a:prstGeom prst="line">
+            <a:avLst/>
+          </a:prstGeom>
+          <a:ln>
+            <a:solidFill>
+              <a:srgbClr val="C00000"/>
+            </a:solidFill>
+          </a:ln>
+        </p:spPr>
+        <p:style>
+          <a:lnRef idx="2">
+            <a:schemeClr val="accent1"/>
+          </a:lnRef>
+          <a:fillRef idx="0">
+            <a:schemeClr val="accent1"/>
+          </a:fillRef>
+          <a:effectRef idx="1">
+            <a:schemeClr val="accent1"/>
+          </a:effectRef>
+          <a:fontRef idx="minor">
+            <a:schemeClr val="tx1"/>
+          </a:fontRef>
+        </p:style>
+      </p:cxnSp>
+      <p:pic>
+        <p:nvPicPr>
+          <p:cNvPr id="109" name="Picture 108">
+            <a:extLst>
+              <a:ext uri="{FF2B5EF4-FFF2-40B4-BE49-F238E27FC236}">
+                <a16:creationId xmlns:a16="http://schemas.microsoft.com/office/drawing/2014/main" id="{EFE7C714-2805-D9D8-741E-67434473FE19}"/>
+              </a:ext>
+            </a:extLst>
+          </p:cNvPr>
+          <p:cNvPicPr>
+            <a:picLocks noChangeAspect="1"/>
+          </p:cNvPicPr>
+          <p:nvPr/>
+        </p:nvPicPr>
+        <p:blipFill>
+          <a:blip r:embed="rId8"/>
+          <a:stretch>
+            <a:fillRect/>
+          </a:stretch>
+        </p:blipFill>
+        <p:spPr>
+          <a:xfrm>
+            <a:off x="2072462" y="4915583"/>
+            <a:ext cx="748250" cy="661610"/>
+          </a:xfrm>
+          <a:prstGeom prst="rect">
+            <a:avLst/>
+          </a:prstGeom>
+          <a:ln w="9525">
+            <a:solidFill>
+              <a:schemeClr val="tx1"/>
+            </a:solidFill>
+          </a:ln>
+        </p:spPr>
+      </p:pic>
+      <p:cxnSp>
+        <p:nvCxnSpPr>
+          <p:cNvPr id="110" name="Straight Connector 109">
+            <a:extLst>
+              <a:ext uri="{FF2B5EF4-FFF2-40B4-BE49-F238E27FC236}">
+                <a16:creationId xmlns:a16="http://schemas.microsoft.com/office/drawing/2014/main" id="{8BC95BAE-C943-85AE-F070-B199494DCD8B}"/>
+              </a:ext>
+            </a:extLst>
+          </p:cNvPr>
+          <p:cNvCxnSpPr>
+            <a:cxnSpLocks/>
+            <a:endCxn id="57" idx="2"/>
+          </p:cNvCxnSpPr>
+          <p:nvPr/>
+        </p:nvCxnSpPr>
+        <p:spPr>
+          <a:xfrm flipV="1">
+            <a:off x="2243969" y="3967455"/>
+            <a:ext cx="868906" cy="937613"/>
+          </a:xfrm>
+          <a:prstGeom prst="line">
+            <a:avLst/>
+          </a:prstGeom>
+          <a:ln>
+            <a:solidFill>
+              <a:srgbClr val="C00000"/>
+            </a:solidFill>
+          </a:ln>
+        </p:spPr>
+        <p:style>
+          <a:lnRef idx="2">
+            <a:schemeClr val="accent1"/>
+          </a:lnRef>
+          <a:fillRef idx="0">
+            <a:schemeClr val="accent1"/>
+          </a:fillRef>
+          <a:effectRef idx="1">
+            <a:schemeClr val="accent1"/>
+          </a:effectRef>
+          <a:fontRef idx="minor">
+            <a:schemeClr val="tx1"/>
+          </a:fontRef>
+        </p:style>
+      </p:cxnSp>
+      <p:cxnSp>
+        <p:nvCxnSpPr>
+          <p:cNvPr id="113" name="Straight Connector 112">
+            <a:extLst>
+              <a:ext uri="{FF2B5EF4-FFF2-40B4-BE49-F238E27FC236}">
+                <a16:creationId xmlns:a16="http://schemas.microsoft.com/office/drawing/2014/main" id="{AEE23800-A78B-7B97-D188-54BE50737A69}"/>
+              </a:ext>
+            </a:extLst>
+          </p:cNvPr>
+          <p:cNvCxnSpPr>
+            <a:cxnSpLocks/>
+            <a:stCxn id="57" idx="2"/>
+          </p:cNvCxnSpPr>
+          <p:nvPr/>
+        </p:nvCxnSpPr>
+        <p:spPr>
+          <a:xfrm flipH="1">
+            <a:off x="2321894" y="3967455"/>
+            <a:ext cx="790981" cy="948128"/>
+          </a:xfrm>
+          <a:prstGeom prst="line">
+            <a:avLst/>
+          </a:prstGeom>
+          <a:ln>
+            <a:solidFill>
+              <a:srgbClr val="C00000"/>
+            </a:solidFill>
+          </a:ln>
+        </p:spPr>
+        <p:style>
+          <a:lnRef idx="2">
+            <a:schemeClr val="accent1"/>
+          </a:lnRef>
+          <a:fillRef idx="0">
+            <a:schemeClr val="accent1"/>
+          </a:fillRef>
+          <a:effectRef idx="1">
+            <a:schemeClr val="accent1"/>
+          </a:effectRef>
+          <a:fontRef idx="minor">
+            <a:schemeClr val="tx1"/>
+          </a:fontRef>
+        </p:style>
+      </p:cxnSp>
+      <p:cxnSp>
+        <p:nvCxnSpPr>
+          <p:cNvPr id="116" name="Straight Connector 115">
+            <a:extLst>
+              <a:ext uri="{FF2B5EF4-FFF2-40B4-BE49-F238E27FC236}">
+                <a16:creationId xmlns:a16="http://schemas.microsoft.com/office/drawing/2014/main" id="{6C385360-5E0A-A58A-039D-878AD6BD7D9A}"/>
+              </a:ext>
+            </a:extLst>
+          </p:cNvPr>
+          <p:cNvCxnSpPr>
+            <a:cxnSpLocks/>
+            <a:stCxn id="57" idx="2"/>
+            <a:endCxn id="109" idx="0"/>
+          </p:cNvCxnSpPr>
+          <p:nvPr/>
+        </p:nvCxnSpPr>
+        <p:spPr>
+          <a:xfrm flipH="1">
+            <a:off x="2446587" y="3967455"/>
+            <a:ext cx="666288" cy="948128"/>
+          </a:xfrm>
+          <a:prstGeom prst="line">
+            <a:avLst/>
+          </a:prstGeom>
+          <a:ln>
+            <a:solidFill>
+              <a:srgbClr val="C00000"/>
+            </a:solidFill>
+          </a:ln>
+        </p:spPr>
+        <p:style>
+          <a:lnRef idx="2">
+            <a:schemeClr val="accent1"/>
+          </a:lnRef>
+          <a:fillRef idx="0">
+            <a:schemeClr val="accent1"/>
+          </a:fillRef>
+          <a:effectRef idx="1">
+            <a:schemeClr val="accent1"/>
+          </a:effectRef>
+          <a:fontRef idx="minor">
+            <a:schemeClr val="tx1"/>
+          </a:fontRef>
+        </p:style>
+      </p:cxnSp>
+      <p:sp>
+        <p:nvSpPr>
+          <p:cNvPr id="119" name="TextBox 118">
+            <a:extLst>
+              <a:ext uri="{FF2B5EF4-FFF2-40B4-BE49-F238E27FC236}">
+                <a16:creationId xmlns:a16="http://schemas.microsoft.com/office/drawing/2014/main" id="{EB6DDAD8-5284-AFCF-5EAE-2B2A422BFD3A}"/>
+              </a:ext>
+            </a:extLst>
+          </p:cNvPr>
+          <p:cNvSpPr txBox="1"/>
+          <p:nvPr/>
+        </p:nvSpPr>
+        <p:spPr>
+          <a:xfrm>
+            <a:off x="1921017" y="5564693"/>
+            <a:ext cx="2065342" cy="430887"/>
+          </a:xfrm>
+          <a:prstGeom prst="rect">
+            <a:avLst/>
+          </a:prstGeom>
+          <a:noFill/>
+        </p:spPr>
+        <p:txBody>
+          <a:bodyPr wrap="square" rtlCol="0">
+            <a:spAutoFit/>
+          </a:bodyPr>
+          <a:lstStyle/>
+          <a:p>
+            <a:r>
+              <a:rPr lang="en-US" sz="1100" b="1" dirty="0"/>
+              <a:t>138k-230k </a:t>
+            </a:r>
+          </a:p>
+          <a:p>
+            <a:r>
+              <a:rPr lang="en-US" sz="1100" b="1" dirty="0"/>
+              <a:t>direct customer </a:t>
+            </a:r>
+            <a:endParaRPr lang="en-SG" sz="1100" b="1" dirty="0"/>
+          </a:p>
+        </p:txBody>
+      </p:sp>
+      <p:sp>
+        <p:nvSpPr>
+          <p:cNvPr id="120" name="TextBox 119">
+            <a:extLst>
+              <a:ext uri="{FF2B5EF4-FFF2-40B4-BE49-F238E27FC236}">
+                <a16:creationId xmlns:a16="http://schemas.microsoft.com/office/drawing/2014/main" id="{64F91657-8D15-63C1-F7D9-0B445EB22DF8}"/>
+              </a:ext>
+            </a:extLst>
+          </p:cNvPr>
+          <p:cNvSpPr txBox="1"/>
+          <p:nvPr/>
+        </p:nvSpPr>
+        <p:spPr>
+          <a:xfrm>
+            <a:off x="4589983" y="5587365"/>
+            <a:ext cx="2065342" cy="430887"/>
+          </a:xfrm>
+          <a:prstGeom prst="rect">
+            <a:avLst/>
+          </a:prstGeom>
+          <a:noFill/>
+        </p:spPr>
+        <p:txBody>
+          <a:bodyPr wrap="square" rtlCol="0">
+            <a:spAutoFit/>
+          </a:bodyPr>
+          <a:lstStyle/>
+          <a:p>
+            <a:r>
+              <a:rPr lang="en-US" sz="1100" b="1" dirty="0"/>
+              <a:t>138k-230k transmission customer </a:t>
+            </a:r>
+            <a:endParaRPr lang="en-SG" sz="1100" b="1" dirty="0"/>
+          </a:p>
+        </p:txBody>
+      </p:sp>
+      <p:pic>
+        <p:nvPicPr>
+          <p:cNvPr id="121" name="Picture 120">
+            <a:extLst>
+              <a:ext uri="{FF2B5EF4-FFF2-40B4-BE49-F238E27FC236}">
+                <a16:creationId xmlns:a16="http://schemas.microsoft.com/office/drawing/2014/main" id="{2C58D4F4-0F09-E940-F20C-2703167F9D4E}"/>
+              </a:ext>
+            </a:extLst>
+          </p:cNvPr>
+          <p:cNvPicPr>
+            <a:picLocks noChangeAspect="1"/>
+          </p:cNvPicPr>
+          <p:nvPr/>
+        </p:nvPicPr>
+        <p:blipFill>
+          <a:blip r:embed="rId6"/>
+          <a:stretch>
+            <a:fillRect/>
+          </a:stretch>
+        </p:blipFill>
+        <p:spPr>
+          <a:xfrm>
+            <a:off x="7945594" y="4790142"/>
+            <a:ext cx="621994" cy="580179"/>
+          </a:xfrm>
+          <a:prstGeom prst="rect">
+            <a:avLst/>
+          </a:prstGeom>
+          <a:ln w="9525">
+            <a:solidFill>
+              <a:schemeClr val="tx1"/>
+            </a:solidFill>
+          </a:ln>
+        </p:spPr>
+      </p:pic>
+      <p:sp>
+        <p:nvSpPr>
+          <p:cNvPr id="122" name="TextBox 121">
+            <a:extLst>
+              <a:ext uri="{FF2B5EF4-FFF2-40B4-BE49-F238E27FC236}">
+                <a16:creationId xmlns:a16="http://schemas.microsoft.com/office/drawing/2014/main" id="{9E2D02E3-D77A-7C00-EF5F-3AE8182B4BD2}"/>
+              </a:ext>
+            </a:extLst>
+          </p:cNvPr>
+          <p:cNvSpPr txBox="1"/>
+          <p:nvPr/>
+        </p:nvSpPr>
+        <p:spPr>
+          <a:xfrm>
+            <a:off x="7871852" y="5387310"/>
+            <a:ext cx="1391472" cy="400110"/>
+          </a:xfrm>
+          <a:prstGeom prst="rect">
+            <a:avLst/>
+          </a:prstGeom>
+          <a:noFill/>
+        </p:spPr>
+        <p:txBody>
+          <a:bodyPr wrap="square" rtlCol="0">
+            <a:spAutoFit/>
+          </a:bodyPr>
+          <a:lstStyle/>
+          <a:p>
+            <a:r>
+              <a:rPr lang="en-US" sz="1000" b="1" dirty="0">
+                <a:solidFill>
+                  <a:schemeClr val="accent6">
+                    <a:lumMod val="75000"/>
+                  </a:schemeClr>
+                </a:solidFill>
+              </a:rPr>
+              <a:t>Substation step down transformer  </a:t>
+            </a:r>
+            <a:endParaRPr lang="en-SG" sz="1000" b="1" dirty="0">
+              <a:solidFill>
+                <a:schemeClr val="accent6">
+                  <a:lumMod val="75000"/>
+                </a:schemeClr>
+              </a:solidFill>
+            </a:endParaRPr>
+          </a:p>
+        </p:txBody>
+      </p:sp>
+      <p:cxnSp>
+        <p:nvCxnSpPr>
+          <p:cNvPr id="123" name="Straight Connector 122">
+            <a:extLst>
+              <a:ext uri="{FF2B5EF4-FFF2-40B4-BE49-F238E27FC236}">
+                <a16:creationId xmlns:a16="http://schemas.microsoft.com/office/drawing/2014/main" id="{BA63C5C5-CA23-105E-9DB4-219345EA48E3}"/>
+              </a:ext>
+            </a:extLst>
+          </p:cNvPr>
+          <p:cNvCxnSpPr>
+            <a:cxnSpLocks/>
+          </p:cNvCxnSpPr>
+          <p:nvPr/>
+        </p:nvCxnSpPr>
+        <p:spPr>
+          <a:xfrm>
+            <a:off x="8230697" y="3995436"/>
+            <a:ext cx="9816" cy="786212"/>
+          </a:xfrm>
+          <a:prstGeom prst="line">
+            <a:avLst/>
+          </a:prstGeom>
+          <a:ln>
+            <a:solidFill>
+              <a:schemeClr val="accent6">
+                <a:lumMod val="75000"/>
+              </a:schemeClr>
+            </a:solidFill>
+          </a:ln>
+        </p:spPr>
+        <p:style>
+          <a:lnRef idx="2">
+            <a:schemeClr val="accent1"/>
+          </a:lnRef>
+          <a:fillRef idx="0">
+            <a:schemeClr val="accent1"/>
+          </a:fillRef>
+          <a:effectRef idx="1">
+            <a:schemeClr val="accent1"/>
+          </a:effectRef>
+          <a:fontRef idx="minor">
+            <a:schemeClr val="tx1"/>
+          </a:fontRef>
+        </p:style>
+      </p:cxnSp>
+      <p:pic>
+        <p:nvPicPr>
+          <p:cNvPr id="126" name="Picture 125">
+            <a:extLst>
+              <a:ext uri="{FF2B5EF4-FFF2-40B4-BE49-F238E27FC236}">
+                <a16:creationId xmlns:a16="http://schemas.microsoft.com/office/drawing/2014/main" id="{3036431B-7CDF-FE29-8B0B-B0339F0F80DF}"/>
+              </a:ext>
+            </a:extLst>
+          </p:cNvPr>
+          <p:cNvPicPr>
+            <a:picLocks noChangeAspect="1"/>
+          </p:cNvPicPr>
+          <p:nvPr/>
+        </p:nvPicPr>
+        <p:blipFill>
+          <a:blip r:embed="rId6"/>
+          <a:stretch>
+            <a:fillRect/>
+          </a:stretch>
+        </p:blipFill>
+        <p:spPr>
+          <a:xfrm>
+            <a:off x="7919700" y="3418383"/>
+            <a:ext cx="621994" cy="580179"/>
+          </a:xfrm>
+          <a:prstGeom prst="rect">
+            <a:avLst/>
+          </a:prstGeom>
+          <a:ln w="9525">
+            <a:solidFill>
+              <a:schemeClr val="tx1"/>
+            </a:solidFill>
+          </a:ln>
+        </p:spPr>
+      </p:pic>
+      <p:pic>
+        <p:nvPicPr>
+          <p:cNvPr id="127" name="Picture 126">
+            <a:extLst>
+              <a:ext uri="{FF2B5EF4-FFF2-40B4-BE49-F238E27FC236}">
+                <a16:creationId xmlns:a16="http://schemas.microsoft.com/office/drawing/2014/main" id="{125CEA55-01AF-B87C-BD85-B9652FD65C9C}"/>
+              </a:ext>
+            </a:extLst>
+          </p:cNvPr>
+          <p:cNvPicPr>
+            <a:picLocks noChangeAspect="1"/>
+          </p:cNvPicPr>
+          <p:nvPr/>
+        </p:nvPicPr>
+        <p:blipFill>
+          <a:blip r:embed="rId6"/>
+          <a:stretch>
+            <a:fillRect/>
+          </a:stretch>
+        </p:blipFill>
+        <p:spPr>
+          <a:xfrm>
+            <a:off x="7919700" y="1998724"/>
+            <a:ext cx="621994" cy="580179"/>
+          </a:xfrm>
+          <a:prstGeom prst="rect">
+            <a:avLst/>
+          </a:prstGeom>
+          <a:ln w="12700">
+            <a:solidFill>
+              <a:schemeClr val="accent6">
+                <a:lumMod val="75000"/>
+              </a:schemeClr>
+            </a:solidFill>
+          </a:ln>
+        </p:spPr>
+      </p:pic>
+      <p:cxnSp>
+        <p:nvCxnSpPr>
+          <p:cNvPr id="128" name="Straight Connector 127">
+            <a:extLst>
+              <a:ext uri="{FF2B5EF4-FFF2-40B4-BE49-F238E27FC236}">
+                <a16:creationId xmlns:a16="http://schemas.microsoft.com/office/drawing/2014/main" id="{DB8B93F7-1016-0194-45BB-7849E88953A5}"/>
+              </a:ext>
+            </a:extLst>
+          </p:cNvPr>
+          <p:cNvCxnSpPr>
+            <a:cxnSpLocks/>
+            <a:stCxn id="127" idx="2"/>
+            <a:endCxn id="126" idx="0"/>
+          </p:cNvCxnSpPr>
+          <p:nvPr/>
+        </p:nvCxnSpPr>
+        <p:spPr>
+          <a:xfrm>
+            <a:off x="8230697" y="2578903"/>
+            <a:ext cx="0" cy="839480"/>
+          </a:xfrm>
+          <a:prstGeom prst="line">
+            <a:avLst/>
+          </a:prstGeom>
+          <a:ln>
+            <a:solidFill>
+              <a:schemeClr val="accent6">
+                <a:lumMod val="75000"/>
+              </a:schemeClr>
+            </a:solidFill>
+          </a:ln>
+        </p:spPr>
+        <p:style>
+          <a:lnRef idx="2">
+            <a:schemeClr val="accent1"/>
+          </a:lnRef>
+          <a:fillRef idx="0">
+            <a:schemeClr val="accent1"/>
+          </a:fillRef>
+          <a:effectRef idx="1">
+            <a:schemeClr val="accent1"/>
+          </a:effectRef>
+          <a:fontRef idx="minor">
+            <a:schemeClr val="tx1"/>
+          </a:fontRef>
+        </p:style>
+      </p:cxnSp>
+      <p:sp>
+        <p:nvSpPr>
+          <p:cNvPr id="131" name="TextBox 130">
+            <a:extLst>
+              <a:ext uri="{FF2B5EF4-FFF2-40B4-BE49-F238E27FC236}">
+                <a16:creationId xmlns:a16="http://schemas.microsoft.com/office/drawing/2014/main" id="{C172B6F1-56BA-179F-6C06-8696B89ACEE1}"/>
+              </a:ext>
+            </a:extLst>
+          </p:cNvPr>
+          <p:cNvSpPr txBox="1"/>
+          <p:nvPr/>
+        </p:nvSpPr>
+        <p:spPr>
+          <a:xfrm>
+            <a:off x="7757468" y="4496154"/>
+            <a:ext cx="646956" cy="276999"/>
+          </a:xfrm>
+          <a:prstGeom prst="rect">
+            <a:avLst/>
+          </a:prstGeom>
+          <a:noFill/>
+        </p:spPr>
+        <p:txBody>
+          <a:bodyPr wrap="square" rtlCol="0">
+            <a:spAutoFit/>
+          </a:bodyPr>
+          <a:lstStyle/>
+          <a:p>
+            <a:r>
+              <a:rPr lang="en-US" sz="1200" b="1" dirty="0">
+                <a:solidFill>
+                  <a:schemeClr val="accent6">
+                    <a:lumMod val="75000"/>
+                  </a:schemeClr>
+                </a:solidFill>
+              </a:rPr>
+              <a:t>lvl0</a:t>
+            </a:r>
+            <a:endParaRPr lang="en-SG" sz="1200" b="1" dirty="0">
+              <a:solidFill>
+                <a:schemeClr val="accent6">
+                  <a:lumMod val="75000"/>
+                </a:schemeClr>
+              </a:solidFill>
+            </a:endParaRPr>
+          </a:p>
+        </p:txBody>
+      </p:sp>
+      <p:sp>
+        <p:nvSpPr>
+          <p:cNvPr id="132" name="TextBox 131">
+            <a:extLst>
+              <a:ext uri="{FF2B5EF4-FFF2-40B4-BE49-F238E27FC236}">
+                <a16:creationId xmlns:a16="http://schemas.microsoft.com/office/drawing/2014/main" id="{64AB8B29-509C-70FB-208F-FDECA3FDD698}"/>
+              </a:ext>
+            </a:extLst>
+          </p:cNvPr>
+          <p:cNvSpPr txBox="1"/>
+          <p:nvPr/>
+        </p:nvSpPr>
+        <p:spPr>
+          <a:xfrm>
+            <a:off x="7692913" y="3128403"/>
+            <a:ext cx="646956" cy="276999"/>
+          </a:xfrm>
+          <a:prstGeom prst="rect">
+            <a:avLst/>
+          </a:prstGeom>
+          <a:noFill/>
+        </p:spPr>
+        <p:txBody>
+          <a:bodyPr wrap="square" rtlCol="0">
+            <a:spAutoFit/>
+          </a:bodyPr>
+          <a:lstStyle/>
+          <a:p>
+            <a:r>
+              <a:rPr lang="en-US" sz="1200" b="1" dirty="0">
+                <a:solidFill>
+                  <a:schemeClr val="accent6">
+                    <a:lumMod val="75000"/>
+                  </a:schemeClr>
+                </a:solidFill>
+              </a:rPr>
+              <a:t>lvl1</a:t>
+            </a:r>
+            <a:endParaRPr lang="en-SG" sz="1200" b="1" dirty="0">
+              <a:solidFill>
+                <a:schemeClr val="accent6">
+                  <a:lumMod val="75000"/>
+                </a:schemeClr>
+              </a:solidFill>
+            </a:endParaRPr>
+          </a:p>
+        </p:txBody>
+      </p:sp>
+      <p:sp>
+        <p:nvSpPr>
+          <p:cNvPr id="133" name="TextBox 132">
+            <a:extLst>
+              <a:ext uri="{FF2B5EF4-FFF2-40B4-BE49-F238E27FC236}">
+                <a16:creationId xmlns:a16="http://schemas.microsoft.com/office/drawing/2014/main" id="{A885C1A6-0274-D37E-457D-7EA3F60E52B7}"/>
+              </a:ext>
+            </a:extLst>
+          </p:cNvPr>
+          <p:cNvSpPr txBox="1"/>
+          <p:nvPr/>
+        </p:nvSpPr>
+        <p:spPr>
+          <a:xfrm>
+            <a:off x="7707728" y="1722288"/>
+            <a:ext cx="646956" cy="276999"/>
+          </a:xfrm>
+          <a:prstGeom prst="rect">
+            <a:avLst/>
+          </a:prstGeom>
+          <a:noFill/>
+        </p:spPr>
+        <p:txBody>
+          <a:bodyPr wrap="square" rtlCol="0">
+            <a:spAutoFit/>
+          </a:bodyPr>
+          <a:lstStyle/>
+          <a:p>
+            <a:r>
+              <a:rPr lang="en-US" sz="1200" b="1" dirty="0">
+                <a:solidFill>
+                  <a:schemeClr val="accent6">
+                    <a:lumMod val="75000"/>
+                  </a:schemeClr>
+                </a:solidFill>
+              </a:rPr>
+              <a:t>lvl2</a:t>
+            </a:r>
+            <a:endParaRPr lang="en-SG" sz="1200" b="1" dirty="0">
+              <a:solidFill>
+                <a:schemeClr val="accent6">
+                  <a:lumMod val="75000"/>
+                </a:schemeClr>
+              </a:solidFill>
+            </a:endParaRPr>
+          </a:p>
+        </p:txBody>
+      </p:sp>
+      <p:sp>
+        <p:nvSpPr>
+          <p:cNvPr id="139" name="TextBox 138">
+            <a:extLst>
+              <a:ext uri="{FF2B5EF4-FFF2-40B4-BE49-F238E27FC236}">
+                <a16:creationId xmlns:a16="http://schemas.microsoft.com/office/drawing/2014/main" id="{CC2C0FB3-B03D-19C4-CDB1-1EE20936CAD2}"/>
+              </a:ext>
+            </a:extLst>
+          </p:cNvPr>
+          <p:cNvSpPr txBox="1"/>
+          <p:nvPr/>
+        </p:nvSpPr>
+        <p:spPr>
+          <a:xfrm>
+            <a:off x="9218260" y="4319936"/>
+            <a:ext cx="1190629" cy="400110"/>
+          </a:xfrm>
+          <a:prstGeom prst="rect">
+            <a:avLst/>
+          </a:prstGeom>
+          <a:noFill/>
+        </p:spPr>
+        <p:txBody>
+          <a:bodyPr wrap="square" rtlCol="0">
+            <a:spAutoFit/>
+          </a:bodyPr>
+          <a:lstStyle/>
+          <a:p>
+            <a:r>
               <a:rPr lang="en-US" sz="1000" b="1" dirty="0"/>
-              <a:t>Secondary step down transformer  </a:t>
+              <a:t>Substation Customer</a:t>
             </a:r>
             <a:endParaRPr lang="en-SG" sz="1000" b="1" dirty="0"/>
+          </a:p>
+        </p:txBody>
+      </p:sp>
+      <p:pic>
+        <p:nvPicPr>
+          <p:cNvPr id="140" name="Picture 139" descr="A picture containing text, screenshot, display, diagram&#10;&#10;Description automatically generated">
+            <a:extLst>
+              <a:ext uri="{FF2B5EF4-FFF2-40B4-BE49-F238E27FC236}">
+                <a16:creationId xmlns:a16="http://schemas.microsoft.com/office/drawing/2014/main" id="{177BDBFA-8447-8060-E427-07E7C657FE41}"/>
+              </a:ext>
+            </a:extLst>
+          </p:cNvPr>
+          <p:cNvPicPr>
+            <a:picLocks noChangeAspect="1"/>
+          </p:cNvPicPr>
+          <p:nvPr/>
+        </p:nvPicPr>
+        <p:blipFill>
+          <a:blip r:embed="rId9">
+            <a:extLst>
+              <a:ext uri="{28A0092B-C50C-407E-A947-70E740481C1C}">
+                <a14:useLocalDpi xmlns:a14="http://schemas.microsoft.com/office/drawing/2010/main" val="0"/>
+              </a:ext>
+            </a:extLst>
+          </a:blip>
+          <a:stretch>
+            <a:fillRect/>
+          </a:stretch>
+        </p:blipFill>
+        <p:spPr>
+          <a:xfrm>
+            <a:off x="10077055" y="4529403"/>
+            <a:ext cx="1757663" cy="977245"/>
+          </a:xfrm>
+          <a:prstGeom prst="rect">
+            <a:avLst/>
+          </a:prstGeom>
+          <a:ln w="9525">
+            <a:solidFill>
+              <a:schemeClr val="tx1"/>
+            </a:solidFill>
+          </a:ln>
+        </p:spPr>
+      </p:pic>
+      <p:cxnSp>
+        <p:nvCxnSpPr>
+          <p:cNvPr id="143" name="Straight Connector 142">
+            <a:extLst>
+              <a:ext uri="{FF2B5EF4-FFF2-40B4-BE49-F238E27FC236}">
+                <a16:creationId xmlns:a16="http://schemas.microsoft.com/office/drawing/2014/main" id="{90B2D6CB-1063-920B-0132-B85EF327B999}"/>
+              </a:ext>
+            </a:extLst>
+          </p:cNvPr>
+          <p:cNvCxnSpPr>
+            <a:cxnSpLocks/>
+            <a:stCxn id="138" idx="1"/>
+            <a:endCxn id="121" idx="3"/>
+          </p:cNvCxnSpPr>
+          <p:nvPr/>
+        </p:nvCxnSpPr>
+        <p:spPr>
+          <a:xfrm flipH="1">
+            <a:off x="8567588" y="5071738"/>
+            <a:ext cx="770589" cy="0"/>
+          </a:xfrm>
+          <a:prstGeom prst="line">
+            <a:avLst/>
+          </a:prstGeom>
+          <a:ln>
+            <a:solidFill>
+              <a:schemeClr val="accent6">
+                <a:lumMod val="75000"/>
+              </a:schemeClr>
+            </a:solidFill>
+          </a:ln>
+        </p:spPr>
+        <p:style>
+          <a:lnRef idx="2">
+            <a:schemeClr val="accent1"/>
+          </a:lnRef>
+          <a:fillRef idx="0">
+            <a:schemeClr val="accent1"/>
+          </a:fillRef>
+          <a:effectRef idx="1">
+            <a:schemeClr val="accent1"/>
+          </a:effectRef>
+          <a:fontRef idx="minor">
+            <a:schemeClr val="tx1"/>
+          </a:fontRef>
+        </p:style>
+      </p:cxnSp>
+      <p:sp>
+        <p:nvSpPr>
+          <p:cNvPr id="148" name="TextBox 147">
+            <a:extLst>
+              <a:ext uri="{FF2B5EF4-FFF2-40B4-BE49-F238E27FC236}">
+                <a16:creationId xmlns:a16="http://schemas.microsoft.com/office/drawing/2014/main" id="{8A63DD43-3C37-1BB0-8BBC-8ABC3A8B2474}"/>
+              </a:ext>
+            </a:extLst>
+          </p:cNvPr>
+          <p:cNvSpPr txBox="1"/>
+          <p:nvPr/>
+        </p:nvSpPr>
+        <p:spPr>
+          <a:xfrm>
+            <a:off x="8522851" y="4706629"/>
+            <a:ext cx="883655" cy="276999"/>
+          </a:xfrm>
+          <a:prstGeom prst="rect">
+            <a:avLst/>
+          </a:prstGeom>
+          <a:noFill/>
+        </p:spPr>
+        <p:txBody>
+          <a:bodyPr wrap="square" rtlCol="0">
+            <a:spAutoFit/>
+          </a:bodyPr>
+          <a:lstStyle/>
+          <a:p>
+            <a:r>
+              <a:rPr lang="en-US" sz="1200" b="1" dirty="0">
+                <a:solidFill>
+                  <a:schemeClr val="accent6">
+                    <a:lumMod val="75000"/>
+                  </a:schemeClr>
+                </a:solidFill>
+              </a:rPr>
+              <a:t>26-69kV</a:t>
+            </a:r>
+            <a:endParaRPr lang="en-SG" sz="1200" b="1" dirty="0">
+              <a:solidFill>
+                <a:schemeClr val="accent6">
+                  <a:lumMod val="75000"/>
+                </a:schemeClr>
+              </a:solidFill>
+            </a:endParaRPr>
+          </a:p>
+        </p:txBody>
+      </p:sp>
+      <p:cxnSp>
+        <p:nvCxnSpPr>
+          <p:cNvPr id="149" name="Straight Connector 148">
+            <a:extLst>
+              <a:ext uri="{FF2B5EF4-FFF2-40B4-BE49-F238E27FC236}">
+                <a16:creationId xmlns:a16="http://schemas.microsoft.com/office/drawing/2014/main" id="{4683D50D-9AB2-C318-BB1B-7FCC65234729}"/>
+              </a:ext>
+            </a:extLst>
+          </p:cNvPr>
+          <p:cNvCxnSpPr>
+            <a:cxnSpLocks/>
+          </p:cNvCxnSpPr>
+          <p:nvPr/>
+        </p:nvCxnSpPr>
+        <p:spPr>
+          <a:xfrm flipH="1">
+            <a:off x="8541694" y="3658697"/>
+            <a:ext cx="1046329" cy="0"/>
+          </a:xfrm>
+          <a:prstGeom prst="line">
+            <a:avLst/>
+          </a:prstGeom>
+          <a:ln>
+            <a:solidFill>
+              <a:schemeClr val="accent6">
+                <a:lumMod val="75000"/>
+              </a:schemeClr>
+            </a:solidFill>
+          </a:ln>
+        </p:spPr>
+        <p:style>
+          <a:lnRef idx="2">
+            <a:schemeClr val="accent1"/>
+          </a:lnRef>
+          <a:fillRef idx="0">
+            <a:schemeClr val="accent1"/>
+          </a:fillRef>
+          <a:effectRef idx="1">
+            <a:schemeClr val="accent1"/>
+          </a:effectRef>
+          <a:fontRef idx="minor">
+            <a:schemeClr val="tx1"/>
+          </a:fontRef>
+        </p:style>
+      </p:cxnSp>
+      <p:sp>
+        <p:nvSpPr>
+          <p:cNvPr id="151" name="TextBox 150">
+            <a:extLst>
+              <a:ext uri="{FF2B5EF4-FFF2-40B4-BE49-F238E27FC236}">
+                <a16:creationId xmlns:a16="http://schemas.microsoft.com/office/drawing/2014/main" id="{1A1F7EE5-1E92-AFB6-59A5-3F13E02CC94C}"/>
+              </a:ext>
+            </a:extLst>
+          </p:cNvPr>
+          <p:cNvSpPr txBox="1"/>
+          <p:nvPr/>
+        </p:nvSpPr>
+        <p:spPr>
+          <a:xfrm>
+            <a:off x="8291495" y="4009290"/>
+            <a:ext cx="1391472" cy="400110"/>
+          </a:xfrm>
+          <a:prstGeom prst="rect">
+            <a:avLst/>
+          </a:prstGeom>
+          <a:noFill/>
+        </p:spPr>
+        <p:txBody>
+          <a:bodyPr wrap="square" rtlCol="0">
+            <a:spAutoFit/>
+          </a:bodyPr>
+          <a:lstStyle/>
+          <a:p>
+            <a:r>
+              <a:rPr lang="en-US" sz="1000" b="1" dirty="0">
+                <a:solidFill>
+                  <a:schemeClr val="accent6">
+                    <a:lumMod val="75000"/>
+                  </a:schemeClr>
+                </a:solidFill>
+              </a:rPr>
+              <a:t>Primary step-down transformer  </a:t>
+            </a:r>
+            <a:endParaRPr lang="en-SG" sz="1000" b="1" dirty="0">
+              <a:solidFill>
+                <a:schemeClr val="accent6">
+                  <a:lumMod val="75000"/>
+                </a:schemeClr>
+              </a:solidFill>
+            </a:endParaRPr>
+          </a:p>
+        </p:txBody>
+      </p:sp>
+      <p:sp>
+        <p:nvSpPr>
+          <p:cNvPr id="153" name="TextBox 152">
+            <a:extLst>
+              <a:ext uri="{FF2B5EF4-FFF2-40B4-BE49-F238E27FC236}">
+                <a16:creationId xmlns:a16="http://schemas.microsoft.com/office/drawing/2014/main" id="{00EDE1FD-5104-EEB4-D61B-447483C9E820}"/>
+              </a:ext>
+            </a:extLst>
+          </p:cNvPr>
+          <p:cNvSpPr txBox="1"/>
+          <p:nvPr/>
+        </p:nvSpPr>
+        <p:spPr>
+          <a:xfrm>
+            <a:off x="9296872" y="2948789"/>
+            <a:ext cx="995055" cy="400110"/>
+          </a:xfrm>
+          <a:prstGeom prst="rect">
+            <a:avLst/>
+          </a:prstGeom>
+          <a:noFill/>
+        </p:spPr>
+        <p:txBody>
+          <a:bodyPr wrap="square" rtlCol="0">
+            <a:spAutoFit/>
+          </a:bodyPr>
+          <a:lstStyle/>
+          <a:p>
+            <a:r>
+              <a:rPr lang="en-US" sz="1000" b="1" dirty="0"/>
+              <a:t>Primary Customer</a:t>
+            </a:r>
+            <a:endParaRPr lang="en-SG" sz="1000" b="1" dirty="0"/>
+          </a:p>
+        </p:txBody>
+      </p:sp>
+      <p:sp>
+        <p:nvSpPr>
+          <p:cNvPr id="154" name="TextBox 153">
+            <a:extLst>
+              <a:ext uri="{FF2B5EF4-FFF2-40B4-BE49-F238E27FC236}">
+                <a16:creationId xmlns:a16="http://schemas.microsoft.com/office/drawing/2014/main" id="{11A962FD-1656-364A-8C38-E038535C3235}"/>
+              </a:ext>
+            </a:extLst>
+          </p:cNvPr>
+          <p:cNvSpPr txBox="1"/>
+          <p:nvPr/>
+        </p:nvSpPr>
+        <p:spPr>
+          <a:xfrm>
+            <a:off x="8230697" y="2565935"/>
+            <a:ext cx="1391472" cy="400110"/>
+          </a:xfrm>
+          <a:prstGeom prst="rect">
+            <a:avLst/>
+          </a:prstGeom>
+          <a:noFill/>
+        </p:spPr>
+        <p:txBody>
+          <a:bodyPr wrap="square" rtlCol="0">
+            <a:spAutoFit/>
+          </a:bodyPr>
+          <a:lstStyle/>
+          <a:p>
+            <a:r>
+              <a:rPr lang="en-US" sz="1000" b="1" dirty="0">
+                <a:solidFill>
+                  <a:schemeClr val="accent6">
+                    <a:lumMod val="75000"/>
+                  </a:schemeClr>
+                </a:solidFill>
+              </a:rPr>
+              <a:t>Secondary step-down transformer  </a:t>
+            </a:r>
+            <a:endParaRPr lang="en-SG" sz="1000" b="1" dirty="0">
+              <a:solidFill>
+                <a:schemeClr val="accent6">
+                  <a:lumMod val="75000"/>
+                </a:schemeClr>
+              </a:solidFill>
+            </a:endParaRPr>
           </a:p>
         </p:txBody>
       </p:sp>
@@ -6430,6 +10769,408 @@
             <a:extLst>
               <a:ext uri="{FF2B5EF4-FFF2-40B4-BE49-F238E27FC236}">
                 <a16:creationId xmlns:a16="http://schemas.microsoft.com/office/drawing/2014/main" id="{FC2474D5-1B62-1024-18E3-FC6B0B11B592}"/>
+              </a:ext>
+            </a:extLst>
+          </p:cNvPr>
+          <p:cNvPicPr>
+            <a:picLocks noChangeAspect="1"/>
+          </p:cNvPicPr>
+          <p:nvPr/>
+        </p:nvPicPr>
+        <p:blipFill rotWithShape="1">
+          <a:blip r:embed="rId10"/>
+          <a:srcRect r="35693"/>
+          <a:stretch/>
+        </p:blipFill>
+        <p:spPr>
+          <a:xfrm>
+            <a:off x="10433048" y="1369568"/>
+            <a:ext cx="1180868" cy="1258311"/>
+          </a:xfrm>
+          <a:prstGeom prst="rect">
+            <a:avLst/>
+          </a:prstGeom>
+          <a:ln w="6350">
+            <a:solidFill>
+              <a:schemeClr val="tx1"/>
+            </a:solidFill>
+          </a:ln>
+        </p:spPr>
+      </p:pic>
+      <p:sp>
+        <p:nvSpPr>
+          <p:cNvPr id="157" name="TextBox 156">
+            <a:extLst>
+              <a:ext uri="{FF2B5EF4-FFF2-40B4-BE49-F238E27FC236}">
+                <a16:creationId xmlns:a16="http://schemas.microsoft.com/office/drawing/2014/main" id="{F0962445-53C1-1AF3-0E2B-F559CD514D99}"/>
+              </a:ext>
+            </a:extLst>
+          </p:cNvPr>
+          <p:cNvSpPr txBox="1"/>
+          <p:nvPr/>
+        </p:nvSpPr>
+        <p:spPr>
+          <a:xfrm>
+            <a:off x="8582758" y="3342191"/>
+            <a:ext cx="883655" cy="276999"/>
+          </a:xfrm>
+          <a:prstGeom prst="rect">
+            <a:avLst/>
+          </a:prstGeom>
+          <a:noFill/>
+        </p:spPr>
+        <p:txBody>
+          <a:bodyPr wrap="square" rtlCol="0">
+            <a:spAutoFit/>
+          </a:bodyPr>
+          <a:lstStyle/>
+          <a:p>
+            <a:r>
+              <a:rPr lang="en-US" sz="1200" b="1" dirty="0">
+                <a:solidFill>
+                  <a:schemeClr val="accent6">
+                    <a:lumMod val="75000"/>
+                  </a:schemeClr>
+                </a:solidFill>
+              </a:rPr>
+              <a:t>4-13kV</a:t>
+            </a:r>
+            <a:endParaRPr lang="en-SG" sz="1200" b="1" dirty="0">
+              <a:solidFill>
+                <a:schemeClr val="accent6">
+                  <a:lumMod val="75000"/>
+                </a:schemeClr>
+              </a:solidFill>
+            </a:endParaRPr>
+          </a:p>
+        </p:txBody>
+      </p:sp>
+      <p:cxnSp>
+        <p:nvCxnSpPr>
+          <p:cNvPr id="158" name="Straight Connector 157">
+            <a:extLst>
+              <a:ext uri="{FF2B5EF4-FFF2-40B4-BE49-F238E27FC236}">
+                <a16:creationId xmlns:a16="http://schemas.microsoft.com/office/drawing/2014/main" id="{32F5CFA2-A55F-ADD5-15BC-60FD31555AFF}"/>
+              </a:ext>
+            </a:extLst>
+          </p:cNvPr>
+          <p:cNvCxnSpPr>
+            <a:cxnSpLocks/>
+            <a:stCxn id="27" idx="1"/>
+            <a:endCxn id="127" idx="3"/>
+          </p:cNvCxnSpPr>
+          <p:nvPr/>
+        </p:nvCxnSpPr>
+        <p:spPr>
+          <a:xfrm flipH="1">
+            <a:off x="8541694" y="2288814"/>
+            <a:ext cx="810879" cy="0"/>
+          </a:xfrm>
+          <a:prstGeom prst="line">
+            <a:avLst/>
+          </a:prstGeom>
+          <a:ln>
+            <a:solidFill>
+              <a:schemeClr val="accent6">
+                <a:lumMod val="75000"/>
+              </a:schemeClr>
+            </a:solidFill>
+          </a:ln>
+        </p:spPr>
+        <p:style>
+          <a:lnRef idx="2">
+            <a:schemeClr val="accent1"/>
+          </a:lnRef>
+          <a:fillRef idx="0">
+            <a:schemeClr val="accent1"/>
+          </a:fillRef>
+          <a:effectRef idx="1">
+            <a:schemeClr val="accent1"/>
+          </a:effectRef>
+          <a:fontRef idx="minor">
+            <a:schemeClr val="tx1"/>
+          </a:fontRef>
+        </p:style>
+      </p:cxnSp>
+      <p:sp>
+        <p:nvSpPr>
+          <p:cNvPr id="162" name="TextBox 161">
+            <a:extLst>
+              <a:ext uri="{FF2B5EF4-FFF2-40B4-BE49-F238E27FC236}">
+                <a16:creationId xmlns:a16="http://schemas.microsoft.com/office/drawing/2014/main" id="{AA5B8391-A485-7929-8737-77DCF5463DD9}"/>
+              </a:ext>
+            </a:extLst>
+          </p:cNvPr>
+          <p:cNvSpPr txBox="1"/>
+          <p:nvPr/>
+        </p:nvSpPr>
+        <p:spPr>
+          <a:xfrm>
+            <a:off x="8505305" y="1828792"/>
+            <a:ext cx="883655" cy="276999"/>
+          </a:xfrm>
+          <a:prstGeom prst="rect">
+            <a:avLst/>
+          </a:prstGeom>
+          <a:noFill/>
+        </p:spPr>
+        <p:txBody>
+          <a:bodyPr wrap="square" rtlCol="0">
+            <a:spAutoFit/>
+          </a:bodyPr>
+          <a:lstStyle/>
+          <a:p>
+            <a:r>
+              <a:rPr lang="en-US" sz="1200" b="1" dirty="0">
+                <a:solidFill>
+                  <a:schemeClr val="accent6">
+                    <a:lumMod val="75000"/>
+                  </a:schemeClr>
+                </a:solidFill>
+              </a:rPr>
+              <a:t>120-240V</a:t>
+            </a:r>
+            <a:endParaRPr lang="en-SG" sz="1200" b="1" dirty="0">
+              <a:solidFill>
+                <a:schemeClr val="accent6">
+                  <a:lumMod val="75000"/>
+                </a:schemeClr>
+              </a:solidFill>
+            </a:endParaRPr>
+          </a:p>
+        </p:txBody>
+      </p:sp>
+      <p:sp>
+        <p:nvSpPr>
+          <p:cNvPr id="2" name="TextBox 1">
+            <a:extLst>
+              <a:ext uri="{FF2B5EF4-FFF2-40B4-BE49-F238E27FC236}">
+                <a16:creationId xmlns:a16="http://schemas.microsoft.com/office/drawing/2014/main" id="{88E449E0-2BF9-5616-017B-757911CA1E03}"/>
+              </a:ext>
+            </a:extLst>
+          </p:cNvPr>
+          <p:cNvSpPr txBox="1"/>
+          <p:nvPr/>
+        </p:nvSpPr>
+        <p:spPr>
+          <a:xfrm>
+            <a:off x="10024472" y="4249467"/>
+            <a:ext cx="1767478" cy="246221"/>
+          </a:xfrm>
+          <a:prstGeom prst="rect">
+            <a:avLst/>
+          </a:prstGeom>
+          <a:noFill/>
+        </p:spPr>
+        <p:txBody>
+          <a:bodyPr wrap="square" rtlCol="0">
+            <a:spAutoFit/>
+          </a:bodyPr>
+          <a:lstStyle/>
+          <a:p>
+            <a:r>
+              <a:rPr lang="en-US" sz="1000" b="1" dirty="0"/>
+              <a:t>Railway Simulation System</a:t>
+            </a:r>
+            <a:endParaRPr lang="en-SG" sz="1000" b="1" dirty="0"/>
+          </a:p>
+        </p:txBody>
+      </p:sp>
+      <p:sp>
+        <p:nvSpPr>
+          <p:cNvPr id="15" name="TextBox 14">
+            <a:extLst>
+              <a:ext uri="{FF2B5EF4-FFF2-40B4-BE49-F238E27FC236}">
+                <a16:creationId xmlns:a16="http://schemas.microsoft.com/office/drawing/2014/main" id="{D5920B21-A296-A711-334A-EC19F873A3F2}"/>
+              </a:ext>
+            </a:extLst>
+          </p:cNvPr>
+          <p:cNvSpPr txBox="1"/>
+          <p:nvPr/>
+        </p:nvSpPr>
+        <p:spPr>
+          <a:xfrm>
+            <a:off x="10044894" y="2749495"/>
+            <a:ext cx="2147105" cy="246221"/>
+          </a:xfrm>
+          <a:prstGeom prst="rect">
+            <a:avLst/>
+          </a:prstGeom>
+          <a:noFill/>
+        </p:spPr>
+        <p:txBody>
+          <a:bodyPr wrap="square" rtlCol="0">
+            <a:spAutoFit/>
+          </a:bodyPr>
+          <a:lstStyle/>
+          <a:p>
+            <a:r>
+              <a:rPr lang="en-US" sz="1000" b="1" dirty="0"/>
+              <a:t>Smart Factory Simulation System</a:t>
+            </a:r>
+            <a:endParaRPr lang="en-SG" sz="1000" b="1" dirty="0"/>
+          </a:p>
+        </p:txBody>
+      </p:sp>
+      <p:sp>
+        <p:nvSpPr>
+          <p:cNvPr id="17" name="TextBox 16">
+            <a:extLst>
+              <a:ext uri="{FF2B5EF4-FFF2-40B4-BE49-F238E27FC236}">
+                <a16:creationId xmlns:a16="http://schemas.microsoft.com/office/drawing/2014/main" id="{B0A1B8C8-74F3-A111-8012-79A6923E91B7}"/>
+              </a:ext>
+            </a:extLst>
+          </p:cNvPr>
+          <p:cNvSpPr txBox="1"/>
+          <p:nvPr/>
+        </p:nvSpPr>
+        <p:spPr>
+          <a:xfrm>
+            <a:off x="10124679" y="1147324"/>
+            <a:ext cx="2147105" cy="246221"/>
+          </a:xfrm>
+          <a:prstGeom prst="rect">
+            <a:avLst/>
+          </a:prstGeom>
+          <a:noFill/>
+        </p:spPr>
+        <p:txBody>
+          <a:bodyPr wrap="square" rtlCol="0">
+            <a:spAutoFit/>
+          </a:bodyPr>
+          <a:lstStyle/>
+          <a:p>
+            <a:r>
+              <a:rPr lang="en-US" sz="1000" b="1" dirty="0"/>
+              <a:t>Smart Home Simulation System</a:t>
+            </a:r>
+            <a:endParaRPr lang="en-SG" sz="1000" b="1" dirty="0"/>
+          </a:p>
+        </p:txBody>
+      </p:sp>
+      <p:sp>
+        <p:nvSpPr>
+          <p:cNvPr id="37" name="TextBox 36">
+            <a:extLst>
+              <a:ext uri="{FF2B5EF4-FFF2-40B4-BE49-F238E27FC236}">
+                <a16:creationId xmlns:a16="http://schemas.microsoft.com/office/drawing/2014/main" id="{7D1F8628-FBE0-2E53-D126-2570410B8C98}"/>
+              </a:ext>
+            </a:extLst>
+          </p:cNvPr>
+          <p:cNvSpPr txBox="1"/>
+          <p:nvPr/>
+        </p:nvSpPr>
+        <p:spPr>
+          <a:xfrm>
+            <a:off x="9276621" y="1586126"/>
+            <a:ext cx="1134274" cy="400110"/>
+          </a:xfrm>
+          <a:prstGeom prst="rect">
+            <a:avLst/>
+          </a:prstGeom>
+          <a:noFill/>
+        </p:spPr>
+        <p:txBody>
+          <a:bodyPr wrap="square" rtlCol="0">
+            <a:spAutoFit/>
+          </a:bodyPr>
+          <a:lstStyle/>
+          <a:p>
+            <a:r>
+              <a:rPr lang="en-US" sz="1000" b="1" dirty="0"/>
+              <a:t>Secondary Customer</a:t>
+            </a:r>
+            <a:endParaRPr lang="en-SG" sz="1000" b="1" dirty="0"/>
+          </a:p>
+        </p:txBody>
+      </p:sp>
+      <p:pic>
+        <p:nvPicPr>
+          <p:cNvPr id="47" name="Picture 46">
+            <a:extLst>
+              <a:ext uri="{FF2B5EF4-FFF2-40B4-BE49-F238E27FC236}">
+                <a16:creationId xmlns:a16="http://schemas.microsoft.com/office/drawing/2014/main" id="{77CDA114-6594-6DB9-4DB9-DFECDFBAB59C}"/>
+              </a:ext>
+            </a:extLst>
+          </p:cNvPr>
+          <p:cNvPicPr>
+            <a:picLocks noChangeAspect="1"/>
+          </p:cNvPicPr>
+          <p:nvPr/>
+        </p:nvPicPr>
+        <p:blipFill>
+          <a:blip r:embed="rId11"/>
+          <a:stretch>
+            <a:fillRect/>
+          </a:stretch>
+        </p:blipFill>
+        <p:spPr>
+          <a:xfrm>
+            <a:off x="10132980" y="2996694"/>
+            <a:ext cx="1722449" cy="1016245"/>
+          </a:xfrm>
+          <a:prstGeom prst="rect">
+            <a:avLst/>
+          </a:prstGeom>
+          <a:ln w="9525">
+            <a:solidFill>
+              <a:schemeClr val="tx1"/>
+            </a:solidFill>
+          </a:ln>
+        </p:spPr>
+      </p:pic>
+      <p:cxnSp>
+        <p:nvCxnSpPr>
+          <p:cNvPr id="59" name="Straight Connector 58">
+            <a:extLst>
+              <a:ext uri="{FF2B5EF4-FFF2-40B4-BE49-F238E27FC236}">
+                <a16:creationId xmlns:a16="http://schemas.microsoft.com/office/drawing/2014/main" id="{3971ED5E-19FD-8C4E-7F82-142122808757}"/>
+              </a:ext>
+            </a:extLst>
+          </p:cNvPr>
+          <p:cNvCxnSpPr>
+            <a:cxnSpLocks/>
+          </p:cNvCxnSpPr>
+          <p:nvPr/>
+        </p:nvCxnSpPr>
+        <p:spPr>
+          <a:xfrm flipH="1">
+            <a:off x="8541694" y="2398972"/>
+            <a:ext cx="1867195" cy="8501"/>
+          </a:xfrm>
+          <a:prstGeom prst="line">
+            <a:avLst/>
+          </a:prstGeom>
+          <a:ln>
+            <a:solidFill>
+              <a:schemeClr val="accent6">
+                <a:lumMod val="75000"/>
+              </a:schemeClr>
+            </a:solidFill>
+            <a:prstDash val="sysDash"/>
+          </a:ln>
+        </p:spPr>
+        <p:style>
+          <a:lnRef idx="2">
+            <a:schemeClr val="accent1"/>
+          </a:lnRef>
+          <a:fillRef idx="0">
+            <a:schemeClr val="accent1"/>
+          </a:fillRef>
+          <a:effectRef idx="1">
+            <a:schemeClr val="accent1"/>
+          </a:effectRef>
+          <a:fontRef idx="minor">
+            <a:schemeClr val="tx1"/>
+          </a:fontRef>
+        </p:style>
+      </p:cxnSp>
+      <p:pic>
+        <p:nvPicPr>
+          <p:cNvPr id="27" name="Picture 26">
+            <a:extLst>
+              <a:ext uri="{FF2B5EF4-FFF2-40B4-BE49-F238E27FC236}">
+                <a16:creationId xmlns:a16="http://schemas.microsoft.com/office/drawing/2014/main" id="{53E119A6-5888-9F3E-9BB2-9FB00F3D5DA0}"/>
               </a:ext>
             </a:extLst>
           </p:cNvPr>
@@ -6446,8 +11187,8 @@
         </p:blipFill>
         <p:spPr>
           <a:xfrm>
-            <a:off x="8901606" y="1474666"/>
-            <a:ext cx="1836291" cy="1258311"/>
+            <a:off x="9352573" y="2014000"/>
+            <a:ext cx="883655" cy="549627"/>
           </a:xfrm>
           <a:prstGeom prst="rect">
             <a:avLst/>
@@ -6459,66 +11200,36 @@
           </a:ln>
         </p:spPr>
       </p:pic>
-      <p:sp>
-        <p:nvSpPr>
-          <p:cNvPr id="157" name="TextBox 156">
-            <a:extLst>
-              <a:ext uri="{FF2B5EF4-FFF2-40B4-BE49-F238E27FC236}">
-                <a16:creationId xmlns:a16="http://schemas.microsoft.com/office/drawing/2014/main" id="{F0962445-53C1-1AF3-0E2B-F559CD514D99}"/>
-              </a:ext>
-            </a:extLst>
-          </p:cNvPr>
-          <p:cNvSpPr txBox="1"/>
-          <p:nvPr/>
-        </p:nvSpPr>
-        <p:spPr>
-          <a:xfrm>
-            <a:off x="7905851" y="3220626"/>
-            <a:ext cx="883655" cy="276999"/>
-          </a:xfrm>
-          <a:prstGeom prst="rect">
-            <a:avLst/>
-          </a:prstGeom>
-          <a:noFill/>
-        </p:spPr>
-        <p:txBody>
-          <a:bodyPr wrap="square" rtlCol="0">
-            <a:spAutoFit/>
-          </a:bodyPr>
-          <a:lstStyle/>
-          <a:p>
-            <a:r>
-              <a:rPr lang="en-US" sz="1200" b="1" dirty="0"/>
-              <a:t>4-13kV</a:t>
-            </a:r>
-            <a:endParaRPr lang="en-SG" sz="1200" b="1" dirty="0"/>
-          </a:p>
-        </p:txBody>
-      </p:sp>
       <p:cxnSp>
         <p:nvCxnSpPr>
-          <p:cNvPr id="158" name="Straight Connector 157">
-            <a:extLst>
-              <a:ext uri="{FF2B5EF4-FFF2-40B4-BE49-F238E27FC236}">
-                <a16:creationId xmlns:a16="http://schemas.microsoft.com/office/drawing/2014/main" id="{32F5CFA2-A55F-ADD5-15BC-60FD31555AFF}"/>
+          <p:cNvPr id="63" name="Straight Connector 62">
+            <a:extLst>
+              <a:ext uri="{FF2B5EF4-FFF2-40B4-BE49-F238E27FC236}">
+                <a16:creationId xmlns:a16="http://schemas.microsoft.com/office/drawing/2014/main" id="{3687BCC2-ECDD-7341-04C9-219E6574C3CF}"/>
               </a:ext>
             </a:extLst>
           </p:cNvPr>
           <p:cNvCxnSpPr>
             <a:cxnSpLocks/>
-            <a:stCxn id="156" idx="1"/>
-            <a:endCxn id="127" idx="3"/>
           </p:cNvCxnSpPr>
           <p:nvPr/>
         </p:nvCxnSpPr>
         <p:spPr>
-          <a:xfrm flipH="1" flipV="1">
-            <a:off x="7879957" y="2096309"/>
-            <a:ext cx="1021649" cy="7513"/>
+          <a:xfrm flipH="1">
+            <a:off x="8549279" y="3829743"/>
+            <a:ext cx="1575400" cy="6142"/>
           </a:xfrm>
           <a:prstGeom prst="line">
             <a:avLst/>
           </a:prstGeom>
+          <a:ln>
+            <a:solidFill>
+              <a:schemeClr val="accent6">
+                <a:lumMod val="75000"/>
+              </a:schemeClr>
+            </a:solidFill>
+            <a:prstDash val="sysDash"/>
+          </a:ln>
         </p:spPr>
         <p:style>
           <a:lnRef idx="2">
@@ -6535,12 +11246,128 @@
           </a:fontRef>
         </p:style>
       </p:cxnSp>
-      <p:sp>
-        <p:nvSpPr>
-          <p:cNvPr id="162" name="TextBox 161">
-            <a:extLst>
-              <a:ext uri="{FF2B5EF4-FFF2-40B4-BE49-F238E27FC236}">
-                <a16:creationId xmlns:a16="http://schemas.microsoft.com/office/drawing/2014/main" id="{AA5B8391-A485-7929-8737-77DCF5463DD9}"/>
+      <p:pic>
+        <p:nvPicPr>
+          <p:cNvPr id="152" name="Picture 151">
+            <a:extLst>
+              <a:ext uri="{FF2B5EF4-FFF2-40B4-BE49-F238E27FC236}">
+                <a16:creationId xmlns:a16="http://schemas.microsoft.com/office/drawing/2014/main" id="{D4FE36E0-EAEA-42B9-CD41-96C209D7C9D7}"/>
+              </a:ext>
+            </a:extLst>
+          </p:cNvPr>
+          <p:cNvPicPr>
+            <a:picLocks noChangeAspect="1"/>
+          </p:cNvPicPr>
+          <p:nvPr/>
+        </p:nvPicPr>
+        <p:blipFill>
+          <a:blip r:embed="rId13"/>
+          <a:stretch>
+            <a:fillRect/>
+          </a:stretch>
+        </p:blipFill>
+        <p:spPr>
+          <a:xfrm>
+            <a:off x="9372323" y="3353393"/>
+            <a:ext cx="499692" cy="580179"/>
+          </a:xfrm>
+          <a:prstGeom prst="rect">
+            <a:avLst/>
+          </a:prstGeom>
+          <a:ln w="9525">
+            <a:solidFill>
+              <a:schemeClr val="tx1"/>
+            </a:solidFill>
+          </a:ln>
+        </p:spPr>
+      </p:pic>
+      <p:cxnSp>
+        <p:nvCxnSpPr>
+          <p:cNvPr id="65" name="Straight Connector 64">
+            <a:extLst>
+              <a:ext uri="{FF2B5EF4-FFF2-40B4-BE49-F238E27FC236}">
+                <a16:creationId xmlns:a16="http://schemas.microsoft.com/office/drawing/2014/main" id="{9A334B94-BFE4-F9EA-7FBF-C8C77ADAC0D3}"/>
+              </a:ext>
+            </a:extLst>
+          </p:cNvPr>
+          <p:cNvCxnSpPr>
+            <a:cxnSpLocks/>
+          </p:cNvCxnSpPr>
+          <p:nvPr/>
+        </p:nvCxnSpPr>
+        <p:spPr>
+          <a:xfrm flipH="1">
+            <a:off x="8549279" y="5226453"/>
+            <a:ext cx="1495615" cy="19935"/>
+          </a:xfrm>
+          <a:prstGeom prst="line">
+            <a:avLst/>
+          </a:prstGeom>
+          <a:ln>
+            <a:solidFill>
+              <a:schemeClr val="accent6">
+                <a:lumMod val="75000"/>
+              </a:schemeClr>
+            </a:solidFill>
+            <a:prstDash val="sysDash"/>
+          </a:ln>
+        </p:spPr>
+        <p:style>
+          <a:lnRef idx="2">
+            <a:schemeClr val="accent1"/>
+          </a:lnRef>
+          <a:fillRef idx="0">
+            <a:schemeClr val="accent1"/>
+          </a:fillRef>
+          <a:effectRef idx="1">
+            <a:schemeClr val="accent1"/>
+          </a:effectRef>
+          <a:fontRef idx="minor">
+            <a:schemeClr val="tx1"/>
+          </a:fontRef>
+        </p:style>
+      </p:cxnSp>
+      <p:pic>
+        <p:nvPicPr>
+          <p:cNvPr id="138" name="Picture 137">
+            <a:extLst>
+              <a:ext uri="{FF2B5EF4-FFF2-40B4-BE49-F238E27FC236}">
+                <a16:creationId xmlns:a16="http://schemas.microsoft.com/office/drawing/2014/main" id="{99594CAE-76D9-EB8F-3C7D-F3A0A21BF26F}"/>
+              </a:ext>
+            </a:extLst>
+          </p:cNvPr>
+          <p:cNvPicPr>
+            <a:picLocks noChangeAspect="1"/>
+          </p:cNvPicPr>
+          <p:nvPr/>
+        </p:nvPicPr>
+        <p:blipFill>
+          <a:blip r:embed="rId13"/>
+          <a:stretch>
+            <a:fillRect/>
+          </a:stretch>
+        </p:blipFill>
+        <p:spPr>
+          <a:xfrm>
+            <a:off x="9338177" y="4781648"/>
+            <a:ext cx="499692" cy="580179"/>
+          </a:xfrm>
+          <a:prstGeom prst="rect">
+            <a:avLst/>
+          </a:prstGeom>
+          <a:ln w="9525">
+            <a:solidFill>
+              <a:schemeClr val="tx1"/>
+            </a:solidFill>
+          </a:ln>
+        </p:spPr>
+      </p:pic>
+      <p:sp>
+        <p:nvSpPr>
+          <p:cNvPr id="70" name="TextBox 69">
+            <a:extLst>
+              <a:ext uri="{FF2B5EF4-FFF2-40B4-BE49-F238E27FC236}">
+                <a16:creationId xmlns:a16="http://schemas.microsoft.com/office/drawing/2014/main" id="{1AF9BA4F-ABD0-28C6-04B6-3D7657607D69}"/>
               </a:ext>
             </a:extLst>
           </p:cNvPr>
@@ -6549,8 +11376,8 @@
         </p:nvSpPr>
         <p:spPr>
           <a:xfrm>
-            <a:off x="7938650" y="1834755"/>
-            <a:ext cx="883655" cy="276999"/>
+            <a:off x="7243793" y="489403"/>
+            <a:ext cx="1473991" cy="1107996"/>
           </a:xfrm>
           <a:prstGeom prst="rect">
             <a:avLst/>
@@ -6564,17 +11391,2386 @@
           <a:lstStyle/>
           <a:p>
             <a:r>
-              <a:rPr lang="en-US" sz="1200" b="1" dirty="0"/>
-              <a:t>120-240V</a:t>
-            </a:r>
-            <a:endParaRPr lang="en-SG" sz="1200" b="1" dirty="0"/>
+              <a:rPr lang="en-US" sz="1100" b="1" dirty="0"/>
+              <a:t>Color Key:</a:t>
+            </a:r>
+          </a:p>
+          <a:p>
+            <a:r>
+              <a:rPr lang="en-US" sz="1100" b="1" dirty="0">
+                <a:solidFill>
+                  <a:schemeClr val="accent1">
+                    <a:lumMod val="75000"/>
+                  </a:schemeClr>
+                </a:solidFill>
+              </a:rPr>
+              <a:t>Blue: Generation </a:t>
+            </a:r>
+          </a:p>
+          <a:p>
+            <a:r>
+              <a:rPr lang="en-US" sz="1100" b="1" dirty="0">
+                <a:solidFill>
+                  <a:srgbClr val="FF0000"/>
+                </a:solidFill>
+              </a:rPr>
+              <a:t>Red: Transmission</a:t>
+            </a:r>
+          </a:p>
+          <a:p>
+            <a:r>
+              <a:rPr lang="en-US" sz="1100" b="1" dirty="0">
+                <a:solidFill>
+                  <a:schemeClr val="accent6">
+                    <a:lumMod val="75000"/>
+                  </a:schemeClr>
+                </a:solidFill>
+              </a:rPr>
+              <a:t>Green: distribution</a:t>
+            </a:r>
+            <a:r>
+              <a:rPr lang="en-US" sz="1100" b="1" dirty="0"/>
+              <a:t> </a:t>
+            </a:r>
+          </a:p>
+          <a:p>
+            <a:r>
+              <a:rPr lang="en-US" sz="1100" b="1" dirty="0"/>
+              <a:t>Black: Customer  </a:t>
+            </a:r>
+          </a:p>
+          <a:p>
+            <a:endParaRPr lang="en-SG" sz="1100" b="1" dirty="0"/>
+          </a:p>
+        </p:txBody>
+      </p:sp>
+      <p:sp>
+        <p:nvSpPr>
+          <p:cNvPr id="3" name="Oval 2">
+            <a:extLst>
+              <a:ext uri="{FF2B5EF4-FFF2-40B4-BE49-F238E27FC236}">
+                <a16:creationId xmlns:a16="http://schemas.microsoft.com/office/drawing/2014/main" id="{1372387C-05B3-6EF2-5122-466B6EA8A5E4}"/>
+              </a:ext>
+            </a:extLst>
+          </p:cNvPr>
+          <p:cNvSpPr/>
+          <p:nvPr/>
+        </p:nvSpPr>
+        <p:spPr>
+          <a:xfrm>
+            <a:off x="3808277" y="2027236"/>
+            <a:ext cx="136177" cy="157109"/>
+          </a:xfrm>
+          <a:prstGeom prst="ellipse">
+            <a:avLst/>
+          </a:prstGeom>
+        </p:spPr>
+        <p:style>
+          <a:lnRef idx="2">
+            <a:schemeClr val="accent1">
+              <a:shade val="15000"/>
+            </a:schemeClr>
+          </a:lnRef>
+          <a:fillRef idx="1">
+            <a:schemeClr val="accent1"/>
+          </a:fillRef>
+          <a:effectRef idx="0">
+            <a:schemeClr val="accent1"/>
+          </a:effectRef>
+          <a:fontRef idx="minor">
+            <a:schemeClr val="lt1"/>
+          </a:fontRef>
+        </p:style>
+        <p:txBody>
+          <a:bodyPr rtlCol="0" anchor="ctr"/>
+          <a:lstStyle/>
+          <a:p>
+            <a:pPr algn="ctr"/>
+            <a:r>
+              <a:rPr lang="en-US" sz="900" dirty="0"/>
+              <a:t>R</a:t>
+            </a:r>
+            <a:endParaRPr lang="en-SG" sz="900" dirty="0"/>
+          </a:p>
+        </p:txBody>
+      </p:sp>
+      <p:sp>
+        <p:nvSpPr>
+          <p:cNvPr id="4" name="Oval 3">
+            <a:extLst>
+              <a:ext uri="{FF2B5EF4-FFF2-40B4-BE49-F238E27FC236}">
+                <a16:creationId xmlns:a16="http://schemas.microsoft.com/office/drawing/2014/main" id="{4589C750-797E-A606-1009-9A4E2D3801D2}"/>
+              </a:ext>
+            </a:extLst>
+          </p:cNvPr>
+          <p:cNvSpPr/>
+          <p:nvPr/>
+        </p:nvSpPr>
+        <p:spPr>
+          <a:xfrm>
+            <a:off x="3838823" y="1306121"/>
+            <a:ext cx="136177" cy="157109"/>
+          </a:xfrm>
+          <a:prstGeom prst="ellipse">
+            <a:avLst/>
+          </a:prstGeom>
+          <a:solidFill>
+            <a:schemeClr val="accent6">
+              <a:lumMod val="75000"/>
+            </a:schemeClr>
+          </a:solidFill>
+        </p:spPr>
+        <p:style>
+          <a:lnRef idx="2">
+            <a:schemeClr val="accent1">
+              <a:shade val="15000"/>
+            </a:schemeClr>
+          </a:lnRef>
+          <a:fillRef idx="1">
+            <a:schemeClr val="accent1"/>
+          </a:fillRef>
+          <a:effectRef idx="0">
+            <a:schemeClr val="accent1"/>
+          </a:effectRef>
+          <a:fontRef idx="minor">
+            <a:schemeClr val="lt1"/>
+          </a:fontRef>
+        </p:style>
+        <p:txBody>
+          <a:bodyPr rtlCol="0" anchor="ctr"/>
+          <a:lstStyle/>
+          <a:p>
+            <a:pPr algn="ctr"/>
+            <a:r>
+              <a:rPr lang="en-US" sz="900" dirty="0"/>
+              <a:t>P</a:t>
+            </a:r>
+            <a:endParaRPr lang="en-SG" sz="900" dirty="0"/>
+          </a:p>
+        </p:txBody>
+      </p:sp>
+      <p:sp>
+        <p:nvSpPr>
+          <p:cNvPr id="6" name="Oval 5">
+            <a:extLst>
+              <a:ext uri="{FF2B5EF4-FFF2-40B4-BE49-F238E27FC236}">
+                <a16:creationId xmlns:a16="http://schemas.microsoft.com/office/drawing/2014/main" id="{FA244305-B2C0-ABCE-1646-7FEEF1129F11}"/>
+              </a:ext>
+            </a:extLst>
+          </p:cNvPr>
+          <p:cNvSpPr/>
+          <p:nvPr/>
+        </p:nvSpPr>
+        <p:spPr>
+          <a:xfrm>
+            <a:off x="3594212" y="2380179"/>
+            <a:ext cx="136177" cy="157109"/>
+          </a:xfrm>
+          <a:prstGeom prst="ellipse">
+            <a:avLst/>
+          </a:prstGeom>
+          <a:solidFill>
+            <a:schemeClr val="accent6">
+              <a:lumMod val="75000"/>
+            </a:schemeClr>
+          </a:solidFill>
+        </p:spPr>
+        <p:style>
+          <a:lnRef idx="2">
+            <a:schemeClr val="accent1">
+              <a:shade val="15000"/>
+            </a:schemeClr>
+          </a:lnRef>
+          <a:fillRef idx="1">
+            <a:schemeClr val="accent1"/>
+          </a:fillRef>
+          <a:effectRef idx="0">
+            <a:schemeClr val="accent1"/>
+          </a:effectRef>
+          <a:fontRef idx="minor">
+            <a:schemeClr val="lt1"/>
+          </a:fontRef>
+        </p:style>
+        <p:txBody>
+          <a:bodyPr rtlCol="0" anchor="ctr"/>
+          <a:lstStyle/>
+          <a:p>
+            <a:pPr algn="ctr"/>
+            <a:r>
+              <a:rPr lang="en-US" sz="900" dirty="0"/>
+              <a:t>P</a:t>
+            </a:r>
+            <a:endParaRPr lang="en-SG" sz="900" dirty="0"/>
+          </a:p>
+        </p:txBody>
+      </p:sp>
+      <p:sp>
+        <p:nvSpPr>
+          <p:cNvPr id="8" name="Oval 7">
+            <a:extLst>
+              <a:ext uri="{FF2B5EF4-FFF2-40B4-BE49-F238E27FC236}">
+                <a16:creationId xmlns:a16="http://schemas.microsoft.com/office/drawing/2014/main" id="{D71932B1-908F-C3A9-E9A4-F90C3CBF0D3B}"/>
+              </a:ext>
+            </a:extLst>
+          </p:cNvPr>
+          <p:cNvSpPr/>
+          <p:nvPr/>
+        </p:nvSpPr>
+        <p:spPr>
+          <a:xfrm>
+            <a:off x="4975118" y="2204847"/>
+            <a:ext cx="136177" cy="157109"/>
+          </a:xfrm>
+          <a:prstGeom prst="ellipse">
+            <a:avLst/>
+          </a:prstGeom>
+          <a:solidFill>
+            <a:schemeClr val="accent6">
+              <a:lumMod val="75000"/>
+            </a:schemeClr>
+          </a:solidFill>
+        </p:spPr>
+        <p:style>
+          <a:lnRef idx="2">
+            <a:schemeClr val="accent1">
+              <a:shade val="15000"/>
+            </a:schemeClr>
+          </a:lnRef>
+          <a:fillRef idx="1">
+            <a:schemeClr val="accent1"/>
+          </a:fillRef>
+          <a:effectRef idx="0">
+            <a:schemeClr val="accent1"/>
+          </a:effectRef>
+          <a:fontRef idx="minor">
+            <a:schemeClr val="lt1"/>
+          </a:fontRef>
+        </p:style>
+        <p:txBody>
+          <a:bodyPr rtlCol="0" anchor="ctr"/>
+          <a:lstStyle/>
+          <a:p>
+            <a:pPr algn="ctr"/>
+            <a:r>
+              <a:rPr lang="en-US" sz="900" dirty="0"/>
+              <a:t>P</a:t>
+            </a:r>
+            <a:endParaRPr lang="en-SG" sz="900" dirty="0"/>
+          </a:p>
+        </p:txBody>
+      </p:sp>
+      <p:sp>
+        <p:nvSpPr>
+          <p:cNvPr id="13" name="Oval 12">
+            <a:extLst>
+              <a:ext uri="{FF2B5EF4-FFF2-40B4-BE49-F238E27FC236}">
+                <a16:creationId xmlns:a16="http://schemas.microsoft.com/office/drawing/2014/main" id="{C8FBA3C1-A300-B3C8-051A-56C6F63BA94B}"/>
+              </a:ext>
+            </a:extLst>
+          </p:cNvPr>
+          <p:cNvSpPr/>
+          <p:nvPr/>
+        </p:nvSpPr>
+        <p:spPr>
+          <a:xfrm>
+            <a:off x="5614362" y="2213315"/>
+            <a:ext cx="136177" cy="157109"/>
+          </a:xfrm>
+          <a:prstGeom prst="ellipse">
+            <a:avLst/>
+          </a:prstGeom>
+          <a:solidFill>
+            <a:schemeClr val="accent6">
+              <a:lumMod val="75000"/>
+            </a:schemeClr>
+          </a:solidFill>
+        </p:spPr>
+        <p:style>
+          <a:lnRef idx="2">
+            <a:schemeClr val="accent1">
+              <a:shade val="15000"/>
+            </a:schemeClr>
+          </a:lnRef>
+          <a:fillRef idx="1">
+            <a:schemeClr val="accent1"/>
+          </a:fillRef>
+          <a:effectRef idx="0">
+            <a:schemeClr val="accent1"/>
+          </a:effectRef>
+          <a:fontRef idx="minor">
+            <a:schemeClr val="lt1"/>
+          </a:fontRef>
+        </p:style>
+        <p:txBody>
+          <a:bodyPr rtlCol="0" anchor="ctr"/>
+          <a:lstStyle/>
+          <a:p>
+            <a:pPr algn="ctr"/>
+            <a:r>
+              <a:rPr lang="en-US" sz="900" dirty="0"/>
+              <a:t>P</a:t>
+            </a:r>
+            <a:endParaRPr lang="en-SG" sz="900" dirty="0"/>
+          </a:p>
+        </p:txBody>
+      </p:sp>
+      <p:sp>
+        <p:nvSpPr>
+          <p:cNvPr id="14" name="Oval 13">
+            <a:extLst>
+              <a:ext uri="{FF2B5EF4-FFF2-40B4-BE49-F238E27FC236}">
+                <a16:creationId xmlns:a16="http://schemas.microsoft.com/office/drawing/2014/main" id="{1063151A-72AE-68C9-BC1C-5187C6687C2D}"/>
+              </a:ext>
+            </a:extLst>
+          </p:cNvPr>
+          <p:cNvSpPr/>
+          <p:nvPr/>
+        </p:nvSpPr>
+        <p:spPr>
+          <a:xfrm>
+            <a:off x="5203209" y="2034962"/>
+            <a:ext cx="136177" cy="157109"/>
+          </a:xfrm>
+          <a:prstGeom prst="ellipse">
+            <a:avLst/>
+          </a:prstGeom>
+        </p:spPr>
+        <p:style>
+          <a:lnRef idx="2">
+            <a:schemeClr val="accent1">
+              <a:shade val="15000"/>
+            </a:schemeClr>
+          </a:lnRef>
+          <a:fillRef idx="1">
+            <a:schemeClr val="accent1"/>
+          </a:fillRef>
+          <a:effectRef idx="0">
+            <a:schemeClr val="accent1"/>
+          </a:effectRef>
+          <a:fontRef idx="minor">
+            <a:schemeClr val="lt1"/>
+          </a:fontRef>
+        </p:style>
+        <p:txBody>
+          <a:bodyPr rtlCol="0" anchor="ctr"/>
+          <a:lstStyle/>
+          <a:p>
+            <a:pPr algn="ctr"/>
+            <a:r>
+              <a:rPr lang="en-US" sz="900" dirty="0"/>
+              <a:t>R</a:t>
+            </a:r>
+            <a:endParaRPr lang="en-SG" sz="900" dirty="0"/>
+          </a:p>
+        </p:txBody>
+      </p:sp>
+      <p:sp>
+        <p:nvSpPr>
+          <p:cNvPr id="20" name="Oval 19">
+            <a:extLst>
+              <a:ext uri="{FF2B5EF4-FFF2-40B4-BE49-F238E27FC236}">
+                <a16:creationId xmlns:a16="http://schemas.microsoft.com/office/drawing/2014/main" id="{82279407-C04E-5331-1D8A-65D79B3F087B}"/>
+              </a:ext>
+            </a:extLst>
+          </p:cNvPr>
+          <p:cNvSpPr/>
+          <p:nvPr/>
+        </p:nvSpPr>
+        <p:spPr>
+          <a:xfrm>
+            <a:off x="5855984" y="2022875"/>
+            <a:ext cx="136177" cy="157109"/>
+          </a:xfrm>
+          <a:prstGeom prst="ellipse">
+            <a:avLst/>
+          </a:prstGeom>
+        </p:spPr>
+        <p:style>
+          <a:lnRef idx="2">
+            <a:schemeClr val="accent1">
+              <a:shade val="15000"/>
+            </a:schemeClr>
+          </a:lnRef>
+          <a:fillRef idx="1">
+            <a:schemeClr val="accent1"/>
+          </a:fillRef>
+          <a:effectRef idx="0">
+            <a:schemeClr val="accent1"/>
+          </a:effectRef>
+          <a:fontRef idx="minor">
+            <a:schemeClr val="lt1"/>
+          </a:fontRef>
+        </p:style>
+        <p:txBody>
+          <a:bodyPr rtlCol="0" anchor="ctr"/>
+          <a:lstStyle/>
+          <a:p>
+            <a:pPr algn="ctr"/>
+            <a:r>
+              <a:rPr lang="en-US" sz="900" dirty="0"/>
+              <a:t>R</a:t>
+            </a:r>
+            <a:endParaRPr lang="en-SG" sz="900" dirty="0"/>
+          </a:p>
+        </p:txBody>
+      </p:sp>
+      <p:sp>
+        <p:nvSpPr>
+          <p:cNvPr id="29" name="Oval 28">
+            <a:extLst>
+              <a:ext uri="{FF2B5EF4-FFF2-40B4-BE49-F238E27FC236}">
+                <a16:creationId xmlns:a16="http://schemas.microsoft.com/office/drawing/2014/main" id="{06875C85-C557-52AE-4C46-8C356ECB0E7E}"/>
+              </a:ext>
+            </a:extLst>
+          </p:cNvPr>
+          <p:cNvSpPr/>
+          <p:nvPr/>
+        </p:nvSpPr>
+        <p:spPr>
+          <a:xfrm>
+            <a:off x="5216262" y="1306121"/>
+            <a:ext cx="136177" cy="157109"/>
+          </a:xfrm>
+          <a:prstGeom prst="ellipse">
+            <a:avLst/>
+          </a:prstGeom>
+          <a:solidFill>
+            <a:schemeClr val="accent6">
+              <a:lumMod val="75000"/>
+            </a:schemeClr>
+          </a:solidFill>
+        </p:spPr>
+        <p:style>
+          <a:lnRef idx="2">
+            <a:schemeClr val="accent1">
+              <a:shade val="15000"/>
+            </a:schemeClr>
+          </a:lnRef>
+          <a:fillRef idx="1">
+            <a:schemeClr val="accent1"/>
+          </a:fillRef>
+          <a:effectRef idx="0">
+            <a:schemeClr val="accent1"/>
+          </a:effectRef>
+          <a:fontRef idx="minor">
+            <a:schemeClr val="lt1"/>
+          </a:fontRef>
+        </p:style>
+        <p:txBody>
+          <a:bodyPr rtlCol="0" anchor="ctr"/>
+          <a:lstStyle/>
+          <a:p>
+            <a:pPr algn="ctr"/>
+            <a:r>
+              <a:rPr lang="en-US" sz="900" dirty="0"/>
+              <a:t>P</a:t>
+            </a:r>
+            <a:endParaRPr lang="en-SG" sz="900" dirty="0"/>
+          </a:p>
+        </p:txBody>
+      </p:sp>
+      <p:sp>
+        <p:nvSpPr>
+          <p:cNvPr id="30" name="Oval 29">
+            <a:extLst>
+              <a:ext uri="{FF2B5EF4-FFF2-40B4-BE49-F238E27FC236}">
+                <a16:creationId xmlns:a16="http://schemas.microsoft.com/office/drawing/2014/main" id="{5F63CC15-7E9C-AFA4-6BBF-1635C9C0CE27}"/>
+              </a:ext>
+            </a:extLst>
+          </p:cNvPr>
+          <p:cNvSpPr/>
+          <p:nvPr/>
+        </p:nvSpPr>
+        <p:spPr>
+          <a:xfrm>
+            <a:off x="5864307" y="1306120"/>
+            <a:ext cx="136177" cy="157109"/>
+          </a:xfrm>
+          <a:prstGeom prst="ellipse">
+            <a:avLst/>
+          </a:prstGeom>
+          <a:solidFill>
+            <a:schemeClr val="accent6">
+              <a:lumMod val="75000"/>
+            </a:schemeClr>
+          </a:solidFill>
+        </p:spPr>
+        <p:style>
+          <a:lnRef idx="2">
+            <a:schemeClr val="accent1">
+              <a:shade val="15000"/>
+            </a:schemeClr>
+          </a:lnRef>
+          <a:fillRef idx="1">
+            <a:schemeClr val="accent1"/>
+          </a:fillRef>
+          <a:effectRef idx="0">
+            <a:schemeClr val="accent1"/>
+          </a:effectRef>
+          <a:fontRef idx="minor">
+            <a:schemeClr val="lt1"/>
+          </a:fontRef>
+        </p:style>
+        <p:txBody>
+          <a:bodyPr rtlCol="0" anchor="ctr"/>
+          <a:lstStyle/>
+          <a:p>
+            <a:pPr algn="ctr"/>
+            <a:r>
+              <a:rPr lang="en-US" sz="900" dirty="0"/>
+              <a:t>P</a:t>
+            </a:r>
+            <a:endParaRPr lang="en-SG" sz="900" dirty="0"/>
+          </a:p>
+        </p:txBody>
+      </p:sp>
+      <p:sp>
+        <p:nvSpPr>
+          <p:cNvPr id="36" name="Oval 35">
+            <a:extLst>
+              <a:ext uri="{FF2B5EF4-FFF2-40B4-BE49-F238E27FC236}">
+                <a16:creationId xmlns:a16="http://schemas.microsoft.com/office/drawing/2014/main" id="{BF5A354F-CB17-E206-798F-718052814382}"/>
+              </a:ext>
+            </a:extLst>
+          </p:cNvPr>
+          <p:cNvSpPr/>
+          <p:nvPr/>
+        </p:nvSpPr>
+        <p:spPr>
+          <a:xfrm>
+            <a:off x="4615530" y="2796185"/>
+            <a:ext cx="136177" cy="157109"/>
+          </a:xfrm>
+          <a:prstGeom prst="ellipse">
+            <a:avLst/>
+          </a:prstGeom>
+        </p:spPr>
+        <p:style>
+          <a:lnRef idx="2">
+            <a:schemeClr val="accent1">
+              <a:shade val="15000"/>
+            </a:schemeClr>
+          </a:lnRef>
+          <a:fillRef idx="1">
+            <a:schemeClr val="accent1"/>
+          </a:fillRef>
+          <a:effectRef idx="0">
+            <a:schemeClr val="accent1"/>
+          </a:effectRef>
+          <a:fontRef idx="minor">
+            <a:schemeClr val="lt1"/>
+          </a:fontRef>
+        </p:style>
+        <p:txBody>
+          <a:bodyPr rtlCol="0" anchor="ctr"/>
+          <a:lstStyle/>
+          <a:p>
+            <a:pPr algn="ctr"/>
+            <a:r>
+              <a:rPr lang="en-US" sz="900" dirty="0"/>
+              <a:t>R</a:t>
+            </a:r>
+            <a:endParaRPr lang="en-SG" sz="900" dirty="0"/>
+          </a:p>
+        </p:txBody>
+      </p:sp>
+      <p:sp>
+        <p:nvSpPr>
+          <p:cNvPr id="43" name="Oval 42">
+            <a:extLst>
+              <a:ext uri="{FF2B5EF4-FFF2-40B4-BE49-F238E27FC236}">
+                <a16:creationId xmlns:a16="http://schemas.microsoft.com/office/drawing/2014/main" id="{560524C3-4098-BE08-C915-0E16071CF299}"/>
+              </a:ext>
+            </a:extLst>
+          </p:cNvPr>
+          <p:cNvSpPr/>
+          <p:nvPr/>
+        </p:nvSpPr>
+        <p:spPr>
+          <a:xfrm>
+            <a:off x="4404105" y="3286383"/>
+            <a:ext cx="136177" cy="157109"/>
+          </a:xfrm>
+          <a:prstGeom prst="ellipse">
+            <a:avLst/>
+          </a:prstGeom>
+          <a:solidFill>
+            <a:schemeClr val="accent6">
+              <a:lumMod val="75000"/>
+            </a:schemeClr>
+          </a:solidFill>
+        </p:spPr>
+        <p:style>
+          <a:lnRef idx="2">
+            <a:schemeClr val="accent1">
+              <a:shade val="15000"/>
+            </a:schemeClr>
+          </a:lnRef>
+          <a:fillRef idx="1">
+            <a:schemeClr val="accent1"/>
+          </a:fillRef>
+          <a:effectRef idx="0">
+            <a:schemeClr val="accent1"/>
+          </a:effectRef>
+          <a:fontRef idx="minor">
+            <a:schemeClr val="lt1"/>
+          </a:fontRef>
+        </p:style>
+        <p:txBody>
+          <a:bodyPr rtlCol="0" anchor="ctr"/>
+          <a:lstStyle/>
+          <a:p>
+            <a:pPr algn="ctr"/>
+            <a:r>
+              <a:rPr lang="en-US" sz="900" dirty="0"/>
+              <a:t>P</a:t>
+            </a:r>
+            <a:endParaRPr lang="en-SG" sz="900" dirty="0"/>
+          </a:p>
+        </p:txBody>
+      </p:sp>
+      <p:sp>
+        <p:nvSpPr>
+          <p:cNvPr id="46" name="Oval 45">
+            <a:extLst>
+              <a:ext uri="{FF2B5EF4-FFF2-40B4-BE49-F238E27FC236}">
+                <a16:creationId xmlns:a16="http://schemas.microsoft.com/office/drawing/2014/main" id="{2E10BE5A-C003-2380-354D-D30BB59D2A08}"/>
+              </a:ext>
+            </a:extLst>
+          </p:cNvPr>
+          <p:cNvSpPr/>
+          <p:nvPr/>
+        </p:nvSpPr>
+        <p:spPr>
+          <a:xfrm>
+            <a:off x="3027027" y="3102979"/>
+            <a:ext cx="136177" cy="157109"/>
+          </a:xfrm>
+          <a:prstGeom prst="ellipse">
+            <a:avLst/>
+          </a:prstGeom>
+          <a:solidFill>
+            <a:schemeClr val="accent6">
+              <a:lumMod val="75000"/>
+            </a:schemeClr>
+          </a:solidFill>
+        </p:spPr>
+        <p:style>
+          <a:lnRef idx="2">
+            <a:schemeClr val="accent1">
+              <a:shade val="15000"/>
+            </a:schemeClr>
+          </a:lnRef>
+          <a:fillRef idx="1">
+            <a:schemeClr val="accent1"/>
+          </a:fillRef>
+          <a:effectRef idx="0">
+            <a:schemeClr val="accent1"/>
+          </a:effectRef>
+          <a:fontRef idx="minor">
+            <a:schemeClr val="lt1"/>
+          </a:fontRef>
+        </p:style>
+        <p:txBody>
+          <a:bodyPr rtlCol="0" anchor="ctr"/>
+          <a:lstStyle/>
+          <a:p>
+            <a:pPr algn="ctr"/>
+            <a:r>
+              <a:rPr lang="en-US" sz="900" dirty="0"/>
+              <a:t>P</a:t>
+            </a:r>
+            <a:endParaRPr lang="en-SG" sz="900" dirty="0"/>
+          </a:p>
+        </p:txBody>
+      </p:sp>
+      <p:sp>
+        <p:nvSpPr>
+          <p:cNvPr id="49" name="Oval 48">
+            <a:extLst>
+              <a:ext uri="{FF2B5EF4-FFF2-40B4-BE49-F238E27FC236}">
+                <a16:creationId xmlns:a16="http://schemas.microsoft.com/office/drawing/2014/main" id="{7A7BA5BE-C428-4F39-683E-444AE0F67F75}"/>
+              </a:ext>
+            </a:extLst>
+          </p:cNvPr>
+          <p:cNvSpPr/>
+          <p:nvPr/>
+        </p:nvSpPr>
+        <p:spPr>
+          <a:xfrm>
+            <a:off x="1361356" y="3333949"/>
+            <a:ext cx="136177" cy="157109"/>
+          </a:xfrm>
+          <a:prstGeom prst="ellipse">
+            <a:avLst/>
+          </a:prstGeom>
+          <a:solidFill>
+            <a:schemeClr val="accent6">
+              <a:lumMod val="75000"/>
+            </a:schemeClr>
+          </a:solidFill>
+        </p:spPr>
+        <p:style>
+          <a:lnRef idx="2">
+            <a:schemeClr val="accent1">
+              <a:shade val="15000"/>
+            </a:schemeClr>
+          </a:lnRef>
+          <a:fillRef idx="1">
+            <a:schemeClr val="accent1"/>
+          </a:fillRef>
+          <a:effectRef idx="0">
+            <a:schemeClr val="accent1"/>
+          </a:effectRef>
+          <a:fontRef idx="minor">
+            <a:schemeClr val="lt1"/>
+          </a:fontRef>
+        </p:style>
+        <p:txBody>
+          <a:bodyPr rtlCol="0" anchor="ctr"/>
+          <a:lstStyle/>
+          <a:p>
+            <a:pPr algn="ctr"/>
+            <a:r>
+              <a:rPr lang="en-US" sz="900" dirty="0"/>
+              <a:t>P</a:t>
+            </a:r>
+            <a:endParaRPr lang="en-SG" sz="900" dirty="0"/>
+          </a:p>
+        </p:txBody>
+      </p:sp>
+      <p:sp>
+        <p:nvSpPr>
+          <p:cNvPr id="50" name="Oval 49">
+            <a:extLst>
+              <a:ext uri="{FF2B5EF4-FFF2-40B4-BE49-F238E27FC236}">
+                <a16:creationId xmlns:a16="http://schemas.microsoft.com/office/drawing/2014/main" id="{44744BBB-B00A-A25D-7A01-BFA5281C4023}"/>
+              </a:ext>
+            </a:extLst>
+          </p:cNvPr>
+          <p:cNvSpPr/>
+          <p:nvPr/>
+        </p:nvSpPr>
+        <p:spPr>
+          <a:xfrm>
+            <a:off x="2923732" y="1556685"/>
+            <a:ext cx="136177" cy="157109"/>
+          </a:xfrm>
+          <a:prstGeom prst="ellipse">
+            <a:avLst/>
+          </a:prstGeom>
+        </p:spPr>
+        <p:style>
+          <a:lnRef idx="2">
+            <a:schemeClr val="accent1">
+              <a:shade val="15000"/>
+            </a:schemeClr>
+          </a:lnRef>
+          <a:fillRef idx="1">
+            <a:schemeClr val="accent1"/>
+          </a:fillRef>
+          <a:effectRef idx="0">
+            <a:schemeClr val="accent1"/>
+          </a:effectRef>
+          <a:fontRef idx="minor">
+            <a:schemeClr val="lt1"/>
+          </a:fontRef>
+        </p:style>
+        <p:txBody>
+          <a:bodyPr rtlCol="0" anchor="ctr"/>
+          <a:lstStyle/>
+          <a:p>
+            <a:pPr algn="ctr"/>
+            <a:r>
+              <a:rPr lang="en-US" sz="900" dirty="0"/>
+              <a:t>R</a:t>
+            </a:r>
+            <a:endParaRPr lang="en-SG" sz="900" dirty="0"/>
+          </a:p>
+        </p:txBody>
+      </p:sp>
+      <p:sp>
+        <p:nvSpPr>
+          <p:cNvPr id="52" name="Oval 51">
+            <a:extLst>
+              <a:ext uri="{FF2B5EF4-FFF2-40B4-BE49-F238E27FC236}">
+                <a16:creationId xmlns:a16="http://schemas.microsoft.com/office/drawing/2014/main" id="{7ED54845-70BF-9A42-D4E9-481E106401E7}"/>
+              </a:ext>
+            </a:extLst>
+          </p:cNvPr>
+          <p:cNvSpPr/>
+          <p:nvPr/>
+        </p:nvSpPr>
+        <p:spPr>
+          <a:xfrm>
+            <a:off x="4091242" y="4450848"/>
+            <a:ext cx="136177" cy="157109"/>
+          </a:xfrm>
+          <a:prstGeom prst="ellipse">
+            <a:avLst/>
+          </a:prstGeom>
+        </p:spPr>
+        <p:style>
+          <a:lnRef idx="2">
+            <a:schemeClr val="accent1">
+              <a:shade val="15000"/>
+            </a:schemeClr>
+          </a:lnRef>
+          <a:fillRef idx="1">
+            <a:schemeClr val="accent1"/>
+          </a:fillRef>
+          <a:effectRef idx="0">
+            <a:schemeClr val="accent1"/>
+          </a:effectRef>
+          <a:fontRef idx="minor">
+            <a:schemeClr val="lt1"/>
+          </a:fontRef>
+        </p:style>
+        <p:txBody>
+          <a:bodyPr rtlCol="0" anchor="ctr"/>
+          <a:lstStyle/>
+          <a:p>
+            <a:pPr algn="ctr"/>
+            <a:r>
+              <a:rPr lang="en-US" sz="900" dirty="0"/>
+              <a:t>R</a:t>
+            </a:r>
+            <a:endParaRPr lang="en-SG" sz="900" dirty="0"/>
+          </a:p>
+        </p:txBody>
+      </p:sp>
+      <p:sp>
+        <p:nvSpPr>
+          <p:cNvPr id="56" name="Oval 55">
+            <a:extLst>
+              <a:ext uri="{FF2B5EF4-FFF2-40B4-BE49-F238E27FC236}">
+                <a16:creationId xmlns:a16="http://schemas.microsoft.com/office/drawing/2014/main" id="{53FB92A0-583D-EAAB-DBCD-F4D60BF22A03}"/>
+              </a:ext>
+            </a:extLst>
+          </p:cNvPr>
+          <p:cNvSpPr/>
+          <p:nvPr/>
+        </p:nvSpPr>
+        <p:spPr>
+          <a:xfrm>
+            <a:off x="8829149" y="2275217"/>
+            <a:ext cx="136177" cy="157109"/>
+          </a:xfrm>
+          <a:prstGeom prst="ellipse">
+            <a:avLst/>
+          </a:prstGeom>
+          <a:solidFill>
+            <a:schemeClr val="accent6">
+              <a:lumMod val="75000"/>
+            </a:schemeClr>
+          </a:solidFill>
+        </p:spPr>
+        <p:style>
+          <a:lnRef idx="2">
+            <a:schemeClr val="accent1">
+              <a:shade val="15000"/>
+            </a:schemeClr>
+          </a:lnRef>
+          <a:fillRef idx="1">
+            <a:schemeClr val="accent1"/>
+          </a:fillRef>
+          <a:effectRef idx="0">
+            <a:schemeClr val="accent1"/>
+          </a:effectRef>
+          <a:fontRef idx="minor">
+            <a:schemeClr val="lt1"/>
+          </a:fontRef>
+        </p:style>
+        <p:txBody>
+          <a:bodyPr rtlCol="0" anchor="ctr"/>
+          <a:lstStyle/>
+          <a:p>
+            <a:pPr algn="ctr"/>
+            <a:r>
+              <a:rPr lang="en-US" sz="900" dirty="0"/>
+              <a:t>P</a:t>
+            </a:r>
+            <a:endParaRPr lang="en-SG" sz="900" dirty="0"/>
+          </a:p>
+        </p:txBody>
+      </p:sp>
+      <p:sp>
+        <p:nvSpPr>
+          <p:cNvPr id="67" name="Oval 66">
+            <a:extLst>
+              <a:ext uri="{FF2B5EF4-FFF2-40B4-BE49-F238E27FC236}">
+                <a16:creationId xmlns:a16="http://schemas.microsoft.com/office/drawing/2014/main" id="{A9C1A488-4AA0-1853-CB83-B00DFF15F353}"/>
+              </a:ext>
+            </a:extLst>
+          </p:cNvPr>
+          <p:cNvSpPr/>
+          <p:nvPr/>
+        </p:nvSpPr>
+        <p:spPr>
+          <a:xfrm>
+            <a:off x="3363146" y="3721350"/>
+            <a:ext cx="136177" cy="157109"/>
+          </a:xfrm>
+          <a:prstGeom prst="ellipse">
+            <a:avLst/>
+          </a:prstGeom>
+        </p:spPr>
+        <p:style>
+          <a:lnRef idx="2">
+            <a:schemeClr val="accent1">
+              <a:shade val="15000"/>
+            </a:schemeClr>
+          </a:lnRef>
+          <a:fillRef idx="1">
+            <a:schemeClr val="accent1"/>
+          </a:fillRef>
+          <a:effectRef idx="0">
+            <a:schemeClr val="accent1"/>
+          </a:effectRef>
+          <a:fontRef idx="minor">
+            <a:schemeClr val="lt1"/>
+          </a:fontRef>
+        </p:style>
+        <p:txBody>
+          <a:bodyPr rtlCol="0" anchor="ctr"/>
+          <a:lstStyle/>
+          <a:p>
+            <a:pPr algn="ctr"/>
+            <a:r>
+              <a:rPr lang="en-US" sz="900" dirty="0"/>
+              <a:t>R</a:t>
+            </a:r>
+            <a:endParaRPr lang="en-SG" sz="900" dirty="0"/>
+          </a:p>
+        </p:txBody>
+      </p:sp>
+      <p:sp>
+        <p:nvSpPr>
+          <p:cNvPr id="68" name="Oval 67">
+            <a:extLst>
+              <a:ext uri="{FF2B5EF4-FFF2-40B4-BE49-F238E27FC236}">
+                <a16:creationId xmlns:a16="http://schemas.microsoft.com/office/drawing/2014/main" id="{AF664026-F9A2-714E-61CD-DDB631DA98D9}"/>
+              </a:ext>
+            </a:extLst>
+          </p:cNvPr>
+          <p:cNvSpPr/>
+          <p:nvPr/>
+        </p:nvSpPr>
+        <p:spPr>
+          <a:xfrm>
+            <a:off x="3368546" y="3437845"/>
+            <a:ext cx="136177" cy="157109"/>
+          </a:xfrm>
+          <a:prstGeom prst="ellipse">
+            <a:avLst/>
+          </a:prstGeom>
+          <a:solidFill>
+            <a:schemeClr val="accent6">
+              <a:lumMod val="75000"/>
+            </a:schemeClr>
+          </a:solidFill>
+        </p:spPr>
+        <p:style>
+          <a:lnRef idx="2">
+            <a:schemeClr val="accent1">
+              <a:shade val="15000"/>
+            </a:schemeClr>
+          </a:lnRef>
+          <a:fillRef idx="1">
+            <a:schemeClr val="accent1"/>
+          </a:fillRef>
+          <a:effectRef idx="0">
+            <a:schemeClr val="accent1"/>
+          </a:effectRef>
+          <a:fontRef idx="minor">
+            <a:schemeClr val="lt1"/>
+          </a:fontRef>
+        </p:style>
+        <p:txBody>
+          <a:bodyPr rtlCol="0" anchor="ctr"/>
+          <a:lstStyle/>
+          <a:p>
+            <a:pPr algn="ctr"/>
+            <a:r>
+              <a:rPr lang="en-US" sz="900" dirty="0"/>
+              <a:t>P</a:t>
+            </a:r>
+            <a:endParaRPr lang="en-SG" sz="900" dirty="0"/>
+          </a:p>
+        </p:txBody>
+      </p:sp>
+      <p:sp>
+        <p:nvSpPr>
+          <p:cNvPr id="74" name="Oval 73">
+            <a:extLst>
+              <a:ext uri="{FF2B5EF4-FFF2-40B4-BE49-F238E27FC236}">
+                <a16:creationId xmlns:a16="http://schemas.microsoft.com/office/drawing/2014/main" id="{B2AD32F2-8FDA-0CFA-5343-C0F8E2CFDBBF}"/>
+              </a:ext>
+            </a:extLst>
+          </p:cNvPr>
+          <p:cNvSpPr/>
+          <p:nvPr/>
+        </p:nvSpPr>
+        <p:spPr>
+          <a:xfrm>
+            <a:off x="8145368" y="2867138"/>
+            <a:ext cx="136177" cy="157109"/>
+          </a:xfrm>
+          <a:prstGeom prst="ellipse">
+            <a:avLst/>
+          </a:prstGeom>
+          <a:solidFill>
+            <a:schemeClr val="accent6">
+              <a:lumMod val="75000"/>
+            </a:schemeClr>
+          </a:solidFill>
+        </p:spPr>
+        <p:style>
+          <a:lnRef idx="2">
+            <a:schemeClr val="accent1">
+              <a:shade val="15000"/>
+            </a:schemeClr>
+          </a:lnRef>
+          <a:fillRef idx="1">
+            <a:schemeClr val="accent1"/>
+          </a:fillRef>
+          <a:effectRef idx="0">
+            <a:schemeClr val="accent1"/>
+          </a:effectRef>
+          <a:fontRef idx="minor">
+            <a:schemeClr val="lt1"/>
+          </a:fontRef>
+        </p:style>
+        <p:txBody>
+          <a:bodyPr rtlCol="0" anchor="ctr"/>
+          <a:lstStyle/>
+          <a:p>
+            <a:pPr algn="ctr"/>
+            <a:r>
+              <a:rPr lang="en-US" sz="900" dirty="0"/>
+              <a:t>P</a:t>
+            </a:r>
+            <a:endParaRPr lang="en-SG" sz="900" dirty="0"/>
+          </a:p>
+        </p:txBody>
+      </p:sp>
+      <p:sp>
+        <p:nvSpPr>
+          <p:cNvPr id="75" name="Oval 74">
+            <a:extLst>
+              <a:ext uri="{FF2B5EF4-FFF2-40B4-BE49-F238E27FC236}">
+                <a16:creationId xmlns:a16="http://schemas.microsoft.com/office/drawing/2014/main" id="{E99C3F48-A6BA-B14F-C688-E1AF6697448B}"/>
+              </a:ext>
+            </a:extLst>
+          </p:cNvPr>
+          <p:cNvSpPr/>
+          <p:nvPr/>
+        </p:nvSpPr>
+        <p:spPr>
+          <a:xfrm>
+            <a:off x="1353051" y="2061837"/>
+            <a:ext cx="136177" cy="157109"/>
+          </a:xfrm>
+          <a:prstGeom prst="ellipse">
+            <a:avLst/>
+          </a:prstGeom>
+          <a:solidFill>
+            <a:schemeClr val="accent6">
+              <a:lumMod val="75000"/>
+            </a:schemeClr>
+          </a:solidFill>
+        </p:spPr>
+        <p:style>
+          <a:lnRef idx="2">
+            <a:schemeClr val="accent1">
+              <a:shade val="15000"/>
+            </a:schemeClr>
+          </a:lnRef>
+          <a:fillRef idx="1">
+            <a:schemeClr val="accent1"/>
+          </a:fillRef>
+          <a:effectRef idx="0">
+            <a:schemeClr val="accent1"/>
+          </a:effectRef>
+          <a:fontRef idx="minor">
+            <a:schemeClr val="lt1"/>
+          </a:fontRef>
+        </p:style>
+        <p:txBody>
+          <a:bodyPr rtlCol="0" anchor="ctr"/>
+          <a:lstStyle/>
+          <a:p>
+            <a:pPr algn="ctr"/>
+            <a:r>
+              <a:rPr lang="en-US" sz="900" dirty="0"/>
+              <a:t>P</a:t>
+            </a:r>
+            <a:endParaRPr lang="en-SG" sz="900" dirty="0"/>
+          </a:p>
+        </p:txBody>
+      </p:sp>
+      <p:sp>
+        <p:nvSpPr>
+          <p:cNvPr id="78" name="Oval 77">
+            <a:extLst>
+              <a:ext uri="{FF2B5EF4-FFF2-40B4-BE49-F238E27FC236}">
+                <a16:creationId xmlns:a16="http://schemas.microsoft.com/office/drawing/2014/main" id="{905F879A-EEF9-6DBE-01FB-E869F5708380}"/>
+              </a:ext>
+            </a:extLst>
+          </p:cNvPr>
+          <p:cNvSpPr/>
+          <p:nvPr/>
+        </p:nvSpPr>
+        <p:spPr>
+          <a:xfrm>
+            <a:off x="2555436" y="2028333"/>
+            <a:ext cx="136177" cy="157109"/>
+          </a:xfrm>
+          <a:prstGeom prst="ellipse">
+            <a:avLst/>
+          </a:prstGeom>
+          <a:solidFill>
+            <a:schemeClr val="accent6">
+              <a:lumMod val="75000"/>
+            </a:schemeClr>
+          </a:solidFill>
+        </p:spPr>
+        <p:style>
+          <a:lnRef idx="2">
+            <a:schemeClr val="accent1">
+              <a:shade val="15000"/>
+            </a:schemeClr>
+          </a:lnRef>
+          <a:fillRef idx="1">
+            <a:schemeClr val="accent1"/>
+          </a:fillRef>
+          <a:effectRef idx="0">
+            <a:schemeClr val="accent1"/>
+          </a:effectRef>
+          <a:fontRef idx="minor">
+            <a:schemeClr val="lt1"/>
+          </a:fontRef>
+        </p:style>
+        <p:txBody>
+          <a:bodyPr rtlCol="0" anchor="ctr"/>
+          <a:lstStyle/>
+          <a:p>
+            <a:pPr algn="ctr"/>
+            <a:r>
+              <a:rPr lang="en-US" sz="900" dirty="0"/>
+              <a:t>P</a:t>
+            </a:r>
+            <a:endParaRPr lang="en-SG" sz="900" dirty="0"/>
+          </a:p>
+        </p:txBody>
+      </p:sp>
+      <p:sp>
+        <p:nvSpPr>
+          <p:cNvPr id="79" name="Oval 78">
+            <a:extLst>
+              <a:ext uri="{FF2B5EF4-FFF2-40B4-BE49-F238E27FC236}">
+                <a16:creationId xmlns:a16="http://schemas.microsoft.com/office/drawing/2014/main" id="{008C6A46-706E-F85F-77C3-3D79C546C6CC}"/>
+              </a:ext>
+            </a:extLst>
+          </p:cNvPr>
+          <p:cNvSpPr/>
+          <p:nvPr/>
+        </p:nvSpPr>
+        <p:spPr>
+          <a:xfrm>
+            <a:off x="2812742" y="2860098"/>
+            <a:ext cx="136177" cy="157109"/>
+          </a:xfrm>
+          <a:prstGeom prst="ellipse">
+            <a:avLst/>
+          </a:prstGeom>
+        </p:spPr>
+        <p:style>
+          <a:lnRef idx="2">
+            <a:schemeClr val="accent1">
+              <a:shade val="15000"/>
+            </a:schemeClr>
+          </a:lnRef>
+          <a:fillRef idx="1">
+            <a:schemeClr val="accent1"/>
+          </a:fillRef>
+          <a:effectRef idx="0">
+            <a:schemeClr val="accent1"/>
+          </a:effectRef>
+          <a:fontRef idx="minor">
+            <a:schemeClr val="lt1"/>
+          </a:fontRef>
+        </p:style>
+        <p:txBody>
+          <a:bodyPr rtlCol="0" anchor="ctr"/>
+          <a:lstStyle/>
+          <a:p>
+            <a:pPr algn="ctr"/>
+            <a:r>
+              <a:rPr lang="en-US" sz="900" dirty="0"/>
+              <a:t>R</a:t>
+            </a:r>
+            <a:endParaRPr lang="en-SG" sz="900" dirty="0"/>
+          </a:p>
+        </p:txBody>
+      </p:sp>
+      <p:sp>
+        <p:nvSpPr>
+          <p:cNvPr id="80" name="Oval 79">
+            <a:extLst>
+              <a:ext uri="{FF2B5EF4-FFF2-40B4-BE49-F238E27FC236}">
+                <a16:creationId xmlns:a16="http://schemas.microsoft.com/office/drawing/2014/main" id="{20913FDF-799E-639D-5226-7776A30E6AD3}"/>
+              </a:ext>
+            </a:extLst>
+          </p:cNvPr>
+          <p:cNvSpPr/>
+          <p:nvPr/>
+        </p:nvSpPr>
+        <p:spPr>
+          <a:xfrm>
+            <a:off x="1125253" y="2860098"/>
+            <a:ext cx="136177" cy="157109"/>
+          </a:xfrm>
+          <a:prstGeom prst="ellipse">
+            <a:avLst/>
+          </a:prstGeom>
+        </p:spPr>
+        <p:style>
+          <a:lnRef idx="2">
+            <a:schemeClr val="accent1">
+              <a:shade val="15000"/>
+            </a:schemeClr>
+          </a:lnRef>
+          <a:fillRef idx="1">
+            <a:schemeClr val="accent1"/>
+          </a:fillRef>
+          <a:effectRef idx="0">
+            <a:schemeClr val="accent1"/>
+          </a:effectRef>
+          <a:fontRef idx="minor">
+            <a:schemeClr val="lt1"/>
+          </a:fontRef>
+        </p:style>
+        <p:txBody>
+          <a:bodyPr rtlCol="0" anchor="ctr"/>
+          <a:lstStyle/>
+          <a:p>
+            <a:pPr algn="ctr"/>
+            <a:r>
+              <a:rPr lang="en-US" sz="900" dirty="0"/>
+              <a:t>R</a:t>
+            </a:r>
+            <a:endParaRPr lang="en-SG" sz="900" dirty="0"/>
+          </a:p>
+        </p:txBody>
+      </p:sp>
+      <p:sp>
+        <p:nvSpPr>
+          <p:cNvPr id="82" name="Oval 81">
+            <a:extLst>
+              <a:ext uri="{FF2B5EF4-FFF2-40B4-BE49-F238E27FC236}">
+                <a16:creationId xmlns:a16="http://schemas.microsoft.com/office/drawing/2014/main" id="{D9FF1C60-4006-5257-82FD-02D862BE200F}"/>
+              </a:ext>
+            </a:extLst>
+          </p:cNvPr>
+          <p:cNvSpPr/>
+          <p:nvPr/>
+        </p:nvSpPr>
+        <p:spPr>
+          <a:xfrm>
+            <a:off x="6430429" y="4429532"/>
+            <a:ext cx="136177" cy="157109"/>
+          </a:xfrm>
+          <a:prstGeom prst="ellipse">
+            <a:avLst/>
+          </a:prstGeom>
+        </p:spPr>
+        <p:style>
+          <a:lnRef idx="2">
+            <a:schemeClr val="accent1">
+              <a:shade val="15000"/>
+            </a:schemeClr>
+          </a:lnRef>
+          <a:fillRef idx="1">
+            <a:schemeClr val="accent1"/>
+          </a:fillRef>
+          <a:effectRef idx="0">
+            <a:schemeClr val="accent1"/>
+          </a:effectRef>
+          <a:fontRef idx="minor">
+            <a:schemeClr val="lt1"/>
+          </a:fontRef>
+        </p:style>
+        <p:txBody>
+          <a:bodyPr rtlCol="0" anchor="ctr"/>
+          <a:lstStyle/>
+          <a:p>
+            <a:pPr algn="ctr"/>
+            <a:r>
+              <a:rPr lang="en-US" sz="900" dirty="0"/>
+              <a:t>R</a:t>
+            </a:r>
+            <a:endParaRPr lang="en-SG" sz="900" dirty="0"/>
+          </a:p>
+        </p:txBody>
+      </p:sp>
+      <p:sp>
+        <p:nvSpPr>
+          <p:cNvPr id="83" name="Oval 82">
+            <a:extLst>
+              <a:ext uri="{FF2B5EF4-FFF2-40B4-BE49-F238E27FC236}">
+                <a16:creationId xmlns:a16="http://schemas.microsoft.com/office/drawing/2014/main" id="{BE7073E5-1B33-5A1C-4779-D78741D03806}"/>
+              </a:ext>
+            </a:extLst>
+          </p:cNvPr>
+          <p:cNvSpPr/>
+          <p:nvPr/>
+        </p:nvSpPr>
+        <p:spPr>
+          <a:xfrm>
+            <a:off x="7684608" y="4788933"/>
+            <a:ext cx="136177" cy="157109"/>
+          </a:xfrm>
+          <a:prstGeom prst="ellipse">
+            <a:avLst/>
+          </a:prstGeom>
+          <a:solidFill>
+            <a:schemeClr val="accent6">
+              <a:lumMod val="75000"/>
+            </a:schemeClr>
+          </a:solidFill>
+        </p:spPr>
+        <p:style>
+          <a:lnRef idx="2">
+            <a:schemeClr val="accent1">
+              <a:shade val="15000"/>
+            </a:schemeClr>
+          </a:lnRef>
+          <a:fillRef idx="1">
+            <a:schemeClr val="accent1"/>
+          </a:fillRef>
+          <a:effectRef idx="0">
+            <a:schemeClr val="accent1"/>
+          </a:effectRef>
+          <a:fontRef idx="minor">
+            <a:schemeClr val="lt1"/>
+          </a:fontRef>
+        </p:style>
+        <p:txBody>
+          <a:bodyPr rtlCol="0" anchor="ctr"/>
+          <a:lstStyle/>
+          <a:p>
+            <a:pPr algn="ctr"/>
+            <a:r>
+              <a:rPr lang="en-US" sz="900" dirty="0"/>
+              <a:t>P</a:t>
+            </a:r>
+            <a:endParaRPr lang="en-SG" sz="900" dirty="0"/>
+          </a:p>
+        </p:txBody>
+      </p:sp>
+      <p:sp>
+        <p:nvSpPr>
+          <p:cNvPr id="89" name="Oval 88">
+            <a:extLst>
+              <a:ext uri="{FF2B5EF4-FFF2-40B4-BE49-F238E27FC236}">
+                <a16:creationId xmlns:a16="http://schemas.microsoft.com/office/drawing/2014/main" id="{93AC0122-1B2F-F0F9-B349-27BC0EF4D76E}"/>
+              </a:ext>
+            </a:extLst>
+          </p:cNvPr>
+          <p:cNvSpPr/>
+          <p:nvPr/>
+        </p:nvSpPr>
+        <p:spPr>
+          <a:xfrm>
+            <a:off x="3300457" y="4040698"/>
+            <a:ext cx="136177" cy="157109"/>
+          </a:xfrm>
+          <a:prstGeom prst="ellipse">
+            <a:avLst/>
+          </a:prstGeom>
+          <a:solidFill>
+            <a:schemeClr val="accent6">
+              <a:lumMod val="75000"/>
+            </a:schemeClr>
+          </a:solidFill>
+        </p:spPr>
+        <p:style>
+          <a:lnRef idx="2">
+            <a:schemeClr val="accent1">
+              <a:shade val="15000"/>
+            </a:schemeClr>
+          </a:lnRef>
+          <a:fillRef idx="1">
+            <a:schemeClr val="accent1"/>
+          </a:fillRef>
+          <a:effectRef idx="0">
+            <a:schemeClr val="accent1"/>
+          </a:effectRef>
+          <a:fontRef idx="minor">
+            <a:schemeClr val="lt1"/>
+          </a:fontRef>
+        </p:style>
+        <p:txBody>
+          <a:bodyPr rtlCol="0" anchor="ctr"/>
+          <a:lstStyle/>
+          <a:p>
+            <a:pPr algn="ctr"/>
+            <a:r>
+              <a:rPr lang="en-US" sz="900" dirty="0"/>
+              <a:t>P</a:t>
+            </a:r>
+            <a:endParaRPr lang="en-SG" sz="900" dirty="0"/>
+          </a:p>
+        </p:txBody>
+      </p:sp>
+      <p:sp>
+        <p:nvSpPr>
+          <p:cNvPr id="90" name="Oval 89">
+            <a:extLst>
+              <a:ext uri="{FF2B5EF4-FFF2-40B4-BE49-F238E27FC236}">
+                <a16:creationId xmlns:a16="http://schemas.microsoft.com/office/drawing/2014/main" id="{3176BB73-5E35-C55B-B2B6-D0BE84614BF2}"/>
+              </a:ext>
+            </a:extLst>
+          </p:cNvPr>
+          <p:cNvSpPr/>
+          <p:nvPr/>
+        </p:nvSpPr>
+        <p:spPr>
+          <a:xfrm>
+            <a:off x="2855418" y="4127222"/>
+            <a:ext cx="136177" cy="157109"/>
+          </a:xfrm>
+          <a:prstGeom prst="ellipse">
+            <a:avLst/>
+          </a:prstGeom>
+          <a:solidFill>
+            <a:schemeClr val="accent6">
+              <a:lumMod val="75000"/>
+            </a:schemeClr>
+          </a:solidFill>
+        </p:spPr>
+        <p:style>
+          <a:lnRef idx="2">
+            <a:schemeClr val="accent1">
+              <a:shade val="15000"/>
+            </a:schemeClr>
+          </a:lnRef>
+          <a:fillRef idx="1">
+            <a:schemeClr val="accent1"/>
+          </a:fillRef>
+          <a:effectRef idx="0">
+            <a:schemeClr val="accent1"/>
+          </a:effectRef>
+          <a:fontRef idx="minor">
+            <a:schemeClr val="lt1"/>
+          </a:fontRef>
+        </p:style>
+        <p:txBody>
+          <a:bodyPr rtlCol="0" anchor="ctr"/>
+          <a:lstStyle/>
+          <a:p>
+            <a:pPr algn="ctr"/>
+            <a:r>
+              <a:rPr lang="en-US" sz="900" dirty="0"/>
+              <a:t>P</a:t>
+            </a:r>
+            <a:endParaRPr lang="en-SG" sz="900" dirty="0"/>
+          </a:p>
+        </p:txBody>
+      </p:sp>
+      <p:sp>
+        <p:nvSpPr>
+          <p:cNvPr id="94" name="Oval 93">
+            <a:extLst>
+              <a:ext uri="{FF2B5EF4-FFF2-40B4-BE49-F238E27FC236}">
+                <a16:creationId xmlns:a16="http://schemas.microsoft.com/office/drawing/2014/main" id="{16B7C5DE-381A-2D9D-85D0-701426358530}"/>
+              </a:ext>
+            </a:extLst>
+          </p:cNvPr>
+          <p:cNvSpPr/>
+          <p:nvPr/>
+        </p:nvSpPr>
+        <p:spPr>
+          <a:xfrm>
+            <a:off x="8162608" y="4206873"/>
+            <a:ext cx="136177" cy="157109"/>
+          </a:xfrm>
+          <a:prstGeom prst="ellipse">
+            <a:avLst/>
+          </a:prstGeom>
+          <a:solidFill>
+            <a:schemeClr val="accent6">
+              <a:lumMod val="75000"/>
+            </a:schemeClr>
+          </a:solidFill>
+        </p:spPr>
+        <p:style>
+          <a:lnRef idx="2">
+            <a:schemeClr val="accent1">
+              <a:shade val="15000"/>
+            </a:schemeClr>
+          </a:lnRef>
+          <a:fillRef idx="1">
+            <a:schemeClr val="accent1"/>
+          </a:fillRef>
+          <a:effectRef idx="0">
+            <a:schemeClr val="accent1"/>
+          </a:effectRef>
+          <a:fontRef idx="minor">
+            <a:schemeClr val="lt1"/>
+          </a:fontRef>
+        </p:style>
+        <p:txBody>
+          <a:bodyPr rtlCol="0" anchor="ctr"/>
+          <a:lstStyle/>
+          <a:p>
+            <a:pPr algn="ctr"/>
+            <a:r>
+              <a:rPr lang="en-US" sz="900" dirty="0"/>
+              <a:t>P</a:t>
+            </a:r>
+            <a:endParaRPr lang="en-SG" sz="900" dirty="0"/>
+          </a:p>
+        </p:txBody>
+      </p:sp>
+      <p:sp>
+        <p:nvSpPr>
+          <p:cNvPr id="96" name="Oval 95">
+            <a:extLst>
+              <a:ext uri="{FF2B5EF4-FFF2-40B4-BE49-F238E27FC236}">
+                <a16:creationId xmlns:a16="http://schemas.microsoft.com/office/drawing/2014/main" id="{17A5F347-53B3-5BD8-3480-41FCDECFA73A}"/>
+              </a:ext>
+            </a:extLst>
+          </p:cNvPr>
+          <p:cNvSpPr/>
+          <p:nvPr/>
+        </p:nvSpPr>
+        <p:spPr>
+          <a:xfrm>
+            <a:off x="8858344" y="3664557"/>
+            <a:ext cx="136177" cy="157109"/>
+          </a:xfrm>
+          <a:prstGeom prst="ellipse">
+            <a:avLst/>
+          </a:prstGeom>
+          <a:solidFill>
+            <a:schemeClr val="accent6">
+              <a:lumMod val="75000"/>
+            </a:schemeClr>
+          </a:solidFill>
+        </p:spPr>
+        <p:style>
+          <a:lnRef idx="2">
+            <a:schemeClr val="accent1">
+              <a:shade val="15000"/>
+            </a:schemeClr>
+          </a:lnRef>
+          <a:fillRef idx="1">
+            <a:schemeClr val="accent1"/>
+          </a:fillRef>
+          <a:effectRef idx="0">
+            <a:schemeClr val="accent1"/>
+          </a:effectRef>
+          <a:fontRef idx="minor">
+            <a:schemeClr val="lt1"/>
+          </a:fontRef>
+        </p:style>
+        <p:txBody>
+          <a:bodyPr rtlCol="0" anchor="ctr"/>
+          <a:lstStyle/>
+          <a:p>
+            <a:pPr algn="ctr"/>
+            <a:r>
+              <a:rPr lang="en-US" sz="900" dirty="0"/>
+              <a:t>P</a:t>
+            </a:r>
+            <a:endParaRPr lang="en-SG" sz="900" dirty="0"/>
+          </a:p>
+        </p:txBody>
+      </p:sp>
+      <p:sp>
+        <p:nvSpPr>
+          <p:cNvPr id="98" name="Oval 97">
+            <a:extLst>
+              <a:ext uri="{FF2B5EF4-FFF2-40B4-BE49-F238E27FC236}">
+                <a16:creationId xmlns:a16="http://schemas.microsoft.com/office/drawing/2014/main" id="{9A416CAA-B40F-987C-2334-54EC67DD0D73}"/>
+              </a:ext>
+            </a:extLst>
+          </p:cNvPr>
+          <p:cNvSpPr/>
+          <p:nvPr/>
+        </p:nvSpPr>
+        <p:spPr>
+          <a:xfrm>
+            <a:off x="8839980" y="5063458"/>
+            <a:ext cx="136177" cy="157109"/>
+          </a:xfrm>
+          <a:prstGeom prst="ellipse">
+            <a:avLst/>
+          </a:prstGeom>
+          <a:solidFill>
+            <a:schemeClr val="accent6">
+              <a:lumMod val="75000"/>
+            </a:schemeClr>
+          </a:solidFill>
+        </p:spPr>
+        <p:style>
+          <a:lnRef idx="2">
+            <a:schemeClr val="accent1">
+              <a:shade val="15000"/>
+            </a:schemeClr>
+          </a:lnRef>
+          <a:fillRef idx="1">
+            <a:schemeClr val="accent1"/>
+          </a:fillRef>
+          <a:effectRef idx="0">
+            <a:schemeClr val="accent1"/>
+          </a:effectRef>
+          <a:fontRef idx="minor">
+            <a:schemeClr val="lt1"/>
+          </a:fontRef>
+        </p:style>
+        <p:txBody>
+          <a:bodyPr rtlCol="0" anchor="ctr"/>
+          <a:lstStyle/>
+          <a:p>
+            <a:pPr algn="ctr"/>
+            <a:r>
+              <a:rPr lang="en-US" sz="900" dirty="0"/>
+              <a:t>P</a:t>
+            </a:r>
+            <a:endParaRPr lang="en-SG" sz="900" dirty="0"/>
+          </a:p>
+        </p:txBody>
+      </p:sp>
+      <p:sp>
+        <p:nvSpPr>
+          <p:cNvPr id="99" name="Oval 98">
+            <a:extLst>
+              <a:ext uri="{FF2B5EF4-FFF2-40B4-BE49-F238E27FC236}">
+                <a16:creationId xmlns:a16="http://schemas.microsoft.com/office/drawing/2014/main" id="{F211D308-5E06-2B47-FF07-F3EA1020B435}"/>
+              </a:ext>
+            </a:extLst>
+          </p:cNvPr>
+          <p:cNvSpPr/>
+          <p:nvPr/>
+        </p:nvSpPr>
+        <p:spPr>
+          <a:xfrm>
+            <a:off x="7820785" y="2487357"/>
+            <a:ext cx="136177" cy="157109"/>
+          </a:xfrm>
+          <a:prstGeom prst="ellipse">
+            <a:avLst/>
+          </a:prstGeom>
+        </p:spPr>
+        <p:style>
+          <a:lnRef idx="2">
+            <a:schemeClr val="accent1">
+              <a:shade val="15000"/>
+            </a:schemeClr>
+          </a:lnRef>
+          <a:fillRef idx="1">
+            <a:schemeClr val="accent1"/>
+          </a:fillRef>
+          <a:effectRef idx="0">
+            <a:schemeClr val="accent1"/>
+          </a:effectRef>
+          <a:fontRef idx="minor">
+            <a:schemeClr val="lt1"/>
+          </a:fontRef>
+        </p:style>
+        <p:txBody>
+          <a:bodyPr rtlCol="0" anchor="ctr"/>
+          <a:lstStyle/>
+          <a:p>
+            <a:pPr algn="ctr"/>
+            <a:r>
+              <a:rPr lang="en-US" sz="900" dirty="0"/>
+              <a:t>R</a:t>
+            </a:r>
+            <a:endParaRPr lang="en-SG" sz="900" dirty="0"/>
+          </a:p>
+        </p:txBody>
+      </p:sp>
+      <p:sp>
+        <p:nvSpPr>
+          <p:cNvPr id="100" name="Oval 99">
+            <a:extLst>
+              <a:ext uri="{FF2B5EF4-FFF2-40B4-BE49-F238E27FC236}">
+                <a16:creationId xmlns:a16="http://schemas.microsoft.com/office/drawing/2014/main" id="{1BB340DE-3CD7-BD3C-6DB1-FC9678A8B066}"/>
+              </a:ext>
+            </a:extLst>
+          </p:cNvPr>
+          <p:cNvSpPr/>
+          <p:nvPr/>
+        </p:nvSpPr>
+        <p:spPr>
+          <a:xfrm>
+            <a:off x="7828660" y="3902994"/>
+            <a:ext cx="136177" cy="157109"/>
+          </a:xfrm>
+          <a:prstGeom prst="ellipse">
+            <a:avLst/>
+          </a:prstGeom>
+        </p:spPr>
+        <p:style>
+          <a:lnRef idx="2">
+            <a:schemeClr val="accent1">
+              <a:shade val="15000"/>
+            </a:schemeClr>
+          </a:lnRef>
+          <a:fillRef idx="1">
+            <a:schemeClr val="accent1"/>
+          </a:fillRef>
+          <a:effectRef idx="0">
+            <a:schemeClr val="accent1"/>
+          </a:effectRef>
+          <a:fontRef idx="minor">
+            <a:schemeClr val="lt1"/>
+          </a:fontRef>
+        </p:style>
+        <p:txBody>
+          <a:bodyPr rtlCol="0" anchor="ctr"/>
+          <a:lstStyle/>
+          <a:p>
+            <a:pPr algn="ctr"/>
+            <a:r>
+              <a:rPr lang="en-US" sz="900" dirty="0"/>
+              <a:t>R</a:t>
+            </a:r>
+            <a:endParaRPr lang="en-SG" sz="900" dirty="0"/>
+          </a:p>
+        </p:txBody>
+      </p:sp>
+      <p:sp>
+        <p:nvSpPr>
+          <p:cNvPr id="103" name="Oval 102">
+            <a:extLst>
+              <a:ext uri="{FF2B5EF4-FFF2-40B4-BE49-F238E27FC236}">
+                <a16:creationId xmlns:a16="http://schemas.microsoft.com/office/drawing/2014/main" id="{4C43D2B5-F9E4-007E-2E7D-EE5C13DBDC0E}"/>
+              </a:ext>
+            </a:extLst>
+          </p:cNvPr>
+          <p:cNvSpPr/>
+          <p:nvPr/>
+        </p:nvSpPr>
+        <p:spPr>
+          <a:xfrm>
+            <a:off x="7861425" y="5254506"/>
+            <a:ext cx="136177" cy="157109"/>
+          </a:xfrm>
+          <a:prstGeom prst="ellipse">
+            <a:avLst/>
+          </a:prstGeom>
+        </p:spPr>
+        <p:style>
+          <a:lnRef idx="2">
+            <a:schemeClr val="accent1">
+              <a:shade val="15000"/>
+            </a:schemeClr>
+          </a:lnRef>
+          <a:fillRef idx="1">
+            <a:schemeClr val="accent1"/>
+          </a:fillRef>
+          <a:effectRef idx="0">
+            <a:schemeClr val="accent1"/>
+          </a:effectRef>
+          <a:fontRef idx="minor">
+            <a:schemeClr val="lt1"/>
+          </a:fontRef>
+        </p:style>
+        <p:txBody>
+          <a:bodyPr rtlCol="0" anchor="ctr"/>
+          <a:lstStyle/>
+          <a:p>
+            <a:pPr algn="ctr"/>
+            <a:r>
+              <a:rPr lang="en-US" sz="900" dirty="0"/>
+              <a:t>R</a:t>
+            </a:r>
+            <a:endParaRPr lang="en-SG" sz="900" dirty="0"/>
+          </a:p>
+        </p:txBody>
+      </p:sp>
+      <p:sp>
+        <p:nvSpPr>
+          <p:cNvPr id="105" name="Oval 104">
+            <a:extLst>
+              <a:ext uri="{FF2B5EF4-FFF2-40B4-BE49-F238E27FC236}">
+                <a16:creationId xmlns:a16="http://schemas.microsoft.com/office/drawing/2014/main" id="{65E697B1-BA54-7CBC-AF05-A9D03D5E3B86}"/>
+              </a:ext>
+            </a:extLst>
+          </p:cNvPr>
+          <p:cNvSpPr/>
+          <p:nvPr/>
+        </p:nvSpPr>
+        <p:spPr>
+          <a:xfrm>
+            <a:off x="9268890" y="2353771"/>
+            <a:ext cx="136177" cy="157109"/>
+          </a:xfrm>
+          <a:prstGeom prst="ellipse">
+            <a:avLst/>
+          </a:prstGeom>
+        </p:spPr>
+        <p:style>
+          <a:lnRef idx="2">
+            <a:schemeClr val="accent1">
+              <a:shade val="15000"/>
+            </a:schemeClr>
+          </a:lnRef>
+          <a:fillRef idx="1">
+            <a:schemeClr val="accent1"/>
+          </a:fillRef>
+          <a:effectRef idx="0">
+            <a:schemeClr val="accent1"/>
+          </a:effectRef>
+          <a:fontRef idx="minor">
+            <a:schemeClr val="lt1"/>
+          </a:fontRef>
+        </p:style>
+        <p:txBody>
+          <a:bodyPr rtlCol="0" anchor="ctr"/>
+          <a:lstStyle/>
+          <a:p>
+            <a:pPr algn="ctr"/>
+            <a:r>
+              <a:rPr lang="en-US" sz="900" dirty="0"/>
+              <a:t>R</a:t>
+            </a:r>
+            <a:endParaRPr lang="en-SG" sz="900" dirty="0"/>
+          </a:p>
+        </p:txBody>
+      </p:sp>
+      <p:sp>
+        <p:nvSpPr>
+          <p:cNvPr id="106" name="Oval 105">
+            <a:extLst>
+              <a:ext uri="{FF2B5EF4-FFF2-40B4-BE49-F238E27FC236}">
+                <a16:creationId xmlns:a16="http://schemas.microsoft.com/office/drawing/2014/main" id="{18152FFA-90D9-0661-EE70-FD1444A80894}"/>
+              </a:ext>
+            </a:extLst>
+          </p:cNvPr>
+          <p:cNvSpPr/>
+          <p:nvPr/>
+        </p:nvSpPr>
+        <p:spPr>
+          <a:xfrm>
+            <a:off x="9304234" y="3870110"/>
+            <a:ext cx="136177" cy="157109"/>
+          </a:xfrm>
+          <a:prstGeom prst="ellipse">
+            <a:avLst/>
+          </a:prstGeom>
+        </p:spPr>
+        <p:style>
+          <a:lnRef idx="2">
+            <a:schemeClr val="accent1">
+              <a:shade val="15000"/>
+            </a:schemeClr>
+          </a:lnRef>
+          <a:fillRef idx="1">
+            <a:schemeClr val="accent1"/>
+          </a:fillRef>
+          <a:effectRef idx="0">
+            <a:schemeClr val="accent1"/>
+          </a:effectRef>
+          <a:fontRef idx="minor">
+            <a:schemeClr val="lt1"/>
+          </a:fontRef>
+        </p:style>
+        <p:txBody>
+          <a:bodyPr rtlCol="0" anchor="ctr"/>
+          <a:lstStyle/>
+          <a:p>
+            <a:pPr algn="ctr"/>
+            <a:r>
+              <a:rPr lang="en-US" sz="900" dirty="0"/>
+              <a:t>R</a:t>
+            </a:r>
+            <a:endParaRPr lang="en-SG" sz="900" dirty="0"/>
+          </a:p>
+        </p:txBody>
+      </p:sp>
+      <p:sp>
+        <p:nvSpPr>
+          <p:cNvPr id="108" name="Oval 107">
+            <a:extLst>
+              <a:ext uri="{FF2B5EF4-FFF2-40B4-BE49-F238E27FC236}">
+                <a16:creationId xmlns:a16="http://schemas.microsoft.com/office/drawing/2014/main" id="{E5501FF4-FD49-BE86-C1F0-FAA3290FDB93}"/>
+              </a:ext>
+            </a:extLst>
+          </p:cNvPr>
+          <p:cNvSpPr/>
+          <p:nvPr/>
+        </p:nvSpPr>
+        <p:spPr>
+          <a:xfrm>
+            <a:off x="9259570" y="5308755"/>
+            <a:ext cx="136177" cy="157109"/>
+          </a:xfrm>
+          <a:prstGeom prst="ellipse">
+            <a:avLst/>
+          </a:prstGeom>
+        </p:spPr>
+        <p:style>
+          <a:lnRef idx="2">
+            <a:schemeClr val="accent1">
+              <a:shade val="15000"/>
+            </a:schemeClr>
+          </a:lnRef>
+          <a:fillRef idx="1">
+            <a:schemeClr val="accent1"/>
+          </a:fillRef>
+          <a:effectRef idx="0">
+            <a:schemeClr val="accent1"/>
+          </a:effectRef>
+          <a:fontRef idx="minor">
+            <a:schemeClr val="lt1"/>
+          </a:fontRef>
+        </p:style>
+        <p:txBody>
+          <a:bodyPr rtlCol="0" anchor="ctr"/>
+          <a:lstStyle/>
+          <a:p>
+            <a:pPr algn="ctr"/>
+            <a:r>
+              <a:rPr lang="en-US" sz="900" dirty="0"/>
+              <a:t>R</a:t>
+            </a:r>
+            <a:endParaRPr lang="en-SG" sz="900" dirty="0"/>
+          </a:p>
+        </p:txBody>
+      </p:sp>
+      <p:sp>
+        <p:nvSpPr>
+          <p:cNvPr id="111" name="Oval 110">
+            <a:extLst>
+              <a:ext uri="{FF2B5EF4-FFF2-40B4-BE49-F238E27FC236}">
+                <a16:creationId xmlns:a16="http://schemas.microsoft.com/office/drawing/2014/main" id="{A15DC1CF-B18A-DFFA-A6B5-A97F190114B5}"/>
+              </a:ext>
+            </a:extLst>
+          </p:cNvPr>
+          <p:cNvSpPr/>
+          <p:nvPr/>
+        </p:nvSpPr>
+        <p:spPr>
+          <a:xfrm>
+            <a:off x="9083140" y="551737"/>
+            <a:ext cx="136177" cy="157109"/>
+          </a:xfrm>
+          <a:prstGeom prst="ellipse">
+            <a:avLst/>
+          </a:prstGeom>
+          <a:solidFill>
+            <a:schemeClr val="accent6">
+              <a:lumMod val="75000"/>
+            </a:schemeClr>
+          </a:solidFill>
+        </p:spPr>
+        <p:style>
+          <a:lnRef idx="2">
+            <a:schemeClr val="accent1">
+              <a:shade val="15000"/>
+            </a:schemeClr>
+          </a:lnRef>
+          <a:fillRef idx="1">
+            <a:schemeClr val="accent1"/>
+          </a:fillRef>
+          <a:effectRef idx="0">
+            <a:schemeClr val="accent1"/>
+          </a:effectRef>
+          <a:fontRef idx="minor">
+            <a:schemeClr val="lt1"/>
+          </a:fontRef>
+        </p:style>
+        <p:txBody>
+          <a:bodyPr rtlCol="0" anchor="ctr"/>
+          <a:lstStyle/>
+          <a:p>
+            <a:pPr algn="ctr"/>
+            <a:r>
+              <a:rPr lang="en-US" sz="900" dirty="0"/>
+              <a:t>P</a:t>
+            </a:r>
+            <a:endParaRPr lang="en-SG" sz="900" dirty="0"/>
+          </a:p>
+        </p:txBody>
+      </p:sp>
+      <p:sp>
+        <p:nvSpPr>
+          <p:cNvPr id="112" name="TextBox 111">
+            <a:extLst>
+              <a:ext uri="{FF2B5EF4-FFF2-40B4-BE49-F238E27FC236}">
+                <a16:creationId xmlns:a16="http://schemas.microsoft.com/office/drawing/2014/main" id="{B154CD43-9DF4-1112-789C-EB52EBEE064D}"/>
+              </a:ext>
+            </a:extLst>
+          </p:cNvPr>
+          <p:cNvSpPr txBox="1"/>
+          <p:nvPr/>
+        </p:nvSpPr>
+        <p:spPr>
+          <a:xfrm>
+            <a:off x="9334314" y="430751"/>
+            <a:ext cx="1784132" cy="430887"/>
+          </a:xfrm>
+          <a:prstGeom prst="rect">
+            <a:avLst/>
+          </a:prstGeom>
+          <a:noFill/>
+        </p:spPr>
+        <p:txBody>
+          <a:bodyPr wrap="square" rtlCol="0">
+            <a:spAutoFit/>
+          </a:bodyPr>
+          <a:lstStyle/>
+          <a:p>
+            <a:r>
+              <a:rPr lang="en-US" sz="1100" b="1" dirty="0"/>
+              <a:t>PLC Connection and Control Point</a:t>
+            </a:r>
+            <a:endParaRPr lang="en-SG" sz="1100" b="1" dirty="0"/>
+          </a:p>
+        </p:txBody>
+      </p:sp>
+      <p:sp>
+        <p:nvSpPr>
+          <p:cNvPr id="114" name="Oval 113">
+            <a:extLst>
+              <a:ext uri="{FF2B5EF4-FFF2-40B4-BE49-F238E27FC236}">
+                <a16:creationId xmlns:a16="http://schemas.microsoft.com/office/drawing/2014/main" id="{03C805E0-8504-D0CA-D656-32B9AAB899E0}"/>
+              </a:ext>
+            </a:extLst>
+          </p:cNvPr>
+          <p:cNvSpPr/>
+          <p:nvPr/>
+        </p:nvSpPr>
+        <p:spPr>
+          <a:xfrm>
+            <a:off x="9082083" y="992025"/>
+            <a:ext cx="136177" cy="157109"/>
+          </a:xfrm>
+          <a:prstGeom prst="ellipse">
+            <a:avLst/>
+          </a:prstGeom>
+        </p:spPr>
+        <p:style>
+          <a:lnRef idx="2">
+            <a:schemeClr val="accent1">
+              <a:shade val="15000"/>
+            </a:schemeClr>
+          </a:lnRef>
+          <a:fillRef idx="1">
+            <a:schemeClr val="accent1"/>
+          </a:fillRef>
+          <a:effectRef idx="0">
+            <a:schemeClr val="accent1"/>
+          </a:effectRef>
+          <a:fontRef idx="minor">
+            <a:schemeClr val="lt1"/>
+          </a:fontRef>
+        </p:style>
+        <p:txBody>
+          <a:bodyPr rtlCol="0" anchor="ctr"/>
+          <a:lstStyle/>
+          <a:p>
+            <a:pPr algn="ctr"/>
+            <a:r>
+              <a:rPr lang="en-US" sz="900" dirty="0"/>
+              <a:t>R</a:t>
+            </a:r>
+            <a:endParaRPr lang="en-SG" sz="900" dirty="0"/>
+          </a:p>
+        </p:txBody>
+      </p:sp>
+      <p:sp>
+        <p:nvSpPr>
+          <p:cNvPr id="115" name="TextBox 114">
+            <a:extLst>
+              <a:ext uri="{FF2B5EF4-FFF2-40B4-BE49-F238E27FC236}">
+                <a16:creationId xmlns:a16="http://schemas.microsoft.com/office/drawing/2014/main" id="{80B88AED-CC66-17EB-3A0C-91A8F6377CA3}"/>
+              </a:ext>
+            </a:extLst>
+          </p:cNvPr>
+          <p:cNvSpPr txBox="1"/>
+          <p:nvPr/>
+        </p:nvSpPr>
+        <p:spPr>
+          <a:xfrm>
+            <a:off x="9368830" y="901907"/>
+            <a:ext cx="1418461" cy="430887"/>
+          </a:xfrm>
+          <a:prstGeom prst="rect">
+            <a:avLst/>
+          </a:prstGeom>
+          <a:noFill/>
+        </p:spPr>
+        <p:txBody>
+          <a:bodyPr wrap="square" rtlCol="0">
+            <a:spAutoFit/>
+          </a:bodyPr>
+          <a:lstStyle/>
+          <a:p>
+            <a:r>
+              <a:rPr lang="en-US" sz="1100" b="1" dirty="0"/>
+              <a:t>RTU Monitoring Point</a:t>
+            </a:r>
+            <a:endParaRPr lang="en-SG" sz="1100" b="1" dirty="0"/>
+          </a:p>
+        </p:txBody>
+      </p:sp>
+      <p:sp>
+        <p:nvSpPr>
+          <p:cNvPr id="117" name="TextBox 116">
+            <a:extLst>
+              <a:ext uri="{FF2B5EF4-FFF2-40B4-BE49-F238E27FC236}">
+                <a16:creationId xmlns:a16="http://schemas.microsoft.com/office/drawing/2014/main" id="{4BA56E06-333B-213F-04A4-86B66AF1E8E6}"/>
+              </a:ext>
+            </a:extLst>
+          </p:cNvPr>
+          <p:cNvSpPr txBox="1"/>
+          <p:nvPr/>
+        </p:nvSpPr>
+        <p:spPr>
+          <a:xfrm>
+            <a:off x="42717" y="1451057"/>
+            <a:ext cx="1126879" cy="461665"/>
+          </a:xfrm>
+          <a:prstGeom prst="rect">
+            <a:avLst/>
+          </a:prstGeom>
+          <a:noFill/>
+        </p:spPr>
+        <p:txBody>
+          <a:bodyPr wrap="square" rtlCol="0">
+            <a:spAutoFit/>
+          </a:bodyPr>
+          <a:lstStyle/>
+          <a:p>
+            <a:r>
+              <a:rPr lang="en-US" sz="1200" b="1" dirty="0">
+                <a:solidFill>
+                  <a:schemeClr val="accent1">
+                    <a:lumMod val="75000"/>
+                  </a:schemeClr>
+                </a:solidFill>
+              </a:rPr>
+              <a:t>Google whether API</a:t>
+            </a:r>
+            <a:endParaRPr lang="en-SG" sz="1200" b="1" dirty="0">
+              <a:solidFill>
+                <a:schemeClr val="accent1">
+                  <a:lumMod val="75000"/>
+                </a:schemeClr>
+              </a:solidFill>
+            </a:endParaRPr>
+          </a:p>
+        </p:txBody>
+      </p:sp>
+      <p:pic>
+        <p:nvPicPr>
+          <p:cNvPr id="124" name="Picture 123">
+            <a:extLst>
+              <a:ext uri="{FF2B5EF4-FFF2-40B4-BE49-F238E27FC236}">
+                <a16:creationId xmlns:a16="http://schemas.microsoft.com/office/drawing/2014/main" id="{7DA38DF2-2EF8-2F26-4FE3-18E1AB28FF18}"/>
+              </a:ext>
+            </a:extLst>
+          </p:cNvPr>
+          <p:cNvPicPr>
+            <a:picLocks noChangeAspect="1"/>
+          </p:cNvPicPr>
+          <p:nvPr/>
+        </p:nvPicPr>
+        <p:blipFill>
+          <a:blip r:embed="rId14"/>
+          <a:stretch>
+            <a:fillRect/>
+          </a:stretch>
+        </p:blipFill>
+        <p:spPr>
+          <a:xfrm>
+            <a:off x="180911" y="992025"/>
+            <a:ext cx="578069" cy="460378"/>
+          </a:xfrm>
+          <a:prstGeom prst="rect">
+            <a:avLst/>
+          </a:prstGeom>
+        </p:spPr>
+      </p:pic>
+      <p:cxnSp>
+        <p:nvCxnSpPr>
+          <p:cNvPr id="129" name="Straight Arrow Connector 128">
+            <a:extLst>
+              <a:ext uri="{FF2B5EF4-FFF2-40B4-BE49-F238E27FC236}">
+                <a16:creationId xmlns:a16="http://schemas.microsoft.com/office/drawing/2014/main" id="{3004F007-8538-DD54-9966-3CFD230AF15A}"/>
+              </a:ext>
+            </a:extLst>
+          </p:cNvPr>
+          <p:cNvCxnSpPr>
+            <a:cxnSpLocks/>
+          </p:cNvCxnSpPr>
+          <p:nvPr/>
+        </p:nvCxnSpPr>
+        <p:spPr>
+          <a:xfrm flipV="1">
+            <a:off x="751418" y="1105611"/>
+            <a:ext cx="335501" cy="0"/>
+          </a:xfrm>
+          <a:prstGeom prst="straightConnector1">
+            <a:avLst/>
+          </a:prstGeom>
+          <a:ln>
+            <a:tailEnd type="triangle"/>
+          </a:ln>
+        </p:spPr>
+        <p:style>
+          <a:lnRef idx="2">
+            <a:schemeClr val="accent1"/>
+          </a:lnRef>
+          <a:fillRef idx="0">
+            <a:schemeClr val="accent1"/>
+          </a:fillRef>
+          <a:effectRef idx="1">
+            <a:schemeClr val="accent1"/>
+          </a:effectRef>
+          <a:fontRef idx="minor">
+            <a:schemeClr val="tx1"/>
+          </a:fontRef>
+        </p:style>
+      </p:cxnSp>
+      <p:cxnSp>
+        <p:nvCxnSpPr>
+          <p:cNvPr id="130" name="Straight Arrow Connector 129">
+            <a:extLst>
+              <a:ext uri="{FF2B5EF4-FFF2-40B4-BE49-F238E27FC236}">
+                <a16:creationId xmlns:a16="http://schemas.microsoft.com/office/drawing/2014/main" id="{1766D63D-F1BE-3AE4-25D4-14CEF814BA8A}"/>
+              </a:ext>
+            </a:extLst>
+          </p:cNvPr>
+          <p:cNvCxnSpPr>
+            <a:cxnSpLocks/>
+            <a:endCxn id="21" idx="1"/>
+          </p:cNvCxnSpPr>
+          <p:nvPr/>
+        </p:nvCxnSpPr>
+        <p:spPr>
+          <a:xfrm flipV="1">
+            <a:off x="751418" y="1286990"/>
+            <a:ext cx="1492551" cy="0"/>
+          </a:xfrm>
+          <a:prstGeom prst="straightConnector1">
+            <a:avLst/>
+          </a:prstGeom>
+          <a:ln>
+            <a:tailEnd type="triangle"/>
+          </a:ln>
+        </p:spPr>
+        <p:style>
+          <a:lnRef idx="2">
+            <a:schemeClr val="accent1"/>
+          </a:lnRef>
+          <a:fillRef idx="0">
+            <a:schemeClr val="accent1"/>
+          </a:fillRef>
+          <a:effectRef idx="1">
+            <a:schemeClr val="accent1"/>
+          </a:effectRef>
+          <a:fontRef idx="minor">
+            <a:schemeClr val="tx1"/>
+          </a:fontRef>
+        </p:style>
+      </p:cxnSp>
+      <p:pic>
+        <p:nvPicPr>
+          <p:cNvPr id="18" name="Picture 17">
+            <a:extLst>
+              <a:ext uri="{FF2B5EF4-FFF2-40B4-BE49-F238E27FC236}">
+                <a16:creationId xmlns:a16="http://schemas.microsoft.com/office/drawing/2014/main" id="{C3A99BF0-6FD2-6AEC-4895-DCAAEFA7DA0E}"/>
+              </a:ext>
+            </a:extLst>
+          </p:cNvPr>
+          <p:cNvPicPr>
+            <a:picLocks noChangeAspect="1"/>
+          </p:cNvPicPr>
+          <p:nvPr/>
+        </p:nvPicPr>
+        <p:blipFill>
+          <a:blip r:embed="rId15"/>
+          <a:stretch>
+            <a:fillRect/>
+          </a:stretch>
+        </p:blipFill>
+        <p:spPr>
+          <a:xfrm>
+            <a:off x="1094481" y="926205"/>
+            <a:ext cx="747676" cy="729440"/>
+          </a:xfrm>
+          <a:prstGeom prst="rect">
+            <a:avLst/>
+          </a:prstGeom>
+          <a:ln w="6350">
+            <a:solidFill>
+              <a:schemeClr val="tx1"/>
+            </a:solidFill>
+          </a:ln>
+        </p:spPr>
+      </p:pic>
+      <p:sp>
+        <p:nvSpPr>
+          <p:cNvPr id="60" name="Oval 59">
+            <a:extLst>
+              <a:ext uri="{FF2B5EF4-FFF2-40B4-BE49-F238E27FC236}">
+                <a16:creationId xmlns:a16="http://schemas.microsoft.com/office/drawing/2014/main" id="{0BAAAA52-C369-61AE-923F-DA30BEAB3E86}"/>
+              </a:ext>
+            </a:extLst>
+          </p:cNvPr>
+          <p:cNvSpPr/>
+          <p:nvPr/>
+        </p:nvSpPr>
+        <p:spPr>
+          <a:xfrm>
+            <a:off x="1767422" y="1565026"/>
+            <a:ext cx="136177" cy="157109"/>
+          </a:xfrm>
+          <a:prstGeom prst="ellipse">
+            <a:avLst/>
+          </a:prstGeom>
+        </p:spPr>
+        <p:style>
+          <a:lnRef idx="2">
+            <a:schemeClr val="accent1">
+              <a:shade val="15000"/>
+            </a:schemeClr>
+          </a:lnRef>
+          <a:fillRef idx="1">
+            <a:schemeClr val="accent1"/>
+          </a:fillRef>
+          <a:effectRef idx="0">
+            <a:schemeClr val="accent1"/>
+          </a:effectRef>
+          <a:fontRef idx="minor">
+            <a:schemeClr val="lt1"/>
+          </a:fontRef>
+        </p:style>
+        <p:txBody>
+          <a:bodyPr rtlCol="0" anchor="ctr"/>
+          <a:lstStyle/>
+          <a:p>
+            <a:pPr algn="ctr"/>
+            <a:r>
+              <a:rPr lang="en-US" sz="900" dirty="0"/>
+              <a:t>R</a:t>
+            </a:r>
+            <a:endParaRPr lang="en-SG" sz="900" dirty="0"/>
           </a:p>
         </p:txBody>
       </p:sp>
     </p:spTree>
     <p:extLst>
       <p:ext uri="{BB962C8B-B14F-4D97-AF65-F5344CB8AC3E}">
-        <p14:creationId xmlns:p14="http://schemas.microsoft.com/office/powerpoint/2010/main" val="4194442898"/>
+        <p14:creationId xmlns:p14="http://schemas.microsoft.com/office/powerpoint/2010/main" val="3586541459"/>
       </p:ext>
     </p:extLst>
   </p:cSld>

--- a/designDoc/designDoc.pptx
+++ b/designDoc/designDoc.pptx
@@ -13557,7 +13557,7 @@
                   </a:schemeClr>
                 </a:solidFill>
               </a:rPr>
-              <a:t>Google whether API</a:t>
+              <a:t>Google weather API</a:t>
             </a:r>
             <a:endParaRPr lang="en-SG" sz="1200" b="1" dirty="0">
               <a:solidFill>

--- a/designDoc/designDoc.pptx
+++ b/designDoc/designDoc.pptx
@@ -7,6 +7,7 @@
   <p:sldIdLst>
     <p:sldId id="256" r:id="rId2"/>
     <p:sldId id="257" r:id="rId3"/>
+    <p:sldId id="258" r:id="rId4"/>
   </p:sldIdLst>
   <p:sldSz cx="12192000" cy="6858000"/>
   <p:notesSz cx="6858000" cy="9144000"/>
@@ -262,7 +263,7 @@
           <a:p>
             <a:fld id="{DAB0784D-3A10-485A-BA3A-AF2134252110}" type="datetimeFigureOut">
               <a:rPr lang="en-SG" smtClean="0"/>
-              <a:t>17/4/2024</a:t>
+              <a:t>3/9/2024</a:t>
             </a:fld>
             <a:endParaRPr lang="en-SG"/>
           </a:p>
@@ -462,7 +463,7 @@
           <a:p>
             <a:fld id="{DAB0784D-3A10-485A-BA3A-AF2134252110}" type="datetimeFigureOut">
               <a:rPr lang="en-SG" smtClean="0"/>
-              <a:t>17/4/2024</a:t>
+              <a:t>3/9/2024</a:t>
             </a:fld>
             <a:endParaRPr lang="en-SG"/>
           </a:p>
@@ -672,7 +673,7 @@
           <a:p>
             <a:fld id="{DAB0784D-3A10-485A-BA3A-AF2134252110}" type="datetimeFigureOut">
               <a:rPr lang="en-SG" smtClean="0"/>
-              <a:t>17/4/2024</a:t>
+              <a:t>3/9/2024</a:t>
             </a:fld>
             <a:endParaRPr lang="en-SG"/>
           </a:p>
@@ -872,7 +873,7 @@
           <a:p>
             <a:fld id="{DAB0784D-3A10-485A-BA3A-AF2134252110}" type="datetimeFigureOut">
               <a:rPr lang="en-SG" smtClean="0"/>
-              <a:t>17/4/2024</a:t>
+              <a:t>3/9/2024</a:t>
             </a:fld>
             <a:endParaRPr lang="en-SG"/>
           </a:p>
@@ -1148,7 +1149,7 @@
           <a:p>
             <a:fld id="{DAB0784D-3A10-485A-BA3A-AF2134252110}" type="datetimeFigureOut">
               <a:rPr lang="en-SG" smtClean="0"/>
-              <a:t>17/4/2024</a:t>
+              <a:t>3/9/2024</a:t>
             </a:fld>
             <a:endParaRPr lang="en-SG"/>
           </a:p>
@@ -1416,7 +1417,7 @@
           <a:p>
             <a:fld id="{DAB0784D-3A10-485A-BA3A-AF2134252110}" type="datetimeFigureOut">
               <a:rPr lang="en-SG" smtClean="0"/>
-              <a:t>17/4/2024</a:t>
+              <a:t>3/9/2024</a:t>
             </a:fld>
             <a:endParaRPr lang="en-SG"/>
           </a:p>
@@ -1831,7 +1832,7 @@
           <a:p>
             <a:fld id="{DAB0784D-3A10-485A-BA3A-AF2134252110}" type="datetimeFigureOut">
               <a:rPr lang="en-SG" smtClean="0"/>
-              <a:t>17/4/2024</a:t>
+              <a:t>3/9/2024</a:t>
             </a:fld>
             <a:endParaRPr lang="en-SG"/>
           </a:p>
@@ -1973,7 +1974,7 @@
           <a:p>
             <a:fld id="{DAB0784D-3A10-485A-BA3A-AF2134252110}" type="datetimeFigureOut">
               <a:rPr lang="en-SG" smtClean="0"/>
-              <a:t>17/4/2024</a:t>
+              <a:t>3/9/2024</a:t>
             </a:fld>
             <a:endParaRPr lang="en-SG"/>
           </a:p>
@@ -2086,7 +2087,7 @@
           <a:p>
             <a:fld id="{DAB0784D-3A10-485A-BA3A-AF2134252110}" type="datetimeFigureOut">
               <a:rPr lang="en-SG" smtClean="0"/>
-              <a:t>17/4/2024</a:t>
+              <a:t>3/9/2024</a:t>
             </a:fld>
             <a:endParaRPr lang="en-SG"/>
           </a:p>
@@ -2399,7 +2400,7 @@
           <a:p>
             <a:fld id="{DAB0784D-3A10-485A-BA3A-AF2134252110}" type="datetimeFigureOut">
               <a:rPr lang="en-SG" smtClean="0"/>
-              <a:t>17/4/2024</a:t>
+              <a:t>3/9/2024</a:t>
             </a:fld>
             <a:endParaRPr lang="en-SG"/>
           </a:p>
@@ -2688,7 +2689,7 @@
           <a:p>
             <a:fld id="{DAB0784D-3A10-485A-BA3A-AF2134252110}" type="datetimeFigureOut">
               <a:rPr lang="en-SG" smtClean="0"/>
-              <a:t>17/4/2024</a:t>
+              <a:t>3/9/2024</a:t>
             </a:fld>
             <a:endParaRPr lang="en-SG"/>
           </a:p>
@@ -2931,7 +2932,7 @@
           <a:p>
             <a:fld id="{DAB0784D-3A10-485A-BA3A-AF2134252110}" type="datetimeFigureOut">
               <a:rPr lang="en-SG" smtClean="0"/>
-              <a:t>17/4/2024</a:t>
+              <a:t>3/9/2024</a:t>
             </a:fld>
             <a:endParaRPr lang="en-SG"/>
           </a:p>
@@ -13771,6 +13772,325 @@
     <p:extLst>
       <p:ext uri="{BB962C8B-B14F-4D97-AF65-F5344CB8AC3E}">
         <p14:creationId xmlns:p14="http://schemas.microsoft.com/office/powerpoint/2010/main" val="3586541459"/>
+      </p:ext>
+    </p:extLst>
+  </p:cSld>
+  <p:clrMapOvr>
+    <a:masterClrMapping/>
+  </p:clrMapOvr>
+</p:sld>
+</file>
+
+<file path=ppt/slides/slide3.xml><?xml version="1.0" encoding="utf-8"?>
+<p:sld xmlns:a="http://schemas.openxmlformats.org/drawingml/2006/main" xmlns:r="http://schemas.openxmlformats.org/officeDocument/2006/relationships" xmlns:p="http://schemas.openxmlformats.org/presentationml/2006/main">
+  <p:cSld>
+    <p:spTree>
+      <p:nvGrpSpPr>
+        <p:cNvPr id="1" name=""/>
+        <p:cNvGrpSpPr/>
+        <p:nvPr/>
+      </p:nvGrpSpPr>
+      <p:grpSpPr>
+        <a:xfrm>
+          <a:off x="0" y="0"/>
+          <a:ext cx="0" cy="0"/>
+          <a:chOff x="0" y="0"/>
+          <a:chExt cx="0" cy="0"/>
+        </a:xfrm>
+      </p:grpSpPr>
+      <p:pic>
+        <p:nvPicPr>
+          <p:cNvPr id="1026" name="Picture 2" descr="Electric tower, electric transmission, electricity tower, power tower, transmission  tower icon - Download on Iconfinder">
+            <a:extLst>
+              <a:ext uri="{FF2B5EF4-FFF2-40B4-BE49-F238E27FC236}">
+                <a16:creationId xmlns:a16="http://schemas.microsoft.com/office/drawing/2014/main" id="{72A1D150-1D01-6953-2362-0D23D5F2EC15}"/>
+              </a:ext>
+            </a:extLst>
+          </p:cNvPr>
+          <p:cNvPicPr>
+            <a:picLocks noChangeAspect="1" noChangeArrowheads="1"/>
+          </p:cNvPicPr>
+          <p:nvPr/>
+        </p:nvPicPr>
+        <p:blipFill>
+          <a:blip r:embed="rId2">
+            <a:extLst>
+              <a:ext uri="{28A0092B-C50C-407E-A947-70E740481C1C}">
+                <a14:useLocalDpi xmlns:a14="http://schemas.microsoft.com/office/drawing/2010/main" val="0"/>
+              </a:ext>
+            </a:extLst>
+          </a:blip>
+          <a:srcRect/>
+          <a:stretch>
+            <a:fillRect/>
+          </a:stretch>
+        </p:blipFill>
+        <p:spPr bwMode="auto">
+          <a:xfrm>
+            <a:off x="1626741" y="1103612"/>
+            <a:ext cx="1797977" cy="1797977"/>
+          </a:xfrm>
+          <a:prstGeom prst="rect">
+            <a:avLst/>
+          </a:prstGeom>
+          <a:noFill/>
+          <a:extLst>
+            <a:ext uri="{909E8E84-426E-40DD-AFC4-6F175D3DCCD1}">
+              <a14:hiddenFill xmlns:a14="http://schemas.microsoft.com/office/drawing/2010/main">
+                <a:solidFill>
+                  <a:srgbClr val="FFFFFF"/>
+                </a:solidFill>
+              </a14:hiddenFill>
+            </a:ext>
+          </a:extLst>
+        </p:spPr>
+      </p:pic>
+      <p:pic>
+        <p:nvPicPr>
+          <p:cNvPr id="4" name="Picture 2" descr="Electric tower, electric transmission, electricity tower, power tower, transmission  tower icon - Download on Iconfinder">
+            <a:extLst>
+              <a:ext uri="{FF2B5EF4-FFF2-40B4-BE49-F238E27FC236}">
+                <a16:creationId xmlns:a16="http://schemas.microsoft.com/office/drawing/2014/main" id="{AA39C55E-8537-678E-B4FE-C1697269AF69}"/>
+              </a:ext>
+            </a:extLst>
+          </p:cNvPr>
+          <p:cNvPicPr>
+            <a:picLocks noChangeAspect="1" noChangeArrowheads="1"/>
+          </p:cNvPicPr>
+          <p:nvPr/>
+        </p:nvPicPr>
+        <p:blipFill>
+          <a:blip r:embed="rId2">
+            <a:extLst>
+              <a:ext uri="{28A0092B-C50C-407E-A947-70E740481C1C}">
+                <a14:useLocalDpi xmlns:a14="http://schemas.microsoft.com/office/drawing/2010/main" val="0"/>
+              </a:ext>
+            </a:extLst>
+          </a:blip>
+          <a:srcRect/>
+          <a:stretch>
+            <a:fillRect/>
+          </a:stretch>
+        </p:blipFill>
+        <p:spPr bwMode="auto">
+          <a:xfrm>
+            <a:off x="4332269" y="1103614"/>
+            <a:ext cx="1797977" cy="1797977"/>
+          </a:xfrm>
+          <a:prstGeom prst="rect">
+            <a:avLst/>
+          </a:prstGeom>
+          <a:noFill/>
+          <a:extLst>
+            <a:ext uri="{909E8E84-426E-40DD-AFC4-6F175D3DCCD1}">
+              <a14:hiddenFill xmlns:a14="http://schemas.microsoft.com/office/drawing/2010/main">
+                <a:solidFill>
+                  <a:srgbClr val="FFFFFF"/>
+                </a:solidFill>
+              </a14:hiddenFill>
+            </a:ext>
+          </a:extLst>
+        </p:spPr>
+      </p:pic>
+      <p:pic>
+        <p:nvPicPr>
+          <p:cNvPr id="5" name="Picture 2" descr="Electric tower, electric transmission, electricity tower, power tower, transmission  tower icon - Download on Iconfinder">
+            <a:extLst>
+              <a:ext uri="{FF2B5EF4-FFF2-40B4-BE49-F238E27FC236}">
+                <a16:creationId xmlns:a16="http://schemas.microsoft.com/office/drawing/2014/main" id="{36288537-0FB7-D44C-7FC3-863FFD8A9A19}"/>
+              </a:ext>
+            </a:extLst>
+          </p:cNvPr>
+          <p:cNvPicPr>
+            <a:picLocks noChangeAspect="1" noChangeArrowheads="1"/>
+          </p:cNvPicPr>
+          <p:nvPr/>
+        </p:nvPicPr>
+        <p:blipFill>
+          <a:blip r:embed="rId2">
+            <a:extLst>
+              <a:ext uri="{28A0092B-C50C-407E-A947-70E740481C1C}">
+                <a14:useLocalDpi xmlns:a14="http://schemas.microsoft.com/office/drawing/2010/main" val="0"/>
+              </a:ext>
+            </a:extLst>
+          </a:blip>
+          <a:srcRect/>
+          <a:stretch>
+            <a:fillRect/>
+          </a:stretch>
+        </p:blipFill>
+        <p:spPr bwMode="auto">
+          <a:xfrm>
+            <a:off x="7181635" y="1103613"/>
+            <a:ext cx="1797977" cy="1797977"/>
+          </a:xfrm>
+          <a:prstGeom prst="rect">
+            <a:avLst/>
+          </a:prstGeom>
+          <a:noFill/>
+          <a:extLst>
+            <a:ext uri="{909E8E84-426E-40DD-AFC4-6F175D3DCCD1}">
+              <a14:hiddenFill xmlns:a14="http://schemas.microsoft.com/office/drawing/2010/main">
+                <a:solidFill>
+                  <a:srgbClr val="FFFFFF"/>
+                </a:solidFill>
+              </a14:hiddenFill>
+            </a:ext>
+          </a:extLst>
+        </p:spPr>
+      </p:pic>
+      <p:cxnSp>
+        <p:nvCxnSpPr>
+          <p:cNvPr id="7" name="Straight Connector 6">
+            <a:extLst>
+              <a:ext uri="{FF2B5EF4-FFF2-40B4-BE49-F238E27FC236}">
+                <a16:creationId xmlns:a16="http://schemas.microsoft.com/office/drawing/2014/main" id="{EA52B3CA-C062-BE5E-96B5-DE011F31B68C}"/>
+              </a:ext>
+            </a:extLst>
+          </p:cNvPr>
+          <p:cNvCxnSpPr/>
+          <p:nvPr/>
+        </p:nvCxnSpPr>
+        <p:spPr>
+          <a:xfrm>
+            <a:off x="2239766" y="1479479"/>
+            <a:ext cx="2671281" cy="0"/>
+          </a:xfrm>
+          <a:prstGeom prst="line">
+            <a:avLst/>
+          </a:prstGeom>
+        </p:spPr>
+        <p:style>
+          <a:lnRef idx="2">
+            <a:schemeClr val="accent1"/>
+          </a:lnRef>
+          <a:fillRef idx="0">
+            <a:schemeClr val="accent1"/>
+          </a:fillRef>
+          <a:effectRef idx="1">
+            <a:schemeClr val="accent1"/>
+          </a:effectRef>
+          <a:fontRef idx="minor">
+            <a:schemeClr val="tx1"/>
+          </a:fontRef>
+        </p:style>
+      </p:cxnSp>
+      <p:cxnSp>
+        <p:nvCxnSpPr>
+          <p:cNvPr id="8" name="Straight Connector 7">
+            <a:extLst>
+              <a:ext uri="{FF2B5EF4-FFF2-40B4-BE49-F238E27FC236}">
+                <a16:creationId xmlns:a16="http://schemas.microsoft.com/office/drawing/2014/main" id="{7069D987-1185-952F-2356-8B5D23F1610A}"/>
+              </a:ext>
+            </a:extLst>
+          </p:cNvPr>
+          <p:cNvCxnSpPr>
+            <a:cxnSpLocks/>
+          </p:cNvCxnSpPr>
+          <p:nvPr/>
+        </p:nvCxnSpPr>
+        <p:spPr>
+          <a:xfrm>
+            <a:off x="5012077" y="1479479"/>
+            <a:ext cx="2734638" cy="0"/>
+          </a:xfrm>
+          <a:prstGeom prst="line">
+            <a:avLst/>
+          </a:prstGeom>
+        </p:spPr>
+        <p:style>
+          <a:lnRef idx="2">
+            <a:schemeClr val="accent1"/>
+          </a:lnRef>
+          <a:fillRef idx="0">
+            <a:schemeClr val="accent1"/>
+          </a:fillRef>
+          <a:effectRef idx="1">
+            <a:schemeClr val="accent1"/>
+          </a:effectRef>
+          <a:fontRef idx="minor">
+            <a:schemeClr val="tx1"/>
+          </a:fontRef>
+        </p:style>
+      </p:cxnSp>
+      <p:cxnSp>
+        <p:nvCxnSpPr>
+          <p:cNvPr id="10" name="Straight Connector 9">
+            <a:extLst>
+              <a:ext uri="{FF2B5EF4-FFF2-40B4-BE49-F238E27FC236}">
+                <a16:creationId xmlns:a16="http://schemas.microsoft.com/office/drawing/2014/main" id="{27161306-ACE0-48A7-6924-7FA755B787F4}"/>
+              </a:ext>
+            </a:extLst>
+          </p:cNvPr>
+          <p:cNvCxnSpPr/>
+          <p:nvPr/>
+        </p:nvCxnSpPr>
+        <p:spPr>
+          <a:xfrm>
+            <a:off x="2741487" y="1816814"/>
+            <a:ext cx="2671281" cy="0"/>
+          </a:xfrm>
+          <a:prstGeom prst="line">
+            <a:avLst/>
+          </a:prstGeom>
+        </p:spPr>
+        <p:style>
+          <a:lnRef idx="2">
+            <a:schemeClr val="accent1"/>
+          </a:lnRef>
+          <a:fillRef idx="0">
+            <a:schemeClr val="accent1"/>
+          </a:fillRef>
+          <a:effectRef idx="1">
+            <a:schemeClr val="accent1"/>
+          </a:effectRef>
+          <a:fontRef idx="minor">
+            <a:schemeClr val="tx1"/>
+          </a:fontRef>
+        </p:style>
+      </p:cxnSp>
+      <p:cxnSp>
+        <p:nvCxnSpPr>
+          <p:cNvPr id="11" name="Straight Connector 10">
+            <a:extLst>
+              <a:ext uri="{FF2B5EF4-FFF2-40B4-BE49-F238E27FC236}">
+                <a16:creationId xmlns:a16="http://schemas.microsoft.com/office/drawing/2014/main" id="{239EEFEE-404B-36AD-AC7E-A6C91659B8DD}"/>
+              </a:ext>
+            </a:extLst>
+          </p:cNvPr>
+          <p:cNvCxnSpPr>
+            <a:cxnSpLocks/>
+          </p:cNvCxnSpPr>
+          <p:nvPr/>
+        </p:nvCxnSpPr>
+        <p:spPr>
+          <a:xfrm>
+            <a:off x="5546332" y="1813390"/>
+            <a:ext cx="2765461" cy="0"/>
+          </a:xfrm>
+          <a:prstGeom prst="line">
+            <a:avLst/>
+          </a:prstGeom>
+        </p:spPr>
+        <p:style>
+          <a:lnRef idx="2">
+            <a:schemeClr val="accent1"/>
+          </a:lnRef>
+          <a:fillRef idx="0">
+            <a:schemeClr val="accent1"/>
+          </a:fillRef>
+          <a:effectRef idx="1">
+            <a:schemeClr val="accent1"/>
+          </a:effectRef>
+          <a:fontRef idx="minor">
+            <a:schemeClr val="tx1"/>
+          </a:fontRef>
+        </p:style>
+      </p:cxnSp>
+    </p:spTree>
+    <p:extLst>
+      <p:ext uri="{BB962C8B-B14F-4D97-AF65-F5344CB8AC3E}">
+        <p14:creationId xmlns:p14="http://schemas.microsoft.com/office/powerpoint/2010/main" val="366476725"/>
       </p:ext>
     </p:extLst>
   </p:cSld>

--- a/designDoc/designDoc.pptx
+++ b/designDoc/designDoc.pptx
@@ -263,7 +263,7 @@
           <a:p>
             <a:fld id="{DAB0784D-3A10-485A-BA3A-AF2134252110}" type="datetimeFigureOut">
               <a:rPr lang="en-SG" smtClean="0"/>
-              <a:t>3/9/2024</a:t>
+              <a:t>4/9/2024</a:t>
             </a:fld>
             <a:endParaRPr lang="en-SG"/>
           </a:p>
@@ -463,7 +463,7 @@
           <a:p>
             <a:fld id="{DAB0784D-3A10-485A-BA3A-AF2134252110}" type="datetimeFigureOut">
               <a:rPr lang="en-SG" smtClean="0"/>
-              <a:t>3/9/2024</a:t>
+              <a:t>4/9/2024</a:t>
             </a:fld>
             <a:endParaRPr lang="en-SG"/>
           </a:p>
@@ -673,7 +673,7 @@
           <a:p>
             <a:fld id="{DAB0784D-3A10-485A-BA3A-AF2134252110}" type="datetimeFigureOut">
               <a:rPr lang="en-SG" smtClean="0"/>
-              <a:t>3/9/2024</a:t>
+              <a:t>4/9/2024</a:t>
             </a:fld>
             <a:endParaRPr lang="en-SG"/>
           </a:p>
@@ -873,7 +873,7 @@
           <a:p>
             <a:fld id="{DAB0784D-3A10-485A-BA3A-AF2134252110}" type="datetimeFigureOut">
               <a:rPr lang="en-SG" smtClean="0"/>
-              <a:t>3/9/2024</a:t>
+              <a:t>4/9/2024</a:t>
             </a:fld>
             <a:endParaRPr lang="en-SG"/>
           </a:p>
@@ -1149,7 +1149,7 @@
           <a:p>
             <a:fld id="{DAB0784D-3A10-485A-BA3A-AF2134252110}" type="datetimeFigureOut">
               <a:rPr lang="en-SG" smtClean="0"/>
-              <a:t>3/9/2024</a:t>
+              <a:t>4/9/2024</a:t>
             </a:fld>
             <a:endParaRPr lang="en-SG"/>
           </a:p>
@@ -1417,7 +1417,7 @@
           <a:p>
             <a:fld id="{DAB0784D-3A10-485A-BA3A-AF2134252110}" type="datetimeFigureOut">
               <a:rPr lang="en-SG" smtClean="0"/>
-              <a:t>3/9/2024</a:t>
+              <a:t>4/9/2024</a:t>
             </a:fld>
             <a:endParaRPr lang="en-SG"/>
           </a:p>
@@ -1832,7 +1832,7 @@
           <a:p>
             <a:fld id="{DAB0784D-3A10-485A-BA3A-AF2134252110}" type="datetimeFigureOut">
               <a:rPr lang="en-SG" smtClean="0"/>
-              <a:t>3/9/2024</a:t>
+              <a:t>4/9/2024</a:t>
             </a:fld>
             <a:endParaRPr lang="en-SG"/>
           </a:p>
@@ -1974,7 +1974,7 @@
           <a:p>
             <a:fld id="{DAB0784D-3A10-485A-BA3A-AF2134252110}" type="datetimeFigureOut">
               <a:rPr lang="en-SG" smtClean="0"/>
-              <a:t>3/9/2024</a:t>
+              <a:t>4/9/2024</a:t>
             </a:fld>
             <a:endParaRPr lang="en-SG"/>
           </a:p>
@@ -2087,7 +2087,7 @@
           <a:p>
             <a:fld id="{DAB0784D-3A10-485A-BA3A-AF2134252110}" type="datetimeFigureOut">
               <a:rPr lang="en-SG" smtClean="0"/>
-              <a:t>3/9/2024</a:t>
+              <a:t>4/9/2024</a:t>
             </a:fld>
             <a:endParaRPr lang="en-SG"/>
           </a:p>
@@ -2400,7 +2400,7 @@
           <a:p>
             <a:fld id="{DAB0784D-3A10-485A-BA3A-AF2134252110}" type="datetimeFigureOut">
               <a:rPr lang="en-SG" smtClean="0"/>
-              <a:t>3/9/2024</a:t>
+              <a:t>4/9/2024</a:t>
             </a:fld>
             <a:endParaRPr lang="en-SG"/>
           </a:p>
@@ -2689,7 +2689,7 @@
           <a:p>
             <a:fld id="{DAB0784D-3A10-485A-BA3A-AF2134252110}" type="datetimeFigureOut">
               <a:rPr lang="en-SG" smtClean="0"/>
-              <a:t>3/9/2024</a:t>
+              <a:t>4/9/2024</a:t>
             </a:fld>
             <a:endParaRPr lang="en-SG"/>
           </a:p>
@@ -2932,7 +2932,7 @@
           <a:p>
             <a:fld id="{DAB0784D-3A10-485A-BA3A-AF2134252110}" type="datetimeFigureOut">
               <a:rPr lang="en-SG" smtClean="0"/>
-              <a:t>3/9/2024</a:t>
+              <a:t>4/9/2024</a:t>
             </a:fld>
             <a:endParaRPr lang="en-SG"/>
           </a:p>
@@ -13827,7 +13827,7 @@
         </p:blipFill>
         <p:spPr bwMode="auto">
           <a:xfrm>
-            <a:off x="1626741" y="1103612"/>
+            <a:off x="1631880" y="1175533"/>
             <a:ext cx="1797977" cy="1797977"/>
           </a:xfrm>
           <a:prstGeom prst="rect">
@@ -13874,7 +13874,7 @@
         </p:blipFill>
         <p:spPr bwMode="auto">
           <a:xfrm>
-            <a:off x="4332269" y="1103614"/>
+            <a:off x="3774043" y="1175534"/>
             <a:ext cx="1797977" cy="1797977"/>
           </a:xfrm>
           <a:prstGeom prst="rect">
@@ -13921,7 +13921,7 @@
         </p:blipFill>
         <p:spPr bwMode="auto">
           <a:xfrm>
-            <a:off x="7181635" y="1103613"/>
+            <a:off x="6169630" y="1175534"/>
             <a:ext cx="1797977" cy="1797977"/>
           </a:xfrm>
           <a:prstGeom prst="rect">
@@ -13948,13 +13948,15 @@
               </a:ext>
             </a:extLst>
           </p:cNvPr>
-          <p:cNvCxnSpPr/>
+          <p:cNvCxnSpPr>
+            <a:cxnSpLocks/>
+          </p:cNvCxnSpPr>
           <p:nvPr/>
         </p:nvCxnSpPr>
         <p:spPr>
           <a:xfrm>
             <a:off x="2239766" y="1479479"/>
-            <a:ext cx="2671281" cy="0"/>
+            <a:ext cx="2106203" cy="0"/>
           </a:xfrm>
           <a:prstGeom prst="line">
             <a:avLst/>
@@ -13991,8 +13993,8 @@
         </p:nvCxnSpPr>
         <p:spPr>
           <a:xfrm>
-            <a:off x="5012077" y="1479479"/>
-            <a:ext cx="2734638" cy="0"/>
+            <a:off x="4673031" y="1479479"/>
+            <a:ext cx="2077090" cy="0"/>
           </a:xfrm>
           <a:prstGeom prst="line">
             <a:avLst/>
@@ -14022,13 +14024,15 @@
               </a:ext>
             </a:extLst>
           </p:cNvPr>
-          <p:cNvCxnSpPr/>
+          <p:cNvCxnSpPr>
+            <a:cxnSpLocks/>
+          </p:cNvCxnSpPr>
           <p:nvPr/>
         </p:nvCxnSpPr>
         <p:spPr>
           <a:xfrm>
             <a:off x="2741487" y="1816814"/>
-            <a:ext cx="2671281" cy="0"/>
+            <a:ext cx="2128464" cy="0"/>
           </a:xfrm>
           <a:prstGeom prst="line">
             <a:avLst/>
@@ -14065,8 +14069,131 @@
         </p:nvCxnSpPr>
         <p:spPr>
           <a:xfrm>
-            <a:off x="5546332" y="1813390"/>
-            <a:ext cx="2765461" cy="0"/>
+            <a:off x="4869951" y="1816814"/>
+            <a:ext cx="2404152" cy="0"/>
+          </a:xfrm>
+          <a:prstGeom prst="line">
+            <a:avLst/>
+          </a:prstGeom>
+        </p:spPr>
+        <p:style>
+          <a:lnRef idx="2">
+            <a:schemeClr val="accent1"/>
+          </a:lnRef>
+          <a:fillRef idx="0">
+            <a:schemeClr val="accent1"/>
+          </a:fillRef>
+          <a:effectRef idx="1">
+            <a:schemeClr val="accent1"/>
+          </a:effectRef>
+          <a:fontRef idx="minor">
+            <a:schemeClr val="tx1"/>
+          </a:fontRef>
+        </p:style>
+      </p:cxnSp>
+      <p:pic>
+        <p:nvPicPr>
+          <p:cNvPr id="2" name="Picture 2" descr="Electric tower, electric transmission, electricity tower, power tower, transmission  tower icon - Download on Iconfinder">
+            <a:extLst>
+              <a:ext uri="{FF2B5EF4-FFF2-40B4-BE49-F238E27FC236}">
+                <a16:creationId xmlns:a16="http://schemas.microsoft.com/office/drawing/2014/main" id="{1B2B22FB-6E14-F063-6774-A7E0BFD7797B}"/>
+              </a:ext>
+            </a:extLst>
+          </p:cNvPr>
+          <p:cNvPicPr>
+            <a:picLocks noChangeAspect="1" noChangeArrowheads="1"/>
+          </p:cNvPicPr>
+          <p:nvPr/>
+        </p:nvPicPr>
+        <p:blipFill>
+          <a:blip r:embed="rId2">
+            <a:extLst>
+              <a:ext uri="{28A0092B-C50C-407E-A947-70E740481C1C}">
+                <a14:useLocalDpi xmlns:a14="http://schemas.microsoft.com/office/drawing/2010/main" val="0"/>
+              </a:ext>
+            </a:extLst>
+          </a:blip>
+          <a:srcRect/>
+          <a:stretch>
+            <a:fillRect/>
+          </a:stretch>
+        </p:blipFill>
+        <p:spPr bwMode="auto">
+          <a:xfrm>
+            <a:off x="8620015" y="1175533"/>
+            <a:ext cx="1797977" cy="1797977"/>
+          </a:xfrm>
+          <a:prstGeom prst="rect">
+            <a:avLst/>
+          </a:prstGeom>
+          <a:noFill/>
+          <a:extLst>
+            <a:ext uri="{909E8E84-426E-40DD-AFC4-6F175D3DCCD1}">
+              <a14:hiddenFill xmlns:a14="http://schemas.microsoft.com/office/drawing/2010/main">
+                <a:solidFill>
+                  <a:srgbClr val="FFFFFF"/>
+                </a:solidFill>
+              </a14:hiddenFill>
+            </a:ext>
+          </a:extLst>
+        </p:spPr>
+      </p:pic>
+      <p:cxnSp>
+        <p:nvCxnSpPr>
+          <p:cNvPr id="13" name="Straight Connector 12">
+            <a:extLst>
+              <a:ext uri="{FF2B5EF4-FFF2-40B4-BE49-F238E27FC236}">
+                <a16:creationId xmlns:a16="http://schemas.microsoft.com/office/drawing/2014/main" id="{D3ED1138-54D2-F832-42F5-4BEE322B8D3D}"/>
+              </a:ext>
+            </a:extLst>
+          </p:cNvPr>
+          <p:cNvCxnSpPr>
+            <a:cxnSpLocks/>
+          </p:cNvCxnSpPr>
+          <p:nvPr/>
+        </p:nvCxnSpPr>
+        <p:spPr>
+          <a:xfrm>
+            <a:off x="7167939" y="1467493"/>
+            <a:ext cx="2077090" cy="0"/>
+          </a:xfrm>
+          <a:prstGeom prst="line">
+            <a:avLst/>
+          </a:prstGeom>
+        </p:spPr>
+        <p:style>
+          <a:lnRef idx="2">
+            <a:schemeClr val="accent1"/>
+          </a:lnRef>
+          <a:fillRef idx="0">
+            <a:schemeClr val="accent1"/>
+          </a:fillRef>
+          <a:effectRef idx="1">
+            <a:schemeClr val="accent1"/>
+          </a:effectRef>
+          <a:fontRef idx="minor">
+            <a:schemeClr val="tx1"/>
+          </a:fontRef>
+        </p:style>
+      </p:cxnSp>
+      <p:cxnSp>
+        <p:nvCxnSpPr>
+          <p:cNvPr id="14" name="Straight Connector 13">
+            <a:extLst>
+              <a:ext uri="{FF2B5EF4-FFF2-40B4-BE49-F238E27FC236}">
+                <a16:creationId xmlns:a16="http://schemas.microsoft.com/office/drawing/2014/main" id="{39A5A865-7820-9CF8-57E6-881392BF90B7}"/>
+              </a:ext>
+            </a:extLst>
+          </p:cNvPr>
+          <p:cNvCxnSpPr>
+            <a:cxnSpLocks/>
+          </p:cNvCxnSpPr>
+          <p:nvPr/>
+        </p:nvCxnSpPr>
+        <p:spPr>
+          <a:xfrm>
+            <a:off x="7274103" y="1816814"/>
+            <a:ext cx="2424701" cy="0"/>
           </a:xfrm>
           <a:prstGeom prst="line">
             <a:avLst/>

--- a/designDoc/designDoc.pptx
+++ b/designDoc/designDoc.pptx
@@ -4,10 +4,14 @@
   <p:sldMasterIdLst>
     <p:sldMasterId id="2147483648" r:id="rId1"/>
   </p:sldMasterIdLst>
+  <p:notesMasterIdLst>
+    <p:notesMasterId r:id="rId6"/>
+  </p:notesMasterIdLst>
   <p:sldIdLst>
     <p:sldId id="256" r:id="rId2"/>
     <p:sldId id="257" r:id="rId3"/>
-    <p:sldId id="258" r:id="rId4"/>
+    <p:sldId id="259" r:id="rId4"/>
+    <p:sldId id="258" r:id="rId5"/>
   </p:sldIdLst>
   <p:sldSz cx="12192000" cy="6858000"/>
   <p:notesSz cx="6858000" cy="9144000"/>
@@ -114,6 +118,356 @@
 </p:presentation>
 </file>
 
+<file path=ppt/notesMasters/notesMaster1.xml><?xml version="1.0" encoding="utf-8"?>
+<p:notesMaster xmlns:a="http://schemas.openxmlformats.org/drawingml/2006/main" xmlns:r="http://schemas.openxmlformats.org/officeDocument/2006/relationships" xmlns:p="http://schemas.openxmlformats.org/presentationml/2006/main">
+  <p:cSld>
+    <p:bg>
+      <p:bgRef idx="1001">
+        <a:schemeClr val="bg1"/>
+      </p:bgRef>
+    </p:bg>
+    <p:spTree>
+      <p:nvGrpSpPr>
+        <p:cNvPr id="1" name=""/>
+        <p:cNvGrpSpPr/>
+        <p:nvPr/>
+      </p:nvGrpSpPr>
+      <p:grpSpPr>
+        <a:xfrm>
+          <a:off x="0" y="0"/>
+          <a:ext cx="0" cy="0"/>
+          <a:chOff x="0" y="0"/>
+          <a:chExt cx="0" cy="0"/>
+        </a:xfrm>
+      </p:grpSpPr>
+      <p:sp>
+        <p:nvSpPr>
+          <p:cNvPr id="2" name="Header Placeholder 1"/>
+          <p:cNvSpPr>
+            <a:spLocks noGrp="1"/>
+          </p:cNvSpPr>
+          <p:nvPr>
+            <p:ph type="hdr" sz="quarter"/>
+          </p:nvPr>
+        </p:nvSpPr>
+        <p:spPr>
+          <a:xfrm>
+            <a:off x="0" y="0"/>
+            <a:ext cx="2971800" cy="458788"/>
+          </a:xfrm>
+          <a:prstGeom prst="rect">
+            <a:avLst/>
+          </a:prstGeom>
+        </p:spPr>
+        <p:txBody>
+          <a:bodyPr vert="horz" lIns="91440" tIns="45720" rIns="91440" bIns="45720" rtlCol="0"/>
+          <a:lstStyle>
+            <a:lvl1pPr algn="l">
+              <a:defRPr sz="1200"/>
+            </a:lvl1pPr>
+          </a:lstStyle>
+          <a:p>
+            <a:endParaRPr lang="en-SG"/>
+          </a:p>
+        </p:txBody>
+      </p:sp>
+      <p:sp>
+        <p:nvSpPr>
+          <p:cNvPr id="3" name="Date Placeholder 2"/>
+          <p:cNvSpPr>
+            <a:spLocks noGrp="1"/>
+          </p:cNvSpPr>
+          <p:nvPr>
+            <p:ph type="dt" idx="1"/>
+          </p:nvPr>
+        </p:nvSpPr>
+        <p:spPr>
+          <a:xfrm>
+            <a:off x="3884613" y="0"/>
+            <a:ext cx="2971800" cy="458788"/>
+          </a:xfrm>
+          <a:prstGeom prst="rect">
+            <a:avLst/>
+          </a:prstGeom>
+        </p:spPr>
+        <p:txBody>
+          <a:bodyPr vert="horz" lIns="91440" tIns="45720" rIns="91440" bIns="45720" rtlCol="0"/>
+          <a:lstStyle>
+            <a:lvl1pPr algn="r">
+              <a:defRPr sz="1200"/>
+            </a:lvl1pPr>
+          </a:lstStyle>
+          <a:p>
+            <a:fld id="{60A58DA9-13FF-4A44-80CD-EC4A25FA80B4}" type="datetimeFigureOut">
+              <a:rPr lang="en-SG" smtClean="0"/>
+              <a:t>19/9/2024</a:t>
+            </a:fld>
+            <a:endParaRPr lang="en-SG"/>
+          </a:p>
+        </p:txBody>
+      </p:sp>
+      <p:sp>
+        <p:nvSpPr>
+          <p:cNvPr id="4" name="Slide Image Placeholder 3"/>
+          <p:cNvSpPr>
+            <a:spLocks noGrp="1" noRot="1" noChangeAspect="1"/>
+          </p:cNvSpPr>
+          <p:nvPr>
+            <p:ph type="sldImg" idx="2"/>
+          </p:nvPr>
+        </p:nvSpPr>
+        <p:spPr>
+          <a:xfrm>
+            <a:off x="685800" y="1143000"/>
+            <a:ext cx="5486400" cy="3086100"/>
+          </a:xfrm>
+          <a:prstGeom prst="rect">
+            <a:avLst/>
+          </a:prstGeom>
+          <a:noFill/>
+          <a:ln w="12700">
+            <a:solidFill>
+              <a:prstClr val="black"/>
+            </a:solidFill>
+          </a:ln>
+        </p:spPr>
+        <p:txBody>
+          <a:bodyPr vert="horz" lIns="91440" tIns="45720" rIns="91440" bIns="45720" rtlCol="0" anchor="ctr"/>
+          <a:lstStyle/>
+          <a:p>
+            <a:endParaRPr lang="en-SG"/>
+          </a:p>
+        </p:txBody>
+      </p:sp>
+      <p:sp>
+        <p:nvSpPr>
+          <p:cNvPr id="5" name="Notes Placeholder 4"/>
+          <p:cNvSpPr>
+            <a:spLocks noGrp="1"/>
+          </p:cNvSpPr>
+          <p:nvPr>
+            <p:ph type="body" sz="quarter" idx="3"/>
+          </p:nvPr>
+        </p:nvSpPr>
+        <p:spPr>
+          <a:xfrm>
+            <a:off x="685800" y="4400550"/>
+            <a:ext cx="5486400" cy="3600450"/>
+          </a:xfrm>
+          <a:prstGeom prst="rect">
+            <a:avLst/>
+          </a:prstGeom>
+        </p:spPr>
+        <p:txBody>
+          <a:bodyPr vert="horz" lIns="91440" tIns="45720" rIns="91440" bIns="45720" rtlCol="0"/>
+          <a:lstStyle/>
+          <a:p>
+            <a:pPr lvl="0"/>
+            <a:r>
+              <a:rPr lang="en-US"/>
+              <a:t>Click to edit Master text styles</a:t>
+            </a:r>
+          </a:p>
+          <a:p>
+            <a:pPr lvl="1"/>
+            <a:r>
+              <a:rPr lang="en-US"/>
+              <a:t>Second level</a:t>
+            </a:r>
+          </a:p>
+          <a:p>
+            <a:pPr lvl="2"/>
+            <a:r>
+              <a:rPr lang="en-US"/>
+              <a:t>Third level</a:t>
+            </a:r>
+          </a:p>
+          <a:p>
+            <a:pPr lvl="3"/>
+            <a:r>
+              <a:rPr lang="en-US"/>
+              <a:t>Fourth level</a:t>
+            </a:r>
+          </a:p>
+          <a:p>
+            <a:pPr lvl="4"/>
+            <a:r>
+              <a:rPr lang="en-US"/>
+              <a:t>Fifth level</a:t>
+            </a:r>
+            <a:endParaRPr lang="en-SG"/>
+          </a:p>
+        </p:txBody>
+      </p:sp>
+      <p:sp>
+        <p:nvSpPr>
+          <p:cNvPr id="6" name="Footer Placeholder 5"/>
+          <p:cNvSpPr>
+            <a:spLocks noGrp="1"/>
+          </p:cNvSpPr>
+          <p:nvPr>
+            <p:ph type="ftr" sz="quarter" idx="4"/>
+          </p:nvPr>
+        </p:nvSpPr>
+        <p:spPr>
+          <a:xfrm>
+            <a:off x="0" y="8685213"/>
+            <a:ext cx="2971800" cy="458787"/>
+          </a:xfrm>
+          <a:prstGeom prst="rect">
+            <a:avLst/>
+          </a:prstGeom>
+        </p:spPr>
+        <p:txBody>
+          <a:bodyPr vert="horz" lIns="91440" tIns="45720" rIns="91440" bIns="45720" rtlCol="0" anchor="b"/>
+          <a:lstStyle>
+            <a:lvl1pPr algn="l">
+              <a:defRPr sz="1200"/>
+            </a:lvl1pPr>
+          </a:lstStyle>
+          <a:p>
+            <a:endParaRPr lang="en-SG"/>
+          </a:p>
+        </p:txBody>
+      </p:sp>
+      <p:sp>
+        <p:nvSpPr>
+          <p:cNvPr id="7" name="Slide Number Placeholder 6"/>
+          <p:cNvSpPr>
+            <a:spLocks noGrp="1"/>
+          </p:cNvSpPr>
+          <p:nvPr>
+            <p:ph type="sldNum" sz="quarter" idx="5"/>
+          </p:nvPr>
+        </p:nvSpPr>
+        <p:spPr>
+          <a:xfrm>
+            <a:off x="3884613" y="8685213"/>
+            <a:ext cx="2971800" cy="458787"/>
+          </a:xfrm>
+          <a:prstGeom prst="rect">
+            <a:avLst/>
+          </a:prstGeom>
+        </p:spPr>
+        <p:txBody>
+          <a:bodyPr vert="horz" lIns="91440" tIns="45720" rIns="91440" bIns="45720" rtlCol="0" anchor="b"/>
+          <a:lstStyle>
+            <a:lvl1pPr algn="r">
+              <a:defRPr sz="1200"/>
+            </a:lvl1pPr>
+          </a:lstStyle>
+          <a:p>
+            <a:fld id="{2F8A4C87-30FF-4E0D-9FFA-CCB73B1DE919}" type="slidenum">
+              <a:rPr lang="en-SG" smtClean="0"/>
+              <a:t>‹#›</a:t>
+            </a:fld>
+            <a:endParaRPr lang="en-SG"/>
+          </a:p>
+        </p:txBody>
+      </p:sp>
+    </p:spTree>
+    <p:extLst>
+      <p:ext uri="{BB962C8B-B14F-4D97-AF65-F5344CB8AC3E}">
+        <p14:creationId xmlns:p14="http://schemas.microsoft.com/office/powerpoint/2010/main" val="1732485600"/>
+      </p:ext>
+    </p:extLst>
+  </p:cSld>
+  <p:clrMap bg1="lt1" tx1="dk1" bg2="lt2" tx2="dk2" accent1="accent1" accent2="accent2" accent3="accent3" accent4="accent4" accent5="accent5" accent6="accent6" hlink="hlink" folHlink="folHlink"/>
+  <p:notesStyle>
+    <a:lvl1pPr marL="0" algn="l" defTabSz="914400" rtl="0" eaLnBrk="1" latinLnBrk="0" hangingPunct="1">
+      <a:defRPr sz="1200" kern="1200">
+        <a:solidFill>
+          <a:schemeClr val="tx1"/>
+        </a:solidFill>
+        <a:latin typeface="+mn-lt"/>
+        <a:ea typeface="+mn-ea"/>
+        <a:cs typeface="+mn-cs"/>
+      </a:defRPr>
+    </a:lvl1pPr>
+    <a:lvl2pPr marL="457200" algn="l" defTabSz="914400" rtl="0" eaLnBrk="1" latinLnBrk="0" hangingPunct="1">
+      <a:defRPr sz="1200" kern="1200">
+        <a:solidFill>
+          <a:schemeClr val="tx1"/>
+        </a:solidFill>
+        <a:latin typeface="+mn-lt"/>
+        <a:ea typeface="+mn-ea"/>
+        <a:cs typeface="+mn-cs"/>
+      </a:defRPr>
+    </a:lvl2pPr>
+    <a:lvl3pPr marL="914400" algn="l" defTabSz="914400" rtl="0" eaLnBrk="1" latinLnBrk="0" hangingPunct="1">
+      <a:defRPr sz="1200" kern="1200">
+        <a:solidFill>
+          <a:schemeClr val="tx1"/>
+        </a:solidFill>
+        <a:latin typeface="+mn-lt"/>
+        <a:ea typeface="+mn-ea"/>
+        <a:cs typeface="+mn-cs"/>
+      </a:defRPr>
+    </a:lvl3pPr>
+    <a:lvl4pPr marL="1371600" algn="l" defTabSz="914400" rtl="0" eaLnBrk="1" latinLnBrk="0" hangingPunct="1">
+      <a:defRPr sz="1200" kern="1200">
+        <a:solidFill>
+          <a:schemeClr val="tx1"/>
+        </a:solidFill>
+        <a:latin typeface="+mn-lt"/>
+        <a:ea typeface="+mn-ea"/>
+        <a:cs typeface="+mn-cs"/>
+      </a:defRPr>
+    </a:lvl4pPr>
+    <a:lvl5pPr marL="1828800" algn="l" defTabSz="914400" rtl="0" eaLnBrk="1" latinLnBrk="0" hangingPunct="1">
+      <a:defRPr sz="1200" kern="1200">
+        <a:solidFill>
+          <a:schemeClr val="tx1"/>
+        </a:solidFill>
+        <a:latin typeface="+mn-lt"/>
+        <a:ea typeface="+mn-ea"/>
+        <a:cs typeface="+mn-cs"/>
+      </a:defRPr>
+    </a:lvl5pPr>
+    <a:lvl6pPr marL="2286000" algn="l" defTabSz="914400" rtl="0" eaLnBrk="1" latinLnBrk="0" hangingPunct="1">
+      <a:defRPr sz="1200" kern="1200">
+        <a:solidFill>
+          <a:schemeClr val="tx1"/>
+        </a:solidFill>
+        <a:latin typeface="+mn-lt"/>
+        <a:ea typeface="+mn-ea"/>
+        <a:cs typeface="+mn-cs"/>
+      </a:defRPr>
+    </a:lvl6pPr>
+    <a:lvl7pPr marL="2743200" algn="l" defTabSz="914400" rtl="0" eaLnBrk="1" latinLnBrk="0" hangingPunct="1">
+      <a:defRPr sz="1200" kern="1200">
+        <a:solidFill>
+          <a:schemeClr val="tx1"/>
+        </a:solidFill>
+        <a:latin typeface="+mn-lt"/>
+        <a:ea typeface="+mn-ea"/>
+        <a:cs typeface="+mn-cs"/>
+      </a:defRPr>
+    </a:lvl7pPr>
+    <a:lvl8pPr marL="3200400" algn="l" defTabSz="914400" rtl="0" eaLnBrk="1" latinLnBrk="0" hangingPunct="1">
+      <a:defRPr sz="1200" kern="1200">
+        <a:solidFill>
+          <a:schemeClr val="tx1"/>
+        </a:solidFill>
+        <a:latin typeface="+mn-lt"/>
+        <a:ea typeface="+mn-ea"/>
+        <a:cs typeface="+mn-cs"/>
+      </a:defRPr>
+    </a:lvl8pPr>
+    <a:lvl9pPr marL="3657600" algn="l" defTabSz="914400" rtl="0" eaLnBrk="1" latinLnBrk="0" hangingPunct="1">
+      <a:defRPr sz="1200" kern="1200">
+        <a:solidFill>
+          <a:schemeClr val="tx1"/>
+        </a:solidFill>
+        <a:latin typeface="+mn-lt"/>
+        <a:ea typeface="+mn-ea"/>
+        <a:cs typeface="+mn-cs"/>
+      </a:defRPr>
+    </a:lvl9pPr>
+  </p:notesStyle>
+</p:notesMaster>
+</file>
+
 <file path=ppt/slideLayouts/slideLayout1.xml><?xml version="1.0" encoding="utf-8"?>
 <p:sldLayout xmlns:a="http://schemas.openxmlformats.org/drawingml/2006/main" xmlns:r="http://schemas.openxmlformats.org/officeDocument/2006/relationships" xmlns:p="http://schemas.openxmlformats.org/presentationml/2006/main" type="title" preserve="1">
   <p:cSld name="Title Slide">
@@ -263,7 +617,7 @@
           <a:p>
             <a:fld id="{DAB0784D-3A10-485A-BA3A-AF2134252110}" type="datetimeFigureOut">
               <a:rPr lang="en-SG" smtClean="0"/>
-              <a:t>4/9/2024</a:t>
+              <a:t>19/9/2024</a:t>
             </a:fld>
             <a:endParaRPr lang="en-SG"/>
           </a:p>
@@ -463,7 +817,7 @@
           <a:p>
             <a:fld id="{DAB0784D-3A10-485A-BA3A-AF2134252110}" type="datetimeFigureOut">
               <a:rPr lang="en-SG" smtClean="0"/>
-              <a:t>4/9/2024</a:t>
+              <a:t>19/9/2024</a:t>
             </a:fld>
             <a:endParaRPr lang="en-SG"/>
           </a:p>
@@ -673,7 +1027,7 @@
           <a:p>
             <a:fld id="{DAB0784D-3A10-485A-BA3A-AF2134252110}" type="datetimeFigureOut">
               <a:rPr lang="en-SG" smtClean="0"/>
-              <a:t>4/9/2024</a:t>
+              <a:t>19/9/2024</a:t>
             </a:fld>
             <a:endParaRPr lang="en-SG"/>
           </a:p>
@@ -873,7 +1227,7 @@
           <a:p>
             <a:fld id="{DAB0784D-3A10-485A-BA3A-AF2134252110}" type="datetimeFigureOut">
               <a:rPr lang="en-SG" smtClean="0"/>
-              <a:t>4/9/2024</a:t>
+              <a:t>19/9/2024</a:t>
             </a:fld>
             <a:endParaRPr lang="en-SG"/>
           </a:p>
@@ -1149,7 +1503,7 @@
           <a:p>
             <a:fld id="{DAB0784D-3A10-485A-BA3A-AF2134252110}" type="datetimeFigureOut">
               <a:rPr lang="en-SG" smtClean="0"/>
-              <a:t>4/9/2024</a:t>
+              <a:t>19/9/2024</a:t>
             </a:fld>
             <a:endParaRPr lang="en-SG"/>
           </a:p>
@@ -1417,7 +1771,7 @@
           <a:p>
             <a:fld id="{DAB0784D-3A10-485A-BA3A-AF2134252110}" type="datetimeFigureOut">
               <a:rPr lang="en-SG" smtClean="0"/>
-              <a:t>4/9/2024</a:t>
+              <a:t>19/9/2024</a:t>
             </a:fld>
             <a:endParaRPr lang="en-SG"/>
           </a:p>
@@ -1832,7 +2186,7 @@
           <a:p>
             <a:fld id="{DAB0784D-3A10-485A-BA3A-AF2134252110}" type="datetimeFigureOut">
               <a:rPr lang="en-SG" smtClean="0"/>
-              <a:t>4/9/2024</a:t>
+              <a:t>19/9/2024</a:t>
             </a:fld>
             <a:endParaRPr lang="en-SG"/>
           </a:p>
@@ -1974,7 +2328,7 @@
           <a:p>
             <a:fld id="{DAB0784D-3A10-485A-BA3A-AF2134252110}" type="datetimeFigureOut">
               <a:rPr lang="en-SG" smtClean="0"/>
-              <a:t>4/9/2024</a:t>
+              <a:t>19/9/2024</a:t>
             </a:fld>
             <a:endParaRPr lang="en-SG"/>
           </a:p>
@@ -2087,7 +2441,7 @@
           <a:p>
             <a:fld id="{DAB0784D-3A10-485A-BA3A-AF2134252110}" type="datetimeFigureOut">
               <a:rPr lang="en-SG" smtClean="0"/>
-              <a:t>4/9/2024</a:t>
+              <a:t>19/9/2024</a:t>
             </a:fld>
             <a:endParaRPr lang="en-SG"/>
           </a:p>
@@ -2400,7 +2754,7 @@
           <a:p>
             <a:fld id="{DAB0784D-3A10-485A-BA3A-AF2134252110}" type="datetimeFigureOut">
               <a:rPr lang="en-SG" smtClean="0"/>
-              <a:t>4/9/2024</a:t>
+              <a:t>19/9/2024</a:t>
             </a:fld>
             <a:endParaRPr lang="en-SG"/>
           </a:p>
@@ -2689,7 +3043,7 @@
           <a:p>
             <a:fld id="{DAB0784D-3A10-485A-BA3A-AF2134252110}" type="datetimeFigureOut">
               <a:rPr lang="en-SG" smtClean="0"/>
-              <a:t>4/9/2024</a:t>
+              <a:t>19/9/2024</a:t>
             </a:fld>
             <a:endParaRPr lang="en-SG"/>
           </a:p>
@@ -2932,7 +3286,7 @@
           <a:p>
             <a:fld id="{DAB0784D-3A10-485A-BA3A-AF2134252110}" type="datetimeFigureOut">
               <a:rPr lang="en-SG" smtClean="0"/>
-              <a:t>4/9/2024</a:t>
+              <a:t>19/9/2024</a:t>
             </a:fld>
             <a:endParaRPr lang="en-SG"/>
           </a:p>
@@ -13782,6 +14136,5473 @@
 </file>
 
 <file path=ppt/slides/slide3.xml><?xml version="1.0" encoding="utf-8"?>
+<p:sld xmlns:a="http://schemas.openxmlformats.org/drawingml/2006/main" xmlns:r="http://schemas.openxmlformats.org/officeDocument/2006/relationships" xmlns:p="http://schemas.openxmlformats.org/presentationml/2006/main">
+  <p:cSld>
+    <p:spTree>
+      <p:nvGrpSpPr>
+        <p:cNvPr id="1" name=""/>
+        <p:cNvGrpSpPr/>
+        <p:nvPr/>
+      </p:nvGrpSpPr>
+      <p:grpSpPr>
+        <a:xfrm>
+          <a:off x="0" y="0"/>
+          <a:ext cx="0" cy="0"/>
+          <a:chOff x="0" y="0"/>
+          <a:chExt cx="0" cy="0"/>
+        </a:xfrm>
+      </p:grpSpPr>
+      <p:sp>
+        <p:nvSpPr>
+          <p:cNvPr id="4" name="Rectangle 3">
+            <a:extLst>
+              <a:ext uri="{FF2B5EF4-FFF2-40B4-BE49-F238E27FC236}">
+                <a16:creationId xmlns:a16="http://schemas.microsoft.com/office/drawing/2014/main" id="{2FFCA0CE-D0F8-C7D3-1D90-13AD5DB4F8D7}"/>
+              </a:ext>
+            </a:extLst>
+          </p:cNvPr>
+          <p:cNvSpPr/>
+          <p:nvPr/>
+        </p:nvSpPr>
+        <p:spPr>
+          <a:xfrm>
+            <a:off x="638175" y="382615"/>
+            <a:ext cx="9763125" cy="5770535"/>
+          </a:xfrm>
+          <a:prstGeom prst="rect">
+            <a:avLst/>
+          </a:prstGeom>
+          <a:solidFill>
+            <a:schemeClr val="tx1">
+              <a:lumMod val="75000"/>
+              <a:lumOff val="25000"/>
+            </a:schemeClr>
+          </a:solidFill>
+        </p:spPr>
+        <p:style>
+          <a:lnRef idx="2">
+            <a:schemeClr val="accent1">
+              <a:shade val="15000"/>
+            </a:schemeClr>
+          </a:lnRef>
+          <a:fillRef idx="1">
+            <a:schemeClr val="accent1"/>
+          </a:fillRef>
+          <a:effectRef idx="0">
+            <a:schemeClr val="accent1"/>
+          </a:effectRef>
+          <a:fontRef idx="minor">
+            <a:schemeClr val="lt1"/>
+          </a:fontRef>
+        </p:style>
+        <p:txBody>
+          <a:bodyPr rtlCol="0" anchor="ctr"/>
+          <a:lstStyle/>
+          <a:p>
+            <a:pPr marL="0" marR="0" lvl="0" indent="0" algn="ctr" defTabSz="914400" rtl="0" eaLnBrk="1" fontAlgn="auto" latinLnBrk="0" hangingPunct="1">
+              <a:lnSpc>
+                <a:spcPct val="100000"/>
+              </a:lnSpc>
+              <a:spcBef>
+                <a:spcPts val="0"/>
+              </a:spcBef>
+              <a:spcAft>
+                <a:spcPts val="0"/>
+              </a:spcAft>
+              <a:buClrTx/>
+              <a:buSzTx/>
+              <a:buFontTx/>
+              <a:buNone/>
+              <a:tabLst/>
+              <a:defRPr/>
+            </a:pPr>
+            <a:endParaRPr kumimoji="0" lang="en-SG" sz="1800" b="0" i="0" u="none" strike="noStrike" kern="1200" cap="none" spc="0" normalizeH="0" baseline="0" noProof="0" dirty="0">
+              <a:ln>
+                <a:noFill/>
+              </a:ln>
+              <a:solidFill>
+                <a:prstClr val="white"/>
+              </a:solidFill>
+              <a:effectLst/>
+              <a:uLnTx/>
+              <a:uFillTx/>
+              <a:latin typeface="Calibri" panose="020F0502020204030204"/>
+              <a:ea typeface="+mn-ea"/>
+              <a:cs typeface="+mn-cs"/>
+            </a:endParaRPr>
+          </a:p>
+        </p:txBody>
+      </p:sp>
+      <p:sp>
+        <p:nvSpPr>
+          <p:cNvPr id="5" name="Rectangle: Rounded Corners 4">
+            <a:extLst>
+              <a:ext uri="{FF2B5EF4-FFF2-40B4-BE49-F238E27FC236}">
+                <a16:creationId xmlns:a16="http://schemas.microsoft.com/office/drawing/2014/main" id="{50EF29F3-50ED-FA42-A53C-35CCC252F3A7}"/>
+              </a:ext>
+            </a:extLst>
+          </p:cNvPr>
+          <p:cNvSpPr/>
+          <p:nvPr/>
+        </p:nvSpPr>
+        <p:spPr>
+          <a:xfrm>
+            <a:off x="805597" y="4450198"/>
+            <a:ext cx="5987089" cy="1407293"/>
+          </a:xfrm>
+          <a:prstGeom prst="roundRect">
+            <a:avLst/>
+          </a:prstGeom>
+          <a:solidFill>
+            <a:srgbClr val="38A36F"/>
+          </a:solidFill>
+          <a:ln>
+            <a:noFill/>
+          </a:ln>
+        </p:spPr>
+        <p:style>
+          <a:lnRef idx="2">
+            <a:schemeClr val="accent1">
+              <a:shade val="15000"/>
+            </a:schemeClr>
+          </a:lnRef>
+          <a:fillRef idx="1">
+            <a:schemeClr val="accent1"/>
+          </a:fillRef>
+          <a:effectRef idx="0">
+            <a:schemeClr val="accent1"/>
+          </a:effectRef>
+          <a:fontRef idx="minor">
+            <a:schemeClr val="lt1"/>
+          </a:fontRef>
+        </p:style>
+        <p:txBody>
+          <a:bodyPr rtlCol="0" anchor="ctr"/>
+          <a:lstStyle/>
+          <a:p>
+            <a:pPr marL="0" marR="0" lvl="0" indent="0" algn="ctr" defTabSz="914400" rtl="0" eaLnBrk="1" fontAlgn="auto" latinLnBrk="0" hangingPunct="1">
+              <a:lnSpc>
+                <a:spcPct val="100000"/>
+              </a:lnSpc>
+              <a:spcBef>
+                <a:spcPts val="0"/>
+              </a:spcBef>
+              <a:spcAft>
+                <a:spcPts val="0"/>
+              </a:spcAft>
+              <a:buClrTx/>
+              <a:buSzTx/>
+              <a:buFontTx/>
+              <a:buNone/>
+              <a:tabLst/>
+              <a:defRPr/>
+            </a:pPr>
+            <a:endParaRPr kumimoji="0" lang="en-SG" sz="1800" b="0" i="0" u="none" strike="noStrike" kern="1200" cap="none" spc="0" normalizeH="0" baseline="0" noProof="0" dirty="0">
+              <a:ln>
+                <a:noFill/>
+              </a:ln>
+              <a:solidFill>
+                <a:prstClr val="white"/>
+              </a:solidFill>
+              <a:effectLst/>
+              <a:uLnTx/>
+              <a:uFillTx/>
+              <a:latin typeface="Calibri" panose="020F0502020204030204"/>
+              <a:ea typeface="+mn-ea"/>
+              <a:cs typeface="+mn-cs"/>
+            </a:endParaRPr>
+          </a:p>
+        </p:txBody>
+      </p:sp>
+      <p:sp>
+        <p:nvSpPr>
+          <p:cNvPr id="6" name="TextBox 5">
+            <a:extLst>
+              <a:ext uri="{FF2B5EF4-FFF2-40B4-BE49-F238E27FC236}">
+                <a16:creationId xmlns:a16="http://schemas.microsoft.com/office/drawing/2014/main" id="{89EF5C1F-6064-939B-654F-2D6043BF15A2}"/>
+              </a:ext>
+            </a:extLst>
+          </p:cNvPr>
+          <p:cNvSpPr txBox="1"/>
+          <p:nvPr/>
+        </p:nvSpPr>
+        <p:spPr>
+          <a:xfrm>
+            <a:off x="848795" y="4517779"/>
+            <a:ext cx="1205965" cy="830997"/>
+          </a:xfrm>
+          <a:prstGeom prst="rect">
+            <a:avLst/>
+          </a:prstGeom>
+          <a:noFill/>
+        </p:spPr>
+        <p:txBody>
+          <a:bodyPr wrap="square" rtlCol="0">
+            <a:spAutoFit/>
+          </a:bodyPr>
+          <a:lstStyle/>
+          <a:p>
+            <a:pPr marL="0" marR="0" lvl="0" indent="0" algn="l" defTabSz="914400" rtl="0" eaLnBrk="1" fontAlgn="auto" latinLnBrk="0" hangingPunct="1">
+              <a:lnSpc>
+                <a:spcPct val="100000"/>
+              </a:lnSpc>
+              <a:spcBef>
+                <a:spcPts val="0"/>
+              </a:spcBef>
+              <a:spcAft>
+                <a:spcPts val="0"/>
+              </a:spcAft>
+              <a:buClrTx/>
+              <a:buSzTx/>
+              <a:buFontTx/>
+              <a:buNone/>
+              <a:tabLst/>
+              <a:defRPr/>
+            </a:pPr>
+            <a:r>
+              <a:rPr kumimoji="0" lang="en-US" sz="1200" b="1" i="0" u="none" strike="noStrike" kern="1200" cap="none" spc="0" normalizeH="0" baseline="0" noProof="0" dirty="0">
+                <a:ln>
+                  <a:noFill/>
+                </a:ln>
+                <a:solidFill>
+                  <a:prstClr val="white"/>
+                </a:solidFill>
+                <a:effectLst/>
+                <a:uLnTx/>
+                <a:uFillTx/>
+                <a:ea typeface="+mn-ea"/>
+                <a:cs typeface="+mn-cs"/>
+              </a:rPr>
+              <a:t>Level 0</a:t>
+            </a:r>
+          </a:p>
+          <a:p>
+            <a:pPr marL="0" marR="0" lvl="0" indent="0" algn="l" defTabSz="914400" rtl="0" eaLnBrk="1" fontAlgn="auto" latinLnBrk="0" hangingPunct="1">
+              <a:lnSpc>
+                <a:spcPct val="100000"/>
+              </a:lnSpc>
+              <a:spcBef>
+                <a:spcPts val="0"/>
+              </a:spcBef>
+              <a:spcAft>
+                <a:spcPts val="0"/>
+              </a:spcAft>
+              <a:buClrTx/>
+              <a:buSzTx/>
+              <a:buFontTx/>
+              <a:buNone/>
+              <a:tabLst/>
+              <a:defRPr/>
+            </a:pPr>
+            <a:r>
+              <a:rPr kumimoji="0" lang="en-US" sz="1200" b="0" i="0" u="none" strike="noStrike" kern="1200" cap="none" spc="0" normalizeH="0" baseline="0" noProof="0" dirty="0">
+                <a:ln>
+                  <a:noFill/>
+                </a:ln>
+                <a:solidFill>
+                  <a:prstClr val="white"/>
+                </a:solidFill>
+                <a:effectLst/>
+                <a:uLnTx/>
+                <a:uFillTx/>
+                <a:ea typeface="+mn-ea"/>
+                <a:cs typeface="+mn-cs"/>
+              </a:rPr>
+              <a:t>Physical Process</a:t>
+            </a:r>
+          </a:p>
+          <a:p>
+            <a:pPr marL="0" marR="0" lvl="0" indent="0" algn="l" defTabSz="914400" rtl="0" eaLnBrk="1" fontAlgn="auto" latinLnBrk="0" hangingPunct="1">
+              <a:lnSpc>
+                <a:spcPct val="100000"/>
+              </a:lnSpc>
+              <a:spcBef>
+                <a:spcPts val="0"/>
+              </a:spcBef>
+              <a:spcAft>
+                <a:spcPts val="0"/>
+              </a:spcAft>
+              <a:buClrTx/>
+              <a:buSzTx/>
+              <a:buFontTx/>
+              <a:buNone/>
+              <a:tabLst/>
+              <a:defRPr/>
+            </a:pPr>
+            <a:r>
+              <a:rPr kumimoji="0" lang="en-US" sz="1200" b="0" i="0" u="none" strike="noStrike" kern="1200" cap="none" spc="0" normalizeH="0" baseline="0" noProof="0" dirty="0">
+                <a:ln>
+                  <a:noFill/>
+                </a:ln>
+                <a:solidFill>
+                  <a:prstClr val="white"/>
+                </a:solidFill>
+                <a:effectLst/>
+                <a:uLnTx/>
+                <a:uFillTx/>
+                <a:ea typeface="+mn-ea"/>
+                <a:cs typeface="+mn-cs"/>
+              </a:rPr>
+              <a:t>Field I/O device </a:t>
+            </a:r>
+            <a:endParaRPr kumimoji="0" lang="en-SG" sz="1200" b="0" i="0" u="none" strike="noStrike" kern="1200" cap="none" spc="0" normalizeH="0" baseline="0" noProof="0" dirty="0">
+              <a:ln>
+                <a:noFill/>
+              </a:ln>
+              <a:solidFill>
+                <a:prstClr val="white"/>
+              </a:solidFill>
+              <a:effectLst/>
+              <a:uLnTx/>
+              <a:uFillTx/>
+              <a:ea typeface="+mn-ea"/>
+              <a:cs typeface="+mn-cs"/>
+            </a:endParaRPr>
+          </a:p>
+        </p:txBody>
+      </p:sp>
+      <p:sp>
+        <p:nvSpPr>
+          <p:cNvPr id="9" name="Rectangle 8">
+            <a:extLst>
+              <a:ext uri="{FF2B5EF4-FFF2-40B4-BE49-F238E27FC236}">
+                <a16:creationId xmlns:a16="http://schemas.microsoft.com/office/drawing/2014/main" id="{27AFB3D3-5B53-1FE8-2F8A-C8726F928826}"/>
+              </a:ext>
+            </a:extLst>
+          </p:cNvPr>
+          <p:cNvSpPr/>
+          <p:nvPr/>
+        </p:nvSpPr>
+        <p:spPr>
+          <a:xfrm>
+            <a:off x="2075570" y="5518516"/>
+            <a:ext cx="1079110" cy="220327"/>
+          </a:xfrm>
+          <a:prstGeom prst="rect">
+            <a:avLst/>
+          </a:prstGeom>
+          <a:solidFill>
+            <a:schemeClr val="bg1">
+              <a:lumMod val="75000"/>
+            </a:schemeClr>
+          </a:solidFill>
+        </p:spPr>
+        <p:style>
+          <a:lnRef idx="2">
+            <a:schemeClr val="accent1">
+              <a:shade val="50000"/>
+            </a:schemeClr>
+          </a:lnRef>
+          <a:fillRef idx="1">
+            <a:schemeClr val="accent1"/>
+          </a:fillRef>
+          <a:effectRef idx="0">
+            <a:schemeClr val="accent1"/>
+          </a:effectRef>
+          <a:fontRef idx="minor">
+            <a:schemeClr val="lt1"/>
+          </a:fontRef>
+        </p:style>
+        <p:txBody>
+          <a:bodyPr rtlCol="0" anchor="ctr"/>
+          <a:lstStyle/>
+          <a:p>
+            <a:pPr marL="0" marR="0" lvl="0" indent="0" algn="l" defTabSz="914400" rtl="0" eaLnBrk="1" fontAlgn="auto" latinLnBrk="0" hangingPunct="1">
+              <a:lnSpc>
+                <a:spcPct val="100000"/>
+              </a:lnSpc>
+              <a:spcBef>
+                <a:spcPts val="0"/>
+              </a:spcBef>
+              <a:spcAft>
+                <a:spcPts val="0"/>
+              </a:spcAft>
+              <a:buClrTx/>
+              <a:buSzTx/>
+              <a:buFontTx/>
+              <a:buNone/>
+              <a:tabLst/>
+              <a:defRPr/>
+            </a:pPr>
+            <a:r>
+              <a:rPr kumimoji="0" lang="en-SG" sz="1000" b="1" i="0" u="none" strike="noStrike" kern="1200" cap="none" spc="0" normalizeH="0" baseline="0" noProof="0" dirty="0">
+                <a:ln>
+                  <a:noFill/>
+                </a:ln>
+                <a:solidFill>
+                  <a:prstClr val="black"/>
+                </a:solidFill>
+                <a:effectLst/>
+                <a:uLnTx/>
+                <a:uFillTx/>
+                <a:latin typeface="Calibri" panose="020F0502020204030204"/>
+                <a:ea typeface="+mn-ea"/>
+                <a:cs typeface="+mn-cs"/>
+              </a:rPr>
+              <a:t>Wind Turbines</a:t>
+            </a:r>
+          </a:p>
+        </p:txBody>
+      </p:sp>
+      <p:sp>
+        <p:nvSpPr>
+          <p:cNvPr id="14" name="Rectangle 13">
+            <a:extLst>
+              <a:ext uri="{FF2B5EF4-FFF2-40B4-BE49-F238E27FC236}">
+                <a16:creationId xmlns:a16="http://schemas.microsoft.com/office/drawing/2014/main" id="{5154C83B-8964-1DD6-3028-A05CFDF15207}"/>
+              </a:ext>
+            </a:extLst>
+          </p:cNvPr>
+          <p:cNvSpPr/>
+          <p:nvPr/>
+        </p:nvSpPr>
+        <p:spPr>
+          <a:xfrm>
+            <a:off x="3610210" y="5521233"/>
+            <a:ext cx="1433852" cy="220327"/>
+          </a:xfrm>
+          <a:prstGeom prst="rect">
+            <a:avLst/>
+          </a:prstGeom>
+          <a:solidFill>
+            <a:schemeClr val="bg1">
+              <a:lumMod val="75000"/>
+            </a:schemeClr>
+          </a:solidFill>
+        </p:spPr>
+        <p:style>
+          <a:lnRef idx="2">
+            <a:schemeClr val="accent1">
+              <a:shade val="50000"/>
+            </a:schemeClr>
+          </a:lnRef>
+          <a:fillRef idx="1">
+            <a:schemeClr val="accent1"/>
+          </a:fillRef>
+          <a:effectRef idx="0">
+            <a:schemeClr val="accent1"/>
+          </a:effectRef>
+          <a:fontRef idx="minor">
+            <a:schemeClr val="lt1"/>
+          </a:fontRef>
+        </p:style>
+        <p:txBody>
+          <a:bodyPr rtlCol="0" anchor="ctr"/>
+          <a:lstStyle/>
+          <a:p>
+            <a:pPr marL="0" marR="0" lvl="0" indent="0" algn="l" defTabSz="914400" rtl="0" eaLnBrk="1" fontAlgn="auto" latinLnBrk="0" hangingPunct="1">
+              <a:lnSpc>
+                <a:spcPct val="100000"/>
+              </a:lnSpc>
+              <a:spcBef>
+                <a:spcPts val="0"/>
+              </a:spcBef>
+              <a:spcAft>
+                <a:spcPts val="0"/>
+              </a:spcAft>
+              <a:buClrTx/>
+              <a:buSzTx/>
+              <a:buFontTx/>
+              <a:buNone/>
+              <a:tabLst/>
+              <a:defRPr/>
+            </a:pPr>
+            <a:r>
+              <a:rPr lang="en-SG" sz="1000" b="1" dirty="0">
+                <a:solidFill>
+                  <a:prstClr val="black"/>
+                </a:solidFill>
+                <a:latin typeface="Calibri" panose="020F0502020204030204"/>
+              </a:rPr>
+              <a:t>Low</a:t>
+            </a:r>
+            <a:r>
+              <a:rPr kumimoji="0" lang="en-SG" sz="1000" b="1" i="0" u="none" strike="noStrike" kern="1200" cap="none" spc="0" normalizeH="0" baseline="0" noProof="0" dirty="0">
+                <a:ln>
+                  <a:noFill/>
+                </a:ln>
+                <a:solidFill>
+                  <a:prstClr val="black"/>
+                </a:solidFill>
+                <a:effectLst/>
+                <a:uLnTx/>
+                <a:uFillTx/>
+                <a:latin typeface="Calibri" panose="020F0502020204030204"/>
+                <a:ea typeface="+mn-ea"/>
+                <a:cs typeface="+mn-cs"/>
+              </a:rPr>
+              <a:t> voltage power bus</a:t>
+            </a:r>
+          </a:p>
+        </p:txBody>
+      </p:sp>
+      <p:sp>
+        <p:nvSpPr>
+          <p:cNvPr id="17" name="Rectangle 16">
+            <a:extLst>
+              <a:ext uri="{FF2B5EF4-FFF2-40B4-BE49-F238E27FC236}">
+                <a16:creationId xmlns:a16="http://schemas.microsoft.com/office/drawing/2014/main" id="{6F2F66C8-B321-398D-60E9-25D331C3AAA3}"/>
+              </a:ext>
+            </a:extLst>
+          </p:cNvPr>
+          <p:cNvSpPr/>
+          <p:nvPr/>
+        </p:nvSpPr>
+        <p:spPr>
+          <a:xfrm>
+            <a:off x="5441379" y="5518515"/>
+            <a:ext cx="1146147" cy="220327"/>
+          </a:xfrm>
+          <a:prstGeom prst="rect">
+            <a:avLst/>
+          </a:prstGeom>
+          <a:solidFill>
+            <a:schemeClr val="bg1">
+              <a:lumMod val="75000"/>
+            </a:schemeClr>
+          </a:solidFill>
+        </p:spPr>
+        <p:style>
+          <a:lnRef idx="2">
+            <a:schemeClr val="accent1">
+              <a:shade val="50000"/>
+            </a:schemeClr>
+          </a:lnRef>
+          <a:fillRef idx="1">
+            <a:schemeClr val="accent1"/>
+          </a:fillRef>
+          <a:effectRef idx="0">
+            <a:schemeClr val="accent1"/>
+          </a:effectRef>
+          <a:fontRef idx="minor">
+            <a:schemeClr val="lt1"/>
+          </a:fontRef>
+        </p:style>
+        <p:txBody>
+          <a:bodyPr rtlCol="0" anchor="ctr"/>
+          <a:lstStyle/>
+          <a:p>
+            <a:pPr marL="0" marR="0" lvl="0" indent="0" algn="l" defTabSz="914400" rtl="0" eaLnBrk="1" fontAlgn="auto" latinLnBrk="0" hangingPunct="1">
+              <a:lnSpc>
+                <a:spcPct val="100000"/>
+              </a:lnSpc>
+              <a:spcBef>
+                <a:spcPts val="0"/>
+              </a:spcBef>
+              <a:spcAft>
+                <a:spcPts val="0"/>
+              </a:spcAft>
+              <a:buClrTx/>
+              <a:buSzTx/>
+              <a:buFontTx/>
+              <a:buNone/>
+              <a:tabLst/>
+              <a:defRPr/>
+            </a:pPr>
+            <a:r>
+              <a:rPr lang="en-SG" sz="1000" b="1" dirty="0">
+                <a:solidFill>
+                  <a:prstClr val="black"/>
+                </a:solidFill>
+                <a:latin typeface="Calibri" panose="020F0502020204030204"/>
+              </a:rPr>
+              <a:t>Secondary Loads</a:t>
+            </a:r>
+            <a:endParaRPr kumimoji="0" lang="en-SG" sz="1000" b="1" i="0" u="none" strike="noStrike" kern="1200" cap="none" spc="0" normalizeH="0" baseline="0" noProof="0" dirty="0">
+              <a:ln>
+                <a:noFill/>
+              </a:ln>
+              <a:solidFill>
+                <a:prstClr val="black"/>
+              </a:solidFill>
+              <a:effectLst/>
+              <a:uLnTx/>
+              <a:uFillTx/>
+              <a:latin typeface="Calibri" panose="020F0502020204030204"/>
+              <a:ea typeface="+mn-ea"/>
+              <a:cs typeface="+mn-cs"/>
+            </a:endParaRPr>
+          </a:p>
+        </p:txBody>
+      </p:sp>
+      <p:cxnSp>
+        <p:nvCxnSpPr>
+          <p:cNvPr id="20" name="Straight Connector 19">
+            <a:extLst>
+              <a:ext uri="{FF2B5EF4-FFF2-40B4-BE49-F238E27FC236}">
+                <a16:creationId xmlns:a16="http://schemas.microsoft.com/office/drawing/2014/main" id="{476737AE-0061-7548-04D7-5CD37B77DC1B}"/>
+              </a:ext>
+            </a:extLst>
+          </p:cNvPr>
+          <p:cNvCxnSpPr>
+            <a:cxnSpLocks/>
+          </p:cNvCxnSpPr>
+          <p:nvPr/>
+        </p:nvCxnSpPr>
+        <p:spPr>
+          <a:xfrm>
+            <a:off x="3163824" y="5290161"/>
+            <a:ext cx="103531" cy="0"/>
+          </a:xfrm>
+          <a:prstGeom prst="line">
+            <a:avLst/>
+          </a:prstGeom>
+          <a:ln w="12700"/>
+        </p:spPr>
+        <p:style>
+          <a:lnRef idx="1">
+            <a:schemeClr val="dk1"/>
+          </a:lnRef>
+          <a:fillRef idx="0">
+            <a:schemeClr val="dk1"/>
+          </a:fillRef>
+          <a:effectRef idx="0">
+            <a:schemeClr val="dk1"/>
+          </a:effectRef>
+          <a:fontRef idx="minor">
+            <a:schemeClr val="tx1"/>
+          </a:fontRef>
+        </p:style>
+      </p:cxnSp>
+      <p:cxnSp>
+        <p:nvCxnSpPr>
+          <p:cNvPr id="22" name="Straight Connector 21">
+            <a:extLst>
+              <a:ext uri="{FF2B5EF4-FFF2-40B4-BE49-F238E27FC236}">
+                <a16:creationId xmlns:a16="http://schemas.microsoft.com/office/drawing/2014/main" id="{C3FEA58F-A4C4-D207-C90F-D475A8A00D15}"/>
+              </a:ext>
+            </a:extLst>
+          </p:cNvPr>
+          <p:cNvCxnSpPr>
+            <a:cxnSpLocks/>
+          </p:cNvCxnSpPr>
+          <p:nvPr/>
+        </p:nvCxnSpPr>
+        <p:spPr>
+          <a:xfrm>
+            <a:off x="3160776" y="5680305"/>
+            <a:ext cx="103531" cy="0"/>
+          </a:xfrm>
+          <a:prstGeom prst="line">
+            <a:avLst/>
+          </a:prstGeom>
+          <a:ln w="12700"/>
+        </p:spPr>
+        <p:style>
+          <a:lnRef idx="1">
+            <a:schemeClr val="dk1"/>
+          </a:lnRef>
+          <a:fillRef idx="0">
+            <a:schemeClr val="dk1"/>
+          </a:fillRef>
+          <a:effectRef idx="0">
+            <a:schemeClr val="dk1"/>
+          </a:effectRef>
+          <a:fontRef idx="minor">
+            <a:schemeClr val="tx1"/>
+          </a:fontRef>
+        </p:style>
+      </p:cxnSp>
+      <p:sp>
+        <p:nvSpPr>
+          <p:cNvPr id="23" name="Rectangle: Rounded Corners 22">
+            <a:extLst>
+              <a:ext uri="{FF2B5EF4-FFF2-40B4-BE49-F238E27FC236}">
+                <a16:creationId xmlns:a16="http://schemas.microsoft.com/office/drawing/2014/main" id="{3352E23C-217D-7D34-4F04-6F50F2BA66D1}"/>
+              </a:ext>
+            </a:extLst>
+          </p:cNvPr>
+          <p:cNvSpPr/>
+          <p:nvPr/>
+        </p:nvSpPr>
+        <p:spPr>
+          <a:xfrm>
+            <a:off x="836397" y="2888497"/>
+            <a:ext cx="5956289" cy="1389658"/>
+          </a:xfrm>
+          <a:prstGeom prst="roundRect">
+            <a:avLst/>
+          </a:prstGeom>
+          <a:solidFill>
+            <a:srgbClr val="F4C54F"/>
+          </a:solidFill>
+          <a:ln>
+            <a:noFill/>
+          </a:ln>
+        </p:spPr>
+        <p:style>
+          <a:lnRef idx="2">
+            <a:schemeClr val="accent1">
+              <a:shade val="15000"/>
+            </a:schemeClr>
+          </a:lnRef>
+          <a:fillRef idx="1">
+            <a:schemeClr val="accent1"/>
+          </a:fillRef>
+          <a:effectRef idx="0">
+            <a:schemeClr val="accent1"/>
+          </a:effectRef>
+          <a:fontRef idx="minor">
+            <a:schemeClr val="lt1"/>
+          </a:fontRef>
+        </p:style>
+        <p:txBody>
+          <a:bodyPr rtlCol="0" anchor="ctr"/>
+          <a:lstStyle/>
+          <a:p>
+            <a:pPr marL="0" marR="0" lvl="0" indent="0" algn="ctr" defTabSz="914400" rtl="0" eaLnBrk="1" fontAlgn="auto" latinLnBrk="0" hangingPunct="1">
+              <a:lnSpc>
+                <a:spcPct val="100000"/>
+              </a:lnSpc>
+              <a:spcBef>
+                <a:spcPts val="0"/>
+              </a:spcBef>
+              <a:spcAft>
+                <a:spcPts val="0"/>
+              </a:spcAft>
+              <a:buClrTx/>
+              <a:buSzTx/>
+              <a:buFontTx/>
+              <a:buNone/>
+              <a:tabLst/>
+              <a:defRPr/>
+            </a:pPr>
+            <a:endParaRPr kumimoji="0" lang="en-SG" sz="1800" b="0" i="0" u="none" strike="noStrike" kern="1200" cap="none" spc="0" normalizeH="0" baseline="0" noProof="0" dirty="0">
+              <a:ln>
+                <a:noFill/>
+              </a:ln>
+              <a:solidFill>
+                <a:prstClr val="white"/>
+              </a:solidFill>
+              <a:effectLst/>
+              <a:uLnTx/>
+              <a:uFillTx/>
+              <a:latin typeface="Calibri" panose="020F0502020204030204"/>
+              <a:ea typeface="+mn-ea"/>
+              <a:cs typeface="+mn-cs"/>
+            </a:endParaRPr>
+          </a:p>
+        </p:txBody>
+      </p:sp>
+      <p:cxnSp>
+        <p:nvCxnSpPr>
+          <p:cNvPr id="19" name="Straight Connector 18">
+            <a:extLst>
+              <a:ext uri="{FF2B5EF4-FFF2-40B4-BE49-F238E27FC236}">
+                <a16:creationId xmlns:a16="http://schemas.microsoft.com/office/drawing/2014/main" id="{52037FC4-8C8D-25D4-EAE5-E03BD8914A0D}"/>
+              </a:ext>
+            </a:extLst>
+          </p:cNvPr>
+          <p:cNvCxnSpPr>
+            <a:cxnSpLocks/>
+          </p:cNvCxnSpPr>
+          <p:nvPr/>
+        </p:nvCxnSpPr>
+        <p:spPr>
+          <a:xfrm>
+            <a:off x="3269093" y="4178808"/>
+            <a:ext cx="0" cy="1506640"/>
+          </a:xfrm>
+          <a:prstGeom prst="line">
+            <a:avLst/>
+          </a:prstGeom>
+          <a:ln w="12700"/>
+        </p:spPr>
+        <p:style>
+          <a:lnRef idx="1">
+            <a:schemeClr val="dk1"/>
+          </a:lnRef>
+          <a:fillRef idx="0">
+            <a:schemeClr val="dk1"/>
+          </a:fillRef>
+          <a:effectRef idx="0">
+            <a:schemeClr val="dk1"/>
+          </a:effectRef>
+          <a:fontRef idx="minor">
+            <a:schemeClr val="tx1"/>
+          </a:fontRef>
+        </p:style>
+      </p:cxnSp>
+      <p:cxnSp>
+        <p:nvCxnSpPr>
+          <p:cNvPr id="25" name="Straight Arrow Connector 24">
+            <a:extLst>
+              <a:ext uri="{FF2B5EF4-FFF2-40B4-BE49-F238E27FC236}">
+                <a16:creationId xmlns:a16="http://schemas.microsoft.com/office/drawing/2014/main" id="{F379BA42-DFEA-8AD2-AF4E-075B14E54431}"/>
+              </a:ext>
+            </a:extLst>
+          </p:cNvPr>
+          <p:cNvCxnSpPr>
+            <a:cxnSpLocks/>
+          </p:cNvCxnSpPr>
+          <p:nvPr/>
+        </p:nvCxnSpPr>
+        <p:spPr>
+          <a:xfrm flipV="1">
+            <a:off x="2276856" y="4026947"/>
+            <a:ext cx="0" cy="1491568"/>
+          </a:xfrm>
+          <a:prstGeom prst="straightConnector1">
+            <a:avLst/>
+          </a:prstGeom>
+          <a:ln>
+            <a:tailEnd type="triangle"/>
+          </a:ln>
+        </p:spPr>
+        <p:style>
+          <a:lnRef idx="2">
+            <a:schemeClr val="accent1"/>
+          </a:lnRef>
+          <a:fillRef idx="0">
+            <a:schemeClr val="accent1"/>
+          </a:fillRef>
+          <a:effectRef idx="1">
+            <a:schemeClr val="accent1"/>
+          </a:effectRef>
+          <a:fontRef idx="minor">
+            <a:schemeClr val="tx1"/>
+          </a:fontRef>
+        </p:style>
+      </p:cxnSp>
+      <p:sp>
+        <p:nvSpPr>
+          <p:cNvPr id="8" name="Rectangle 7">
+            <a:extLst>
+              <a:ext uri="{FF2B5EF4-FFF2-40B4-BE49-F238E27FC236}">
+                <a16:creationId xmlns:a16="http://schemas.microsoft.com/office/drawing/2014/main" id="{B58546A8-06AC-38E4-5716-EE006A6A590E}"/>
+              </a:ext>
+            </a:extLst>
+          </p:cNvPr>
+          <p:cNvSpPr/>
+          <p:nvPr/>
+        </p:nvSpPr>
+        <p:spPr>
+          <a:xfrm>
+            <a:off x="2075570" y="5198049"/>
+            <a:ext cx="1079110" cy="220327"/>
+          </a:xfrm>
+          <a:prstGeom prst="rect">
+            <a:avLst/>
+          </a:prstGeom>
+          <a:solidFill>
+            <a:schemeClr val="bg1">
+              <a:lumMod val="75000"/>
+            </a:schemeClr>
+          </a:solidFill>
+        </p:spPr>
+        <p:style>
+          <a:lnRef idx="2">
+            <a:schemeClr val="accent1">
+              <a:shade val="50000"/>
+            </a:schemeClr>
+          </a:lnRef>
+          <a:fillRef idx="1">
+            <a:schemeClr val="accent1"/>
+          </a:fillRef>
+          <a:effectRef idx="0">
+            <a:schemeClr val="accent1"/>
+          </a:effectRef>
+          <a:fontRef idx="minor">
+            <a:schemeClr val="lt1"/>
+          </a:fontRef>
+        </p:style>
+        <p:txBody>
+          <a:bodyPr rtlCol="0" anchor="ctr"/>
+          <a:lstStyle/>
+          <a:p>
+            <a:pPr marL="0" marR="0" lvl="0" indent="0" algn="l" defTabSz="914400" rtl="0" eaLnBrk="1" fontAlgn="auto" latinLnBrk="0" hangingPunct="1">
+              <a:lnSpc>
+                <a:spcPct val="100000"/>
+              </a:lnSpc>
+              <a:spcBef>
+                <a:spcPts val="0"/>
+              </a:spcBef>
+              <a:spcAft>
+                <a:spcPts val="0"/>
+              </a:spcAft>
+              <a:buClrTx/>
+              <a:buSzTx/>
+              <a:buFontTx/>
+              <a:buNone/>
+              <a:tabLst/>
+              <a:defRPr/>
+            </a:pPr>
+            <a:r>
+              <a:rPr kumimoji="0" lang="en-SG" sz="1000" b="1" i="0" u="none" strike="noStrike" kern="1200" cap="none" spc="0" normalizeH="0" baseline="0" noProof="0" dirty="0">
+                <a:ln>
+                  <a:noFill/>
+                </a:ln>
+                <a:solidFill>
+                  <a:prstClr val="black"/>
+                </a:solidFill>
+                <a:effectLst/>
+                <a:uLnTx/>
+                <a:uFillTx/>
+                <a:latin typeface="Calibri" panose="020F0502020204030204"/>
+                <a:ea typeface="+mn-ea"/>
+                <a:cs typeface="+mn-cs"/>
+              </a:rPr>
+              <a:t>Solar Panels</a:t>
+            </a:r>
+          </a:p>
+        </p:txBody>
+      </p:sp>
+      <p:sp>
+        <p:nvSpPr>
+          <p:cNvPr id="7" name="Rectangle 6">
+            <a:extLst>
+              <a:ext uri="{FF2B5EF4-FFF2-40B4-BE49-F238E27FC236}">
+                <a16:creationId xmlns:a16="http://schemas.microsoft.com/office/drawing/2014/main" id="{6E9B92B3-220D-6119-DB96-9C09E64D58B6}"/>
+              </a:ext>
+            </a:extLst>
+          </p:cNvPr>
+          <p:cNvSpPr/>
+          <p:nvPr/>
+        </p:nvSpPr>
+        <p:spPr>
+          <a:xfrm>
+            <a:off x="2075570" y="4893455"/>
+            <a:ext cx="1079110" cy="220327"/>
+          </a:xfrm>
+          <a:prstGeom prst="rect">
+            <a:avLst/>
+          </a:prstGeom>
+          <a:solidFill>
+            <a:schemeClr val="bg1">
+              <a:lumMod val="75000"/>
+            </a:schemeClr>
+          </a:solidFill>
+        </p:spPr>
+        <p:style>
+          <a:lnRef idx="2">
+            <a:schemeClr val="accent1">
+              <a:shade val="50000"/>
+            </a:schemeClr>
+          </a:lnRef>
+          <a:fillRef idx="1">
+            <a:schemeClr val="accent1"/>
+          </a:fillRef>
+          <a:effectRef idx="0">
+            <a:schemeClr val="accent1"/>
+          </a:effectRef>
+          <a:fontRef idx="minor">
+            <a:schemeClr val="lt1"/>
+          </a:fontRef>
+        </p:style>
+        <p:txBody>
+          <a:bodyPr rtlCol="0" anchor="ctr"/>
+          <a:lstStyle/>
+          <a:p>
+            <a:pPr marL="0" marR="0" lvl="0" indent="0" algn="l" defTabSz="914400" rtl="0" eaLnBrk="1" fontAlgn="auto" latinLnBrk="0" hangingPunct="1">
+              <a:lnSpc>
+                <a:spcPct val="100000"/>
+              </a:lnSpc>
+              <a:spcBef>
+                <a:spcPts val="0"/>
+              </a:spcBef>
+              <a:spcAft>
+                <a:spcPts val="0"/>
+              </a:spcAft>
+              <a:buClrTx/>
+              <a:buSzTx/>
+              <a:buFontTx/>
+              <a:buNone/>
+              <a:tabLst/>
+              <a:defRPr/>
+            </a:pPr>
+            <a:r>
+              <a:rPr kumimoji="0" lang="en-SG" sz="1000" b="1" i="0" u="none" strike="noStrike" kern="1200" cap="none" spc="0" normalizeH="0" baseline="0" noProof="0" dirty="0">
+                <a:ln>
+                  <a:noFill/>
+                </a:ln>
+                <a:solidFill>
+                  <a:prstClr val="black"/>
+                </a:solidFill>
+                <a:effectLst/>
+                <a:uLnTx/>
+                <a:uFillTx/>
+                <a:latin typeface="Calibri" panose="020F0502020204030204"/>
+                <a:ea typeface="+mn-ea"/>
+                <a:cs typeface="+mn-cs"/>
+              </a:rPr>
+              <a:t>Power generator </a:t>
+            </a:r>
+          </a:p>
+        </p:txBody>
+      </p:sp>
+      <p:sp>
+        <p:nvSpPr>
+          <p:cNvPr id="12" name="Rectangle 11">
+            <a:extLst>
+              <a:ext uri="{FF2B5EF4-FFF2-40B4-BE49-F238E27FC236}">
+                <a16:creationId xmlns:a16="http://schemas.microsoft.com/office/drawing/2014/main" id="{C394E2D7-3799-4B21-C222-09947B255E86}"/>
+              </a:ext>
+            </a:extLst>
+          </p:cNvPr>
+          <p:cNvSpPr/>
+          <p:nvPr/>
+        </p:nvSpPr>
+        <p:spPr>
+          <a:xfrm>
+            <a:off x="2075570" y="4572988"/>
+            <a:ext cx="1079110" cy="220327"/>
+          </a:xfrm>
+          <a:prstGeom prst="rect">
+            <a:avLst/>
+          </a:prstGeom>
+          <a:solidFill>
+            <a:schemeClr val="bg1">
+              <a:lumMod val="75000"/>
+            </a:schemeClr>
+          </a:solidFill>
+        </p:spPr>
+        <p:style>
+          <a:lnRef idx="2">
+            <a:schemeClr val="accent1">
+              <a:shade val="50000"/>
+            </a:schemeClr>
+          </a:lnRef>
+          <a:fillRef idx="1">
+            <a:schemeClr val="accent1"/>
+          </a:fillRef>
+          <a:effectRef idx="0">
+            <a:schemeClr val="accent1"/>
+          </a:effectRef>
+          <a:fontRef idx="minor">
+            <a:schemeClr val="lt1"/>
+          </a:fontRef>
+        </p:style>
+        <p:txBody>
+          <a:bodyPr rtlCol="0" anchor="ctr"/>
+          <a:lstStyle/>
+          <a:p>
+            <a:pPr marL="0" marR="0" lvl="0" indent="0" algn="l" defTabSz="914400" rtl="0" eaLnBrk="1" fontAlgn="auto" latinLnBrk="0" hangingPunct="1">
+              <a:lnSpc>
+                <a:spcPct val="100000"/>
+              </a:lnSpc>
+              <a:spcBef>
+                <a:spcPts val="0"/>
+              </a:spcBef>
+              <a:spcAft>
+                <a:spcPts val="0"/>
+              </a:spcAft>
+              <a:buClrTx/>
+              <a:buSzTx/>
+              <a:buFontTx/>
+              <a:buNone/>
+              <a:tabLst/>
+              <a:defRPr/>
+            </a:pPr>
+            <a:r>
+              <a:rPr kumimoji="0" lang="en-SG" sz="1000" b="1" i="0" u="none" strike="noStrike" kern="1200" cap="none" spc="0" normalizeH="0" baseline="0" noProof="0" dirty="0">
+                <a:ln>
+                  <a:noFill/>
+                </a:ln>
+                <a:solidFill>
+                  <a:prstClr val="black"/>
+                </a:solidFill>
+                <a:effectLst/>
+                <a:uLnTx/>
+                <a:uFillTx/>
+                <a:latin typeface="Calibri" panose="020F0502020204030204"/>
+                <a:ea typeface="+mn-ea"/>
+                <a:cs typeface="+mn-cs"/>
+              </a:rPr>
+              <a:t>Circuit breakers</a:t>
+            </a:r>
+          </a:p>
+        </p:txBody>
+      </p:sp>
+      <p:pic>
+        <p:nvPicPr>
+          <p:cNvPr id="27" name="Picture 26">
+            <a:extLst>
+              <a:ext uri="{FF2B5EF4-FFF2-40B4-BE49-F238E27FC236}">
+                <a16:creationId xmlns:a16="http://schemas.microsoft.com/office/drawing/2014/main" id="{BF6AFB5A-BE25-24A1-6A26-B16D0654D928}"/>
+              </a:ext>
+            </a:extLst>
+          </p:cNvPr>
+          <p:cNvPicPr>
+            <a:picLocks noChangeAspect="1"/>
+          </p:cNvPicPr>
+          <p:nvPr/>
+        </p:nvPicPr>
+        <p:blipFill>
+          <a:blip r:embed="rId2"/>
+          <a:stretch>
+            <a:fillRect/>
+          </a:stretch>
+        </p:blipFill>
+        <p:spPr>
+          <a:xfrm>
+            <a:off x="2758465" y="3560280"/>
+            <a:ext cx="627867" cy="446484"/>
+          </a:xfrm>
+          <a:prstGeom prst="rect">
+            <a:avLst/>
+          </a:prstGeom>
+          <a:ln w="9525">
+            <a:solidFill>
+              <a:schemeClr val="tx1"/>
+            </a:solidFill>
+          </a:ln>
+        </p:spPr>
+      </p:pic>
+      <p:pic>
+        <p:nvPicPr>
+          <p:cNvPr id="29" name="Picture 28" descr="TM221CE16R Schneider Electric Modicon M221 PLC CPU Mini USB Interface –  Ralakde Automation">
+            <a:extLst>
+              <a:ext uri="{FF2B5EF4-FFF2-40B4-BE49-F238E27FC236}">
+                <a16:creationId xmlns:a16="http://schemas.microsoft.com/office/drawing/2014/main" id="{92303F15-E303-CB86-8DF0-A9619AFCB887}"/>
+              </a:ext>
+            </a:extLst>
+          </p:cNvPr>
+          <p:cNvPicPr>
+            <a:picLocks noChangeAspect="1" noChangeArrowheads="1"/>
+          </p:cNvPicPr>
+          <p:nvPr/>
+        </p:nvPicPr>
+        <p:blipFill>
+          <a:blip r:embed="rId3">
+            <a:extLst>
+              <a:ext uri="{28A0092B-C50C-407E-A947-70E740481C1C}">
+                <a14:useLocalDpi xmlns:a14="http://schemas.microsoft.com/office/drawing/2010/main" val="0"/>
+              </a:ext>
+            </a:extLst>
+          </a:blip>
+          <a:srcRect/>
+          <a:stretch>
+            <a:fillRect/>
+          </a:stretch>
+        </p:blipFill>
+        <p:spPr bwMode="auto">
+          <a:xfrm>
+            <a:off x="2075570" y="3555667"/>
+            <a:ext cx="429884" cy="471280"/>
+          </a:xfrm>
+          <a:prstGeom prst="rect">
+            <a:avLst/>
+          </a:prstGeom>
+          <a:noFill/>
+          <a:ln w="9525">
+            <a:solidFill>
+              <a:schemeClr val="tx1"/>
+            </a:solidFill>
+          </a:ln>
+          <a:extLst>
+            <a:ext uri="{909E8E84-426E-40DD-AFC4-6F175D3DCCD1}">
+              <a14:hiddenFill xmlns:a14="http://schemas.microsoft.com/office/drawing/2010/main">
+                <a:solidFill>
+                  <a:srgbClr val="FFFFFF"/>
+                </a:solidFill>
+              </a14:hiddenFill>
+            </a:ext>
+          </a:extLst>
+        </p:spPr>
+      </p:pic>
+      <p:cxnSp>
+        <p:nvCxnSpPr>
+          <p:cNvPr id="32" name="Connector: Elbow 31">
+            <a:extLst>
+              <a:ext uri="{FF2B5EF4-FFF2-40B4-BE49-F238E27FC236}">
+                <a16:creationId xmlns:a16="http://schemas.microsoft.com/office/drawing/2014/main" id="{4F283E8F-F03E-E000-4F85-5AF0E70597B6}"/>
+              </a:ext>
+            </a:extLst>
+          </p:cNvPr>
+          <p:cNvCxnSpPr>
+            <a:cxnSpLocks/>
+            <a:endCxn id="27" idx="2"/>
+          </p:cNvCxnSpPr>
+          <p:nvPr/>
+        </p:nvCxnSpPr>
+        <p:spPr>
+          <a:xfrm rot="10800000">
+            <a:off x="3072400" y="4006765"/>
+            <a:ext cx="205091" cy="177895"/>
+          </a:xfrm>
+          <a:prstGeom prst="bentConnector2">
+            <a:avLst/>
+          </a:prstGeom>
+          <a:ln w="12700">
+            <a:tailEnd type="triangle"/>
+          </a:ln>
+        </p:spPr>
+        <p:style>
+          <a:lnRef idx="2">
+            <a:schemeClr val="dk1"/>
+          </a:lnRef>
+          <a:fillRef idx="0">
+            <a:schemeClr val="dk1"/>
+          </a:fillRef>
+          <a:effectRef idx="1">
+            <a:schemeClr val="dk1"/>
+          </a:effectRef>
+          <a:fontRef idx="minor">
+            <a:schemeClr val="tx1"/>
+          </a:fontRef>
+        </p:style>
+      </p:cxnSp>
+      <p:cxnSp>
+        <p:nvCxnSpPr>
+          <p:cNvPr id="36" name="Straight Connector 35">
+            <a:extLst>
+              <a:ext uri="{FF2B5EF4-FFF2-40B4-BE49-F238E27FC236}">
+                <a16:creationId xmlns:a16="http://schemas.microsoft.com/office/drawing/2014/main" id="{236E8AAB-0719-45B6-D665-08F487ECA2E2}"/>
+              </a:ext>
+            </a:extLst>
+          </p:cNvPr>
+          <p:cNvCxnSpPr>
+            <a:cxnSpLocks/>
+          </p:cNvCxnSpPr>
+          <p:nvPr/>
+        </p:nvCxnSpPr>
+        <p:spPr>
+          <a:xfrm>
+            <a:off x="3166872" y="5009745"/>
+            <a:ext cx="103531" cy="0"/>
+          </a:xfrm>
+          <a:prstGeom prst="line">
+            <a:avLst/>
+          </a:prstGeom>
+          <a:ln w="12700"/>
+        </p:spPr>
+        <p:style>
+          <a:lnRef idx="1">
+            <a:schemeClr val="dk1"/>
+          </a:lnRef>
+          <a:fillRef idx="0">
+            <a:schemeClr val="dk1"/>
+          </a:fillRef>
+          <a:effectRef idx="0">
+            <a:schemeClr val="dk1"/>
+          </a:effectRef>
+          <a:fontRef idx="minor">
+            <a:schemeClr val="tx1"/>
+          </a:fontRef>
+        </p:style>
+      </p:cxnSp>
+      <p:cxnSp>
+        <p:nvCxnSpPr>
+          <p:cNvPr id="37" name="Straight Connector 36">
+            <a:extLst>
+              <a:ext uri="{FF2B5EF4-FFF2-40B4-BE49-F238E27FC236}">
+                <a16:creationId xmlns:a16="http://schemas.microsoft.com/office/drawing/2014/main" id="{8082107A-C33D-5FF9-0817-27F569B4E443}"/>
+              </a:ext>
+            </a:extLst>
+          </p:cNvPr>
+          <p:cNvCxnSpPr>
+            <a:cxnSpLocks/>
+            <a:stCxn id="12" idx="3"/>
+          </p:cNvCxnSpPr>
+          <p:nvPr/>
+        </p:nvCxnSpPr>
+        <p:spPr>
+          <a:xfrm flipV="1">
+            <a:off x="3154680" y="4675291"/>
+            <a:ext cx="122810" cy="0"/>
+          </a:xfrm>
+          <a:prstGeom prst="line">
+            <a:avLst/>
+          </a:prstGeom>
+          <a:ln w="12700"/>
+        </p:spPr>
+        <p:style>
+          <a:lnRef idx="1">
+            <a:schemeClr val="dk1"/>
+          </a:lnRef>
+          <a:fillRef idx="0">
+            <a:schemeClr val="dk1"/>
+          </a:fillRef>
+          <a:effectRef idx="0">
+            <a:schemeClr val="dk1"/>
+          </a:effectRef>
+          <a:fontRef idx="minor">
+            <a:schemeClr val="tx1"/>
+          </a:fontRef>
+        </p:style>
+      </p:cxnSp>
+      <p:cxnSp>
+        <p:nvCxnSpPr>
+          <p:cNvPr id="42" name="Straight Arrow Connector 41">
+            <a:extLst>
+              <a:ext uri="{FF2B5EF4-FFF2-40B4-BE49-F238E27FC236}">
+                <a16:creationId xmlns:a16="http://schemas.microsoft.com/office/drawing/2014/main" id="{7E7DA25F-52A6-F348-9CA5-C8CDB0A0F4E1}"/>
+              </a:ext>
+            </a:extLst>
+          </p:cNvPr>
+          <p:cNvCxnSpPr>
+            <a:cxnSpLocks/>
+          </p:cNvCxnSpPr>
+          <p:nvPr/>
+        </p:nvCxnSpPr>
+        <p:spPr>
+          <a:xfrm flipV="1">
+            <a:off x="3929739" y="4026947"/>
+            <a:ext cx="0" cy="1491568"/>
+          </a:xfrm>
+          <a:prstGeom prst="straightConnector1">
+            <a:avLst/>
+          </a:prstGeom>
+          <a:ln>
+            <a:tailEnd type="triangle"/>
+          </a:ln>
+        </p:spPr>
+        <p:style>
+          <a:lnRef idx="2">
+            <a:schemeClr val="accent1"/>
+          </a:lnRef>
+          <a:fillRef idx="0">
+            <a:schemeClr val="accent1"/>
+          </a:fillRef>
+          <a:effectRef idx="1">
+            <a:schemeClr val="accent1"/>
+          </a:effectRef>
+          <a:fontRef idx="minor">
+            <a:schemeClr val="tx1"/>
+          </a:fontRef>
+        </p:style>
+      </p:cxnSp>
+      <p:pic>
+        <p:nvPicPr>
+          <p:cNvPr id="43" name="Picture 42" descr="TM221CE16R Schneider Electric Modicon M221 PLC CPU Mini USB Interface –  Ralakde Automation">
+            <a:extLst>
+              <a:ext uri="{FF2B5EF4-FFF2-40B4-BE49-F238E27FC236}">
+                <a16:creationId xmlns:a16="http://schemas.microsoft.com/office/drawing/2014/main" id="{814560BB-4909-1C4D-C936-4141E78D1F9E}"/>
+              </a:ext>
+            </a:extLst>
+          </p:cNvPr>
+          <p:cNvPicPr>
+            <a:picLocks noChangeAspect="1" noChangeArrowheads="1"/>
+          </p:cNvPicPr>
+          <p:nvPr/>
+        </p:nvPicPr>
+        <p:blipFill>
+          <a:blip r:embed="rId3">
+            <a:extLst>
+              <a:ext uri="{28A0092B-C50C-407E-A947-70E740481C1C}">
+                <a14:useLocalDpi xmlns:a14="http://schemas.microsoft.com/office/drawing/2010/main" val="0"/>
+              </a:ext>
+            </a:extLst>
+          </a:blip>
+          <a:srcRect/>
+          <a:stretch>
+            <a:fillRect/>
+          </a:stretch>
+        </p:blipFill>
+        <p:spPr bwMode="auto">
+          <a:xfrm>
+            <a:off x="3728453" y="3547882"/>
+            <a:ext cx="429884" cy="471280"/>
+          </a:xfrm>
+          <a:prstGeom prst="rect">
+            <a:avLst/>
+          </a:prstGeom>
+          <a:noFill/>
+          <a:ln w="9525">
+            <a:solidFill>
+              <a:schemeClr val="tx1"/>
+            </a:solidFill>
+          </a:ln>
+          <a:extLst>
+            <a:ext uri="{909E8E84-426E-40DD-AFC4-6F175D3DCCD1}">
+              <a14:hiddenFill xmlns:a14="http://schemas.microsoft.com/office/drawing/2010/main">
+                <a:solidFill>
+                  <a:srgbClr val="FFFFFF"/>
+                </a:solidFill>
+              </a14:hiddenFill>
+            </a:ext>
+          </a:extLst>
+        </p:spPr>
+      </p:pic>
+      <p:sp>
+        <p:nvSpPr>
+          <p:cNvPr id="13" name="Rectangle 12">
+            <a:extLst>
+              <a:ext uri="{FF2B5EF4-FFF2-40B4-BE49-F238E27FC236}">
+                <a16:creationId xmlns:a16="http://schemas.microsoft.com/office/drawing/2014/main" id="{AF514A36-51B7-9A5B-D695-CB18F154455E}"/>
+              </a:ext>
+            </a:extLst>
+          </p:cNvPr>
+          <p:cNvSpPr/>
+          <p:nvPr/>
+        </p:nvSpPr>
+        <p:spPr>
+          <a:xfrm>
+            <a:off x="3616030" y="5207344"/>
+            <a:ext cx="1433852" cy="220327"/>
+          </a:xfrm>
+          <a:prstGeom prst="rect">
+            <a:avLst/>
+          </a:prstGeom>
+          <a:solidFill>
+            <a:schemeClr val="bg1">
+              <a:lumMod val="75000"/>
+            </a:schemeClr>
+          </a:solidFill>
+        </p:spPr>
+        <p:style>
+          <a:lnRef idx="2">
+            <a:schemeClr val="accent1">
+              <a:shade val="50000"/>
+            </a:schemeClr>
+          </a:lnRef>
+          <a:fillRef idx="1">
+            <a:schemeClr val="accent1"/>
+          </a:fillRef>
+          <a:effectRef idx="0">
+            <a:schemeClr val="accent1"/>
+          </a:effectRef>
+          <a:fontRef idx="minor">
+            <a:schemeClr val="lt1"/>
+          </a:fontRef>
+        </p:style>
+        <p:txBody>
+          <a:bodyPr rtlCol="0" anchor="ctr"/>
+          <a:lstStyle/>
+          <a:p>
+            <a:pPr marL="0" marR="0" lvl="0" indent="0" algn="l" defTabSz="914400" rtl="0" eaLnBrk="1" fontAlgn="auto" latinLnBrk="0" hangingPunct="1">
+              <a:lnSpc>
+                <a:spcPct val="100000"/>
+              </a:lnSpc>
+              <a:spcBef>
+                <a:spcPts val="0"/>
+              </a:spcBef>
+              <a:spcAft>
+                <a:spcPts val="0"/>
+              </a:spcAft>
+              <a:buClrTx/>
+              <a:buSzTx/>
+              <a:buFontTx/>
+              <a:buNone/>
+              <a:tabLst/>
+              <a:defRPr/>
+            </a:pPr>
+            <a:r>
+              <a:rPr kumimoji="0" lang="en-SG" sz="1000" b="1" i="0" u="none" strike="noStrike" kern="1200" cap="none" spc="0" normalizeH="0" baseline="0" noProof="0" dirty="0">
+                <a:ln>
+                  <a:noFill/>
+                </a:ln>
+                <a:solidFill>
+                  <a:prstClr val="black"/>
+                </a:solidFill>
+                <a:effectLst/>
+                <a:uLnTx/>
+                <a:uFillTx/>
+                <a:latin typeface="Calibri" panose="020F0502020204030204"/>
+                <a:ea typeface="+mn-ea"/>
+                <a:cs typeface="+mn-cs"/>
+              </a:rPr>
+              <a:t>High voltage power bus</a:t>
+            </a:r>
+          </a:p>
+        </p:txBody>
+      </p:sp>
+      <p:sp>
+        <p:nvSpPr>
+          <p:cNvPr id="11" name="Rectangle 10">
+            <a:extLst>
+              <a:ext uri="{FF2B5EF4-FFF2-40B4-BE49-F238E27FC236}">
+                <a16:creationId xmlns:a16="http://schemas.microsoft.com/office/drawing/2014/main" id="{B345C814-A7C0-F2F3-86FE-8B995E963493}"/>
+              </a:ext>
+            </a:extLst>
+          </p:cNvPr>
+          <p:cNvSpPr/>
+          <p:nvPr/>
+        </p:nvSpPr>
+        <p:spPr>
+          <a:xfrm>
+            <a:off x="3610210" y="4893455"/>
+            <a:ext cx="1433852" cy="220327"/>
+          </a:xfrm>
+          <a:prstGeom prst="rect">
+            <a:avLst/>
+          </a:prstGeom>
+          <a:solidFill>
+            <a:schemeClr val="bg1">
+              <a:lumMod val="75000"/>
+            </a:schemeClr>
+          </a:solidFill>
+        </p:spPr>
+        <p:style>
+          <a:lnRef idx="2">
+            <a:schemeClr val="accent1">
+              <a:shade val="50000"/>
+            </a:schemeClr>
+          </a:lnRef>
+          <a:fillRef idx="1">
+            <a:schemeClr val="accent1"/>
+          </a:fillRef>
+          <a:effectRef idx="0">
+            <a:schemeClr val="accent1"/>
+          </a:effectRef>
+          <a:fontRef idx="minor">
+            <a:schemeClr val="lt1"/>
+          </a:fontRef>
+        </p:style>
+        <p:txBody>
+          <a:bodyPr rtlCol="0" anchor="ctr"/>
+          <a:lstStyle/>
+          <a:p>
+            <a:pPr marL="0" marR="0" lvl="0" indent="0" algn="l" defTabSz="914400" rtl="0" eaLnBrk="1" fontAlgn="auto" latinLnBrk="0" hangingPunct="1">
+              <a:lnSpc>
+                <a:spcPct val="100000"/>
+              </a:lnSpc>
+              <a:spcBef>
+                <a:spcPts val="0"/>
+              </a:spcBef>
+              <a:spcAft>
+                <a:spcPts val="0"/>
+              </a:spcAft>
+              <a:buClrTx/>
+              <a:buSzTx/>
+              <a:buFontTx/>
+              <a:buNone/>
+              <a:tabLst/>
+              <a:defRPr/>
+            </a:pPr>
+            <a:r>
+              <a:rPr kumimoji="0" lang="en-SG" sz="1000" b="1" i="0" u="none" strike="noStrike" kern="1200" cap="none" spc="0" normalizeH="0" baseline="0" noProof="0" dirty="0">
+                <a:ln>
+                  <a:noFill/>
+                </a:ln>
+                <a:solidFill>
+                  <a:prstClr val="black"/>
+                </a:solidFill>
+                <a:effectLst/>
+                <a:uLnTx/>
+                <a:uFillTx/>
+                <a:latin typeface="Calibri" panose="020F0502020204030204"/>
+                <a:ea typeface="+mn-ea"/>
+                <a:cs typeface="+mn-cs"/>
+              </a:rPr>
+              <a:t>Step down transformer </a:t>
+            </a:r>
+          </a:p>
+        </p:txBody>
+      </p:sp>
+      <p:sp>
+        <p:nvSpPr>
+          <p:cNvPr id="10" name="Rectangle 9">
+            <a:extLst>
+              <a:ext uri="{FF2B5EF4-FFF2-40B4-BE49-F238E27FC236}">
+                <a16:creationId xmlns:a16="http://schemas.microsoft.com/office/drawing/2014/main" id="{8C672E93-4EF7-CB14-5213-23163DC38B00}"/>
+              </a:ext>
+            </a:extLst>
+          </p:cNvPr>
+          <p:cNvSpPr/>
+          <p:nvPr/>
+        </p:nvSpPr>
+        <p:spPr>
+          <a:xfrm>
+            <a:off x="3610210" y="4587059"/>
+            <a:ext cx="1433852" cy="220327"/>
+          </a:xfrm>
+          <a:prstGeom prst="rect">
+            <a:avLst/>
+          </a:prstGeom>
+          <a:solidFill>
+            <a:schemeClr val="bg1">
+              <a:lumMod val="75000"/>
+            </a:schemeClr>
+          </a:solidFill>
+        </p:spPr>
+        <p:style>
+          <a:lnRef idx="2">
+            <a:schemeClr val="accent1">
+              <a:shade val="50000"/>
+            </a:schemeClr>
+          </a:lnRef>
+          <a:fillRef idx="1">
+            <a:schemeClr val="accent1"/>
+          </a:fillRef>
+          <a:effectRef idx="0">
+            <a:schemeClr val="accent1"/>
+          </a:effectRef>
+          <a:fontRef idx="minor">
+            <a:schemeClr val="lt1"/>
+          </a:fontRef>
+        </p:style>
+        <p:txBody>
+          <a:bodyPr rtlCol="0" anchor="ctr"/>
+          <a:lstStyle/>
+          <a:p>
+            <a:pPr marL="0" marR="0" lvl="0" indent="0" algn="l" defTabSz="914400" rtl="0" eaLnBrk="1" fontAlgn="auto" latinLnBrk="0" hangingPunct="1">
+              <a:lnSpc>
+                <a:spcPct val="100000"/>
+              </a:lnSpc>
+              <a:spcBef>
+                <a:spcPts val="0"/>
+              </a:spcBef>
+              <a:spcAft>
+                <a:spcPts val="0"/>
+              </a:spcAft>
+              <a:buClrTx/>
+              <a:buSzTx/>
+              <a:buFontTx/>
+              <a:buNone/>
+              <a:tabLst/>
+              <a:defRPr/>
+            </a:pPr>
+            <a:r>
+              <a:rPr kumimoji="0" lang="en-SG" sz="1000" b="1" i="0" u="none" strike="noStrike" kern="1200" cap="none" spc="0" normalizeH="0" baseline="0" noProof="0" dirty="0">
+                <a:ln>
+                  <a:noFill/>
+                </a:ln>
+                <a:solidFill>
+                  <a:prstClr val="black"/>
+                </a:solidFill>
+                <a:effectLst/>
+                <a:uLnTx/>
+                <a:uFillTx/>
+                <a:latin typeface="Calibri" panose="020F0502020204030204"/>
+                <a:ea typeface="+mn-ea"/>
+                <a:cs typeface="+mn-cs"/>
+              </a:rPr>
+              <a:t>Step up transformer </a:t>
+            </a:r>
+          </a:p>
+        </p:txBody>
+      </p:sp>
+      <p:cxnSp>
+        <p:nvCxnSpPr>
+          <p:cNvPr id="47" name="Straight Connector 46">
+            <a:extLst>
+              <a:ext uri="{FF2B5EF4-FFF2-40B4-BE49-F238E27FC236}">
+                <a16:creationId xmlns:a16="http://schemas.microsoft.com/office/drawing/2014/main" id="{8481CF95-1F46-C3ED-55A9-1FBD260A6E84}"/>
+              </a:ext>
+            </a:extLst>
+          </p:cNvPr>
+          <p:cNvCxnSpPr>
+            <a:cxnSpLocks/>
+          </p:cNvCxnSpPr>
+          <p:nvPr/>
+        </p:nvCxnSpPr>
+        <p:spPr>
+          <a:xfrm>
+            <a:off x="5138826" y="4159166"/>
+            <a:ext cx="1739" cy="1487609"/>
+          </a:xfrm>
+          <a:prstGeom prst="line">
+            <a:avLst/>
+          </a:prstGeom>
+          <a:ln w="12700"/>
+        </p:spPr>
+        <p:style>
+          <a:lnRef idx="1">
+            <a:schemeClr val="dk1"/>
+          </a:lnRef>
+          <a:fillRef idx="0">
+            <a:schemeClr val="dk1"/>
+          </a:fillRef>
+          <a:effectRef idx="0">
+            <a:schemeClr val="dk1"/>
+          </a:effectRef>
+          <a:fontRef idx="minor">
+            <a:schemeClr val="tx1"/>
+          </a:fontRef>
+        </p:style>
+      </p:cxnSp>
+      <p:pic>
+        <p:nvPicPr>
+          <p:cNvPr id="48" name="Picture 47">
+            <a:extLst>
+              <a:ext uri="{FF2B5EF4-FFF2-40B4-BE49-F238E27FC236}">
+                <a16:creationId xmlns:a16="http://schemas.microsoft.com/office/drawing/2014/main" id="{0443A24F-D1EA-0604-0703-D95DF111DFEE}"/>
+              </a:ext>
+            </a:extLst>
+          </p:cNvPr>
+          <p:cNvPicPr>
+            <a:picLocks noChangeAspect="1"/>
+          </p:cNvPicPr>
+          <p:nvPr/>
+        </p:nvPicPr>
+        <p:blipFill>
+          <a:blip r:embed="rId2"/>
+          <a:stretch>
+            <a:fillRect/>
+          </a:stretch>
+        </p:blipFill>
+        <p:spPr>
+          <a:xfrm>
+            <a:off x="4327136" y="3555666"/>
+            <a:ext cx="662735" cy="471279"/>
+          </a:xfrm>
+          <a:prstGeom prst="rect">
+            <a:avLst/>
+          </a:prstGeom>
+          <a:ln w="9525">
+            <a:solidFill>
+              <a:schemeClr val="tx1"/>
+            </a:solidFill>
+          </a:ln>
+        </p:spPr>
+      </p:pic>
+      <p:cxnSp>
+        <p:nvCxnSpPr>
+          <p:cNvPr id="49" name="Straight Connector 48">
+            <a:extLst>
+              <a:ext uri="{FF2B5EF4-FFF2-40B4-BE49-F238E27FC236}">
+                <a16:creationId xmlns:a16="http://schemas.microsoft.com/office/drawing/2014/main" id="{C099CB9D-7C85-BBC8-5433-CC9B2B1AD880}"/>
+              </a:ext>
+            </a:extLst>
+          </p:cNvPr>
+          <p:cNvCxnSpPr>
+            <a:cxnSpLocks/>
+            <a:endCxn id="10" idx="3"/>
+          </p:cNvCxnSpPr>
+          <p:nvPr/>
+        </p:nvCxnSpPr>
+        <p:spPr>
+          <a:xfrm flipH="1">
+            <a:off x="5044062" y="4697223"/>
+            <a:ext cx="96503" cy="0"/>
+          </a:xfrm>
+          <a:prstGeom prst="line">
+            <a:avLst/>
+          </a:prstGeom>
+          <a:ln w="12700"/>
+        </p:spPr>
+        <p:style>
+          <a:lnRef idx="1">
+            <a:schemeClr val="dk1"/>
+          </a:lnRef>
+          <a:fillRef idx="0">
+            <a:schemeClr val="dk1"/>
+          </a:fillRef>
+          <a:effectRef idx="0">
+            <a:schemeClr val="dk1"/>
+          </a:effectRef>
+          <a:fontRef idx="minor">
+            <a:schemeClr val="tx1"/>
+          </a:fontRef>
+        </p:style>
+      </p:cxnSp>
+      <p:cxnSp>
+        <p:nvCxnSpPr>
+          <p:cNvPr id="52" name="Straight Connector 51">
+            <a:extLst>
+              <a:ext uri="{FF2B5EF4-FFF2-40B4-BE49-F238E27FC236}">
+                <a16:creationId xmlns:a16="http://schemas.microsoft.com/office/drawing/2014/main" id="{70C8D3A9-6424-551E-9B93-141DA20BC383}"/>
+              </a:ext>
+            </a:extLst>
+          </p:cNvPr>
+          <p:cNvCxnSpPr>
+            <a:cxnSpLocks/>
+            <a:endCxn id="11" idx="3"/>
+          </p:cNvCxnSpPr>
+          <p:nvPr/>
+        </p:nvCxnSpPr>
+        <p:spPr>
+          <a:xfrm flipH="1">
+            <a:off x="5044062" y="5003619"/>
+            <a:ext cx="96503" cy="0"/>
+          </a:xfrm>
+          <a:prstGeom prst="line">
+            <a:avLst/>
+          </a:prstGeom>
+          <a:ln w="12700"/>
+        </p:spPr>
+        <p:style>
+          <a:lnRef idx="1">
+            <a:schemeClr val="dk1"/>
+          </a:lnRef>
+          <a:fillRef idx="0">
+            <a:schemeClr val="dk1"/>
+          </a:fillRef>
+          <a:effectRef idx="0">
+            <a:schemeClr val="dk1"/>
+          </a:effectRef>
+          <a:fontRef idx="minor">
+            <a:schemeClr val="tx1"/>
+          </a:fontRef>
+        </p:style>
+      </p:cxnSp>
+      <p:cxnSp>
+        <p:nvCxnSpPr>
+          <p:cNvPr id="55" name="Straight Connector 54">
+            <a:extLst>
+              <a:ext uri="{FF2B5EF4-FFF2-40B4-BE49-F238E27FC236}">
+                <a16:creationId xmlns:a16="http://schemas.microsoft.com/office/drawing/2014/main" id="{3351AE46-8A37-D00C-A11C-9181FFB0A1C1}"/>
+              </a:ext>
+            </a:extLst>
+          </p:cNvPr>
+          <p:cNvCxnSpPr>
+            <a:cxnSpLocks/>
+            <a:endCxn id="13" idx="3"/>
+          </p:cNvCxnSpPr>
+          <p:nvPr/>
+        </p:nvCxnSpPr>
+        <p:spPr>
+          <a:xfrm flipH="1">
+            <a:off x="5049882" y="5317508"/>
+            <a:ext cx="88944" cy="0"/>
+          </a:xfrm>
+          <a:prstGeom prst="line">
+            <a:avLst/>
+          </a:prstGeom>
+          <a:ln w="12700"/>
+        </p:spPr>
+        <p:style>
+          <a:lnRef idx="1">
+            <a:schemeClr val="dk1"/>
+          </a:lnRef>
+          <a:fillRef idx="0">
+            <a:schemeClr val="dk1"/>
+          </a:fillRef>
+          <a:effectRef idx="0">
+            <a:schemeClr val="dk1"/>
+          </a:effectRef>
+          <a:fontRef idx="minor">
+            <a:schemeClr val="tx1"/>
+          </a:fontRef>
+        </p:style>
+      </p:cxnSp>
+      <p:cxnSp>
+        <p:nvCxnSpPr>
+          <p:cNvPr id="58" name="Straight Connector 57">
+            <a:extLst>
+              <a:ext uri="{FF2B5EF4-FFF2-40B4-BE49-F238E27FC236}">
+                <a16:creationId xmlns:a16="http://schemas.microsoft.com/office/drawing/2014/main" id="{5DFA5EAD-6D85-A351-F9CD-753EE13E00DF}"/>
+              </a:ext>
+            </a:extLst>
+          </p:cNvPr>
+          <p:cNvCxnSpPr>
+            <a:cxnSpLocks/>
+          </p:cNvCxnSpPr>
+          <p:nvPr/>
+        </p:nvCxnSpPr>
+        <p:spPr>
+          <a:xfrm flipH="1">
+            <a:off x="5044062" y="5646775"/>
+            <a:ext cx="102323" cy="0"/>
+          </a:xfrm>
+          <a:prstGeom prst="line">
+            <a:avLst/>
+          </a:prstGeom>
+          <a:ln w="12700"/>
+        </p:spPr>
+        <p:style>
+          <a:lnRef idx="1">
+            <a:schemeClr val="dk1"/>
+          </a:lnRef>
+          <a:fillRef idx="0">
+            <a:schemeClr val="dk1"/>
+          </a:fillRef>
+          <a:effectRef idx="0">
+            <a:schemeClr val="dk1"/>
+          </a:effectRef>
+          <a:fontRef idx="minor">
+            <a:schemeClr val="tx1"/>
+          </a:fontRef>
+        </p:style>
+      </p:cxnSp>
+      <p:cxnSp>
+        <p:nvCxnSpPr>
+          <p:cNvPr id="61" name="Connector: Elbow 60">
+            <a:extLst>
+              <a:ext uri="{FF2B5EF4-FFF2-40B4-BE49-F238E27FC236}">
+                <a16:creationId xmlns:a16="http://schemas.microsoft.com/office/drawing/2014/main" id="{40C0FC09-C7E4-CE2F-8541-B7D6B35EBB54}"/>
+              </a:ext>
+            </a:extLst>
+          </p:cNvPr>
+          <p:cNvCxnSpPr>
+            <a:cxnSpLocks/>
+            <a:endCxn id="48" idx="2"/>
+          </p:cNvCxnSpPr>
+          <p:nvPr/>
+        </p:nvCxnSpPr>
+        <p:spPr>
+          <a:xfrm rot="10800000">
+            <a:off x="4658505" y="4026945"/>
+            <a:ext cx="483801" cy="132220"/>
+          </a:xfrm>
+          <a:prstGeom prst="bentConnector2">
+            <a:avLst/>
+          </a:prstGeom>
+          <a:ln w="12700">
+            <a:tailEnd type="triangle"/>
+          </a:ln>
+        </p:spPr>
+        <p:style>
+          <a:lnRef idx="2">
+            <a:schemeClr val="dk1"/>
+          </a:lnRef>
+          <a:fillRef idx="0">
+            <a:schemeClr val="dk1"/>
+          </a:fillRef>
+          <a:effectRef idx="1">
+            <a:schemeClr val="dk1"/>
+          </a:effectRef>
+          <a:fontRef idx="minor">
+            <a:schemeClr val="tx1"/>
+          </a:fontRef>
+        </p:style>
+      </p:cxnSp>
+      <p:pic>
+        <p:nvPicPr>
+          <p:cNvPr id="64" name="Picture 63">
+            <a:extLst>
+              <a:ext uri="{FF2B5EF4-FFF2-40B4-BE49-F238E27FC236}">
+                <a16:creationId xmlns:a16="http://schemas.microsoft.com/office/drawing/2014/main" id="{88586DA4-C1DE-4F57-7087-AAF4C0170E20}"/>
+              </a:ext>
+            </a:extLst>
+          </p:cNvPr>
+          <p:cNvPicPr>
+            <a:picLocks noChangeAspect="1"/>
+          </p:cNvPicPr>
+          <p:nvPr/>
+        </p:nvPicPr>
+        <p:blipFill>
+          <a:blip r:embed="rId2"/>
+          <a:stretch>
+            <a:fillRect/>
+          </a:stretch>
+        </p:blipFill>
+        <p:spPr>
+          <a:xfrm>
+            <a:off x="5284888" y="3547495"/>
+            <a:ext cx="662735" cy="471279"/>
+          </a:xfrm>
+          <a:prstGeom prst="rect">
+            <a:avLst/>
+          </a:prstGeom>
+          <a:ln w="9525">
+            <a:solidFill>
+              <a:schemeClr val="tx1"/>
+            </a:solidFill>
+          </a:ln>
+        </p:spPr>
+      </p:pic>
+      <p:pic>
+        <p:nvPicPr>
+          <p:cNvPr id="66" name="Picture 65" descr="TM221CE16R Schneider Electric Modicon M221 PLC CPU Mini USB Interface –  Ralakde Automation">
+            <a:extLst>
+              <a:ext uri="{FF2B5EF4-FFF2-40B4-BE49-F238E27FC236}">
+                <a16:creationId xmlns:a16="http://schemas.microsoft.com/office/drawing/2014/main" id="{EB209B57-822C-5595-7A03-735D008E69E2}"/>
+              </a:ext>
+            </a:extLst>
+          </p:cNvPr>
+          <p:cNvPicPr>
+            <a:picLocks noChangeAspect="1" noChangeArrowheads="1"/>
+          </p:cNvPicPr>
+          <p:nvPr/>
+        </p:nvPicPr>
+        <p:blipFill>
+          <a:blip r:embed="rId3">
+            <a:extLst>
+              <a:ext uri="{28A0092B-C50C-407E-A947-70E740481C1C}">
+                <a14:useLocalDpi xmlns:a14="http://schemas.microsoft.com/office/drawing/2010/main" val="0"/>
+              </a:ext>
+            </a:extLst>
+          </a:blip>
+          <a:srcRect/>
+          <a:stretch>
+            <a:fillRect/>
+          </a:stretch>
+        </p:blipFill>
+        <p:spPr bwMode="auto">
+          <a:xfrm>
+            <a:off x="6109281" y="3525313"/>
+            <a:ext cx="429884" cy="471280"/>
+          </a:xfrm>
+          <a:prstGeom prst="rect">
+            <a:avLst/>
+          </a:prstGeom>
+          <a:noFill/>
+          <a:ln w="9525">
+            <a:solidFill>
+              <a:schemeClr val="tx1"/>
+            </a:solidFill>
+          </a:ln>
+          <a:extLst>
+            <a:ext uri="{909E8E84-426E-40DD-AFC4-6F175D3DCCD1}">
+              <a14:hiddenFill xmlns:a14="http://schemas.microsoft.com/office/drawing/2010/main">
+                <a:solidFill>
+                  <a:srgbClr val="FFFFFF"/>
+                </a:solidFill>
+              </a14:hiddenFill>
+            </a:ext>
+          </a:extLst>
+        </p:spPr>
+      </p:pic>
+      <p:cxnSp>
+        <p:nvCxnSpPr>
+          <p:cNvPr id="67" name="Straight Arrow Connector 66">
+            <a:extLst>
+              <a:ext uri="{FF2B5EF4-FFF2-40B4-BE49-F238E27FC236}">
+                <a16:creationId xmlns:a16="http://schemas.microsoft.com/office/drawing/2014/main" id="{B22FBC2C-D841-D200-AAE4-A86B55EB1EFE}"/>
+              </a:ext>
+            </a:extLst>
+          </p:cNvPr>
+          <p:cNvCxnSpPr>
+            <a:cxnSpLocks/>
+          </p:cNvCxnSpPr>
+          <p:nvPr/>
+        </p:nvCxnSpPr>
+        <p:spPr>
+          <a:xfrm flipV="1">
+            <a:off x="6308527" y="4003731"/>
+            <a:ext cx="0" cy="1491568"/>
+          </a:xfrm>
+          <a:prstGeom prst="straightConnector1">
+            <a:avLst/>
+          </a:prstGeom>
+          <a:ln>
+            <a:tailEnd type="triangle"/>
+          </a:ln>
+        </p:spPr>
+        <p:style>
+          <a:lnRef idx="2">
+            <a:schemeClr val="accent1"/>
+          </a:lnRef>
+          <a:fillRef idx="0">
+            <a:schemeClr val="accent1"/>
+          </a:fillRef>
+          <a:effectRef idx="1">
+            <a:schemeClr val="accent1"/>
+          </a:effectRef>
+          <a:fontRef idx="minor">
+            <a:schemeClr val="tx1"/>
+          </a:fontRef>
+        </p:style>
+      </p:cxnSp>
+      <p:sp>
+        <p:nvSpPr>
+          <p:cNvPr id="18" name="Rectangle 17">
+            <a:extLst>
+              <a:ext uri="{FF2B5EF4-FFF2-40B4-BE49-F238E27FC236}">
+                <a16:creationId xmlns:a16="http://schemas.microsoft.com/office/drawing/2014/main" id="{30B9F841-3B92-83F3-00DB-486DF92860E2}"/>
+              </a:ext>
+            </a:extLst>
+          </p:cNvPr>
+          <p:cNvSpPr/>
+          <p:nvPr/>
+        </p:nvSpPr>
+        <p:spPr>
+          <a:xfrm>
+            <a:off x="5441379" y="4587551"/>
+            <a:ext cx="1012488" cy="220327"/>
+          </a:xfrm>
+          <a:prstGeom prst="rect">
+            <a:avLst/>
+          </a:prstGeom>
+          <a:solidFill>
+            <a:schemeClr val="bg1">
+              <a:lumMod val="75000"/>
+            </a:schemeClr>
+          </a:solidFill>
+        </p:spPr>
+        <p:style>
+          <a:lnRef idx="2">
+            <a:schemeClr val="accent1">
+              <a:shade val="50000"/>
+            </a:schemeClr>
+          </a:lnRef>
+          <a:fillRef idx="1">
+            <a:schemeClr val="accent1"/>
+          </a:fillRef>
+          <a:effectRef idx="0">
+            <a:schemeClr val="accent1"/>
+          </a:effectRef>
+          <a:fontRef idx="minor">
+            <a:schemeClr val="lt1"/>
+          </a:fontRef>
+        </p:style>
+        <p:txBody>
+          <a:bodyPr rtlCol="0" anchor="ctr"/>
+          <a:lstStyle/>
+          <a:p>
+            <a:pPr marL="0" marR="0" lvl="0" indent="0" algn="l" defTabSz="914400" rtl="0" eaLnBrk="1" fontAlgn="auto" latinLnBrk="0" hangingPunct="1">
+              <a:lnSpc>
+                <a:spcPct val="100000"/>
+              </a:lnSpc>
+              <a:spcBef>
+                <a:spcPts val="0"/>
+              </a:spcBef>
+              <a:spcAft>
+                <a:spcPts val="0"/>
+              </a:spcAft>
+              <a:buClrTx/>
+              <a:buSzTx/>
+              <a:buFontTx/>
+              <a:buNone/>
+              <a:tabLst/>
+              <a:defRPr/>
+            </a:pPr>
+            <a:r>
+              <a:rPr lang="en-SG" sz="1000" b="1" dirty="0">
+                <a:solidFill>
+                  <a:prstClr val="black"/>
+                </a:solidFill>
+                <a:latin typeface="Calibri" panose="020F0502020204030204"/>
+              </a:rPr>
+              <a:t>Electrical MUs</a:t>
+            </a:r>
+            <a:endParaRPr kumimoji="0" lang="en-SG" sz="1000" b="1" i="0" u="none" strike="noStrike" kern="1200" cap="none" spc="0" normalizeH="0" baseline="0" noProof="0" dirty="0">
+              <a:ln>
+                <a:noFill/>
+              </a:ln>
+              <a:solidFill>
+                <a:prstClr val="black"/>
+              </a:solidFill>
+              <a:effectLst/>
+              <a:uLnTx/>
+              <a:uFillTx/>
+              <a:latin typeface="Calibri" panose="020F0502020204030204"/>
+              <a:ea typeface="+mn-ea"/>
+              <a:cs typeface="+mn-cs"/>
+            </a:endParaRPr>
+          </a:p>
+        </p:txBody>
+      </p:sp>
+      <p:sp>
+        <p:nvSpPr>
+          <p:cNvPr id="15" name="Rectangle 14">
+            <a:extLst>
+              <a:ext uri="{FF2B5EF4-FFF2-40B4-BE49-F238E27FC236}">
+                <a16:creationId xmlns:a16="http://schemas.microsoft.com/office/drawing/2014/main" id="{60C94035-1794-5312-FF99-2299397DE1BD}"/>
+              </a:ext>
+            </a:extLst>
+          </p:cNvPr>
+          <p:cNvSpPr/>
+          <p:nvPr/>
+        </p:nvSpPr>
+        <p:spPr>
+          <a:xfrm>
+            <a:off x="5458869" y="4886057"/>
+            <a:ext cx="1012488" cy="220327"/>
+          </a:xfrm>
+          <a:prstGeom prst="rect">
+            <a:avLst/>
+          </a:prstGeom>
+          <a:solidFill>
+            <a:schemeClr val="bg1">
+              <a:lumMod val="75000"/>
+            </a:schemeClr>
+          </a:solidFill>
+        </p:spPr>
+        <p:style>
+          <a:lnRef idx="2">
+            <a:schemeClr val="accent1">
+              <a:shade val="50000"/>
+            </a:schemeClr>
+          </a:lnRef>
+          <a:fillRef idx="1">
+            <a:schemeClr val="accent1"/>
+          </a:fillRef>
+          <a:effectRef idx="0">
+            <a:schemeClr val="accent1"/>
+          </a:effectRef>
+          <a:fontRef idx="minor">
+            <a:schemeClr val="lt1"/>
+          </a:fontRef>
+        </p:style>
+        <p:txBody>
+          <a:bodyPr rtlCol="0" anchor="ctr"/>
+          <a:lstStyle/>
+          <a:p>
+            <a:pPr marL="0" marR="0" lvl="0" indent="0" algn="l" defTabSz="914400" rtl="0" eaLnBrk="1" fontAlgn="auto" latinLnBrk="0" hangingPunct="1">
+              <a:lnSpc>
+                <a:spcPct val="100000"/>
+              </a:lnSpc>
+              <a:spcBef>
+                <a:spcPts val="0"/>
+              </a:spcBef>
+              <a:spcAft>
+                <a:spcPts val="0"/>
+              </a:spcAft>
+              <a:buClrTx/>
+              <a:buSzTx/>
+              <a:buFontTx/>
+              <a:buNone/>
+              <a:tabLst/>
+              <a:defRPr/>
+            </a:pPr>
+            <a:r>
+              <a:rPr lang="en-SG" sz="1000" b="1" dirty="0">
+                <a:solidFill>
+                  <a:prstClr val="black"/>
+                </a:solidFill>
+                <a:latin typeface="Calibri" panose="020F0502020204030204"/>
+              </a:rPr>
+              <a:t>Station  Loads</a:t>
+            </a:r>
+            <a:endParaRPr kumimoji="0" lang="en-SG" sz="1000" b="1" i="0" u="none" strike="noStrike" kern="1200" cap="none" spc="0" normalizeH="0" baseline="0" noProof="0" dirty="0">
+              <a:ln>
+                <a:noFill/>
+              </a:ln>
+              <a:solidFill>
+                <a:prstClr val="black"/>
+              </a:solidFill>
+              <a:effectLst/>
+              <a:uLnTx/>
+              <a:uFillTx/>
+              <a:latin typeface="Calibri" panose="020F0502020204030204"/>
+              <a:ea typeface="+mn-ea"/>
+              <a:cs typeface="+mn-cs"/>
+            </a:endParaRPr>
+          </a:p>
+        </p:txBody>
+      </p:sp>
+      <p:sp>
+        <p:nvSpPr>
+          <p:cNvPr id="16" name="Rectangle 15">
+            <a:extLst>
+              <a:ext uri="{FF2B5EF4-FFF2-40B4-BE49-F238E27FC236}">
+                <a16:creationId xmlns:a16="http://schemas.microsoft.com/office/drawing/2014/main" id="{8C9A30F6-F879-B89B-CA73-BF5784CBC0BE}"/>
+              </a:ext>
+            </a:extLst>
+          </p:cNvPr>
+          <p:cNvSpPr/>
+          <p:nvPr/>
+        </p:nvSpPr>
+        <p:spPr>
+          <a:xfrm>
+            <a:off x="5458869" y="5194670"/>
+            <a:ext cx="1012488" cy="220327"/>
+          </a:xfrm>
+          <a:prstGeom prst="rect">
+            <a:avLst/>
+          </a:prstGeom>
+          <a:solidFill>
+            <a:schemeClr val="bg1">
+              <a:lumMod val="75000"/>
+            </a:schemeClr>
+          </a:solidFill>
+        </p:spPr>
+        <p:style>
+          <a:lnRef idx="2">
+            <a:schemeClr val="accent1">
+              <a:shade val="50000"/>
+            </a:schemeClr>
+          </a:lnRef>
+          <a:fillRef idx="1">
+            <a:schemeClr val="accent1"/>
+          </a:fillRef>
+          <a:effectRef idx="0">
+            <a:schemeClr val="accent1"/>
+          </a:effectRef>
+          <a:fontRef idx="minor">
+            <a:schemeClr val="lt1"/>
+          </a:fontRef>
+        </p:style>
+        <p:txBody>
+          <a:bodyPr rtlCol="0" anchor="ctr"/>
+          <a:lstStyle/>
+          <a:p>
+            <a:pPr marL="0" marR="0" lvl="0" indent="0" algn="l" defTabSz="914400" rtl="0" eaLnBrk="1" fontAlgn="auto" latinLnBrk="0" hangingPunct="1">
+              <a:lnSpc>
+                <a:spcPct val="100000"/>
+              </a:lnSpc>
+              <a:spcBef>
+                <a:spcPts val="0"/>
+              </a:spcBef>
+              <a:spcAft>
+                <a:spcPts val="0"/>
+              </a:spcAft>
+              <a:buClrTx/>
+              <a:buSzTx/>
+              <a:buFontTx/>
+              <a:buNone/>
+              <a:tabLst/>
+              <a:defRPr/>
+            </a:pPr>
+            <a:r>
+              <a:rPr lang="en-SG" sz="1000" b="1" dirty="0">
+                <a:solidFill>
+                  <a:prstClr val="black"/>
+                </a:solidFill>
+                <a:latin typeface="Calibri" panose="020F0502020204030204"/>
+              </a:rPr>
+              <a:t>Primary  Loads</a:t>
+            </a:r>
+            <a:endParaRPr kumimoji="0" lang="en-SG" sz="1000" b="1" i="0" u="none" strike="noStrike" kern="1200" cap="none" spc="0" normalizeH="0" baseline="0" noProof="0" dirty="0">
+              <a:ln>
+                <a:noFill/>
+              </a:ln>
+              <a:solidFill>
+                <a:prstClr val="black"/>
+              </a:solidFill>
+              <a:effectLst/>
+              <a:uLnTx/>
+              <a:uFillTx/>
+              <a:latin typeface="Calibri" panose="020F0502020204030204"/>
+              <a:ea typeface="+mn-ea"/>
+              <a:cs typeface="+mn-cs"/>
+            </a:endParaRPr>
+          </a:p>
+        </p:txBody>
+      </p:sp>
+      <p:cxnSp>
+        <p:nvCxnSpPr>
+          <p:cNvPr id="68" name="Straight Connector 67">
+            <a:extLst>
+              <a:ext uri="{FF2B5EF4-FFF2-40B4-BE49-F238E27FC236}">
+                <a16:creationId xmlns:a16="http://schemas.microsoft.com/office/drawing/2014/main" id="{12659B1D-E3FB-2AD3-CDC4-884E9F7CBF5D}"/>
+              </a:ext>
+            </a:extLst>
+          </p:cNvPr>
+          <p:cNvCxnSpPr>
+            <a:cxnSpLocks/>
+          </p:cNvCxnSpPr>
+          <p:nvPr/>
+        </p:nvCxnSpPr>
+        <p:spPr>
+          <a:xfrm>
+            <a:off x="5303185" y="4134858"/>
+            <a:ext cx="1739" cy="1487609"/>
+          </a:xfrm>
+          <a:prstGeom prst="line">
+            <a:avLst/>
+          </a:prstGeom>
+          <a:ln w="12700"/>
+        </p:spPr>
+        <p:style>
+          <a:lnRef idx="1">
+            <a:schemeClr val="dk1"/>
+          </a:lnRef>
+          <a:fillRef idx="0">
+            <a:schemeClr val="dk1"/>
+          </a:fillRef>
+          <a:effectRef idx="0">
+            <a:schemeClr val="dk1"/>
+          </a:effectRef>
+          <a:fontRef idx="minor">
+            <a:schemeClr val="tx1"/>
+          </a:fontRef>
+        </p:style>
+      </p:cxnSp>
+      <p:cxnSp>
+        <p:nvCxnSpPr>
+          <p:cNvPr id="69" name="Straight Connector 68">
+            <a:extLst>
+              <a:ext uri="{FF2B5EF4-FFF2-40B4-BE49-F238E27FC236}">
+                <a16:creationId xmlns:a16="http://schemas.microsoft.com/office/drawing/2014/main" id="{B6157DB2-B0FA-AB37-563A-D5294E1DAAEB}"/>
+              </a:ext>
+            </a:extLst>
+          </p:cNvPr>
+          <p:cNvCxnSpPr>
+            <a:cxnSpLocks/>
+            <a:stCxn id="17" idx="1"/>
+          </p:cNvCxnSpPr>
+          <p:nvPr/>
+        </p:nvCxnSpPr>
+        <p:spPr>
+          <a:xfrm flipH="1">
+            <a:off x="5284888" y="5628679"/>
+            <a:ext cx="156491" cy="2717"/>
+          </a:xfrm>
+          <a:prstGeom prst="line">
+            <a:avLst/>
+          </a:prstGeom>
+          <a:ln w="12700"/>
+        </p:spPr>
+        <p:style>
+          <a:lnRef idx="1">
+            <a:schemeClr val="dk1"/>
+          </a:lnRef>
+          <a:fillRef idx="0">
+            <a:schemeClr val="dk1"/>
+          </a:fillRef>
+          <a:effectRef idx="0">
+            <a:schemeClr val="dk1"/>
+          </a:effectRef>
+          <a:fontRef idx="minor">
+            <a:schemeClr val="tx1"/>
+          </a:fontRef>
+        </p:style>
+      </p:cxnSp>
+      <p:cxnSp>
+        <p:nvCxnSpPr>
+          <p:cNvPr id="72" name="Straight Connector 71">
+            <a:extLst>
+              <a:ext uri="{FF2B5EF4-FFF2-40B4-BE49-F238E27FC236}">
+                <a16:creationId xmlns:a16="http://schemas.microsoft.com/office/drawing/2014/main" id="{E1E1E47D-97DE-3B25-DFED-D64A98F98707}"/>
+              </a:ext>
+            </a:extLst>
+          </p:cNvPr>
+          <p:cNvCxnSpPr>
+            <a:cxnSpLocks/>
+            <a:stCxn id="16" idx="1"/>
+          </p:cNvCxnSpPr>
+          <p:nvPr/>
+        </p:nvCxnSpPr>
+        <p:spPr>
+          <a:xfrm flipH="1">
+            <a:off x="5284888" y="5304834"/>
+            <a:ext cx="173981" cy="0"/>
+          </a:xfrm>
+          <a:prstGeom prst="line">
+            <a:avLst/>
+          </a:prstGeom>
+          <a:ln w="12700"/>
+        </p:spPr>
+        <p:style>
+          <a:lnRef idx="1">
+            <a:schemeClr val="dk1"/>
+          </a:lnRef>
+          <a:fillRef idx="0">
+            <a:schemeClr val="dk1"/>
+          </a:fillRef>
+          <a:effectRef idx="0">
+            <a:schemeClr val="dk1"/>
+          </a:effectRef>
+          <a:fontRef idx="minor">
+            <a:schemeClr val="tx1"/>
+          </a:fontRef>
+        </p:style>
+      </p:cxnSp>
+      <p:cxnSp>
+        <p:nvCxnSpPr>
+          <p:cNvPr id="76" name="Straight Connector 75">
+            <a:extLst>
+              <a:ext uri="{FF2B5EF4-FFF2-40B4-BE49-F238E27FC236}">
+                <a16:creationId xmlns:a16="http://schemas.microsoft.com/office/drawing/2014/main" id="{68F59C2A-AD59-00CE-7A97-7E47B3EA3F0D}"/>
+              </a:ext>
+            </a:extLst>
+          </p:cNvPr>
+          <p:cNvCxnSpPr>
+            <a:cxnSpLocks/>
+            <a:endCxn id="15" idx="1"/>
+          </p:cNvCxnSpPr>
+          <p:nvPr/>
+        </p:nvCxnSpPr>
+        <p:spPr>
+          <a:xfrm>
+            <a:off x="5299705" y="4996220"/>
+            <a:ext cx="159164" cy="1"/>
+          </a:xfrm>
+          <a:prstGeom prst="line">
+            <a:avLst/>
+          </a:prstGeom>
+          <a:ln w="12700"/>
+        </p:spPr>
+        <p:style>
+          <a:lnRef idx="1">
+            <a:schemeClr val="dk1"/>
+          </a:lnRef>
+          <a:fillRef idx="0">
+            <a:schemeClr val="dk1"/>
+          </a:fillRef>
+          <a:effectRef idx="0">
+            <a:schemeClr val="dk1"/>
+          </a:effectRef>
+          <a:fontRef idx="minor">
+            <a:schemeClr val="tx1"/>
+          </a:fontRef>
+        </p:style>
+      </p:cxnSp>
+      <p:cxnSp>
+        <p:nvCxnSpPr>
+          <p:cNvPr id="79" name="Straight Connector 78">
+            <a:extLst>
+              <a:ext uri="{FF2B5EF4-FFF2-40B4-BE49-F238E27FC236}">
+                <a16:creationId xmlns:a16="http://schemas.microsoft.com/office/drawing/2014/main" id="{512F2E19-0D10-4481-F3F2-62C5D715B94A}"/>
+              </a:ext>
+            </a:extLst>
+          </p:cNvPr>
+          <p:cNvCxnSpPr>
+            <a:cxnSpLocks/>
+            <a:endCxn id="18" idx="1"/>
+          </p:cNvCxnSpPr>
+          <p:nvPr/>
+        </p:nvCxnSpPr>
+        <p:spPr>
+          <a:xfrm>
+            <a:off x="5299929" y="4687607"/>
+            <a:ext cx="141450" cy="0"/>
+          </a:xfrm>
+          <a:prstGeom prst="line">
+            <a:avLst/>
+          </a:prstGeom>
+          <a:ln w="12700"/>
+        </p:spPr>
+        <p:style>
+          <a:lnRef idx="1">
+            <a:schemeClr val="dk1"/>
+          </a:lnRef>
+          <a:fillRef idx="0">
+            <a:schemeClr val="dk1"/>
+          </a:fillRef>
+          <a:effectRef idx="0">
+            <a:schemeClr val="dk1"/>
+          </a:effectRef>
+          <a:fontRef idx="minor">
+            <a:schemeClr val="tx1"/>
+          </a:fontRef>
+        </p:style>
+      </p:cxnSp>
+      <p:cxnSp>
+        <p:nvCxnSpPr>
+          <p:cNvPr id="82" name="Connector: Elbow 81">
+            <a:extLst>
+              <a:ext uri="{FF2B5EF4-FFF2-40B4-BE49-F238E27FC236}">
+                <a16:creationId xmlns:a16="http://schemas.microsoft.com/office/drawing/2014/main" id="{2324A275-7D92-FD6E-A423-6A0B335910DA}"/>
+              </a:ext>
+            </a:extLst>
+          </p:cNvPr>
+          <p:cNvCxnSpPr>
+            <a:cxnSpLocks/>
+            <a:endCxn id="64" idx="2"/>
+          </p:cNvCxnSpPr>
+          <p:nvPr/>
+        </p:nvCxnSpPr>
+        <p:spPr>
+          <a:xfrm flipV="1">
+            <a:off x="5299707" y="4018774"/>
+            <a:ext cx="316549" cy="125540"/>
+          </a:xfrm>
+          <a:prstGeom prst="bentConnector2">
+            <a:avLst/>
+          </a:prstGeom>
+          <a:ln w="12700">
+            <a:tailEnd type="triangle"/>
+          </a:ln>
+        </p:spPr>
+        <p:style>
+          <a:lnRef idx="2">
+            <a:schemeClr val="dk1"/>
+          </a:lnRef>
+          <a:fillRef idx="0">
+            <a:schemeClr val="dk1"/>
+          </a:fillRef>
+          <a:effectRef idx="1">
+            <a:schemeClr val="dk1"/>
+          </a:effectRef>
+          <a:fontRef idx="minor">
+            <a:schemeClr val="tx1"/>
+          </a:fontRef>
+        </p:style>
+      </p:cxnSp>
+      <p:sp>
+        <p:nvSpPr>
+          <p:cNvPr id="85" name="TextBox 84">
+            <a:extLst>
+              <a:ext uri="{FF2B5EF4-FFF2-40B4-BE49-F238E27FC236}">
+                <a16:creationId xmlns:a16="http://schemas.microsoft.com/office/drawing/2014/main" id="{84AA1A55-AB3E-C783-83D7-AC0ECB5AC0FF}"/>
+              </a:ext>
+            </a:extLst>
+          </p:cNvPr>
+          <p:cNvSpPr txBox="1"/>
+          <p:nvPr/>
+        </p:nvSpPr>
+        <p:spPr>
+          <a:xfrm>
+            <a:off x="1863379" y="3152439"/>
+            <a:ext cx="893501" cy="430887"/>
+          </a:xfrm>
+          <a:prstGeom prst="rect">
+            <a:avLst/>
+          </a:prstGeom>
+          <a:noFill/>
+        </p:spPr>
+        <p:txBody>
+          <a:bodyPr wrap="square" rtlCol="0">
+            <a:spAutoFit/>
+          </a:bodyPr>
+          <a:lstStyle/>
+          <a:p>
+            <a:pPr marL="0" marR="0" lvl="0" indent="0" algn="l" defTabSz="914400" rtl="0" eaLnBrk="1" fontAlgn="auto" latinLnBrk="0" hangingPunct="1">
+              <a:lnSpc>
+                <a:spcPct val="100000"/>
+              </a:lnSpc>
+              <a:spcBef>
+                <a:spcPts val="0"/>
+              </a:spcBef>
+              <a:spcAft>
+                <a:spcPts val="0"/>
+              </a:spcAft>
+              <a:buClrTx/>
+              <a:buSzTx/>
+              <a:buFontTx/>
+              <a:buNone/>
+              <a:tabLst/>
+              <a:defRPr/>
+            </a:pPr>
+            <a:r>
+              <a:rPr lang="en-SG" sz="1100" b="1" dirty="0">
+                <a:solidFill>
+                  <a:schemeClr val="tx1">
+                    <a:lumMod val="65000"/>
+                    <a:lumOff val="35000"/>
+                  </a:schemeClr>
+                </a:solidFill>
+                <a:latin typeface="Calibri" panose="020F0502020204030204"/>
+              </a:rPr>
+              <a:t>Generation Control PLC</a:t>
+            </a:r>
+            <a:endParaRPr kumimoji="0" lang="en-SG" sz="1100" b="1" i="0" u="none" strike="noStrike" kern="1200" cap="none" spc="0" normalizeH="0" baseline="0" noProof="0" dirty="0">
+              <a:ln>
+                <a:noFill/>
+              </a:ln>
+              <a:solidFill>
+                <a:schemeClr val="tx1">
+                  <a:lumMod val="65000"/>
+                  <a:lumOff val="35000"/>
+                </a:schemeClr>
+              </a:solidFill>
+              <a:effectLst/>
+              <a:uLnTx/>
+              <a:uFillTx/>
+              <a:latin typeface="Calibri" panose="020F0502020204030204"/>
+              <a:ea typeface="+mn-ea"/>
+              <a:cs typeface="+mn-cs"/>
+            </a:endParaRPr>
+          </a:p>
+        </p:txBody>
+      </p:sp>
+      <p:sp>
+        <p:nvSpPr>
+          <p:cNvPr id="86" name="TextBox 85">
+            <a:extLst>
+              <a:ext uri="{FF2B5EF4-FFF2-40B4-BE49-F238E27FC236}">
+                <a16:creationId xmlns:a16="http://schemas.microsoft.com/office/drawing/2014/main" id="{B7806BA7-7995-C923-ADF2-308DE50673AE}"/>
+              </a:ext>
+            </a:extLst>
+          </p:cNvPr>
+          <p:cNvSpPr txBox="1"/>
+          <p:nvPr/>
+        </p:nvSpPr>
+        <p:spPr>
+          <a:xfrm>
+            <a:off x="2646983" y="3140916"/>
+            <a:ext cx="939941" cy="430887"/>
+          </a:xfrm>
+          <a:prstGeom prst="rect">
+            <a:avLst/>
+          </a:prstGeom>
+          <a:noFill/>
+        </p:spPr>
+        <p:txBody>
+          <a:bodyPr wrap="square" rtlCol="0">
+            <a:spAutoFit/>
+          </a:bodyPr>
+          <a:lstStyle/>
+          <a:p>
+            <a:pPr marL="0" marR="0" lvl="0" indent="0" algn="l" defTabSz="914400" rtl="0" eaLnBrk="1" fontAlgn="auto" latinLnBrk="0" hangingPunct="1">
+              <a:lnSpc>
+                <a:spcPct val="100000"/>
+              </a:lnSpc>
+              <a:spcBef>
+                <a:spcPts val="0"/>
+              </a:spcBef>
+              <a:spcAft>
+                <a:spcPts val="0"/>
+              </a:spcAft>
+              <a:buClrTx/>
+              <a:buSzTx/>
+              <a:buFontTx/>
+              <a:buNone/>
+              <a:tabLst/>
+              <a:defRPr/>
+            </a:pPr>
+            <a:r>
+              <a:rPr lang="en-SG" sz="1100" b="1" dirty="0">
+                <a:solidFill>
+                  <a:schemeClr val="tx1">
+                    <a:lumMod val="65000"/>
+                    <a:lumOff val="35000"/>
+                  </a:schemeClr>
+                </a:solidFill>
+                <a:latin typeface="Calibri" panose="020F0502020204030204"/>
+              </a:rPr>
+              <a:t>Generation Monitor RTU</a:t>
+            </a:r>
+            <a:endParaRPr kumimoji="0" lang="en-SG" sz="1100" b="1" i="0" u="none" strike="noStrike" kern="1200" cap="none" spc="0" normalizeH="0" baseline="0" noProof="0" dirty="0">
+              <a:ln>
+                <a:noFill/>
+              </a:ln>
+              <a:solidFill>
+                <a:schemeClr val="tx1">
+                  <a:lumMod val="65000"/>
+                  <a:lumOff val="35000"/>
+                </a:schemeClr>
+              </a:solidFill>
+              <a:effectLst/>
+              <a:uLnTx/>
+              <a:uFillTx/>
+              <a:latin typeface="Calibri" panose="020F0502020204030204"/>
+              <a:ea typeface="+mn-ea"/>
+              <a:cs typeface="+mn-cs"/>
+            </a:endParaRPr>
+          </a:p>
+        </p:txBody>
+      </p:sp>
+      <p:sp>
+        <p:nvSpPr>
+          <p:cNvPr id="89" name="TextBox 88">
+            <a:extLst>
+              <a:ext uri="{FF2B5EF4-FFF2-40B4-BE49-F238E27FC236}">
+                <a16:creationId xmlns:a16="http://schemas.microsoft.com/office/drawing/2014/main" id="{9C530666-84B5-420F-AB1B-5796DAF5DC3C}"/>
+              </a:ext>
+            </a:extLst>
+          </p:cNvPr>
+          <p:cNvSpPr txBox="1"/>
+          <p:nvPr/>
+        </p:nvSpPr>
+        <p:spPr>
+          <a:xfrm>
+            <a:off x="4351765" y="3143709"/>
+            <a:ext cx="1088764" cy="430887"/>
+          </a:xfrm>
+          <a:prstGeom prst="rect">
+            <a:avLst/>
+          </a:prstGeom>
+          <a:noFill/>
+        </p:spPr>
+        <p:txBody>
+          <a:bodyPr wrap="square" rtlCol="0">
+            <a:spAutoFit/>
+          </a:bodyPr>
+          <a:lstStyle/>
+          <a:p>
+            <a:pPr marL="0" marR="0" lvl="0" indent="0" algn="l" defTabSz="914400" rtl="0" eaLnBrk="1" fontAlgn="auto" latinLnBrk="0" hangingPunct="1">
+              <a:lnSpc>
+                <a:spcPct val="100000"/>
+              </a:lnSpc>
+              <a:spcBef>
+                <a:spcPts val="0"/>
+              </a:spcBef>
+              <a:spcAft>
+                <a:spcPts val="0"/>
+              </a:spcAft>
+              <a:buClrTx/>
+              <a:buSzTx/>
+              <a:buFontTx/>
+              <a:buNone/>
+              <a:tabLst/>
+              <a:defRPr/>
+            </a:pPr>
+            <a:r>
+              <a:rPr lang="en-SG" sz="1100" b="1" dirty="0">
+                <a:solidFill>
+                  <a:schemeClr val="tx1">
+                    <a:lumMod val="65000"/>
+                    <a:lumOff val="35000"/>
+                  </a:schemeClr>
+                </a:solidFill>
+                <a:latin typeface="Calibri" panose="020F0502020204030204"/>
+              </a:rPr>
+              <a:t>Transmission Monitor RTU</a:t>
+            </a:r>
+            <a:endParaRPr kumimoji="0" lang="en-SG" sz="1100" b="1" i="0" u="none" strike="noStrike" kern="1200" cap="none" spc="0" normalizeH="0" baseline="0" noProof="0" dirty="0">
+              <a:ln>
+                <a:noFill/>
+              </a:ln>
+              <a:solidFill>
+                <a:schemeClr val="tx1">
+                  <a:lumMod val="65000"/>
+                  <a:lumOff val="35000"/>
+                </a:schemeClr>
+              </a:solidFill>
+              <a:effectLst/>
+              <a:uLnTx/>
+              <a:uFillTx/>
+              <a:latin typeface="Calibri" panose="020F0502020204030204"/>
+              <a:ea typeface="+mn-ea"/>
+              <a:cs typeface="+mn-cs"/>
+            </a:endParaRPr>
+          </a:p>
+        </p:txBody>
+      </p:sp>
+      <p:sp>
+        <p:nvSpPr>
+          <p:cNvPr id="90" name="TextBox 89">
+            <a:extLst>
+              <a:ext uri="{FF2B5EF4-FFF2-40B4-BE49-F238E27FC236}">
+                <a16:creationId xmlns:a16="http://schemas.microsoft.com/office/drawing/2014/main" id="{5F1F2878-F087-799F-5277-969A672D63F2}"/>
+              </a:ext>
+            </a:extLst>
+          </p:cNvPr>
+          <p:cNvSpPr txBox="1"/>
+          <p:nvPr/>
+        </p:nvSpPr>
+        <p:spPr>
+          <a:xfrm>
+            <a:off x="3503117" y="3140721"/>
+            <a:ext cx="1004963" cy="430887"/>
+          </a:xfrm>
+          <a:prstGeom prst="rect">
+            <a:avLst/>
+          </a:prstGeom>
+          <a:noFill/>
+        </p:spPr>
+        <p:txBody>
+          <a:bodyPr wrap="square" rtlCol="0">
+            <a:spAutoFit/>
+          </a:bodyPr>
+          <a:lstStyle/>
+          <a:p>
+            <a:pPr marL="0" marR="0" lvl="0" indent="0" algn="l" defTabSz="914400" rtl="0" eaLnBrk="1" fontAlgn="auto" latinLnBrk="0" hangingPunct="1">
+              <a:lnSpc>
+                <a:spcPct val="100000"/>
+              </a:lnSpc>
+              <a:spcBef>
+                <a:spcPts val="0"/>
+              </a:spcBef>
+              <a:spcAft>
+                <a:spcPts val="0"/>
+              </a:spcAft>
+              <a:buClrTx/>
+              <a:buSzTx/>
+              <a:buFontTx/>
+              <a:buNone/>
+              <a:tabLst/>
+              <a:defRPr/>
+            </a:pPr>
+            <a:r>
+              <a:rPr lang="en-SG" sz="1100" b="1" dirty="0">
+                <a:solidFill>
+                  <a:schemeClr val="tx1">
+                    <a:lumMod val="65000"/>
+                    <a:lumOff val="35000"/>
+                  </a:schemeClr>
+                </a:solidFill>
+                <a:latin typeface="Calibri" panose="020F0502020204030204"/>
+              </a:rPr>
+              <a:t>Transmission Control PLC</a:t>
+            </a:r>
+            <a:endParaRPr kumimoji="0" lang="en-SG" sz="1100" b="1" i="0" u="none" strike="noStrike" kern="1200" cap="none" spc="0" normalizeH="0" baseline="0" noProof="0" dirty="0">
+              <a:ln>
+                <a:noFill/>
+              </a:ln>
+              <a:solidFill>
+                <a:schemeClr val="tx1">
+                  <a:lumMod val="65000"/>
+                  <a:lumOff val="35000"/>
+                </a:schemeClr>
+              </a:solidFill>
+              <a:effectLst/>
+              <a:uLnTx/>
+              <a:uFillTx/>
+              <a:latin typeface="Calibri" panose="020F0502020204030204"/>
+              <a:ea typeface="+mn-ea"/>
+              <a:cs typeface="+mn-cs"/>
+            </a:endParaRPr>
+          </a:p>
+        </p:txBody>
+      </p:sp>
+      <p:sp>
+        <p:nvSpPr>
+          <p:cNvPr id="91" name="TextBox 90">
+            <a:extLst>
+              <a:ext uri="{FF2B5EF4-FFF2-40B4-BE49-F238E27FC236}">
+                <a16:creationId xmlns:a16="http://schemas.microsoft.com/office/drawing/2014/main" id="{7D402A44-C30D-1AC3-4D1D-E9DA13A2041B}"/>
+              </a:ext>
+            </a:extLst>
+          </p:cNvPr>
+          <p:cNvSpPr txBox="1"/>
+          <p:nvPr/>
+        </p:nvSpPr>
+        <p:spPr>
+          <a:xfrm>
+            <a:off x="5950026" y="3152439"/>
+            <a:ext cx="880853" cy="430887"/>
+          </a:xfrm>
+          <a:prstGeom prst="rect">
+            <a:avLst/>
+          </a:prstGeom>
+          <a:noFill/>
+        </p:spPr>
+        <p:txBody>
+          <a:bodyPr wrap="square" rtlCol="0">
+            <a:spAutoFit/>
+          </a:bodyPr>
+          <a:lstStyle/>
+          <a:p>
+            <a:pPr marL="0" marR="0" lvl="0" indent="0" algn="l" defTabSz="914400" rtl="0" eaLnBrk="1" fontAlgn="auto" latinLnBrk="0" hangingPunct="1">
+              <a:lnSpc>
+                <a:spcPct val="100000"/>
+              </a:lnSpc>
+              <a:spcBef>
+                <a:spcPts val="0"/>
+              </a:spcBef>
+              <a:spcAft>
+                <a:spcPts val="0"/>
+              </a:spcAft>
+              <a:buClrTx/>
+              <a:buSzTx/>
+              <a:buFontTx/>
+              <a:buNone/>
+              <a:tabLst/>
+              <a:defRPr/>
+            </a:pPr>
+            <a:r>
+              <a:rPr lang="en-SG" sz="1100" b="1" dirty="0">
+                <a:solidFill>
+                  <a:schemeClr val="tx1">
+                    <a:lumMod val="65000"/>
+                    <a:lumOff val="35000"/>
+                  </a:schemeClr>
+                </a:solidFill>
+                <a:latin typeface="Calibri" panose="020F0502020204030204"/>
+              </a:rPr>
+              <a:t>Distribution Control PLC</a:t>
+            </a:r>
+            <a:endParaRPr kumimoji="0" lang="en-SG" sz="1100" b="1" i="0" u="none" strike="noStrike" kern="1200" cap="none" spc="0" normalizeH="0" baseline="0" noProof="0" dirty="0">
+              <a:ln>
+                <a:noFill/>
+              </a:ln>
+              <a:solidFill>
+                <a:schemeClr val="tx1">
+                  <a:lumMod val="65000"/>
+                  <a:lumOff val="35000"/>
+                </a:schemeClr>
+              </a:solidFill>
+              <a:effectLst/>
+              <a:uLnTx/>
+              <a:uFillTx/>
+              <a:latin typeface="Calibri" panose="020F0502020204030204"/>
+              <a:ea typeface="+mn-ea"/>
+              <a:cs typeface="+mn-cs"/>
+            </a:endParaRPr>
+          </a:p>
+        </p:txBody>
+      </p:sp>
+      <p:sp>
+        <p:nvSpPr>
+          <p:cNvPr id="92" name="TextBox 91">
+            <a:extLst>
+              <a:ext uri="{FF2B5EF4-FFF2-40B4-BE49-F238E27FC236}">
+                <a16:creationId xmlns:a16="http://schemas.microsoft.com/office/drawing/2014/main" id="{9E857C0F-5591-F4A5-8D8A-267E2EC4FE08}"/>
+              </a:ext>
+            </a:extLst>
+          </p:cNvPr>
+          <p:cNvSpPr txBox="1"/>
+          <p:nvPr/>
+        </p:nvSpPr>
+        <p:spPr>
+          <a:xfrm>
+            <a:off x="5164880" y="3145418"/>
+            <a:ext cx="1088764" cy="430887"/>
+          </a:xfrm>
+          <a:prstGeom prst="rect">
+            <a:avLst/>
+          </a:prstGeom>
+          <a:noFill/>
+        </p:spPr>
+        <p:txBody>
+          <a:bodyPr wrap="square" rtlCol="0">
+            <a:spAutoFit/>
+          </a:bodyPr>
+          <a:lstStyle/>
+          <a:p>
+            <a:pPr marL="0" marR="0" lvl="0" indent="0" algn="l" defTabSz="914400" rtl="0" eaLnBrk="1" fontAlgn="auto" latinLnBrk="0" hangingPunct="1">
+              <a:lnSpc>
+                <a:spcPct val="100000"/>
+              </a:lnSpc>
+              <a:spcBef>
+                <a:spcPts val="0"/>
+              </a:spcBef>
+              <a:spcAft>
+                <a:spcPts val="0"/>
+              </a:spcAft>
+              <a:buClrTx/>
+              <a:buSzTx/>
+              <a:buFontTx/>
+              <a:buNone/>
+              <a:tabLst/>
+              <a:defRPr/>
+            </a:pPr>
+            <a:r>
+              <a:rPr lang="en-SG" sz="1100" b="1" dirty="0">
+                <a:solidFill>
+                  <a:schemeClr val="tx1">
+                    <a:lumMod val="65000"/>
+                    <a:lumOff val="35000"/>
+                  </a:schemeClr>
+                </a:solidFill>
+                <a:latin typeface="Calibri" panose="020F0502020204030204"/>
+              </a:rPr>
+              <a:t>Distribution Monitor RTU</a:t>
+            </a:r>
+            <a:endParaRPr kumimoji="0" lang="en-SG" sz="1100" b="1" i="0" u="none" strike="noStrike" kern="1200" cap="none" spc="0" normalizeH="0" baseline="0" noProof="0" dirty="0">
+              <a:ln>
+                <a:noFill/>
+              </a:ln>
+              <a:solidFill>
+                <a:schemeClr val="tx1">
+                  <a:lumMod val="65000"/>
+                  <a:lumOff val="35000"/>
+                </a:schemeClr>
+              </a:solidFill>
+              <a:effectLst/>
+              <a:uLnTx/>
+              <a:uFillTx/>
+              <a:latin typeface="Calibri" panose="020F0502020204030204"/>
+              <a:ea typeface="+mn-ea"/>
+              <a:cs typeface="+mn-cs"/>
+            </a:endParaRPr>
+          </a:p>
+        </p:txBody>
+      </p:sp>
+      <p:pic>
+        <p:nvPicPr>
+          <p:cNvPr id="99" name="Graphic 98" descr="Web design with solid fill">
+            <a:extLst>
+              <a:ext uri="{FF2B5EF4-FFF2-40B4-BE49-F238E27FC236}">
+                <a16:creationId xmlns:a16="http://schemas.microsoft.com/office/drawing/2014/main" id="{8286903F-69C1-248D-9C8F-BD82192E1390}"/>
+              </a:ext>
+            </a:extLst>
+          </p:cNvPr>
+          <p:cNvPicPr>
+            <a:picLocks noChangeAspect="1"/>
+          </p:cNvPicPr>
+          <p:nvPr/>
+        </p:nvPicPr>
+        <p:blipFill>
+          <a:blip r:embed="rId4">
+            <a:extLst>
+              <a:ext uri="{28A0092B-C50C-407E-A947-70E740481C1C}">
+                <a14:useLocalDpi xmlns:a14="http://schemas.microsoft.com/office/drawing/2010/main" val="0"/>
+              </a:ext>
+              <a:ext uri="{96DAC541-7B7A-43D3-8B79-37D633B846F1}">
+                <asvg:svgBlip xmlns:asvg="http://schemas.microsoft.com/office/drawing/2016/SVG/main" r:embed="rId5"/>
+              </a:ext>
+            </a:extLst>
+          </a:blip>
+          <a:stretch>
+            <a:fillRect/>
+          </a:stretch>
+        </p:blipFill>
+        <p:spPr>
+          <a:xfrm>
+            <a:off x="7327188" y="2679881"/>
+            <a:ext cx="488553" cy="477935"/>
+          </a:xfrm>
+          <a:prstGeom prst="rect">
+            <a:avLst/>
+          </a:prstGeom>
+        </p:spPr>
+      </p:pic>
+      <p:pic>
+        <p:nvPicPr>
+          <p:cNvPr id="100" name="Graphic 99" descr="Web design with solid fill">
+            <a:extLst>
+              <a:ext uri="{FF2B5EF4-FFF2-40B4-BE49-F238E27FC236}">
+                <a16:creationId xmlns:a16="http://schemas.microsoft.com/office/drawing/2014/main" id="{CCF14FBB-EE85-0631-257D-54E784B31DFD}"/>
+              </a:ext>
+            </a:extLst>
+          </p:cNvPr>
+          <p:cNvPicPr>
+            <a:picLocks noChangeAspect="1"/>
+          </p:cNvPicPr>
+          <p:nvPr/>
+        </p:nvPicPr>
+        <p:blipFill>
+          <a:blip r:embed="rId4">
+            <a:extLst>
+              <a:ext uri="{28A0092B-C50C-407E-A947-70E740481C1C}">
+                <a14:useLocalDpi xmlns:a14="http://schemas.microsoft.com/office/drawing/2010/main" val="0"/>
+              </a:ext>
+              <a:ext uri="{96DAC541-7B7A-43D3-8B79-37D633B846F1}">
+                <asvg:svgBlip xmlns:asvg="http://schemas.microsoft.com/office/drawing/2016/SVG/main" r:embed="rId5"/>
+              </a:ext>
+            </a:extLst>
+          </a:blip>
+          <a:stretch>
+            <a:fillRect/>
+          </a:stretch>
+        </p:blipFill>
+        <p:spPr>
+          <a:xfrm>
+            <a:off x="7376078" y="3259781"/>
+            <a:ext cx="440455" cy="430882"/>
+          </a:xfrm>
+          <a:prstGeom prst="rect">
+            <a:avLst/>
+          </a:prstGeom>
+        </p:spPr>
+      </p:pic>
+      <p:cxnSp>
+        <p:nvCxnSpPr>
+          <p:cNvPr id="101" name="Connector: Elbow 100">
+            <a:extLst>
+              <a:ext uri="{FF2B5EF4-FFF2-40B4-BE49-F238E27FC236}">
+                <a16:creationId xmlns:a16="http://schemas.microsoft.com/office/drawing/2014/main" id="{A5CEA478-C067-E0B5-7F3A-BC99533D9558}"/>
+              </a:ext>
+            </a:extLst>
+          </p:cNvPr>
+          <p:cNvCxnSpPr>
+            <a:cxnSpLocks/>
+            <a:endCxn id="99" idx="1"/>
+          </p:cNvCxnSpPr>
+          <p:nvPr/>
+        </p:nvCxnSpPr>
+        <p:spPr>
+          <a:xfrm flipV="1">
+            <a:off x="6786056" y="2918849"/>
+            <a:ext cx="541132" cy="221872"/>
+          </a:xfrm>
+          <a:prstGeom prst="bentConnector3">
+            <a:avLst/>
+          </a:prstGeom>
+          <a:ln w="19050">
+            <a:solidFill>
+              <a:srgbClr val="F4C54F"/>
+            </a:solidFill>
+            <a:tailEnd type="triangle"/>
+          </a:ln>
+        </p:spPr>
+        <p:style>
+          <a:lnRef idx="1">
+            <a:schemeClr val="accent1"/>
+          </a:lnRef>
+          <a:fillRef idx="0">
+            <a:schemeClr val="accent1"/>
+          </a:fillRef>
+          <a:effectRef idx="0">
+            <a:schemeClr val="accent1"/>
+          </a:effectRef>
+          <a:fontRef idx="minor">
+            <a:schemeClr val="tx1"/>
+          </a:fontRef>
+        </p:style>
+      </p:cxnSp>
+      <p:cxnSp>
+        <p:nvCxnSpPr>
+          <p:cNvPr id="102" name="Connector: Elbow 101">
+            <a:extLst>
+              <a:ext uri="{FF2B5EF4-FFF2-40B4-BE49-F238E27FC236}">
+                <a16:creationId xmlns:a16="http://schemas.microsoft.com/office/drawing/2014/main" id="{BA1A18A5-4829-AA31-8B68-FBED8135E751}"/>
+              </a:ext>
+            </a:extLst>
+          </p:cNvPr>
+          <p:cNvCxnSpPr>
+            <a:cxnSpLocks/>
+            <a:endCxn id="100" idx="1"/>
+          </p:cNvCxnSpPr>
+          <p:nvPr/>
+        </p:nvCxnSpPr>
+        <p:spPr>
+          <a:xfrm>
+            <a:off x="6786056" y="3140721"/>
+            <a:ext cx="590022" cy="334501"/>
+          </a:xfrm>
+          <a:prstGeom prst="bentConnector3">
+            <a:avLst>
+              <a:gd name="adj1" fmla="val 46530"/>
+            </a:avLst>
+          </a:prstGeom>
+          <a:ln w="19050">
+            <a:solidFill>
+              <a:srgbClr val="F4C54F"/>
+            </a:solidFill>
+            <a:tailEnd type="triangle"/>
+          </a:ln>
+        </p:spPr>
+        <p:style>
+          <a:lnRef idx="1">
+            <a:schemeClr val="accent1"/>
+          </a:lnRef>
+          <a:fillRef idx="0">
+            <a:schemeClr val="accent1"/>
+          </a:fillRef>
+          <a:effectRef idx="0">
+            <a:schemeClr val="accent1"/>
+          </a:effectRef>
+          <a:fontRef idx="minor">
+            <a:schemeClr val="tx1"/>
+          </a:fontRef>
+        </p:style>
+      </p:cxnSp>
+      <p:sp>
+        <p:nvSpPr>
+          <p:cNvPr id="103" name="TextBox 102">
+            <a:extLst>
+              <a:ext uri="{FF2B5EF4-FFF2-40B4-BE49-F238E27FC236}">
+                <a16:creationId xmlns:a16="http://schemas.microsoft.com/office/drawing/2014/main" id="{927E81C6-E213-3200-3DF5-2F9868625EAD}"/>
+              </a:ext>
+            </a:extLst>
+          </p:cNvPr>
+          <p:cNvSpPr txBox="1"/>
+          <p:nvPr/>
+        </p:nvSpPr>
+        <p:spPr>
+          <a:xfrm>
+            <a:off x="7752411" y="2671055"/>
+            <a:ext cx="791136" cy="430887"/>
+          </a:xfrm>
+          <a:prstGeom prst="rect">
+            <a:avLst/>
+          </a:prstGeom>
+          <a:noFill/>
+        </p:spPr>
+        <p:txBody>
+          <a:bodyPr wrap="square" rtlCol="0">
+            <a:spAutoFit/>
+          </a:bodyPr>
+          <a:lstStyle/>
+          <a:p>
+            <a:pPr marL="0" marR="0" lvl="0" indent="0" algn="l" defTabSz="914400" rtl="0" eaLnBrk="1" fontAlgn="auto" latinLnBrk="0" hangingPunct="1">
+              <a:lnSpc>
+                <a:spcPct val="100000"/>
+              </a:lnSpc>
+              <a:spcBef>
+                <a:spcPts val="0"/>
+              </a:spcBef>
+              <a:spcAft>
+                <a:spcPts val="0"/>
+              </a:spcAft>
+              <a:buClrTx/>
+              <a:buSzTx/>
+              <a:buFontTx/>
+              <a:buNone/>
+              <a:tabLst/>
+              <a:defRPr/>
+            </a:pPr>
+            <a:r>
+              <a:rPr kumimoji="0" lang="en-US" sz="1100" b="1" i="0" u="none" strike="noStrike" kern="1200" cap="none" spc="0" normalizeH="0" baseline="0" noProof="0" dirty="0">
+                <a:ln>
+                  <a:noFill/>
+                </a:ln>
+                <a:solidFill>
+                  <a:srgbClr val="F4C54F"/>
+                </a:solidFill>
+                <a:effectLst/>
+                <a:uLnTx/>
+                <a:uFillTx/>
+                <a:latin typeface="Calibri" panose="020F0502020204030204"/>
+                <a:ea typeface="+mn-ea"/>
+                <a:cs typeface="+mn-cs"/>
+              </a:rPr>
+              <a:t>PLC Simulator </a:t>
+            </a:r>
+            <a:endParaRPr kumimoji="0" lang="en-SG" sz="1100" b="1" i="0" u="none" strike="noStrike" kern="1200" cap="none" spc="0" normalizeH="0" baseline="0" noProof="0" dirty="0">
+              <a:ln>
+                <a:noFill/>
+              </a:ln>
+              <a:solidFill>
+                <a:srgbClr val="F4C54F"/>
+              </a:solidFill>
+              <a:effectLst/>
+              <a:uLnTx/>
+              <a:uFillTx/>
+              <a:latin typeface="Calibri" panose="020F0502020204030204"/>
+              <a:ea typeface="+mn-ea"/>
+              <a:cs typeface="+mn-cs"/>
+            </a:endParaRPr>
+          </a:p>
+        </p:txBody>
+      </p:sp>
+      <p:sp>
+        <p:nvSpPr>
+          <p:cNvPr id="104" name="TextBox 103">
+            <a:extLst>
+              <a:ext uri="{FF2B5EF4-FFF2-40B4-BE49-F238E27FC236}">
+                <a16:creationId xmlns:a16="http://schemas.microsoft.com/office/drawing/2014/main" id="{E755689A-06E4-8DAC-8419-114278223B66}"/>
+              </a:ext>
+            </a:extLst>
+          </p:cNvPr>
+          <p:cNvSpPr txBox="1"/>
+          <p:nvPr/>
+        </p:nvSpPr>
+        <p:spPr>
+          <a:xfrm>
+            <a:off x="7794342" y="3235337"/>
+            <a:ext cx="791136" cy="430887"/>
+          </a:xfrm>
+          <a:prstGeom prst="rect">
+            <a:avLst/>
+          </a:prstGeom>
+          <a:noFill/>
+        </p:spPr>
+        <p:txBody>
+          <a:bodyPr wrap="square" rtlCol="0">
+            <a:spAutoFit/>
+          </a:bodyPr>
+          <a:lstStyle/>
+          <a:p>
+            <a:pPr marL="0" marR="0" lvl="0" indent="0" algn="l" defTabSz="914400" rtl="0" eaLnBrk="1" fontAlgn="auto" latinLnBrk="0" hangingPunct="1">
+              <a:lnSpc>
+                <a:spcPct val="100000"/>
+              </a:lnSpc>
+              <a:spcBef>
+                <a:spcPts val="0"/>
+              </a:spcBef>
+              <a:spcAft>
+                <a:spcPts val="0"/>
+              </a:spcAft>
+              <a:buClrTx/>
+              <a:buSzTx/>
+              <a:buFontTx/>
+              <a:buNone/>
+              <a:tabLst/>
+              <a:defRPr/>
+            </a:pPr>
+            <a:r>
+              <a:rPr kumimoji="0" lang="en-US" sz="1100" b="1" i="0" u="none" strike="noStrike" kern="1200" cap="none" spc="0" normalizeH="0" baseline="0" noProof="0" dirty="0">
+                <a:ln>
+                  <a:noFill/>
+                </a:ln>
+                <a:solidFill>
+                  <a:srgbClr val="F4C54F"/>
+                </a:solidFill>
+                <a:effectLst/>
+                <a:uLnTx/>
+                <a:uFillTx/>
+                <a:latin typeface="Calibri" panose="020F0502020204030204"/>
+                <a:ea typeface="+mn-ea"/>
+                <a:cs typeface="+mn-cs"/>
+              </a:rPr>
+              <a:t>RTU Simulator </a:t>
+            </a:r>
+            <a:endParaRPr kumimoji="0" lang="en-SG" sz="1100" b="1" i="0" u="none" strike="noStrike" kern="1200" cap="none" spc="0" normalizeH="0" baseline="0" noProof="0" dirty="0">
+              <a:ln>
+                <a:noFill/>
+              </a:ln>
+              <a:solidFill>
+                <a:srgbClr val="F4C54F"/>
+              </a:solidFill>
+              <a:effectLst/>
+              <a:uLnTx/>
+              <a:uFillTx/>
+              <a:latin typeface="Calibri" panose="020F0502020204030204"/>
+              <a:ea typeface="+mn-ea"/>
+              <a:cs typeface="+mn-cs"/>
+            </a:endParaRPr>
+          </a:p>
+        </p:txBody>
+      </p:sp>
+      <p:sp>
+        <p:nvSpPr>
+          <p:cNvPr id="105" name="Rectangle: Rounded Corners 104">
+            <a:extLst>
+              <a:ext uri="{FF2B5EF4-FFF2-40B4-BE49-F238E27FC236}">
+                <a16:creationId xmlns:a16="http://schemas.microsoft.com/office/drawing/2014/main" id="{0C9F9279-52D8-6E95-13A1-0C8D8FCEFFB1}"/>
+              </a:ext>
+            </a:extLst>
+          </p:cNvPr>
+          <p:cNvSpPr/>
+          <p:nvPr/>
+        </p:nvSpPr>
+        <p:spPr>
+          <a:xfrm>
+            <a:off x="848795" y="1397691"/>
+            <a:ext cx="5943891" cy="1300368"/>
+          </a:xfrm>
+          <a:prstGeom prst="roundRect">
+            <a:avLst/>
+          </a:prstGeom>
+          <a:solidFill>
+            <a:srgbClr val="D67A3B"/>
+          </a:solidFill>
+          <a:ln>
+            <a:noFill/>
+          </a:ln>
+        </p:spPr>
+        <p:style>
+          <a:lnRef idx="2">
+            <a:schemeClr val="accent1">
+              <a:shade val="15000"/>
+            </a:schemeClr>
+          </a:lnRef>
+          <a:fillRef idx="1">
+            <a:schemeClr val="accent1"/>
+          </a:fillRef>
+          <a:effectRef idx="0">
+            <a:schemeClr val="accent1"/>
+          </a:effectRef>
+          <a:fontRef idx="minor">
+            <a:schemeClr val="lt1"/>
+          </a:fontRef>
+        </p:style>
+        <p:txBody>
+          <a:bodyPr rtlCol="0" anchor="ctr"/>
+          <a:lstStyle/>
+          <a:p>
+            <a:pPr marL="0" marR="0" lvl="0" indent="0" algn="ctr" defTabSz="914400" rtl="0" eaLnBrk="1" fontAlgn="auto" latinLnBrk="0" hangingPunct="1">
+              <a:lnSpc>
+                <a:spcPct val="100000"/>
+              </a:lnSpc>
+              <a:spcBef>
+                <a:spcPts val="0"/>
+              </a:spcBef>
+              <a:spcAft>
+                <a:spcPts val="0"/>
+              </a:spcAft>
+              <a:buClrTx/>
+              <a:buSzTx/>
+              <a:buFontTx/>
+              <a:buNone/>
+              <a:tabLst/>
+              <a:defRPr/>
+            </a:pPr>
+            <a:endParaRPr kumimoji="0" lang="en-SG" sz="1800" b="0" i="0" u="none" strike="noStrike" kern="1200" cap="none" spc="0" normalizeH="0" baseline="0" noProof="0" dirty="0">
+              <a:ln>
+                <a:noFill/>
+              </a:ln>
+              <a:solidFill>
+                <a:prstClr val="white"/>
+              </a:solidFill>
+              <a:effectLst/>
+              <a:uLnTx/>
+              <a:uFillTx/>
+              <a:latin typeface="Calibri" panose="020F0502020204030204"/>
+              <a:ea typeface="+mn-ea"/>
+              <a:cs typeface="+mn-cs"/>
+            </a:endParaRPr>
+          </a:p>
+        </p:txBody>
+      </p:sp>
+      <p:sp>
+        <p:nvSpPr>
+          <p:cNvPr id="106" name="TextBox 105">
+            <a:extLst>
+              <a:ext uri="{FF2B5EF4-FFF2-40B4-BE49-F238E27FC236}">
+                <a16:creationId xmlns:a16="http://schemas.microsoft.com/office/drawing/2014/main" id="{E2199F82-4A74-CE52-C95B-4598689438FD}"/>
+              </a:ext>
+            </a:extLst>
+          </p:cNvPr>
+          <p:cNvSpPr txBox="1"/>
+          <p:nvPr/>
+        </p:nvSpPr>
+        <p:spPr>
+          <a:xfrm>
+            <a:off x="933927" y="1468391"/>
+            <a:ext cx="1391555" cy="830997"/>
+          </a:xfrm>
+          <a:prstGeom prst="rect">
+            <a:avLst/>
+          </a:prstGeom>
+          <a:noFill/>
+        </p:spPr>
+        <p:txBody>
+          <a:bodyPr wrap="square" rtlCol="0">
+            <a:spAutoFit/>
+          </a:bodyPr>
+          <a:lstStyle/>
+          <a:p>
+            <a:pPr marL="0" marR="0" lvl="0" indent="0" algn="l" defTabSz="914400" rtl="0" eaLnBrk="1" fontAlgn="auto" latinLnBrk="0" hangingPunct="1">
+              <a:lnSpc>
+                <a:spcPct val="100000"/>
+              </a:lnSpc>
+              <a:spcBef>
+                <a:spcPts val="0"/>
+              </a:spcBef>
+              <a:spcAft>
+                <a:spcPts val="0"/>
+              </a:spcAft>
+              <a:buClrTx/>
+              <a:buSzTx/>
+              <a:buFontTx/>
+              <a:buNone/>
+              <a:tabLst/>
+              <a:defRPr/>
+            </a:pPr>
+            <a:r>
+              <a:rPr kumimoji="0" lang="en-US" sz="1200" b="1" i="0" u="none" strike="noStrike" kern="1200" cap="none" spc="0" normalizeH="0" baseline="0" noProof="0" dirty="0">
+                <a:ln>
+                  <a:noFill/>
+                </a:ln>
+                <a:solidFill>
+                  <a:prstClr val="white"/>
+                </a:solidFill>
+                <a:effectLst/>
+                <a:uLnTx/>
+                <a:uFillTx/>
+                <a:ea typeface="+mn-ea"/>
+                <a:cs typeface="+mn-cs"/>
+              </a:rPr>
+              <a:t>Level 2</a:t>
+            </a:r>
+          </a:p>
+          <a:p>
+            <a:pPr marL="0" marR="0" lvl="0" indent="0" algn="l" defTabSz="914400" rtl="0" eaLnBrk="1" fontAlgn="auto" latinLnBrk="0" hangingPunct="1">
+              <a:lnSpc>
+                <a:spcPct val="100000"/>
+              </a:lnSpc>
+              <a:spcBef>
+                <a:spcPts val="0"/>
+              </a:spcBef>
+              <a:spcAft>
+                <a:spcPts val="0"/>
+              </a:spcAft>
+              <a:buClrTx/>
+              <a:buSzTx/>
+              <a:buFontTx/>
+              <a:buNone/>
+              <a:tabLst/>
+              <a:defRPr/>
+            </a:pPr>
+            <a:r>
+              <a:rPr kumimoji="0" lang="en-US" sz="1200" b="0" i="0" u="none" strike="noStrike" kern="1200" cap="none" spc="0" normalizeH="0" baseline="0" noProof="0" dirty="0">
+                <a:ln>
+                  <a:noFill/>
+                </a:ln>
+                <a:solidFill>
+                  <a:prstClr val="white"/>
+                </a:solidFill>
+                <a:effectLst/>
+                <a:uLnTx/>
+                <a:uFillTx/>
+                <a:ea typeface="+mn-ea"/>
+                <a:cs typeface="+mn-cs"/>
+              </a:rPr>
+              <a:t>Control Center (HQ) Processing LAN</a:t>
+            </a:r>
+          </a:p>
+        </p:txBody>
+      </p:sp>
+      <p:pic>
+        <p:nvPicPr>
+          <p:cNvPr id="107" name="Graphic 106" descr="Computer with solid fill">
+            <a:extLst>
+              <a:ext uri="{FF2B5EF4-FFF2-40B4-BE49-F238E27FC236}">
+                <a16:creationId xmlns:a16="http://schemas.microsoft.com/office/drawing/2014/main" id="{176CD590-AD4D-91FE-D42B-B9E8B761427B}"/>
+              </a:ext>
+            </a:extLst>
+          </p:cNvPr>
+          <p:cNvPicPr>
+            <a:picLocks noChangeAspect="1"/>
+          </p:cNvPicPr>
+          <p:nvPr/>
+        </p:nvPicPr>
+        <p:blipFill>
+          <a:blip r:embed="rId6">
+            <a:extLst>
+              <a:ext uri="{28A0092B-C50C-407E-A947-70E740481C1C}">
+                <a14:useLocalDpi xmlns:a14="http://schemas.microsoft.com/office/drawing/2010/main" val="0"/>
+              </a:ext>
+              <a:ext uri="{96DAC541-7B7A-43D3-8B79-37D633B846F1}">
+                <asvg:svgBlip xmlns:asvg="http://schemas.microsoft.com/office/drawing/2016/SVG/main" r:embed="rId7"/>
+              </a:ext>
+            </a:extLst>
+          </a:blip>
+          <a:stretch>
+            <a:fillRect/>
+          </a:stretch>
+        </p:blipFill>
+        <p:spPr>
+          <a:xfrm>
+            <a:off x="2717403" y="1748925"/>
+            <a:ext cx="446421" cy="446421"/>
+          </a:xfrm>
+          <a:prstGeom prst="rect">
+            <a:avLst/>
+          </a:prstGeom>
+        </p:spPr>
+      </p:pic>
+      <p:sp>
+        <p:nvSpPr>
+          <p:cNvPr id="108" name="TextBox 107">
+            <a:extLst>
+              <a:ext uri="{FF2B5EF4-FFF2-40B4-BE49-F238E27FC236}">
+                <a16:creationId xmlns:a16="http://schemas.microsoft.com/office/drawing/2014/main" id="{1C4B1BDC-599C-FA24-757F-794E867C1E84}"/>
+              </a:ext>
+            </a:extLst>
+          </p:cNvPr>
+          <p:cNvSpPr txBox="1"/>
+          <p:nvPr/>
+        </p:nvSpPr>
+        <p:spPr>
+          <a:xfrm>
+            <a:off x="930914" y="3056082"/>
+            <a:ext cx="969647" cy="830997"/>
+          </a:xfrm>
+          <a:prstGeom prst="rect">
+            <a:avLst/>
+          </a:prstGeom>
+          <a:noFill/>
+        </p:spPr>
+        <p:txBody>
+          <a:bodyPr wrap="square" rtlCol="0">
+            <a:spAutoFit/>
+          </a:bodyPr>
+          <a:lstStyle/>
+          <a:p>
+            <a:pPr marL="0" marR="0" lvl="0" indent="0" algn="l" defTabSz="914400" rtl="0" eaLnBrk="1" fontAlgn="auto" latinLnBrk="0" hangingPunct="1">
+              <a:lnSpc>
+                <a:spcPct val="100000"/>
+              </a:lnSpc>
+              <a:spcBef>
+                <a:spcPts val="0"/>
+              </a:spcBef>
+              <a:spcAft>
+                <a:spcPts val="0"/>
+              </a:spcAft>
+              <a:buClrTx/>
+              <a:buSzTx/>
+              <a:buFontTx/>
+              <a:buNone/>
+              <a:tabLst/>
+              <a:defRPr/>
+            </a:pPr>
+            <a:r>
+              <a:rPr kumimoji="0" lang="en-US" sz="1200" b="1" i="0" u="none" strike="noStrike" kern="1200" cap="none" spc="0" normalizeH="0" baseline="0" noProof="0" dirty="0">
+                <a:ln>
+                  <a:noFill/>
+                </a:ln>
+                <a:solidFill>
+                  <a:prstClr val="black"/>
+                </a:solidFill>
+                <a:effectLst/>
+                <a:uLnTx/>
+                <a:uFillTx/>
+                <a:ea typeface="+mn-ea"/>
+                <a:cs typeface="+mn-cs"/>
+              </a:rPr>
+              <a:t>Level 1</a:t>
+            </a:r>
+          </a:p>
+          <a:p>
+            <a:pPr marL="0" marR="0" lvl="0" indent="0" algn="l" defTabSz="914400" rtl="0" eaLnBrk="1" fontAlgn="auto" latinLnBrk="0" hangingPunct="1">
+              <a:lnSpc>
+                <a:spcPct val="100000"/>
+              </a:lnSpc>
+              <a:spcBef>
+                <a:spcPts val="0"/>
+              </a:spcBef>
+              <a:spcAft>
+                <a:spcPts val="0"/>
+              </a:spcAft>
+              <a:buClrTx/>
+              <a:buSzTx/>
+              <a:buFontTx/>
+              <a:buNone/>
+              <a:tabLst/>
+              <a:defRPr/>
+            </a:pPr>
+            <a:r>
+              <a:rPr kumimoji="0" lang="en-US" sz="1200" b="0" i="0" u="none" strike="noStrike" kern="1200" cap="none" spc="0" normalizeH="0" baseline="0" noProof="0" dirty="0">
+                <a:ln>
+                  <a:noFill/>
+                </a:ln>
+                <a:solidFill>
+                  <a:prstClr val="black"/>
+                </a:solidFill>
+                <a:effectLst/>
+                <a:uLnTx/>
+                <a:uFillTx/>
+                <a:ea typeface="+mn-ea"/>
+                <a:cs typeface="+mn-cs"/>
+              </a:rPr>
+              <a:t>OT System Controller LAN </a:t>
+            </a:r>
+            <a:endParaRPr kumimoji="0" lang="en-SG" sz="1200" b="0" i="0" u="none" strike="noStrike" kern="1200" cap="none" spc="0" normalizeH="0" baseline="0" noProof="0" dirty="0">
+              <a:ln>
+                <a:noFill/>
+              </a:ln>
+              <a:solidFill>
+                <a:prstClr val="black"/>
+              </a:solidFill>
+              <a:effectLst/>
+              <a:uLnTx/>
+              <a:uFillTx/>
+              <a:ea typeface="+mn-ea"/>
+              <a:cs typeface="+mn-cs"/>
+            </a:endParaRPr>
+          </a:p>
+        </p:txBody>
+      </p:sp>
+      <p:pic>
+        <p:nvPicPr>
+          <p:cNvPr id="109" name="Graphic 108" descr="Full Brick Wall with solid fill">
+            <a:extLst>
+              <a:ext uri="{FF2B5EF4-FFF2-40B4-BE49-F238E27FC236}">
+                <a16:creationId xmlns:a16="http://schemas.microsoft.com/office/drawing/2014/main" id="{A2D85CA5-5D9D-00D0-2555-23901893EE1D}"/>
+              </a:ext>
+            </a:extLst>
+          </p:cNvPr>
+          <p:cNvPicPr>
+            <a:picLocks noChangeAspect="1"/>
+          </p:cNvPicPr>
+          <p:nvPr/>
+        </p:nvPicPr>
+        <p:blipFill>
+          <a:blip r:embed="rId8">
+            <a:extLst>
+              <a:ext uri="{28A0092B-C50C-407E-A947-70E740481C1C}">
+                <a14:useLocalDpi xmlns:a14="http://schemas.microsoft.com/office/drawing/2010/main" val="0"/>
+              </a:ext>
+              <a:ext uri="{96DAC541-7B7A-43D3-8B79-37D633B846F1}">
+                <asvg:svgBlip xmlns:asvg="http://schemas.microsoft.com/office/drawing/2016/SVG/main" r:embed="rId9"/>
+              </a:ext>
+            </a:extLst>
+          </a:blip>
+          <a:stretch>
+            <a:fillRect/>
+          </a:stretch>
+        </p:blipFill>
+        <p:spPr>
+          <a:xfrm>
+            <a:off x="2682867" y="1316993"/>
+            <a:ext cx="418359" cy="418359"/>
+          </a:xfrm>
+          <a:prstGeom prst="rect">
+            <a:avLst/>
+          </a:prstGeom>
+        </p:spPr>
+      </p:pic>
+      <p:cxnSp>
+        <p:nvCxnSpPr>
+          <p:cNvPr id="110" name="Straight Connector 109">
+            <a:extLst>
+              <a:ext uri="{FF2B5EF4-FFF2-40B4-BE49-F238E27FC236}">
+                <a16:creationId xmlns:a16="http://schemas.microsoft.com/office/drawing/2014/main" id="{6E3F3224-64F6-0050-1324-4185109B9959}"/>
+              </a:ext>
+            </a:extLst>
+          </p:cNvPr>
+          <p:cNvCxnSpPr>
+            <a:cxnSpLocks/>
+          </p:cNvCxnSpPr>
+          <p:nvPr/>
+        </p:nvCxnSpPr>
+        <p:spPr>
+          <a:xfrm>
+            <a:off x="2892046" y="1559198"/>
+            <a:ext cx="0" cy="281333"/>
+          </a:xfrm>
+          <a:prstGeom prst="line">
+            <a:avLst/>
+          </a:prstGeom>
+          <a:ln w="19050">
+            <a:solidFill>
+              <a:schemeClr val="bg1"/>
+            </a:solidFill>
+          </a:ln>
+        </p:spPr>
+        <p:style>
+          <a:lnRef idx="1">
+            <a:schemeClr val="accent1"/>
+          </a:lnRef>
+          <a:fillRef idx="0">
+            <a:schemeClr val="accent1"/>
+          </a:fillRef>
+          <a:effectRef idx="0">
+            <a:schemeClr val="accent1"/>
+          </a:effectRef>
+          <a:fontRef idx="minor">
+            <a:schemeClr val="tx1"/>
+          </a:fontRef>
+        </p:style>
+      </p:cxnSp>
+      <p:pic>
+        <p:nvPicPr>
+          <p:cNvPr id="112" name="Graphic 111" descr="Ui Ux with solid fill">
+            <a:extLst>
+              <a:ext uri="{FF2B5EF4-FFF2-40B4-BE49-F238E27FC236}">
+                <a16:creationId xmlns:a16="http://schemas.microsoft.com/office/drawing/2014/main" id="{D53CA239-57C0-5F8E-9EEE-3B6DDEE5FD07}"/>
+              </a:ext>
+            </a:extLst>
+          </p:cNvPr>
+          <p:cNvPicPr>
+            <a:picLocks noChangeAspect="1"/>
+          </p:cNvPicPr>
+          <p:nvPr/>
+        </p:nvPicPr>
+        <p:blipFill>
+          <a:blip r:embed="rId10">
+            <a:extLst>
+              <a:ext uri="{28A0092B-C50C-407E-A947-70E740481C1C}">
+                <a14:useLocalDpi xmlns:a14="http://schemas.microsoft.com/office/drawing/2010/main" val="0"/>
+              </a:ext>
+              <a:ext uri="{96DAC541-7B7A-43D3-8B79-37D633B846F1}">
+                <asvg:svgBlip xmlns:asvg="http://schemas.microsoft.com/office/drawing/2016/SVG/main" r:embed="rId11"/>
+              </a:ext>
+            </a:extLst>
+          </a:blip>
+          <a:stretch>
+            <a:fillRect/>
+          </a:stretch>
+        </p:blipFill>
+        <p:spPr>
+          <a:xfrm>
+            <a:off x="3603249" y="2084886"/>
+            <a:ext cx="446421" cy="446421"/>
+          </a:xfrm>
+          <a:prstGeom prst="rect">
+            <a:avLst/>
+          </a:prstGeom>
+        </p:spPr>
+      </p:pic>
+      <p:sp>
+        <p:nvSpPr>
+          <p:cNvPr id="113" name="TextBox 112">
+            <a:extLst>
+              <a:ext uri="{FF2B5EF4-FFF2-40B4-BE49-F238E27FC236}">
+                <a16:creationId xmlns:a16="http://schemas.microsoft.com/office/drawing/2014/main" id="{28730F84-BBD4-A6FE-9744-D9C77144E6C7}"/>
+              </a:ext>
+            </a:extLst>
+          </p:cNvPr>
+          <p:cNvSpPr txBox="1"/>
+          <p:nvPr/>
+        </p:nvSpPr>
+        <p:spPr>
+          <a:xfrm>
+            <a:off x="3398862" y="1674544"/>
+            <a:ext cx="1213472" cy="430887"/>
+          </a:xfrm>
+          <a:prstGeom prst="rect">
+            <a:avLst/>
+          </a:prstGeom>
+          <a:noFill/>
+        </p:spPr>
+        <p:txBody>
+          <a:bodyPr wrap="square" rtlCol="0">
+            <a:spAutoFit/>
+          </a:bodyPr>
+          <a:lstStyle/>
+          <a:p>
+            <a:pPr marL="0" marR="0" lvl="0" indent="0" algn="l" defTabSz="914400" rtl="0" eaLnBrk="1" fontAlgn="auto" latinLnBrk="0" hangingPunct="1">
+              <a:lnSpc>
+                <a:spcPct val="100000"/>
+              </a:lnSpc>
+              <a:spcBef>
+                <a:spcPts val="0"/>
+              </a:spcBef>
+              <a:spcAft>
+                <a:spcPts val="0"/>
+              </a:spcAft>
+              <a:buClrTx/>
+              <a:buSzTx/>
+              <a:buFontTx/>
+              <a:buNone/>
+              <a:tabLst/>
+              <a:defRPr/>
+            </a:pPr>
+            <a:r>
+              <a:rPr kumimoji="0" lang="en-SG" sz="1100" b="0" i="0" u="none" strike="noStrike" kern="1200" cap="none" spc="0" normalizeH="0" baseline="0" noProof="0" dirty="0">
+                <a:ln>
+                  <a:noFill/>
+                </a:ln>
+                <a:solidFill>
+                  <a:prstClr val="white"/>
+                </a:solidFill>
+                <a:effectLst/>
+                <a:uLnTx/>
+                <a:uFillTx/>
+                <a:latin typeface="Calibri" panose="020F0502020204030204"/>
+                <a:ea typeface="+mn-ea"/>
+                <a:cs typeface="+mn-cs"/>
+              </a:rPr>
+              <a:t>Power System control HMI</a:t>
+            </a:r>
+          </a:p>
+        </p:txBody>
+      </p:sp>
+      <p:pic>
+        <p:nvPicPr>
+          <p:cNvPr id="114" name="Graphic 113" descr="Ui Ux with solid fill">
+            <a:extLst>
+              <a:ext uri="{FF2B5EF4-FFF2-40B4-BE49-F238E27FC236}">
+                <a16:creationId xmlns:a16="http://schemas.microsoft.com/office/drawing/2014/main" id="{22B3D35C-B1CE-55E7-276D-AE59422859A0}"/>
+              </a:ext>
+            </a:extLst>
+          </p:cNvPr>
+          <p:cNvPicPr>
+            <a:picLocks noChangeAspect="1"/>
+          </p:cNvPicPr>
+          <p:nvPr/>
+        </p:nvPicPr>
+        <p:blipFill>
+          <a:blip r:embed="rId10">
+            <a:extLst>
+              <a:ext uri="{28A0092B-C50C-407E-A947-70E740481C1C}">
+                <a14:useLocalDpi xmlns:a14="http://schemas.microsoft.com/office/drawing/2010/main" val="0"/>
+              </a:ext>
+              <a:ext uri="{96DAC541-7B7A-43D3-8B79-37D633B846F1}">
+                <asvg:svgBlip xmlns:asvg="http://schemas.microsoft.com/office/drawing/2016/SVG/main" r:embed="rId11"/>
+              </a:ext>
+            </a:extLst>
+          </a:blip>
+          <a:stretch>
+            <a:fillRect/>
+          </a:stretch>
+        </p:blipFill>
+        <p:spPr>
+          <a:xfrm>
+            <a:off x="4613449" y="2078326"/>
+            <a:ext cx="446421" cy="446421"/>
+          </a:xfrm>
+          <a:prstGeom prst="rect">
+            <a:avLst/>
+          </a:prstGeom>
+        </p:spPr>
+      </p:pic>
+      <p:sp>
+        <p:nvSpPr>
+          <p:cNvPr id="115" name="TextBox 114">
+            <a:extLst>
+              <a:ext uri="{FF2B5EF4-FFF2-40B4-BE49-F238E27FC236}">
+                <a16:creationId xmlns:a16="http://schemas.microsoft.com/office/drawing/2014/main" id="{6E1618EE-2587-3530-D605-1B42412F0103}"/>
+              </a:ext>
+            </a:extLst>
+          </p:cNvPr>
+          <p:cNvSpPr txBox="1"/>
+          <p:nvPr/>
+        </p:nvSpPr>
+        <p:spPr>
+          <a:xfrm>
+            <a:off x="4336691" y="1668445"/>
+            <a:ext cx="1213472" cy="430887"/>
+          </a:xfrm>
+          <a:prstGeom prst="rect">
+            <a:avLst/>
+          </a:prstGeom>
+          <a:noFill/>
+        </p:spPr>
+        <p:txBody>
+          <a:bodyPr wrap="square" rtlCol="0">
+            <a:spAutoFit/>
+          </a:bodyPr>
+          <a:lstStyle/>
+          <a:p>
+            <a:pPr marL="0" marR="0" lvl="0" indent="0" algn="l" defTabSz="914400" rtl="0" eaLnBrk="1" fontAlgn="auto" latinLnBrk="0" hangingPunct="1">
+              <a:lnSpc>
+                <a:spcPct val="100000"/>
+              </a:lnSpc>
+              <a:spcBef>
+                <a:spcPts val="0"/>
+              </a:spcBef>
+              <a:spcAft>
+                <a:spcPts val="0"/>
+              </a:spcAft>
+              <a:buClrTx/>
+              <a:buSzTx/>
+              <a:buFontTx/>
+              <a:buNone/>
+              <a:tabLst/>
+              <a:defRPr/>
+            </a:pPr>
+            <a:r>
+              <a:rPr kumimoji="0" lang="en-SG" sz="1100" b="0" i="0" u="none" strike="noStrike" kern="1200" cap="none" spc="0" normalizeH="0" baseline="0" noProof="0" dirty="0">
+                <a:ln>
+                  <a:noFill/>
+                </a:ln>
+                <a:solidFill>
+                  <a:prstClr val="white"/>
+                </a:solidFill>
+                <a:effectLst/>
+                <a:uLnTx/>
+                <a:uFillTx/>
+                <a:latin typeface="Calibri" panose="020F0502020204030204"/>
+                <a:ea typeface="+mn-ea"/>
+                <a:cs typeface="+mn-cs"/>
+              </a:rPr>
+              <a:t>Power System Monitor HMI</a:t>
+            </a:r>
+          </a:p>
+        </p:txBody>
+      </p:sp>
+      <p:pic>
+        <p:nvPicPr>
+          <p:cNvPr id="116" name="Graphic 115" descr="Computer with solid fill">
+            <a:extLst>
+              <a:ext uri="{FF2B5EF4-FFF2-40B4-BE49-F238E27FC236}">
+                <a16:creationId xmlns:a16="http://schemas.microsoft.com/office/drawing/2014/main" id="{BB73D3B8-B5E9-D594-1D9A-D82064B6BA07}"/>
+              </a:ext>
+            </a:extLst>
+          </p:cNvPr>
+          <p:cNvPicPr>
+            <a:picLocks noChangeAspect="1"/>
+          </p:cNvPicPr>
+          <p:nvPr/>
+        </p:nvPicPr>
+        <p:blipFill>
+          <a:blip r:embed="rId6">
+            <a:extLst>
+              <a:ext uri="{28A0092B-C50C-407E-A947-70E740481C1C}">
+                <a14:useLocalDpi xmlns:a14="http://schemas.microsoft.com/office/drawing/2010/main" val="0"/>
+              </a:ext>
+              <a:ext uri="{96DAC541-7B7A-43D3-8B79-37D633B846F1}">
+                <asvg:svgBlip xmlns:asvg="http://schemas.microsoft.com/office/drawing/2016/SVG/main" r:embed="rId7"/>
+              </a:ext>
+            </a:extLst>
+          </a:blip>
+          <a:stretch>
+            <a:fillRect/>
+          </a:stretch>
+        </p:blipFill>
+        <p:spPr>
+          <a:xfrm>
+            <a:off x="5678573" y="2078326"/>
+            <a:ext cx="481208" cy="481208"/>
+          </a:xfrm>
+          <a:prstGeom prst="rect">
+            <a:avLst/>
+          </a:prstGeom>
+        </p:spPr>
+      </p:pic>
+      <p:sp>
+        <p:nvSpPr>
+          <p:cNvPr id="117" name="TextBox 116">
+            <a:extLst>
+              <a:ext uri="{FF2B5EF4-FFF2-40B4-BE49-F238E27FC236}">
+                <a16:creationId xmlns:a16="http://schemas.microsoft.com/office/drawing/2014/main" id="{9E2CAC69-AD71-7E77-6798-1746BED56387}"/>
+              </a:ext>
+            </a:extLst>
+          </p:cNvPr>
+          <p:cNvSpPr txBox="1"/>
+          <p:nvPr/>
+        </p:nvSpPr>
+        <p:spPr>
+          <a:xfrm>
+            <a:off x="5491475" y="1687408"/>
+            <a:ext cx="1211730" cy="430887"/>
+          </a:xfrm>
+          <a:prstGeom prst="rect">
+            <a:avLst/>
+          </a:prstGeom>
+          <a:noFill/>
+        </p:spPr>
+        <p:txBody>
+          <a:bodyPr wrap="square" rtlCol="0">
+            <a:spAutoFit/>
+          </a:bodyPr>
+          <a:lstStyle/>
+          <a:p>
+            <a:pPr marL="0" marR="0" lvl="0" indent="0" algn="l" defTabSz="914400" rtl="0" eaLnBrk="1" fontAlgn="auto" latinLnBrk="0" hangingPunct="1">
+              <a:lnSpc>
+                <a:spcPct val="100000"/>
+              </a:lnSpc>
+              <a:spcBef>
+                <a:spcPts val="0"/>
+              </a:spcBef>
+              <a:spcAft>
+                <a:spcPts val="0"/>
+              </a:spcAft>
+              <a:buClrTx/>
+              <a:buSzTx/>
+              <a:buFontTx/>
+              <a:buNone/>
+              <a:tabLst/>
+              <a:defRPr/>
+            </a:pPr>
+            <a:r>
+              <a:rPr kumimoji="0" lang="en-US" sz="1100" b="0" i="0" u="none" strike="noStrike" kern="1200" cap="none" spc="0" normalizeH="0" baseline="0" noProof="0" dirty="0">
+                <a:ln>
+                  <a:noFill/>
+                </a:ln>
+                <a:solidFill>
+                  <a:prstClr val="white"/>
+                </a:solidFill>
+                <a:effectLst/>
+                <a:uLnTx/>
+                <a:uFillTx/>
+                <a:latin typeface="Calibri" panose="020F0502020204030204"/>
+                <a:ea typeface="+mn-ea"/>
+                <a:cs typeface="+mn-cs"/>
+              </a:rPr>
+              <a:t>Maintenance workstations</a:t>
+            </a:r>
+            <a:endParaRPr kumimoji="0" lang="en-SG" sz="1100" b="0" i="0" u="none" strike="noStrike" kern="1200" cap="none" spc="0" normalizeH="0" baseline="0" noProof="0" dirty="0">
+              <a:ln>
+                <a:noFill/>
+              </a:ln>
+              <a:solidFill>
+                <a:prstClr val="white"/>
+              </a:solidFill>
+              <a:effectLst/>
+              <a:uLnTx/>
+              <a:uFillTx/>
+              <a:latin typeface="Calibri" panose="020F0502020204030204"/>
+              <a:ea typeface="+mn-ea"/>
+              <a:cs typeface="+mn-cs"/>
+            </a:endParaRPr>
+          </a:p>
+        </p:txBody>
+      </p:sp>
+      <p:cxnSp>
+        <p:nvCxnSpPr>
+          <p:cNvPr id="118" name="Connector: Elbow 117">
+            <a:extLst>
+              <a:ext uri="{FF2B5EF4-FFF2-40B4-BE49-F238E27FC236}">
+                <a16:creationId xmlns:a16="http://schemas.microsoft.com/office/drawing/2014/main" id="{9B14A826-D009-298D-8908-AAA1B527AD89}"/>
+              </a:ext>
+            </a:extLst>
+          </p:cNvPr>
+          <p:cNvCxnSpPr>
+            <a:cxnSpLocks/>
+            <a:stCxn id="29" idx="0"/>
+            <a:endCxn id="112" idx="2"/>
+          </p:cNvCxnSpPr>
+          <p:nvPr/>
+        </p:nvCxnSpPr>
+        <p:spPr>
+          <a:xfrm rot="5400000" flipH="1" flipV="1">
+            <a:off x="2546306" y="2275513"/>
+            <a:ext cx="1024360" cy="1535948"/>
+          </a:xfrm>
+          <a:prstGeom prst="bentConnector3">
+            <a:avLst>
+              <a:gd name="adj1" fmla="val 50000"/>
+            </a:avLst>
+          </a:prstGeom>
+          <a:ln w="19050">
+            <a:solidFill>
+              <a:srgbClr val="C00000"/>
+            </a:solidFill>
+            <a:prstDash val="sysDash"/>
+            <a:tailEnd type="triangle"/>
+          </a:ln>
+        </p:spPr>
+        <p:style>
+          <a:lnRef idx="1">
+            <a:schemeClr val="accent1"/>
+          </a:lnRef>
+          <a:fillRef idx="0">
+            <a:schemeClr val="accent1"/>
+          </a:fillRef>
+          <a:effectRef idx="0">
+            <a:schemeClr val="accent1"/>
+          </a:effectRef>
+          <a:fontRef idx="minor">
+            <a:schemeClr val="tx1"/>
+          </a:fontRef>
+        </p:style>
+      </p:cxnSp>
+      <p:cxnSp>
+        <p:nvCxnSpPr>
+          <p:cNvPr id="121" name="Connector: Elbow 120">
+            <a:extLst>
+              <a:ext uri="{FF2B5EF4-FFF2-40B4-BE49-F238E27FC236}">
+                <a16:creationId xmlns:a16="http://schemas.microsoft.com/office/drawing/2014/main" id="{AAC45261-CABA-E1C9-B373-667A9DD45979}"/>
+              </a:ext>
+            </a:extLst>
+          </p:cNvPr>
+          <p:cNvCxnSpPr>
+            <a:cxnSpLocks/>
+            <a:stCxn id="43" idx="0"/>
+            <a:endCxn id="112" idx="2"/>
+          </p:cNvCxnSpPr>
+          <p:nvPr/>
+        </p:nvCxnSpPr>
+        <p:spPr>
+          <a:xfrm rot="16200000" flipV="1">
+            <a:off x="3376641" y="2981127"/>
+            <a:ext cx="1016575" cy="116935"/>
+          </a:xfrm>
+          <a:prstGeom prst="bentConnector3">
+            <a:avLst>
+              <a:gd name="adj1" fmla="val 50000"/>
+            </a:avLst>
+          </a:prstGeom>
+          <a:ln w="19050">
+            <a:solidFill>
+              <a:srgbClr val="C00000"/>
+            </a:solidFill>
+            <a:prstDash val="sysDash"/>
+            <a:tailEnd type="triangle"/>
+          </a:ln>
+        </p:spPr>
+        <p:style>
+          <a:lnRef idx="1">
+            <a:schemeClr val="accent1"/>
+          </a:lnRef>
+          <a:fillRef idx="0">
+            <a:schemeClr val="accent1"/>
+          </a:fillRef>
+          <a:effectRef idx="0">
+            <a:schemeClr val="accent1"/>
+          </a:effectRef>
+          <a:fontRef idx="minor">
+            <a:schemeClr val="tx1"/>
+          </a:fontRef>
+        </p:style>
+      </p:cxnSp>
+      <p:cxnSp>
+        <p:nvCxnSpPr>
+          <p:cNvPr id="126" name="Connector: Elbow 125">
+            <a:extLst>
+              <a:ext uri="{FF2B5EF4-FFF2-40B4-BE49-F238E27FC236}">
+                <a16:creationId xmlns:a16="http://schemas.microsoft.com/office/drawing/2014/main" id="{14CEB784-16B1-B5F3-7672-80EC6AA0C815}"/>
+              </a:ext>
+            </a:extLst>
+          </p:cNvPr>
+          <p:cNvCxnSpPr>
+            <a:cxnSpLocks/>
+            <a:stCxn id="66" idx="0"/>
+            <a:endCxn id="112" idx="2"/>
+          </p:cNvCxnSpPr>
+          <p:nvPr/>
+        </p:nvCxnSpPr>
+        <p:spPr>
+          <a:xfrm rot="16200000" flipV="1">
+            <a:off x="4578339" y="1779428"/>
+            <a:ext cx="994006" cy="2497763"/>
+          </a:xfrm>
+          <a:prstGeom prst="bentConnector3">
+            <a:avLst>
+              <a:gd name="adj1" fmla="val 50000"/>
+            </a:avLst>
+          </a:prstGeom>
+          <a:ln w="19050">
+            <a:solidFill>
+              <a:srgbClr val="C00000"/>
+            </a:solidFill>
+            <a:prstDash val="sysDash"/>
+            <a:tailEnd type="triangle"/>
+          </a:ln>
+        </p:spPr>
+        <p:style>
+          <a:lnRef idx="1">
+            <a:schemeClr val="accent1"/>
+          </a:lnRef>
+          <a:fillRef idx="0">
+            <a:schemeClr val="accent1"/>
+          </a:fillRef>
+          <a:effectRef idx="0">
+            <a:schemeClr val="accent1"/>
+          </a:effectRef>
+          <a:fontRef idx="minor">
+            <a:schemeClr val="tx1"/>
+          </a:fontRef>
+        </p:style>
+      </p:cxnSp>
+      <p:cxnSp>
+        <p:nvCxnSpPr>
+          <p:cNvPr id="131" name="Connector: Elbow 130">
+            <a:extLst>
+              <a:ext uri="{FF2B5EF4-FFF2-40B4-BE49-F238E27FC236}">
+                <a16:creationId xmlns:a16="http://schemas.microsoft.com/office/drawing/2014/main" id="{3A024587-6FBD-041F-BEB7-7002156354CB}"/>
+              </a:ext>
+            </a:extLst>
+          </p:cNvPr>
+          <p:cNvCxnSpPr>
+            <a:stCxn id="86" idx="2"/>
+            <a:endCxn id="112" idx="3"/>
+          </p:cNvCxnSpPr>
+          <p:nvPr/>
+        </p:nvCxnSpPr>
+        <p:spPr>
+          <a:xfrm rot="5400000" flipH="1" flipV="1">
+            <a:off x="2951459" y="2473592"/>
+            <a:ext cx="1263706" cy="932716"/>
+          </a:xfrm>
+          <a:prstGeom prst="bentConnector4">
+            <a:avLst>
+              <a:gd name="adj1" fmla="val 34284"/>
+              <a:gd name="adj2" fmla="val 117040"/>
+            </a:avLst>
+          </a:prstGeom>
+          <a:ln>
+            <a:solidFill>
+              <a:schemeClr val="accent6">
+                <a:lumMod val="75000"/>
+              </a:schemeClr>
+            </a:solidFill>
+            <a:tailEnd type="triangle"/>
+          </a:ln>
+        </p:spPr>
+        <p:style>
+          <a:lnRef idx="2">
+            <a:schemeClr val="accent1"/>
+          </a:lnRef>
+          <a:fillRef idx="0">
+            <a:schemeClr val="accent1"/>
+          </a:fillRef>
+          <a:effectRef idx="1">
+            <a:schemeClr val="accent1"/>
+          </a:effectRef>
+          <a:fontRef idx="minor">
+            <a:schemeClr val="tx1"/>
+          </a:fontRef>
+        </p:style>
+      </p:cxnSp>
+      <p:cxnSp>
+        <p:nvCxnSpPr>
+          <p:cNvPr id="136" name="Connector: Elbow 135">
+            <a:extLst>
+              <a:ext uri="{FF2B5EF4-FFF2-40B4-BE49-F238E27FC236}">
+                <a16:creationId xmlns:a16="http://schemas.microsoft.com/office/drawing/2014/main" id="{344930AF-31EA-EBE6-255F-63F3590A54E7}"/>
+              </a:ext>
+            </a:extLst>
+          </p:cNvPr>
+          <p:cNvCxnSpPr>
+            <a:endCxn id="48" idx="0"/>
+          </p:cNvCxnSpPr>
+          <p:nvPr/>
+        </p:nvCxnSpPr>
+        <p:spPr>
+          <a:xfrm>
+            <a:off x="4158337" y="3140721"/>
+            <a:ext cx="500167" cy="414945"/>
+          </a:xfrm>
+          <a:prstGeom prst="bentConnector2">
+            <a:avLst/>
+          </a:prstGeom>
+          <a:ln>
+            <a:solidFill>
+              <a:schemeClr val="accent6">
+                <a:lumMod val="75000"/>
+              </a:schemeClr>
+            </a:solidFill>
+          </a:ln>
+        </p:spPr>
+        <p:style>
+          <a:lnRef idx="2">
+            <a:schemeClr val="accent6"/>
+          </a:lnRef>
+          <a:fillRef idx="0">
+            <a:schemeClr val="accent6"/>
+          </a:fillRef>
+          <a:effectRef idx="1">
+            <a:schemeClr val="accent6"/>
+          </a:effectRef>
+          <a:fontRef idx="minor">
+            <a:schemeClr val="tx1"/>
+          </a:fontRef>
+        </p:style>
+      </p:cxnSp>
+      <p:cxnSp>
+        <p:nvCxnSpPr>
+          <p:cNvPr id="138" name="Connector: Elbow 137">
+            <a:extLst>
+              <a:ext uri="{FF2B5EF4-FFF2-40B4-BE49-F238E27FC236}">
+                <a16:creationId xmlns:a16="http://schemas.microsoft.com/office/drawing/2014/main" id="{98DE6F30-B72B-EBC2-4EE3-5308A11A6EBE}"/>
+              </a:ext>
+            </a:extLst>
+          </p:cNvPr>
+          <p:cNvCxnSpPr>
+            <a:cxnSpLocks/>
+            <a:endCxn id="64" idx="0"/>
+          </p:cNvCxnSpPr>
+          <p:nvPr/>
+        </p:nvCxnSpPr>
+        <p:spPr>
+          <a:xfrm>
+            <a:off x="4658504" y="3152438"/>
+            <a:ext cx="957752" cy="395057"/>
+          </a:xfrm>
+          <a:prstGeom prst="bentConnector2">
+            <a:avLst/>
+          </a:prstGeom>
+          <a:ln>
+            <a:solidFill>
+              <a:schemeClr val="accent6">
+                <a:lumMod val="75000"/>
+              </a:schemeClr>
+            </a:solidFill>
+          </a:ln>
+        </p:spPr>
+        <p:style>
+          <a:lnRef idx="2">
+            <a:schemeClr val="accent6"/>
+          </a:lnRef>
+          <a:fillRef idx="0">
+            <a:schemeClr val="accent6"/>
+          </a:fillRef>
+          <a:effectRef idx="1">
+            <a:schemeClr val="accent6"/>
+          </a:effectRef>
+          <a:fontRef idx="minor">
+            <a:schemeClr val="tx1"/>
+          </a:fontRef>
+        </p:style>
+      </p:cxnSp>
+      <p:cxnSp>
+        <p:nvCxnSpPr>
+          <p:cNvPr id="144" name="Straight Connector 143">
+            <a:extLst>
+              <a:ext uri="{FF2B5EF4-FFF2-40B4-BE49-F238E27FC236}">
+                <a16:creationId xmlns:a16="http://schemas.microsoft.com/office/drawing/2014/main" id="{6E1408D1-A91E-E1E7-A4EF-CA26FB57FF92}"/>
+              </a:ext>
+            </a:extLst>
+          </p:cNvPr>
+          <p:cNvCxnSpPr>
+            <a:cxnSpLocks/>
+          </p:cNvCxnSpPr>
+          <p:nvPr/>
+        </p:nvCxnSpPr>
+        <p:spPr>
+          <a:xfrm>
+            <a:off x="2892046" y="2105431"/>
+            <a:ext cx="0" cy="272009"/>
+          </a:xfrm>
+          <a:prstGeom prst="line">
+            <a:avLst/>
+          </a:prstGeom>
+          <a:ln w="19050">
+            <a:solidFill>
+              <a:schemeClr val="bg1"/>
+            </a:solidFill>
+          </a:ln>
+        </p:spPr>
+        <p:style>
+          <a:lnRef idx="1">
+            <a:schemeClr val="accent1"/>
+          </a:lnRef>
+          <a:fillRef idx="0">
+            <a:schemeClr val="accent1"/>
+          </a:fillRef>
+          <a:effectRef idx="0">
+            <a:schemeClr val="accent1"/>
+          </a:effectRef>
+          <a:fontRef idx="minor">
+            <a:schemeClr val="tx1"/>
+          </a:fontRef>
+        </p:style>
+      </p:cxnSp>
+      <p:cxnSp>
+        <p:nvCxnSpPr>
+          <p:cNvPr id="147" name="Straight Connector 146">
+            <a:extLst>
+              <a:ext uri="{FF2B5EF4-FFF2-40B4-BE49-F238E27FC236}">
+                <a16:creationId xmlns:a16="http://schemas.microsoft.com/office/drawing/2014/main" id="{44BD37F9-350D-4BD3-06D9-326081B1309C}"/>
+              </a:ext>
+            </a:extLst>
+          </p:cNvPr>
+          <p:cNvCxnSpPr>
+            <a:cxnSpLocks/>
+          </p:cNvCxnSpPr>
+          <p:nvPr/>
+        </p:nvCxnSpPr>
+        <p:spPr>
+          <a:xfrm>
+            <a:off x="2892046" y="2377440"/>
+            <a:ext cx="718164" cy="0"/>
+          </a:xfrm>
+          <a:prstGeom prst="line">
+            <a:avLst/>
+          </a:prstGeom>
+          <a:ln w="19050">
+            <a:solidFill>
+              <a:schemeClr val="bg1"/>
+            </a:solidFill>
+          </a:ln>
+        </p:spPr>
+        <p:style>
+          <a:lnRef idx="1">
+            <a:schemeClr val="accent1"/>
+          </a:lnRef>
+          <a:fillRef idx="0">
+            <a:schemeClr val="accent1"/>
+          </a:fillRef>
+          <a:effectRef idx="0">
+            <a:schemeClr val="accent1"/>
+          </a:effectRef>
+          <a:fontRef idx="minor">
+            <a:schemeClr val="tx1"/>
+          </a:fontRef>
+        </p:style>
+      </p:cxnSp>
+      <p:cxnSp>
+        <p:nvCxnSpPr>
+          <p:cNvPr id="151" name="Straight Connector 150">
+            <a:extLst>
+              <a:ext uri="{FF2B5EF4-FFF2-40B4-BE49-F238E27FC236}">
+                <a16:creationId xmlns:a16="http://schemas.microsoft.com/office/drawing/2014/main" id="{33D759C2-D895-2E36-F2DE-BA998659483A}"/>
+              </a:ext>
+            </a:extLst>
+          </p:cNvPr>
+          <p:cNvCxnSpPr>
+            <a:cxnSpLocks/>
+          </p:cNvCxnSpPr>
+          <p:nvPr/>
+        </p:nvCxnSpPr>
+        <p:spPr>
+          <a:xfrm>
+            <a:off x="3041799" y="1550489"/>
+            <a:ext cx="2449676" cy="8709"/>
+          </a:xfrm>
+          <a:prstGeom prst="line">
+            <a:avLst/>
+          </a:prstGeom>
+          <a:ln w="19050">
+            <a:solidFill>
+              <a:schemeClr val="bg1"/>
+            </a:solidFill>
+          </a:ln>
+        </p:spPr>
+        <p:style>
+          <a:lnRef idx="1">
+            <a:schemeClr val="accent1"/>
+          </a:lnRef>
+          <a:fillRef idx="0">
+            <a:schemeClr val="accent1"/>
+          </a:fillRef>
+          <a:effectRef idx="0">
+            <a:schemeClr val="accent1"/>
+          </a:effectRef>
+          <a:fontRef idx="minor">
+            <a:schemeClr val="tx1"/>
+          </a:fontRef>
+        </p:style>
+      </p:cxnSp>
+      <p:cxnSp>
+        <p:nvCxnSpPr>
+          <p:cNvPr id="155" name="Straight Connector 154">
+            <a:extLst>
+              <a:ext uri="{FF2B5EF4-FFF2-40B4-BE49-F238E27FC236}">
+                <a16:creationId xmlns:a16="http://schemas.microsoft.com/office/drawing/2014/main" id="{29AC5ACF-E10F-D944-AE14-3C762FF82AEC}"/>
+              </a:ext>
+            </a:extLst>
+          </p:cNvPr>
+          <p:cNvCxnSpPr>
+            <a:cxnSpLocks/>
+          </p:cNvCxnSpPr>
+          <p:nvPr/>
+        </p:nvCxnSpPr>
+        <p:spPr>
+          <a:xfrm>
+            <a:off x="4351765" y="1661790"/>
+            <a:ext cx="0" cy="657140"/>
+          </a:xfrm>
+          <a:prstGeom prst="line">
+            <a:avLst/>
+          </a:prstGeom>
+          <a:ln w="19050">
+            <a:solidFill>
+              <a:schemeClr val="bg1"/>
+            </a:solidFill>
+          </a:ln>
+        </p:spPr>
+        <p:style>
+          <a:lnRef idx="1">
+            <a:schemeClr val="accent1"/>
+          </a:lnRef>
+          <a:fillRef idx="0">
+            <a:schemeClr val="accent1"/>
+          </a:fillRef>
+          <a:effectRef idx="0">
+            <a:schemeClr val="accent1"/>
+          </a:effectRef>
+          <a:fontRef idx="minor">
+            <a:schemeClr val="tx1"/>
+          </a:fontRef>
+        </p:style>
+      </p:cxnSp>
+      <p:cxnSp>
+        <p:nvCxnSpPr>
+          <p:cNvPr id="157" name="Straight Connector 156">
+            <a:extLst>
+              <a:ext uri="{FF2B5EF4-FFF2-40B4-BE49-F238E27FC236}">
+                <a16:creationId xmlns:a16="http://schemas.microsoft.com/office/drawing/2014/main" id="{4A284B61-BBC8-C837-BA27-658CF954F908}"/>
+              </a:ext>
+            </a:extLst>
+          </p:cNvPr>
+          <p:cNvCxnSpPr>
+            <a:cxnSpLocks/>
+            <a:endCxn id="114" idx="1"/>
+          </p:cNvCxnSpPr>
+          <p:nvPr/>
+        </p:nvCxnSpPr>
+        <p:spPr>
+          <a:xfrm>
+            <a:off x="4351765" y="2299388"/>
+            <a:ext cx="261684" cy="2149"/>
+          </a:xfrm>
+          <a:prstGeom prst="line">
+            <a:avLst/>
+          </a:prstGeom>
+          <a:ln w="19050">
+            <a:solidFill>
+              <a:schemeClr val="bg1"/>
+            </a:solidFill>
+          </a:ln>
+        </p:spPr>
+        <p:style>
+          <a:lnRef idx="1">
+            <a:schemeClr val="accent1"/>
+          </a:lnRef>
+          <a:fillRef idx="0">
+            <a:schemeClr val="accent1"/>
+          </a:fillRef>
+          <a:effectRef idx="0">
+            <a:schemeClr val="accent1"/>
+          </a:effectRef>
+          <a:fontRef idx="minor">
+            <a:schemeClr val="tx1"/>
+          </a:fontRef>
+        </p:style>
+      </p:cxnSp>
+      <p:cxnSp>
+        <p:nvCxnSpPr>
+          <p:cNvPr id="160" name="Straight Connector 159">
+            <a:extLst>
+              <a:ext uri="{FF2B5EF4-FFF2-40B4-BE49-F238E27FC236}">
+                <a16:creationId xmlns:a16="http://schemas.microsoft.com/office/drawing/2014/main" id="{6E38F0B4-27CB-13DE-2A06-3082D0ADA99D}"/>
+              </a:ext>
+            </a:extLst>
+          </p:cNvPr>
+          <p:cNvCxnSpPr>
+            <a:cxnSpLocks/>
+          </p:cNvCxnSpPr>
+          <p:nvPr/>
+        </p:nvCxnSpPr>
+        <p:spPr>
+          <a:xfrm>
+            <a:off x="5491475" y="1559197"/>
+            <a:ext cx="0" cy="748899"/>
+          </a:xfrm>
+          <a:prstGeom prst="line">
+            <a:avLst/>
+          </a:prstGeom>
+          <a:ln w="19050">
+            <a:solidFill>
+              <a:schemeClr val="bg1"/>
+            </a:solidFill>
+          </a:ln>
+        </p:spPr>
+        <p:style>
+          <a:lnRef idx="1">
+            <a:schemeClr val="accent1"/>
+          </a:lnRef>
+          <a:fillRef idx="0">
+            <a:schemeClr val="accent1"/>
+          </a:fillRef>
+          <a:effectRef idx="0">
+            <a:schemeClr val="accent1"/>
+          </a:effectRef>
+          <a:fontRef idx="minor">
+            <a:schemeClr val="tx1"/>
+          </a:fontRef>
+        </p:style>
+      </p:cxnSp>
+      <p:cxnSp>
+        <p:nvCxnSpPr>
+          <p:cNvPr id="163" name="Straight Connector 162">
+            <a:extLst>
+              <a:ext uri="{FF2B5EF4-FFF2-40B4-BE49-F238E27FC236}">
+                <a16:creationId xmlns:a16="http://schemas.microsoft.com/office/drawing/2014/main" id="{71001BD7-97F3-6D29-C099-EBDA50DBC00D}"/>
+              </a:ext>
+            </a:extLst>
+          </p:cNvPr>
+          <p:cNvCxnSpPr>
+            <a:cxnSpLocks/>
+          </p:cNvCxnSpPr>
+          <p:nvPr/>
+        </p:nvCxnSpPr>
+        <p:spPr>
+          <a:xfrm>
+            <a:off x="5337231" y="1412332"/>
+            <a:ext cx="0" cy="1147202"/>
+          </a:xfrm>
+          <a:prstGeom prst="line">
+            <a:avLst/>
+          </a:prstGeom>
+          <a:ln>
+            <a:solidFill>
+              <a:schemeClr val="bg1"/>
+            </a:solidFill>
+            <a:prstDash val="dash"/>
+          </a:ln>
+        </p:spPr>
+        <p:style>
+          <a:lnRef idx="1">
+            <a:schemeClr val="accent1"/>
+          </a:lnRef>
+          <a:fillRef idx="0">
+            <a:schemeClr val="accent1"/>
+          </a:fillRef>
+          <a:effectRef idx="0">
+            <a:schemeClr val="accent1"/>
+          </a:effectRef>
+          <a:fontRef idx="minor">
+            <a:schemeClr val="tx1"/>
+          </a:fontRef>
+        </p:style>
+      </p:cxnSp>
+      <p:cxnSp>
+        <p:nvCxnSpPr>
+          <p:cNvPr id="165" name="Straight Connector 164">
+            <a:extLst>
+              <a:ext uri="{FF2B5EF4-FFF2-40B4-BE49-F238E27FC236}">
+                <a16:creationId xmlns:a16="http://schemas.microsoft.com/office/drawing/2014/main" id="{8294B9FB-986F-1145-B8EB-86DF7D13B0C1}"/>
+              </a:ext>
+            </a:extLst>
+          </p:cNvPr>
+          <p:cNvCxnSpPr>
+            <a:cxnSpLocks/>
+          </p:cNvCxnSpPr>
+          <p:nvPr/>
+        </p:nvCxnSpPr>
+        <p:spPr>
+          <a:xfrm>
+            <a:off x="5496975" y="2296898"/>
+            <a:ext cx="168489" cy="2149"/>
+          </a:xfrm>
+          <a:prstGeom prst="line">
+            <a:avLst/>
+          </a:prstGeom>
+          <a:ln w="19050">
+            <a:solidFill>
+              <a:schemeClr val="bg1"/>
+            </a:solidFill>
+          </a:ln>
+        </p:spPr>
+        <p:style>
+          <a:lnRef idx="1">
+            <a:schemeClr val="accent1"/>
+          </a:lnRef>
+          <a:fillRef idx="0">
+            <a:schemeClr val="accent1"/>
+          </a:fillRef>
+          <a:effectRef idx="0">
+            <a:schemeClr val="accent1"/>
+          </a:effectRef>
+          <a:fontRef idx="minor">
+            <a:schemeClr val="tx1"/>
+          </a:fontRef>
+        </p:style>
+      </p:cxnSp>
+      <p:cxnSp>
+        <p:nvCxnSpPr>
+          <p:cNvPr id="168" name="Straight Connector 167">
+            <a:extLst>
+              <a:ext uri="{FF2B5EF4-FFF2-40B4-BE49-F238E27FC236}">
+                <a16:creationId xmlns:a16="http://schemas.microsoft.com/office/drawing/2014/main" id="{3B077C11-874F-373C-905B-582A68085B28}"/>
+              </a:ext>
+            </a:extLst>
+          </p:cNvPr>
+          <p:cNvCxnSpPr>
+            <a:cxnSpLocks/>
+          </p:cNvCxnSpPr>
+          <p:nvPr/>
+        </p:nvCxnSpPr>
+        <p:spPr>
+          <a:xfrm>
+            <a:off x="3144035" y="1972135"/>
+            <a:ext cx="133455" cy="0"/>
+          </a:xfrm>
+          <a:prstGeom prst="line">
+            <a:avLst/>
+          </a:prstGeom>
+          <a:ln w="19050">
+            <a:solidFill>
+              <a:schemeClr val="bg1"/>
+            </a:solidFill>
+          </a:ln>
+        </p:spPr>
+        <p:style>
+          <a:lnRef idx="1">
+            <a:schemeClr val="accent1"/>
+          </a:lnRef>
+          <a:fillRef idx="0">
+            <a:schemeClr val="accent1"/>
+          </a:fillRef>
+          <a:effectRef idx="0">
+            <a:schemeClr val="accent1"/>
+          </a:effectRef>
+          <a:fontRef idx="minor">
+            <a:schemeClr val="tx1"/>
+          </a:fontRef>
+        </p:style>
+      </p:cxnSp>
+      <p:cxnSp>
+        <p:nvCxnSpPr>
+          <p:cNvPr id="170" name="Straight Connector 169">
+            <a:extLst>
+              <a:ext uri="{FF2B5EF4-FFF2-40B4-BE49-F238E27FC236}">
+                <a16:creationId xmlns:a16="http://schemas.microsoft.com/office/drawing/2014/main" id="{B22BBCEE-3E40-591B-9AE1-4E49B8DFC5FC}"/>
+              </a:ext>
+            </a:extLst>
+          </p:cNvPr>
+          <p:cNvCxnSpPr>
+            <a:cxnSpLocks/>
+          </p:cNvCxnSpPr>
+          <p:nvPr/>
+        </p:nvCxnSpPr>
+        <p:spPr>
+          <a:xfrm>
+            <a:off x="3266743" y="1651027"/>
+            <a:ext cx="0" cy="325586"/>
+          </a:xfrm>
+          <a:prstGeom prst="line">
+            <a:avLst/>
+          </a:prstGeom>
+          <a:ln w="19050">
+            <a:solidFill>
+              <a:schemeClr val="bg1"/>
+            </a:solidFill>
+          </a:ln>
+        </p:spPr>
+        <p:style>
+          <a:lnRef idx="1">
+            <a:schemeClr val="accent1"/>
+          </a:lnRef>
+          <a:fillRef idx="0">
+            <a:schemeClr val="accent1"/>
+          </a:fillRef>
+          <a:effectRef idx="0">
+            <a:schemeClr val="accent1"/>
+          </a:effectRef>
+          <a:fontRef idx="minor">
+            <a:schemeClr val="tx1"/>
+          </a:fontRef>
+        </p:style>
+      </p:cxnSp>
+      <p:cxnSp>
+        <p:nvCxnSpPr>
+          <p:cNvPr id="175" name="Straight Connector 174">
+            <a:extLst>
+              <a:ext uri="{FF2B5EF4-FFF2-40B4-BE49-F238E27FC236}">
+                <a16:creationId xmlns:a16="http://schemas.microsoft.com/office/drawing/2014/main" id="{627D0229-1E44-7E1B-5A9F-1D55F52CDDD7}"/>
+              </a:ext>
+            </a:extLst>
+          </p:cNvPr>
+          <p:cNvCxnSpPr>
+            <a:cxnSpLocks/>
+          </p:cNvCxnSpPr>
+          <p:nvPr/>
+        </p:nvCxnSpPr>
+        <p:spPr>
+          <a:xfrm>
+            <a:off x="3277490" y="1651027"/>
+            <a:ext cx="1087385" cy="0"/>
+          </a:xfrm>
+          <a:prstGeom prst="line">
+            <a:avLst/>
+          </a:prstGeom>
+          <a:ln w="19050">
+            <a:solidFill>
+              <a:schemeClr val="bg1"/>
+            </a:solidFill>
+          </a:ln>
+        </p:spPr>
+        <p:style>
+          <a:lnRef idx="1">
+            <a:schemeClr val="accent1"/>
+          </a:lnRef>
+          <a:fillRef idx="0">
+            <a:schemeClr val="accent1"/>
+          </a:fillRef>
+          <a:effectRef idx="0">
+            <a:schemeClr val="accent1"/>
+          </a:effectRef>
+          <a:fontRef idx="minor">
+            <a:schemeClr val="tx1"/>
+          </a:fontRef>
+        </p:style>
+      </p:cxnSp>
+      <p:sp>
+        <p:nvSpPr>
+          <p:cNvPr id="179" name="TextBox 178">
+            <a:extLst>
+              <a:ext uri="{FF2B5EF4-FFF2-40B4-BE49-F238E27FC236}">
+                <a16:creationId xmlns:a16="http://schemas.microsoft.com/office/drawing/2014/main" id="{588717DB-4660-412A-925E-0C59EEC091E8}"/>
+              </a:ext>
+            </a:extLst>
+          </p:cNvPr>
+          <p:cNvSpPr txBox="1"/>
+          <p:nvPr/>
+        </p:nvSpPr>
+        <p:spPr>
+          <a:xfrm>
+            <a:off x="876731" y="577378"/>
+            <a:ext cx="5662481" cy="646331"/>
+          </a:xfrm>
+          <a:prstGeom prst="rect">
+            <a:avLst/>
+          </a:prstGeom>
+          <a:noFill/>
+        </p:spPr>
+        <p:txBody>
+          <a:bodyPr wrap="square" rtlCol="0">
+            <a:spAutoFit/>
+          </a:bodyPr>
+          <a:lstStyle/>
+          <a:p>
+            <a:pPr marL="0" marR="0" lvl="0" indent="0" algn="l" defTabSz="914400" rtl="0" eaLnBrk="1" fontAlgn="auto" latinLnBrk="0" hangingPunct="1">
+              <a:lnSpc>
+                <a:spcPct val="100000"/>
+              </a:lnSpc>
+              <a:spcBef>
+                <a:spcPts val="0"/>
+              </a:spcBef>
+              <a:spcAft>
+                <a:spcPts val="0"/>
+              </a:spcAft>
+              <a:buClrTx/>
+              <a:buSzTx/>
+              <a:buFontTx/>
+              <a:buNone/>
+              <a:tabLst/>
+              <a:defRPr/>
+            </a:pPr>
+            <a:r>
+              <a:rPr kumimoji="0" lang="en-US" sz="1800" b="1" i="0" u="none" strike="noStrike" kern="1200" cap="none" spc="0" normalizeH="0" baseline="0" noProof="0" dirty="0">
+                <a:ln>
+                  <a:noFill/>
+                </a:ln>
+                <a:solidFill>
+                  <a:prstClr val="white"/>
+                </a:solidFill>
+                <a:effectLst/>
+                <a:uLnTx/>
+                <a:uFillTx/>
+                <a:latin typeface="Calibri" panose="020F0502020204030204"/>
+                <a:ea typeface="+mn-ea"/>
+                <a:cs typeface="+mn-cs"/>
+              </a:rPr>
+              <a:t>Power Grid</a:t>
+            </a:r>
+            <a:r>
+              <a:rPr lang="en-US" b="1" dirty="0">
+                <a:solidFill>
+                  <a:prstClr val="white"/>
+                </a:solidFill>
+                <a:latin typeface="Calibri" panose="020F0502020204030204"/>
+              </a:rPr>
+              <a:t> </a:t>
+            </a:r>
+            <a:r>
+              <a:rPr kumimoji="0" lang="en-US" sz="1800" b="1" i="0" u="none" strike="noStrike" kern="1200" cap="none" spc="0" normalizeH="0" baseline="0" noProof="0" dirty="0">
+                <a:ln>
+                  <a:noFill/>
+                </a:ln>
+                <a:solidFill>
+                  <a:prstClr val="white"/>
+                </a:solidFill>
+                <a:effectLst/>
+                <a:uLnTx/>
+                <a:uFillTx/>
+                <a:latin typeface="Calibri" panose="020F0502020204030204"/>
+                <a:ea typeface="+mn-ea"/>
+                <a:cs typeface="+mn-cs"/>
+              </a:rPr>
+              <a:t>Simulation</a:t>
+            </a:r>
+            <a:r>
+              <a:rPr lang="en-US" b="1" dirty="0">
+                <a:solidFill>
+                  <a:prstClr val="white"/>
+                </a:solidFill>
+                <a:latin typeface="Calibri" panose="020F0502020204030204"/>
+              </a:rPr>
+              <a:t> </a:t>
+            </a:r>
+            <a:r>
+              <a:rPr kumimoji="0" lang="en-US" sz="1800" b="1" i="0" u="none" strike="noStrike" kern="1200" cap="none" spc="0" normalizeH="0" baseline="0" noProof="0" dirty="0">
+                <a:ln>
+                  <a:noFill/>
+                </a:ln>
+                <a:solidFill>
+                  <a:prstClr val="white"/>
+                </a:solidFill>
+                <a:effectLst/>
+                <a:uLnTx/>
+                <a:uFillTx/>
+                <a:latin typeface="Calibri" panose="020F0502020204030204"/>
+                <a:ea typeface="+mn-ea"/>
+                <a:cs typeface="+mn-cs"/>
+              </a:rPr>
+              <a:t>System</a:t>
+            </a:r>
+          </a:p>
+          <a:p>
+            <a:pPr marL="0" marR="0" lvl="0" indent="0" algn="l" defTabSz="914400" rtl="0" eaLnBrk="1" fontAlgn="auto" latinLnBrk="0" hangingPunct="1">
+              <a:lnSpc>
+                <a:spcPct val="100000"/>
+              </a:lnSpc>
+              <a:spcBef>
+                <a:spcPts val="0"/>
+              </a:spcBef>
+              <a:spcAft>
+                <a:spcPts val="0"/>
+              </a:spcAft>
+              <a:buClrTx/>
+              <a:buSzTx/>
+              <a:buFontTx/>
+              <a:buNone/>
+              <a:tabLst/>
+              <a:defRPr/>
+            </a:pPr>
+            <a:r>
+              <a:rPr kumimoji="0" lang="en-US" sz="1800" b="1" i="0" u="none" strike="noStrike" kern="1200" cap="none" spc="0" normalizeH="0" baseline="0" noProof="0" dirty="0">
+                <a:ln>
+                  <a:noFill/>
+                </a:ln>
+                <a:solidFill>
+                  <a:prstClr val="white"/>
+                </a:solidFill>
+                <a:effectLst/>
+                <a:uLnTx/>
+                <a:uFillTx/>
+                <a:latin typeface="Calibri" panose="020F0502020204030204"/>
+                <a:ea typeface="+mn-ea"/>
+                <a:cs typeface="+mn-cs"/>
+              </a:rPr>
+              <a:t>Mini Power System Cyber Security Test Platform</a:t>
+            </a:r>
+          </a:p>
+        </p:txBody>
+      </p:sp>
+      <p:pic>
+        <p:nvPicPr>
+          <p:cNvPr id="183" name="Picture 182">
+            <a:extLst>
+              <a:ext uri="{FF2B5EF4-FFF2-40B4-BE49-F238E27FC236}">
+                <a16:creationId xmlns:a16="http://schemas.microsoft.com/office/drawing/2014/main" id="{2DA3CF4F-7358-09CD-0F95-450B9CDC114B}"/>
+              </a:ext>
+            </a:extLst>
+          </p:cNvPr>
+          <p:cNvPicPr>
+            <a:picLocks noChangeAspect="1"/>
+          </p:cNvPicPr>
+          <p:nvPr/>
+        </p:nvPicPr>
+        <p:blipFill>
+          <a:blip r:embed="rId12"/>
+          <a:stretch>
+            <a:fillRect/>
+          </a:stretch>
+        </p:blipFill>
+        <p:spPr>
+          <a:xfrm>
+            <a:off x="7045697" y="4088415"/>
+            <a:ext cx="3176705" cy="1802780"/>
+          </a:xfrm>
+          <a:prstGeom prst="rect">
+            <a:avLst/>
+          </a:prstGeom>
+          <a:ln>
+            <a:solidFill>
+              <a:schemeClr val="accent6">
+                <a:lumMod val="75000"/>
+              </a:schemeClr>
+            </a:solidFill>
+          </a:ln>
+        </p:spPr>
+      </p:pic>
+      <p:sp>
+        <p:nvSpPr>
+          <p:cNvPr id="184" name="TextBox 183">
+            <a:extLst>
+              <a:ext uri="{FF2B5EF4-FFF2-40B4-BE49-F238E27FC236}">
+                <a16:creationId xmlns:a16="http://schemas.microsoft.com/office/drawing/2014/main" id="{6E59DF74-D02A-5909-DC46-4E92D2886A87}"/>
+              </a:ext>
+            </a:extLst>
+          </p:cNvPr>
+          <p:cNvSpPr txBox="1"/>
+          <p:nvPr/>
+        </p:nvSpPr>
+        <p:spPr>
+          <a:xfrm>
+            <a:off x="7018022" y="3732726"/>
+            <a:ext cx="2752995" cy="261610"/>
+          </a:xfrm>
+          <a:prstGeom prst="rect">
+            <a:avLst/>
+          </a:prstGeom>
+          <a:noFill/>
+        </p:spPr>
+        <p:txBody>
+          <a:bodyPr wrap="square" rtlCol="0">
+            <a:spAutoFit/>
+          </a:bodyPr>
+          <a:lstStyle/>
+          <a:p>
+            <a:pPr marL="0" marR="0" lvl="0" indent="0" algn="l" defTabSz="914400" rtl="0" eaLnBrk="1" fontAlgn="auto" latinLnBrk="0" hangingPunct="1">
+              <a:lnSpc>
+                <a:spcPct val="100000"/>
+              </a:lnSpc>
+              <a:spcBef>
+                <a:spcPts val="0"/>
+              </a:spcBef>
+              <a:spcAft>
+                <a:spcPts val="0"/>
+              </a:spcAft>
+              <a:buClrTx/>
+              <a:buSzTx/>
+              <a:buFontTx/>
+              <a:buNone/>
+              <a:tabLst/>
+              <a:defRPr/>
+            </a:pPr>
+            <a:r>
+              <a:rPr kumimoji="0" lang="en-US" sz="1100" b="1" i="0" u="none" strike="noStrike" kern="1200" cap="none" spc="0" normalizeH="0" baseline="0" noProof="0" dirty="0">
+                <a:ln>
+                  <a:noFill/>
+                </a:ln>
+                <a:solidFill>
+                  <a:srgbClr val="38A36F"/>
+                </a:solidFill>
+                <a:effectLst/>
+                <a:uLnTx/>
+                <a:uFillTx/>
+                <a:latin typeface="Calibri" panose="020F0502020204030204"/>
+                <a:ea typeface="+mn-ea"/>
+                <a:cs typeface="+mn-cs"/>
+              </a:rPr>
+              <a:t>Power System Physical World Simulator </a:t>
+            </a:r>
+            <a:endParaRPr kumimoji="0" lang="en-SG" sz="1100" b="1" i="0" u="none" strike="noStrike" kern="1200" cap="none" spc="0" normalizeH="0" baseline="0" noProof="0" dirty="0">
+              <a:ln>
+                <a:noFill/>
+              </a:ln>
+              <a:solidFill>
+                <a:srgbClr val="38A36F"/>
+              </a:solidFill>
+              <a:effectLst/>
+              <a:uLnTx/>
+              <a:uFillTx/>
+              <a:latin typeface="Calibri" panose="020F0502020204030204"/>
+              <a:ea typeface="+mn-ea"/>
+              <a:cs typeface="+mn-cs"/>
+            </a:endParaRPr>
+          </a:p>
+        </p:txBody>
+      </p:sp>
+      <p:cxnSp>
+        <p:nvCxnSpPr>
+          <p:cNvPr id="185" name="Straight Arrow Connector 184">
+            <a:extLst>
+              <a:ext uri="{FF2B5EF4-FFF2-40B4-BE49-F238E27FC236}">
+                <a16:creationId xmlns:a16="http://schemas.microsoft.com/office/drawing/2014/main" id="{28C4F05F-8228-44FF-C2DB-59F10BE060FC}"/>
+              </a:ext>
+            </a:extLst>
+          </p:cNvPr>
+          <p:cNvCxnSpPr>
+            <a:cxnSpLocks/>
+          </p:cNvCxnSpPr>
+          <p:nvPr/>
+        </p:nvCxnSpPr>
+        <p:spPr>
+          <a:xfrm>
+            <a:off x="6786056" y="5104883"/>
+            <a:ext cx="259641" cy="0"/>
+          </a:xfrm>
+          <a:prstGeom prst="straightConnector1">
+            <a:avLst/>
+          </a:prstGeom>
+          <a:ln w="28575">
+            <a:solidFill>
+              <a:srgbClr val="38A36F"/>
+            </a:solidFill>
+            <a:tailEnd type="triangle"/>
+          </a:ln>
+        </p:spPr>
+        <p:style>
+          <a:lnRef idx="1">
+            <a:schemeClr val="accent1"/>
+          </a:lnRef>
+          <a:fillRef idx="0">
+            <a:schemeClr val="accent1"/>
+          </a:fillRef>
+          <a:effectRef idx="0">
+            <a:schemeClr val="accent1"/>
+          </a:effectRef>
+          <a:fontRef idx="minor">
+            <a:schemeClr val="tx1"/>
+          </a:fontRef>
+        </p:style>
+      </p:cxnSp>
+      <p:pic>
+        <p:nvPicPr>
+          <p:cNvPr id="187" name="Graphic 186" descr="Web design with solid fill">
+            <a:extLst>
+              <a:ext uri="{FF2B5EF4-FFF2-40B4-BE49-F238E27FC236}">
+                <a16:creationId xmlns:a16="http://schemas.microsoft.com/office/drawing/2014/main" id="{E24DDBB5-44C0-0C71-FBA9-CDD52E8E1719}"/>
+              </a:ext>
+            </a:extLst>
+          </p:cNvPr>
+          <p:cNvPicPr>
+            <a:picLocks noChangeAspect="1"/>
+          </p:cNvPicPr>
+          <p:nvPr/>
+        </p:nvPicPr>
+        <p:blipFill>
+          <a:blip r:embed="rId4">
+            <a:extLst>
+              <a:ext uri="{28A0092B-C50C-407E-A947-70E740481C1C}">
+                <a14:useLocalDpi xmlns:a14="http://schemas.microsoft.com/office/drawing/2010/main" val="0"/>
+              </a:ext>
+              <a:ext uri="{96DAC541-7B7A-43D3-8B79-37D633B846F1}">
+                <asvg:svgBlip xmlns:asvg="http://schemas.microsoft.com/office/drawing/2016/SVG/main" r:embed="rId5"/>
+              </a:ext>
+            </a:extLst>
+          </a:blip>
+          <a:stretch>
+            <a:fillRect/>
+          </a:stretch>
+        </p:blipFill>
+        <p:spPr>
+          <a:xfrm>
+            <a:off x="8585478" y="3231505"/>
+            <a:ext cx="440455" cy="430882"/>
+          </a:xfrm>
+          <a:prstGeom prst="rect">
+            <a:avLst/>
+          </a:prstGeom>
+        </p:spPr>
+      </p:pic>
+      <p:sp>
+        <p:nvSpPr>
+          <p:cNvPr id="188" name="TextBox 187">
+            <a:extLst>
+              <a:ext uri="{FF2B5EF4-FFF2-40B4-BE49-F238E27FC236}">
+                <a16:creationId xmlns:a16="http://schemas.microsoft.com/office/drawing/2014/main" id="{A02A4460-0435-F75F-FF62-A09A176BAA51}"/>
+              </a:ext>
+            </a:extLst>
+          </p:cNvPr>
+          <p:cNvSpPr txBox="1"/>
+          <p:nvPr/>
+        </p:nvSpPr>
+        <p:spPr>
+          <a:xfrm>
+            <a:off x="9037967" y="3213556"/>
+            <a:ext cx="791136" cy="430887"/>
+          </a:xfrm>
+          <a:prstGeom prst="rect">
+            <a:avLst/>
+          </a:prstGeom>
+          <a:noFill/>
+        </p:spPr>
+        <p:txBody>
+          <a:bodyPr wrap="square" rtlCol="0">
+            <a:spAutoFit/>
+          </a:bodyPr>
+          <a:lstStyle/>
+          <a:p>
+            <a:pPr marL="0" marR="0" lvl="0" indent="0" algn="l" defTabSz="914400" rtl="0" eaLnBrk="1" fontAlgn="auto" latinLnBrk="0" hangingPunct="1">
+              <a:lnSpc>
+                <a:spcPct val="100000"/>
+              </a:lnSpc>
+              <a:spcBef>
+                <a:spcPts val="0"/>
+              </a:spcBef>
+              <a:spcAft>
+                <a:spcPts val="0"/>
+              </a:spcAft>
+              <a:buClrTx/>
+              <a:buSzTx/>
+              <a:buFontTx/>
+              <a:buNone/>
+              <a:tabLst/>
+              <a:defRPr/>
+            </a:pPr>
+            <a:r>
+              <a:rPr kumimoji="0" lang="en-US" sz="1100" b="1" i="0" u="none" strike="noStrike" kern="1200" cap="none" spc="0" normalizeH="0" baseline="0" noProof="0" dirty="0">
+                <a:ln>
+                  <a:noFill/>
+                </a:ln>
+                <a:solidFill>
+                  <a:srgbClr val="F4C54F"/>
+                </a:solidFill>
+                <a:effectLst/>
+                <a:uLnTx/>
+                <a:uFillTx/>
+                <a:latin typeface="Calibri" panose="020F0502020204030204"/>
+                <a:ea typeface="+mn-ea"/>
+                <a:cs typeface="+mn-cs"/>
+              </a:rPr>
+              <a:t>MU</a:t>
+            </a:r>
+          </a:p>
+          <a:p>
+            <a:pPr marL="0" marR="0" lvl="0" indent="0" algn="l" defTabSz="914400" rtl="0" eaLnBrk="1" fontAlgn="auto" latinLnBrk="0" hangingPunct="1">
+              <a:lnSpc>
+                <a:spcPct val="100000"/>
+              </a:lnSpc>
+              <a:spcBef>
+                <a:spcPts val="0"/>
+              </a:spcBef>
+              <a:spcAft>
+                <a:spcPts val="0"/>
+              </a:spcAft>
+              <a:buClrTx/>
+              <a:buSzTx/>
+              <a:buFontTx/>
+              <a:buNone/>
+              <a:tabLst/>
+              <a:defRPr/>
+            </a:pPr>
+            <a:r>
+              <a:rPr kumimoji="0" lang="en-US" sz="1100" b="1" i="0" u="none" strike="noStrike" kern="1200" cap="none" spc="0" normalizeH="0" baseline="0" noProof="0" dirty="0">
+                <a:ln>
+                  <a:noFill/>
+                </a:ln>
+                <a:solidFill>
+                  <a:srgbClr val="F4C54F"/>
+                </a:solidFill>
+                <a:effectLst/>
+                <a:uLnTx/>
+                <a:uFillTx/>
+                <a:latin typeface="Calibri" panose="020F0502020204030204"/>
+                <a:ea typeface="+mn-ea"/>
+                <a:cs typeface="+mn-cs"/>
+              </a:rPr>
+              <a:t>Simulator </a:t>
+            </a:r>
+            <a:endParaRPr kumimoji="0" lang="en-SG" sz="1100" b="1" i="0" u="none" strike="noStrike" kern="1200" cap="none" spc="0" normalizeH="0" baseline="0" noProof="0" dirty="0">
+              <a:ln>
+                <a:noFill/>
+              </a:ln>
+              <a:solidFill>
+                <a:srgbClr val="F4C54F"/>
+              </a:solidFill>
+              <a:effectLst/>
+              <a:uLnTx/>
+              <a:uFillTx/>
+              <a:latin typeface="Calibri" panose="020F0502020204030204"/>
+              <a:ea typeface="+mn-ea"/>
+              <a:cs typeface="+mn-cs"/>
+            </a:endParaRPr>
+          </a:p>
+        </p:txBody>
+      </p:sp>
+      <p:pic>
+        <p:nvPicPr>
+          <p:cNvPr id="190" name="Picture 189">
+            <a:extLst>
+              <a:ext uri="{FF2B5EF4-FFF2-40B4-BE49-F238E27FC236}">
+                <a16:creationId xmlns:a16="http://schemas.microsoft.com/office/drawing/2014/main" id="{0FEA58C8-B1A1-7944-7127-BD15B0B424B3}"/>
+              </a:ext>
+            </a:extLst>
+          </p:cNvPr>
+          <p:cNvPicPr>
+            <a:picLocks noChangeAspect="1"/>
+          </p:cNvPicPr>
+          <p:nvPr/>
+        </p:nvPicPr>
+        <p:blipFill>
+          <a:blip r:embed="rId13"/>
+          <a:stretch>
+            <a:fillRect/>
+          </a:stretch>
+        </p:blipFill>
+        <p:spPr>
+          <a:xfrm>
+            <a:off x="7040255" y="833779"/>
+            <a:ext cx="3197017" cy="1830292"/>
+          </a:xfrm>
+          <a:prstGeom prst="rect">
+            <a:avLst/>
+          </a:prstGeom>
+          <a:ln w="19050">
+            <a:solidFill>
+              <a:srgbClr val="FFC000"/>
+            </a:solidFill>
+          </a:ln>
+        </p:spPr>
+      </p:pic>
+      <p:sp>
+        <p:nvSpPr>
+          <p:cNvPr id="191" name="TextBox 190">
+            <a:extLst>
+              <a:ext uri="{FF2B5EF4-FFF2-40B4-BE49-F238E27FC236}">
+                <a16:creationId xmlns:a16="http://schemas.microsoft.com/office/drawing/2014/main" id="{6874048A-3B6D-94B8-A853-CEC951C68EBB}"/>
+              </a:ext>
+            </a:extLst>
+          </p:cNvPr>
+          <p:cNvSpPr txBox="1"/>
+          <p:nvPr/>
+        </p:nvSpPr>
+        <p:spPr>
+          <a:xfrm>
+            <a:off x="6933074" y="592038"/>
+            <a:ext cx="2104893" cy="261610"/>
+          </a:xfrm>
+          <a:prstGeom prst="rect">
+            <a:avLst/>
+          </a:prstGeom>
+          <a:noFill/>
+        </p:spPr>
+        <p:txBody>
+          <a:bodyPr wrap="square" rtlCol="0">
+            <a:spAutoFit/>
+          </a:bodyPr>
+          <a:lstStyle/>
+          <a:p>
+            <a:pPr marL="0" marR="0" lvl="0" indent="0" algn="l" defTabSz="914400" rtl="0" eaLnBrk="1" fontAlgn="auto" latinLnBrk="0" hangingPunct="1">
+              <a:lnSpc>
+                <a:spcPct val="100000"/>
+              </a:lnSpc>
+              <a:spcBef>
+                <a:spcPts val="0"/>
+              </a:spcBef>
+              <a:spcAft>
+                <a:spcPts val="0"/>
+              </a:spcAft>
+              <a:buClrTx/>
+              <a:buSzTx/>
+              <a:buFontTx/>
+              <a:buNone/>
+              <a:tabLst/>
+              <a:defRPr/>
+            </a:pPr>
+            <a:r>
+              <a:rPr kumimoji="0" lang="en-US" sz="1100" b="1" i="0" u="none" strike="noStrike" kern="1200" cap="none" spc="0" normalizeH="0" baseline="0" noProof="0" dirty="0">
+                <a:ln>
+                  <a:noFill/>
+                </a:ln>
+                <a:solidFill>
+                  <a:srgbClr val="D67A3B"/>
+                </a:solidFill>
+                <a:effectLst/>
+                <a:uLnTx/>
+                <a:uFillTx/>
+                <a:latin typeface="Calibri" panose="020F0502020204030204"/>
+                <a:ea typeface="+mn-ea"/>
+                <a:cs typeface="+mn-cs"/>
+              </a:rPr>
+              <a:t>Power System Scada HMI</a:t>
+            </a:r>
+            <a:endParaRPr kumimoji="0" lang="en-SG" sz="1100" b="1" i="0" u="none" strike="noStrike" kern="1200" cap="none" spc="0" normalizeH="0" baseline="0" noProof="0" dirty="0">
+              <a:ln>
+                <a:noFill/>
+              </a:ln>
+              <a:solidFill>
+                <a:srgbClr val="D67A3B"/>
+              </a:solidFill>
+              <a:effectLst/>
+              <a:uLnTx/>
+              <a:uFillTx/>
+              <a:latin typeface="Calibri" panose="020F0502020204030204"/>
+              <a:ea typeface="+mn-ea"/>
+              <a:cs typeface="+mn-cs"/>
+            </a:endParaRPr>
+          </a:p>
+        </p:txBody>
+      </p:sp>
+      <p:cxnSp>
+        <p:nvCxnSpPr>
+          <p:cNvPr id="192" name="Straight Arrow Connector 191">
+            <a:extLst>
+              <a:ext uri="{FF2B5EF4-FFF2-40B4-BE49-F238E27FC236}">
+                <a16:creationId xmlns:a16="http://schemas.microsoft.com/office/drawing/2014/main" id="{DA0D166D-91DA-90C6-40E7-A83EE3AF3198}"/>
+              </a:ext>
+            </a:extLst>
+          </p:cNvPr>
+          <p:cNvCxnSpPr/>
+          <p:nvPr/>
+        </p:nvCxnSpPr>
+        <p:spPr>
+          <a:xfrm>
+            <a:off x="6694496" y="1840531"/>
+            <a:ext cx="341895" cy="0"/>
+          </a:xfrm>
+          <a:prstGeom prst="straightConnector1">
+            <a:avLst/>
+          </a:prstGeom>
+          <a:ln w="28575">
+            <a:solidFill>
+              <a:srgbClr val="D67A3B"/>
+            </a:solidFill>
+            <a:tailEnd type="triangle"/>
+          </a:ln>
+        </p:spPr>
+        <p:style>
+          <a:lnRef idx="1">
+            <a:schemeClr val="accent1"/>
+          </a:lnRef>
+          <a:fillRef idx="0">
+            <a:schemeClr val="accent1"/>
+          </a:fillRef>
+          <a:effectRef idx="0">
+            <a:schemeClr val="accent1"/>
+          </a:effectRef>
+          <a:fontRef idx="minor">
+            <a:schemeClr val="tx1"/>
+          </a:fontRef>
+        </p:style>
+      </p:cxnSp>
+    </p:spTree>
+    <p:extLst>
+      <p:ext uri="{BB962C8B-B14F-4D97-AF65-F5344CB8AC3E}">
+        <p14:creationId xmlns:p14="http://schemas.microsoft.com/office/powerpoint/2010/main" val="784889645"/>
+      </p:ext>
+    </p:extLst>
+  </p:cSld>
+  <p:clrMapOvr>
+    <a:masterClrMapping/>
+  </p:clrMapOvr>
+</p:sld>
+</file>
+
+<file path=ppt/slides/slide4.xml><?xml version="1.0" encoding="utf-8"?>
 <p:sld xmlns:a="http://schemas.openxmlformats.org/drawingml/2006/main" xmlns:r="http://schemas.openxmlformats.org/officeDocument/2006/relationships" xmlns:p="http://schemas.openxmlformats.org/presentationml/2006/main">
   <p:cSld>
     <p:spTree>
@@ -14540,4 +20361,319 @@
     </a:ext>
   </a:extLst>
 </a:theme>
+</file>
+
+<file path=ppt/theme/theme2.xml><?xml version="1.0" encoding="utf-8"?>
+<a:theme xmlns:a="http://schemas.openxmlformats.org/drawingml/2006/main" name="Office Theme">
+  <a:themeElements>
+    <a:clrScheme name="Office">
+      <a:dk1>
+        <a:sysClr val="windowText" lastClr="000000"/>
+      </a:dk1>
+      <a:lt1>
+        <a:sysClr val="window" lastClr="FFFFFF"/>
+      </a:lt1>
+      <a:dk2>
+        <a:srgbClr val="0E2841"/>
+      </a:dk2>
+      <a:lt2>
+        <a:srgbClr val="E8E8E8"/>
+      </a:lt2>
+      <a:accent1>
+        <a:srgbClr val="156082"/>
+      </a:accent1>
+      <a:accent2>
+        <a:srgbClr val="E97132"/>
+      </a:accent2>
+      <a:accent3>
+        <a:srgbClr val="196B24"/>
+      </a:accent3>
+      <a:accent4>
+        <a:srgbClr val="0F9ED5"/>
+      </a:accent4>
+      <a:accent5>
+        <a:srgbClr val="A02B93"/>
+      </a:accent5>
+      <a:accent6>
+        <a:srgbClr val="4EA72E"/>
+      </a:accent6>
+      <a:hlink>
+        <a:srgbClr val="467886"/>
+      </a:hlink>
+      <a:folHlink>
+        <a:srgbClr val="96607D"/>
+      </a:folHlink>
+    </a:clrScheme>
+    <a:fontScheme name="Office">
+      <a:majorFont>
+        <a:latin typeface="Aptos Display" panose="02110004020202020204"/>
+        <a:ea typeface=""/>
+        <a:cs typeface=""/>
+        <a:font script="Jpan" typeface="游ゴシック Light"/>
+        <a:font script="Hang" typeface="맑은 고딕"/>
+        <a:font script="Hans" typeface="等线 Light"/>
+        <a:font script="Hant" typeface="新細明體"/>
+        <a:font script="Arab" typeface="Times New Roman"/>
+        <a:font script="Hebr" typeface="Times New Roman"/>
+        <a:font script="Thai" typeface="Angsana New"/>
+        <a:font script="Ethi" typeface="Nyala"/>
+        <a:font script="Beng" typeface="Vrinda"/>
+        <a:font script="Gujr" typeface="Shruti"/>
+        <a:font script="Khmr" typeface="MoolBoran"/>
+        <a:font script="Knda" typeface="Tunga"/>
+        <a:font script="Guru" typeface="Raavi"/>
+        <a:font script="Cans" typeface="Euphemia"/>
+        <a:font script="Cher" typeface="Plantagenet Cherokee"/>
+        <a:font script="Yiii" typeface="Microsoft Yi Baiti"/>
+        <a:font script="Tibt" typeface="Microsoft Himalaya"/>
+        <a:font script="Thaa" typeface="MV Boli"/>
+        <a:font script="Deva" typeface="Mangal"/>
+        <a:font script="Telu" typeface="Gautami"/>
+        <a:font script="Taml" typeface="Latha"/>
+        <a:font script="Syrc" typeface="Estrangelo Edessa"/>
+        <a:font script="Orya" typeface="Kalinga"/>
+        <a:font script="Mlym" typeface="Kartika"/>
+        <a:font script="Laoo" typeface="DokChampa"/>
+        <a:font script="Sinh" typeface="Iskoola Pota"/>
+        <a:font script="Mong" typeface="Mongolian Baiti"/>
+        <a:font script="Viet" typeface="Times New Roman"/>
+        <a:font script="Uigh" typeface="Microsoft Uighur"/>
+        <a:font script="Geor" typeface="Sylfaen"/>
+        <a:font script="Armn" typeface="Arial"/>
+        <a:font script="Bugi" typeface="Leelawadee UI"/>
+        <a:font script="Bopo" typeface="Microsoft JhengHei"/>
+        <a:font script="Java" typeface="Javanese Text"/>
+        <a:font script="Lisu" typeface="Segoe UI"/>
+        <a:font script="Mymr" typeface="Myanmar Text"/>
+        <a:font script="Nkoo" typeface="Ebrima"/>
+        <a:font script="Olck" typeface="Nirmala UI"/>
+        <a:font script="Osma" typeface="Ebrima"/>
+        <a:font script="Phag" typeface="Phagspa"/>
+        <a:font script="Syrn" typeface="Estrangelo Edessa"/>
+        <a:font script="Syrj" typeface="Estrangelo Edessa"/>
+        <a:font script="Syre" typeface="Estrangelo Edessa"/>
+        <a:font script="Sora" typeface="Nirmala UI"/>
+        <a:font script="Tale" typeface="Microsoft Tai Le"/>
+        <a:font script="Talu" typeface="Microsoft New Tai Lue"/>
+        <a:font script="Tfng" typeface="Ebrima"/>
+      </a:majorFont>
+      <a:minorFont>
+        <a:latin typeface="Aptos" panose="02110004020202020204"/>
+        <a:ea typeface=""/>
+        <a:cs typeface=""/>
+        <a:font script="Jpan" typeface="游ゴシック"/>
+        <a:font script="Hang" typeface="맑은 고딕"/>
+        <a:font script="Hans" typeface="等线"/>
+        <a:font script="Hant" typeface="新細明體"/>
+        <a:font script="Arab" typeface="Arial"/>
+        <a:font script="Hebr" typeface="Arial"/>
+        <a:font script="Thai" typeface="Cordia New"/>
+        <a:font script="Ethi" typeface="Nyala"/>
+        <a:font script="Beng" typeface="Vrinda"/>
+        <a:font script="Gujr" typeface="Shruti"/>
+        <a:font script="Khmr" typeface="DaunPenh"/>
+        <a:font script="Knda" typeface="Tunga"/>
+        <a:font script="Guru" typeface="Raavi"/>
+        <a:font script="Cans" typeface="Euphemia"/>
+        <a:font script="Cher" typeface="Plantagenet Cherokee"/>
+        <a:font script="Yiii" typeface="Microsoft Yi Baiti"/>
+        <a:font script="Tibt" typeface="Microsoft Himalaya"/>
+        <a:font script="Thaa" typeface="MV Boli"/>
+        <a:font script="Deva" typeface="Mangal"/>
+        <a:font script="Telu" typeface="Gautami"/>
+        <a:font script="Taml" typeface="Latha"/>
+        <a:font script="Syrc" typeface="Estrangelo Edessa"/>
+        <a:font script="Orya" typeface="Kalinga"/>
+        <a:font script="Mlym" typeface="Kartika"/>
+        <a:font script="Laoo" typeface="DokChampa"/>
+        <a:font script="Sinh" typeface="Iskoola Pota"/>
+        <a:font script="Mong" typeface="Mongolian Baiti"/>
+        <a:font script="Viet" typeface="Arial"/>
+        <a:font script="Uigh" typeface="Microsoft Uighur"/>
+        <a:font script="Geor" typeface="Sylfaen"/>
+        <a:font script="Armn" typeface="Arial"/>
+        <a:font script="Bugi" typeface="Leelawadee UI"/>
+        <a:font script="Bopo" typeface="Microsoft JhengHei"/>
+        <a:font script="Java" typeface="Javanese Text"/>
+        <a:font script="Lisu" typeface="Segoe UI"/>
+        <a:font script="Mymr" typeface="Myanmar Text"/>
+        <a:font script="Nkoo" typeface="Ebrima"/>
+        <a:font script="Olck" typeface="Nirmala UI"/>
+        <a:font script="Osma" typeface="Ebrima"/>
+        <a:font script="Phag" typeface="Phagspa"/>
+        <a:font script="Syrn" typeface="Estrangelo Edessa"/>
+        <a:font script="Syrj" typeface="Estrangelo Edessa"/>
+        <a:font script="Syre" typeface="Estrangelo Edessa"/>
+        <a:font script="Sora" typeface="Nirmala UI"/>
+        <a:font script="Tale" typeface="Microsoft Tai Le"/>
+        <a:font script="Talu" typeface="Microsoft New Tai Lue"/>
+        <a:font script="Tfng" typeface="Ebrima"/>
+      </a:minorFont>
+    </a:fontScheme>
+    <a:fmtScheme name="Office">
+      <a:fillStyleLst>
+        <a:solidFill>
+          <a:schemeClr val="phClr"/>
+        </a:solidFill>
+        <a:gradFill rotWithShape="1">
+          <a:gsLst>
+            <a:gs pos="0">
+              <a:schemeClr val="phClr">
+                <a:lumMod val="110000"/>
+                <a:satMod val="105000"/>
+                <a:tint val="67000"/>
+              </a:schemeClr>
+            </a:gs>
+            <a:gs pos="50000">
+              <a:schemeClr val="phClr">
+                <a:lumMod val="105000"/>
+                <a:satMod val="103000"/>
+                <a:tint val="73000"/>
+              </a:schemeClr>
+            </a:gs>
+            <a:gs pos="100000">
+              <a:schemeClr val="phClr">
+                <a:lumMod val="105000"/>
+                <a:satMod val="109000"/>
+                <a:tint val="81000"/>
+              </a:schemeClr>
+            </a:gs>
+          </a:gsLst>
+          <a:lin ang="5400000" scaled="0"/>
+        </a:gradFill>
+        <a:gradFill rotWithShape="1">
+          <a:gsLst>
+            <a:gs pos="0">
+              <a:schemeClr val="phClr">
+                <a:satMod val="103000"/>
+                <a:lumMod val="102000"/>
+                <a:tint val="94000"/>
+              </a:schemeClr>
+            </a:gs>
+            <a:gs pos="50000">
+              <a:schemeClr val="phClr">
+                <a:satMod val="110000"/>
+                <a:lumMod val="100000"/>
+                <a:shade val="100000"/>
+              </a:schemeClr>
+            </a:gs>
+            <a:gs pos="100000">
+              <a:schemeClr val="phClr">
+                <a:lumMod val="99000"/>
+                <a:satMod val="120000"/>
+                <a:shade val="78000"/>
+              </a:schemeClr>
+            </a:gs>
+          </a:gsLst>
+          <a:lin ang="5400000" scaled="0"/>
+        </a:gradFill>
+      </a:fillStyleLst>
+      <a:lnStyleLst>
+        <a:ln w="12700" cap="flat" cmpd="sng" algn="ctr">
+          <a:solidFill>
+            <a:schemeClr val="phClr"/>
+          </a:solidFill>
+          <a:prstDash val="solid"/>
+          <a:miter lim="800000"/>
+        </a:ln>
+        <a:ln w="19050" cap="flat" cmpd="sng" algn="ctr">
+          <a:solidFill>
+            <a:schemeClr val="phClr"/>
+          </a:solidFill>
+          <a:prstDash val="solid"/>
+          <a:miter lim="800000"/>
+        </a:ln>
+        <a:ln w="25400" cap="flat" cmpd="sng" algn="ctr">
+          <a:solidFill>
+            <a:schemeClr val="phClr"/>
+          </a:solidFill>
+          <a:prstDash val="solid"/>
+          <a:miter lim="800000"/>
+        </a:ln>
+      </a:lnStyleLst>
+      <a:effectStyleLst>
+        <a:effectStyle>
+          <a:effectLst/>
+        </a:effectStyle>
+        <a:effectStyle>
+          <a:effectLst/>
+        </a:effectStyle>
+        <a:effectStyle>
+          <a:effectLst>
+            <a:outerShdw blurRad="57150" dist="19050" dir="5400000" algn="ctr" rotWithShape="0">
+              <a:srgbClr val="000000">
+                <a:alpha val="63000"/>
+              </a:srgbClr>
+            </a:outerShdw>
+          </a:effectLst>
+        </a:effectStyle>
+      </a:effectStyleLst>
+      <a:bgFillStyleLst>
+        <a:solidFill>
+          <a:schemeClr val="phClr"/>
+        </a:solidFill>
+        <a:solidFill>
+          <a:schemeClr val="phClr">
+            <a:tint val="95000"/>
+            <a:satMod val="170000"/>
+          </a:schemeClr>
+        </a:solidFill>
+        <a:gradFill rotWithShape="1">
+          <a:gsLst>
+            <a:gs pos="0">
+              <a:schemeClr val="phClr">
+                <a:tint val="93000"/>
+                <a:satMod val="150000"/>
+                <a:shade val="98000"/>
+                <a:lumMod val="102000"/>
+              </a:schemeClr>
+            </a:gs>
+            <a:gs pos="50000">
+              <a:schemeClr val="phClr">
+                <a:tint val="98000"/>
+                <a:satMod val="130000"/>
+                <a:shade val="90000"/>
+                <a:lumMod val="103000"/>
+              </a:schemeClr>
+            </a:gs>
+            <a:gs pos="100000">
+              <a:schemeClr val="phClr">
+                <a:shade val="63000"/>
+                <a:satMod val="120000"/>
+              </a:schemeClr>
+            </a:gs>
+          </a:gsLst>
+          <a:lin ang="5400000" scaled="0"/>
+        </a:gradFill>
+      </a:bgFillStyleLst>
+    </a:fmtScheme>
+  </a:themeElements>
+  <a:objectDefaults>
+    <a:lnDef>
+      <a:spPr/>
+      <a:bodyPr/>
+      <a:lstStyle/>
+      <a:style>
+        <a:lnRef idx="2">
+          <a:schemeClr val="accent1"/>
+        </a:lnRef>
+        <a:fillRef idx="0">
+          <a:schemeClr val="accent1"/>
+        </a:fillRef>
+        <a:effectRef idx="1">
+          <a:schemeClr val="accent1"/>
+        </a:effectRef>
+        <a:fontRef idx="minor">
+          <a:schemeClr val="tx1"/>
+        </a:fontRef>
+      </a:style>
+    </a:lnDef>
+  </a:objectDefaults>
+  <a:extraClrSchemeLst/>
+  <a:extLst>
+    <a:ext uri="{05A4C25C-085E-4340-85A3-A5531E510DB2}">
+      <thm15:themeFamily xmlns:thm15="http://schemas.microsoft.com/office/thememl/2012/main" name="Office Theme" id="{2E142A2C-CD16-42D6-873A-C26D2A0506FA}" vid="{1BDDFF52-6CD6-40A5-AB3C-68EB2F1E4D0A}"/>
+    </a:ext>
+  </a:extLst>
+</a:theme>
 </file>
--- a/designDoc/designDoc.pptx
+++ b/designDoc/designDoc.pptx
@@ -200,7 +200,7 @@
           <a:p>
             <a:fld id="{60A58DA9-13FF-4A44-80CD-EC4A25FA80B4}" type="datetimeFigureOut">
               <a:rPr lang="en-SG" smtClean="0"/>
-              <a:t>19/9/2024</a:t>
+              <a:t>20/9/2024</a:t>
             </a:fld>
             <a:endParaRPr lang="en-SG"/>
           </a:p>
@@ -468,6 +468,90 @@
 </p:notesMaster>
 </file>
 
+<file path=ppt/notesSlides/notesSlide1.xml><?xml version="1.0" encoding="utf-8"?>
+<p:notes xmlns:a="http://schemas.openxmlformats.org/drawingml/2006/main" xmlns:r="http://schemas.openxmlformats.org/officeDocument/2006/relationships" xmlns:p="http://schemas.openxmlformats.org/presentationml/2006/main">
+  <p:cSld>
+    <p:spTree>
+      <p:nvGrpSpPr>
+        <p:cNvPr id="1" name=""/>
+        <p:cNvGrpSpPr/>
+        <p:nvPr/>
+      </p:nvGrpSpPr>
+      <p:grpSpPr>
+        <a:xfrm>
+          <a:off x="0" y="0"/>
+          <a:ext cx="0" cy="0"/>
+          <a:chOff x="0" y="0"/>
+          <a:chExt cx="0" cy="0"/>
+        </a:xfrm>
+      </p:grpSpPr>
+      <p:sp>
+        <p:nvSpPr>
+          <p:cNvPr id="2" name="Slide Image Placeholder 1"/>
+          <p:cNvSpPr>
+            <a:spLocks noGrp="1" noRot="1" noChangeAspect="1"/>
+          </p:cNvSpPr>
+          <p:nvPr>
+            <p:ph type="sldImg"/>
+          </p:nvPr>
+        </p:nvSpPr>
+        <p:spPr/>
+      </p:sp>
+      <p:sp>
+        <p:nvSpPr>
+          <p:cNvPr id="3" name="Notes Placeholder 2"/>
+          <p:cNvSpPr>
+            <a:spLocks noGrp="1"/>
+          </p:cNvSpPr>
+          <p:nvPr>
+            <p:ph type="body" idx="1"/>
+          </p:nvPr>
+        </p:nvSpPr>
+        <p:spPr/>
+        <p:txBody>
+          <a:bodyPr/>
+          <a:lstStyle/>
+          <a:p>
+            <a:endParaRPr lang="en-SG" dirty="0"/>
+          </a:p>
+        </p:txBody>
+      </p:sp>
+      <p:sp>
+        <p:nvSpPr>
+          <p:cNvPr id="4" name="Slide Number Placeholder 3"/>
+          <p:cNvSpPr>
+            <a:spLocks noGrp="1"/>
+          </p:cNvSpPr>
+          <p:nvPr>
+            <p:ph type="sldNum" sz="quarter" idx="5"/>
+          </p:nvPr>
+        </p:nvSpPr>
+        <p:spPr/>
+        <p:txBody>
+          <a:bodyPr/>
+          <a:lstStyle/>
+          <a:p>
+            <a:fld id="{2F8A4C87-30FF-4E0D-9FFA-CCB73B1DE919}" type="slidenum">
+              <a:rPr lang="en-SG" smtClean="0"/>
+              <a:t>3</a:t>
+            </a:fld>
+            <a:endParaRPr lang="en-SG"/>
+          </a:p>
+        </p:txBody>
+      </p:sp>
+    </p:spTree>
+    <p:extLst>
+      <p:ext uri="{BB962C8B-B14F-4D97-AF65-F5344CB8AC3E}">
+        <p14:creationId xmlns:p14="http://schemas.microsoft.com/office/powerpoint/2010/main" val="123029687"/>
+      </p:ext>
+    </p:extLst>
+  </p:cSld>
+  <p:clrMapOvr>
+    <a:masterClrMapping/>
+  </p:clrMapOvr>
+</p:notes>
+</file>
+
 <file path=ppt/slideLayouts/slideLayout1.xml><?xml version="1.0" encoding="utf-8"?>
 <p:sldLayout xmlns:a="http://schemas.openxmlformats.org/drawingml/2006/main" xmlns:r="http://schemas.openxmlformats.org/officeDocument/2006/relationships" xmlns:p="http://schemas.openxmlformats.org/presentationml/2006/main" type="title" preserve="1">
   <p:cSld name="Title Slide">
@@ -617,7 +701,7 @@
           <a:p>
             <a:fld id="{DAB0784D-3A10-485A-BA3A-AF2134252110}" type="datetimeFigureOut">
               <a:rPr lang="en-SG" smtClean="0"/>
-              <a:t>19/9/2024</a:t>
+              <a:t>20/9/2024</a:t>
             </a:fld>
             <a:endParaRPr lang="en-SG"/>
           </a:p>
@@ -817,7 +901,7 @@
           <a:p>
             <a:fld id="{DAB0784D-3A10-485A-BA3A-AF2134252110}" type="datetimeFigureOut">
               <a:rPr lang="en-SG" smtClean="0"/>
-              <a:t>19/9/2024</a:t>
+              <a:t>20/9/2024</a:t>
             </a:fld>
             <a:endParaRPr lang="en-SG"/>
           </a:p>
@@ -1027,7 +1111,7 @@
           <a:p>
             <a:fld id="{DAB0784D-3A10-485A-BA3A-AF2134252110}" type="datetimeFigureOut">
               <a:rPr lang="en-SG" smtClean="0"/>
-              <a:t>19/9/2024</a:t>
+              <a:t>20/9/2024</a:t>
             </a:fld>
             <a:endParaRPr lang="en-SG"/>
           </a:p>
@@ -1227,7 +1311,7 @@
           <a:p>
             <a:fld id="{DAB0784D-3A10-485A-BA3A-AF2134252110}" type="datetimeFigureOut">
               <a:rPr lang="en-SG" smtClean="0"/>
-              <a:t>19/9/2024</a:t>
+              <a:t>20/9/2024</a:t>
             </a:fld>
             <a:endParaRPr lang="en-SG"/>
           </a:p>
@@ -1503,7 +1587,7 @@
           <a:p>
             <a:fld id="{DAB0784D-3A10-485A-BA3A-AF2134252110}" type="datetimeFigureOut">
               <a:rPr lang="en-SG" smtClean="0"/>
-              <a:t>19/9/2024</a:t>
+              <a:t>20/9/2024</a:t>
             </a:fld>
             <a:endParaRPr lang="en-SG"/>
           </a:p>
@@ -1771,7 +1855,7 @@
           <a:p>
             <a:fld id="{DAB0784D-3A10-485A-BA3A-AF2134252110}" type="datetimeFigureOut">
               <a:rPr lang="en-SG" smtClean="0"/>
-              <a:t>19/9/2024</a:t>
+              <a:t>20/9/2024</a:t>
             </a:fld>
             <a:endParaRPr lang="en-SG"/>
           </a:p>
@@ -2186,7 +2270,7 @@
           <a:p>
             <a:fld id="{DAB0784D-3A10-485A-BA3A-AF2134252110}" type="datetimeFigureOut">
               <a:rPr lang="en-SG" smtClean="0"/>
-              <a:t>19/9/2024</a:t>
+              <a:t>20/9/2024</a:t>
             </a:fld>
             <a:endParaRPr lang="en-SG"/>
           </a:p>
@@ -2328,7 +2412,7 @@
           <a:p>
             <a:fld id="{DAB0784D-3A10-485A-BA3A-AF2134252110}" type="datetimeFigureOut">
               <a:rPr lang="en-SG" smtClean="0"/>
-              <a:t>19/9/2024</a:t>
+              <a:t>20/9/2024</a:t>
             </a:fld>
             <a:endParaRPr lang="en-SG"/>
           </a:p>
@@ -2441,7 +2525,7 @@
           <a:p>
             <a:fld id="{DAB0784D-3A10-485A-BA3A-AF2134252110}" type="datetimeFigureOut">
               <a:rPr lang="en-SG" smtClean="0"/>
-              <a:t>19/9/2024</a:t>
+              <a:t>20/9/2024</a:t>
             </a:fld>
             <a:endParaRPr lang="en-SG"/>
           </a:p>
@@ -2754,7 +2838,7 @@
           <a:p>
             <a:fld id="{DAB0784D-3A10-485A-BA3A-AF2134252110}" type="datetimeFigureOut">
               <a:rPr lang="en-SG" smtClean="0"/>
-              <a:t>19/9/2024</a:t>
+              <a:t>20/9/2024</a:t>
             </a:fld>
             <a:endParaRPr lang="en-SG"/>
           </a:p>
@@ -3043,7 +3127,7 @@
           <a:p>
             <a:fld id="{DAB0784D-3A10-485A-BA3A-AF2134252110}" type="datetimeFigureOut">
               <a:rPr lang="en-SG" smtClean="0"/>
-              <a:t>19/9/2024</a:t>
+              <a:t>20/9/2024</a:t>
             </a:fld>
             <a:endParaRPr lang="en-SG"/>
           </a:p>
@@ -3286,7 +3370,7 @@
           <a:p>
             <a:fld id="{DAB0784D-3A10-485A-BA3A-AF2134252110}" type="datetimeFigureOut">
               <a:rPr lang="en-SG" smtClean="0"/>
-              <a:t>19/9/2024</a:t>
+              <a:t>20/9/2024</a:t>
             </a:fld>
             <a:endParaRPr lang="en-SG"/>
           </a:p>
@@ -14166,8 +14250,8 @@
         </p:nvSpPr>
         <p:spPr>
           <a:xfrm>
-            <a:off x="638175" y="382615"/>
-            <a:ext cx="9763125" cy="5770535"/>
+            <a:off x="638175" y="577378"/>
+            <a:ext cx="9763125" cy="5446843"/>
           </a:xfrm>
           <a:prstGeom prst="rect">
             <a:avLst/>
@@ -14247,8 +14331,8 @@
         </p:nvSpPr>
         <p:spPr>
           <a:xfrm>
-            <a:off x="805597" y="4450198"/>
-            <a:ext cx="5987089" cy="1407293"/>
+            <a:off x="848795" y="4450198"/>
+            <a:ext cx="5943891" cy="1407293"/>
           </a:xfrm>
           <a:prstGeom prst="roundRect">
             <a:avLst/>
@@ -14328,8 +14412,8 @@
         </p:nvSpPr>
         <p:spPr>
           <a:xfrm>
-            <a:off x="848795" y="4517779"/>
-            <a:ext cx="1205965" cy="830997"/>
+            <a:off x="900075" y="4529006"/>
+            <a:ext cx="1205965" cy="1384995"/>
           </a:xfrm>
           <a:prstGeom prst="rect">
             <a:avLst/>
@@ -14360,7 +14444,7 @@
               <a:defRPr/>
             </a:pPr>
             <a:r>
-              <a:rPr kumimoji="0" lang="en-US" sz="1200" b="1" i="0" u="none" strike="noStrike" kern="1200" cap="none" spc="0" normalizeH="0" baseline="0" noProof="0" dirty="0">
+              <a:rPr kumimoji="0" lang="en-US" sz="1400" b="1" i="0" u="none" strike="noStrike" kern="1200" cap="none" spc="0" normalizeH="0" baseline="0" noProof="0" dirty="0">
                 <a:ln>
                   <a:noFill/>
                 </a:ln>
@@ -14394,22 +14478,19 @@
               <a:tabLst/>
               <a:defRPr/>
             </a:pPr>
-            <a:r>
-              <a:rPr kumimoji="0" lang="en-US" sz="1200" b="0" i="0" u="none" strike="noStrike" kern="1200" cap="none" spc="0" normalizeH="0" baseline="0" noProof="0" dirty="0">
-                <a:ln>
-                  <a:noFill/>
-                </a:ln>
-                <a:solidFill>
-                  <a:prstClr val="white"/>
-                </a:solidFill>
-                <a:effectLst/>
-                <a:uLnTx/>
-                <a:uFillTx/>
-                <a:ea typeface="+mn-ea"/>
-                <a:cs typeface="+mn-cs"/>
-              </a:rPr>
-              <a:t>Physical Process</a:t>
-            </a:r>
+            <a:endParaRPr kumimoji="0" lang="en-US" sz="1400" b="1" i="0" u="none" strike="noStrike" kern="1200" cap="none" spc="0" normalizeH="0" baseline="0" noProof="0" dirty="0">
+              <a:ln>
+                <a:noFill/>
+              </a:ln>
+              <a:solidFill>
+                <a:prstClr val="white"/>
+              </a:solidFill>
+              <a:effectLst/>
+              <a:uLnTx/>
+              <a:uFillTx/>
+              <a:ea typeface="+mn-ea"/>
+              <a:cs typeface="+mn-cs"/>
+            </a:endParaRPr>
           </a:p>
           <a:p>
             <a:pPr marL="0" marR="0" lvl="0" indent="0" algn="l" defTabSz="914400" rtl="0" eaLnBrk="1" fontAlgn="auto" latinLnBrk="0" hangingPunct="1">
@@ -14430,7 +14511,7 @@
               <a:defRPr/>
             </a:pPr>
             <a:r>
-              <a:rPr kumimoji="0" lang="en-US" sz="1200" b="0" i="0" u="none" strike="noStrike" kern="1200" cap="none" spc="0" normalizeH="0" baseline="0" noProof="0" dirty="0">
+              <a:rPr kumimoji="0" lang="en-US" sz="1400" b="0" i="0" u="none" strike="noStrike" kern="1200" cap="none" spc="0" normalizeH="0" baseline="0" noProof="0" dirty="0">
                 <a:ln>
                   <a:noFill/>
                 </a:ln>
@@ -14443,9 +14524,79 @@
                 <a:ea typeface="+mn-ea"/>
                 <a:cs typeface="+mn-cs"/>
               </a:rPr>
-              <a:t>Field I/O device </a:t>
-            </a:r>
-            <a:endParaRPr kumimoji="0" lang="en-SG" sz="1200" b="0" i="0" u="none" strike="noStrike" kern="1200" cap="none" spc="0" normalizeH="0" baseline="0" noProof="0" dirty="0">
+              <a:t>Physical Process</a:t>
+            </a:r>
+          </a:p>
+          <a:p>
+            <a:pPr marL="0" marR="0" lvl="0" indent="0" algn="l" defTabSz="914400" rtl="0" eaLnBrk="1" fontAlgn="auto" latinLnBrk="0" hangingPunct="1">
+              <a:lnSpc>
+                <a:spcPct val="100000"/>
+              </a:lnSpc>
+              <a:spcBef>
+                <a:spcPts val="0"/>
+              </a:spcBef>
+              <a:spcAft>
+                <a:spcPts val="0"/>
+              </a:spcAft>
+              <a:buClrTx/>
+              <a:buSzTx/>
+              <a:buFontTx/>
+              <a:buNone/>
+              <a:tabLst/>
+              <a:defRPr/>
+            </a:pPr>
+            <a:r>
+              <a:rPr kumimoji="0" lang="en-US" sz="1400" b="0" i="0" u="none" strike="noStrike" kern="1200" cap="none" spc="0" normalizeH="0" baseline="0" noProof="0" dirty="0">
+                <a:ln>
+                  <a:noFill/>
+                </a:ln>
+                <a:solidFill>
+                  <a:prstClr val="white"/>
+                </a:solidFill>
+                <a:effectLst/>
+                <a:uLnTx/>
+                <a:uFillTx/>
+                <a:ea typeface="+mn-ea"/>
+                <a:cs typeface="+mn-cs"/>
+              </a:rPr>
+              <a:t>Field I/O </a:t>
+            </a:r>
+          </a:p>
+          <a:p>
+            <a:pPr marL="0" marR="0" lvl="0" indent="0" algn="l" defTabSz="914400" rtl="0" eaLnBrk="1" fontAlgn="auto" latinLnBrk="0" hangingPunct="1">
+              <a:lnSpc>
+                <a:spcPct val="100000"/>
+              </a:lnSpc>
+              <a:spcBef>
+                <a:spcPts val="0"/>
+              </a:spcBef>
+              <a:spcAft>
+                <a:spcPts val="0"/>
+              </a:spcAft>
+              <a:buClrTx/>
+              <a:buSzTx/>
+              <a:buFontTx/>
+              <a:buNone/>
+              <a:tabLst/>
+              <a:defRPr/>
+            </a:pPr>
+            <a:r>
+              <a:rPr kumimoji="0" lang="en-US" sz="1400" b="0" i="0" u="none" strike="noStrike" kern="1200" cap="none" spc="0" normalizeH="0" baseline="0" noProof="0" dirty="0">
+                <a:ln>
+                  <a:noFill/>
+                </a:ln>
+                <a:solidFill>
+                  <a:prstClr val="white"/>
+                </a:solidFill>
+                <a:effectLst/>
+                <a:uLnTx/>
+                <a:uFillTx/>
+                <a:ea typeface="+mn-ea"/>
+                <a:cs typeface="+mn-cs"/>
+              </a:rPr>
+              <a:t>device </a:t>
+            </a:r>
+            <a:endParaRPr kumimoji="0" lang="en-SG" sz="1400" b="0" i="0" u="none" strike="noStrike" kern="1200" cap="none" spc="0" normalizeH="0" baseline="0" noProof="0" dirty="0">
               <a:ln>
                 <a:noFill/>
               </a:ln>
@@ -15228,7 +15379,7 @@
           <p:nvPr/>
         </p:nvPicPr>
         <p:blipFill>
-          <a:blip r:embed="rId2"/>
+          <a:blip r:embed="rId3"/>
           <a:stretch>
             <a:fillRect/>
           </a:stretch>
@@ -15263,7 +15414,7 @@
           <p:nvPr/>
         </p:nvPicPr>
         <p:blipFill>
-          <a:blip r:embed="rId3">
+          <a:blip r:embed="rId4">
             <a:extLst>
               <a:ext uri="{28A0092B-C50C-407E-A947-70E740481C1C}">
                 <a14:useLocalDpi xmlns:a14="http://schemas.microsoft.com/office/drawing/2010/main" val="0"/>
@@ -15477,7 +15628,7 @@
           <p:nvPr/>
         </p:nvPicPr>
         <p:blipFill>
-          <a:blip r:embed="rId3">
+          <a:blip r:embed="rId4">
             <a:extLst>
               <a:ext uri="{28A0092B-C50C-407E-A947-70E740481C1C}">
                 <a14:useLocalDpi xmlns:a14="http://schemas.microsoft.com/office/drawing/2010/main" val="0"/>
@@ -15817,7 +15968,7 @@
           <p:nvPr/>
         </p:nvPicPr>
         <p:blipFill>
-          <a:blip r:embed="rId2"/>
+          <a:blip r:embed="rId3"/>
           <a:stretch>
             <a:fillRect/>
           </a:stretch>
@@ -16053,7 +16204,7 @@
           <p:nvPr/>
         </p:nvPicPr>
         <p:blipFill>
-          <a:blip r:embed="rId2"/>
+          <a:blip r:embed="rId3"/>
           <a:stretch>
             <a:fillRect/>
           </a:stretch>
@@ -16088,7 +16239,7 @@
           <p:nvPr/>
         </p:nvPicPr>
         <p:blipFill>
-          <a:blip r:embed="rId3">
+          <a:blip r:embed="rId4">
             <a:extLst>
               <a:ext uri="{28A0092B-C50C-407E-A947-70E740481C1C}">
                 <a14:useLocalDpi xmlns:a14="http://schemas.microsoft.com/office/drawing/2010/main" val="0"/>
@@ -17151,13 +17302,13 @@
           <p:nvPr/>
         </p:nvPicPr>
         <p:blipFill>
-          <a:blip r:embed="rId4">
+          <a:blip r:embed="rId5">
             <a:extLst>
               <a:ext uri="{28A0092B-C50C-407E-A947-70E740481C1C}">
                 <a14:useLocalDpi xmlns:a14="http://schemas.microsoft.com/office/drawing/2010/main" val="0"/>
               </a:ext>
               <a:ext uri="{96DAC541-7B7A-43D3-8B79-37D633B846F1}">
-                <asvg:svgBlip xmlns:asvg="http://schemas.microsoft.com/office/drawing/2016/SVG/main" r:embed="rId5"/>
+                <asvg:svgBlip xmlns:asvg="http://schemas.microsoft.com/office/drawing/2016/SVG/main" r:embed="rId6"/>
               </a:ext>
             </a:extLst>
           </a:blip>
@@ -17167,7 +17318,7 @@
         </p:blipFill>
         <p:spPr>
           <a:xfrm>
-            <a:off x="7327188" y="2679881"/>
+            <a:off x="7327188" y="2731251"/>
             <a:ext cx="488553" cy="477935"/>
           </a:xfrm>
           <a:prstGeom prst="rect">
@@ -17190,13 +17341,13 @@
           <p:nvPr/>
         </p:nvPicPr>
         <p:blipFill>
-          <a:blip r:embed="rId4">
+          <a:blip r:embed="rId5">
             <a:extLst>
               <a:ext uri="{28A0092B-C50C-407E-A947-70E740481C1C}">
                 <a14:useLocalDpi xmlns:a14="http://schemas.microsoft.com/office/drawing/2010/main" val="0"/>
               </a:ext>
               <a:ext uri="{96DAC541-7B7A-43D3-8B79-37D633B846F1}">
-                <asvg:svgBlip xmlns:asvg="http://schemas.microsoft.com/office/drawing/2016/SVG/main" r:embed="rId5"/>
+                <asvg:svgBlip xmlns:asvg="http://schemas.microsoft.com/office/drawing/2016/SVG/main" r:embed="rId6"/>
               </a:ext>
             </a:extLst>
           </a:blip>
@@ -17206,7 +17357,7 @@
         </p:blipFill>
         <p:spPr>
           <a:xfrm>
-            <a:off x="7376078" y="3259781"/>
+            <a:off x="7376078" y="3311151"/>
             <a:ext cx="440455" cy="430882"/>
           </a:xfrm>
           <a:prstGeom prst="rect">
@@ -17225,13 +17376,12 @@
           </p:cNvPr>
           <p:cNvCxnSpPr>
             <a:cxnSpLocks/>
-            <a:endCxn id="99" idx="1"/>
           </p:cNvCxnSpPr>
           <p:nvPr/>
         </p:nvCxnSpPr>
         <p:spPr>
           <a:xfrm flipV="1">
-            <a:off x="6786056" y="2918849"/>
+            <a:off x="6786056" y="2970219"/>
             <a:ext cx="541132" cy="221872"/>
           </a:xfrm>
           <a:prstGeom prst="bentConnector3">
@@ -17276,7 +17426,7 @@
         </p:nvCxnSpPr>
         <p:spPr>
           <a:xfrm>
-            <a:off x="6786056" y="3140721"/>
+            <a:off x="6786056" y="3192091"/>
             <a:ext cx="590022" cy="334501"/>
           </a:xfrm>
           <a:prstGeom prst="bentConnector3">
@@ -17320,7 +17470,7 @@
         </p:nvSpPr>
         <p:spPr>
           <a:xfrm>
-            <a:off x="7752411" y="2671055"/>
+            <a:off x="7844877" y="2753247"/>
             <a:ext cx="791136" cy="430887"/>
           </a:xfrm>
           <a:prstGeom prst="rect">
@@ -17399,7 +17549,7 @@
         </p:nvSpPr>
         <p:spPr>
           <a:xfrm>
-            <a:off x="7794342" y="3235337"/>
+            <a:off x="7794342" y="3286707"/>
             <a:ext cx="791136" cy="430887"/>
           </a:xfrm>
           <a:prstGeom prst="rect">
@@ -17560,7 +17710,7 @@
         <p:spPr>
           <a:xfrm>
             <a:off x="933927" y="1468391"/>
-            <a:ext cx="1391555" cy="830997"/>
+            <a:ext cx="1391555" cy="1169551"/>
           </a:xfrm>
           <a:prstGeom prst="rect">
             <a:avLst/>
@@ -17591,7 +17741,7 @@
               <a:defRPr/>
             </a:pPr>
             <a:r>
-              <a:rPr kumimoji="0" lang="en-US" sz="1200" b="1" i="0" u="none" strike="noStrike" kern="1200" cap="none" spc="0" normalizeH="0" baseline="0" noProof="0" dirty="0">
+              <a:rPr kumimoji="0" lang="en-US" sz="1400" b="1" i="0" u="none" strike="noStrike" kern="1200" cap="none" spc="0" normalizeH="0" baseline="0" noProof="0" dirty="0">
                 <a:ln>
                   <a:noFill/>
                 </a:ln>
@@ -17625,91 +17775,20 @@
               <a:tabLst/>
               <a:defRPr/>
             </a:pPr>
-            <a:r>
-              <a:rPr kumimoji="0" lang="en-US" sz="1200" b="0" i="0" u="none" strike="noStrike" kern="1200" cap="none" spc="0" normalizeH="0" baseline="0" noProof="0" dirty="0">
-                <a:ln>
-                  <a:noFill/>
-                </a:ln>
-                <a:solidFill>
-                  <a:prstClr val="white"/>
-                </a:solidFill>
-                <a:effectLst/>
-                <a:uLnTx/>
-                <a:uFillTx/>
-                <a:ea typeface="+mn-ea"/>
-                <a:cs typeface="+mn-cs"/>
-              </a:rPr>
-              <a:t>Control Center (HQ) Processing LAN</a:t>
-            </a:r>
-          </a:p>
-        </p:txBody>
-      </p:sp>
-      <p:pic>
-        <p:nvPicPr>
-          <p:cNvPr id="107" name="Graphic 106" descr="Computer with solid fill">
-            <a:extLst>
-              <a:ext uri="{FF2B5EF4-FFF2-40B4-BE49-F238E27FC236}">
-                <a16:creationId xmlns:a16="http://schemas.microsoft.com/office/drawing/2014/main" id="{176CD590-AD4D-91FE-D42B-B9E8B761427B}"/>
-              </a:ext>
-            </a:extLst>
-          </p:cNvPr>
-          <p:cNvPicPr>
-            <a:picLocks noChangeAspect="1"/>
-          </p:cNvPicPr>
-          <p:nvPr/>
-        </p:nvPicPr>
-        <p:blipFill>
-          <a:blip r:embed="rId6">
-            <a:extLst>
-              <a:ext uri="{28A0092B-C50C-407E-A947-70E740481C1C}">
-                <a14:useLocalDpi xmlns:a14="http://schemas.microsoft.com/office/drawing/2010/main" val="0"/>
-              </a:ext>
-              <a:ext uri="{96DAC541-7B7A-43D3-8B79-37D633B846F1}">
-                <asvg:svgBlip xmlns:asvg="http://schemas.microsoft.com/office/drawing/2016/SVG/main" r:embed="rId7"/>
-              </a:ext>
-            </a:extLst>
-          </a:blip>
-          <a:stretch>
-            <a:fillRect/>
-          </a:stretch>
-        </p:blipFill>
-        <p:spPr>
-          <a:xfrm>
-            <a:off x="2717403" y="1748925"/>
-            <a:ext cx="446421" cy="446421"/>
-          </a:xfrm>
-          <a:prstGeom prst="rect">
-            <a:avLst/>
-          </a:prstGeom>
-        </p:spPr>
-      </p:pic>
-      <p:sp>
-        <p:nvSpPr>
-          <p:cNvPr id="108" name="TextBox 107">
-            <a:extLst>
-              <a:ext uri="{FF2B5EF4-FFF2-40B4-BE49-F238E27FC236}">
-                <a16:creationId xmlns:a16="http://schemas.microsoft.com/office/drawing/2014/main" id="{1C4B1BDC-599C-FA24-757F-794E867C1E84}"/>
-              </a:ext>
-            </a:extLst>
-          </p:cNvPr>
-          <p:cNvSpPr txBox="1"/>
-          <p:nvPr/>
-        </p:nvSpPr>
-        <p:spPr>
-          <a:xfrm>
-            <a:off x="930914" y="3056082"/>
-            <a:ext cx="969647" cy="830997"/>
-          </a:xfrm>
-          <a:prstGeom prst="rect">
-            <a:avLst/>
-          </a:prstGeom>
-          <a:noFill/>
-        </p:spPr>
-        <p:txBody>
-          <a:bodyPr wrap="square" rtlCol="0">
-            <a:spAutoFit/>
-          </a:bodyPr>
-          <a:lstStyle/>
+            <a:endParaRPr kumimoji="0" lang="en-US" sz="1400" b="1" i="0" u="none" strike="noStrike" kern="1200" cap="none" spc="0" normalizeH="0" baseline="0" noProof="0" dirty="0">
+              <a:ln>
+                <a:noFill/>
+              </a:ln>
+              <a:solidFill>
+                <a:prstClr val="white"/>
+              </a:solidFill>
+              <a:effectLst/>
+              <a:uLnTx/>
+              <a:uFillTx/>
+              <a:ea typeface="+mn-ea"/>
+              <a:cs typeface="+mn-cs"/>
+            </a:endParaRPr>
+          </a:p>
           <a:p>
             <a:pPr marL="0" marR="0" lvl="0" indent="0" algn="l" defTabSz="914400" rtl="0" eaLnBrk="1" fontAlgn="auto" latinLnBrk="0" hangingPunct="1">
               <a:lnSpc>
@@ -17729,12 +17808,12 @@
               <a:defRPr/>
             </a:pPr>
             <a:r>
-              <a:rPr kumimoji="0" lang="en-US" sz="1200" b="1" i="0" u="none" strike="noStrike" kern="1200" cap="none" spc="0" normalizeH="0" baseline="0" noProof="0" dirty="0">
+              <a:rPr kumimoji="0" lang="en-US" sz="1400" b="0" i="0" u="none" strike="noStrike" kern="1200" cap="none" spc="0" normalizeH="0" baseline="0" noProof="0" dirty="0">
                 <a:ln>
                   <a:noFill/>
                 </a:ln>
                 <a:solidFill>
-                  <a:prstClr val="black"/>
+                  <a:prstClr val="white"/>
                 </a:solidFill>
                 <a:effectLst/>
                 <a:uLnTx/>
@@ -17742,7 +17821,7 @@
                 <a:ea typeface="+mn-ea"/>
                 <a:cs typeface="+mn-cs"/>
               </a:rPr>
-              <a:t>Level 1</a:t>
+              <a:t>Power Grid</a:t>
             </a:r>
           </a:p>
           <a:p>
@@ -17764,12 +17843,12 @@
               <a:defRPr/>
             </a:pPr>
             <a:r>
-              <a:rPr kumimoji="0" lang="en-US" sz="1200" b="0" i="0" u="none" strike="noStrike" kern="1200" cap="none" spc="0" normalizeH="0" baseline="0" noProof="0" dirty="0">
+              <a:rPr kumimoji="0" lang="en-US" sz="1400" b="0" i="0" u="none" strike="noStrike" kern="1200" cap="none" spc="0" normalizeH="0" baseline="0" noProof="0" dirty="0">
                 <a:ln>
                   <a:noFill/>
                 </a:ln>
                 <a:solidFill>
-                  <a:prstClr val="black"/>
+                  <a:prstClr val="white"/>
                 </a:solidFill>
                 <a:effectLst/>
                 <a:uLnTx/>
@@ -17777,30 +17856,17 @@
                 <a:ea typeface="+mn-ea"/>
                 <a:cs typeface="+mn-cs"/>
               </a:rPr>
-              <a:t>OT System Controller LAN </a:t>
-            </a:r>
-            <a:endParaRPr kumimoji="0" lang="en-SG" sz="1200" b="0" i="0" u="none" strike="noStrike" kern="1200" cap="none" spc="0" normalizeH="0" baseline="0" noProof="0" dirty="0">
-              <a:ln>
-                <a:noFill/>
-              </a:ln>
-              <a:solidFill>
-                <a:prstClr val="black"/>
-              </a:solidFill>
-              <a:effectLst/>
-              <a:uLnTx/>
-              <a:uFillTx/>
-              <a:ea typeface="+mn-ea"/>
-              <a:cs typeface="+mn-cs"/>
-            </a:endParaRPr>
+              <a:t>Control Center Processing LAN</a:t>
+            </a:r>
           </a:p>
         </p:txBody>
       </p:sp>
       <p:pic>
         <p:nvPicPr>
-          <p:cNvPr id="109" name="Graphic 108" descr="Full Brick Wall with solid fill">
-            <a:extLst>
-              <a:ext uri="{FF2B5EF4-FFF2-40B4-BE49-F238E27FC236}">
-                <a16:creationId xmlns:a16="http://schemas.microsoft.com/office/drawing/2014/main" id="{A2D85CA5-5D9D-00D0-2555-23901893EE1D}"/>
+          <p:cNvPr id="107" name="Graphic 106" descr="Computer with solid fill">
+            <a:extLst>
+              <a:ext uri="{FF2B5EF4-FFF2-40B4-BE49-F238E27FC236}">
+                <a16:creationId xmlns:a16="http://schemas.microsoft.com/office/drawing/2014/main" id="{176CD590-AD4D-91FE-D42B-B9E8B761427B}"/>
               </a:ext>
             </a:extLst>
           </p:cNvPr>
@@ -17810,13 +17876,13 @@
           <p:nvPr/>
         </p:nvPicPr>
         <p:blipFill>
-          <a:blip r:embed="rId8">
+          <a:blip r:embed="rId7">
             <a:extLst>
               <a:ext uri="{28A0092B-C50C-407E-A947-70E740481C1C}">
                 <a14:useLocalDpi xmlns:a14="http://schemas.microsoft.com/office/drawing/2010/main" val="0"/>
               </a:ext>
               <a:ext uri="{96DAC541-7B7A-43D3-8B79-37D633B846F1}">
-                <asvg:svgBlip xmlns:asvg="http://schemas.microsoft.com/office/drawing/2016/SVG/main" r:embed="rId9"/>
+                <asvg:svgBlip xmlns:asvg="http://schemas.microsoft.com/office/drawing/2016/SVG/main" r:embed="rId8"/>
               </a:ext>
             </a:extLst>
           </a:blip>
@@ -17826,102 +17892,20 @@
         </p:blipFill>
         <p:spPr>
           <a:xfrm>
-            <a:off x="2682867" y="1316993"/>
-            <a:ext cx="418359" cy="418359"/>
+            <a:off x="2717403" y="1810569"/>
+            <a:ext cx="446421" cy="446421"/>
           </a:xfrm>
           <a:prstGeom prst="rect">
             <a:avLst/>
           </a:prstGeom>
         </p:spPr>
       </p:pic>
-      <p:cxnSp>
-        <p:nvCxnSpPr>
-          <p:cNvPr id="110" name="Straight Connector 109">
-            <a:extLst>
-              <a:ext uri="{FF2B5EF4-FFF2-40B4-BE49-F238E27FC236}">
-                <a16:creationId xmlns:a16="http://schemas.microsoft.com/office/drawing/2014/main" id="{6E3F3224-64F6-0050-1324-4185109B9959}"/>
-              </a:ext>
-            </a:extLst>
-          </p:cNvPr>
-          <p:cNvCxnSpPr>
-            <a:cxnSpLocks/>
-          </p:cNvCxnSpPr>
-          <p:nvPr/>
-        </p:nvCxnSpPr>
-        <p:spPr>
-          <a:xfrm>
-            <a:off x="2892046" y="1559198"/>
-            <a:ext cx="0" cy="281333"/>
-          </a:xfrm>
-          <a:prstGeom prst="line">
-            <a:avLst/>
-          </a:prstGeom>
-          <a:ln w="19050">
-            <a:solidFill>
-              <a:schemeClr val="bg1"/>
-            </a:solidFill>
-          </a:ln>
-        </p:spPr>
-        <p:style>
-          <a:lnRef idx="1">
-            <a:schemeClr val="accent1"/>
-          </a:lnRef>
-          <a:fillRef idx="0">
-            <a:schemeClr val="accent1"/>
-          </a:fillRef>
-          <a:effectRef idx="0">
-            <a:schemeClr val="accent1"/>
-          </a:effectRef>
-          <a:fontRef idx="minor">
-            <a:schemeClr val="tx1"/>
-          </a:fontRef>
-        </p:style>
-      </p:cxnSp>
-      <p:pic>
-        <p:nvPicPr>
-          <p:cNvPr id="112" name="Graphic 111" descr="Ui Ux with solid fill">
-            <a:extLst>
-              <a:ext uri="{FF2B5EF4-FFF2-40B4-BE49-F238E27FC236}">
-                <a16:creationId xmlns:a16="http://schemas.microsoft.com/office/drawing/2014/main" id="{D53CA239-57C0-5F8E-9EEE-3B6DDEE5FD07}"/>
-              </a:ext>
-            </a:extLst>
-          </p:cNvPr>
-          <p:cNvPicPr>
-            <a:picLocks noChangeAspect="1"/>
-          </p:cNvPicPr>
-          <p:nvPr/>
-        </p:nvPicPr>
-        <p:blipFill>
-          <a:blip r:embed="rId10">
-            <a:extLst>
-              <a:ext uri="{28A0092B-C50C-407E-A947-70E740481C1C}">
-                <a14:useLocalDpi xmlns:a14="http://schemas.microsoft.com/office/drawing/2010/main" val="0"/>
-              </a:ext>
-              <a:ext uri="{96DAC541-7B7A-43D3-8B79-37D633B846F1}">
-                <asvg:svgBlip xmlns:asvg="http://schemas.microsoft.com/office/drawing/2016/SVG/main" r:embed="rId11"/>
-              </a:ext>
-            </a:extLst>
-          </a:blip>
-          <a:stretch>
-            <a:fillRect/>
-          </a:stretch>
-        </p:blipFill>
-        <p:spPr>
-          <a:xfrm>
-            <a:off x="3603249" y="2084886"/>
-            <a:ext cx="446421" cy="446421"/>
-          </a:xfrm>
-          <a:prstGeom prst="rect">
-            <a:avLst/>
-          </a:prstGeom>
-        </p:spPr>
-      </p:pic>
-      <p:sp>
-        <p:nvSpPr>
-          <p:cNvPr id="113" name="TextBox 112">
-            <a:extLst>
-              <a:ext uri="{FF2B5EF4-FFF2-40B4-BE49-F238E27FC236}">
-                <a16:creationId xmlns:a16="http://schemas.microsoft.com/office/drawing/2014/main" id="{28730F84-BBD4-A6FE-9744-D9C77144E6C7}"/>
+      <p:sp>
+        <p:nvSpPr>
+          <p:cNvPr id="108" name="TextBox 107">
+            <a:extLst>
+              <a:ext uri="{FF2B5EF4-FFF2-40B4-BE49-F238E27FC236}">
+                <a16:creationId xmlns:a16="http://schemas.microsoft.com/office/drawing/2014/main" id="{1C4B1BDC-599C-FA24-757F-794E867C1E84}"/>
               </a:ext>
             </a:extLst>
           </p:cNvPr>
@@ -17930,8 +17914,8 @@
         </p:nvSpPr>
         <p:spPr>
           <a:xfrm>
-            <a:off x="3398862" y="1674544"/>
-            <a:ext cx="1213472" cy="430887"/>
+            <a:off x="930914" y="3056082"/>
+            <a:ext cx="1043848" cy="1169551"/>
           </a:xfrm>
           <a:prstGeom prst="rect">
             <a:avLst/>
@@ -17962,91 +17946,22 @@
               <a:defRPr/>
             </a:pPr>
             <a:r>
-              <a:rPr kumimoji="0" lang="en-SG" sz="1100" b="0" i="0" u="none" strike="noStrike" kern="1200" cap="none" spc="0" normalizeH="0" baseline="0" noProof="0" dirty="0">
+              <a:rPr kumimoji="0" lang="en-US" sz="1400" b="1" i="0" u="none" strike="noStrike" kern="1200" cap="none" spc="0" normalizeH="0" baseline="0" noProof="0" dirty="0">
                 <a:ln>
                   <a:noFill/>
                 </a:ln>
                 <a:solidFill>
-                  <a:prstClr val="white"/>
+                  <a:prstClr val="black"/>
                 </a:solidFill>
                 <a:effectLst/>
                 <a:uLnTx/>
                 <a:uFillTx/>
-                <a:latin typeface="Calibri" panose="020F0502020204030204"/>
                 <a:ea typeface="+mn-ea"/>
                 <a:cs typeface="+mn-cs"/>
               </a:rPr>
-              <a:t>Power System control HMI</a:t>
-            </a:r>
-          </a:p>
-        </p:txBody>
-      </p:sp>
-      <p:pic>
-        <p:nvPicPr>
-          <p:cNvPr id="114" name="Graphic 113" descr="Ui Ux with solid fill">
-            <a:extLst>
-              <a:ext uri="{FF2B5EF4-FFF2-40B4-BE49-F238E27FC236}">
-                <a16:creationId xmlns:a16="http://schemas.microsoft.com/office/drawing/2014/main" id="{22B3D35C-B1CE-55E7-276D-AE59422859A0}"/>
-              </a:ext>
-            </a:extLst>
-          </p:cNvPr>
-          <p:cNvPicPr>
-            <a:picLocks noChangeAspect="1"/>
-          </p:cNvPicPr>
-          <p:nvPr/>
-        </p:nvPicPr>
-        <p:blipFill>
-          <a:blip r:embed="rId10">
-            <a:extLst>
-              <a:ext uri="{28A0092B-C50C-407E-A947-70E740481C1C}">
-                <a14:useLocalDpi xmlns:a14="http://schemas.microsoft.com/office/drawing/2010/main" val="0"/>
-              </a:ext>
-              <a:ext uri="{96DAC541-7B7A-43D3-8B79-37D633B846F1}">
-                <asvg:svgBlip xmlns:asvg="http://schemas.microsoft.com/office/drawing/2016/SVG/main" r:embed="rId11"/>
-              </a:ext>
-            </a:extLst>
-          </a:blip>
-          <a:stretch>
-            <a:fillRect/>
-          </a:stretch>
-        </p:blipFill>
-        <p:spPr>
-          <a:xfrm>
-            <a:off x="4613449" y="2078326"/>
-            <a:ext cx="446421" cy="446421"/>
-          </a:xfrm>
-          <a:prstGeom prst="rect">
-            <a:avLst/>
-          </a:prstGeom>
-        </p:spPr>
-      </p:pic>
-      <p:sp>
-        <p:nvSpPr>
-          <p:cNvPr id="115" name="TextBox 114">
-            <a:extLst>
-              <a:ext uri="{FF2B5EF4-FFF2-40B4-BE49-F238E27FC236}">
-                <a16:creationId xmlns:a16="http://schemas.microsoft.com/office/drawing/2014/main" id="{6E1618EE-2587-3530-D605-1B42412F0103}"/>
-              </a:ext>
-            </a:extLst>
-          </p:cNvPr>
-          <p:cNvSpPr txBox="1"/>
-          <p:nvPr/>
-        </p:nvSpPr>
-        <p:spPr>
-          <a:xfrm>
-            <a:off x="4336691" y="1668445"/>
-            <a:ext cx="1213472" cy="430887"/>
-          </a:xfrm>
-          <a:prstGeom prst="rect">
-            <a:avLst/>
-          </a:prstGeom>
-          <a:noFill/>
-        </p:spPr>
-        <p:txBody>
-          <a:bodyPr wrap="square" rtlCol="0">
-            <a:spAutoFit/>
-          </a:bodyPr>
-          <a:lstStyle/>
+              <a:t>Level 1</a:t>
+            </a:r>
+          </a:p>
           <a:p>
             <a:pPr marL="0" marR="0" lvl="0" indent="0" algn="l" defTabSz="914400" rtl="0" eaLnBrk="1" fontAlgn="auto" latinLnBrk="0" hangingPunct="1">
               <a:lnSpc>
@@ -18065,92 +17980,20 @@
               <a:tabLst/>
               <a:defRPr/>
             </a:pPr>
-            <a:r>
-              <a:rPr kumimoji="0" lang="en-SG" sz="1100" b="0" i="0" u="none" strike="noStrike" kern="1200" cap="none" spc="0" normalizeH="0" baseline="0" noProof="0" dirty="0">
-                <a:ln>
-                  <a:noFill/>
-                </a:ln>
-                <a:solidFill>
-                  <a:prstClr val="white"/>
-                </a:solidFill>
-                <a:effectLst/>
-                <a:uLnTx/>
-                <a:uFillTx/>
-                <a:latin typeface="Calibri" panose="020F0502020204030204"/>
-                <a:ea typeface="+mn-ea"/>
-                <a:cs typeface="+mn-cs"/>
-              </a:rPr>
-              <a:t>Power System Monitor HMI</a:t>
-            </a:r>
-          </a:p>
-        </p:txBody>
-      </p:sp>
-      <p:pic>
-        <p:nvPicPr>
-          <p:cNvPr id="116" name="Graphic 115" descr="Computer with solid fill">
-            <a:extLst>
-              <a:ext uri="{FF2B5EF4-FFF2-40B4-BE49-F238E27FC236}">
-                <a16:creationId xmlns:a16="http://schemas.microsoft.com/office/drawing/2014/main" id="{BB73D3B8-B5E9-D594-1D9A-D82064B6BA07}"/>
-              </a:ext>
-            </a:extLst>
-          </p:cNvPr>
-          <p:cNvPicPr>
-            <a:picLocks noChangeAspect="1"/>
-          </p:cNvPicPr>
-          <p:nvPr/>
-        </p:nvPicPr>
-        <p:blipFill>
-          <a:blip r:embed="rId6">
-            <a:extLst>
-              <a:ext uri="{28A0092B-C50C-407E-A947-70E740481C1C}">
-                <a14:useLocalDpi xmlns:a14="http://schemas.microsoft.com/office/drawing/2010/main" val="0"/>
-              </a:ext>
-              <a:ext uri="{96DAC541-7B7A-43D3-8B79-37D633B846F1}">
-                <asvg:svgBlip xmlns:asvg="http://schemas.microsoft.com/office/drawing/2016/SVG/main" r:embed="rId7"/>
-              </a:ext>
-            </a:extLst>
-          </a:blip>
-          <a:stretch>
-            <a:fillRect/>
-          </a:stretch>
-        </p:blipFill>
-        <p:spPr>
-          <a:xfrm>
-            <a:off x="5678573" y="2078326"/>
-            <a:ext cx="481208" cy="481208"/>
-          </a:xfrm>
-          <a:prstGeom prst="rect">
-            <a:avLst/>
-          </a:prstGeom>
-        </p:spPr>
-      </p:pic>
-      <p:sp>
-        <p:nvSpPr>
-          <p:cNvPr id="117" name="TextBox 116">
-            <a:extLst>
-              <a:ext uri="{FF2B5EF4-FFF2-40B4-BE49-F238E27FC236}">
-                <a16:creationId xmlns:a16="http://schemas.microsoft.com/office/drawing/2014/main" id="{9E2CAC69-AD71-7E77-6798-1746BED56387}"/>
-              </a:ext>
-            </a:extLst>
-          </p:cNvPr>
-          <p:cNvSpPr txBox="1"/>
-          <p:nvPr/>
-        </p:nvSpPr>
-        <p:spPr>
-          <a:xfrm>
-            <a:off x="5491475" y="1687408"/>
-            <a:ext cx="1211730" cy="430887"/>
-          </a:xfrm>
-          <a:prstGeom prst="rect">
-            <a:avLst/>
-          </a:prstGeom>
-          <a:noFill/>
-        </p:spPr>
-        <p:txBody>
-          <a:bodyPr wrap="square" rtlCol="0">
-            <a:spAutoFit/>
-          </a:bodyPr>
-          <a:lstStyle/>
+            <a:endParaRPr kumimoji="0" lang="en-US" sz="1400" b="1" i="0" u="none" strike="noStrike" kern="1200" cap="none" spc="0" normalizeH="0" baseline="0" noProof="0" dirty="0">
+              <a:ln>
+                <a:noFill/>
+              </a:ln>
+              <a:solidFill>
+                <a:prstClr val="black"/>
+              </a:solidFill>
+              <a:effectLst/>
+              <a:uLnTx/>
+              <a:uFillTx/>
+              <a:ea typeface="+mn-ea"/>
+              <a:cs typeface="+mn-cs"/>
+            </a:endParaRPr>
+          </a:p>
           <a:p>
             <a:pPr marL="0" marR="0" lvl="0" indent="0" algn="l" defTabSz="914400" rtl="0" eaLnBrk="1" fontAlgn="auto" latinLnBrk="0" hangingPunct="1">
               <a:lnSpc>
@@ -18170,6 +18013,412 @@
               <a:defRPr/>
             </a:pPr>
             <a:r>
+              <a:rPr kumimoji="0" lang="en-US" sz="1400" b="0" i="0" u="none" strike="noStrike" kern="1200" cap="none" spc="0" normalizeH="0" baseline="0" noProof="0" dirty="0">
+                <a:ln>
+                  <a:noFill/>
+                </a:ln>
+                <a:solidFill>
+                  <a:prstClr val="black"/>
+                </a:solidFill>
+                <a:effectLst/>
+                <a:uLnTx/>
+                <a:uFillTx/>
+                <a:ea typeface="+mn-ea"/>
+                <a:cs typeface="+mn-cs"/>
+              </a:rPr>
+              <a:t>OT System Controller LAN </a:t>
+            </a:r>
+            <a:endParaRPr kumimoji="0" lang="en-SG" sz="1400" b="0" i="0" u="none" strike="noStrike" kern="1200" cap="none" spc="0" normalizeH="0" baseline="0" noProof="0" dirty="0">
+              <a:ln>
+                <a:noFill/>
+              </a:ln>
+              <a:solidFill>
+                <a:prstClr val="black"/>
+              </a:solidFill>
+              <a:effectLst/>
+              <a:uLnTx/>
+              <a:uFillTx/>
+              <a:ea typeface="+mn-ea"/>
+              <a:cs typeface="+mn-cs"/>
+            </a:endParaRPr>
+          </a:p>
+        </p:txBody>
+      </p:sp>
+      <p:pic>
+        <p:nvPicPr>
+          <p:cNvPr id="109" name="Graphic 108" descr="Full Brick Wall with solid fill">
+            <a:extLst>
+              <a:ext uri="{FF2B5EF4-FFF2-40B4-BE49-F238E27FC236}">
+                <a16:creationId xmlns:a16="http://schemas.microsoft.com/office/drawing/2014/main" id="{A2D85CA5-5D9D-00D0-2555-23901893EE1D}"/>
+              </a:ext>
+            </a:extLst>
+          </p:cNvPr>
+          <p:cNvPicPr>
+            <a:picLocks noChangeAspect="1"/>
+          </p:cNvPicPr>
+          <p:nvPr/>
+        </p:nvPicPr>
+        <p:blipFill>
+          <a:blip r:embed="rId9">
+            <a:extLst>
+              <a:ext uri="{28A0092B-C50C-407E-A947-70E740481C1C}">
+                <a14:useLocalDpi xmlns:a14="http://schemas.microsoft.com/office/drawing/2010/main" val="0"/>
+              </a:ext>
+              <a:ext uri="{96DAC541-7B7A-43D3-8B79-37D633B846F1}">
+                <asvg:svgBlip xmlns:asvg="http://schemas.microsoft.com/office/drawing/2016/SVG/main" r:embed="rId10"/>
+              </a:ext>
+            </a:extLst>
+          </a:blip>
+          <a:stretch>
+            <a:fillRect/>
+          </a:stretch>
+        </p:blipFill>
+        <p:spPr>
+          <a:xfrm>
+            <a:off x="2682867" y="1378637"/>
+            <a:ext cx="418359" cy="418359"/>
+          </a:xfrm>
+          <a:prstGeom prst="rect">
+            <a:avLst/>
+          </a:prstGeom>
+        </p:spPr>
+      </p:pic>
+      <p:cxnSp>
+        <p:nvCxnSpPr>
+          <p:cNvPr id="110" name="Straight Connector 109">
+            <a:extLst>
+              <a:ext uri="{FF2B5EF4-FFF2-40B4-BE49-F238E27FC236}">
+                <a16:creationId xmlns:a16="http://schemas.microsoft.com/office/drawing/2014/main" id="{6E3F3224-64F6-0050-1324-4185109B9959}"/>
+              </a:ext>
+            </a:extLst>
+          </p:cNvPr>
+          <p:cNvCxnSpPr>
+            <a:cxnSpLocks/>
+          </p:cNvCxnSpPr>
+          <p:nvPr/>
+        </p:nvCxnSpPr>
+        <p:spPr>
+          <a:xfrm>
+            <a:off x="2892046" y="1620842"/>
+            <a:ext cx="0" cy="281333"/>
+          </a:xfrm>
+          <a:prstGeom prst="line">
+            <a:avLst/>
+          </a:prstGeom>
+          <a:ln w="19050">
+            <a:solidFill>
+              <a:schemeClr val="bg1"/>
+            </a:solidFill>
+          </a:ln>
+        </p:spPr>
+        <p:style>
+          <a:lnRef idx="1">
+            <a:schemeClr val="accent1"/>
+          </a:lnRef>
+          <a:fillRef idx="0">
+            <a:schemeClr val="accent1"/>
+          </a:fillRef>
+          <a:effectRef idx="0">
+            <a:schemeClr val="accent1"/>
+          </a:effectRef>
+          <a:fontRef idx="minor">
+            <a:schemeClr val="tx1"/>
+          </a:fontRef>
+        </p:style>
+      </p:cxnSp>
+      <p:pic>
+        <p:nvPicPr>
+          <p:cNvPr id="112" name="Graphic 111" descr="Ui Ux with solid fill">
+            <a:extLst>
+              <a:ext uri="{FF2B5EF4-FFF2-40B4-BE49-F238E27FC236}">
+                <a16:creationId xmlns:a16="http://schemas.microsoft.com/office/drawing/2014/main" id="{D53CA239-57C0-5F8E-9EEE-3B6DDEE5FD07}"/>
+              </a:ext>
+            </a:extLst>
+          </p:cNvPr>
+          <p:cNvPicPr>
+            <a:picLocks noChangeAspect="1"/>
+          </p:cNvPicPr>
+          <p:nvPr/>
+        </p:nvPicPr>
+        <p:blipFill>
+          <a:blip r:embed="rId11">
+            <a:extLst>
+              <a:ext uri="{28A0092B-C50C-407E-A947-70E740481C1C}">
+                <a14:useLocalDpi xmlns:a14="http://schemas.microsoft.com/office/drawing/2010/main" val="0"/>
+              </a:ext>
+              <a:ext uri="{96DAC541-7B7A-43D3-8B79-37D633B846F1}">
+                <asvg:svgBlip xmlns:asvg="http://schemas.microsoft.com/office/drawing/2016/SVG/main" r:embed="rId12"/>
+              </a:ext>
+            </a:extLst>
+          </a:blip>
+          <a:stretch>
+            <a:fillRect/>
+          </a:stretch>
+        </p:blipFill>
+        <p:spPr>
+          <a:xfrm>
+            <a:off x="3603249" y="2146530"/>
+            <a:ext cx="446421" cy="446421"/>
+          </a:xfrm>
+          <a:prstGeom prst="rect">
+            <a:avLst/>
+          </a:prstGeom>
+        </p:spPr>
+      </p:pic>
+      <p:sp>
+        <p:nvSpPr>
+          <p:cNvPr id="113" name="TextBox 112">
+            <a:extLst>
+              <a:ext uri="{FF2B5EF4-FFF2-40B4-BE49-F238E27FC236}">
+                <a16:creationId xmlns:a16="http://schemas.microsoft.com/office/drawing/2014/main" id="{28730F84-BBD4-A6FE-9744-D9C77144E6C7}"/>
+              </a:ext>
+            </a:extLst>
+          </p:cNvPr>
+          <p:cNvSpPr txBox="1"/>
+          <p:nvPr/>
+        </p:nvSpPr>
+        <p:spPr>
+          <a:xfrm>
+            <a:off x="3398862" y="1736188"/>
+            <a:ext cx="1213472" cy="430887"/>
+          </a:xfrm>
+          <a:prstGeom prst="rect">
+            <a:avLst/>
+          </a:prstGeom>
+          <a:noFill/>
+        </p:spPr>
+        <p:txBody>
+          <a:bodyPr wrap="square" rtlCol="0">
+            <a:spAutoFit/>
+          </a:bodyPr>
+          <a:lstStyle/>
+          <a:p>
+            <a:pPr marL="0" marR="0" lvl="0" indent="0" algn="l" defTabSz="914400" rtl="0" eaLnBrk="1" fontAlgn="auto" latinLnBrk="0" hangingPunct="1">
+              <a:lnSpc>
+                <a:spcPct val="100000"/>
+              </a:lnSpc>
+              <a:spcBef>
+                <a:spcPts val="0"/>
+              </a:spcBef>
+              <a:spcAft>
+                <a:spcPts val="0"/>
+              </a:spcAft>
+              <a:buClrTx/>
+              <a:buSzTx/>
+              <a:buFontTx/>
+              <a:buNone/>
+              <a:tabLst/>
+              <a:defRPr/>
+            </a:pPr>
+            <a:r>
+              <a:rPr kumimoji="0" lang="en-SG" sz="1100" b="0" i="0" u="none" strike="noStrike" kern="1200" cap="none" spc="0" normalizeH="0" baseline="0" noProof="0" dirty="0">
+                <a:ln>
+                  <a:noFill/>
+                </a:ln>
+                <a:solidFill>
+                  <a:prstClr val="white"/>
+                </a:solidFill>
+                <a:effectLst/>
+                <a:uLnTx/>
+                <a:uFillTx/>
+                <a:latin typeface="Calibri" panose="020F0502020204030204"/>
+                <a:ea typeface="+mn-ea"/>
+                <a:cs typeface="+mn-cs"/>
+              </a:rPr>
+              <a:t>Power System control HMI</a:t>
+            </a:r>
+          </a:p>
+        </p:txBody>
+      </p:sp>
+      <p:pic>
+        <p:nvPicPr>
+          <p:cNvPr id="114" name="Graphic 113" descr="Ui Ux with solid fill">
+            <a:extLst>
+              <a:ext uri="{FF2B5EF4-FFF2-40B4-BE49-F238E27FC236}">
+                <a16:creationId xmlns:a16="http://schemas.microsoft.com/office/drawing/2014/main" id="{22B3D35C-B1CE-55E7-276D-AE59422859A0}"/>
+              </a:ext>
+            </a:extLst>
+          </p:cNvPr>
+          <p:cNvPicPr>
+            <a:picLocks noChangeAspect="1"/>
+          </p:cNvPicPr>
+          <p:nvPr/>
+        </p:nvPicPr>
+        <p:blipFill>
+          <a:blip r:embed="rId11">
+            <a:extLst>
+              <a:ext uri="{28A0092B-C50C-407E-A947-70E740481C1C}">
+                <a14:useLocalDpi xmlns:a14="http://schemas.microsoft.com/office/drawing/2010/main" val="0"/>
+              </a:ext>
+              <a:ext uri="{96DAC541-7B7A-43D3-8B79-37D633B846F1}">
+                <asvg:svgBlip xmlns:asvg="http://schemas.microsoft.com/office/drawing/2016/SVG/main" r:embed="rId12"/>
+              </a:ext>
+            </a:extLst>
+          </a:blip>
+          <a:stretch>
+            <a:fillRect/>
+          </a:stretch>
+        </p:blipFill>
+        <p:spPr>
+          <a:xfrm>
+            <a:off x="4613449" y="2139970"/>
+            <a:ext cx="446421" cy="446421"/>
+          </a:xfrm>
+          <a:prstGeom prst="rect">
+            <a:avLst/>
+          </a:prstGeom>
+        </p:spPr>
+      </p:pic>
+      <p:sp>
+        <p:nvSpPr>
+          <p:cNvPr id="115" name="TextBox 114">
+            <a:extLst>
+              <a:ext uri="{FF2B5EF4-FFF2-40B4-BE49-F238E27FC236}">
+                <a16:creationId xmlns:a16="http://schemas.microsoft.com/office/drawing/2014/main" id="{6E1618EE-2587-3530-D605-1B42412F0103}"/>
+              </a:ext>
+            </a:extLst>
+          </p:cNvPr>
+          <p:cNvSpPr txBox="1"/>
+          <p:nvPr/>
+        </p:nvSpPr>
+        <p:spPr>
+          <a:xfrm>
+            <a:off x="4336691" y="1730089"/>
+            <a:ext cx="1213472" cy="430887"/>
+          </a:xfrm>
+          <a:prstGeom prst="rect">
+            <a:avLst/>
+          </a:prstGeom>
+          <a:noFill/>
+        </p:spPr>
+        <p:txBody>
+          <a:bodyPr wrap="square" rtlCol="0">
+            <a:spAutoFit/>
+          </a:bodyPr>
+          <a:lstStyle/>
+          <a:p>
+            <a:pPr marL="0" marR="0" lvl="0" indent="0" algn="l" defTabSz="914400" rtl="0" eaLnBrk="1" fontAlgn="auto" latinLnBrk="0" hangingPunct="1">
+              <a:lnSpc>
+                <a:spcPct val="100000"/>
+              </a:lnSpc>
+              <a:spcBef>
+                <a:spcPts val="0"/>
+              </a:spcBef>
+              <a:spcAft>
+                <a:spcPts val="0"/>
+              </a:spcAft>
+              <a:buClrTx/>
+              <a:buSzTx/>
+              <a:buFontTx/>
+              <a:buNone/>
+              <a:tabLst/>
+              <a:defRPr/>
+            </a:pPr>
+            <a:r>
+              <a:rPr kumimoji="0" lang="en-SG" sz="1100" b="0" i="0" u="none" strike="noStrike" kern="1200" cap="none" spc="0" normalizeH="0" baseline="0" noProof="0" dirty="0">
+                <a:ln>
+                  <a:noFill/>
+                </a:ln>
+                <a:solidFill>
+                  <a:prstClr val="white"/>
+                </a:solidFill>
+                <a:effectLst/>
+                <a:uLnTx/>
+                <a:uFillTx/>
+                <a:latin typeface="Calibri" panose="020F0502020204030204"/>
+                <a:ea typeface="+mn-ea"/>
+                <a:cs typeface="+mn-cs"/>
+              </a:rPr>
+              <a:t>Power System Monitor HMI</a:t>
+            </a:r>
+          </a:p>
+        </p:txBody>
+      </p:sp>
+      <p:pic>
+        <p:nvPicPr>
+          <p:cNvPr id="116" name="Graphic 115" descr="Computer with solid fill">
+            <a:extLst>
+              <a:ext uri="{FF2B5EF4-FFF2-40B4-BE49-F238E27FC236}">
+                <a16:creationId xmlns:a16="http://schemas.microsoft.com/office/drawing/2014/main" id="{BB73D3B8-B5E9-D594-1D9A-D82064B6BA07}"/>
+              </a:ext>
+            </a:extLst>
+          </p:cNvPr>
+          <p:cNvPicPr>
+            <a:picLocks noChangeAspect="1"/>
+          </p:cNvPicPr>
+          <p:nvPr/>
+        </p:nvPicPr>
+        <p:blipFill>
+          <a:blip r:embed="rId7">
+            <a:extLst>
+              <a:ext uri="{28A0092B-C50C-407E-A947-70E740481C1C}">
+                <a14:useLocalDpi xmlns:a14="http://schemas.microsoft.com/office/drawing/2010/main" val="0"/>
+              </a:ext>
+              <a:ext uri="{96DAC541-7B7A-43D3-8B79-37D633B846F1}">
+                <asvg:svgBlip xmlns:asvg="http://schemas.microsoft.com/office/drawing/2016/SVG/main" r:embed="rId8"/>
+              </a:ext>
+            </a:extLst>
+          </a:blip>
+          <a:stretch>
+            <a:fillRect/>
+          </a:stretch>
+        </p:blipFill>
+        <p:spPr>
+          <a:xfrm>
+            <a:off x="5678573" y="2139970"/>
+            <a:ext cx="481208" cy="481208"/>
+          </a:xfrm>
+          <a:prstGeom prst="rect">
+            <a:avLst/>
+          </a:prstGeom>
+        </p:spPr>
+      </p:pic>
+      <p:sp>
+        <p:nvSpPr>
+          <p:cNvPr id="117" name="TextBox 116">
+            <a:extLst>
+              <a:ext uri="{FF2B5EF4-FFF2-40B4-BE49-F238E27FC236}">
+                <a16:creationId xmlns:a16="http://schemas.microsoft.com/office/drawing/2014/main" id="{9E2CAC69-AD71-7E77-6798-1746BED56387}"/>
+              </a:ext>
+            </a:extLst>
+          </p:cNvPr>
+          <p:cNvSpPr txBox="1"/>
+          <p:nvPr/>
+        </p:nvSpPr>
+        <p:spPr>
+          <a:xfrm>
+            <a:off x="5491475" y="1749052"/>
+            <a:ext cx="1211730" cy="430887"/>
+          </a:xfrm>
+          <a:prstGeom prst="rect">
+            <a:avLst/>
+          </a:prstGeom>
+          <a:noFill/>
+        </p:spPr>
+        <p:txBody>
+          <a:bodyPr wrap="square" rtlCol="0">
+            <a:spAutoFit/>
+          </a:bodyPr>
+          <a:lstStyle/>
+          <a:p>
+            <a:pPr marL="0" marR="0" lvl="0" indent="0" algn="l" defTabSz="914400" rtl="0" eaLnBrk="1" fontAlgn="auto" latinLnBrk="0" hangingPunct="1">
+              <a:lnSpc>
+                <a:spcPct val="100000"/>
+              </a:lnSpc>
+              <a:spcBef>
+                <a:spcPts val="0"/>
+              </a:spcBef>
+              <a:spcAft>
+                <a:spcPts val="0"/>
+              </a:spcAft>
+              <a:buClrTx/>
+              <a:buSzTx/>
+              <a:buFontTx/>
+              <a:buNone/>
+              <a:tabLst/>
+              <a:defRPr/>
+            </a:pPr>
+            <a:r>
               <a:rPr kumimoji="0" lang="en-US" sz="1100" b="0" i="0" u="none" strike="noStrike" kern="1200" cap="none" spc="0" normalizeH="0" baseline="0" noProof="0" dirty="0">
                 <a:ln>
                   <a:noFill/>
@@ -18221,8 +18470,8 @@
         </p:nvCxnSpPr>
         <p:spPr>
           <a:xfrm rot="5400000" flipH="1" flipV="1">
-            <a:off x="2546306" y="2275513"/>
-            <a:ext cx="1024360" cy="1535948"/>
+            <a:off x="2577128" y="2306335"/>
+            <a:ext cx="962716" cy="1535948"/>
           </a:xfrm>
           <a:prstGeom prst="bentConnector3">
             <a:avLst>
@@ -18270,8 +18519,8 @@
         </p:nvCxnSpPr>
         <p:spPr>
           <a:xfrm rot="16200000" flipV="1">
-            <a:off x="3376641" y="2981127"/>
-            <a:ext cx="1016575" cy="116935"/>
+            <a:off x="3407463" y="3011949"/>
+            <a:ext cx="954931" cy="116935"/>
           </a:xfrm>
           <a:prstGeom prst="bentConnector3">
             <a:avLst>
@@ -18319,8 +18568,8 @@
         </p:nvCxnSpPr>
         <p:spPr>
           <a:xfrm rot="16200000" flipV="1">
-            <a:off x="4578339" y="1779428"/>
-            <a:ext cx="994006" cy="2497763"/>
+            <a:off x="4609161" y="1810250"/>
+            <a:ext cx="932362" cy="2497763"/>
           </a:xfrm>
           <a:prstGeom prst="bentConnector3">
             <a:avLst>
@@ -18367,13 +18616,13 @@
         </p:nvCxnSpPr>
         <p:spPr>
           <a:xfrm rot="5400000" flipH="1" flipV="1">
-            <a:off x="2951459" y="2473592"/>
-            <a:ext cx="1263706" cy="932716"/>
+            <a:off x="2982281" y="2504414"/>
+            <a:ext cx="1202062" cy="932716"/>
           </a:xfrm>
           <a:prstGeom prst="bentConnector4">
             <a:avLst>
-              <a:gd name="adj1" fmla="val 34284"/>
-              <a:gd name="adj2" fmla="val 117040"/>
+              <a:gd name="adj1" fmla="val 35685"/>
+              <a:gd name="adj2" fmla="val 124509"/>
             </a:avLst>
           </a:prstGeom>
           <a:ln>
@@ -18410,17 +18659,20 @@
             </a:extLst>
           </p:cNvPr>
           <p:cNvCxnSpPr>
+            <a:cxnSpLocks/>
             <a:endCxn id="48" idx="0"/>
           </p:cNvCxnSpPr>
           <p:nvPr/>
         </p:nvCxnSpPr>
         <p:spPr>
-          <a:xfrm>
-            <a:off x="4158337" y="3140721"/>
-            <a:ext cx="500167" cy="414945"/>
-          </a:xfrm>
-          <a:prstGeom prst="bentConnector2">
-            <a:avLst/>
+          <a:xfrm rot="16200000" flipH="1">
+            <a:off x="4259069" y="3156230"/>
+            <a:ext cx="414945" cy="383926"/>
+          </a:xfrm>
+          <a:prstGeom prst="bentConnector3">
+            <a:avLst>
+              <a:gd name="adj1" fmla="val 2956"/>
+            </a:avLst>
           </a:prstGeom>
           <a:ln>
             <a:solidFill>
@@ -18507,7 +18759,7 @@
         </p:nvCxnSpPr>
         <p:spPr>
           <a:xfrm>
-            <a:off x="2892046" y="2105431"/>
+            <a:off x="2892046" y="2167075"/>
             <a:ext cx="0" cy="272009"/>
           </a:xfrm>
           <a:prstGeom prst="line">
@@ -18550,7 +18802,7 @@
         </p:nvCxnSpPr>
         <p:spPr>
           <a:xfrm>
-            <a:off x="2892046" y="2377440"/>
+            <a:off x="2892046" y="2439084"/>
             <a:ext cx="718164" cy="0"/>
           </a:xfrm>
           <a:prstGeom prst="line">
@@ -18593,7 +18845,7 @@
         </p:nvCxnSpPr>
         <p:spPr>
           <a:xfrm>
-            <a:off x="3041799" y="1550489"/>
+            <a:off x="3041799" y="1612133"/>
             <a:ext cx="2449676" cy="8709"/>
           </a:xfrm>
           <a:prstGeom prst="line">
@@ -18636,7 +18888,7 @@
         </p:nvCxnSpPr>
         <p:spPr>
           <a:xfrm>
-            <a:off x="4351765" y="1661790"/>
+            <a:off x="4351765" y="1723434"/>
             <a:ext cx="0" cy="657140"/>
           </a:xfrm>
           <a:prstGeom prst="line">
@@ -18680,7 +18932,7 @@
         </p:nvCxnSpPr>
         <p:spPr>
           <a:xfrm>
-            <a:off x="4351765" y="2299388"/>
+            <a:off x="4351765" y="2361032"/>
             <a:ext cx="261684" cy="2149"/>
           </a:xfrm>
           <a:prstGeom prst="line">
@@ -18723,7 +18975,7 @@
         </p:nvCxnSpPr>
         <p:spPr>
           <a:xfrm>
-            <a:off x="5491475" y="1559197"/>
+            <a:off x="5491475" y="1620841"/>
             <a:ext cx="0" cy="748899"/>
           </a:xfrm>
           <a:prstGeom prst="line">
@@ -18766,7 +19018,7 @@
         </p:nvCxnSpPr>
         <p:spPr>
           <a:xfrm>
-            <a:off x="5337231" y="1412332"/>
+            <a:off x="5337231" y="1473976"/>
             <a:ext cx="0" cy="1147202"/>
           </a:xfrm>
           <a:prstGeom prst="line">
@@ -18810,7 +19062,7 @@
         </p:nvCxnSpPr>
         <p:spPr>
           <a:xfrm>
-            <a:off x="5496975" y="2296898"/>
+            <a:off x="5496975" y="2358542"/>
             <a:ext cx="168489" cy="2149"/>
           </a:xfrm>
           <a:prstGeom prst="line">
@@ -18853,7 +19105,7 @@
         </p:nvCxnSpPr>
         <p:spPr>
           <a:xfrm>
-            <a:off x="3144035" y="1972135"/>
+            <a:off x="3144035" y="2033779"/>
             <a:ext cx="133455" cy="0"/>
           </a:xfrm>
           <a:prstGeom prst="line">
@@ -18896,7 +19148,7 @@
         </p:nvCxnSpPr>
         <p:spPr>
           <a:xfrm>
-            <a:off x="3266743" y="1651027"/>
+            <a:off x="3266743" y="1712671"/>
             <a:ext cx="0" cy="325586"/>
           </a:xfrm>
           <a:prstGeom prst="line">
@@ -18939,7 +19191,7 @@
         </p:nvCxnSpPr>
         <p:spPr>
           <a:xfrm>
-            <a:off x="3277490" y="1651027"/>
+            <a:off x="3277490" y="1712671"/>
             <a:ext cx="1087385" cy="0"/>
           </a:xfrm>
           <a:prstGeom prst="line">
@@ -18980,7 +19232,7 @@
         </p:nvSpPr>
         <p:spPr>
           <a:xfrm>
-            <a:off x="876731" y="577378"/>
+            <a:off x="848795" y="680686"/>
             <a:ext cx="5662481" cy="646331"/>
           </a:xfrm>
           <a:prstGeom prst="rect">
@@ -19114,7 +19366,33 @@
                 <a:ea typeface="+mn-ea"/>
                 <a:cs typeface="+mn-cs"/>
               </a:rPr>
-              <a:t>Mini Power System Cyber Security Test Platform</a:t>
+              <a:t>Mini OT</a:t>
+            </a:r>
+            <a:r>
+              <a:rPr lang="en-US" b="1" dirty="0">
+                <a:solidFill>
+                  <a:prstClr val="white"/>
+                </a:solidFill>
+                <a:latin typeface="Calibri" panose="020F0502020204030204"/>
+              </a:rPr>
+              <a:t>-</a:t>
+            </a:r>
+            <a:r>
+              <a:rPr kumimoji="0" lang="en-US" sz="1800" b="1" i="0" u="none" strike="noStrike" kern="1200" cap="none" spc="0" normalizeH="0" baseline="0" noProof="0" dirty="0">
+                <a:ln>
+                  <a:noFill/>
+                </a:ln>
+                <a:solidFill>
+                  <a:prstClr val="white"/>
+                </a:solidFill>
+                <a:effectLst/>
+                <a:uLnTx/>
+                <a:uFillTx/>
+                <a:latin typeface="Calibri" panose="020F0502020204030204"/>
+                <a:ea typeface="+mn-ea"/>
+                <a:cs typeface="+mn-cs"/>
+              </a:rPr>
+              <a:t>Power-System Cyber Security Test Platform</a:t>
             </a:r>
           </a:p>
         </p:txBody>
@@ -19134,7 +19412,7 @@
           <p:nvPr/>
         </p:nvPicPr>
         <p:blipFill>
-          <a:blip r:embed="rId12"/>
+          <a:blip r:embed="rId13"/>
           <a:stretch>
             <a:fillRect/>
           </a:stretch>
@@ -19170,7 +19448,7 @@
         </p:nvSpPr>
         <p:spPr>
           <a:xfrm>
-            <a:off x="7018022" y="3732726"/>
+            <a:off x="7011998" y="3762250"/>
             <a:ext cx="2752995" cy="261610"/>
           </a:xfrm>
           <a:prstGeom prst="rect">
@@ -19294,13 +19572,13 @@
           <p:nvPr/>
         </p:nvPicPr>
         <p:blipFill>
-          <a:blip r:embed="rId4">
+          <a:blip r:embed="rId5">
             <a:extLst>
               <a:ext uri="{28A0092B-C50C-407E-A947-70E740481C1C}">
                 <a14:useLocalDpi xmlns:a14="http://schemas.microsoft.com/office/drawing/2010/main" val="0"/>
               </a:ext>
               <a:ext uri="{96DAC541-7B7A-43D3-8B79-37D633B846F1}">
-                <asvg:svgBlip xmlns:asvg="http://schemas.microsoft.com/office/drawing/2016/SVG/main" r:embed="rId5"/>
+                <asvg:svgBlip xmlns:asvg="http://schemas.microsoft.com/office/drawing/2016/SVG/main" r:embed="rId6"/>
               </a:ext>
             </a:extLst>
           </a:blip>
@@ -19310,7 +19588,7 @@
         </p:blipFill>
         <p:spPr>
           <a:xfrm>
-            <a:off x="8585478" y="3231505"/>
+            <a:off x="8585478" y="3282875"/>
             <a:ext cx="440455" cy="430882"/>
           </a:xfrm>
           <a:prstGeom prst="rect">
@@ -19332,8 +19610,8 @@
         </p:nvSpPr>
         <p:spPr>
           <a:xfrm>
-            <a:off x="9037967" y="3213556"/>
-            <a:ext cx="791136" cy="430887"/>
+            <a:off x="9037967" y="3264926"/>
+            <a:ext cx="977516" cy="430887"/>
           </a:xfrm>
           <a:prstGeom prst="rect">
             <a:avLst/>
@@ -19364,6 +19642,15 @@
               <a:defRPr/>
             </a:pPr>
             <a:r>
+              <a:rPr lang="en-US" sz="1100" b="1" dirty="0">
+                <a:solidFill>
+                  <a:srgbClr val="F4C54F"/>
+                </a:solidFill>
+                <a:latin typeface="Calibri" panose="020F0502020204030204"/>
+              </a:rPr>
+              <a:t>Electrical </a:t>
+            </a:r>
+            <a:r>
               <a:rPr kumimoji="0" lang="en-US" sz="1100" b="1" i="0" u="none" strike="noStrike" kern="1200" cap="none" spc="0" normalizeH="0" baseline="0" noProof="0" dirty="0">
                 <a:ln>
                   <a:noFill/>
@@ -19448,14 +19735,14 @@
           <p:nvPr/>
         </p:nvPicPr>
         <p:blipFill>
-          <a:blip r:embed="rId13"/>
+          <a:blip r:embed="rId14"/>
           <a:stretch>
             <a:fillRect/>
           </a:stretch>
         </p:blipFill>
         <p:spPr>
           <a:xfrm>
-            <a:off x="7040255" y="833779"/>
+            <a:off x="7040255" y="864601"/>
             <a:ext cx="3197017" cy="1830292"/>
           </a:xfrm>
           <a:prstGeom prst="rect">
@@ -19589,6 +19876,405 @@
           </a:fontRef>
         </p:style>
       </p:cxnSp>
+      <p:sp>
+        <p:nvSpPr>
+          <p:cNvPr id="2" name="TextBox 1">
+            <a:extLst>
+              <a:ext uri="{FF2B5EF4-FFF2-40B4-BE49-F238E27FC236}">
+                <a16:creationId xmlns:a16="http://schemas.microsoft.com/office/drawing/2014/main" id="{2ED120C1-30E4-4A67-9A4E-1C88386F8115}"/>
+              </a:ext>
+            </a:extLst>
+          </p:cNvPr>
+          <p:cNvSpPr txBox="1"/>
+          <p:nvPr/>
+        </p:nvSpPr>
+        <p:spPr>
+          <a:xfrm>
+            <a:off x="3017436" y="2652779"/>
+            <a:ext cx="943086" cy="276999"/>
+          </a:xfrm>
+          <a:prstGeom prst="rect">
+            <a:avLst/>
+          </a:prstGeom>
+          <a:noFill/>
+        </p:spPr>
+        <p:txBody>
+          <a:bodyPr wrap="square" rtlCol="0">
+            <a:spAutoFit/>
+          </a:bodyPr>
+          <a:lstStyle/>
+          <a:p>
+            <a:r>
+              <a:rPr lang="en-US" sz="1200" b="1" dirty="0">
+                <a:solidFill>
+                  <a:srgbClr val="FF0000"/>
+                </a:solidFill>
+              </a:rPr>
+              <a:t>Modbus </a:t>
+            </a:r>
+            <a:endParaRPr lang="en-SG" sz="1200" b="1" dirty="0">
+              <a:solidFill>
+                <a:srgbClr val="FF0000"/>
+              </a:solidFill>
+            </a:endParaRPr>
+          </a:p>
+        </p:txBody>
+      </p:sp>
+      <p:sp>
+        <p:nvSpPr>
+          <p:cNvPr id="3" name="TextBox 2">
+            <a:extLst>
+              <a:ext uri="{FF2B5EF4-FFF2-40B4-BE49-F238E27FC236}">
+                <a16:creationId xmlns:a16="http://schemas.microsoft.com/office/drawing/2014/main" id="{A86DB5B8-F781-231C-D53E-325A505C1E72}"/>
+              </a:ext>
+            </a:extLst>
+          </p:cNvPr>
+          <p:cNvSpPr txBox="1"/>
+          <p:nvPr/>
+        </p:nvSpPr>
+        <p:spPr>
+          <a:xfrm>
+            <a:off x="4298168" y="2660204"/>
+            <a:ext cx="943086" cy="276999"/>
+          </a:xfrm>
+          <a:prstGeom prst="rect">
+            <a:avLst/>
+          </a:prstGeom>
+          <a:noFill/>
+        </p:spPr>
+        <p:txBody>
+          <a:bodyPr wrap="square" rtlCol="0">
+            <a:spAutoFit/>
+          </a:bodyPr>
+          <a:lstStyle/>
+          <a:p>
+            <a:r>
+              <a:rPr lang="en-US" sz="1200" b="1" dirty="0">
+                <a:solidFill>
+                  <a:srgbClr val="92D050"/>
+                </a:solidFill>
+              </a:rPr>
+              <a:t>S7Comm</a:t>
+            </a:r>
+            <a:r>
+              <a:rPr lang="en-US" sz="1200" b="1" dirty="0">
+                <a:solidFill>
+                  <a:srgbClr val="FF0000"/>
+                </a:solidFill>
+              </a:rPr>
+              <a:t>  </a:t>
+            </a:r>
+            <a:endParaRPr lang="en-SG" sz="1200" b="1" dirty="0">
+              <a:solidFill>
+                <a:srgbClr val="FF0000"/>
+              </a:solidFill>
+            </a:endParaRPr>
+          </a:p>
+        </p:txBody>
+      </p:sp>
+      <p:cxnSp>
+        <p:nvCxnSpPr>
+          <p:cNvPr id="24" name="Straight Arrow Connector 23">
+            <a:extLst>
+              <a:ext uri="{FF2B5EF4-FFF2-40B4-BE49-F238E27FC236}">
+                <a16:creationId xmlns:a16="http://schemas.microsoft.com/office/drawing/2014/main" id="{4E3C9B96-6012-8A73-20F5-174EDE1C9D2D}"/>
+              </a:ext>
+            </a:extLst>
+          </p:cNvPr>
+          <p:cNvCxnSpPr>
+            <a:cxnSpLocks/>
+          </p:cNvCxnSpPr>
+          <p:nvPr/>
+        </p:nvCxnSpPr>
+        <p:spPr>
+          <a:xfrm>
+            <a:off x="2392440" y="4046776"/>
+            <a:ext cx="0" cy="540283"/>
+          </a:xfrm>
+          <a:prstGeom prst="straightConnector1">
+            <a:avLst/>
+          </a:prstGeom>
+          <a:ln>
+            <a:solidFill>
+              <a:schemeClr val="tx2">
+                <a:lumMod val="75000"/>
+                <a:lumOff val="25000"/>
+              </a:schemeClr>
+            </a:solidFill>
+            <a:tailEnd type="triangle"/>
+          </a:ln>
+        </p:spPr>
+        <p:style>
+          <a:lnRef idx="2">
+            <a:schemeClr val="accent1"/>
+          </a:lnRef>
+          <a:fillRef idx="0">
+            <a:schemeClr val="accent1"/>
+          </a:fillRef>
+          <a:effectRef idx="1">
+            <a:schemeClr val="accent1"/>
+          </a:effectRef>
+          <a:fontRef idx="minor">
+            <a:schemeClr val="tx1"/>
+          </a:fontRef>
+        </p:style>
+      </p:cxnSp>
+      <p:cxnSp>
+        <p:nvCxnSpPr>
+          <p:cNvPr id="31" name="Straight Arrow Connector 30">
+            <a:extLst>
+              <a:ext uri="{FF2B5EF4-FFF2-40B4-BE49-F238E27FC236}">
+                <a16:creationId xmlns:a16="http://schemas.microsoft.com/office/drawing/2014/main" id="{0D438C33-36E4-45F3-A911-9CEC9C5BC170}"/>
+              </a:ext>
+            </a:extLst>
+          </p:cNvPr>
+          <p:cNvCxnSpPr>
+            <a:cxnSpLocks/>
+          </p:cNvCxnSpPr>
+          <p:nvPr/>
+        </p:nvCxnSpPr>
+        <p:spPr>
+          <a:xfrm>
+            <a:off x="4049670" y="4046775"/>
+            <a:ext cx="0" cy="540283"/>
+          </a:xfrm>
+          <a:prstGeom prst="straightConnector1">
+            <a:avLst/>
+          </a:prstGeom>
+          <a:ln>
+            <a:solidFill>
+              <a:schemeClr val="tx2">
+                <a:lumMod val="75000"/>
+                <a:lumOff val="25000"/>
+              </a:schemeClr>
+            </a:solidFill>
+            <a:tailEnd type="triangle"/>
+          </a:ln>
+        </p:spPr>
+        <p:style>
+          <a:lnRef idx="2">
+            <a:schemeClr val="accent1"/>
+          </a:lnRef>
+          <a:fillRef idx="0">
+            <a:schemeClr val="accent1"/>
+          </a:fillRef>
+          <a:effectRef idx="1">
+            <a:schemeClr val="accent1"/>
+          </a:effectRef>
+          <a:fontRef idx="minor">
+            <a:schemeClr val="tx1"/>
+          </a:fontRef>
+        </p:style>
+      </p:cxnSp>
+      <p:cxnSp>
+        <p:nvCxnSpPr>
+          <p:cNvPr id="33" name="Straight Arrow Connector 32">
+            <a:extLst>
+              <a:ext uri="{FF2B5EF4-FFF2-40B4-BE49-F238E27FC236}">
+                <a16:creationId xmlns:a16="http://schemas.microsoft.com/office/drawing/2014/main" id="{F7B12F0C-DFD8-1D1F-8F04-45597095462A}"/>
+              </a:ext>
+            </a:extLst>
+          </p:cNvPr>
+          <p:cNvCxnSpPr>
+            <a:cxnSpLocks/>
+          </p:cNvCxnSpPr>
+          <p:nvPr/>
+        </p:nvCxnSpPr>
+        <p:spPr>
+          <a:xfrm>
+            <a:off x="6180329" y="4046775"/>
+            <a:ext cx="0" cy="540283"/>
+          </a:xfrm>
+          <a:prstGeom prst="straightConnector1">
+            <a:avLst/>
+          </a:prstGeom>
+          <a:ln>
+            <a:solidFill>
+              <a:schemeClr val="tx2">
+                <a:lumMod val="75000"/>
+                <a:lumOff val="25000"/>
+              </a:schemeClr>
+            </a:solidFill>
+            <a:tailEnd type="triangle"/>
+          </a:ln>
+        </p:spPr>
+        <p:style>
+          <a:lnRef idx="2">
+            <a:schemeClr val="accent1"/>
+          </a:lnRef>
+          <a:fillRef idx="0">
+            <a:schemeClr val="accent1"/>
+          </a:fillRef>
+          <a:effectRef idx="1">
+            <a:schemeClr val="accent1"/>
+          </a:effectRef>
+          <a:fontRef idx="minor">
+            <a:schemeClr val="tx1"/>
+          </a:fontRef>
+        </p:style>
+      </p:cxnSp>
+      <p:pic>
+        <p:nvPicPr>
+          <p:cNvPr id="38" name="Graphic 37" descr="Web design with solid fill">
+            <a:extLst>
+              <a:ext uri="{FF2B5EF4-FFF2-40B4-BE49-F238E27FC236}">
+                <a16:creationId xmlns:a16="http://schemas.microsoft.com/office/drawing/2014/main" id="{2EDAE1AE-43C2-1B7B-C1AB-D652FCCB938B}"/>
+              </a:ext>
+            </a:extLst>
+          </p:cNvPr>
+          <p:cNvPicPr>
+            <a:picLocks noChangeAspect="1"/>
+          </p:cNvPicPr>
+          <p:nvPr/>
+        </p:nvPicPr>
+        <p:blipFill>
+          <a:blip r:embed="rId5">
+            <a:extLst>
+              <a:ext uri="{28A0092B-C50C-407E-A947-70E740481C1C}">
+                <a14:useLocalDpi xmlns:a14="http://schemas.microsoft.com/office/drawing/2010/main" val="0"/>
+              </a:ext>
+              <a:ext uri="{96DAC541-7B7A-43D3-8B79-37D633B846F1}">
+                <asvg:svgBlip xmlns:asvg="http://schemas.microsoft.com/office/drawing/2016/SVG/main" r:embed="rId6"/>
+              </a:ext>
+            </a:extLst>
+          </a:blip>
+          <a:stretch>
+            <a:fillRect/>
+          </a:stretch>
+        </p:blipFill>
+        <p:spPr>
+          <a:xfrm>
+            <a:off x="8594927" y="2777499"/>
+            <a:ext cx="440455" cy="430882"/>
+          </a:xfrm>
+          <a:prstGeom prst="rect">
+            <a:avLst/>
+          </a:prstGeom>
+        </p:spPr>
+      </p:pic>
+      <p:sp>
+        <p:nvSpPr>
+          <p:cNvPr id="39" name="TextBox 38">
+            <a:extLst>
+              <a:ext uri="{FF2B5EF4-FFF2-40B4-BE49-F238E27FC236}">
+                <a16:creationId xmlns:a16="http://schemas.microsoft.com/office/drawing/2014/main" id="{DC8B9CB8-A83F-7261-AAC5-2A78F32E8259}"/>
+              </a:ext>
+            </a:extLst>
+          </p:cNvPr>
+          <p:cNvSpPr txBox="1"/>
+          <p:nvPr/>
+        </p:nvSpPr>
+        <p:spPr>
+          <a:xfrm>
+            <a:off x="9056259" y="2769585"/>
+            <a:ext cx="977516" cy="430887"/>
+          </a:xfrm>
+          <a:prstGeom prst="rect">
+            <a:avLst/>
+          </a:prstGeom>
+          <a:noFill/>
+        </p:spPr>
+        <p:txBody>
+          <a:bodyPr wrap="square" rtlCol="0">
+            <a:spAutoFit/>
+          </a:bodyPr>
+          <a:lstStyle/>
+          <a:p>
+            <a:pPr marL="0" marR="0" lvl="0" indent="0" algn="l" defTabSz="914400" rtl="0" eaLnBrk="1" fontAlgn="auto" latinLnBrk="0" hangingPunct="1">
+              <a:lnSpc>
+                <a:spcPct val="100000"/>
+              </a:lnSpc>
+              <a:spcBef>
+                <a:spcPts val="0"/>
+              </a:spcBef>
+              <a:spcAft>
+                <a:spcPts val="0"/>
+              </a:spcAft>
+              <a:buClrTx/>
+              <a:buSzTx/>
+              <a:buFontTx/>
+              <a:buNone/>
+              <a:tabLst/>
+              <a:defRPr/>
+            </a:pPr>
+            <a:r>
+              <a:rPr kumimoji="0" lang="en-US" sz="1100" b="1" i="0" u="none" strike="noStrike" kern="1200" cap="none" spc="0" normalizeH="0" baseline="0" noProof="0" dirty="0">
+                <a:ln>
+                  <a:noFill/>
+                </a:ln>
+                <a:solidFill>
+                  <a:srgbClr val="F4C54F"/>
+                </a:solidFill>
+                <a:effectLst/>
+                <a:uLnTx/>
+                <a:uFillTx/>
+                <a:latin typeface="Calibri" panose="020F0502020204030204"/>
+                <a:ea typeface="+mn-ea"/>
+                <a:cs typeface="+mn-cs"/>
+              </a:rPr>
+              <a:t>Power Link Interface </a:t>
+            </a:r>
+            <a:endParaRPr kumimoji="0" lang="en-SG" sz="1100" b="1" i="0" u="none" strike="noStrike" kern="1200" cap="none" spc="0" normalizeH="0" baseline="0" noProof="0" dirty="0">
+              <a:ln>
+                <a:noFill/>
+              </a:ln>
+              <a:solidFill>
+                <a:srgbClr val="F4C54F"/>
+              </a:solidFill>
+              <a:effectLst/>
+              <a:uLnTx/>
+              <a:uFillTx/>
+              <a:latin typeface="Calibri" panose="020F0502020204030204"/>
+              <a:ea typeface="+mn-ea"/>
+              <a:cs typeface="+mn-cs"/>
+            </a:endParaRPr>
+          </a:p>
+        </p:txBody>
+      </p:sp>
+      <p:sp>
+        <p:nvSpPr>
+          <p:cNvPr id="21" name="TextBox 20">
+            <a:extLst>
+              <a:ext uri="{FF2B5EF4-FFF2-40B4-BE49-F238E27FC236}">
+                <a16:creationId xmlns:a16="http://schemas.microsoft.com/office/drawing/2014/main" id="{D2DF0F18-07B2-BDEF-7CEB-31E7C71DD3A0}"/>
+              </a:ext>
+            </a:extLst>
+          </p:cNvPr>
+          <p:cNvSpPr txBox="1"/>
+          <p:nvPr/>
+        </p:nvSpPr>
+        <p:spPr>
+          <a:xfrm>
+            <a:off x="2585908" y="4222898"/>
+            <a:ext cx="2198527" cy="276999"/>
+          </a:xfrm>
+          <a:prstGeom prst="rect">
+            <a:avLst/>
+          </a:prstGeom>
+          <a:noFill/>
+        </p:spPr>
+        <p:txBody>
+          <a:bodyPr wrap="square" rtlCol="0">
+            <a:spAutoFit/>
+          </a:bodyPr>
+          <a:lstStyle/>
+          <a:p>
+            <a:r>
+              <a:rPr lang="en-US" sz="1200" b="1" dirty="0">
+                <a:solidFill>
+                  <a:srgbClr val="00B0F0"/>
+                </a:solidFill>
+              </a:rPr>
+              <a:t>Simulated Electrical signal    </a:t>
+            </a:r>
+            <a:endParaRPr lang="en-SG" sz="1200" b="1" dirty="0">
+              <a:solidFill>
+                <a:srgbClr val="00B0F0"/>
+              </a:solidFill>
+            </a:endParaRPr>
+          </a:p>
+        </p:txBody>
+      </p:sp>
     </p:spTree>
     <p:extLst>
       <p:ext uri="{BB962C8B-B14F-4D97-AF65-F5344CB8AC3E}">

--- a/designDoc/designDoc.pptx
+++ b/designDoc/designDoc.pptx
@@ -5,13 +5,14 @@
     <p:sldMasterId id="2147483648" r:id="rId1"/>
   </p:sldMasterIdLst>
   <p:notesMasterIdLst>
-    <p:notesMasterId r:id="rId6"/>
+    <p:notesMasterId r:id="rId7"/>
   </p:notesMasterIdLst>
   <p:sldIdLst>
     <p:sldId id="256" r:id="rId2"/>
     <p:sldId id="257" r:id="rId3"/>
     <p:sldId id="259" r:id="rId4"/>
     <p:sldId id="258" r:id="rId5"/>
+    <p:sldId id="260" r:id="rId6"/>
   </p:sldIdLst>
   <p:sldSz cx="12192000" cy="6858000"/>
   <p:notesSz cx="6858000" cy="9144000"/>
@@ -200,7 +201,7 @@
           <a:p>
             <a:fld id="{60A58DA9-13FF-4A44-80CD-EC4A25FA80B4}" type="datetimeFigureOut">
               <a:rPr lang="en-SG" smtClean="0"/>
-              <a:t>20/9/2024</a:t>
+              <a:t>10/10/2024</a:t>
             </a:fld>
             <a:endParaRPr lang="en-SG"/>
           </a:p>
@@ -701,7 +702,7 @@
           <a:p>
             <a:fld id="{DAB0784D-3A10-485A-BA3A-AF2134252110}" type="datetimeFigureOut">
               <a:rPr lang="en-SG" smtClean="0"/>
-              <a:t>20/9/2024</a:t>
+              <a:t>10/10/2024</a:t>
             </a:fld>
             <a:endParaRPr lang="en-SG"/>
           </a:p>
@@ -901,7 +902,7 @@
           <a:p>
             <a:fld id="{DAB0784D-3A10-485A-BA3A-AF2134252110}" type="datetimeFigureOut">
               <a:rPr lang="en-SG" smtClean="0"/>
-              <a:t>20/9/2024</a:t>
+              <a:t>10/10/2024</a:t>
             </a:fld>
             <a:endParaRPr lang="en-SG"/>
           </a:p>
@@ -1111,7 +1112,7 @@
           <a:p>
             <a:fld id="{DAB0784D-3A10-485A-BA3A-AF2134252110}" type="datetimeFigureOut">
               <a:rPr lang="en-SG" smtClean="0"/>
-              <a:t>20/9/2024</a:t>
+              <a:t>10/10/2024</a:t>
             </a:fld>
             <a:endParaRPr lang="en-SG"/>
           </a:p>
@@ -1311,7 +1312,7 @@
           <a:p>
             <a:fld id="{DAB0784D-3A10-485A-BA3A-AF2134252110}" type="datetimeFigureOut">
               <a:rPr lang="en-SG" smtClean="0"/>
-              <a:t>20/9/2024</a:t>
+              <a:t>10/10/2024</a:t>
             </a:fld>
             <a:endParaRPr lang="en-SG"/>
           </a:p>
@@ -1587,7 +1588,7 @@
           <a:p>
             <a:fld id="{DAB0784D-3A10-485A-BA3A-AF2134252110}" type="datetimeFigureOut">
               <a:rPr lang="en-SG" smtClean="0"/>
-              <a:t>20/9/2024</a:t>
+              <a:t>10/10/2024</a:t>
             </a:fld>
             <a:endParaRPr lang="en-SG"/>
           </a:p>
@@ -1855,7 +1856,7 @@
           <a:p>
             <a:fld id="{DAB0784D-3A10-485A-BA3A-AF2134252110}" type="datetimeFigureOut">
               <a:rPr lang="en-SG" smtClean="0"/>
-              <a:t>20/9/2024</a:t>
+              <a:t>10/10/2024</a:t>
             </a:fld>
             <a:endParaRPr lang="en-SG"/>
           </a:p>
@@ -2270,7 +2271,7 @@
           <a:p>
             <a:fld id="{DAB0784D-3A10-485A-BA3A-AF2134252110}" type="datetimeFigureOut">
               <a:rPr lang="en-SG" smtClean="0"/>
-              <a:t>20/9/2024</a:t>
+              <a:t>10/10/2024</a:t>
             </a:fld>
             <a:endParaRPr lang="en-SG"/>
           </a:p>
@@ -2412,7 +2413,7 @@
           <a:p>
             <a:fld id="{DAB0784D-3A10-485A-BA3A-AF2134252110}" type="datetimeFigureOut">
               <a:rPr lang="en-SG" smtClean="0"/>
-              <a:t>20/9/2024</a:t>
+              <a:t>10/10/2024</a:t>
             </a:fld>
             <a:endParaRPr lang="en-SG"/>
           </a:p>
@@ -2525,7 +2526,7 @@
           <a:p>
             <a:fld id="{DAB0784D-3A10-485A-BA3A-AF2134252110}" type="datetimeFigureOut">
               <a:rPr lang="en-SG" smtClean="0"/>
-              <a:t>20/9/2024</a:t>
+              <a:t>10/10/2024</a:t>
             </a:fld>
             <a:endParaRPr lang="en-SG"/>
           </a:p>
@@ -2838,7 +2839,7 @@
           <a:p>
             <a:fld id="{DAB0784D-3A10-485A-BA3A-AF2134252110}" type="datetimeFigureOut">
               <a:rPr lang="en-SG" smtClean="0"/>
-              <a:t>20/9/2024</a:t>
+              <a:t>10/10/2024</a:t>
             </a:fld>
             <a:endParaRPr lang="en-SG"/>
           </a:p>
@@ -3127,7 +3128,7 @@
           <a:p>
             <a:fld id="{DAB0784D-3A10-485A-BA3A-AF2134252110}" type="datetimeFigureOut">
               <a:rPr lang="en-SG" smtClean="0"/>
-              <a:t>20/9/2024</a:t>
+              <a:t>10/10/2024</a:t>
             </a:fld>
             <a:endParaRPr lang="en-SG"/>
           </a:p>
@@ -3370,7 +3371,7 @@
           <a:p>
             <a:fld id="{DAB0784D-3A10-485A-BA3A-AF2134252110}" type="datetimeFigureOut">
               <a:rPr lang="en-SG" smtClean="0"/>
-              <a:t>20/9/2024</a:t>
+              <a:t>10/10/2024</a:t>
             </a:fld>
             <a:endParaRPr lang="en-SG"/>
           </a:p>
@@ -20721,10 +20722,2206 @@
           </a:fontRef>
         </p:style>
       </p:cxnSp>
+      <p:pic>
+        <p:nvPicPr>
+          <p:cNvPr id="6" name="Picture 5" descr="A building with solar panels&#10;&#10;Description automatically generated">
+            <a:extLst>
+              <a:ext uri="{FF2B5EF4-FFF2-40B4-BE49-F238E27FC236}">
+                <a16:creationId xmlns:a16="http://schemas.microsoft.com/office/drawing/2014/main" id="{5EA7424C-DF1A-F3EC-854E-AAC1D6004C86}"/>
+              </a:ext>
+            </a:extLst>
+          </p:cNvPr>
+          <p:cNvPicPr>
+            <a:picLocks noChangeAspect="1"/>
+          </p:cNvPicPr>
+          <p:nvPr/>
+        </p:nvPicPr>
+        <p:blipFill>
+          <a:blip r:embed="rId3">
+            <a:extLst>
+              <a:ext uri="{28A0092B-C50C-407E-A947-70E740481C1C}">
+                <a14:useLocalDpi xmlns:a14="http://schemas.microsoft.com/office/drawing/2010/main" val="0"/>
+              </a:ext>
+            </a:extLst>
+          </a:blip>
+          <a:stretch>
+            <a:fillRect/>
+          </a:stretch>
+        </p:blipFill>
+        <p:spPr>
+          <a:xfrm>
+            <a:off x="2340486" y="4168259"/>
+            <a:ext cx="1904762" cy="1904762"/>
+          </a:xfrm>
+          <a:prstGeom prst="rect">
+            <a:avLst/>
+          </a:prstGeom>
+          <a:ln w="3175">
+            <a:solidFill>
+              <a:schemeClr val="tx1"/>
+            </a:solidFill>
+          </a:ln>
+        </p:spPr>
+      </p:pic>
+      <p:pic>
+        <p:nvPicPr>
+          <p:cNvPr id="12" name="Graphic 11" descr="Dim (Medium Sun) with solid fill">
+            <a:extLst>
+              <a:ext uri="{FF2B5EF4-FFF2-40B4-BE49-F238E27FC236}">
+                <a16:creationId xmlns:a16="http://schemas.microsoft.com/office/drawing/2014/main" id="{D8241FD5-1E79-215F-79E5-155C2ABFC6C3}"/>
+              </a:ext>
+            </a:extLst>
+          </p:cNvPr>
+          <p:cNvPicPr>
+            <a:picLocks noChangeAspect="1"/>
+          </p:cNvPicPr>
+          <p:nvPr/>
+        </p:nvPicPr>
+        <p:blipFill>
+          <a:blip r:embed="rId4">
+            <a:extLst>
+              <a:ext uri="{96DAC541-7B7A-43D3-8B79-37D633B846F1}">
+                <asvg:svgBlip xmlns:asvg="http://schemas.microsoft.com/office/drawing/2016/SVG/main" r:embed="rId5"/>
+              </a:ext>
+            </a:extLst>
+          </a:blip>
+          <a:stretch>
+            <a:fillRect/>
+          </a:stretch>
+        </p:blipFill>
+        <p:spPr>
+          <a:xfrm>
+            <a:off x="2512184" y="4168258"/>
+            <a:ext cx="458606" cy="458606"/>
+          </a:xfrm>
+          <a:prstGeom prst="rect">
+            <a:avLst/>
+          </a:prstGeom>
+        </p:spPr>
+      </p:pic>
+      <p:sp>
+        <p:nvSpPr>
+          <p:cNvPr id="15" name="Arrow: Down 14">
+            <a:extLst>
+              <a:ext uri="{FF2B5EF4-FFF2-40B4-BE49-F238E27FC236}">
+                <a16:creationId xmlns:a16="http://schemas.microsoft.com/office/drawing/2014/main" id="{8075F47A-E1DB-1121-91CA-DE2858865024}"/>
+              </a:ext>
+            </a:extLst>
+          </p:cNvPr>
+          <p:cNvSpPr/>
+          <p:nvPr/>
+        </p:nvSpPr>
+        <p:spPr>
+          <a:xfrm>
+            <a:off x="2709453" y="4739738"/>
+            <a:ext cx="158676" cy="292608"/>
+          </a:xfrm>
+          <a:prstGeom prst="downArrow">
+            <a:avLst/>
+          </a:prstGeom>
+          <a:solidFill>
+            <a:schemeClr val="accent2"/>
+          </a:solidFill>
+        </p:spPr>
+        <p:style>
+          <a:lnRef idx="2">
+            <a:schemeClr val="accent1">
+              <a:shade val="15000"/>
+            </a:schemeClr>
+          </a:lnRef>
+          <a:fillRef idx="1">
+            <a:schemeClr val="accent1"/>
+          </a:fillRef>
+          <a:effectRef idx="0">
+            <a:schemeClr val="accent1"/>
+          </a:effectRef>
+          <a:fontRef idx="minor">
+            <a:schemeClr val="lt1"/>
+          </a:fontRef>
+        </p:style>
+        <p:txBody>
+          <a:bodyPr rtlCol="0" anchor="ctr"/>
+          <a:lstStyle/>
+          <a:p>
+            <a:pPr algn="ctr"/>
+            <a:endParaRPr lang="en-SG"/>
+          </a:p>
+        </p:txBody>
+      </p:sp>
+      <p:sp>
+        <p:nvSpPr>
+          <p:cNvPr id="16" name="Arrow: Down 15">
+            <a:extLst>
+              <a:ext uri="{FF2B5EF4-FFF2-40B4-BE49-F238E27FC236}">
+                <a16:creationId xmlns:a16="http://schemas.microsoft.com/office/drawing/2014/main" id="{0AE9A053-456B-7D93-989E-093899B4B55E}"/>
+              </a:ext>
+            </a:extLst>
+          </p:cNvPr>
+          <p:cNvSpPr/>
+          <p:nvPr/>
+        </p:nvSpPr>
+        <p:spPr>
+          <a:xfrm>
+            <a:off x="3237095" y="5032346"/>
+            <a:ext cx="158676" cy="292608"/>
+          </a:xfrm>
+          <a:prstGeom prst="downArrow">
+            <a:avLst/>
+          </a:prstGeom>
+          <a:solidFill>
+            <a:schemeClr val="accent2"/>
+          </a:solidFill>
+        </p:spPr>
+        <p:style>
+          <a:lnRef idx="2">
+            <a:schemeClr val="accent1">
+              <a:shade val="15000"/>
+            </a:schemeClr>
+          </a:lnRef>
+          <a:fillRef idx="1">
+            <a:schemeClr val="accent1"/>
+          </a:fillRef>
+          <a:effectRef idx="0">
+            <a:schemeClr val="accent1"/>
+          </a:effectRef>
+          <a:fontRef idx="minor">
+            <a:schemeClr val="lt1"/>
+          </a:fontRef>
+        </p:style>
+        <p:txBody>
+          <a:bodyPr rtlCol="0" anchor="ctr"/>
+          <a:lstStyle/>
+          <a:p>
+            <a:pPr algn="ctr"/>
+            <a:endParaRPr lang="en-SG"/>
+          </a:p>
+        </p:txBody>
+      </p:sp>
+      <p:pic>
+        <p:nvPicPr>
+          <p:cNvPr id="17" name="Picture 16" descr="A building with solar panels&#10;&#10;Description automatically generated">
+            <a:extLst>
+              <a:ext uri="{FF2B5EF4-FFF2-40B4-BE49-F238E27FC236}">
+                <a16:creationId xmlns:a16="http://schemas.microsoft.com/office/drawing/2014/main" id="{F21289F8-E9C0-F8D3-E1B8-2BE308B4504B}"/>
+              </a:ext>
+            </a:extLst>
+          </p:cNvPr>
+          <p:cNvPicPr>
+            <a:picLocks noChangeAspect="1"/>
+          </p:cNvPicPr>
+          <p:nvPr/>
+        </p:nvPicPr>
+        <p:blipFill>
+          <a:blip r:embed="rId3">
+            <a:extLst>
+              <a:ext uri="{28A0092B-C50C-407E-A947-70E740481C1C}">
+                <a14:useLocalDpi xmlns:a14="http://schemas.microsoft.com/office/drawing/2010/main" val="0"/>
+              </a:ext>
+            </a:extLst>
+          </a:blip>
+          <a:stretch>
+            <a:fillRect/>
+          </a:stretch>
+        </p:blipFill>
+        <p:spPr>
+          <a:xfrm>
+            <a:off x="4751454" y="4168259"/>
+            <a:ext cx="1904762" cy="1904762"/>
+          </a:xfrm>
+          <a:prstGeom prst="rect">
+            <a:avLst/>
+          </a:prstGeom>
+          <a:ln w="3175">
+            <a:solidFill>
+              <a:schemeClr val="tx1"/>
+            </a:solidFill>
+          </a:ln>
+        </p:spPr>
+      </p:pic>
+      <p:pic>
+        <p:nvPicPr>
+          <p:cNvPr id="18" name="Graphic 17" descr="Dim (Medium Sun) with solid fill">
+            <a:extLst>
+              <a:ext uri="{FF2B5EF4-FFF2-40B4-BE49-F238E27FC236}">
+                <a16:creationId xmlns:a16="http://schemas.microsoft.com/office/drawing/2014/main" id="{18ACF099-6205-09F8-CC2B-4900AA134423}"/>
+              </a:ext>
+            </a:extLst>
+          </p:cNvPr>
+          <p:cNvPicPr>
+            <a:picLocks noChangeAspect="1"/>
+          </p:cNvPicPr>
+          <p:nvPr/>
+        </p:nvPicPr>
+        <p:blipFill>
+          <a:blip r:embed="rId4">
+            <a:extLst>
+              <a:ext uri="{96DAC541-7B7A-43D3-8B79-37D633B846F1}">
+                <asvg:svgBlip xmlns:asvg="http://schemas.microsoft.com/office/drawing/2016/SVG/main" r:embed="rId5"/>
+              </a:ext>
+            </a:extLst>
+          </a:blip>
+          <a:stretch>
+            <a:fillRect/>
+          </a:stretch>
+        </p:blipFill>
+        <p:spPr>
+          <a:xfrm>
+            <a:off x="4923152" y="4168258"/>
+            <a:ext cx="458606" cy="458606"/>
+          </a:xfrm>
+          <a:prstGeom prst="rect">
+            <a:avLst/>
+          </a:prstGeom>
+        </p:spPr>
+      </p:pic>
+      <p:sp>
+        <p:nvSpPr>
+          <p:cNvPr id="19" name="Arrow: Down 18">
+            <a:extLst>
+              <a:ext uri="{FF2B5EF4-FFF2-40B4-BE49-F238E27FC236}">
+                <a16:creationId xmlns:a16="http://schemas.microsoft.com/office/drawing/2014/main" id="{E7E3D744-F0C0-F07B-DE39-5BC2DE2E775D}"/>
+              </a:ext>
+            </a:extLst>
+          </p:cNvPr>
+          <p:cNvSpPr/>
+          <p:nvPr/>
+        </p:nvSpPr>
+        <p:spPr>
+          <a:xfrm>
+            <a:off x="5396853" y="4911030"/>
+            <a:ext cx="158676" cy="292608"/>
+          </a:xfrm>
+          <a:prstGeom prst="downArrow">
+            <a:avLst/>
+          </a:prstGeom>
+          <a:solidFill>
+            <a:schemeClr val="accent2"/>
+          </a:solidFill>
+        </p:spPr>
+        <p:style>
+          <a:lnRef idx="2">
+            <a:schemeClr val="accent1">
+              <a:shade val="15000"/>
+            </a:schemeClr>
+          </a:lnRef>
+          <a:fillRef idx="1">
+            <a:schemeClr val="accent1"/>
+          </a:fillRef>
+          <a:effectRef idx="0">
+            <a:schemeClr val="accent1"/>
+          </a:effectRef>
+          <a:fontRef idx="minor">
+            <a:schemeClr val="lt1"/>
+          </a:fontRef>
+        </p:style>
+        <p:txBody>
+          <a:bodyPr rtlCol="0" anchor="ctr"/>
+          <a:lstStyle/>
+          <a:p>
+            <a:pPr algn="ctr"/>
+            <a:endParaRPr lang="en-SG"/>
+          </a:p>
+        </p:txBody>
+      </p:sp>
+      <p:sp>
+        <p:nvSpPr>
+          <p:cNvPr id="20" name="Arrow: Down 19">
+            <a:extLst>
+              <a:ext uri="{FF2B5EF4-FFF2-40B4-BE49-F238E27FC236}">
+                <a16:creationId xmlns:a16="http://schemas.microsoft.com/office/drawing/2014/main" id="{27A04CC5-468D-B233-B989-44699188293C}"/>
+              </a:ext>
+            </a:extLst>
+          </p:cNvPr>
+          <p:cNvSpPr/>
+          <p:nvPr/>
+        </p:nvSpPr>
+        <p:spPr>
+          <a:xfrm>
+            <a:off x="5937324" y="5148072"/>
+            <a:ext cx="158676" cy="292608"/>
+          </a:xfrm>
+          <a:prstGeom prst="downArrow">
+            <a:avLst/>
+          </a:prstGeom>
+          <a:solidFill>
+            <a:schemeClr val="accent2"/>
+          </a:solidFill>
+        </p:spPr>
+        <p:style>
+          <a:lnRef idx="2">
+            <a:schemeClr val="accent1">
+              <a:shade val="15000"/>
+            </a:schemeClr>
+          </a:lnRef>
+          <a:fillRef idx="1">
+            <a:schemeClr val="accent1"/>
+          </a:fillRef>
+          <a:effectRef idx="0">
+            <a:schemeClr val="accent1"/>
+          </a:effectRef>
+          <a:fontRef idx="minor">
+            <a:schemeClr val="lt1"/>
+          </a:fontRef>
+        </p:style>
+        <p:txBody>
+          <a:bodyPr rtlCol="0" anchor="ctr"/>
+          <a:lstStyle/>
+          <a:p>
+            <a:pPr algn="ctr"/>
+            <a:endParaRPr lang="en-SG"/>
+          </a:p>
+        </p:txBody>
+      </p:sp>
+      <p:pic>
+        <p:nvPicPr>
+          <p:cNvPr id="24" name="Graphic 23" descr="High voltage with solid fill">
+            <a:extLst>
+              <a:ext uri="{FF2B5EF4-FFF2-40B4-BE49-F238E27FC236}">
+                <a16:creationId xmlns:a16="http://schemas.microsoft.com/office/drawing/2014/main" id="{96489947-DC70-D329-00F5-9040630416DB}"/>
+              </a:ext>
+            </a:extLst>
+          </p:cNvPr>
+          <p:cNvPicPr>
+            <a:picLocks noChangeAspect="1"/>
+          </p:cNvPicPr>
+          <p:nvPr/>
+        </p:nvPicPr>
+        <p:blipFill>
+          <a:blip r:embed="rId6">
+            <a:extLst>
+              <a:ext uri="{96DAC541-7B7A-43D3-8B79-37D633B846F1}">
+                <asvg:svgBlip xmlns:asvg="http://schemas.microsoft.com/office/drawing/2016/SVG/main" r:embed="rId7"/>
+              </a:ext>
+            </a:extLst>
+          </a:blip>
+          <a:stretch>
+            <a:fillRect/>
+          </a:stretch>
+        </p:blipFill>
+        <p:spPr>
+          <a:xfrm>
+            <a:off x="3828907" y="4195691"/>
+            <a:ext cx="363145" cy="363145"/>
+          </a:xfrm>
+          <a:prstGeom prst="rect">
+            <a:avLst/>
+          </a:prstGeom>
+        </p:spPr>
+      </p:pic>
+      <p:pic>
+        <p:nvPicPr>
+          <p:cNvPr id="26" name="Graphic 25" descr="High voltage with solid fill">
+            <a:extLst>
+              <a:ext uri="{FF2B5EF4-FFF2-40B4-BE49-F238E27FC236}">
+                <a16:creationId xmlns:a16="http://schemas.microsoft.com/office/drawing/2014/main" id="{AFA1F019-4D2B-139F-9757-E14EFAD131FB}"/>
+              </a:ext>
+            </a:extLst>
+          </p:cNvPr>
+          <p:cNvPicPr>
+            <a:picLocks noChangeAspect="1"/>
+          </p:cNvPicPr>
+          <p:nvPr/>
+        </p:nvPicPr>
+        <p:blipFill>
+          <a:blip r:embed="rId8">
+            <a:extLst>
+              <a:ext uri="{96DAC541-7B7A-43D3-8B79-37D633B846F1}">
+                <asvg:svgBlip xmlns:asvg="http://schemas.microsoft.com/office/drawing/2016/SVG/main" r:embed="rId9"/>
+              </a:ext>
+            </a:extLst>
+          </a:blip>
+          <a:stretch>
+            <a:fillRect/>
+          </a:stretch>
+        </p:blipFill>
+        <p:spPr>
+          <a:xfrm>
+            <a:off x="6293071" y="4168258"/>
+            <a:ext cx="363145" cy="363145"/>
+          </a:xfrm>
+          <a:prstGeom prst="rect">
+            <a:avLst/>
+          </a:prstGeom>
+        </p:spPr>
+      </p:pic>
     </p:spTree>
     <p:extLst>
       <p:ext uri="{BB962C8B-B14F-4D97-AF65-F5344CB8AC3E}">
         <p14:creationId xmlns:p14="http://schemas.microsoft.com/office/powerpoint/2010/main" val="366476725"/>
+      </p:ext>
+    </p:extLst>
+  </p:cSld>
+  <p:clrMapOvr>
+    <a:masterClrMapping/>
+  </p:clrMapOvr>
+</p:sld>
+</file>
+
+<file path=ppt/slides/slide5.xml><?xml version="1.0" encoding="utf-8"?>
+<p:sld xmlns:a="http://schemas.openxmlformats.org/drawingml/2006/main" xmlns:r="http://schemas.openxmlformats.org/officeDocument/2006/relationships" xmlns:p="http://schemas.openxmlformats.org/presentationml/2006/main">
+  <p:cSld>
+    <p:spTree>
+      <p:nvGrpSpPr>
+        <p:cNvPr id="1" name=""/>
+        <p:cNvGrpSpPr/>
+        <p:nvPr/>
+      </p:nvGrpSpPr>
+      <p:grpSpPr>
+        <a:xfrm>
+          <a:off x="0" y="0"/>
+          <a:ext cx="0" cy="0"/>
+          <a:chOff x="0" y="0"/>
+          <a:chExt cx="0" cy="0"/>
+        </a:xfrm>
+      </p:grpSpPr>
+      <p:pic>
+        <p:nvPicPr>
+          <p:cNvPr id="76" name="Picture 75" descr="A black and white drawing of a water pump&#10;&#10;Description automatically generated">
+            <a:extLst>
+              <a:ext uri="{FF2B5EF4-FFF2-40B4-BE49-F238E27FC236}">
+                <a16:creationId xmlns:a16="http://schemas.microsoft.com/office/drawing/2014/main" id="{055802C1-8874-070E-CDC1-E477F50364BD}"/>
+              </a:ext>
+            </a:extLst>
+          </p:cNvPr>
+          <p:cNvPicPr>
+            <a:picLocks noChangeAspect="1"/>
+          </p:cNvPicPr>
+          <p:nvPr/>
+        </p:nvPicPr>
+        <p:blipFill>
+          <a:blip r:embed="rId2">
+            <a:extLst>
+              <a:ext uri="{28A0092B-C50C-407E-A947-70E740481C1C}">
+                <a14:useLocalDpi xmlns:a14="http://schemas.microsoft.com/office/drawing/2010/main" val="0"/>
+              </a:ext>
+            </a:extLst>
+          </a:blip>
+          <a:stretch>
+            <a:fillRect/>
+          </a:stretch>
+        </p:blipFill>
+        <p:spPr>
+          <a:xfrm>
+            <a:off x="8094156" y="3188606"/>
+            <a:ext cx="628845" cy="628845"/>
+          </a:xfrm>
+          <a:prstGeom prst="rect">
+            <a:avLst/>
+          </a:prstGeom>
+          <a:ln w="3175">
+            <a:solidFill>
+              <a:schemeClr val="tx1"/>
+            </a:solidFill>
+          </a:ln>
+        </p:spPr>
+      </p:pic>
+      <p:pic>
+        <p:nvPicPr>
+          <p:cNvPr id="5" name="Picture 4" descr="A group of windmills on a green field&#10;&#10;Description automatically generated">
+            <a:extLst>
+              <a:ext uri="{FF2B5EF4-FFF2-40B4-BE49-F238E27FC236}">
+                <a16:creationId xmlns:a16="http://schemas.microsoft.com/office/drawing/2014/main" id="{103E8A81-3C40-4F6B-7876-59B3201A1042}"/>
+              </a:ext>
+            </a:extLst>
+          </p:cNvPr>
+          <p:cNvPicPr>
+            <a:picLocks noChangeAspect="1"/>
+          </p:cNvPicPr>
+          <p:nvPr/>
+        </p:nvPicPr>
+        <p:blipFill>
+          <a:blip r:embed="rId3">
+            <a:extLst>
+              <a:ext uri="{28A0092B-C50C-407E-A947-70E740481C1C}">
+                <a14:useLocalDpi xmlns:a14="http://schemas.microsoft.com/office/drawing/2010/main" val="0"/>
+              </a:ext>
+            </a:extLst>
+          </a:blip>
+          <a:stretch>
+            <a:fillRect/>
+          </a:stretch>
+        </p:blipFill>
+        <p:spPr>
+          <a:xfrm>
+            <a:off x="657834" y="619081"/>
+            <a:ext cx="1904762" cy="1904762"/>
+          </a:xfrm>
+          <a:prstGeom prst="rect">
+            <a:avLst/>
+          </a:prstGeom>
+          <a:ln w="3175">
+            <a:solidFill>
+              <a:schemeClr val="tx1"/>
+            </a:solidFill>
+          </a:ln>
+        </p:spPr>
+      </p:pic>
+      <p:pic>
+        <p:nvPicPr>
+          <p:cNvPr id="7" name="Graphic 6" descr="Windy with solid fill">
+            <a:extLst>
+              <a:ext uri="{FF2B5EF4-FFF2-40B4-BE49-F238E27FC236}">
+                <a16:creationId xmlns:a16="http://schemas.microsoft.com/office/drawing/2014/main" id="{A15FCF8A-BEAD-CC13-3390-384F856EB21E}"/>
+              </a:ext>
+            </a:extLst>
+          </p:cNvPr>
+          <p:cNvPicPr>
+            <a:picLocks noChangeAspect="1"/>
+          </p:cNvPicPr>
+          <p:nvPr/>
+        </p:nvPicPr>
+        <p:blipFill>
+          <a:blip r:embed="rId4">
+            <a:extLst>
+              <a:ext uri="{96DAC541-7B7A-43D3-8B79-37D633B846F1}">
+                <asvg:svgBlip xmlns:asvg="http://schemas.microsoft.com/office/drawing/2016/SVG/main" r:embed="rId5"/>
+              </a:ext>
+            </a:extLst>
+          </a:blip>
+          <a:stretch>
+            <a:fillRect/>
+          </a:stretch>
+        </p:blipFill>
+        <p:spPr>
+          <a:xfrm>
+            <a:off x="720448" y="657316"/>
+            <a:ext cx="342122" cy="342122"/>
+          </a:xfrm>
+          <a:prstGeom prst="rect">
+            <a:avLst/>
+          </a:prstGeom>
+        </p:spPr>
+      </p:pic>
+      <p:pic>
+        <p:nvPicPr>
+          <p:cNvPr id="8" name="Graphic 7" descr="Windy with solid fill">
+            <a:extLst>
+              <a:ext uri="{FF2B5EF4-FFF2-40B4-BE49-F238E27FC236}">
+                <a16:creationId xmlns:a16="http://schemas.microsoft.com/office/drawing/2014/main" id="{4AB16B17-0CF2-3739-3510-0DC98DB15079}"/>
+              </a:ext>
+            </a:extLst>
+          </p:cNvPr>
+          <p:cNvPicPr>
+            <a:picLocks noChangeAspect="1"/>
+          </p:cNvPicPr>
+          <p:nvPr/>
+        </p:nvPicPr>
+        <p:blipFill>
+          <a:blip r:embed="rId6">
+            <a:extLst>
+              <a:ext uri="{96DAC541-7B7A-43D3-8B79-37D633B846F1}">
+                <asvg:svgBlip xmlns:asvg="http://schemas.microsoft.com/office/drawing/2016/SVG/main" r:embed="rId7"/>
+              </a:ext>
+            </a:extLst>
+          </a:blip>
+          <a:stretch>
+            <a:fillRect/>
+          </a:stretch>
+        </p:blipFill>
+        <p:spPr>
+          <a:xfrm>
+            <a:off x="1439154" y="1795726"/>
+            <a:ext cx="342122" cy="342122"/>
+          </a:xfrm>
+          <a:prstGeom prst="rect">
+            <a:avLst/>
+          </a:prstGeom>
+        </p:spPr>
+      </p:pic>
+      <p:pic>
+        <p:nvPicPr>
+          <p:cNvPr id="24" name="Graphic 23" descr="Arrow circle outline">
+            <a:extLst>
+              <a:ext uri="{FF2B5EF4-FFF2-40B4-BE49-F238E27FC236}">
+                <a16:creationId xmlns:a16="http://schemas.microsoft.com/office/drawing/2014/main" id="{69A1DD3B-1429-5095-97E9-E24FC3D1C916}"/>
+              </a:ext>
+            </a:extLst>
+          </p:cNvPr>
+          <p:cNvPicPr>
+            <a:picLocks noChangeAspect="1"/>
+          </p:cNvPicPr>
+          <p:nvPr/>
+        </p:nvPicPr>
+        <p:blipFill>
+          <a:blip r:embed="rId8">
+            <a:extLst>
+              <a:ext uri="{96DAC541-7B7A-43D3-8B79-37D633B846F1}">
+                <asvg:svgBlip xmlns:asvg="http://schemas.microsoft.com/office/drawing/2016/SVG/main" r:embed="rId9"/>
+              </a:ext>
+            </a:extLst>
+          </a:blip>
+          <a:stretch>
+            <a:fillRect/>
+          </a:stretch>
+        </p:blipFill>
+        <p:spPr>
+          <a:xfrm>
+            <a:off x="1062570" y="1179576"/>
+            <a:ext cx="584718" cy="914400"/>
+          </a:xfrm>
+          <a:prstGeom prst="rect">
+            <a:avLst/>
+          </a:prstGeom>
+        </p:spPr>
+      </p:pic>
+      <p:pic>
+        <p:nvPicPr>
+          <p:cNvPr id="25" name="Graphic 24" descr="Arrow circle outline">
+            <a:extLst>
+              <a:ext uri="{FF2B5EF4-FFF2-40B4-BE49-F238E27FC236}">
+                <a16:creationId xmlns:a16="http://schemas.microsoft.com/office/drawing/2014/main" id="{66756638-6BBF-53EC-3318-56C044F2A57F}"/>
+              </a:ext>
+            </a:extLst>
+          </p:cNvPr>
+          <p:cNvPicPr>
+            <a:picLocks noChangeAspect="1"/>
+          </p:cNvPicPr>
+          <p:nvPr/>
+        </p:nvPicPr>
+        <p:blipFill>
+          <a:blip r:embed="rId10">
+            <a:extLst>
+              <a:ext uri="{96DAC541-7B7A-43D3-8B79-37D633B846F1}">
+                <asvg:svgBlip xmlns:asvg="http://schemas.microsoft.com/office/drawing/2016/SVG/main" r:embed="rId11"/>
+              </a:ext>
+            </a:extLst>
+          </a:blip>
+          <a:stretch>
+            <a:fillRect/>
+          </a:stretch>
+        </p:blipFill>
+        <p:spPr>
+          <a:xfrm>
+            <a:off x="678913" y="774138"/>
+            <a:ext cx="676016" cy="914400"/>
+          </a:xfrm>
+          <a:prstGeom prst="rect">
+            <a:avLst/>
+          </a:prstGeom>
+        </p:spPr>
+      </p:pic>
+      <p:pic>
+        <p:nvPicPr>
+          <p:cNvPr id="26" name="Picture 25" descr="A group of windmills on a green field&#10;&#10;Description automatically generated">
+            <a:extLst>
+              <a:ext uri="{FF2B5EF4-FFF2-40B4-BE49-F238E27FC236}">
+                <a16:creationId xmlns:a16="http://schemas.microsoft.com/office/drawing/2014/main" id="{A6E354BC-A315-FED2-6095-ADD05A428348}"/>
+              </a:ext>
+            </a:extLst>
+          </p:cNvPr>
+          <p:cNvPicPr>
+            <a:picLocks noChangeAspect="1"/>
+          </p:cNvPicPr>
+          <p:nvPr/>
+        </p:nvPicPr>
+        <p:blipFill>
+          <a:blip r:embed="rId3">
+            <a:extLst>
+              <a:ext uri="{28A0092B-C50C-407E-A947-70E740481C1C}">
+                <a14:useLocalDpi xmlns:a14="http://schemas.microsoft.com/office/drawing/2010/main" val="0"/>
+              </a:ext>
+            </a:extLst>
+          </a:blip>
+          <a:stretch>
+            <a:fillRect/>
+          </a:stretch>
+        </p:blipFill>
+        <p:spPr>
+          <a:xfrm>
+            <a:off x="3031340" y="619081"/>
+            <a:ext cx="1904762" cy="1904762"/>
+          </a:xfrm>
+          <a:prstGeom prst="rect">
+            <a:avLst/>
+          </a:prstGeom>
+          <a:ln w="3175">
+            <a:solidFill>
+              <a:schemeClr val="tx1"/>
+            </a:solidFill>
+          </a:ln>
+        </p:spPr>
+      </p:pic>
+      <p:pic>
+        <p:nvPicPr>
+          <p:cNvPr id="27" name="Graphic 26" descr="Windy with solid fill">
+            <a:extLst>
+              <a:ext uri="{FF2B5EF4-FFF2-40B4-BE49-F238E27FC236}">
+                <a16:creationId xmlns:a16="http://schemas.microsoft.com/office/drawing/2014/main" id="{84F6E1CA-88F2-5610-C9A0-82E1049B29C7}"/>
+              </a:ext>
+            </a:extLst>
+          </p:cNvPr>
+          <p:cNvPicPr>
+            <a:picLocks noChangeAspect="1"/>
+          </p:cNvPicPr>
+          <p:nvPr/>
+        </p:nvPicPr>
+        <p:blipFill>
+          <a:blip r:embed="rId4">
+            <a:extLst>
+              <a:ext uri="{96DAC541-7B7A-43D3-8B79-37D633B846F1}">
+                <asvg:svgBlip xmlns:asvg="http://schemas.microsoft.com/office/drawing/2016/SVG/main" r:embed="rId5"/>
+              </a:ext>
+            </a:extLst>
+          </a:blip>
+          <a:stretch>
+            <a:fillRect/>
+          </a:stretch>
+        </p:blipFill>
+        <p:spPr>
+          <a:xfrm>
+            <a:off x="4076168" y="657316"/>
+            <a:ext cx="342122" cy="342122"/>
+          </a:xfrm>
+          <a:prstGeom prst="rect">
+            <a:avLst/>
+          </a:prstGeom>
+        </p:spPr>
+      </p:pic>
+      <p:pic>
+        <p:nvPicPr>
+          <p:cNvPr id="28" name="Graphic 27" descr="Windy with solid fill">
+            <a:extLst>
+              <a:ext uri="{FF2B5EF4-FFF2-40B4-BE49-F238E27FC236}">
+                <a16:creationId xmlns:a16="http://schemas.microsoft.com/office/drawing/2014/main" id="{54D761D0-8337-CE6D-4C1B-818430B6E540}"/>
+              </a:ext>
+            </a:extLst>
+          </p:cNvPr>
+          <p:cNvPicPr>
+            <a:picLocks noChangeAspect="1"/>
+          </p:cNvPicPr>
+          <p:nvPr/>
+        </p:nvPicPr>
+        <p:blipFill>
+          <a:blip r:embed="rId6">
+            <a:extLst>
+              <a:ext uri="{96DAC541-7B7A-43D3-8B79-37D633B846F1}">
+                <asvg:svgBlip xmlns:asvg="http://schemas.microsoft.com/office/drawing/2016/SVG/main" r:embed="rId7"/>
+              </a:ext>
+            </a:extLst>
+          </a:blip>
+          <a:stretch>
+            <a:fillRect/>
+          </a:stretch>
+        </p:blipFill>
+        <p:spPr>
+          <a:xfrm>
+            <a:off x="4438370" y="1769600"/>
+            <a:ext cx="342122" cy="342122"/>
+          </a:xfrm>
+          <a:prstGeom prst="rect">
+            <a:avLst/>
+          </a:prstGeom>
+        </p:spPr>
+      </p:pic>
+      <p:pic>
+        <p:nvPicPr>
+          <p:cNvPr id="29" name="Graphic 28" descr="Arrow circle outline">
+            <a:extLst>
+              <a:ext uri="{FF2B5EF4-FFF2-40B4-BE49-F238E27FC236}">
+                <a16:creationId xmlns:a16="http://schemas.microsoft.com/office/drawing/2014/main" id="{5634BE16-9156-061F-6AE4-2FB7BE147A6D}"/>
+              </a:ext>
+            </a:extLst>
+          </p:cNvPr>
+          <p:cNvPicPr>
+            <a:picLocks noChangeAspect="1"/>
+          </p:cNvPicPr>
+          <p:nvPr/>
+        </p:nvPicPr>
+        <p:blipFill>
+          <a:blip r:embed="rId8">
+            <a:extLst>
+              <a:ext uri="{96DAC541-7B7A-43D3-8B79-37D633B846F1}">
+                <asvg:svgBlip xmlns:asvg="http://schemas.microsoft.com/office/drawing/2016/SVG/main" r:embed="rId9"/>
+              </a:ext>
+            </a:extLst>
+          </a:blip>
+          <a:stretch>
+            <a:fillRect/>
+          </a:stretch>
+        </p:blipFill>
+        <p:spPr>
+          <a:xfrm>
+            <a:off x="3960672" y="1245988"/>
+            <a:ext cx="584718" cy="914400"/>
+          </a:xfrm>
+          <a:prstGeom prst="rect">
+            <a:avLst/>
+          </a:prstGeom>
+        </p:spPr>
+      </p:pic>
+      <p:pic>
+        <p:nvPicPr>
+          <p:cNvPr id="30" name="Graphic 29" descr="Arrow circle outline">
+            <a:extLst>
+              <a:ext uri="{FF2B5EF4-FFF2-40B4-BE49-F238E27FC236}">
+                <a16:creationId xmlns:a16="http://schemas.microsoft.com/office/drawing/2014/main" id="{D888694F-1F54-8496-C886-C8D260A5B5B0}"/>
+              </a:ext>
+            </a:extLst>
+          </p:cNvPr>
+          <p:cNvPicPr>
+            <a:picLocks noChangeAspect="1"/>
+          </p:cNvPicPr>
+          <p:nvPr/>
+        </p:nvPicPr>
+        <p:blipFill>
+          <a:blip r:embed="rId10">
+            <a:extLst>
+              <a:ext uri="{96DAC541-7B7A-43D3-8B79-37D633B846F1}">
+                <asvg:svgBlip xmlns:asvg="http://schemas.microsoft.com/office/drawing/2016/SVG/main" r:embed="rId11"/>
+              </a:ext>
+            </a:extLst>
+          </a:blip>
+          <a:stretch>
+            <a:fillRect/>
+          </a:stretch>
+        </p:blipFill>
+        <p:spPr>
+          <a:xfrm>
+            <a:off x="4140440" y="722376"/>
+            <a:ext cx="676016" cy="914400"/>
+          </a:xfrm>
+          <a:prstGeom prst="rect">
+            <a:avLst/>
+          </a:prstGeom>
+        </p:spPr>
+      </p:pic>
+      <p:pic>
+        <p:nvPicPr>
+          <p:cNvPr id="31" name="Graphic 30" descr="Windy with solid fill">
+            <a:extLst>
+              <a:ext uri="{FF2B5EF4-FFF2-40B4-BE49-F238E27FC236}">
+                <a16:creationId xmlns:a16="http://schemas.microsoft.com/office/drawing/2014/main" id="{D008220D-60FB-F110-53EE-F74B7844C087}"/>
+              </a:ext>
+            </a:extLst>
+          </p:cNvPr>
+          <p:cNvPicPr>
+            <a:picLocks noChangeAspect="1"/>
+          </p:cNvPicPr>
+          <p:nvPr/>
+        </p:nvPicPr>
+        <p:blipFill>
+          <a:blip r:embed="rId6">
+            <a:extLst>
+              <a:ext uri="{96DAC541-7B7A-43D3-8B79-37D633B846F1}">
+                <asvg:svgBlip xmlns:asvg="http://schemas.microsoft.com/office/drawing/2016/SVG/main" r:embed="rId7"/>
+              </a:ext>
+            </a:extLst>
+          </a:blip>
+          <a:stretch>
+            <a:fillRect/>
+          </a:stretch>
+        </p:blipFill>
+        <p:spPr>
+          <a:xfrm>
+            <a:off x="3118326" y="1803022"/>
+            <a:ext cx="342122" cy="342122"/>
+          </a:xfrm>
+          <a:prstGeom prst="rect">
+            <a:avLst/>
+          </a:prstGeom>
+        </p:spPr>
+      </p:pic>
+      <p:pic>
+        <p:nvPicPr>
+          <p:cNvPr id="33" name="Graphic 32" descr="Line arrow: Rotate left outline">
+            <a:extLst>
+              <a:ext uri="{FF2B5EF4-FFF2-40B4-BE49-F238E27FC236}">
+                <a16:creationId xmlns:a16="http://schemas.microsoft.com/office/drawing/2014/main" id="{B8038DE0-8E0C-B925-3AFC-0C1E77B96500}"/>
+              </a:ext>
+            </a:extLst>
+          </p:cNvPr>
+          <p:cNvPicPr>
+            <a:picLocks noChangeAspect="1"/>
+          </p:cNvPicPr>
+          <p:nvPr/>
+        </p:nvPicPr>
+        <p:blipFill>
+          <a:blip r:embed="rId12">
+            <a:extLst>
+              <a:ext uri="{96DAC541-7B7A-43D3-8B79-37D633B846F1}">
+                <asvg:svgBlip xmlns:asvg="http://schemas.microsoft.com/office/drawing/2016/SVG/main" r:embed="rId13"/>
+              </a:ext>
+            </a:extLst>
+          </a:blip>
+          <a:stretch>
+            <a:fillRect/>
+          </a:stretch>
+        </p:blipFill>
+        <p:spPr>
+          <a:xfrm>
+            <a:off x="1344863" y="655490"/>
+            <a:ext cx="436413" cy="465675"/>
+          </a:xfrm>
+          <a:prstGeom prst="rect">
+            <a:avLst/>
+          </a:prstGeom>
+        </p:spPr>
+      </p:pic>
+      <p:pic>
+        <p:nvPicPr>
+          <p:cNvPr id="35" name="Graphic 34" descr="Line arrow: Rotate left outline">
+            <a:extLst>
+              <a:ext uri="{FF2B5EF4-FFF2-40B4-BE49-F238E27FC236}">
+                <a16:creationId xmlns:a16="http://schemas.microsoft.com/office/drawing/2014/main" id="{A126182D-E899-459A-A54E-591959B61934}"/>
+              </a:ext>
+            </a:extLst>
+          </p:cNvPr>
+          <p:cNvPicPr>
+            <a:picLocks noChangeAspect="1"/>
+          </p:cNvPicPr>
+          <p:nvPr/>
+        </p:nvPicPr>
+        <p:blipFill>
+          <a:blip r:embed="rId12">
+            <a:extLst>
+              <a:ext uri="{96DAC541-7B7A-43D3-8B79-37D633B846F1}">
+                <asvg:svgBlip xmlns:asvg="http://schemas.microsoft.com/office/drawing/2016/SVG/main" r:embed="rId13"/>
+              </a:ext>
+            </a:extLst>
+          </a:blip>
+          <a:stretch>
+            <a:fillRect/>
+          </a:stretch>
+        </p:blipFill>
+        <p:spPr>
+          <a:xfrm rot="10800000">
+            <a:off x="3738315" y="946738"/>
+            <a:ext cx="436413" cy="465675"/>
+          </a:xfrm>
+          <a:prstGeom prst="rect">
+            <a:avLst/>
+          </a:prstGeom>
+        </p:spPr>
+      </p:pic>
+      <p:pic>
+        <p:nvPicPr>
+          <p:cNvPr id="37" name="Picture 36" descr="A wire tower with wires connected to each other&#10;&#10;Description automatically generated with medium confidence">
+            <a:extLst>
+              <a:ext uri="{FF2B5EF4-FFF2-40B4-BE49-F238E27FC236}">
+                <a16:creationId xmlns:a16="http://schemas.microsoft.com/office/drawing/2014/main" id="{53DB7D6A-E2B2-8633-DA7C-8671DFBAB0D7}"/>
+              </a:ext>
+            </a:extLst>
+          </p:cNvPr>
+          <p:cNvPicPr>
+            <a:picLocks noChangeAspect="1"/>
+          </p:cNvPicPr>
+          <p:nvPr/>
+        </p:nvPicPr>
+        <p:blipFill>
+          <a:blip r:embed="rId14">
+            <a:extLst>
+              <a:ext uri="{28A0092B-C50C-407E-A947-70E740481C1C}">
+                <a14:useLocalDpi xmlns:a14="http://schemas.microsoft.com/office/drawing/2010/main" val="0"/>
+              </a:ext>
+            </a:extLst>
+          </a:blip>
+          <a:stretch>
+            <a:fillRect/>
+          </a:stretch>
+        </p:blipFill>
+        <p:spPr>
+          <a:xfrm>
+            <a:off x="1283297" y="3198404"/>
+            <a:ext cx="5714286" cy="1238095"/>
+          </a:xfrm>
+          <a:prstGeom prst="rect">
+            <a:avLst/>
+          </a:prstGeom>
+          <a:ln w="3175">
+            <a:solidFill>
+              <a:schemeClr val="tx1"/>
+            </a:solidFill>
+          </a:ln>
+        </p:spPr>
+      </p:pic>
+      <p:sp>
+        <p:nvSpPr>
+          <p:cNvPr id="38" name="Arrow: Left 37">
+            <a:extLst>
+              <a:ext uri="{FF2B5EF4-FFF2-40B4-BE49-F238E27FC236}">
+                <a16:creationId xmlns:a16="http://schemas.microsoft.com/office/drawing/2014/main" id="{8005ADB1-85FF-46F0-608F-EDFB784806AC}"/>
+              </a:ext>
+            </a:extLst>
+          </p:cNvPr>
+          <p:cNvSpPr/>
+          <p:nvPr/>
+        </p:nvSpPr>
+        <p:spPr>
+          <a:xfrm rot="10800000">
+            <a:off x="2343140" y="3511296"/>
+            <a:ext cx="409204" cy="100584"/>
+          </a:xfrm>
+          <a:prstGeom prst="leftArrow">
+            <a:avLst/>
+          </a:prstGeom>
+        </p:spPr>
+        <p:style>
+          <a:lnRef idx="2">
+            <a:schemeClr val="accent6">
+              <a:shade val="15000"/>
+            </a:schemeClr>
+          </a:lnRef>
+          <a:fillRef idx="1">
+            <a:schemeClr val="accent6"/>
+          </a:fillRef>
+          <a:effectRef idx="0">
+            <a:schemeClr val="accent6"/>
+          </a:effectRef>
+          <a:fontRef idx="minor">
+            <a:schemeClr val="lt1"/>
+          </a:fontRef>
+        </p:style>
+        <p:txBody>
+          <a:bodyPr rtlCol="0" anchor="ctr"/>
+          <a:lstStyle/>
+          <a:p>
+            <a:pPr algn="ctr"/>
+            <a:endParaRPr lang="en-SG"/>
+          </a:p>
+        </p:txBody>
+      </p:sp>
+      <p:pic>
+        <p:nvPicPr>
+          <p:cNvPr id="39" name="Graphic 38" descr="High voltage with solid fill">
+            <a:extLst>
+              <a:ext uri="{FF2B5EF4-FFF2-40B4-BE49-F238E27FC236}">
+                <a16:creationId xmlns:a16="http://schemas.microsoft.com/office/drawing/2014/main" id="{E8CB0771-C5A8-2EF7-1F57-EB8E08F7668B}"/>
+              </a:ext>
+            </a:extLst>
+          </p:cNvPr>
+          <p:cNvPicPr>
+            <a:picLocks noChangeAspect="1"/>
+          </p:cNvPicPr>
+          <p:nvPr/>
+        </p:nvPicPr>
+        <p:blipFill>
+          <a:blip r:embed="rId15">
+            <a:extLst>
+              <a:ext uri="{96DAC541-7B7A-43D3-8B79-37D633B846F1}">
+                <asvg:svgBlip xmlns:asvg="http://schemas.microsoft.com/office/drawing/2016/SVG/main" r:embed="rId16"/>
+              </a:ext>
+            </a:extLst>
+          </a:blip>
+          <a:stretch>
+            <a:fillRect/>
+          </a:stretch>
+        </p:blipFill>
+        <p:spPr>
+          <a:xfrm>
+            <a:off x="6693874" y="3207587"/>
+            <a:ext cx="303709" cy="303709"/>
+          </a:xfrm>
+          <a:prstGeom prst="rect">
+            <a:avLst/>
+          </a:prstGeom>
+        </p:spPr>
+      </p:pic>
+      <p:pic>
+        <p:nvPicPr>
+          <p:cNvPr id="40" name="Graphic 39" descr="High voltage with solid fill">
+            <a:extLst>
+              <a:ext uri="{FF2B5EF4-FFF2-40B4-BE49-F238E27FC236}">
+                <a16:creationId xmlns:a16="http://schemas.microsoft.com/office/drawing/2014/main" id="{08139FDD-4FB9-97FE-FD8F-467B93BA02C3}"/>
+              </a:ext>
+            </a:extLst>
+          </p:cNvPr>
+          <p:cNvPicPr>
+            <a:picLocks noChangeAspect="1"/>
+          </p:cNvPicPr>
+          <p:nvPr/>
+        </p:nvPicPr>
+        <p:blipFill>
+          <a:blip r:embed="rId17">
+            <a:extLst>
+              <a:ext uri="{96DAC541-7B7A-43D3-8B79-37D633B846F1}">
+                <asvg:svgBlip xmlns:asvg="http://schemas.microsoft.com/office/drawing/2016/SVG/main" r:embed="rId18"/>
+              </a:ext>
+            </a:extLst>
+          </a:blip>
+          <a:stretch>
+            <a:fillRect/>
+          </a:stretch>
+        </p:blipFill>
+        <p:spPr>
+          <a:xfrm>
+            <a:off x="1297921" y="3207587"/>
+            <a:ext cx="303709" cy="303709"/>
+          </a:xfrm>
+          <a:prstGeom prst="rect">
+            <a:avLst/>
+          </a:prstGeom>
+        </p:spPr>
+      </p:pic>
+      <p:sp>
+        <p:nvSpPr>
+          <p:cNvPr id="43" name="Arrow: Left 42">
+            <a:extLst>
+              <a:ext uri="{FF2B5EF4-FFF2-40B4-BE49-F238E27FC236}">
+                <a16:creationId xmlns:a16="http://schemas.microsoft.com/office/drawing/2014/main" id="{3440ACC0-0194-FADC-0730-3DCF963951D3}"/>
+              </a:ext>
+            </a:extLst>
+          </p:cNvPr>
+          <p:cNvSpPr/>
+          <p:nvPr/>
+        </p:nvSpPr>
+        <p:spPr>
+          <a:xfrm rot="10800000">
+            <a:off x="5449052" y="3511296"/>
+            <a:ext cx="409204" cy="100584"/>
+          </a:xfrm>
+          <a:prstGeom prst="leftArrow">
+            <a:avLst/>
+          </a:prstGeom>
+        </p:spPr>
+        <p:style>
+          <a:lnRef idx="2">
+            <a:schemeClr val="accent6">
+              <a:shade val="15000"/>
+            </a:schemeClr>
+          </a:lnRef>
+          <a:fillRef idx="1">
+            <a:schemeClr val="accent6"/>
+          </a:fillRef>
+          <a:effectRef idx="0">
+            <a:schemeClr val="accent6"/>
+          </a:effectRef>
+          <a:fontRef idx="minor">
+            <a:schemeClr val="lt1"/>
+          </a:fontRef>
+        </p:style>
+        <p:txBody>
+          <a:bodyPr rtlCol="0" anchor="ctr"/>
+          <a:lstStyle/>
+          <a:p>
+            <a:pPr algn="ctr"/>
+            <a:endParaRPr lang="en-SG"/>
+          </a:p>
+        </p:txBody>
+      </p:sp>
+      <p:sp>
+        <p:nvSpPr>
+          <p:cNvPr id="44" name="Arrow: Left 43">
+            <a:extLst>
+              <a:ext uri="{FF2B5EF4-FFF2-40B4-BE49-F238E27FC236}">
+                <a16:creationId xmlns:a16="http://schemas.microsoft.com/office/drawing/2014/main" id="{A77F41A5-2748-4AA3-2E55-394A10E4E2A1}"/>
+              </a:ext>
+            </a:extLst>
+          </p:cNvPr>
+          <p:cNvSpPr/>
+          <p:nvPr/>
+        </p:nvSpPr>
+        <p:spPr>
+          <a:xfrm rot="10800000">
+            <a:off x="3838025" y="3511297"/>
+            <a:ext cx="409204" cy="100584"/>
+          </a:xfrm>
+          <a:prstGeom prst="leftArrow">
+            <a:avLst/>
+          </a:prstGeom>
+          <a:solidFill>
+            <a:schemeClr val="accent1">
+              <a:lumMod val="60000"/>
+              <a:lumOff val="40000"/>
+            </a:schemeClr>
+          </a:solidFill>
+        </p:spPr>
+        <p:style>
+          <a:lnRef idx="2">
+            <a:schemeClr val="accent6">
+              <a:shade val="15000"/>
+            </a:schemeClr>
+          </a:lnRef>
+          <a:fillRef idx="1">
+            <a:schemeClr val="accent6"/>
+          </a:fillRef>
+          <a:effectRef idx="0">
+            <a:schemeClr val="accent6"/>
+          </a:effectRef>
+          <a:fontRef idx="minor">
+            <a:schemeClr val="lt1"/>
+          </a:fontRef>
+        </p:style>
+        <p:txBody>
+          <a:bodyPr rtlCol="0" anchor="ctr"/>
+          <a:lstStyle/>
+          <a:p>
+            <a:pPr algn="ctr"/>
+            <a:endParaRPr lang="en-SG"/>
+          </a:p>
+        </p:txBody>
+      </p:sp>
+      <p:pic>
+        <p:nvPicPr>
+          <p:cNvPr id="45" name="Picture 44" descr="A wire tower with wires connected to each other&#10;&#10;Description automatically generated with medium confidence">
+            <a:extLst>
+              <a:ext uri="{FF2B5EF4-FFF2-40B4-BE49-F238E27FC236}">
+                <a16:creationId xmlns:a16="http://schemas.microsoft.com/office/drawing/2014/main" id="{F78C87B4-A83E-E645-AF57-BA2FDCBECCC6}"/>
+              </a:ext>
+            </a:extLst>
+          </p:cNvPr>
+          <p:cNvPicPr>
+            <a:picLocks noChangeAspect="1"/>
+          </p:cNvPicPr>
+          <p:nvPr/>
+        </p:nvPicPr>
+        <p:blipFill>
+          <a:blip r:embed="rId14">
+            <a:extLst>
+              <a:ext uri="{28A0092B-C50C-407E-A947-70E740481C1C}">
+                <a14:useLocalDpi xmlns:a14="http://schemas.microsoft.com/office/drawing/2010/main" val="0"/>
+              </a:ext>
+            </a:extLst>
+          </a:blip>
+          <a:stretch>
+            <a:fillRect/>
+          </a:stretch>
+        </p:blipFill>
+        <p:spPr>
+          <a:xfrm>
+            <a:off x="1283297" y="4860953"/>
+            <a:ext cx="5714286" cy="1238095"/>
+          </a:xfrm>
+          <a:prstGeom prst="rect">
+            <a:avLst/>
+          </a:prstGeom>
+          <a:ln w="3175">
+            <a:solidFill>
+              <a:schemeClr val="tx1"/>
+            </a:solidFill>
+          </a:ln>
+        </p:spPr>
+      </p:pic>
+      <p:sp>
+        <p:nvSpPr>
+          <p:cNvPr id="46" name="Arrow: Left 45">
+            <a:extLst>
+              <a:ext uri="{FF2B5EF4-FFF2-40B4-BE49-F238E27FC236}">
+                <a16:creationId xmlns:a16="http://schemas.microsoft.com/office/drawing/2014/main" id="{7965A904-166A-DE0E-891F-46822D272DF0}"/>
+              </a:ext>
+            </a:extLst>
+          </p:cNvPr>
+          <p:cNvSpPr/>
+          <p:nvPr/>
+        </p:nvSpPr>
+        <p:spPr>
+          <a:xfrm rot="10800000">
+            <a:off x="2343140" y="5173845"/>
+            <a:ext cx="409204" cy="100584"/>
+          </a:xfrm>
+          <a:prstGeom prst="leftArrow">
+            <a:avLst/>
+          </a:prstGeom>
+          <a:solidFill>
+            <a:schemeClr val="accent1">
+              <a:lumMod val="60000"/>
+              <a:lumOff val="40000"/>
+            </a:schemeClr>
+          </a:solidFill>
+        </p:spPr>
+        <p:style>
+          <a:lnRef idx="2">
+            <a:schemeClr val="accent6">
+              <a:shade val="15000"/>
+            </a:schemeClr>
+          </a:lnRef>
+          <a:fillRef idx="1">
+            <a:schemeClr val="accent6"/>
+          </a:fillRef>
+          <a:effectRef idx="0">
+            <a:schemeClr val="accent6"/>
+          </a:effectRef>
+          <a:fontRef idx="minor">
+            <a:schemeClr val="lt1"/>
+          </a:fontRef>
+        </p:style>
+        <p:txBody>
+          <a:bodyPr rtlCol="0" anchor="ctr"/>
+          <a:lstStyle/>
+          <a:p>
+            <a:pPr algn="ctr"/>
+            <a:endParaRPr lang="en-SG"/>
+          </a:p>
+        </p:txBody>
+      </p:sp>
+      <p:pic>
+        <p:nvPicPr>
+          <p:cNvPr id="47" name="Graphic 46" descr="High voltage with solid fill">
+            <a:extLst>
+              <a:ext uri="{FF2B5EF4-FFF2-40B4-BE49-F238E27FC236}">
+                <a16:creationId xmlns:a16="http://schemas.microsoft.com/office/drawing/2014/main" id="{25640BE5-B65E-BCDF-B7D8-61D41341E4EB}"/>
+              </a:ext>
+            </a:extLst>
+          </p:cNvPr>
+          <p:cNvPicPr>
+            <a:picLocks noChangeAspect="1"/>
+          </p:cNvPicPr>
+          <p:nvPr/>
+        </p:nvPicPr>
+        <p:blipFill>
+          <a:blip r:embed="rId17">
+            <a:extLst>
+              <a:ext uri="{96DAC541-7B7A-43D3-8B79-37D633B846F1}">
+                <asvg:svgBlip xmlns:asvg="http://schemas.microsoft.com/office/drawing/2016/SVG/main" r:embed="rId18"/>
+              </a:ext>
+            </a:extLst>
+          </a:blip>
+          <a:stretch>
+            <a:fillRect/>
+          </a:stretch>
+        </p:blipFill>
+        <p:spPr>
+          <a:xfrm>
+            <a:off x="6693874" y="4870136"/>
+            <a:ext cx="303709" cy="303709"/>
+          </a:xfrm>
+          <a:prstGeom prst="rect">
+            <a:avLst/>
+          </a:prstGeom>
+        </p:spPr>
+      </p:pic>
+      <p:pic>
+        <p:nvPicPr>
+          <p:cNvPr id="48" name="Graphic 47" descr="High voltage with solid fill">
+            <a:extLst>
+              <a:ext uri="{FF2B5EF4-FFF2-40B4-BE49-F238E27FC236}">
+                <a16:creationId xmlns:a16="http://schemas.microsoft.com/office/drawing/2014/main" id="{26DB5B80-E6D9-3A59-FC42-5B86991E3EF1}"/>
+              </a:ext>
+            </a:extLst>
+          </p:cNvPr>
+          <p:cNvPicPr>
+            <a:picLocks noChangeAspect="1"/>
+          </p:cNvPicPr>
+          <p:nvPr/>
+        </p:nvPicPr>
+        <p:blipFill>
+          <a:blip r:embed="rId15">
+            <a:extLst>
+              <a:ext uri="{96DAC541-7B7A-43D3-8B79-37D633B846F1}">
+                <asvg:svgBlip xmlns:asvg="http://schemas.microsoft.com/office/drawing/2016/SVG/main" r:embed="rId16"/>
+              </a:ext>
+            </a:extLst>
+          </a:blip>
+          <a:stretch>
+            <a:fillRect/>
+          </a:stretch>
+        </p:blipFill>
+        <p:spPr>
+          <a:xfrm>
+            <a:off x="1297921" y="4870136"/>
+            <a:ext cx="303709" cy="303709"/>
+          </a:xfrm>
+          <a:prstGeom prst="rect">
+            <a:avLst/>
+          </a:prstGeom>
+        </p:spPr>
+      </p:pic>
+      <p:sp>
+        <p:nvSpPr>
+          <p:cNvPr id="49" name="Arrow: Left 48">
+            <a:extLst>
+              <a:ext uri="{FF2B5EF4-FFF2-40B4-BE49-F238E27FC236}">
+                <a16:creationId xmlns:a16="http://schemas.microsoft.com/office/drawing/2014/main" id="{5D6FDDFD-35A5-3A0C-B575-D99A950D1CFE}"/>
+              </a:ext>
+            </a:extLst>
+          </p:cNvPr>
+          <p:cNvSpPr/>
+          <p:nvPr/>
+        </p:nvSpPr>
+        <p:spPr>
+          <a:xfrm rot="10800000">
+            <a:off x="5449052" y="5173845"/>
+            <a:ext cx="409204" cy="100584"/>
+          </a:xfrm>
+          <a:prstGeom prst="leftArrow">
+            <a:avLst/>
+          </a:prstGeom>
+          <a:solidFill>
+            <a:schemeClr val="accent1">
+              <a:lumMod val="60000"/>
+              <a:lumOff val="40000"/>
+            </a:schemeClr>
+          </a:solidFill>
+        </p:spPr>
+        <p:style>
+          <a:lnRef idx="2">
+            <a:schemeClr val="accent6">
+              <a:shade val="15000"/>
+            </a:schemeClr>
+          </a:lnRef>
+          <a:fillRef idx="1">
+            <a:schemeClr val="accent6"/>
+          </a:fillRef>
+          <a:effectRef idx="0">
+            <a:schemeClr val="accent6"/>
+          </a:effectRef>
+          <a:fontRef idx="minor">
+            <a:schemeClr val="lt1"/>
+          </a:fontRef>
+        </p:style>
+        <p:txBody>
+          <a:bodyPr rtlCol="0" anchor="ctr"/>
+          <a:lstStyle/>
+          <a:p>
+            <a:pPr algn="ctr"/>
+            <a:endParaRPr lang="en-SG"/>
+          </a:p>
+        </p:txBody>
+      </p:sp>
+      <p:sp>
+        <p:nvSpPr>
+          <p:cNvPr id="50" name="Arrow: Left 49">
+            <a:extLst>
+              <a:ext uri="{FF2B5EF4-FFF2-40B4-BE49-F238E27FC236}">
+                <a16:creationId xmlns:a16="http://schemas.microsoft.com/office/drawing/2014/main" id="{B2BE382C-C702-65B1-1BCF-3B834888EBEE}"/>
+              </a:ext>
+            </a:extLst>
+          </p:cNvPr>
+          <p:cNvSpPr/>
+          <p:nvPr/>
+        </p:nvSpPr>
+        <p:spPr>
+          <a:xfrm rot="10800000">
+            <a:off x="3838025" y="5173846"/>
+            <a:ext cx="409204" cy="100584"/>
+          </a:xfrm>
+          <a:prstGeom prst="leftArrow">
+            <a:avLst/>
+          </a:prstGeom>
+          <a:solidFill>
+            <a:srgbClr val="00B050"/>
+          </a:solidFill>
+        </p:spPr>
+        <p:style>
+          <a:lnRef idx="2">
+            <a:schemeClr val="accent6">
+              <a:shade val="15000"/>
+            </a:schemeClr>
+          </a:lnRef>
+          <a:fillRef idx="1">
+            <a:schemeClr val="accent6"/>
+          </a:fillRef>
+          <a:effectRef idx="0">
+            <a:schemeClr val="accent6"/>
+          </a:effectRef>
+          <a:fontRef idx="minor">
+            <a:schemeClr val="lt1"/>
+          </a:fontRef>
+        </p:style>
+        <p:txBody>
+          <a:bodyPr rtlCol="0" anchor="ctr"/>
+          <a:lstStyle/>
+          <a:p>
+            <a:pPr algn="ctr"/>
+            <a:endParaRPr lang="en-SG"/>
+          </a:p>
+        </p:txBody>
+      </p:sp>
+      <p:pic>
+        <p:nvPicPr>
+          <p:cNvPr id="52" name="Picture 51" descr="A black and white circular object with a circular object in the middle&#10;&#10;Description automatically generated">
+            <a:extLst>
+              <a:ext uri="{FF2B5EF4-FFF2-40B4-BE49-F238E27FC236}">
+                <a16:creationId xmlns:a16="http://schemas.microsoft.com/office/drawing/2014/main" id="{AE5777D2-9F32-E138-E210-1B8B6BCE0117}"/>
+              </a:ext>
+            </a:extLst>
+          </p:cNvPr>
+          <p:cNvPicPr>
+            <a:picLocks noChangeAspect="1"/>
+          </p:cNvPicPr>
+          <p:nvPr/>
+        </p:nvPicPr>
+        <p:blipFill>
+          <a:blip r:embed="rId19">
+            <a:extLst>
+              <a:ext uri="{28A0092B-C50C-407E-A947-70E740481C1C}">
+                <a14:useLocalDpi xmlns:a14="http://schemas.microsoft.com/office/drawing/2010/main" val="0"/>
+              </a:ext>
+            </a:extLst>
+          </a:blip>
+          <a:stretch>
+            <a:fillRect/>
+          </a:stretch>
+        </p:blipFill>
+        <p:spPr>
+          <a:xfrm>
+            <a:off x="7856946" y="919996"/>
+            <a:ext cx="609601" cy="609601"/>
+          </a:xfrm>
+          <a:prstGeom prst="rect">
+            <a:avLst/>
+          </a:prstGeom>
+          <a:ln w="3175">
+            <a:solidFill>
+              <a:schemeClr val="tx1"/>
+            </a:solidFill>
+          </a:ln>
+        </p:spPr>
+      </p:pic>
+      <p:pic>
+        <p:nvPicPr>
+          <p:cNvPr id="54" name="Graphic 53" descr="Arrow circle with solid fill">
+            <a:extLst>
+              <a:ext uri="{FF2B5EF4-FFF2-40B4-BE49-F238E27FC236}">
+                <a16:creationId xmlns:a16="http://schemas.microsoft.com/office/drawing/2014/main" id="{95D3D0E4-20D8-FB92-A651-CADB9EDE5685}"/>
+              </a:ext>
+            </a:extLst>
+          </p:cNvPr>
+          <p:cNvPicPr>
+            <a:picLocks noChangeAspect="1"/>
+          </p:cNvPicPr>
+          <p:nvPr/>
+        </p:nvPicPr>
+        <p:blipFill>
+          <a:blip r:embed="rId20">
+            <a:extLst>
+              <a:ext uri="{96DAC541-7B7A-43D3-8B79-37D633B846F1}">
+                <asvg:svgBlip xmlns:asvg="http://schemas.microsoft.com/office/drawing/2016/SVG/main" r:embed="rId21"/>
+              </a:ext>
+            </a:extLst>
+          </a:blip>
+          <a:stretch>
+            <a:fillRect/>
+          </a:stretch>
+        </p:blipFill>
+        <p:spPr>
+          <a:xfrm>
+            <a:off x="7847801" y="926537"/>
+            <a:ext cx="609601" cy="609601"/>
+          </a:xfrm>
+          <a:prstGeom prst="rect">
+            <a:avLst/>
+          </a:prstGeom>
+        </p:spPr>
+      </p:pic>
+      <p:pic>
+        <p:nvPicPr>
+          <p:cNvPr id="55" name="Picture 54" descr="A black and white circular object with a circular object in the middle&#10;&#10;Description automatically generated">
+            <a:extLst>
+              <a:ext uri="{FF2B5EF4-FFF2-40B4-BE49-F238E27FC236}">
+                <a16:creationId xmlns:a16="http://schemas.microsoft.com/office/drawing/2014/main" id="{08E3AEAB-0309-85FA-A275-4D51129A411A}"/>
+              </a:ext>
+            </a:extLst>
+          </p:cNvPr>
+          <p:cNvPicPr>
+            <a:picLocks noChangeAspect="1"/>
+          </p:cNvPicPr>
+          <p:nvPr/>
+        </p:nvPicPr>
+        <p:blipFill>
+          <a:blip r:embed="rId19">
+            <a:extLst>
+              <a:ext uri="{28A0092B-C50C-407E-A947-70E740481C1C}">
+                <a14:useLocalDpi xmlns:a14="http://schemas.microsoft.com/office/drawing/2010/main" val="0"/>
+              </a:ext>
+            </a:extLst>
+          </a:blip>
+          <a:stretch>
+            <a:fillRect/>
+          </a:stretch>
+        </p:blipFill>
+        <p:spPr>
+          <a:xfrm>
+            <a:off x="9160660" y="903249"/>
+            <a:ext cx="609601" cy="609601"/>
+          </a:xfrm>
+          <a:prstGeom prst="rect">
+            <a:avLst/>
+          </a:prstGeom>
+          <a:ln w="3175">
+            <a:solidFill>
+              <a:schemeClr val="tx1"/>
+            </a:solidFill>
+          </a:ln>
+        </p:spPr>
+      </p:pic>
+      <p:pic>
+        <p:nvPicPr>
+          <p:cNvPr id="56" name="Graphic 55" descr="Arrow circle with solid fill">
+            <a:extLst>
+              <a:ext uri="{FF2B5EF4-FFF2-40B4-BE49-F238E27FC236}">
+                <a16:creationId xmlns:a16="http://schemas.microsoft.com/office/drawing/2014/main" id="{FF0008B8-8639-40E4-36FF-B9E262261B6F}"/>
+              </a:ext>
+            </a:extLst>
+          </p:cNvPr>
+          <p:cNvPicPr>
+            <a:picLocks noChangeAspect="1"/>
+          </p:cNvPicPr>
+          <p:nvPr/>
+        </p:nvPicPr>
+        <p:blipFill>
+          <a:blip r:embed="rId20">
+            <a:extLst>
+              <a:ext uri="{96DAC541-7B7A-43D3-8B79-37D633B846F1}">
+                <asvg:svgBlip xmlns:asvg="http://schemas.microsoft.com/office/drawing/2016/SVG/main" r:embed="rId22"/>
+              </a:ext>
+            </a:extLst>
+          </a:blip>
+          <a:stretch>
+            <a:fillRect/>
+          </a:stretch>
+        </p:blipFill>
+        <p:spPr>
+          <a:xfrm rot="3524770">
+            <a:off x="9151513" y="903250"/>
+            <a:ext cx="609601" cy="609601"/>
+          </a:xfrm>
+          <a:prstGeom prst="rect">
+            <a:avLst/>
+          </a:prstGeom>
+        </p:spPr>
+      </p:pic>
+      <p:pic>
+        <p:nvPicPr>
+          <p:cNvPr id="57" name="Graphic 56" descr="High voltage with solid fill">
+            <a:extLst>
+              <a:ext uri="{FF2B5EF4-FFF2-40B4-BE49-F238E27FC236}">
+                <a16:creationId xmlns:a16="http://schemas.microsoft.com/office/drawing/2014/main" id="{7C26F499-89B0-6D44-F8D8-BE1A6CCDBEAD}"/>
+              </a:ext>
+            </a:extLst>
+          </p:cNvPr>
+          <p:cNvPicPr>
+            <a:picLocks noChangeAspect="1"/>
+          </p:cNvPicPr>
+          <p:nvPr/>
+        </p:nvPicPr>
+        <p:blipFill>
+          <a:blip r:embed="rId15">
+            <a:extLst>
+              <a:ext uri="{96DAC541-7B7A-43D3-8B79-37D633B846F1}">
+                <asvg:svgBlip xmlns:asvg="http://schemas.microsoft.com/office/drawing/2016/SVG/main" r:embed="rId16"/>
+              </a:ext>
+            </a:extLst>
+          </a:blip>
+          <a:stretch>
+            <a:fillRect/>
+          </a:stretch>
+        </p:blipFill>
+        <p:spPr>
+          <a:xfrm>
+            <a:off x="8299202" y="1357045"/>
+            <a:ext cx="176490" cy="176490"/>
+          </a:xfrm>
+          <a:prstGeom prst="rect">
+            <a:avLst/>
+          </a:prstGeom>
+        </p:spPr>
+      </p:pic>
+      <p:pic>
+        <p:nvPicPr>
+          <p:cNvPr id="58" name="Graphic 57" descr="High voltage with solid fill">
+            <a:extLst>
+              <a:ext uri="{FF2B5EF4-FFF2-40B4-BE49-F238E27FC236}">
+                <a16:creationId xmlns:a16="http://schemas.microsoft.com/office/drawing/2014/main" id="{3B0D2384-4AF5-8F49-F23D-4AB5850141DE}"/>
+              </a:ext>
+            </a:extLst>
+          </p:cNvPr>
+          <p:cNvPicPr>
+            <a:picLocks noChangeAspect="1"/>
+          </p:cNvPicPr>
+          <p:nvPr/>
+        </p:nvPicPr>
+        <p:blipFill>
+          <a:blip r:embed="rId23">
+            <a:extLst>
+              <a:ext uri="{96DAC541-7B7A-43D3-8B79-37D633B846F1}">
+                <asvg:svgBlip xmlns:asvg="http://schemas.microsoft.com/office/drawing/2016/SVG/main" r:embed="rId24"/>
+              </a:ext>
+            </a:extLst>
+          </a:blip>
+          <a:stretch>
+            <a:fillRect/>
+          </a:stretch>
+        </p:blipFill>
+        <p:spPr>
+          <a:xfrm>
+            <a:off x="9593771" y="1331627"/>
+            <a:ext cx="176490" cy="176490"/>
+          </a:xfrm>
+          <a:prstGeom prst="rect">
+            <a:avLst/>
+          </a:prstGeom>
+        </p:spPr>
+      </p:pic>
+      <p:cxnSp>
+        <p:nvCxnSpPr>
+          <p:cNvPr id="60" name="Straight Arrow Connector 59">
+            <a:extLst>
+              <a:ext uri="{FF2B5EF4-FFF2-40B4-BE49-F238E27FC236}">
+                <a16:creationId xmlns:a16="http://schemas.microsoft.com/office/drawing/2014/main" id="{E6EC85AC-A229-2638-23AA-A5321AABDB40}"/>
+              </a:ext>
+            </a:extLst>
+          </p:cNvPr>
+          <p:cNvCxnSpPr>
+            <a:cxnSpLocks/>
+          </p:cNvCxnSpPr>
+          <p:nvPr/>
+        </p:nvCxnSpPr>
+        <p:spPr>
+          <a:xfrm>
+            <a:off x="8063561" y="1224796"/>
+            <a:ext cx="226201" cy="0"/>
+          </a:xfrm>
+          <a:prstGeom prst="straightConnector1">
+            <a:avLst/>
+          </a:prstGeom>
+          <a:ln>
+            <a:solidFill>
+              <a:srgbClr val="FFC000"/>
+            </a:solidFill>
+            <a:tailEnd type="triangle"/>
+          </a:ln>
+        </p:spPr>
+        <p:style>
+          <a:lnRef idx="2">
+            <a:schemeClr val="accent1"/>
+          </a:lnRef>
+          <a:fillRef idx="0">
+            <a:schemeClr val="accent1"/>
+          </a:fillRef>
+          <a:effectRef idx="1">
+            <a:schemeClr val="accent1"/>
+          </a:effectRef>
+          <a:fontRef idx="minor">
+            <a:schemeClr val="tx1"/>
+          </a:fontRef>
+        </p:style>
+      </p:cxnSp>
+      <p:cxnSp>
+        <p:nvCxnSpPr>
+          <p:cNvPr id="62" name="Straight Arrow Connector 61">
+            <a:extLst>
+              <a:ext uri="{FF2B5EF4-FFF2-40B4-BE49-F238E27FC236}">
+                <a16:creationId xmlns:a16="http://schemas.microsoft.com/office/drawing/2014/main" id="{CF4AAAF5-5D5E-518E-5819-D7874916956C}"/>
+              </a:ext>
+            </a:extLst>
+          </p:cNvPr>
+          <p:cNvCxnSpPr>
+            <a:cxnSpLocks/>
+          </p:cNvCxnSpPr>
+          <p:nvPr/>
+        </p:nvCxnSpPr>
+        <p:spPr>
+          <a:xfrm>
+            <a:off x="9367570" y="1202960"/>
+            <a:ext cx="226201" cy="0"/>
+          </a:xfrm>
+          <a:prstGeom prst="straightConnector1">
+            <a:avLst/>
+          </a:prstGeom>
+          <a:ln>
+            <a:solidFill>
+              <a:srgbClr val="00B050"/>
+            </a:solidFill>
+            <a:tailEnd type="triangle"/>
+          </a:ln>
+        </p:spPr>
+        <p:style>
+          <a:lnRef idx="2">
+            <a:schemeClr val="accent1"/>
+          </a:lnRef>
+          <a:fillRef idx="0">
+            <a:schemeClr val="accent1"/>
+          </a:fillRef>
+          <a:effectRef idx="1">
+            <a:schemeClr val="accent1"/>
+          </a:effectRef>
+          <a:fontRef idx="minor">
+            <a:schemeClr val="tx1"/>
+          </a:fontRef>
+        </p:style>
+      </p:cxnSp>
+      <p:pic>
+        <p:nvPicPr>
+          <p:cNvPr id="66" name="Graphic 65" descr="Chevron arrows with solid fill">
+            <a:extLst>
+              <a:ext uri="{FF2B5EF4-FFF2-40B4-BE49-F238E27FC236}">
+                <a16:creationId xmlns:a16="http://schemas.microsoft.com/office/drawing/2014/main" id="{80CD8186-C079-EDA5-36E7-6FD911E58CAD}"/>
+              </a:ext>
+            </a:extLst>
+          </p:cNvPr>
+          <p:cNvPicPr>
+            <a:picLocks noChangeAspect="1"/>
+          </p:cNvPicPr>
+          <p:nvPr/>
+        </p:nvPicPr>
+        <p:blipFill>
+          <a:blip r:embed="rId25">
+            <a:extLst>
+              <a:ext uri="{96DAC541-7B7A-43D3-8B79-37D633B846F1}">
+                <asvg:svgBlip xmlns:asvg="http://schemas.microsoft.com/office/drawing/2016/SVG/main" r:embed="rId26"/>
+              </a:ext>
+            </a:extLst>
+          </a:blip>
+          <a:stretch>
+            <a:fillRect/>
+          </a:stretch>
+        </p:blipFill>
+        <p:spPr>
+          <a:xfrm rot="5400000">
+            <a:off x="8499918" y="3427908"/>
+            <a:ext cx="250824" cy="253008"/>
+          </a:xfrm>
+          <a:prstGeom prst="rect">
+            <a:avLst/>
+          </a:prstGeom>
+        </p:spPr>
+      </p:pic>
+      <p:pic>
+        <p:nvPicPr>
+          <p:cNvPr id="74" name="Graphic 73" descr="Speedometer Middle with solid fill">
+            <a:extLst>
+              <a:ext uri="{FF2B5EF4-FFF2-40B4-BE49-F238E27FC236}">
+                <a16:creationId xmlns:a16="http://schemas.microsoft.com/office/drawing/2014/main" id="{074B8C5E-5506-E76C-3C61-C0513E5DF613}"/>
+              </a:ext>
+            </a:extLst>
+          </p:cNvPr>
+          <p:cNvPicPr>
+            <a:picLocks noChangeAspect="1"/>
+          </p:cNvPicPr>
+          <p:nvPr/>
+        </p:nvPicPr>
+        <p:blipFill>
+          <a:blip r:embed="rId27">
+            <a:extLst>
+              <a:ext uri="{96DAC541-7B7A-43D3-8B79-37D633B846F1}">
+                <asvg:svgBlip xmlns:asvg="http://schemas.microsoft.com/office/drawing/2016/SVG/main" r:embed="rId28"/>
+              </a:ext>
+            </a:extLst>
+          </a:blip>
+          <a:stretch>
+            <a:fillRect/>
+          </a:stretch>
+        </p:blipFill>
+        <p:spPr>
+          <a:xfrm>
+            <a:off x="8089425" y="3099434"/>
+            <a:ext cx="356998" cy="356998"/>
+          </a:xfrm>
+          <a:prstGeom prst="rect">
+            <a:avLst/>
+          </a:prstGeom>
+        </p:spPr>
+      </p:pic>
+      <p:sp>
+        <p:nvSpPr>
+          <p:cNvPr id="79" name="Arrow: Left 78">
+            <a:extLst>
+              <a:ext uri="{FF2B5EF4-FFF2-40B4-BE49-F238E27FC236}">
+                <a16:creationId xmlns:a16="http://schemas.microsoft.com/office/drawing/2014/main" id="{09C04160-C173-16C4-B3AA-0E1D6AFF7BBE}"/>
+              </a:ext>
+            </a:extLst>
+          </p:cNvPr>
+          <p:cNvSpPr/>
+          <p:nvPr/>
+        </p:nvSpPr>
+        <p:spPr>
+          <a:xfrm rot="10800000">
+            <a:off x="8161259" y="3672339"/>
+            <a:ext cx="257005" cy="130929"/>
+          </a:xfrm>
+          <a:prstGeom prst="leftArrow">
+            <a:avLst/>
+          </a:prstGeom>
+        </p:spPr>
+        <p:style>
+          <a:lnRef idx="2">
+            <a:schemeClr val="accent6">
+              <a:shade val="15000"/>
+            </a:schemeClr>
+          </a:lnRef>
+          <a:fillRef idx="1">
+            <a:schemeClr val="accent6"/>
+          </a:fillRef>
+          <a:effectRef idx="0">
+            <a:schemeClr val="accent6"/>
+          </a:effectRef>
+          <a:fontRef idx="minor">
+            <a:schemeClr val="lt1"/>
+          </a:fontRef>
+        </p:style>
+        <p:txBody>
+          <a:bodyPr rtlCol="0" anchor="ctr"/>
+          <a:lstStyle/>
+          <a:p>
+            <a:pPr algn="ctr"/>
+            <a:endParaRPr lang="en-SG"/>
+          </a:p>
+        </p:txBody>
+      </p:sp>
+      <p:pic>
+        <p:nvPicPr>
+          <p:cNvPr id="80" name="Picture 79" descr="A black and white drawing of a water pump&#10;&#10;Description automatically generated">
+            <a:extLst>
+              <a:ext uri="{FF2B5EF4-FFF2-40B4-BE49-F238E27FC236}">
+                <a16:creationId xmlns:a16="http://schemas.microsoft.com/office/drawing/2014/main" id="{DBFA781A-3CA7-BB66-4F6C-8D60E391FBC2}"/>
+              </a:ext>
+            </a:extLst>
+          </p:cNvPr>
+          <p:cNvPicPr>
+            <a:picLocks noChangeAspect="1"/>
+          </p:cNvPicPr>
+          <p:nvPr/>
+        </p:nvPicPr>
+        <p:blipFill>
+          <a:blip r:embed="rId2">
+            <a:extLst>
+              <a:ext uri="{28A0092B-C50C-407E-A947-70E740481C1C}">
+                <a14:useLocalDpi xmlns:a14="http://schemas.microsoft.com/office/drawing/2010/main" val="0"/>
+              </a:ext>
+            </a:extLst>
+          </a:blip>
+          <a:stretch>
+            <a:fillRect/>
+          </a:stretch>
+        </p:blipFill>
+        <p:spPr>
+          <a:xfrm>
+            <a:off x="9078538" y="3207587"/>
+            <a:ext cx="628845" cy="628845"/>
+          </a:xfrm>
+          <a:prstGeom prst="rect">
+            <a:avLst/>
+          </a:prstGeom>
+          <a:ln w="3175">
+            <a:solidFill>
+              <a:schemeClr val="tx1"/>
+            </a:solidFill>
+          </a:ln>
+        </p:spPr>
+      </p:pic>
+      <p:pic>
+        <p:nvPicPr>
+          <p:cNvPr id="81" name="Graphic 80" descr="Chevron arrows with solid fill">
+            <a:extLst>
+              <a:ext uri="{FF2B5EF4-FFF2-40B4-BE49-F238E27FC236}">
+                <a16:creationId xmlns:a16="http://schemas.microsoft.com/office/drawing/2014/main" id="{53DA9A49-3197-9114-ABA4-5F3A8E35CF07}"/>
+              </a:ext>
+            </a:extLst>
+          </p:cNvPr>
+          <p:cNvPicPr>
+            <a:picLocks noChangeAspect="1"/>
+          </p:cNvPicPr>
+          <p:nvPr/>
+        </p:nvPicPr>
+        <p:blipFill>
+          <a:blip r:embed="rId25">
+            <a:extLst>
+              <a:ext uri="{96DAC541-7B7A-43D3-8B79-37D633B846F1}">
+                <asvg:svgBlip xmlns:asvg="http://schemas.microsoft.com/office/drawing/2016/SVG/main" r:embed="rId26"/>
+              </a:ext>
+            </a:extLst>
+          </a:blip>
+          <a:stretch>
+            <a:fillRect/>
+          </a:stretch>
+        </p:blipFill>
+        <p:spPr>
+          <a:xfrm rot="5400000">
+            <a:off x="9484300" y="3337161"/>
+            <a:ext cx="250824" cy="253008"/>
+          </a:xfrm>
+          <a:prstGeom prst="rect">
+            <a:avLst/>
+          </a:prstGeom>
+        </p:spPr>
+      </p:pic>
+      <p:sp>
+        <p:nvSpPr>
+          <p:cNvPr id="83" name="Arrow: Left 82">
+            <a:extLst>
+              <a:ext uri="{FF2B5EF4-FFF2-40B4-BE49-F238E27FC236}">
+                <a16:creationId xmlns:a16="http://schemas.microsoft.com/office/drawing/2014/main" id="{1BC12BE6-9959-00D0-C925-11186F2CF69D}"/>
+              </a:ext>
+            </a:extLst>
+          </p:cNvPr>
+          <p:cNvSpPr/>
+          <p:nvPr/>
+        </p:nvSpPr>
+        <p:spPr>
+          <a:xfrm rot="10800000">
+            <a:off x="9145641" y="3691320"/>
+            <a:ext cx="257005" cy="130929"/>
+          </a:xfrm>
+          <a:prstGeom prst="leftArrow">
+            <a:avLst/>
+          </a:prstGeom>
+          <a:solidFill>
+            <a:srgbClr val="FFC000"/>
+          </a:solidFill>
+        </p:spPr>
+        <p:style>
+          <a:lnRef idx="2">
+            <a:schemeClr val="accent6">
+              <a:shade val="15000"/>
+            </a:schemeClr>
+          </a:lnRef>
+          <a:fillRef idx="1">
+            <a:schemeClr val="accent6"/>
+          </a:fillRef>
+          <a:effectRef idx="0">
+            <a:schemeClr val="accent6"/>
+          </a:effectRef>
+          <a:fontRef idx="minor">
+            <a:schemeClr val="lt1"/>
+          </a:fontRef>
+        </p:style>
+        <p:txBody>
+          <a:bodyPr rtlCol="0" anchor="ctr"/>
+          <a:lstStyle/>
+          <a:p>
+            <a:pPr algn="ctr"/>
+            <a:endParaRPr lang="en-SG"/>
+          </a:p>
+        </p:txBody>
+      </p:sp>
+      <p:pic>
+        <p:nvPicPr>
+          <p:cNvPr id="85" name="Graphic 84" descr="Gauge with solid fill">
+            <a:extLst>
+              <a:ext uri="{FF2B5EF4-FFF2-40B4-BE49-F238E27FC236}">
+                <a16:creationId xmlns:a16="http://schemas.microsoft.com/office/drawing/2014/main" id="{EAFF1611-7CDF-F621-866D-6F1511484250}"/>
+              </a:ext>
+            </a:extLst>
+          </p:cNvPr>
+          <p:cNvPicPr>
+            <a:picLocks noChangeAspect="1"/>
+          </p:cNvPicPr>
+          <p:nvPr/>
+        </p:nvPicPr>
+        <p:blipFill>
+          <a:blip r:embed="rId29">
+            <a:extLst>
+              <a:ext uri="{96DAC541-7B7A-43D3-8B79-37D633B846F1}">
+                <asvg:svgBlip xmlns:asvg="http://schemas.microsoft.com/office/drawing/2016/SVG/main" r:embed="rId30"/>
+              </a:ext>
+            </a:extLst>
+          </a:blip>
+          <a:stretch>
+            <a:fillRect/>
+          </a:stretch>
+        </p:blipFill>
+        <p:spPr>
+          <a:xfrm>
+            <a:off x="9069394" y="3111400"/>
+            <a:ext cx="375837" cy="375837"/>
+          </a:xfrm>
+          <a:prstGeom prst="rect">
+            <a:avLst/>
+          </a:prstGeom>
+        </p:spPr>
+      </p:pic>
+      <p:sp>
+        <p:nvSpPr>
+          <p:cNvPr id="89" name="Rectangle 88">
+            <a:extLst>
+              <a:ext uri="{FF2B5EF4-FFF2-40B4-BE49-F238E27FC236}">
+                <a16:creationId xmlns:a16="http://schemas.microsoft.com/office/drawing/2014/main" id="{6DA4CA93-A237-0C45-8010-63301A2460A3}"/>
+              </a:ext>
+            </a:extLst>
+          </p:cNvPr>
+          <p:cNvSpPr/>
+          <p:nvPr/>
+        </p:nvSpPr>
+        <p:spPr>
+          <a:xfrm>
+            <a:off x="8420827" y="3418633"/>
+            <a:ext cx="45720" cy="144645"/>
+          </a:xfrm>
+          <a:prstGeom prst="rect">
+            <a:avLst/>
+          </a:prstGeom>
+          <a:solidFill>
+            <a:srgbClr val="FFC000"/>
+          </a:solidFill>
+          <a:ln>
+            <a:solidFill>
+              <a:srgbClr val="FF0000"/>
+            </a:solidFill>
+          </a:ln>
+        </p:spPr>
+        <p:style>
+          <a:lnRef idx="2">
+            <a:schemeClr val="accent1">
+              <a:shade val="15000"/>
+            </a:schemeClr>
+          </a:lnRef>
+          <a:fillRef idx="1">
+            <a:schemeClr val="accent1"/>
+          </a:fillRef>
+          <a:effectRef idx="0">
+            <a:schemeClr val="accent1"/>
+          </a:effectRef>
+          <a:fontRef idx="minor">
+            <a:schemeClr val="lt1"/>
+          </a:fontRef>
+        </p:style>
+        <p:txBody>
+          <a:bodyPr rtlCol="0" anchor="ctr"/>
+          <a:lstStyle/>
+          <a:p>
+            <a:pPr algn="ctr"/>
+            <a:endParaRPr lang="en-SG"/>
+          </a:p>
+        </p:txBody>
+      </p:sp>
+      <p:sp>
+        <p:nvSpPr>
+          <p:cNvPr id="90" name="Rectangle 89">
+            <a:extLst>
+              <a:ext uri="{FF2B5EF4-FFF2-40B4-BE49-F238E27FC236}">
+                <a16:creationId xmlns:a16="http://schemas.microsoft.com/office/drawing/2014/main" id="{215BA950-52DA-BA85-4142-B7A9510BBCFA}"/>
+              </a:ext>
+            </a:extLst>
+          </p:cNvPr>
+          <p:cNvSpPr/>
+          <p:nvPr/>
+        </p:nvSpPr>
+        <p:spPr>
+          <a:xfrm>
+            <a:off x="9412517" y="3442187"/>
+            <a:ext cx="45720" cy="144645"/>
+          </a:xfrm>
+          <a:prstGeom prst="rect">
+            <a:avLst/>
+          </a:prstGeom>
+          <a:solidFill>
+            <a:srgbClr val="C00000"/>
+          </a:solidFill>
+          <a:ln>
+            <a:solidFill>
+              <a:srgbClr val="FF0000"/>
+            </a:solidFill>
+          </a:ln>
+        </p:spPr>
+        <p:style>
+          <a:lnRef idx="2">
+            <a:schemeClr val="accent1">
+              <a:shade val="15000"/>
+            </a:schemeClr>
+          </a:lnRef>
+          <a:fillRef idx="1">
+            <a:schemeClr val="accent1"/>
+          </a:fillRef>
+          <a:effectRef idx="0">
+            <a:schemeClr val="accent1"/>
+          </a:effectRef>
+          <a:fontRef idx="minor">
+            <a:schemeClr val="lt1"/>
+          </a:fontRef>
+        </p:style>
+        <p:txBody>
+          <a:bodyPr rtlCol="0" anchor="ctr"/>
+          <a:lstStyle/>
+          <a:p>
+            <a:pPr algn="ctr"/>
+            <a:endParaRPr lang="en-SG"/>
+          </a:p>
+        </p:txBody>
+      </p:sp>
+    </p:spTree>
+    <p:extLst>
+      <p:ext uri="{BB962C8B-B14F-4D97-AF65-F5344CB8AC3E}">
+        <p14:creationId xmlns:p14="http://schemas.microsoft.com/office/powerpoint/2010/main" val="674754394"/>
       </p:ext>
     </p:extLst>
   </p:cSld>

--- a/designDoc/designDoc.pptx
+++ b/designDoc/designDoc.pptx
@@ -5,7 +5,7 @@
     <p:sldMasterId id="2147483648" r:id="rId1"/>
   </p:sldMasterIdLst>
   <p:notesMasterIdLst>
-    <p:notesMasterId r:id="rId7"/>
+    <p:notesMasterId r:id="rId8"/>
   </p:notesMasterIdLst>
   <p:sldIdLst>
     <p:sldId id="256" r:id="rId2"/>
@@ -13,6 +13,7 @@
     <p:sldId id="259" r:id="rId4"/>
     <p:sldId id="258" r:id="rId5"/>
     <p:sldId id="260" r:id="rId6"/>
+    <p:sldId id="261" r:id="rId7"/>
   </p:sldIdLst>
   <p:sldSz cx="12192000" cy="6858000"/>
   <p:notesSz cx="6858000" cy="9144000"/>
@@ -201,7 +202,7 @@
           <a:p>
             <a:fld id="{60A58DA9-13FF-4A44-80CD-EC4A25FA80B4}" type="datetimeFigureOut">
               <a:rPr lang="en-SG" smtClean="0"/>
-              <a:t>10/10/2024</a:t>
+              <a:t>11/10/2024</a:t>
             </a:fld>
             <a:endParaRPr lang="en-SG"/>
           </a:p>
@@ -702,7 +703,7 @@
           <a:p>
             <a:fld id="{DAB0784D-3A10-485A-BA3A-AF2134252110}" type="datetimeFigureOut">
               <a:rPr lang="en-SG" smtClean="0"/>
-              <a:t>10/10/2024</a:t>
+              <a:t>11/10/2024</a:t>
             </a:fld>
             <a:endParaRPr lang="en-SG"/>
           </a:p>
@@ -902,7 +903,7 @@
           <a:p>
             <a:fld id="{DAB0784D-3A10-485A-BA3A-AF2134252110}" type="datetimeFigureOut">
               <a:rPr lang="en-SG" smtClean="0"/>
-              <a:t>10/10/2024</a:t>
+              <a:t>11/10/2024</a:t>
             </a:fld>
             <a:endParaRPr lang="en-SG"/>
           </a:p>
@@ -1112,7 +1113,7 @@
           <a:p>
             <a:fld id="{DAB0784D-3A10-485A-BA3A-AF2134252110}" type="datetimeFigureOut">
               <a:rPr lang="en-SG" smtClean="0"/>
-              <a:t>10/10/2024</a:t>
+              <a:t>11/10/2024</a:t>
             </a:fld>
             <a:endParaRPr lang="en-SG"/>
           </a:p>
@@ -1312,7 +1313,7 @@
           <a:p>
             <a:fld id="{DAB0784D-3A10-485A-BA3A-AF2134252110}" type="datetimeFigureOut">
               <a:rPr lang="en-SG" smtClean="0"/>
-              <a:t>10/10/2024</a:t>
+              <a:t>11/10/2024</a:t>
             </a:fld>
             <a:endParaRPr lang="en-SG"/>
           </a:p>
@@ -1588,7 +1589,7 @@
           <a:p>
             <a:fld id="{DAB0784D-3A10-485A-BA3A-AF2134252110}" type="datetimeFigureOut">
               <a:rPr lang="en-SG" smtClean="0"/>
-              <a:t>10/10/2024</a:t>
+              <a:t>11/10/2024</a:t>
             </a:fld>
             <a:endParaRPr lang="en-SG"/>
           </a:p>
@@ -1856,7 +1857,7 @@
           <a:p>
             <a:fld id="{DAB0784D-3A10-485A-BA3A-AF2134252110}" type="datetimeFigureOut">
               <a:rPr lang="en-SG" smtClean="0"/>
-              <a:t>10/10/2024</a:t>
+              <a:t>11/10/2024</a:t>
             </a:fld>
             <a:endParaRPr lang="en-SG"/>
           </a:p>
@@ -2271,7 +2272,7 @@
           <a:p>
             <a:fld id="{DAB0784D-3A10-485A-BA3A-AF2134252110}" type="datetimeFigureOut">
               <a:rPr lang="en-SG" smtClean="0"/>
-              <a:t>10/10/2024</a:t>
+              <a:t>11/10/2024</a:t>
             </a:fld>
             <a:endParaRPr lang="en-SG"/>
           </a:p>
@@ -2413,7 +2414,7 @@
           <a:p>
             <a:fld id="{DAB0784D-3A10-485A-BA3A-AF2134252110}" type="datetimeFigureOut">
               <a:rPr lang="en-SG" smtClean="0"/>
-              <a:t>10/10/2024</a:t>
+              <a:t>11/10/2024</a:t>
             </a:fld>
             <a:endParaRPr lang="en-SG"/>
           </a:p>
@@ -2526,7 +2527,7 @@
           <a:p>
             <a:fld id="{DAB0784D-3A10-485A-BA3A-AF2134252110}" type="datetimeFigureOut">
               <a:rPr lang="en-SG" smtClean="0"/>
-              <a:t>10/10/2024</a:t>
+              <a:t>11/10/2024</a:t>
             </a:fld>
             <a:endParaRPr lang="en-SG"/>
           </a:p>
@@ -2839,7 +2840,7 @@
           <a:p>
             <a:fld id="{DAB0784D-3A10-485A-BA3A-AF2134252110}" type="datetimeFigureOut">
               <a:rPr lang="en-SG" smtClean="0"/>
-              <a:t>10/10/2024</a:t>
+              <a:t>11/10/2024</a:t>
             </a:fld>
             <a:endParaRPr lang="en-SG"/>
           </a:p>
@@ -3128,7 +3129,7 @@
           <a:p>
             <a:fld id="{DAB0784D-3A10-485A-BA3A-AF2134252110}" type="datetimeFigureOut">
               <a:rPr lang="en-SG" smtClean="0"/>
-              <a:t>10/10/2024</a:t>
+              <a:t>11/10/2024</a:t>
             </a:fld>
             <a:endParaRPr lang="en-SG"/>
           </a:p>
@@ -3371,7 +3372,7 @@
           <a:p>
             <a:fld id="{DAB0784D-3A10-485A-BA3A-AF2134252110}" type="datetimeFigureOut">
               <a:rPr lang="en-SG" smtClean="0"/>
-              <a:t>10/10/2024</a:t>
+              <a:t>11/10/2024</a:t>
             </a:fld>
             <a:endParaRPr lang="en-SG"/>
           </a:p>
@@ -20750,7 +20751,7 @@
         </p:blipFill>
         <p:spPr>
           <a:xfrm>
-            <a:off x="2340486" y="4168259"/>
+            <a:off x="648846" y="4012811"/>
             <a:ext cx="1904762" cy="1904762"/>
           </a:xfrm>
           <a:prstGeom prst="rect">
@@ -20791,7 +20792,7 @@
         </p:blipFill>
         <p:spPr>
           <a:xfrm>
-            <a:off x="2512184" y="4168258"/>
+            <a:off x="820544" y="4012810"/>
             <a:ext cx="458606" cy="458606"/>
           </a:xfrm>
           <a:prstGeom prst="rect">
@@ -20813,7 +20814,7 @@
         </p:nvSpPr>
         <p:spPr>
           <a:xfrm>
-            <a:off x="2709453" y="4739738"/>
+            <a:off x="1017813" y="4584290"/>
             <a:ext cx="158676" cy="292608"/>
           </a:xfrm>
           <a:prstGeom prst="downArrow">
@@ -20862,7 +20863,7 @@
         </p:nvSpPr>
         <p:spPr>
           <a:xfrm>
-            <a:off x="3237095" y="5032346"/>
+            <a:off x="1545455" y="4876898"/>
             <a:ext cx="158676" cy="292608"/>
           </a:xfrm>
           <a:prstGeom prst="downArrow">
@@ -20925,7 +20926,7 @@
         </p:blipFill>
         <p:spPr>
           <a:xfrm>
-            <a:off x="4751454" y="4168259"/>
+            <a:off x="3059814" y="4012811"/>
             <a:ext cx="1904762" cy="1904762"/>
           </a:xfrm>
           <a:prstGeom prst="rect">
@@ -20966,7 +20967,7 @@
         </p:blipFill>
         <p:spPr>
           <a:xfrm>
-            <a:off x="4923152" y="4168258"/>
+            <a:off x="3231512" y="4012810"/>
             <a:ext cx="458606" cy="458606"/>
           </a:xfrm>
           <a:prstGeom prst="rect">
@@ -20988,7 +20989,7 @@
         </p:nvSpPr>
         <p:spPr>
           <a:xfrm>
-            <a:off x="5396853" y="4911030"/>
+            <a:off x="3705213" y="4755582"/>
             <a:ext cx="158676" cy="292608"/>
           </a:xfrm>
           <a:prstGeom prst="downArrow">
@@ -21037,7 +21038,7 @@
         </p:nvSpPr>
         <p:spPr>
           <a:xfrm>
-            <a:off x="5937324" y="5148072"/>
+            <a:off x="4245684" y="4992624"/>
             <a:ext cx="158676" cy="292608"/>
           </a:xfrm>
           <a:prstGeom prst="downArrow">
@@ -21100,7 +21101,7 @@
         </p:blipFill>
         <p:spPr>
           <a:xfrm>
-            <a:off x="3828907" y="4195691"/>
+            <a:off x="2137267" y="4040243"/>
             <a:ext cx="363145" cy="363145"/>
           </a:xfrm>
           <a:prstGeom prst="rect">
@@ -21136,7 +21137,477 @@
         </p:blipFill>
         <p:spPr>
           <a:xfrm>
-            <a:off x="6293071" y="4168258"/>
+            <a:off x="4601431" y="4012810"/>
+            <a:ext cx="363145" cy="363145"/>
+          </a:xfrm>
+          <a:prstGeom prst="rect">
+            <a:avLst/>
+          </a:prstGeom>
+        </p:spPr>
+      </p:pic>
+      <p:pic>
+        <p:nvPicPr>
+          <p:cNvPr id="29" name="Picture 28" descr="A isometric view of a factory&#10;&#10;Description automatically generated">
+            <a:extLst>
+              <a:ext uri="{FF2B5EF4-FFF2-40B4-BE49-F238E27FC236}">
+                <a16:creationId xmlns:a16="http://schemas.microsoft.com/office/drawing/2014/main" id="{0BA8BAE0-A7DA-211E-8DB9-5C877F312787}"/>
+              </a:ext>
+            </a:extLst>
+          </p:cNvPr>
+          <p:cNvPicPr>
+            <a:picLocks noChangeAspect="1"/>
+          </p:cNvPicPr>
+          <p:nvPr/>
+        </p:nvPicPr>
+        <p:blipFill>
+          <a:blip r:embed="rId10">
+            <a:extLst>
+              <a:ext uri="{28A0092B-C50C-407E-A947-70E740481C1C}">
+                <a14:useLocalDpi xmlns:a14="http://schemas.microsoft.com/office/drawing/2010/main" val="0"/>
+              </a:ext>
+            </a:extLst>
+          </a:blip>
+          <a:stretch>
+            <a:fillRect/>
+          </a:stretch>
+        </p:blipFill>
+        <p:spPr>
+          <a:xfrm>
+            <a:off x="5611701" y="3777229"/>
+            <a:ext cx="2540000" cy="1905000"/>
+          </a:xfrm>
+          <a:prstGeom prst="rect">
+            <a:avLst/>
+          </a:prstGeom>
+          <a:ln w="3175">
+            <a:solidFill>
+              <a:schemeClr val="tx1"/>
+            </a:solidFill>
+          </a:ln>
+        </p:spPr>
+      </p:pic>
+      <p:pic>
+        <p:nvPicPr>
+          <p:cNvPr id="35" name="Graphic 34" descr="Battery with solid fill">
+            <a:extLst>
+              <a:ext uri="{FF2B5EF4-FFF2-40B4-BE49-F238E27FC236}">
+                <a16:creationId xmlns:a16="http://schemas.microsoft.com/office/drawing/2014/main" id="{FBEC7983-B130-1C61-B60B-1D47CB6C12F8}"/>
+              </a:ext>
+            </a:extLst>
+          </p:cNvPr>
+          <p:cNvPicPr>
+            <a:picLocks noChangeAspect="1"/>
+          </p:cNvPicPr>
+          <p:nvPr/>
+        </p:nvPicPr>
+        <p:blipFill>
+          <a:blip r:embed="rId11">
+            <a:extLst>
+              <a:ext uri="{96DAC541-7B7A-43D3-8B79-37D633B846F1}">
+                <asvg:svgBlip xmlns:asvg="http://schemas.microsoft.com/office/drawing/2016/SVG/main" r:embed="rId12"/>
+              </a:ext>
+            </a:extLst>
+          </a:blip>
+          <a:stretch>
+            <a:fillRect/>
+          </a:stretch>
+        </p:blipFill>
+        <p:spPr>
+          <a:xfrm>
+            <a:off x="7658571" y="5078066"/>
+            <a:ext cx="422143" cy="422143"/>
+          </a:xfrm>
+          <a:prstGeom prst="rect">
+            <a:avLst/>
+          </a:prstGeom>
+        </p:spPr>
+      </p:pic>
+      <p:sp>
+        <p:nvSpPr>
+          <p:cNvPr id="36" name="Arrow: Down 35">
+            <a:extLst>
+              <a:ext uri="{FF2B5EF4-FFF2-40B4-BE49-F238E27FC236}">
+                <a16:creationId xmlns:a16="http://schemas.microsoft.com/office/drawing/2014/main" id="{9B9FB3AC-A0B7-CEE2-042F-07A513E2535D}"/>
+              </a:ext>
+            </a:extLst>
+          </p:cNvPr>
+          <p:cNvSpPr/>
+          <p:nvPr/>
+        </p:nvSpPr>
+        <p:spPr>
+          <a:xfrm>
+            <a:off x="7762703" y="5427815"/>
+            <a:ext cx="177301" cy="199645"/>
+          </a:xfrm>
+          <a:prstGeom prst="downArrow">
+            <a:avLst/>
+          </a:prstGeom>
+          <a:solidFill>
+            <a:schemeClr val="accent2"/>
+          </a:solidFill>
+        </p:spPr>
+        <p:style>
+          <a:lnRef idx="2">
+            <a:schemeClr val="accent1">
+              <a:shade val="15000"/>
+            </a:schemeClr>
+          </a:lnRef>
+          <a:fillRef idx="1">
+            <a:schemeClr val="accent1"/>
+          </a:fillRef>
+          <a:effectRef idx="0">
+            <a:schemeClr val="accent1"/>
+          </a:effectRef>
+          <a:fontRef idx="minor">
+            <a:schemeClr val="lt1"/>
+          </a:fontRef>
+        </p:style>
+        <p:txBody>
+          <a:bodyPr rtlCol="0" anchor="ctr"/>
+          <a:lstStyle/>
+          <a:p>
+            <a:pPr algn="ctr"/>
+            <a:endParaRPr lang="en-SG"/>
+          </a:p>
+        </p:txBody>
+      </p:sp>
+      <p:pic>
+        <p:nvPicPr>
+          <p:cNvPr id="38" name="Graphic 37" descr="Circles with arrows with solid fill">
+            <a:extLst>
+              <a:ext uri="{FF2B5EF4-FFF2-40B4-BE49-F238E27FC236}">
+                <a16:creationId xmlns:a16="http://schemas.microsoft.com/office/drawing/2014/main" id="{0B933EB7-FE40-B357-E77E-443587811D31}"/>
+              </a:ext>
+            </a:extLst>
+          </p:cNvPr>
+          <p:cNvPicPr>
+            <a:picLocks noChangeAspect="1"/>
+          </p:cNvPicPr>
+          <p:nvPr/>
+        </p:nvPicPr>
+        <p:blipFill>
+          <a:blip r:embed="rId13">
+            <a:extLst>
+              <a:ext uri="{96DAC541-7B7A-43D3-8B79-37D633B846F1}">
+                <asvg:svgBlip xmlns:asvg="http://schemas.microsoft.com/office/drawing/2016/SVG/main" r:embed="rId14"/>
+              </a:ext>
+            </a:extLst>
+          </a:blip>
+          <a:stretch>
+            <a:fillRect/>
+          </a:stretch>
+        </p:blipFill>
+        <p:spPr>
+          <a:xfrm>
+            <a:off x="7458244" y="3766546"/>
+            <a:ext cx="718112" cy="718112"/>
+          </a:xfrm>
+          <a:prstGeom prst="rect">
+            <a:avLst/>
+          </a:prstGeom>
+        </p:spPr>
+      </p:pic>
+      <p:pic>
+        <p:nvPicPr>
+          <p:cNvPr id="40" name="Graphic 39" descr="Shuffle with solid fill">
+            <a:extLst>
+              <a:ext uri="{FF2B5EF4-FFF2-40B4-BE49-F238E27FC236}">
+                <a16:creationId xmlns:a16="http://schemas.microsoft.com/office/drawing/2014/main" id="{41E86C32-6A78-A115-3C3C-FE9B664B8824}"/>
+              </a:ext>
+            </a:extLst>
+          </p:cNvPr>
+          <p:cNvPicPr>
+            <a:picLocks noChangeAspect="1"/>
+          </p:cNvPicPr>
+          <p:nvPr/>
+        </p:nvPicPr>
+        <p:blipFill>
+          <a:blip r:embed="rId15">
+            <a:extLst>
+              <a:ext uri="{96DAC541-7B7A-43D3-8B79-37D633B846F1}">
+                <asvg:svgBlip xmlns:asvg="http://schemas.microsoft.com/office/drawing/2016/SVG/main" r:embed="rId16"/>
+              </a:ext>
+            </a:extLst>
+          </a:blip>
+          <a:stretch>
+            <a:fillRect/>
+          </a:stretch>
+        </p:blipFill>
+        <p:spPr>
+          <a:xfrm>
+            <a:off x="7680681" y="3988983"/>
+            <a:ext cx="273237" cy="273237"/>
+          </a:xfrm>
+          <a:prstGeom prst="rect">
+            <a:avLst/>
+          </a:prstGeom>
+        </p:spPr>
+      </p:pic>
+      <p:pic>
+        <p:nvPicPr>
+          <p:cNvPr id="43" name="Picture 42" descr="A isometric view of a factory&#10;&#10;Description automatically generated">
+            <a:extLst>
+              <a:ext uri="{FF2B5EF4-FFF2-40B4-BE49-F238E27FC236}">
+                <a16:creationId xmlns:a16="http://schemas.microsoft.com/office/drawing/2014/main" id="{FAE42E47-1990-B4E8-0E80-BA1555CD5585}"/>
+              </a:ext>
+            </a:extLst>
+          </p:cNvPr>
+          <p:cNvPicPr>
+            <a:picLocks noChangeAspect="1"/>
+          </p:cNvPicPr>
+          <p:nvPr/>
+        </p:nvPicPr>
+        <p:blipFill>
+          <a:blip r:embed="rId10">
+            <a:extLst>
+              <a:ext uri="{28A0092B-C50C-407E-A947-70E740481C1C}">
+                <a14:useLocalDpi xmlns:a14="http://schemas.microsoft.com/office/drawing/2010/main" val="0"/>
+              </a:ext>
+            </a:extLst>
+          </a:blip>
+          <a:stretch>
+            <a:fillRect/>
+          </a:stretch>
+        </p:blipFill>
+        <p:spPr>
+          <a:xfrm>
+            <a:off x="8634187" y="3800640"/>
+            <a:ext cx="2540000" cy="1905000"/>
+          </a:xfrm>
+          <a:prstGeom prst="rect">
+            <a:avLst/>
+          </a:prstGeom>
+          <a:ln w="3175">
+            <a:solidFill>
+              <a:schemeClr val="tx1"/>
+            </a:solidFill>
+          </a:ln>
+        </p:spPr>
+      </p:pic>
+      <p:sp>
+        <p:nvSpPr>
+          <p:cNvPr id="45" name="Arrow: Down 44">
+            <a:extLst>
+              <a:ext uri="{FF2B5EF4-FFF2-40B4-BE49-F238E27FC236}">
+                <a16:creationId xmlns:a16="http://schemas.microsoft.com/office/drawing/2014/main" id="{7B5A362B-840C-54E2-032C-F66B74C5A26C}"/>
+              </a:ext>
+            </a:extLst>
+          </p:cNvPr>
+          <p:cNvSpPr/>
+          <p:nvPr/>
+        </p:nvSpPr>
+        <p:spPr>
+          <a:xfrm>
+            <a:off x="10785189" y="5451226"/>
+            <a:ext cx="177301" cy="199645"/>
+          </a:xfrm>
+          <a:prstGeom prst="downArrow">
+            <a:avLst/>
+          </a:prstGeom>
+          <a:solidFill>
+            <a:schemeClr val="accent6">
+              <a:lumMod val="75000"/>
+            </a:schemeClr>
+          </a:solidFill>
+        </p:spPr>
+        <p:style>
+          <a:lnRef idx="2">
+            <a:schemeClr val="accent1">
+              <a:shade val="15000"/>
+            </a:schemeClr>
+          </a:lnRef>
+          <a:fillRef idx="1">
+            <a:schemeClr val="accent1"/>
+          </a:fillRef>
+          <a:effectRef idx="0">
+            <a:schemeClr val="accent1"/>
+          </a:effectRef>
+          <a:fontRef idx="minor">
+            <a:schemeClr val="lt1"/>
+          </a:fontRef>
+        </p:style>
+        <p:txBody>
+          <a:bodyPr rtlCol="0" anchor="ctr"/>
+          <a:lstStyle/>
+          <a:p>
+            <a:pPr algn="ctr"/>
+            <a:endParaRPr lang="en-SG"/>
+          </a:p>
+        </p:txBody>
+      </p:sp>
+      <p:pic>
+        <p:nvPicPr>
+          <p:cNvPr id="46" name="Graphic 45" descr="Circles with arrows with solid fill">
+            <a:extLst>
+              <a:ext uri="{FF2B5EF4-FFF2-40B4-BE49-F238E27FC236}">
+                <a16:creationId xmlns:a16="http://schemas.microsoft.com/office/drawing/2014/main" id="{DABA6462-4E76-4C90-90DE-5A47CF26D5B2}"/>
+              </a:ext>
+            </a:extLst>
+          </p:cNvPr>
+          <p:cNvPicPr>
+            <a:picLocks noChangeAspect="1"/>
+          </p:cNvPicPr>
+          <p:nvPr/>
+        </p:nvPicPr>
+        <p:blipFill>
+          <a:blip r:embed="rId13">
+            <a:extLst>
+              <a:ext uri="{96DAC541-7B7A-43D3-8B79-37D633B846F1}">
+                <asvg:svgBlip xmlns:asvg="http://schemas.microsoft.com/office/drawing/2016/SVG/main" r:embed="rId14"/>
+              </a:ext>
+            </a:extLst>
+          </a:blip>
+          <a:stretch>
+            <a:fillRect/>
+          </a:stretch>
+        </p:blipFill>
+        <p:spPr>
+          <a:xfrm rot="2797008">
+            <a:off x="10480730" y="3789957"/>
+            <a:ext cx="718112" cy="718112"/>
+          </a:xfrm>
+          <a:prstGeom prst="rect">
+            <a:avLst/>
+          </a:prstGeom>
+        </p:spPr>
+      </p:pic>
+      <p:pic>
+        <p:nvPicPr>
+          <p:cNvPr id="42" name="Graphic 41" descr="Transfer with solid fill">
+            <a:extLst>
+              <a:ext uri="{FF2B5EF4-FFF2-40B4-BE49-F238E27FC236}">
+                <a16:creationId xmlns:a16="http://schemas.microsoft.com/office/drawing/2014/main" id="{DB96531A-F7DA-A5B8-5D9F-7FC537C0E67B}"/>
+              </a:ext>
+            </a:extLst>
+          </p:cNvPr>
+          <p:cNvPicPr>
+            <a:picLocks noChangeAspect="1"/>
+          </p:cNvPicPr>
+          <p:nvPr/>
+        </p:nvPicPr>
+        <p:blipFill>
+          <a:blip r:embed="rId17">
+            <a:extLst>
+              <a:ext uri="{96DAC541-7B7A-43D3-8B79-37D633B846F1}">
+                <asvg:svgBlip xmlns:asvg="http://schemas.microsoft.com/office/drawing/2016/SVG/main" r:embed="rId18"/>
+              </a:ext>
+            </a:extLst>
+          </a:blip>
+          <a:stretch>
+            <a:fillRect/>
+          </a:stretch>
+        </p:blipFill>
+        <p:spPr>
+          <a:xfrm>
+            <a:off x="10685259" y="4012402"/>
+            <a:ext cx="301501" cy="301501"/>
+          </a:xfrm>
+          <a:prstGeom prst="rect">
+            <a:avLst/>
+          </a:prstGeom>
+        </p:spPr>
+      </p:pic>
+      <p:pic>
+        <p:nvPicPr>
+          <p:cNvPr id="49" name="Graphic 48" descr="Battery charging with solid fill">
+            <a:extLst>
+              <a:ext uri="{FF2B5EF4-FFF2-40B4-BE49-F238E27FC236}">
+                <a16:creationId xmlns:a16="http://schemas.microsoft.com/office/drawing/2014/main" id="{C9C1793E-6238-2712-6E7D-CB63B9053D63}"/>
+              </a:ext>
+            </a:extLst>
+          </p:cNvPr>
+          <p:cNvPicPr>
+            <a:picLocks noChangeAspect="1"/>
+          </p:cNvPicPr>
+          <p:nvPr/>
+        </p:nvPicPr>
+        <p:blipFill>
+          <a:blip r:embed="rId19">
+            <a:extLst>
+              <a:ext uri="{96DAC541-7B7A-43D3-8B79-37D633B846F1}">
+                <asvg:svgBlip xmlns:asvg="http://schemas.microsoft.com/office/drawing/2016/SVG/main" r:embed="rId20"/>
+              </a:ext>
+            </a:extLst>
+          </a:blip>
+          <a:stretch>
+            <a:fillRect/>
+          </a:stretch>
+        </p:blipFill>
+        <p:spPr>
+          <a:xfrm>
+            <a:off x="10685259" y="5078066"/>
+            <a:ext cx="452922" cy="452922"/>
+          </a:xfrm>
+          <a:prstGeom prst="rect">
+            <a:avLst/>
+          </a:prstGeom>
+        </p:spPr>
+      </p:pic>
+      <p:pic>
+        <p:nvPicPr>
+          <p:cNvPr id="50" name="Graphic 49" descr="High voltage with solid fill">
+            <a:extLst>
+              <a:ext uri="{FF2B5EF4-FFF2-40B4-BE49-F238E27FC236}">
+                <a16:creationId xmlns:a16="http://schemas.microsoft.com/office/drawing/2014/main" id="{71D1A71B-2A5E-F053-E559-6E6081BDBED3}"/>
+              </a:ext>
+            </a:extLst>
+          </p:cNvPr>
+          <p:cNvPicPr>
+            <a:picLocks noChangeAspect="1"/>
+          </p:cNvPicPr>
+          <p:nvPr/>
+        </p:nvPicPr>
+        <p:blipFill>
+          <a:blip r:embed="rId8">
+            <a:extLst>
+              <a:ext uri="{96DAC541-7B7A-43D3-8B79-37D633B846F1}">
+                <asvg:svgBlip xmlns:asvg="http://schemas.microsoft.com/office/drawing/2016/SVG/main" r:embed="rId9"/>
+              </a:ext>
+            </a:extLst>
+          </a:blip>
+          <a:stretch>
+            <a:fillRect/>
+          </a:stretch>
+        </p:blipFill>
+        <p:spPr>
+          <a:xfrm>
+            <a:off x="5708282" y="5246242"/>
+            <a:ext cx="363145" cy="363145"/>
+          </a:xfrm>
+          <a:prstGeom prst="rect">
+            <a:avLst/>
+          </a:prstGeom>
+        </p:spPr>
+      </p:pic>
+      <p:pic>
+        <p:nvPicPr>
+          <p:cNvPr id="51" name="Graphic 50" descr="High voltage with solid fill">
+            <a:extLst>
+              <a:ext uri="{FF2B5EF4-FFF2-40B4-BE49-F238E27FC236}">
+                <a16:creationId xmlns:a16="http://schemas.microsoft.com/office/drawing/2014/main" id="{E5FB553E-9ED7-65FC-1C54-E712E86AF9C4}"/>
+              </a:ext>
+            </a:extLst>
+          </p:cNvPr>
+          <p:cNvPicPr>
+            <a:picLocks noChangeAspect="1"/>
+          </p:cNvPicPr>
+          <p:nvPr/>
+        </p:nvPicPr>
+        <p:blipFill>
+          <a:blip r:embed="rId21">
+            <a:extLst>
+              <a:ext uri="{96DAC541-7B7A-43D3-8B79-37D633B846F1}">
+                <asvg:svgBlip xmlns:asvg="http://schemas.microsoft.com/office/drawing/2016/SVG/main" r:embed="rId22"/>
+              </a:ext>
+            </a:extLst>
+          </a:blip>
+          <a:stretch>
+            <a:fillRect/>
+          </a:stretch>
+        </p:blipFill>
+        <p:spPr>
+          <a:xfrm>
+            <a:off x="8736911" y="5246241"/>
             <a:ext cx="363145" cy="363145"/>
           </a:xfrm>
           <a:prstGeom prst="rect">
@@ -21202,7 +21673,7 @@
         </p:blipFill>
         <p:spPr>
           <a:xfrm>
-            <a:off x="8094156" y="3188606"/>
+            <a:off x="8174277" y="1845965"/>
             <a:ext cx="628845" cy="628845"/>
           </a:xfrm>
           <a:prstGeom prst="rect">
@@ -22558,7 +23029,7 @@
         </p:blipFill>
         <p:spPr>
           <a:xfrm rot="5400000">
-            <a:off x="8499918" y="3427908"/>
+            <a:off x="8580039" y="2085267"/>
             <a:ext cx="250824" cy="253008"/>
           </a:xfrm>
           <a:prstGeom prst="rect">
@@ -22594,7 +23065,7 @@
         </p:blipFill>
         <p:spPr>
           <a:xfrm>
-            <a:off x="8089425" y="3099434"/>
+            <a:off x="8169546" y="1756793"/>
             <a:ext cx="356998" cy="356998"/>
           </a:xfrm>
           <a:prstGeom prst="rect">
@@ -22616,7 +23087,7 @@
         </p:nvSpPr>
         <p:spPr>
           <a:xfrm rot="10800000">
-            <a:off x="8161259" y="3672339"/>
+            <a:off x="8241380" y="2329698"/>
             <a:ext cx="257005" cy="130929"/>
           </a:xfrm>
           <a:prstGeom prst="leftArrow">
@@ -22676,7 +23147,7 @@
         </p:blipFill>
         <p:spPr>
           <a:xfrm>
-            <a:off x="9078538" y="3207587"/>
+            <a:off x="9158659" y="1864946"/>
             <a:ext cx="628845" cy="628845"/>
           </a:xfrm>
           <a:prstGeom prst="rect">
@@ -22717,7 +23188,7 @@
         </p:blipFill>
         <p:spPr>
           <a:xfrm rot="5400000">
-            <a:off x="9484300" y="3337161"/>
+            <a:off x="9564421" y="1994520"/>
             <a:ext cx="250824" cy="253008"/>
           </a:xfrm>
           <a:prstGeom prst="rect">
@@ -22739,7 +23210,7 @@
         </p:nvSpPr>
         <p:spPr>
           <a:xfrm rot="10800000">
-            <a:off x="9145641" y="3691320"/>
+            <a:off x="9225762" y="2348679"/>
             <a:ext cx="257005" cy="130929"/>
           </a:xfrm>
           <a:prstGeom prst="leftArrow">
@@ -22802,7 +23273,7 @@
         </p:blipFill>
         <p:spPr>
           <a:xfrm>
-            <a:off x="9069394" y="3111400"/>
+            <a:off x="9149515" y="1768759"/>
             <a:ext cx="375837" cy="375837"/>
           </a:xfrm>
           <a:prstGeom prst="rect">
@@ -22824,7 +23295,7 @@
         </p:nvSpPr>
         <p:spPr>
           <a:xfrm>
-            <a:off x="8420827" y="3418633"/>
+            <a:off x="8500948" y="2075992"/>
             <a:ext cx="45720" cy="144645"/>
           </a:xfrm>
           <a:prstGeom prst="rect">
@@ -22878,7 +23349,7 @@
         </p:nvSpPr>
         <p:spPr>
           <a:xfrm>
-            <a:off x="9412517" y="3442187"/>
+            <a:off x="9492638" y="2099546"/>
             <a:ext cx="45720" cy="144645"/>
           </a:xfrm>
           <a:prstGeom prst="rect">
@@ -22922,6 +23393,2014 @@
     <p:extLst>
       <p:ext uri="{BB962C8B-B14F-4D97-AF65-F5344CB8AC3E}">
         <p14:creationId xmlns:p14="http://schemas.microsoft.com/office/powerpoint/2010/main" val="674754394"/>
+      </p:ext>
+    </p:extLst>
+  </p:cSld>
+  <p:clrMapOvr>
+    <a:masterClrMapping/>
+  </p:clrMapOvr>
+</p:sld>
+</file>
+
+<file path=ppt/slides/slide6.xml><?xml version="1.0" encoding="utf-8"?>
+<p:sld xmlns:a="http://schemas.openxmlformats.org/drawingml/2006/main" xmlns:r="http://schemas.openxmlformats.org/officeDocument/2006/relationships" xmlns:p="http://schemas.openxmlformats.org/presentationml/2006/main">
+  <p:cSld>
+    <p:spTree>
+      <p:nvGrpSpPr>
+        <p:cNvPr id="1" name=""/>
+        <p:cNvGrpSpPr/>
+        <p:nvPr/>
+      </p:nvGrpSpPr>
+      <p:grpSpPr>
+        <a:xfrm>
+          <a:off x="0" y="0"/>
+          <a:ext cx="0" cy="0"/>
+          <a:chOff x="0" y="0"/>
+          <a:chExt cx="0" cy="0"/>
+        </a:xfrm>
+      </p:grpSpPr>
+      <p:pic>
+        <p:nvPicPr>
+          <p:cNvPr id="5" name="Picture 4">
+            <a:extLst>
+              <a:ext uri="{FF2B5EF4-FFF2-40B4-BE49-F238E27FC236}">
+                <a16:creationId xmlns:a16="http://schemas.microsoft.com/office/drawing/2014/main" id="{B7EAE7C0-5958-AB8D-F4A4-E351E9E4913B}"/>
+              </a:ext>
+            </a:extLst>
+          </p:cNvPr>
+          <p:cNvPicPr>
+            <a:picLocks noChangeAspect="1"/>
+          </p:cNvPicPr>
+          <p:nvPr/>
+        </p:nvPicPr>
+        <p:blipFill>
+          <a:blip r:embed="rId2"/>
+          <a:stretch>
+            <a:fillRect/>
+          </a:stretch>
+        </p:blipFill>
+        <p:spPr>
+          <a:xfrm>
+            <a:off x="392068" y="1209964"/>
+            <a:ext cx="5181414" cy="2938602"/>
+          </a:xfrm>
+          <a:prstGeom prst="rect">
+            <a:avLst/>
+          </a:prstGeom>
+        </p:spPr>
+      </p:pic>
+      <p:sp>
+        <p:nvSpPr>
+          <p:cNvPr id="6" name="TextBox 5">
+            <a:extLst>
+              <a:ext uri="{FF2B5EF4-FFF2-40B4-BE49-F238E27FC236}">
+                <a16:creationId xmlns:a16="http://schemas.microsoft.com/office/drawing/2014/main" id="{2E6DDD57-FF9C-0498-2B58-65BA28B12A23}"/>
+              </a:ext>
+            </a:extLst>
+          </p:cNvPr>
+          <p:cNvSpPr txBox="1"/>
+          <p:nvPr/>
+        </p:nvSpPr>
+        <p:spPr>
+          <a:xfrm>
+            <a:off x="333938" y="865173"/>
+            <a:ext cx="4332289" cy="276999"/>
+          </a:xfrm>
+          <a:prstGeom prst="rect">
+            <a:avLst/>
+          </a:prstGeom>
+          <a:noFill/>
+        </p:spPr>
+        <p:txBody>
+          <a:bodyPr wrap="square">
+            <a:spAutoFit/>
+          </a:bodyPr>
+          <a:lstStyle/>
+          <a:p>
+            <a:r>
+              <a:rPr lang="en-US" sz="1200" b="1" dirty="0"/>
+              <a:t>2D Power Grid Physical-world Simulation Program</a:t>
+            </a:r>
+            <a:endParaRPr lang="en-SG" sz="1200" b="1" dirty="0"/>
+          </a:p>
+        </p:txBody>
+      </p:sp>
+      <p:sp>
+        <p:nvSpPr>
+          <p:cNvPr id="8" name="Rectangle 7">
+            <a:extLst>
+              <a:ext uri="{FF2B5EF4-FFF2-40B4-BE49-F238E27FC236}">
+                <a16:creationId xmlns:a16="http://schemas.microsoft.com/office/drawing/2014/main" id="{AA5A1EF8-3030-6675-AA30-9A1BDE9251F3}"/>
+              </a:ext>
+            </a:extLst>
+          </p:cNvPr>
+          <p:cNvSpPr/>
+          <p:nvPr/>
+        </p:nvSpPr>
+        <p:spPr>
+          <a:xfrm>
+            <a:off x="450411" y="4607525"/>
+            <a:ext cx="2049672" cy="698136"/>
+          </a:xfrm>
+          <a:prstGeom prst="rect">
+            <a:avLst/>
+          </a:prstGeom>
+          <a:noFill/>
+          <a:ln>
+            <a:prstDash val="sysDash"/>
+          </a:ln>
+        </p:spPr>
+        <p:style>
+          <a:lnRef idx="2">
+            <a:schemeClr val="accent1">
+              <a:shade val="15000"/>
+            </a:schemeClr>
+          </a:lnRef>
+          <a:fillRef idx="1">
+            <a:schemeClr val="accent1"/>
+          </a:fillRef>
+          <a:effectRef idx="0">
+            <a:schemeClr val="accent1"/>
+          </a:effectRef>
+          <a:fontRef idx="minor">
+            <a:schemeClr val="lt1"/>
+          </a:fontRef>
+        </p:style>
+        <p:txBody>
+          <a:bodyPr rtlCol="0" anchor="ctr"/>
+          <a:lstStyle/>
+          <a:p>
+            <a:pPr algn="ctr"/>
+            <a:endParaRPr lang="en-SG" dirty="0"/>
+          </a:p>
+        </p:txBody>
+      </p:sp>
+      <p:pic>
+        <p:nvPicPr>
+          <p:cNvPr id="9" name="Picture 8" descr="TM221CE16R Schneider Electric Modicon M221 PLC CPU Mini USB Interface –  Ralakde Automation">
+            <a:extLst>
+              <a:ext uri="{FF2B5EF4-FFF2-40B4-BE49-F238E27FC236}">
+                <a16:creationId xmlns:a16="http://schemas.microsoft.com/office/drawing/2014/main" id="{76EC452D-2C9B-DE9D-97D6-7578F1E08B79}"/>
+              </a:ext>
+            </a:extLst>
+          </p:cNvPr>
+          <p:cNvPicPr>
+            <a:picLocks noChangeAspect="1" noChangeArrowheads="1"/>
+          </p:cNvPicPr>
+          <p:nvPr/>
+        </p:nvPicPr>
+        <p:blipFill>
+          <a:blip r:embed="rId3">
+            <a:extLst>
+              <a:ext uri="{28A0092B-C50C-407E-A947-70E740481C1C}">
+                <a14:useLocalDpi xmlns:a14="http://schemas.microsoft.com/office/drawing/2010/main" val="0"/>
+              </a:ext>
+            </a:extLst>
+          </a:blip>
+          <a:srcRect/>
+          <a:stretch>
+            <a:fillRect/>
+          </a:stretch>
+        </p:blipFill>
+        <p:spPr bwMode="auto">
+          <a:xfrm>
+            <a:off x="545265" y="4677523"/>
+            <a:ext cx="520526" cy="570651"/>
+          </a:xfrm>
+          <a:prstGeom prst="rect">
+            <a:avLst/>
+          </a:prstGeom>
+          <a:noFill/>
+          <a:extLst>
+            <a:ext uri="{909E8E84-426E-40DD-AFC4-6F175D3DCCD1}">
+              <a14:hiddenFill xmlns:a14="http://schemas.microsoft.com/office/drawing/2010/main">
+                <a:solidFill>
+                  <a:srgbClr val="FFFFFF"/>
+                </a:solidFill>
+              </a14:hiddenFill>
+            </a:ext>
+          </a:extLst>
+        </p:spPr>
+      </p:pic>
+      <p:pic>
+        <p:nvPicPr>
+          <p:cNvPr id="10" name="Picture 9" descr="TM221CE16R Schneider Electric Modicon M221 PLC CPU Mini USB Interface –  Ralakde Automation">
+            <a:extLst>
+              <a:ext uri="{FF2B5EF4-FFF2-40B4-BE49-F238E27FC236}">
+                <a16:creationId xmlns:a16="http://schemas.microsoft.com/office/drawing/2014/main" id="{6EF44F95-D1D3-1EEB-53CA-93E60D8C1B99}"/>
+              </a:ext>
+            </a:extLst>
+          </p:cNvPr>
+          <p:cNvPicPr>
+            <a:picLocks noChangeAspect="1" noChangeArrowheads="1"/>
+          </p:cNvPicPr>
+          <p:nvPr/>
+        </p:nvPicPr>
+        <p:blipFill>
+          <a:blip r:embed="rId3">
+            <a:extLst>
+              <a:ext uri="{28A0092B-C50C-407E-A947-70E740481C1C}">
+                <a14:useLocalDpi xmlns:a14="http://schemas.microsoft.com/office/drawing/2010/main" val="0"/>
+              </a:ext>
+            </a:extLst>
+          </a:blip>
+          <a:srcRect/>
+          <a:stretch>
+            <a:fillRect/>
+          </a:stretch>
+        </p:blipFill>
+        <p:spPr bwMode="auto">
+          <a:xfrm>
+            <a:off x="1218238" y="4677523"/>
+            <a:ext cx="520526" cy="570651"/>
+          </a:xfrm>
+          <a:prstGeom prst="rect">
+            <a:avLst/>
+          </a:prstGeom>
+          <a:noFill/>
+          <a:extLst>
+            <a:ext uri="{909E8E84-426E-40DD-AFC4-6F175D3DCCD1}">
+              <a14:hiddenFill xmlns:a14="http://schemas.microsoft.com/office/drawing/2010/main">
+                <a:solidFill>
+                  <a:srgbClr val="FFFFFF"/>
+                </a:solidFill>
+              </a14:hiddenFill>
+            </a:ext>
+          </a:extLst>
+        </p:spPr>
+      </p:pic>
+      <p:pic>
+        <p:nvPicPr>
+          <p:cNvPr id="11" name="Picture 10" descr="TM221CE16R Schneider Electric Modicon M221 PLC CPU Mini USB Interface –  Ralakde Automation">
+            <a:extLst>
+              <a:ext uri="{FF2B5EF4-FFF2-40B4-BE49-F238E27FC236}">
+                <a16:creationId xmlns:a16="http://schemas.microsoft.com/office/drawing/2014/main" id="{E8BF81DE-778E-F671-F7B6-93FBDAB6431D}"/>
+              </a:ext>
+            </a:extLst>
+          </p:cNvPr>
+          <p:cNvPicPr>
+            <a:picLocks noChangeAspect="1" noChangeArrowheads="1"/>
+          </p:cNvPicPr>
+          <p:nvPr/>
+        </p:nvPicPr>
+        <p:blipFill>
+          <a:blip r:embed="rId3">
+            <a:extLst>
+              <a:ext uri="{28A0092B-C50C-407E-A947-70E740481C1C}">
+                <a14:useLocalDpi xmlns:a14="http://schemas.microsoft.com/office/drawing/2010/main" val="0"/>
+              </a:ext>
+            </a:extLst>
+          </a:blip>
+          <a:srcRect/>
+          <a:stretch>
+            <a:fillRect/>
+          </a:stretch>
+        </p:blipFill>
+        <p:spPr bwMode="auto">
+          <a:xfrm>
+            <a:off x="1891211" y="4677523"/>
+            <a:ext cx="520526" cy="570651"/>
+          </a:xfrm>
+          <a:prstGeom prst="rect">
+            <a:avLst/>
+          </a:prstGeom>
+          <a:noFill/>
+          <a:extLst>
+            <a:ext uri="{909E8E84-426E-40DD-AFC4-6F175D3DCCD1}">
+              <a14:hiddenFill xmlns:a14="http://schemas.microsoft.com/office/drawing/2010/main">
+                <a:solidFill>
+                  <a:srgbClr val="FFFFFF"/>
+                </a:solidFill>
+              </a14:hiddenFill>
+            </a:ext>
+          </a:extLst>
+        </p:spPr>
+      </p:pic>
+      <p:cxnSp>
+        <p:nvCxnSpPr>
+          <p:cNvPr id="13" name="Straight Connector 12">
+            <a:extLst>
+              <a:ext uri="{FF2B5EF4-FFF2-40B4-BE49-F238E27FC236}">
+                <a16:creationId xmlns:a16="http://schemas.microsoft.com/office/drawing/2014/main" id="{BBCE97F5-054E-54C3-C520-97C51B629167}"/>
+              </a:ext>
+            </a:extLst>
+          </p:cNvPr>
+          <p:cNvCxnSpPr>
+            <a:cxnSpLocks/>
+            <a:stCxn id="9" idx="2"/>
+          </p:cNvCxnSpPr>
+          <p:nvPr/>
+        </p:nvCxnSpPr>
+        <p:spPr>
+          <a:xfrm>
+            <a:off x="805528" y="5248174"/>
+            <a:ext cx="0" cy="560444"/>
+          </a:xfrm>
+          <a:prstGeom prst="line">
+            <a:avLst/>
+          </a:prstGeom>
+          <a:ln>
+            <a:solidFill>
+              <a:schemeClr val="accent6">
+                <a:lumMod val="75000"/>
+              </a:schemeClr>
+            </a:solidFill>
+          </a:ln>
+        </p:spPr>
+        <p:style>
+          <a:lnRef idx="2">
+            <a:schemeClr val="accent1"/>
+          </a:lnRef>
+          <a:fillRef idx="0">
+            <a:schemeClr val="accent1"/>
+          </a:fillRef>
+          <a:effectRef idx="1">
+            <a:schemeClr val="accent1"/>
+          </a:effectRef>
+          <a:fontRef idx="minor">
+            <a:schemeClr val="tx1"/>
+          </a:fontRef>
+        </p:style>
+      </p:cxnSp>
+      <p:cxnSp>
+        <p:nvCxnSpPr>
+          <p:cNvPr id="14" name="Straight Connector 13">
+            <a:extLst>
+              <a:ext uri="{FF2B5EF4-FFF2-40B4-BE49-F238E27FC236}">
+                <a16:creationId xmlns:a16="http://schemas.microsoft.com/office/drawing/2014/main" id="{317BA909-32D2-96C8-CFB2-BC0055B3F9E6}"/>
+              </a:ext>
+            </a:extLst>
+          </p:cNvPr>
+          <p:cNvCxnSpPr>
+            <a:cxnSpLocks/>
+            <a:stCxn id="10" idx="2"/>
+          </p:cNvCxnSpPr>
+          <p:nvPr/>
+        </p:nvCxnSpPr>
+        <p:spPr>
+          <a:xfrm>
+            <a:off x="1478501" y="5248174"/>
+            <a:ext cx="0" cy="574069"/>
+          </a:xfrm>
+          <a:prstGeom prst="line">
+            <a:avLst/>
+          </a:prstGeom>
+          <a:ln>
+            <a:solidFill>
+              <a:schemeClr val="accent6">
+                <a:lumMod val="75000"/>
+              </a:schemeClr>
+            </a:solidFill>
+          </a:ln>
+        </p:spPr>
+        <p:style>
+          <a:lnRef idx="2">
+            <a:schemeClr val="accent1"/>
+          </a:lnRef>
+          <a:fillRef idx="0">
+            <a:schemeClr val="accent1"/>
+          </a:fillRef>
+          <a:effectRef idx="1">
+            <a:schemeClr val="accent1"/>
+          </a:effectRef>
+          <a:fontRef idx="minor">
+            <a:schemeClr val="tx1"/>
+          </a:fontRef>
+        </p:style>
+      </p:cxnSp>
+      <p:cxnSp>
+        <p:nvCxnSpPr>
+          <p:cNvPr id="15" name="Straight Connector 14">
+            <a:extLst>
+              <a:ext uri="{FF2B5EF4-FFF2-40B4-BE49-F238E27FC236}">
+                <a16:creationId xmlns:a16="http://schemas.microsoft.com/office/drawing/2014/main" id="{04B45E2F-B301-F34F-C5D2-1E4FFD10858C}"/>
+              </a:ext>
+            </a:extLst>
+          </p:cNvPr>
+          <p:cNvCxnSpPr>
+            <a:cxnSpLocks/>
+            <a:stCxn id="11" idx="2"/>
+          </p:cNvCxnSpPr>
+          <p:nvPr/>
+        </p:nvCxnSpPr>
+        <p:spPr>
+          <a:xfrm>
+            <a:off x="2151474" y="5248174"/>
+            <a:ext cx="0" cy="560444"/>
+          </a:xfrm>
+          <a:prstGeom prst="line">
+            <a:avLst/>
+          </a:prstGeom>
+          <a:ln>
+            <a:solidFill>
+              <a:schemeClr val="accent6">
+                <a:lumMod val="75000"/>
+              </a:schemeClr>
+            </a:solidFill>
+          </a:ln>
+        </p:spPr>
+        <p:style>
+          <a:lnRef idx="2">
+            <a:schemeClr val="accent1"/>
+          </a:lnRef>
+          <a:fillRef idx="0">
+            <a:schemeClr val="accent1"/>
+          </a:fillRef>
+          <a:effectRef idx="1">
+            <a:schemeClr val="accent1"/>
+          </a:effectRef>
+          <a:fontRef idx="minor">
+            <a:schemeClr val="tx1"/>
+          </a:fontRef>
+        </p:style>
+      </p:cxnSp>
+      <p:cxnSp>
+        <p:nvCxnSpPr>
+          <p:cNvPr id="18" name="Straight Connector 17">
+            <a:extLst>
+              <a:ext uri="{FF2B5EF4-FFF2-40B4-BE49-F238E27FC236}">
+                <a16:creationId xmlns:a16="http://schemas.microsoft.com/office/drawing/2014/main" id="{F494B594-3FFD-B1CA-EC0E-5D8E13DA8076}"/>
+              </a:ext>
+            </a:extLst>
+          </p:cNvPr>
+          <p:cNvCxnSpPr>
+            <a:cxnSpLocks/>
+            <a:endCxn id="9" idx="0"/>
+          </p:cNvCxnSpPr>
+          <p:nvPr/>
+        </p:nvCxnSpPr>
+        <p:spPr>
+          <a:xfrm>
+            <a:off x="805528" y="4233494"/>
+            <a:ext cx="0" cy="444029"/>
+          </a:xfrm>
+          <a:prstGeom prst="line">
+            <a:avLst/>
+          </a:prstGeom>
+          <a:ln>
+            <a:solidFill>
+              <a:schemeClr val="bg1">
+                <a:lumMod val="65000"/>
+              </a:schemeClr>
+            </a:solidFill>
+          </a:ln>
+        </p:spPr>
+        <p:style>
+          <a:lnRef idx="2">
+            <a:schemeClr val="accent1"/>
+          </a:lnRef>
+          <a:fillRef idx="0">
+            <a:schemeClr val="accent1"/>
+          </a:fillRef>
+          <a:effectRef idx="1">
+            <a:schemeClr val="accent1"/>
+          </a:effectRef>
+          <a:fontRef idx="minor">
+            <a:schemeClr val="tx1"/>
+          </a:fontRef>
+        </p:style>
+      </p:cxnSp>
+      <p:cxnSp>
+        <p:nvCxnSpPr>
+          <p:cNvPr id="20" name="Straight Connector 19">
+            <a:extLst>
+              <a:ext uri="{FF2B5EF4-FFF2-40B4-BE49-F238E27FC236}">
+                <a16:creationId xmlns:a16="http://schemas.microsoft.com/office/drawing/2014/main" id="{BFA816D2-E446-A74A-9682-38897C502E11}"/>
+              </a:ext>
+            </a:extLst>
+          </p:cNvPr>
+          <p:cNvCxnSpPr>
+            <a:cxnSpLocks/>
+          </p:cNvCxnSpPr>
+          <p:nvPr/>
+        </p:nvCxnSpPr>
+        <p:spPr>
+          <a:xfrm>
+            <a:off x="1462329" y="4218564"/>
+            <a:ext cx="0" cy="458959"/>
+          </a:xfrm>
+          <a:prstGeom prst="line">
+            <a:avLst/>
+          </a:prstGeom>
+          <a:ln>
+            <a:solidFill>
+              <a:schemeClr val="bg1">
+                <a:lumMod val="65000"/>
+              </a:schemeClr>
+            </a:solidFill>
+          </a:ln>
+        </p:spPr>
+        <p:style>
+          <a:lnRef idx="2">
+            <a:schemeClr val="accent1"/>
+          </a:lnRef>
+          <a:fillRef idx="0">
+            <a:schemeClr val="accent1"/>
+          </a:fillRef>
+          <a:effectRef idx="1">
+            <a:schemeClr val="accent1"/>
+          </a:effectRef>
+          <a:fontRef idx="minor">
+            <a:schemeClr val="tx1"/>
+          </a:fontRef>
+        </p:style>
+      </p:cxnSp>
+      <p:cxnSp>
+        <p:nvCxnSpPr>
+          <p:cNvPr id="22" name="Straight Connector 21">
+            <a:extLst>
+              <a:ext uri="{FF2B5EF4-FFF2-40B4-BE49-F238E27FC236}">
+                <a16:creationId xmlns:a16="http://schemas.microsoft.com/office/drawing/2014/main" id="{24713D87-424F-29B0-F00D-CA1E4A5FA7BD}"/>
+              </a:ext>
+            </a:extLst>
+          </p:cNvPr>
+          <p:cNvCxnSpPr>
+            <a:cxnSpLocks/>
+          </p:cNvCxnSpPr>
+          <p:nvPr/>
+        </p:nvCxnSpPr>
+        <p:spPr>
+          <a:xfrm>
+            <a:off x="2137878" y="4204122"/>
+            <a:ext cx="0" cy="480807"/>
+          </a:xfrm>
+          <a:prstGeom prst="line">
+            <a:avLst/>
+          </a:prstGeom>
+          <a:ln>
+            <a:solidFill>
+              <a:schemeClr val="bg1">
+                <a:lumMod val="65000"/>
+              </a:schemeClr>
+            </a:solidFill>
+          </a:ln>
+        </p:spPr>
+        <p:style>
+          <a:lnRef idx="2">
+            <a:schemeClr val="accent1"/>
+          </a:lnRef>
+          <a:fillRef idx="0">
+            <a:schemeClr val="accent1"/>
+          </a:fillRef>
+          <a:effectRef idx="1">
+            <a:schemeClr val="accent1"/>
+          </a:effectRef>
+          <a:fontRef idx="minor">
+            <a:schemeClr val="tx1"/>
+          </a:fontRef>
+        </p:style>
+      </p:cxnSp>
+      <p:pic>
+        <p:nvPicPr>
+          <p:cNvPr id="25" name="Picture 24">
+            <a:extLst>
+              <a:ext uri="{FF2B5EF4-FFF2-40B4-BE49-F238E27FC236}">
+                <a16:creationId xmlns:a16="http://schemas.microsoft.com/office/drawing/2014/main" id="{D7D8A35E-20C3-D7EA-F120-F068A4022B06}"/>
+              </a:ext>
+            </a:extLst>
+          </p:cNvPr>
+          <p:cNvPicPr>
+            <a:picLocks noChangeAspect="1"/>
+          </p:cNvPicPr>
+          <p:nvPr/>
+        </p:nvPicPr>
+        <p:blipFill>
+          <a:blip r:embed="rId4"/>
+          <a:stretch>
+            <a:fillRect/>
+          </a:stretch>
+        </p:blipFill>
+        <p:spPr>
+          <a:xfrm>
+            <a:off x="3190255" y="4642111"/>
+            <a:ext cx="485714" cy="466667"/>
+          </a:xfrm>
+          <a:prstGeom prst="rect">
+            <a:avLst/>
+          </a:prstGeom>
+        </p:spPr>
+      </p:pic>
+      <p:sp>
+        <p:nvSpPr>
+          <p:cNvPr id="26" name="TextBox 25">
+            <a:extLst>
+              <a:ext uri="{FF2B5EF4-FFF2-40B4-BE49-F238E27FC236}">
+                <a16:creationId xmlns:a16="http://schemas.microsoft.com/office/drawing/2014/main" id="{6C0EF5E4-28B9-CA9D-14E8-D62DFA151D82}"/>
+              </a:ext>
+            </a:extLst>
+          </p:cNvPr>
+          <p:cNvSpPr txBox="1"/>
+          <p:nvPr/>
+        </p:nvSpPr>
+        <p:spPr>
+          <a:xfrm>
+            <a:off x="545265" y="4701238"/>
+            <a:ext cx="549146" cy="261610"/>
+          </a:xfrm>
+          <a:prstGeom prst="rect">
+            <a:avLst/>
+          </a:prstGeom>
+          <a:noFill/>
+        </p:spPr>
+        <p:txBody>
+          <a:bodyPr wrap="square">
+            <a:spAutoFit/>
+          </a:bodyPr>
+          <a:lstStyle/>
+          <a:p>
+            <a:r>
+              <a:rPr lang="en-SG" sz="1100" b="1" dirty="0">
+                <a:solidFill>
+                  <a:schemeClr val="bg1"/>
+                </a:solidFill>
+              </a:rPr>
+              <a:t>PLC0</a:t>
+            </a:r>
+          </a:p>
+        </p:txBody>
+      </p:sp>
+      <p:sp>
+        <p:nvSpPr>
+          <p:cNvPr id="27" name="TextBox 26">
+            <a:extLst>
+              <a:ext uri="{FF2B5EF4-FFF2-40B4-BE49-F238E27FC236}">
+                <a16:creationId xmlns:a16="http://schemas.microsoft.com/office/drawing/2014/main" id="{2DC9A73B-4E66-2745-3CEC-B0A1B4BE92AA}"/>
+              </a:ext>
+            </a:extLst>
+          </p:cNvPr>
+          <p:cNvSpPr txBox="1"/>
+          <p:nvPr/>
+        </p:nvSpPr>
+        <p:spPr>
+          <a:xfrm>
+            <a:off x="1233791" y="4701238"/>
+            <a:ext cx="549146" cy="261610"/>
+          </a:xfrm>
+          <a:prstGeom prst="rect">
+            <a:avLst/>
+          </a:prstGeom>
+          <a:noFill/>
+        </p:spPr>
+        <p:txBody>
+          <a:bodyPr wrap="square">
+            <a:spAutoFit/>
+          </a:bodyPr>
+          <a:lstStyle/>
+          <a:p>
+            <a:r>
+              <a:rPr lang="en-SG" sz="1100" b="1" dirty="0">
+                <a:solidFill>
+                  <a:schemeClr val="bg1"/>
+                </a:solidFill>
+              </a:rPr>
+              <a:t>PLC1</a:t>
+            </a:r>
+          </a:p>
+        </p:txBody>
+      </p:sp>
+      <p:sp>
+        <p:nvSpPr>
+          <p:cNvPr id="28" name="TextBox 27">
+            <a:extLst>
+              <a:ext uri="{FF2B5EF4-FFF2-40B4-BE49-F238E27FC236}">
+                <a16:creationId xmlns:a16="http://schemas.microsoft.com/office/drawing/2014/main" id="{AEE32C37-9800-F537-43D7-FF7E4B43B648}"/>
+              </a:ext>
+            </a:extLst>
+          </p:cNvPr>
+          <p:cNvSpPr txBox="1"/>
+          <p:nvPr/>
+        </p:nvSpPr>
+        <p:spPr>
+          <a:xfrm>
+            <a:off x="1933476" y="4691703"/>
+            <a:ext cx="549146" cy="261610"/>
+          </a:xfrm>
+          <a:prstGeom prst="rect">
+            <a:avLst/>
+          </a:prstGeom>
+          <a:noFill/>
+        </p:spPr>
+        <p:txBody>
+          <a:bodyPr wrap="square">
+            <a:spAutoFit/>
+          </a:bodyPr>
+          <a:lstStyle/>
+          <a:p>
+            <a:r>
+              <a:rPr lang="en-SG" sz="1100" b="1" dirty="0">
+                <a:solidFill>
+                  <a:schemeClr val="bg1"/>
+                </a:solidFill>
+              </a:rPr>
+              <a:t>PLC2</a:t>
+            </a:r>
+          </a:p>
+        </p:txBody>
+      </p:sp>
+      <p:sp>
+        <p:nvSpPr>
+          <p:cNvPr id="12" name="TextBox 11">
+            <a:extLst>
+              <a:ext uri="{FF2B5EF4-FFF2-40B4-BE49-F238E27FC236}">
+                <a16:creationId xmlns:a16="http://schemas.microsoft.com/office/drawing/2014/main" id="{BC940150-B89C-1AE6-2CD8-7AF6829EB1AE}"/>
+              </a:ext>
+            </a:extLst>
+          </p:cNvPr>
+          <p:cNvSpPr txBox="1"/>
+          <p:nvPr/>
+        </p:nvSpPr>
+        <p:spPr>
+          <a:xfrm>
+            <a:off x="686030" y="3899946"/>
+            <a:ext cx="1644668" cy="430887"/>
+          </a:xfrm>
+          <a:prstGeom prst="rect">
+            <a:avLst/>
+          </a:prstGeom>
+          <a:solidFill>
+            <a:schemeClr val="bg2">
+              <a:lumMod val="90000"/>
+            </a:schemeClr>
+          </a:solidFill>
+          <a:ln w="19050">
+            <a:solidFill>
+              <a:schemeClr val="tx1"/>
+            </a:solidFill>
+          </a:ln>
+        </p:spPr>
+        <p:txBody>
+          <a:bodyPr wrap="square">
+            <a:spAutoFit/>
+          </a:bodyPr>
+          <a:lstStyle/>
+          <a:p>
+            <a:r>
+              <a:rPr lang="en-SG" sz="1100" b="1" dirty="0"/>
+              <a:t>Circuit breaker logistic signal interface </a:t>
+            </a:r>
+          </a:p>
+        </p:txBody>
+      </p:sp>
+      <p:sp>
+        <p:nvSpPr>
+          <p:cNvPr id="29" name="TextBox 28">
+            <a:extLst>
+              <a:ext uri="{FF2B5EF4-FFF2-40B4-BE49-F238E27FC236}">
+                <a16:creationId xmlns:a16="http://schemas.microsoft.com/office/drawing/2014/main" id="{11336F49-18FF-0870-BA89-EAC36FF72D5D}"/>
+              </a:ext>
+            </a:extLst>
+          </p:cNvPr>
+          <p:cNvSpPr txBox="1"/>
+          <p:nvPr/>
+        </p:nvSpPr>
+        <p:spPr>
+          <a:xfrm>
+            <a:off x="3284107" y="3900333"/>
+            <a:ext cx="1873107" cy="430887"/>
+          </a:xfrm>
+          <a:prstGeom prst="rect">
+            <a:avLst/>
+          </a:prstGeom>
+          <a:solidFill>
+            <a:schemeClr val="bg2">
+              <a:lumMod val="90000"/>
+            </a:schemeClr>
+          </a:solidFill>
+          <a:ln w="19050">
+            <a:solidFill>
+              <a:schemeClr val="tx1"/>
+            </a:solidFill>
+          </a:ln>
+        </p:spPr>
+        <p:txBody>
+          <a:bodyPr wrap="square">
+            <a:spAutoFit/>
+          </a:bodyPr>
+          <a:lstStyle/>
+          <a:p>
+            <a:r>
+              <a:rPr lang="en-SG" sz="1100" b="1" dirty="0"/>
+              <a:t>SV sensors </a:t>
+            </a:r>
+            <a:r>
+              <a:rPr lang="en-SG" sz="1100" b="1" dirty="0" err="1"/>
+              <a:t>analog</a:t>
+            </a:r>
+            <a:r>
+              <a:rPr lang="en-SG" sz="1100" b="1" dirty="0"/>
+              <a:t> / linear signal interface </a:t>
+            </a:r>
+          </a:p>
+        </p:txBody>
+      </p:sp>
+      <p:sp>
+        <p:nvSpPr>
+          <p:cNvPr id="30" name="Rectangle 29">
+            <a:extLst>
+              <a:ext uri="{FF2B5EF4-FFF2-40B4-BE49-F238E27FC236}">
+                <a16:creationId xmlns:a16="http://schemas.microsoft.com/office/drawing/2014/main" id="{9FC6F123-A5F9-6198-07E8-C4EA66C8E110}"/>
+              </a:ext>
+            </a:extLst>
+          </p:cNvPr>
+          <p:cNvSpPr/>
+          <p:nvPr/>
+        </p:nvSpPr>
+        <p:spPr>
+          <a:xfrm>
+            <a:off x="3186110" y="4589174"/>
+            <a:ext cx="2049668" cy="698136"/>
+          </a:xfrm>
+          <a:prstGeom prst="rect">
+            <a:avLst/>
+          </a:prstGeom>
+          <a:noFill/>
+          <a:ln>
+            <a:prstDash val="sysDash"/>
+          </a:ln>
+        </p:spPr>
+        <p:style>
+          <a:lnRef idx="2">
+            <a:schemeClr val="accent1">
+              <a:shade val="15000"/>
+            </a:schemeClr>
+          </a:lnRef>
+          <a:fillRef idx="1">
+            <a:schemeClr val="accent1"/>
+          </a:fillRef>
+          <a:effectRef idx="0">
+            <a:schemeClr val="accent1"/>
+          </a:effectRef>
+          <a:fontRef idx="minor">
+            <a:schemeClr val="lt1"/>
+          </a:fontRef>
+        </p:style>
+        <p:txBody>
+          <a:bodyPr rtlCol="0" anchor="ctr"/>
+          <a:lstStyle/>
+          <a:p>
+            <a:pPr algn="ctr"/>
+            <a:endParaRPr lang="en-SG" dirty="0"/>
+          </a:p>
+        </p:txBody>
+      </p:sp>
+      <p:pic>
+        <p:nvPicPr>
+          <p:cNvPr id="31" name="Picture 30">
+            <a:extLst>
+              <a:ext uri="{FF2B5EF4-FFF2-40B4-BE49-F238E27FC236}">
+                <a16:creationId xmlns:a16="http://schemas.microsoft.com/office/drawing/2014/main" id="{7FA03EDA-33D5-6416-1F7F-8AF6AE8FA534}"/>
+              </a:ext>
+            </a:extLst>
+          </p:cNvPr>
+          <p:cNvPicPr>
+            <a:picLocks noChangeAspect="1"/>
+          </p:cNvPicPr>
+          <p:nvPr/>
+        </p:nvPicPr>
+        <p:blipFill>
+          <a:blip r:embed="rId4"/>
+          <a:stretch>
+            <a:fillRect/>
+          </a:stretch>
+        </p:blipFill>
+        <p:spPr>
+          <a:xfrm>
+            <a:off x="3796075" y="4642111"/>
+            <a:ext cx="485714" cy="466667"/>
+          </a:xfrm>
+          <a:prstGeom prst="rect">
+            <a:avLst/>
+          </a:prstGeom>
+        </p:spPr>
+      </p:pic>
+      <p:pic>
+        <p:nvPicPr>
+          <p:cNvPr id="32" name="Picture 31">
+            <a:extLst>
+              <a:ext uri="{FF2B5EF4-FFF2-40B4-BE49-F238E27FC236}">
+                <a16:creationId xmlns:a16="http://schemas.microsoft.com/office/drawing/2014/main" id="{60E8D7D3-080E-AC19-708F-405F032D9D58}"/>
+              </a:ext>
+            </a:extLst>
+          </p:cNvPr>
+          <p:cNvPicPr>
+            <a:picLocks noChangeAspect="1"/>
+          </p:cNvPicPr>
+          <p:nvPr/>
+        </p:nvPicPr>
+        <p:blipFill>
+          <a:blip r:embed="rId4"/>
+          <a:stretch>
+            <a:fillRect/>
+          </a:stretch>
+        </p:blipFill>
+        <p:spPr>
+          <a:xfrm>
+            <a:off x="4571757" y="4642111"/>
+            <a:ext cx="485714" cy="466667"/>
+          </a:xfrm>
+          <a:prstGeom prst="rect">
+            <a:avLst/>
+          </a:prstGeom>
+        </p:spPr>
+      </p:pic>
+      <p:sp>
+        <p:nvSpPr>
+          <p:cNvPr id="33" name="TextBox 32">
+            <a:extLst>
+              <a:ext uri="{FF2B5EF4-FFF2-40B4-BE49-F238E27FC236}">
+                <a16:creationId xmlns:a16="http://schemas.microsoft.com/office/drawing/2014/main" id="{6DDB67C0-27E9-0F74-EDD8-EDAD7275FF35}"/>
+              </a:ext>
+            </a:extLst>
+          </p:cNvPr>
+          <p:cNvSpPr txBox="1"/>
+          <p:nvPr/>
+        </p:nvSpPr>
+        <p:spPr>
+          <a:xfrm>
+            <a:off x="4326803" y="4763888"/>
+            <a:ext cx="419604" cy="276999"/>
+          </a:xfrm>
+          <a:prstGeom prst="rect">
+            <a:avLst/>
+          </a:prstGeom>
+          <a:noFill/>
+        </p:spPr>
+        <p:txBody>
+          <a:bodyPr wrap="square">
+            <a:spAutoFit/>
+          </a:bodyPr>
+          <a:lstStyle/>
+          <a:p>
+            <a:r>
+              <a:rPr lang="en-SG" sz="1200" b="1" dirty="0"/>
+              <a:t>…</a:t>
+            </a:r>
+          </a:p>
+        </p:txBody>
+      </p:sp>
+      <p:sp>
+        <p:nvSpPr>
+          <p:cNvPr id="34" name="TextBox 33">
+            <a:extLst>
+              <a:ext uri="{FF2B5EF4-FFF2-40B4-BE49-F238E27FC236}">
+                <a16:creationId xmlns:a16="http://schemas.microsoft.com/office/drawing/2014/main" id="{C011EC24-C159-BA1C-F1BD-B81DCB29D5CF}"/>
+              </a:ext>
+            </a:extLst>
+          </p:cNvPr>
+          <p:cNvSpPr txBox="1"/>
+          <p:nvPr/>
+        </p:nvSpPr>
+        <p:spPr>
+          <a:xfrm>
+            <a:off x="3203069" y="5043959"/>
+            <a:ext cx="549146" cy="261610"/>
+          </a:xfrm>
+          <a:prstGeom prst="rect">
+            <a:avLst/>
+          </a:prstGeom>
+          <a:noFill/>
+        </p:spPr>
+        <p:txBody>
+          <a:bodyPr wrap="square">
+            <a:spAutoFit/>
+          </a:bodyPr>
+          <a:lstStyle/>
+          <a:p>
+            <a:r>
+              <a:rPr lang="en-SG" sz="1100" b="1" dirty="0"/>
+              <a:t>MU00</a:t>
+            </a:r>
+          </a:p>
+        </p:txBody>
+      </p:sp>
+      <p:sp>
+        <p:nvSpPr>
+          <p:cNvPr id="35" name="TextBox 34">
+            <a:extLst>
+              <a:ext uri="{FF2B5EF4-FFF2-40B4-BE49-F238E27FC236}">
+                <a16:creationId xmlns:a16="http://schemas.microsoft.com/office/drawing/2014/main" id="{A507C40E-CDBE-09FF-492D-D051581EA3C4}"/>
+              </a:ext>
+            </a:extLst>
+          </p:cNvPr>
+          <p:cNvSpPr txBox="1"/>
+          <p:nvPr/>
+        </p:nvSpPr>
+        <p:spPr>
+          <a:xfrm>
+            <a:off x="3769174" y="5043959"/>
+            <a:ext cx="549146" cy="261610"/>
+          </a:xfrm>
+          <a:prstGeom prst="rect">
+            <a:avLst/>
+          </a:prstGeom>
+          <a:noFill/>
+        </p:spPr>
+        <p:txBody>
+          <a:bodyPr wrap="square">
+            <a:spAutoFit/>
+          </a:bodyPr>
+          <a:lstStyle/>
+          <a:p>
+            <a:r>
+              <a:rPr lang="en-SG" sz="1100" b="1" dirty="0"/>
+              <a:t>MU01</a:t>
+            </a:r>
+          </a:p>
+        </p:txBody>
+      </p:sp>
+      <p:sp>
+        <p:nvSpPr>
+          <p:cNvPr id="36" name="TextBox 35">
+            <a:extLst>
+              <a:ext uri="{FF2B5EF4-FFF2-40B4-BE49-F238E27FC236}">
+                <a16:creationId xmlns:a16="http://schemas.microsoft.com/office/drawing/2014/main" id="{489BA76D-C7B8-BC63-BFBD-60B7E8962C96}"/>
+              </a:ext>
+            </a:extLst>
+          </p:cNvPr>
+          <p:cNvSpPr txBox="1"/>
+          <p:nvPr/>
+        </p:nvSpPr>
+        <p:spPr>
+          <a:xfrm>
+            <a:off x="4538782" y="5058756"/>
+            <a:ext cx="549146" cy="261610"/>
+          </a:xfrm>
+          <a:prstGeom prst="rect">
+            <a:avLst/>
+          </a:prstGeom>
+          <a:noFill/>
+        </p:spPr>
+        <p:txBody>
+          <a:bodyPr wrap="square">
+            <a:spAutoFit/>
+          </a:bodyPr>
+          <a:lstStyle/>
+          <a:p>
+            <a:r>
+              <a:rPr lang="en-SG" sz="1100" b="1" dirty="0"/>
+              <a:t>MU08</a:t>
+            </a:r>
+          </a:p>
+        </p:txBody>
+      </p:sp>
+      <p:cxnSp>
+        <p:nvCxnSpPr>
+          <p:cNvPr id="37" name="Straight Connector 36">
+            <a:extLst>
+              <a:ext uri="{FF2B5EF4-FFF2-40B4-BE49-F238E27FC236}">
+                <a16:creationId xmlns:a16="http://schemas.microsoft.com/office/drawing/2014/main" id="{A5CF627B-B333-D9A8-A9B9-FA79E82921A6}"/>
+              </a:ext>
+            </a:extLst>
+          </p:cNvPr>
+          <p:cNvCxnSpPr>
+            <a:cxnSpLocks/>
+            <a:endCxn id="25" idx="0"/>
+          </p:cNvCxnSpPr>
+          <p:nvPr/>
+        </p:nvCxnSpPr>
+        <p:spPr>
+          <a:xfrm>
+            <a:off x="3433112" y="4330833"/>
+            <a:ext cx="0" cy="311278"/>
+          </a:xfrm>
+          <a:prstGeom prst="line">
+            <a:avLst/>
+          </a:prstGeom>
+          <a:ln>
+            <a:solidFill>
+              <a:schemeClr val="bg1">
+                <a:lumMod val="65000"/>
+              </a:schemeClr>
+            </a:solidFill>
+          </a:ln>
+        </p:spPr>
+        <p:style>
+          <a:lnRef idx="2">
+            <a:schemeClr val="accent1"/>
+          </a:lnRef>
+          <a:fillRef idx="0">
+            <a:schemeClr val="accent1"/>
+          </a:fillRef>
+          <a:effectRef idx="1">
+            <a:schemeClr val="accent1"/>
+          </a:effectRef>
+          <a:fontRef idx="minor">
+            <a:schemeClr val="tx1"/>
+          </a:fontRef>
+        </p:style>
+      </p:cxnSp>
+      <p:cxnSp>
+        <p:nvCxnSpPr>
+          <p:cNvPr id="43" name="Straight Connector 42">
+            <a:extLst>
+              <a:ext uri="{FF2B5EF4-FFF2-40B4-BE49-F238E27FC236}">
+                <a16:creationId xmlns:a16="http://schemas.microsoft.com/office/drawing/2014/main" id="{A3E62D5D-62C7-DE52-3444-7B6E783915F4}"/>
+              </a:ext>
+            </a:extLst>
+          </p:cNvPr>
+          <p:cNvCxnSpPr>
+            <a:cxnSpLocks/>
+          </p:cNvCxnSpPr>
+          <p:nvPr/>
+        </p:nvCxnSpPr>
+        <p:spPr>
+          <a:xfrm>
+            <a:off x="4038932" y="4330833"/>
+            <a:ext cx="0" cy="311278"/>
+          </a:xfrm>
+          <a:prstGeom prst="line">
+            <a:avLst/>
+          </a:prstGeom>
+          <a:ln>
+            <a:solidFill>
+              <a:schemeClr val="bg1">
+                <a:lumMod val="65000"/>
+              </a:schemeClr>
+            </a:solidFill>
+          </a:ln>
+        </p:spPr>
+        <p:style>
+          <a:lnRef idx="2">
+            <a:schemeClr val="accent1"/>
+          </a:lnRef>
+          <a:fillRef idx="0">
+            <a:schemeClr val="accent1"/>
+          </a:fillRef>
+          <a:effectRef idx="1">
+            <a:schemeClr val="accent1"/>
+          </a:effectRef>
+          <a:fontRef idx="minor">
+            <a:schemeClr val="tx1"/>
+          </a:fontRef>
+        </p:style>
+      </p:cxnSp>
+      <p:cxnSp>
+        <p:nvCxnSpPr>
+          <p:cNvPr id="44" name="Straight Connector 43">
+            <a:extLst>
+              <a:ext uri="{FF2B5EF4-FFF2-40B4-BE49-F238E27FC236}">
+                <a16:creationId xmlns:a16="http://schemas.microsoft.com/office/drawing/2014/main" id="{389FE7C1-21F3-15DD-D62C-DF00166A0ADF}"/>
+              </a:ext>
+            </a:extLst>
+          </p:cNvPr>
+          <p:cNvCxnSpPr>
+            <a:cxnSpLocks/>
+          </p:cNvCxnSpPr>
+          <p:nvPr/>
+        </p:nvCxnSpPr>
+        <p:spPr>
+          <a:xfrm>
+            <a:off x="4807591" y="4366245"/>
+            <a:ext cx="0" cy="311278"/>
+          </a:xfrm>
+          <a:prstGeom prst="line">
+            <a:avLst/>
+          </a:prstGeom>
+          <a:ln>
+            <a:solidFill>
+              <a:schemeClr val="bg1">
+                <a:lumMod val="65000"/>
+              </a:schemeClr>
+            </a:solidFill>
+          </a:ln>
+        </p:spPr>
+        <p:style>
+          <a:lnRef idx="2">
+            <a:schemeClr val="accent1"/>
+          </a:lnRef>
+          <a:fillRef idx="0">
+            <a:schemeClr val="accent1"/>
+          </a:fillRef>
+          <a:effectRef idx="1">
+            <a:schemeClr val="accent1"/>
+          </a:effectRef>
+          <a:fontRef idx="minor">
+            <a:schemeClr val="tx1"/>
+          </a:fontRef>
+        </p:style>
+      </p:cxnSp>
+      <p:pic>
+        <p:nvPicPr>
+          <p:cNvPr id="48" name="Picture 47">
+            <a:extLst>
+              <a:ext uri="{FF2B5EF4-FFF2-40B4-BE49-F238E27FC236}">
+                <a16:creationId xmlns:a16="http://schemas.microsoft.com/office/drawing/2014/main" id="{EDAF28ED-31CE-73F3-D451-7F3C147864F9}"/>
+              </a:ext>
+            </a:extLst>
+          </p:cNvPr>
+          <p:cNvPicPr>
+            <a:picLocks noChangeAspect="1"/>
+          </p:cNvPicPr>
+          <p:nvPr/>
+        </p:nvPicPr>
+        <p:blipFill>
+          <a:blip r:embed="rId5"/>
+          <a:stretch>
+            <a:fillRect/>
+          </a:stretch>
+        </p:blipFill>
+        <p:spPr>
+          <a:xfrm>
+            <a:off x="5303533" y="5156864"/>
+            <a:ext cx="895236" cy="489183"/>
+          </a:xfrm>
+          <a:prstGeom prst="rect">
+            <a:avLst/>
+          </a:prstGeom>
+          <a:ln w="12700">
+            <a:solidFill>
+              <a:schemeClr val="tx1"/>
+            </a:solidFill>
+          </a:ln>
+        </p:spPr>
+      </p:pic>
+      <p:sp>
+        <p:nvSpPr>
+          <p:cNvPr id="49" name="TextBox 48">
+            <a:extLst>
+              <a:ext uri="{FF2B5EF4-FFF2-40B4-BE49-F238E27FC236}">
+                <a16:creationId xmlns:a16="http://schemas.microsoft.com/office/drawing/2014/main" id="{F04BF05F-8701-872B-9F57-77E09563EEB2}"/>
+              </a:ext>
+            </a:extLst>
+          </p:cNvPr>
+          <p:cNvSpPr txBox="1"/>
+          <p:nvPr/>
+        </p:nvSpPr>
+        <p:spPr>
+          <a:xfrm>
+            <a:off x="5271098" y="4910082"/>
+            <a:ext cx="1188485" cy="261610"/>
+          </a:xfrm>
+          <a:prstGeom prst="rect">
+            <a:avLst/>
+          </a:prstGeom>
+          <a:noFill/>
+        </p:spPr>
+        <p:txBody>
+          <a:bodyPr wrap="square">
+            <a:spAutoFit/>
+          </a:bodyPr>
+          <a:lstStyle/>
+          <a:p>
+            <a:r>
+              <a:rPr lang="en-SG" sz="1100" b="1" dirty="0"/>
+              <a:t>RTU simulation</a:t>
+            </a:r>
+          </a:p>
+        </p:txBody>
+      </p:sp>
+      <p:cxnSp>
+        <p:nvCxnSpPr>
+          <p:cNvPr id="51" name="Straight Connector 50">
+            <a:extLst>
+              <a:ext uri="{FF2B5EF4-FFF2-40B4-BE49-F238E27FC236}">
+                <a16:creationId xmlns:a16="http://schemas.microsoft.com/office/drawing/2014/main" id="{4215E0B4-ABEE-69B3-6788-F27FAB8458B5}"/>
+              </a:ext>
+            </a:extLst>
+          </p:cNvPr>
+          <p:cNvCxnSpPr>
+            <a:cxnSpLocks/>
+          </p:cNvCxnSpPr>
+          <p:nvPr/>
+        </p:nvCxnSpPr>
+        <p:spPr>
+          <a:xfrm>
+            <a:off x="3751586" y="5422894"/>
+            <a:ext cx="1598506" cy="0"/>
+          </a:xfrm>
+          <a:prstGeom prst="line">
+            <a:avLst/>
+          </a:prstGeom>
+          <a:ln>
+            <a:solidFill>
+              <a:schemeClr val="accent2"/>
+            </a:solidFill>
+          </a:ln>
+        </p:spPr>
+        <p:style>
+          <a:lnRef idx="2">
+            <a:schemeClr val="accent1"/>
+          </a:lnRef>
+          <a:fillRef idx="0">
+            <a:schemeClr val="accent1"/>
+          </a:fillRef>
+          <a:effectRef idx="1">
+            <a:schemeClr val="accent1"/>
+          </a:effectRef>
+          <a:fontRef idx="minor">
+            <a:schemeClr val="tx1"/>
+          </a:fontRef>
+        </p:style>
+      </p:cxnSp>
+      <p:cxnSp>
+        <p:nvCxnSpPr>
+          <p:cNvPr id="56" name="Connector: Elbow 55">
+            <a:extLst>
+              <a:ext uri="{FF2B5EF4-FFF2-40B4-BE49-F238E27FC236}">
+                <a16:creationId xmlns:a16="http://schemas.microsoft.com/office/drawing/2014/main" id="{B5A1839C-8438-93A4-2D66-B31587DFEA8B}"/>
+              </a:ext>
+            </a:extLst>
+          </p:cNvPr>
+          <p:cNvCxnSpPr>
+            <a:cxnSpLocks/>
+            <a:stCxn id="25" idx="3"/>
+          </p:cNvCxnSpPr>
+          <p:nvPr/>
+        </p:nvCxnSpPr>
+        <p:spPr>
+          <a:xfrm>
+            <a:off x="3675969" y="4875445"/>
+            <a:ext cx="75617" cy="562480"/>
+          </a:xfrm>
+          <a:prstGeom prst="bentConnector2">
+            <a:avLst/>
+          </a:prstGeom>
+          <a:ln>
+            <a:solidFill>
+              <a:schemeClr val="accent2"/>
+            </a:solidFill>
+          </a:ln>
+        </p:spPr>
+        <p:style>
+          <a:lnRef idx="2">
+            <a:schemeClr val="accent1"/>
+          </a:lnRef>
+          <a:fillRef idx="0">
+            <a:schemeClr val="accent1"/>
+          </a:fillRef>
+          <a:effectRef idx="1">
+            <a:schemeClr val="accent1"/>
+          </a:effectRef>
+          <a:fontRef idx="minor">
+            <a:schemeClr val="tx1"/>
+          </a:fontRef>
+        </p:style>
+      </p:cxnSp>
+      <p:cxnSp>
+        <p:nvCxnSpPr>
+          <p:cNvPr id="59" name="Connector: Elbow 58">
+            <a:extLst>
+              <a:ext uri="{FF2B5EF4-FFF2-40B4-BE49-F238E27FC236}">
+                <a16:creationId xmlns:a16="http://schemas.microsoft.com/office/drawing/2014/main" id="{072FF6FF-0AB1-3CF3-3D07-5A562B7E52FA}"/>
+              </a:ext>
+            </a:extLst>
+          </p:cNvPr>
+          <p:cNvCxnSpPr>
+            <a:cxnSpLocks/>
+            <a:stCxn id="31" idx="3"/>
+          </p:cNvCxnSpPr>
+          <p:nvPr/>
+        </p:nvCxnSpPr>
+        <p:spPr>
+          <a:xfrm>
+            <a:off x="4281789" y="4875445"/>
+            <a:ext cx="63259" cy="547449"/>
+          </a:xfrm>
+          <a:prstGeom prst="bentConnector2">
+            <a:avLst/>
+          </a:prstGeom>
+          <a:ln>
+            <a:solidFill>
+              <a:schemeClr val="accent2"/>
+            </a:solidFill>
+          </a:ln>
+        </p:spPr>
+        <p:style>
+          <a:lnRef idx="2">
+            <a:schemeClr val="accent1"/>
+          </a:lnRef>
+          <a:fillRef idx="0">
+            <a:schemeClr val="accent1"/>
+          </a:fillRef>
+          <a:effectRef idx="1">
+            <a:schemeClr val="accent1"/>
+          </a:effectRef>
+          <a:fontRef idx="minor">
+            <a:schemeClr val="tx1"/>
+          </a:fontRef>
+        </p:style>
+      </p:cxnSp>
+      <p:cxnSp>
+        <p:nvCxnSpPr>
+          <p:cNvPr id="63" name="Connector: Elbow 62">
+            <a:extLst>
+              <a:ext uri="{FF2B5EF4-FFF2-40B4-BE49-F238E27FC236}">
+                <a16:creationId xmlns:a16="http://schemas.microsoft.com/office/drawing/2014/main" id="{BA81921A-5B61-7BA5-49F6-9386FA1329D1}"/>
+              </a:ext>
+            </a:extLst>
+          </p:cNvPr>
+          <p:cNvCxnSpPr>
+            <a:cxnSpLocks/>
+            <a:stCxn id="32" idx="3"/>
+          </p:cNvCxnSpPr>
+          <p:nvPr/>
+        </p:nvCxnSpPr>
+        <p:spPr>
+          <a:xfrm>
+            <a:off x="5057471" y="4875445"/>
+            <a:ext cx="44239" cy="547449"/>
+          </a:xfrm>
+          <a:prstGeom prst="bentConnector2">
+            <a:avLst/>
+          </a:prstGeom>
+          <a:ln>
+            <a:solidFill>
+              <a:schemeClr val="accent2"/>
+            </a:solidFill>
+          </a:ln>
+        </p:spPr>
+        <p:style>
+          <a:lnRef idx="2">
+            <a:schemeClr val="accent1"/>
+          </a:lnRef>
+          <a:fillRef idx="0">
+            <a:schemeClr val="accent1"/>
+          </a:fillRef>
+          <a:effectRef idx="1">
+            <a:schemeClr val="accent1"/>
+          </a:effectRef>
+          <a:fontRef idx="minor">
+            <a:schemeClr val="tx1"/>
+          </a:fontRef>
+        </p:style>
+      </p:cxnSp>
+      <p:sp>
+        <p:nvSpPr>
+          <p:cNvPr id="66" name="TextBox 65">
+            <a:extLst>
+              <a:ext uri="{FF2B5EF4-FFF2-40B4-BE49-F238E27FC236}">
+                <a16:creationId xmlns:a16="http://schemas.microsoft.com/office/drawing/2014/main" id="{31DB01C4-C275-6FF9-762B-0A21162F8547}"/>
+              </a:ext>
+            </a:extLst>
+          </p:cNvPr>
+          <p:cNvSpPr txBox="1"/>
+          <p:nvPr/>
+        </p:nvSpPr>
+        <p:spPr>
+          <a:xfrm>
+            <a:off x="3672592" y="5462241"/>
+            <a:ext cx="1598506" cy="261610"/>
+          </a:xfrm>
+          <a:prstGeom prst="rect">
+            <a:avLst/>
+          </a:prstGeom>
+          <a:noFill/>
+        </p:spPr>
+        <p:txBody>
+          <a:bodyPr wrap="square">
+            <a:spAutoFit/>
+          </a:bodyPr>
+          <a:lstStyle/>
+          <a:p>
+            <a:r>
+              <a:rPr lang="en-SG" sz="1100" b="1" dirty="0">
+                <a:solidFill>
+                  <a:schemeClr val="bg1">
+                    <a:lumMod val="50000"/>
+                  </a:schemeClr>
+                </a:solidFill>
+              </a:rPr>
+              <a:t>Simulated MMS Bus</a:t>
+            </a:r>
+          </a:p>
+        </p:txBody>
+      </p:sp>
+      <p:cxnSp>
+        <p:nvCxnSpPr>
+          <p:cNvPr id="67" name="Straight Connector 66">
+            <a:extLst>
+              <a:ext uri="{FF2B5EF4-FFF2-40B4-BE49-F238E27FC236}">
+                <a16:creationId xmlns:a16="http://schemas.microsoft.com/office/drawing/2014/main" id="{3A490003-5B9D-95C0-C725-56A5AF5B2B0B}"/>
+              </a:ext>
+            </a:extLst>
+          </p:cNvPr>
+          <p:cNvCxnSpPr>
+            <a:cxnSpLocks/>
+          </p:cNvCxnSpPr>
+          <p:nvPr/>
+        </p:nvCxnSpPr>
+        <p:spPr>
+          <a:xfrm>
+            <a:off x="805528" y="5815430"/>
+            <a:ext cx="9860295" cy="33964"/>
+          </a:xfrm>
+          <a:prstGeom prst="line">
+            <a:avLst/>
+          </a:prstGeom>
+          <a:ln>
+            <a:solidFill>
+              <a:schemeClr val="accent6">
+                <a:lumMod val="75000"/>
+              </a:schemeClr>
+            </a:solidFill>
+          </a:ln>
+        </p:spPr>
+        <p:style>
+          <a:lnRef idx="2">
+            <a:schemeClr val="accent1"/>
+          </a:lnRef>
+          <a:fillRef idx="0">
+            <a:schemeClr val="accent1"/>
+          </a:fillRef>
+          <a:effectRef idx="1">
+            <a:schemeClr val="accent1"/>
+          </a:effectRef>
+          <a:fontRef idx="minor">
+            <a:schemeClr val="tx1"/>
+          </a:fontRef>
+        </p:style>
+      </p:cxnSp>
+      <p:sp>
+        <p:nvSpPr>
+          <p:cNvPr id="72" name="TextBox 71">
+            <a:extLst>
+              <a:ext uri="{FF2B5EF4-FFF2-40B4-BE49-F238E27FC236}">
+                <a16:creationId xmlns:a16="http://schemas.microsoft.com/office/drawing/2014/main" id="{C6C43B3D-F5BE-4C0C-3F3B-E1CB5CEF425C}"/>
+              </a:ext>
+            </a:extLst>
+          </p:cNvPr>
+          <p:cNvSpPr txBox="1"/>
+          <p:nvPr/>
+        </p:nvSpPr>
+        <p:spPr>
+          <a:xfrm>
+            <a:off x="676637" y="5849394"/>
+            <a:ext cx="2124253" cy="261610"/>
+          </a:xfrm>
+          <a:prstGeom prst="rect">
+            <a:avLst/>
+          </a:prstGeom>
+          <a:noFill/>
+        </p:spPr>
+        <p:txBody>
+          <a:bodyPr wrap="square">
+            <a:spAutoFit/>
+          </a:bodyPr>
+          <a:lstStyle/>
+          <a:p>
+            <a:r>
+              <a:rPr lang="en-SG" sz="1100" b="1" dirty="0"/>
+              <a:t>IEC 61850 Modbus-TCP Bus</a:t>
+            </a:r>
+          </a:p>
+        </p:txBody>
+      </p:sp>
+      <p:cxnSp>
+        <p:nvCxnSpPr>
+          <p:cNvPr id="81" name="Straight Connector 80">
+            <a:extLst>
+              <a:ext uri="{FF2B5EF4-FFF2-40B4-BE49-F238E27FC236}">
+                <a16:creationId xmlns:a16="http://schemas.microsoft.com/office/drawing/2014/main" id="{F0BE06AF-4036-625C-AC9F-5EFCEE6E770C}"/>
+              </a:ext>
+            </a:extLst>
+          </p:cNvPr>
+          <p:cNvCxnSpPr>
+            <a:cxnSpLocks/>
+          </p:cNvCxnSpPr>
+          <p:nvPr/>
+        </p:nvCxnSpPr>
+        <p:spPr>
+          <a:xfrm>
+            <a:off x="6198769" y="5384437"/>
+            <a:ext cx="4467054" cy="0"/>
+          </a:xfrm>
+          <a:prstGeom prst="line">
+            <a:avLst/>
+          </a:prstGeom>
+          <a:ln>
+            <a:solidFill>
+              <a:schemeClr val="tx2">
+                <a:lumMod val="50000"/>
+                <a:lumOff val="50000"/>
+              </a:schemeClr>
+            </a:solidFill>
+          </a:ln>
+        </p:spPr>
+        <p:style>
+          <a:lnRef idx="2">
+            <a:schemeClr val="accent1"/>
+          </a:lnRef>
+          <a:fillRef idx="0">
+            <a:schemeClr val="accent1"/>
+          </a:fillRef>
+          <a:effectRef idx="1">
+            <a:schemeClr val="accent1"/>
+          </a:effectRef>
+          <a:fontRef idx="minor">
+            <a:schemeClr val="tx1"/>
+          </a:fontRef>
+        </p:style>
+      </p:cxnSp>
+      <p:sp>
+        <p:nvSpPr>
+          <p:cNvPr id="84" name="TextBox 83">
+            <a:extLst>
+              <a:ext uri="{FF2B5EF4-FFF2-40B4-BE49-F238E27FC236}">
+                <a16:creationId xmlns:a16="http://schemas.microsoft.com/office/drawing/2014/main" id="{491F625F-9B2D-D9EB-DC6A-DE551F1803BF}"/>
+              </a:ext>
+            </a:extLst>
+          </p:cNvPr>
+          <p:cNvSpPr txBox="1"/>
+          <p:nvPr/>
+        </p:nvSpPr>
+        <p:spPr>
+          <a:xfrm>
+            <a:off x="2118761" y="5263408"/>
+            <a:ext cx="965888" cy="430887"/>
+          </a:xfrm>
+          <a:prstGeom prst="rect">
+            <a:avLst/>
+          </a:prstGeom>
+          <a:noFill/>
+        </p:spPr>
+        <p:txBody>
+          <a:bodyPr wrap="square">
+            <a:spAutoFit/>
+          </a:bodyPr>
+          <a:lstStyle/>
+          <a:p>
+            <a:r>
+              <a:rPr lang="en-SG" sz="1100" b="1" dirty="0"/>
+              <a:t>PLC </a:t>
+            </a:r>
+          </a:p>
+          <a:p>
+            <a:r>
+              <a:rPr lang="en-SG" sz="1100" b="1" dirty="0"/>
+              <a:t>simulation</a:t>
+            </a:r>
+          </a:p>
+        </p:txBody>
+      </p:sp>
+      <p:sp>
+        <p:nvSpPr>
+          <p:cNvPr id="85" name="TextBox 84">
+            <a:extLst>
+              <a:ext uri="{FF2B5EF4-FFF2-40B4-BE49-F238E27FC236}">
+                <a16:creationId xmlns:a16="http://schemas.microsoft.com/office/drawing/2014/main" id="{E2C5526B-D60D-4623-680E-F60150FC638D}"/>
+              </a:ext>
+            </a:extLst>
+          </p:cNvPr>
+          <p:cNvSpPr txBox="1"/>
+          <p:nvPr/>
+        </p:nvSpPr>
+        <p:spPr>
+          <a:xfrm>
+            <a:off x="5163258" y="4240097"/>
+            <a:ext cx="1218746" cy="430887"/>
+          </a:xfrm>
+          <a:prstGeom prst="rect">
+            <a:avLst/>
+          </a:prstGeom>
+          <a:noFill/>
+        </p:spPr>
+        <p:txBody>
+          <a:bodyPr wrap="square">
+            <a:spAutoFit/>
+          </a:bodyPr>
+          <a:lstStyle/>
+          <a:p>
+            <a:r>
+              <a:rPr lang="en-SG" sz="1100" b="1" dirty="0"/>
+              <a:t>Measurement Unit simulation</a:t>
+            </a:r>
+          </a:p>
+        </p:txBody>
+      </p:sp>
+      <p:sp>
+        <p:nvSpPr>
+          <p:cNvPr id="86" name="TextBox 85">
+            <a:extLst>
+              <a:ext uri="{FF2B5EF4-FFF2-40B4-BE49-F238E27FC236}">
+                <a16:creationId xmlns:a16="http://schemas.microsoft.com/office/drawing/2014/main" id="{2167346C-3433-FEFB-AAB1-EB5EE7C7DCC0}"/>
+              </a:ext>
+            </a:extLst>
+          </p:cNvPr>
+          <p:cNvSpPr txBox="1"/>
+          <p:nvPr/>
+        </p:nvSpPr>
+        <p:spPr>
+          <a:xfrm>
+            <a:off x="6173194" y="5384437"/>
+            <a:ext cx="1238042" cy="261610"/>
+          </a:xfrm>
+          <a:prstGeom prst="rect">
+            <a:avLst/>
+          </a:prstGeom>
+          <a:noFill/>
+        </p:spPr>
+        <p:txBody>
+          <a:bodyPr wrap="square">
+            <a:spAutoFit/>
+          </a:bodyPr>
+          <a:lstStyle/>
+          <a:p>
+            <a:r>
+              <a:rPr lang="en-SG" sz="1100" b="1" dirty="0">
+                <a:solidFill>
+                  <a:srgbClr val="0070C0"/>
+                </a:solidFill>
+              </a:rPr>
+              <a:t>S7Comm Bus</a:t>
+            </a:r>
+          </a:p>
+        </p:txBody>
+      </p:sp>
+      <p:pic>
+        <p:nvPicPr>
+          <p:cNvPr id="89" name="Picture 88">
+            <a:extLst>
+              <a:ext uri="{FF2B5EF4-FFF2-40B4-BE49-F238E27FC236}">
+                <a16:creationId xmlns:a16="http://schemas.microsoft.com/office/drawing/2014/main" id="{EF71F31F-C361-5264-C7F8-89CF8643A84B}"/>
+              </a:ext>
+            </a:extLst>
+          </p:cNvPr>
+          <p:cNvPicPr>
+            <a:picLocks noChangeAspect="1"/>
+          </p:cNvPicPr>
+          <p:nvPr/>
+        </p:nvPicPr>
+        <p:blipFill>
+          <a:blip r:embed="rId6"/>
+          <a:stretch>
+            <a:fillRect/>
+          </a:stretch>
+        </p:blipFill>
+        <p:spPr>
+          <a:xfrm>
+            <a:off x="5829983" y="1193864"/>
+            <a:ext cx="5097982" cy="2922842"/>
+          </a:xfrm>
+          <a:prstGeom prst="rect">
+            <a:avLst/>
+          </a:prstGeom>
+        </p:spPr>
+      </p:pic>
+      <p:cxnSp>
+        <p:nvCxnSpPr>
+          <p:cNvPr id="92" name="Straight Connector 91">
+            <a:extLst>
+              <a:ext uri="{FF2B5EF4-FFF2-40B4-BE49-F238E27FC236}">
+                <a16:creationId xmlns:a16="http://schemas.microsoft.com/office/drawing/2014/main" id="{084D60AD-4CDC-6FFB-7356-30EE227F406F}"/>
+              </a:ext>
+            </a:extLst>
+          </p:cNvPr>
+          <p:cNvCxnSpPr>
+            <a:cxnSpLocks/>
+            <a:stCxn id="102" idx="0"/>
+          </p:cNvCxnSpPr>
+          <p:nvPr/>
+        </p:nvCxnSpPr>
+        <p:spPr>
+          <a:xfrm flipH="1" flipV="1">
+            <a:off x="9461182" y="4564416"/>
+            <a:ext cx="1104" cy="555012"/>
+          </a:xfrm>
+          <a:prstGeom prst="line">
+            <a:avLst/>
+          </a:prstGeom>
+          <a:ln>
+            <a:solidFill>
+              <a:schemeClr val="tx2">
+                <a:lumMod val="50000"/>
+                <a:lumOff val="50000"/>
+              </a:schemeClr>
+            </a:solidFill>
+          </a:ln>
+        </p:spPr>
+        <p:style>
+          <a:lnRef idx="2">
+            <a:schemeClr val="accent1"/>
+          </a:lnRef>
+          <a:fillRef idx="0">
+            <a:schemeClr val="accent1"/>
+          </a:fillRef>
+          <a:effectRef idx="1">
+            <a:schemeClr val="accent1"/>
+          </a:effectRef>
+          <a:fontRef idx="minor">
+            <a:schemeClr val="tx1"/>
+          </a:fontRef>
+        </p:style>
+      </p:cxnSp>
+      <p:cxnSp>
+        <p:nvCxnSpPr>
+          <p:cNvPr id="96" name="Straight Connector 95">
+            <a:extLst>
+              <a:ext uri="{FF2B5EF4-FFF2-40B4-BE49-F238E27FC236}">
+                <a16:creationId xmlns:a16="http://schemas.microsoft.com/office/drawing/2014/main" id="{C629F537-82B0-91E7-95CD-825D63639ED5}"/>
+              </a:ext>
+            </a:extLst>
+          </p:cNvPr>
+          <p:cNvCxnSpPr>
+            <a:cxnSpLocks/>
+            <a:stCxn id="98" idx="2"/>
+          </p:cNvCxnSpPr>
+          <p:nvPr/>
+        </p:nvCxnSpPr>
+        <p:spPr>
+          <a:xfrm>
+            <a:off x="7784088" y="4409312"/>
+            <a:ext cx="0" cy="1423100"/>
+          </a:xfrm>
+          <a:prstGeom prst="line">
+            <a:avLst/>
+          </a:prstGeom>
+          <a:ln>
+            <a:solidFill>
+              <a:schemeClr val="accent6">
+                <a:lumMod val="75000"/>
+              </a:schemeClr>
+            </a:solidFill>
+          </a:ln>
+        </p:spPr>
+        <p:style>
+          <a:lnRef idx="2">
+            <a:schemeClr val="accent1"/>
+          </a:lnRef>
+          <a:fillRef idx="0">
+            <a:schemeClr val="accent1"/>
+          </a:fillRef>
+          <a:effectRef idx="1">
+            <a:schemeClr val="accent1"/>
+          </a:effectRef>
+          <a:fontRef idx="minor">
+            <a:schemeClr val="tx1"/>
+          </a:fontRef>
+        </p:style>
+      </p:cxnSp>
+      <p:sp>
+        <p:nvSpPr>
+          <p:cNvPr id="98" name="TextBox 97">
+            <a:extLst>
+              <a:ext uri="{FF2B5EF4-FFF2-40B4-BE49-F238E27FC236}">
+                <a16:creationId xmlns:a16="http://schemas.microsoft.com/office/drawing/2014/main" id="{4F8D316F-341D-C3DA-4563-891B9FDB5649}"/>
+              </a:ext>
+            </a:extLst>
+          </p:cNvPr>
+          <p:cNvSpPr txBox="1"/>
+          <p:nvPr/>
+        </p:nvSpPr>
+        <p:spPr>
+          <a:xfrm>
+            <a:off x="7189202" y="3978425"/>
+            <a:ext cx="1189772" cy="430887"/>
+          </a:xfrm>
+          <a:prstGeom prst="rect">
+            <a:avLst/>
+          </a:prstGeom>
+          <a:solidFill>
+            <a:schemeClr val="bg2">
+              <a:lumMod val="90000"/>
+            </a:schemeClr>
+          </a:solidFill>
+          <a:ln w="19050">
+            <a:solidFill>
+              <a:schemeClr val="tx1"/>
+            </a:solidFill>
+          </a:ln>
+        </p:spPr>
+        <p:txBody>
+          <a:bodyPr wrap="square">
+            <a:spAutoFit/>
+          </a:bodyPr>
+          <a:lstStyle/>
+          <a:p>
+            <a:r>
+              <a:rPr lang="en-SG" sz="1100" b="1" dirty="0"/>
+              <a:t>Modbus-TCP client interface</a:t>
+            </a:r>
+          </a:p>
+        </p:txBody>
+      </p:sp>
+      <p:sp>
+        <p:nvSpPr>
+          <p:cNvPr id="102" name="TextBox 101">
+            <a:extLst>
+              <a:ext uri="{FF2B5EF4-FFF2-40B4-BE49-F238E27FC236}">
+                <a16:creationId xmlns:a16="http://schemas.microsoft.com/office/drawing/2014/main" id="{AE8A76A1-9609-97F1-25F7-17B4DA3129B2}"/>
+              </a:ext>
+            </a:extLst>
+          </p:cNvPr>
+          <p:cNvSpPr txBox="1"/>
+          <p:nvPr/>
+        </p:nvSpPr>
+        <p:spPr>
+          <a:xfrm>
+            <a:off x="8867400" y="5119428"/>
+            <a:ext cx="1189772" cy="430887"/>
+          </a:xfrm>
+          <a:prstGeom prst="rect">
+            <a:avLst/>
+          </a:prstGeom>
+          <a:solidFill>
+            <a:schemeClr val="bg2">
+              <a:lumMod val="90000"/>
+            </a:schemeClr>
+          </a:solidFill>
+          <a:ln w="19050">
+            <a:solidFill>
+              <a:schemeClr val="tx1"/>
+            </a:solidFill>
+          </a:ln>
+        </p:spPr>
+        <p:txBody>
+          <a:bodyPr wrap="square">
+            <a:spAutoFit/>
+          </a:bodyPr>
+          <a:lstStyle/>
+          <a:p>
+            <a:r>
+              <a:rPr lang="en-SG" sz="1100" b="1" dirty="0"/>
+              <a:t>S7Comm client Interface</a:t>
+            </a:r>
+          </a:p>
+        </p:txBody>
+      </p:sp>
+      <p:sp>
+        <p:nvSpPr>
+          <p:cNvPr id="103" name="TextBox 102">
+            <a:extLst>
+              <a:ext uri="{FF2B5EF4-FFF2-40B4-BE49-F238E27FC236}">
+                <a16:creationId xmlns:a16="http://schemas.microsoft.com/office/drawing/2014/main" id="{2EDBF6F6-5F7A-4AF5-6E09-71D45A136423}"/>
+              </a:ext>
+            </a:extLst>
+          </p:cNvPr>
+          <p:cNvSpPr txBox="1"/>
+          <p:nvPr/>
+        </p:nvSpPr>
+        <p:spPr>
+          <a:xfrm>
+            <a:off x="8608615" y="3964252"/>
+            <a:ext cx="2121055" cy="600164"/>
+          </a:xfrm>
+          <a:prstGeom prst="rect">
+            <a:avLst/>
+          </a:prstGeom>
+          <a:solidFill>
+            <a:schemeClr val="bg2">
+              <a:lumMod val="90000"/>
+            </a:schemeClr>
+          </a:solidFill>
+          <a:ln w="19050">
+            <a:solidFill>
+              <a:schemeClr val="tx1"/>
+            </a:solidFill>
+          </a:ln>
+        </p:spPr>
+        <p:txBody>
+          <a:bodyPr wrap="square">
+            <a:spAutoFit/>
+          </a:bodyPr>
+          <a:lstStyle/>
+          <a:p>
+            <a:r>
+              <a:rPr lang="en-SG" sz="1100" b="1" dirty="0"/>
+              <a:t>S7Comm to Manufacturing Message Specification (MMS) IEC61850 Converter Interface </a:t>
+            </a:r>
+          </a:p>
+        </p:txBody>
+      </p:sp>
+      <p:sp>
+        <p:nvSpPr>
+          <p:cNvPr id="107" name="TextBox 106">
+            <a:extLst>
+              <a:ext uri="{FF2B5EF4-FFF2-40B4-BE49-F238E27FC236}">
+                <a16:creationId xmlns:a16="http://schemas.microsoft.com/office/drawing/2014/main" id="{26C290E1-F23A-2753-D404-C49E144860EC}"/>
+              </a:ext>
+            </a:extLst>
+          </p:cNvPr>
+          <p:cNvSpPr txBox="1"/>
+          <p:nvPr/>
+        </p:nvSpPr>
+        <p:spPr>
+          <a:xfrm>
+            <a:off x="5751151" y="896108"/>
+            <a:ext cx="4332289" cy="276999"/>
+          </a:xfrm>
+          <a:prstGeom prst="rect">
+            <a:avLst/>
+          </a:prstGeom>
+          <a:noFill/>
+        </p:spPr>
+        <p:txBody>
+          <a:bodyPr wrap="square">
+            <a:spAutoFit/>
+          </a:bodyPr>
+          <a:lstStyle/>
+          <a:p>
+            <a:r>
+              <a:rPr lang="en-US" sz="1200" b="1" dirty="0"/>
+              <a:t>Power Grid Supervisory Human Machine Interface</a:t>
+            </a:r>
+            <a:endParaRPr lang="en-SG" sz="1200" b="1" dirty="0"/>
+          </a:p>
+        </p:txBody>
+      </p:sp>
+    </p:spTree>
+    <p:extLst>
+      <p:ext uri="{BB962C8B-B14F-4D97-AF65-F5344CB8AC3E}">
+        <p14:creationId xmlns:p14="http://schemas.microsoft.com/office/powerpoint/2010/main" val="3956027493"/>
       </p:ext>
     </p:extLst>
   </p:cSld>

--- a/designDoc/designDoc.pptx
+++ b/designDoc/designDoc.pptx
@@ -471,6 +471,90 @@
 </file>
 
 <file path=ppt/notesSlides/notesSlide1.xml><?xml version="1.0" encoding="utf-8"?>
+<p:notes xmlns:a="http://schemas.openxmlformats.org/drawingml/2006/main" xmlns:r="http://schemas.openxmlformats.org/officeDocument/2006/relationships" xmlns:p="http://schemas.openxmlformats.org/presentationml/2006/main">
+  <p:cSld>
+    <p:spTree>
+      <p:nvGrpSpPr>
+        <p:cNvPr id="1" name=""/>
+        <p:cNvGrpSpPr/>
+        <p:nvPr/>
+      </p:nvGrpSpPr>
+      <p:grpSpPr>
+        <a:xfrm>
+          <a:off x="0" y="0"/>
+          <a:ext cx="0" cy="0"/>
+          <a:chOff x="0" y="0"/>
+          <a:chExt cx="0" cy="0"/>
+        </a:xfrm>
+      </p:grpSpPr>
+      <p:sp>
+        <p:nvSpPr>
+          <p:cNvPr id="2" name="Slide Image Placeholder 1"/>
+          <p:cNvSpPr>
+            <a:spLocks noGrp="1" noRot="1" noChangeAspect="1"/>
+          </p:cNvSpPr>
+          <p:nvPr>
+            <p:ph type="sldImg"/>
+          </p:nvPr>
+        </p:nvSpPr>
+        <p:spPr/>
+      </p:sp>
+      <p:sp>
+        <p:nvSpPr>
+          <p:cNvPr id="3" name="Notes Placeholder 2"/>
+          <p:cNvSpPr>
+            <a:spLocks noGrp="1"/>
+          </p:cNvSpPr>
+          <p:nvPr>
+            <p:ph type="body" idx="1"/>
+          </p:nvPr>
+        </p:nvSpPr>
+        <p:spPr/>
+        <p:txBody>
+          <a:bodyPr/>
+          <a:lstStyle/>
+          <a:p>
+            <a:endParaRPr lang="en-SG" dirty="0"/>
+          </a:p>
+        </p:txBody>
+      </p:sp>
+      <p:sp>
+        <p:nvSpPr>
+          <p:cNvPr id="4" name="Slide Number Placeholder 3"/>
+          <p:cNvSpPr>
+            <a:spLocks noGrp="1"/>
+          </p:cNvSpPr>
+          <p:nvPr>
+            <p:ph type="sldNum" sz="quarter" idx="5"/>
+          </p:nvPr>
+        </p:nvSpPr>
+        <p:spPr/>
+        <p:txBody>
+          <a:bodyPr/>
+          <a:lstStyle/>
+          <a:p>
+            <a:fld id="{2F8A4C87-30FF-4E0D-9FFA-CCB73B1DE919}" type="slidenum">
+              <a:rPr lang="en-SG" smtClean="0"/>
+              <a:t>2</a:t>
+            </a:fld>
+            <a:endParaRPr lang="en-SG"/>
+          </a:p>
+        </p:txBody>
+      </p:sp>
+    </p:spTree>
+    <p:extLst>
+      <p:ext uri="{BB962C8B-B14F-4D97-AF65-F5344CB8AC3E}">
+        <p14:creationId xmlns:p14="http://schemas.microsoft.com/office/powerpoint/2010/main" val="673519253"/>
+      </p:ext>
+    </p:extLst>
+  </p:cSld>
+  <p:clrMapOvr>
+    <a:masterClrMapping/>
+  </p:clrMapOvr>
+</p:notes>
+</file>
+
+<file path=ppt/notesSlides/notesSlide2.xml><?xml version="1.0" encoding="utf-8"?>
 <p:notes xmlns:a="http://schemas.openxmlformats.org/drawingml/2006/main" xmlns:r="http://schemas.openxmlformats.org/officeDocument/2006/relationships" xmlns:p="http://schemas.openxmlformats.org/presentationml/2006/main">
   <p:cSld>
     <p:spTree>
@@ -7871,6 +7955,105 @@
       </p:grpSpPr>
       <p:sp>
         <p:nvSpPr>
+          <p:cNvPr id="165" name="Rectangle 164">
+            <a:extLst>
+              <a:ext uri="{FF2B5EF4-FFF2-40B4-BE49-F238E27FC236}">
+                <a16:creationId xmlns:a16="http://schemas.microsoft.com/office/drawing/2014/main" id="{4CEDB4EA-A0B6-7C05-64D7-EA80D866C229}"/>
+              </a:ext>
+            </a:extLst>
+          </p:cNvPr>
+          <p:cNvSpPr/>
+          <p:nvPr/>
+        </p:nvSpPr>
+        <p:spPr>
+          <a:xfrm>
+            <a:off x="482891" y="480818"/>
+            <a:ext cx="11301568" cy="5208357"/>
+          </a:xfrm>
+          <a:prstGeom prst="rect">
+            <a:avLst/>
+          </a:prstGeom>
+          <a:solidFill>
+            <a:schemeClr val="tx2">
+              <a:lumMod val="10000"/>
+              <a:lumOff val="90000"/>
+            </a:schemeClr>
+          </a:solidFill>
+        </p:spPr>
+        <p:style>
+          <a:lnRef idx="2">
+            <a:schemeClr val="accent1">
+              <a:shade val="15000"/>
+            </a:schemeClr>
+          </a:lnRef>
+          <a:fillRef idx="1">
+            <a:schemeClr val="accent1"/>
+          </a:fillRef>
+          <a:effectRef idx="0">
+            <a:schemeClr val="accent1"/>
+          </a:effectRef>
+          <a:fontRef idx="minor">
+            <a:schemeClr val="lt1"/>
+          </a:fontRef>
+        </p:style>
+        <p:txBody>
+          <a:bodyPr rtlCol="0" anchor="ctr"/>
+          <a:lstStyle/>
+          <a:p>
+            <a:pPr algn="ctr"/>
+            <a:endParaRPr lang="en-SG"/>
+          </a:p>
+        </p:txBody>
+      </p:sp>
+      <p:cxnSp>
+        <p:nvCxnSpPr>
+          <p:cNvPr id="135" name="Straight Arrow Connector 134">
+            <a:extLst>
+              <a:ext uri="{FF2B5EF4-FFF2-40B4-BE49-F238E27FC236}">
+                <a16:creationId xmlns:a16="http://schemas.microsoft.com/office/drawing/2014/main" id="{7635B3B5-8B78-5990-7773-A67BF170530F}"/>
+              </a:ext>
+            </a:extLst>
+          </p:cNvPr>
+          <p:cNvCxnSpPr>
+            <a:cxnSpLocks/>
+          </p:cNvCxnSpPr>
+          <p:nvPr/>
+        </p:nvCxnSpPr>
+        <p:spPr>
+          <a:xfrm>
+            <a:off x="700112" y="1250718"/>
+            <a:ext cx="1276265" cy="8627"/>
+          </a:xfrm>
+          <a:prstGeom prst="straightConnector1">
+            <a:avLst/>
+          </a:prstGeom>
+          <a:ln>
+            <a:solidFill>
+              <a:schemeClr val="accent2">
+                <a:lumMod val="75000"/>
+              </a:schemeClr>
+            </a:solidFill>
+            <a:prstDash val="sysDash"/>
+            <a:tailEnd type="triangle"/>
+          </a:ln>
+        </p:spPr>
+        <p:style>
+          <a:lnRef idx="2">
+            <a:schemeClr val="accent1"/>
+          </a:lnRef>
+          <a:fillRef idx="0">
+            <a:schemeClr val="accent1"/>
+          </a:fillRef>
+          <a:effectRef idx="1">
+            <a:schemeClr val="accent1"/>
+          </a:effectRef>
+          <a:fontRef idx="minor">
+            <a:schemeClr val="tx1"/>
+          </a:fontRef>
+        </p:style>
+      </p:cxnSp>
+      <p:sp>
+        <p:nvSpPr>
           <p:cNvPr id="42" name="Rectangle 41">
             <a:extLst>
               <a:ext uri="{FF2B5EF4-FFF2-40B4-BE49-F238E27FC236}">
@@ -7883,8 +8066,8 @@
         </p:nvSpPr>
         <p:spPr>
           <a:xfrm>
-            <a:off x="3253163" y="775435"/>
-            <a:ext cx="3043559" cy="1850629"/>
+            <a:off x="3551083" y="857848"/>
+            <a:ext cx="2901556" cy="1850629"/>
           </a:xfrm>
           <a:prstGeom prst="rect">
             <a:avLst/>
@@ -7936,14 +8119,14 @@
           <p:nvPr/>
         </p:nvPicPr>
         <p:blipFill>
-          <a:blip r:embed="rId2"/>
+          <a:blip r:embed="rId3"/>
           <a:stretch>
             <a:fillRect/>
           </a:stretch>
         </p:blipFill>
         <p:spPr>
           <a:xfrm>
-            <a:off x="3423872" y="1655645"/>
+            <a:off x="3721791" y="1738058"/>
             <a:ext cx="474159" cy="468580"/>
           </a:xfrm>
           <a:prstGeom prst="rect">
@@ -7971,14 +8154,14 @@
           <p:nvPr/>
         </p:nvPicPr>
         <p:blipFill>
-          <a:blip r:embed="rId3"/>
+          <a:blip r:embed="rId4"/>
           <a:stretch>
             <a:fillRect/>
           </a:stretch>
         </p:blipFill>
         <p:spPr>
           <a:xfrm>
-            <a:off x="3423872" y="918335"/>
+            <a:off x="3721791" y="1000748"/>
             <a:ext cx="485517" cy="468580"/>
           </a:xfrm>
           <a:prstGeom prst="rect">
@@ -8008,7 +8191,7 @@
         </p:nvCxnSpPr>
         <p:spPr>
           <a:xfrm flipH="1">
-            <a:off x="3660952" y="1386915"/>
+            <a:off x="3958871" y="1469328"/>
             <a:ext cx="5679" cy="268730"/>
           </a:xfrm>
           <a:prstGeom prst="line">
@@ -8044,7 +8227,7 @@
         </p:nvSpPr>
         <p:spPr>
           <a:xfrm>
-            <a:off x="3909388" y="1641320"/>
+            <a:off x="4207307" y="1723733"/>
             <a:ext cx="975769" cy="461665"/>
           </a:xfrm>
           <a:prstGeom prst="rect">
@@ -8092,7 +8275,7 @@
         </p:nvSpPr>
         <p:spPr>
           <a:xfrm>
-            <a:off x="3898031" y="925250"/>
+            <a:off x="4195950" y="1007663"/>
             <a:ext cx="975769" cy="461665"/>
           </a:xfrm>
           <a:prstGeom prst="rect">
@@ -8143,7 +8326,7 @@
         </p:nvCxnSpPr>
         <p:spPr>
           <a:xfrm flipH="1">
-            <a:off x="3660951" y="2124225"/>
+            <a:off x="3958870" y="2206638"/>
             <a:ext cx="1" cy="360070"/>
           </a:xfrm>
           <a:prstGeom prst="line">
@@ -8179,7 +8362,7 @@
         </p:nvSpPr>
         <p:spPr>
           <a:xfrm>
-            <a:off x="3628186" y="2165760"/>
+            <a:off x="3926105" y="2248173"/>
             <a:ext cx="646956" cy="276999"/>
           </a:xfrm>
           <a:prstGeom prst="rect">
@@ -8227,7 +8410,7 @@
         </p:nvSpPr>
         <p:spPr>
           <a:xfrm>
-            <a:off x="999405" y="452170"/>
+            <a:off x="676467" y="573284"/>
             <a:ext cx="1126879" cy="461665"/>
           </a:xfrm>
           <a:prstGeom prst="rect">
@@ -8249,7 +8432,7 @@
                   </a:schemeClr>
                 </a:solidFill>
               </a:rPr>
-              <a:t>Solar panel power plant  </a:t>
+              <a:t>Solar panel power farm</a:t>
             </a:r>
             <a:endParaRPr lang="en-SG" sz="1200" b="1" dirty="0">
               <a:solidFill>
@@ -8261,41 +8444,6 @@
           </a:p>
         </p:txBody>
       </p:sp>
-      <p:pic>
-        <p:nvPicPr>
-          <p:cNvPr id="21" name="Picture 20">
-            <a:extLst>
-              <a:ext uri="{FF2B5EF4-FFF2-40B4-BE49-F238E27FC236}">
-                <a16:creationId xmlns:a16="http://schemas.microsoft.com/office/drawing/2014/main" id="{4D321C95-F56D-3CF9-1935-98B3C3CFB44F}"/>
-              </a:ext>
-            </a:extLst>
-          </p:cNvPr>
-          <p:cNvPicPr>
-            <a:picLocks noChangeAspect="1"/>
-          </p:cNvPicPr>
-          <p:nvPr/>
-        </p:nvPicPr>
-        <p:blipFill>
-          <a:blip r:embed="rId4"/>
-          <a:stretch>
-            <a:fillRect/>
-          </a:stretch>
-        </p:blipFill>
-        <p:spPr>
-          <a:xfrm>
-            <a:off x="2243969" y="918335"/>
-            <a:ext cx="759113" cy="737310"/>
-          </a:xfrm>
-          <a:prstGeom prst="rect">
-            <a:avLst/>
-          </a:prstGeom>
-          <a:ln w="9525">
-            <a:solidFill>
-              <a:schemeClr val="tx1"/>
-            </a:solidFill>
-          </a:ln>
-        </p:spPr>
-      </p:pic>
       <p:sp>
         <p:nvSpPr>
           <p:cNvPr id="22" name="TextBox 21">
@@ -8310,7 +8458,7 @@
         </p:nvSpPr>
         <p:spPr>
           <a:xfrm>
-            <a:off x="2126284" y="463585"/>
+            <a:off x="1909356" y="579162"/>
             <a:ext cx="1087193" cy="461665"/>
           </a:xfrm>
           <a:prstGeom prst="rect">
@@ -8332,19 +8480,7 @@
                   </a:schemeClr>
                 </a:solidFill>
               </a:rPr>
-              <a:t>Wind turbine</a:t>
-            </a:r>
-          </a:p>
-          <a:p>
-            <a:r>
-              <a:rPr lang="en-US" sz="1200" b="1" dirty="0">
-                <a:solidFill>
-                  <a:schemeClr val="accent1">
-                    <a:lumMod val="75000"/>
-                  </a:schemeClr>
-                </a:solidFill>
-              </a:rPr>
-              <a:t>Power plant </a:t>
+              <a:t>Wind turbine power farm</a:t>
             </a:r>
           </a:p>
         </p:txBody>
@@ -8366,7 +8502,7 @@
         </p:nvCxnSpPr>
         <p:spPr>
           <a:xfrm>
-            <a:off x="1429444" y="1663489"/>
+            <a:off x="1141772" y="1663489"/>
             <a:ext cx="438" cy="818454"/>
           </a:xfrm>
           <a:prstGeom prst="line">
@@ -8402,7 +8538,7 @@
         </p:nvSpPr>
         <p:spPr>
           <a:xfrm>
-            <a:off x="1410425" y="1708133"/>
+            <a:off x="1092447" y="1790817"/>
             <a:ext cx="646956" cy="276999"/>
           </a:xfrm>
           <a:prstGeom prst="rect">
@@ -8450,7 +8586,7 @@
         </p:nvSpPr>
         <p:spPr>
           <a:xfrm>
-            <a:off x="2605788" y="1691720"/>
+            <a:off x="2338231" y="1836449"/>
             <a:ext cx="646956" cy="276999"/>
           </a:xfrm>
           <a:prstGeom prst="rect">
@@ -8500,7 +8636,7 @@
         </p:nvCxnSpPr>
         <p:spPr>
           <a:xfrm flipH="1">
-            <a:off x="2625534" y="1661434"/>
+            <a:off x="2337862" y="1661434"/>
             <a:ext cx="0" cy="820509"/>
           </a:xfrm>
           <a:prstGeom prst="line">
@@ -8544,7 +8680,7 @@
         </p:blipFill>
         <p:spPr>
           <a:xfrm>
-            <a:off x="2438363" y="2470326"/>
+            <a:off x="2150691" y="2470326"/>
             <a:ext cx="464174" cy="495720"/>
           </a:xfrm>
           <a:prstGeom prst="rect">
@@ -8563,41 +8699,6 @@
             <a:extLst>
               <a:ext uri="{FF2B5EF4-FFF2-40B4-BE49-F238E27FC236}">
                 <a16:creationId xmlns:a16="http://schemas.microsoft.com/office/drawing/2014/main" id="{84407D8A-A0CE-9C38-3CE5-34B66F4945FD}"/>
-              </a:ext>
-            </a:extLst>
-          </p:cNvPr>
-          <p:cNvPicPr>
-            <a:picLocks noChangeAspect="1"/>
-          </p:cNvPicPr>
-          <p:nvPr/>
-        </p:nvPicPr>
-        <p:blipFill>
-          <a:blip r:embed="rId2"/>
-          <a:stretch>
-            <a:fillRect/>
-          </a:stretch>
-        </p:blipFill>
-        <p:spPr>
-          <a:xfrm>
-            <a:off x="4810669" y="1655645"/>
-            <a:ext cx="474159" cy="468580"/>
-          </a:xfrm>
-          <a:prstGeom prst="rect">
-            <a:avLst/>
-          </a:prstGeom>
-          <a:ln w="12700">
-            <a:solidFill>
-              <a:schemeClr val="tx1"/>
-            </a:solidFill>
-          </a:ln>
-        </p:spPr>
-      </p:pic>
-      <p:pic>
-        <p:nvPicPr>
-          <p:cNvPr id="33" name="Picture 32">
-            <a:extLst>
-              <a:ext uri="{FF2B5EF4-FFF2-40B4-BE49-F238E27FC236}">
-                <a16:creationId xmlns:a16="http://schemas.microsoft.com/office/drawing/2014/main" id="{7F4E5320-5B35-BB2A-6066-20F69AF84836}"/>
               </a:ext>
             </a:extLst>
           </p:cNvPr>
@@ -8614,7 +8715,42 @@
         </p:blipFill>
         <p:spPr>
           <a:xfrm>
-            <a:off x="4810669" y="918335"/>
+            <a:off x="5108588" y="1738058"/>
+            <a:ext cx="474159" cy="468580"/>
+          </a:xfrm>
+          <a:prstGeom prst="rect">
+            <a:avLst/>
+          </a:prstGeom>
+          <a:ln w="12700">
+            <a:solidFill>
+              <a:schemeClr val="tx1"/>
+            </a:solidFill>
+          </a:ln>
+        </p:spPr>
+      </p:pic>
+      <p:pic>
+        <p:nvPicPr>
+          <p:cNvPr id="33" name="Picture 32">
+            <a:extLst>
+              <a:ext uri="{FF2B5EF4-FFF2-40B4-BE49-F238E27FC236}">
+                <a16:creationId xmlns:a16="http://schemas.microsoft.com/office/drawing/2014/main" id="{7F4E5320-5B35-BB2A-6066-20F69AF84836}"/>
+              </a:ext>
+            </a:extLst>
+          </p:cNvPr>
+          <p:cNvPicPr>
+            <a:picLocks noChangeAspect="1"/>
+          </p:cNvPicPr>
+          <p:nvPr/>
+        </p:nvPicPr>
+        <p:blipFill>
+          <a:blip r:embed="rId4"/>
+          <a:stretch>
+            <a:fillRect/>
+          </a:stretch>
+        </p:blipFill>
+        <p:spPr>
+          <a:xfrm>
+            <a:off x="5108588" y="1000748"/>
             <a:ext cx="485517" cy="468580"/>
           </a:xfrm>
           <a:prstGeom prst="rect">
@@ -8645,7 +8781,7 @@
         </p:nvCxnSpPr>
         <p:spPr>
           <a:xfrm flipH="1">
-            <a:off x="5047749" y="1386915"/>
+            <a:off x="5345668" y="1469328"/>
             <a:ext cx="5679" cy="268730"/>
           </a:xfrm>
           <a:prstGeom prst="line">
@@ -8684,7 +8820,7 @@
         </p:nvCxnSpPr>
         <p:spPr>
           <a:xfrm flipH="1">
-            <a:off x="5047748" y="2124225"/>
+            <a:off x="5345667" y="2206638"/>
             <a:ext cx="1" cy="360070"/>
           </a:xfrm>
           <a:prstGeom prst="line">
@@ -8721,14 +8857,14 @@
           <p:nvPr/>
         </p:nvPicPr>
         <p:blipFill>
-          <a:blip r:embed="rId2"/>
+          <a:blip r:embed="rId3"/>
           <a:stretch>
             <a:fillRect/>
           </a:stretch>
         </p:blipFill>
         <p:spPr>
           <a:xfrm>
-            <a:off x="5445372" y="1655645"/>
+            <a:off x="5743291" y="1738058"/>
             <a:ext cx="474159" cy="468580"/>
           </a:xfrm>
           <a:prstGeom prst="rect">
@@ -8756,14 +8892,14 @@
           <p:nvPr/>
         </p:nvPicPr>
         <p:blipFill>
-          <a:blip r:embed="rId3"/>
+          <a:blip r:embed="rId4"/>
           <a:stretch>
             <a:fillRect/>
           </a:stretch>
         </p:blipFill>
         <p:spPr>
           <a:xfrm>
-            <a:off x="5445372" y="918335"/>
+            <a:off x="5743291" y="1000748"/>
             <a:ext cx="485517" cy="468580"/>
           </a:xfrm>
           <a:prstGeom prst="rect">
@@ -8793,7 +8929,7 @@
         </p:nvCxnSpPr>
         <p:spPr>
           <a:xfrm flipH="1">
-            <a:off x="5682452" y="1386915"/>
+            <a:off x="5980371" y="1469328"/>
             <a:ext cx="5679" cy="268730"/>
           </a:xfrm>
           <a:prstGeom prst="line">
@@ -8832,7 +8968,7 @@
         </p:nvCxnSpPr>
         <p:spPr>
           <a:xfrm flipH="1">
-            <a:off x="5682451" y="2124225"/>
+            <a:off x="5980370" y="2206638"/>
             <a:ext cx="1" cy="360070"/>
           </a:xfrm>
           <a:prstGeom prst="line">
@@ -8876,7 +9012,7 @@
         </p:blipFill>
         <p:spPr>
           <a:xfrm>
-            <a:off x="1197795" y="2481943"/>
+            <a:off x="910123" y="2481943"/>
             <a:ext cx="464174" cy="495720"/>
           </a:xfrm>
           <a:prstGeom prst="rect">
@@ -8911,7 +9047,7 @@
         </p:blipFill>
         <p:spPr>
           <a:xfrm>
-            <a:off x="4232948" y="2398972"/>
+            <a:off x="4530867" y="2481385"/>
             <a:ext cx="464174" cy="495720"/>
           </a:xfrm>
           <a:prstGeom prst="rect">
@@ -8940,7 +9076,7 @@
         </p:nvCxnSpPr>
         <p:spPr>
           <a:xfrm>
-            <a:off x="4705530" y="2481943"/>
+            <a:off x="5003449" y="2564356"/>
             <a:ext cx="976921" cy="0"/>
           </a:xfrm>
           <a:prstGeom prst="line">
@@ -8978,7 +9114,7 @@
         </p:nvCxnSpPr>
         <p:spPr>
           <a:xfrm flipH="1">
-            <a:off x="3660951" y="2503064"/>
+            <a:off x="3958870" y="2585477"/>
             <a:ext cx="571997" cy="0"/>
           </a:xfrm>
           <a:prstGeom prst="line">
@@ -9014,7 +9150,7 @@
         </p:nvSpPr>
         <p:spPr>
           <a:xfrm>
-            <a:off x="1620518" y="2425514"/>
+            <a:off x="1302437" y="2415611"/>
             <a:ext cx="812286" cy="553998"/>
           </a:xfrm>
           <a:prstGeom prst="rect">
@@ -9062,7 +9198,7 @@
         </p:nvSpPr>
         <p:spPr>
           <a:xfrm>
-            <a:off x="2860432" y="2578903"/>
+            <a:off x="2572760" y="2578903"/>
             <a:ext cx="1126879" cy="553998"/>
           </a:xfrm>
           <a:prstGeom prst="rect">
@@ -9110,8 +9246,8 @@
         </p:nvSpPr>
         <p:spPr>
           <a:xfrm>
-            <a:off x="4697122" y="2692432"/>
-            <a:ext cx="1851065" cy="246221"/>
+            <a:off x="3808431" y="2725038"/>
+            <a:ext cx="908742" cy="553998"/>
           </a:xfrm>
           <a:prstGeom prst="rect">
             <a:avLst/>
@@ -9132,7 +9268,7 @@
                   </a:schemeClr>
                 </a:solidFill>
               </a:rPr>
-              <a:t>AC generating substation </a:t>
+              <a:t>AC-AC generating substation </a:t>
             </a:r>
             <a:endParaRPr lang="en-SG" sz="1000" b="1" dirty="0">
               <a:solidFill>
@@ -9166,7 +9302,7 @@
         </p:blipFill>
         <p:spPr>
           <a:xfrm>
-            <a:off x="2801878" y="3387276"/>
+            <a:off x="2514206" y="3387276"/>
             <a:ext cx="621994" cy="580179"/>
           </a:xfrm>
           <a:prstGeom prst="rect">
@@ -9193,8 +9329,8 @@
         </p:nvSpPr>
         <p:spPr>
           <a:xfrm>
-            <a:off x="3231681" y="443076"/>
-            <a:ext cx="1087193" cy="276999"/>
+            <a:off x="3529600" y="525489"/>
+            <a:ext cx="1971528" cy="276999"/>
           </a:xfrm>
           <a:prstGeom prst="rect">
             <a:avLst/>
@@ -9215,7 +9351,7 @@
                   </a:schemeClr>
                 </a:solidFill>
               </a:rPr>
-              <a:t>Power plant </a:t>
+              <a:t>Natural gas power plant</a:t>
             </a:r>
           </a:p>
         </p:txBody>
@@ -9237,7 +9373,7 @@
         </p:nvCxnSpPr>
         <p:spPr>
           <a:xfrm rot="16200000" flipH="1">
-            <a:off x="1766029" y="2641516"/>
+            <a:off x="1478357" y="2641516"/>
             <a:ext cx="699703" cy="1371996"/>
           </a:xfrm>
           <a:prstGeom prst="bentConnector2">
@@ -9277,7 +9413,7 @@
         </p:nvCxnSpPr>
         <p:spPr>
           <a:xfrm rot="16200000" flipH="1">
-            <a:off x="2681047" y="2955448"/>
+            <a:off x="2393375" y="2955448"/>
             <a:ext cx="421230" cy="442425"/>
           </a:xfrm>
           <a:prstGeom prst="bentConnector3">
@@ -9319,8 +9455,8 @@
         </p:nvCxnSpPr>
         <p:spPr>
           <a:xfrm rot="5400000">
-            <a:off x="3553117" y="2765448"/>
-            <a:ext cx="782674" cy="1041163"/>
+            <a:off x="3599447" y="2513858"/>
+            <a:ext cx="700261" cy="1626754"/>
           </a:xfrm>
           <a:prstGeom prst="bentConnector2">
             <a:avLst/>
@@ -9355,7 +9491,7 @@
         </p:nvSpPr>
         <p:spPr>
           <a:xfrm>
-            <a:off x="1805613" y="3202791"/>
+            <a:off x="1517941" y="3202791"/>
             <a:ext cx="1391472" cy="400110"/>
           </a:xfrm>
           <a:prstGeom prst="rect">
@@ -9377,7 +9513,7 @@
                   </a:schemeClr>
                 </a:solidFill>
               </a:rPr>
-              <a:t>Generating step up transformer  </a:t>
+              <a:t>Generating step-up transformer  </a:t>
             </a:r>
             <a:endParaRPr lang="en-SG" sz="1000" b="1" dirty="0">
               <a:solidFill>
@@ -9424,7 +9560,7 @@
         </p:blipFill>
         <p:spPr>
           <a:xfrm>
-            <a:off x="3763921" y="4068918"/>
+            <a:off x="3476249" y="4068918"/>
             <a:ext cx="621994" cy="1301403"/>
           </a:xfrm>
           <a:prstGeom prst="rect">
@@ -9449,7 +9585,7 @@
         </p:nvCxnSpPr>
         <p:spPr>
           <a:xfrm>
-            <a:off x="3112875" y="3967455"/>
+            <a:off x="2825203" y="3967455"/>
             <a:ext cx="662403" cy="462077"/>
           </a:xfrm>
           <a:prstGeom prst="line">
@@ -9511,7 +9647,7 @@
         </p:blipFill>
         <p:spPr>
           <a:xfrm>
-            <a:off x="6113303" y="4068918"/>
+            <a:off x="5825631" y="4068918"/>
             <a:ext cx="621994" cy="1301403"/>
           </a:xfrm>
           <a:prstGeom prst="rect">
@@ -9536,7 +9672,7 @@
         </p:nvCxnSpPr>
         <p:spPr>
           <a:xfrm>
-            <a:off x="3112875" y="3967455"/>
+            <a:off x="2825203" y="3967455"/>
             <a:ext cx="683884" cy="357434"/>
           </a:xfrm>
           <a:prstGeom prst="line">
@@ -9580,7 +9716,7 @@
         </p:nvCxnSpPr>
         <p:spPr>
           <a:xfrm>
-            <a:off x="3112875" y="3967455"/>
+            <a:off x="2825203" y="3967455"/>
             <a:ext cx="662403" cy="231038"/>
           </a:xfrm>
           <a:prstGeom prst="line">
@@ -9621,7 +9757,7 @@
         </p:nvSpPr>
         <p:spPr>
           <a:xfrm>
-            <a:off x="1401500" y="3007583"/>
+            <a:off x="1113828" y="3007583"/>
             <a:ext cx="646956" cy="276999"/>
           </a:xfrm>
           <a:prstGeom prst="rect">
@@ -9669,7 +9805,7 @@
         </p:nvSpPr>
         <p:spPr>
           <a:xfrm>
-            <a:off x="2197028" y="2950510"/>
+            <a:off x="1909356" y="2950510"/>
             <a:ext cx="646956" cy="276999"/>
           </a:xfrm>
           <a:prstGeom prst="rect">
@@ -9717,7 +9853,7 @@
         </p:nvSpPr>
         <p:spPr>
           <a:xfrm>
-            <a:off x="4409380" y="2950510"/>
+            <a:off x="4737992" y="3021524"/>
             <a:ext cx="646956" cy="276999"/>
           </a:xfrm>
           <a:prstGeom prst="rect">
@@ -9765,8 +9901,8 @@
         </p:nvSpPr>
         <p:spPr>
           <a:xfrm>
-            <a:off x="3415614" y="3846193"/>
-            <a:ext cx="1141491" cy="276999"/>
+            <a:off x="3127942" y="3846193"/>
+            <a:ext cx="3362812" cy="276999"/>
           </a:xfrm>
           <a:prstGeom prst="rect">
             <a:avLst/>
@@ -9785,7 +9921,7 @@
                   <a:srgbClr val="FF0000"/>
                 </a:solidFill>
               </a:rPr>
-              <a:t>138k-400k V</a:t>
+              <a:t>138k-400k V High voltage transmission </a:t>
             </a:r>
             <a:endParaRPr lang="en-SG" sz="1200" b="1" dirty="0">
               <a:solidFill>
@@ -9811,7 +9947,7 @@
         </p:nvCxnSpPr>
         <p:spPr>
           <a:xfrm>
-            <a:off x="4379310" y="4192136"/>
+            <a:off x="4091638" y="4192136"/>
             <a:ext cx="1733993" cy="0"/>
           </a:xfrm>
           <a:prstGeom prst="line">
@@ -9854,7 +9990,7 @@
         </p:nvCxnSpPr>
         <p:spPr>
           <a:xfrm>
-            <a:off x="4388563" y="4307471"/>
+            <a:off x="4100891" y="4307471"/>
             <a:ext cx="1733993" cy="0"/>
           </a:xfrm>
           <a:prstGeom prst="line">
@@ -9897,7 +10033,7 @@
         </p:nvCxnSpPr>
         <p:spPr>
           <a:xfrm>
-            <a:off x="4372070" y="4429532"/>
+            <a:off x="4084398" y="4429532"/>
             <a:ext cx="1733993" cy="0"/>
           </a:xfrm>
           <a:prstGeom prst="line">
@@ -9940,7 +10076,7 @@
         </p:nvCxnSpPr>
         <p:spPr>
           <a:xfrm>
-            <a:off x="6714212" y="4190793"/>
+            <a:off x="6426540" y="4190793"/>
             <a:ext cx="1216983" cy="755249"/>
           </a:xfrm>
           <a:prstGeom prst="line">
@@ -9983,7 +10119,7 @@
         </p:nvCxnSpPr>
         <p:spPr>
           <a:xfrm>
-            <a:off x="6730517" y="4307471"/>
+            <a:off x="6442845" y="4307471"/>
             <a:ext cx="1200678" cy="638571"/>
           </a:xfrm>
           <a:prstGeom prst="line">
@@ -10026,7 +10162,7 @@
         </p:nvCxnSpPr>
         <p:spPr>
           <a:xfrm>
-            <a:off x="6714212" y="4429532"/>
+            <a:off x="6426540" y="4429532"/>
             <a:ext cx="1216983" cy="516510"/>
           </a:xfrm>
           <a:prstGeom prst="line">
@@ -10075,7 +10211,7 @@
         </p:blipFill>
         <p:spPr>
           <a:xfrm>
-            <a:off x="4774942" y="4925755"/>
+            <a:off x="4250968" y="4925755"/>
             <a:ext cx="748250" cy="661610"/>
           </a:xfrm>
           <a:prstGeom prst="rect">
@@ -10104,7 +10240,7 @@
         </p:nvCxnSpPr>
         <p:spPr>
           <a:xfrm>
-            <a:off x="4920042" y="4198493"/>
+            <a:off x="4396068" y="4198493"/>
             <a:ext cx="0" cy="730619"/>
           </a:xfrm>
           <a:prstGeom prst="line">
@@ -10147,7 +10283,7 @@
         </p:nvCxnSpPr>
         <p:spPr>
           <a:xfrm>
-            <a:off x="5043207" y="4324889"/>
+            <a:off x="4519233" y="4324889"/>
             <a:ext cx="0" cy="604223"/>
           </a:xfrm>
           <a:prstGeom prst="line">
@@ -10191,7 +10327,7 @@
         </p:nvCxnSpPr>
         <p:spPr>
           <a:xfrm>
-            <a:off x="5149067" y="4413053"/>
+            <a:off x="4625093" y="4413053"/>
             <a:ext cx="0" cy="512702"/>
           </a:xfrm>
           <a:prstGeom prst="line">
@@ -10240,7 +10376,7 @@
         </p:blipFill>
         <p:spPr>
           <a:xfrm>
-            <a:off x="2072462" y="4915583"/>
+            <a:off x="1784790" y="4915583"/>
             <a:ext cx="748250" cy="661610"/>
           </a:xfrm>
           <a:prstGeom prst="rect">
@@ -10270,7 +10406,7 @@
         </p:nvCxnSpPr>
         <p:spPr>
           <a:xfrm flipV="1">
-            <a:off x="2243969" y="3967455"/>
+            <a:off x="1956297" y="3967455"/>
             <a:ext cx="868906" cy="937613"/>
           </a:xfrm>
           <a:prstGeom prst="line">
@@ -10314,7 +10450,7 @@
         </p:nvCxnSpPr>
         <p:spPr>
           <a:xfrm flipH="1">
-            <a:off x="2321894" y="3967455"/>
+            <a:off x="2034222" y="3967455"/>
             <a:ext cx="790981" cy="948128"/>
           </a:xfrm>
           <a:prstGeom prst="line">
@@ -10359,7 +10495,7 @@
         </p:nvCxnSpPr>
         <p:spPr>
           <a:xfrm flipH="1">
-            <a:off x="2446587" y="3967455"/>
+            <a:off x="2158915" y="3967455"/>
             <a:ext cx="666288" cy="948128"/>
           </a:xfrm>
           <a:prstGeom prst="line">
@@ -10400,8 +10536,8 @@
         </p:nvSpPr>
         <p:spPr>
           <a:xfrm>
-            <a:off x="1921017" y="5564693"/>
-            <a:ext cx="2065342" cy="430887"/>
+            <a:off x="2558585" y="4884901"/>
+            <a:ext cx="1159007" cy="769441"/>
           </a:xfrm>
           <a:prstGeom prst="rect">
             <a:avLst/>
@@ -10422,7 +10558,7 @@
           <a:p>
             <a:r>
               <a:rPr lang="en-US" sz="1100" b="1" dirty="0"/>
-              <a:t>direct customer </a:t>
+              <a:t>direct customer (optional ) </a:t>
             </a:r>
             <a:endParaRPr lang="en-SG" sz="1100" b="1" dirty="0"/>
           </a:p>
@@ -10442,8 +10578,8 @@
         </p:nvSpPr>
         <p:spPr>
           <a:xfrm>
-            <a:off x="4589983" y="5587365"/>
-            <a:ext cx="2065342" cy="430887"/>
+            <a:off x="4979560" y="4849562"/>
+            <a:ext cx="1157197" cy="769441"/>
           </a:xfrm>
           <a:prstGeom prst="rect">
             <a:avLst/>
@@ -10458,7 +10594,7 @@
           <a:p>
             <a:r>
               <a:rPr lang="en-US" sz="1100" b="1" dirty="0"/>
-              <a:t>138k-230k transmission customer </a:t>
+              <a:t>138k-230k transmission customer (optional)</a:t>
             </a:r>
             <a:endParaRPr lang="en-SG" sz="1100" b="1" dirty="0"/>
           </a:p>
@@ -10486,7 +10622,7 @@
         </p:blipFill>
         <p:spPr>
           <a:xfrm>
-            <a:off x="7945594" y="4790142"/>
+            <a:off x="7657922" y="4790142"/>
             <a:ext cx="621994" cy="580179"/>
           </a:xfrm>
           <a:prstGeom prst="rect">
@@ -10513,8 +10649,8 @@
         </p:nvSpPr>
         <p:spPr>
           <a:xfrm>
-            <a:off x="7871852" y="5387310"/>
-            <a:ext cx="1391472" cy="400110"/>
+            <a:off x="6935223" y="5400885"/>
+            <a:ext cx="2471015" cy="246221"/>
           </a:xfrm>
           <a:prstGeom prst="rect">
             <a:avLst/>
@@ -10563,7 +10699,7 @@
         </p:nvCxnSpPr>
         <p:spPr>
           <a:xfrm>
-            <a:off x="8230697" y="3995436"/>
+            <a:off x="7943025" y="3995436"/>
             <a:ext cx="9816" cy="786212"/>
           </a:xfrm>
           <a:prstGeom prst="line">
@@ -10614,7 +10750,7 @@
         </p:blipFill>
         <p:spPr>
           <a:xfrm>
-            <a:off x="7919700" y="3418383"/>
+            <a:off x="7632028" y="3418383"/>
             <a:ext cx="621994" cy="580179"/>
           </a:xfrm>
           <a:prstGeom prst="rect">
@@ -10649,7 +10785,7 @@
         </p:blipFill>
         <p:spPr>
           <a:xfrm>
-            <a:off x="7919700" y="1998724"/>
+            <a:off x="7632028" y="1998724"/>
             <a:ext cx="621994" cy="580179"/>
           </a:xfrm>
           <a:prstGeom prst="rect">
@@ -10682,7 +10818,7 @@
         </p:nvCxnSpPr>
         <p:spPr>
           <a:xfrm>
-            <a:off x="8230697" y="2578903"/>
+            <a:off x="7943025" y="2578903"/>
             <a:ext cx="0" cy="839480"/>
           </a:xfrm>
           <a:prstGeom prst="line">
@@ -10725,7 +10861,7 @@
         </p:nvSpPr>
         <p:spPr>
           <a:xfrm>
-            <a:off x="7757468" y="4496154"/>
+            <a:off x="7469796" y="4496154"/>
             <a:ext cx="646956" cy="276999"/>
           </a:xfrm>
           <a:prstGeom prst="rect">
@@ -10773,7 +10909,7 @@
         </p:nvSpPr>
         <p:spPr>
           <a:xfrm>
-            <a:off x="7692913" y="3128403"/>
+            <a:off x="7405241" y="3128403"/>
             <a:ext cx="646956" cy="276999"/>
           </a:xfrm>
           <a:prstGeom prst="rect">
@@ -10821,7 +10957,7 @@
         </p:nvSpPr>
         <p:spPr>
           <a:xfrm>
-            <a:off x="7707728" y="1722288"/>
+            <a:off x="7420056" y="1722288"/>
             <a:ext cx="646956" cy="276999"/>
           </a:xfrm>
           <a:prstGeom prst="rect">
@@ -10869,7 +11005,7 @@
         </p:nvSpPr>
         <p:spPr>
           <a:xfrm>
-            <a:off x="9218260" y="4319936"/>
+            <a:off x="8930588" y="4319936"/>
             <a:ext cx="1190629" cy="400110"/>
           </a:xfrm>
           <a:prstGeom prst="rect">
@@ -10919,7 +11055,7 @@
         </p:blipFill>
         <p:spPr>
           <a:xfrm>
-            <a:off x="10077055" y="4529403"/>
+            <a:off x="9789383" y="4529403"/>
             <a:ext cx="1757663" cy="977245"/>
           </a:xfrm>
           <a:prstGeom prst="rect">
@@ -10950,7 +11086,7 @@
         </p:nvCxnSpPr>
         <p:spPr>
           <a:xfrm flipH="1">
-            <a:off x="8567588" y="5071738"/>
+            <a:off x="8279916" y="5071738"/>
             <a:ext cx="770589" cy="0"/>
           </a:xfrm>
           <a:prstGeom prst="line">
@@ -10993,7 +11129,7 @@
         </p:nvSpPr>
         <p:spPr>
           <a:xfrm>
-            <a:off x="8522851" y="4706629"/>
+            <a:off x="8235179" y="4706629"/>
             <a:ext cx="883655" cy="276999"/>
           </a:xfrm>
           <a:prstGeom prst="rect">
@@ -11043,7 +11179,7 @@
         </p:nvCxnSpPr>
         <p:spPr>
           <a:xfrm flipH="1">
-            <a:off x="8541694" y="3658697"/>
+            <a:off x="8254022" y="3658697"/>
             <a:ext cx="1046329" cy="0"/>
           </a:xfrm>
           <a:prstGeom prst="line">
@@ -11086,7 +11222,7 @@
         </p:nvSpPr>
         <p:spPr>
           <a:xfrm>
-            <a:off x="8291495" y="4009290"/>
+            <a:off x="8003823" y="4009290"/>
             <a:ext cx="1391472" cy="400110"/>
           </a:xfrm>
           <a:prstGeom prst="rect">
@@ -11134,7 +11270,7 @@
         </p:nvSpPr>
         <p:spPr>
           <a:xfrm>
-            <a:off x="9296872" y="2948789"/>
+            <a:off x="9009200" y="2948789"/>
             <a:ext cx="995055" cy="400110"/>
           </a:xfrm>
           <a:prstGeom prst="rect">
@@ -11170,7 +11306,7 @@
         </p:nvSpPr>
         <p:spPr>
           <a:xfrm>
-            <a:off x="8230697" y="2565935"/>
+            <a:off x="7943025" y="2565935"/>
             <a:ext cx="1391472" cy="400110"/>
           </a:xfrm>
           <a:prstGeom prst="rect">
@@ -11220,13 +11356,13 @@
         </p:nvPicPr>
         <p:blipFill rotWithShape="1">
           <a:blip r:embed="rId10"/>
-          <a:srcRect r="35693"/>
+          <a:srcRect t="43625" r="35693"/>
           <a:stretch/>
         </p:blipFill>
         <p:spPr>
           <a:xfrm>
-            <a:off x="10433048" y="1369568"/>
-            <a:ext cx="1180868" cy="1258311"/>
+            <a:off x="10145376" y="1918510"/>
+            <a:ext cx="1180868" cy="709369"/>
           </a:xfrm>
           <a:prstGeom prst="rect">
             <a:avLst/>
@@ -11252,7 +11388,7 @@
         </p:nvSpPr>
         <p:spPr>
           <a:xfrm>
-            <a:off x="8582758" y="3342191"/>
+            <a:off x="8295086" y="3342191"/>
             <a:ext cx="883655" cy="276999"/>
           </a:xfrm>
           <a:prstGeom prst="rect">
@@ -11304,7 +11440,7 @@
         </p:nvCxnSpPr>
         <p:spPr>
           <a:xfrm flipH="1">
-            <a:off x="8541694" y="2288814"/>
+            <a:off x="8254022" y="2288814"/>
             <a:ext cx="810879" cy="0"/>
           </a:xfrm>
           <a:prstGeom prst="line">
@@ -11347,7 +11483,7 @@
         </p:nvSpPr>
         <p:spPr>
           <a:xfrm>
-            <a:off x="8505305" y="1828792"/>
+            <a:off x="8217633" y="1828792"/>
             <a:ext cx="883655" cy="276999"/>
           </a:xfrm>
           <a:prstGeom prst="rect">
@@ -11395,7 +11531,7 @@
         </p:nvSpPr>
         <p:spPr>
           <a:xfrm>
-            <a:off x="10024472" y="4249467"/>
+            <a:off x="9736800" y="4249467"/>
             <a:ext cx="1767478" cy="246221"/>
           </a:xfrm>
           <a:prstGeom prst="rect">
@@ -11431,8 +11567,8 @@
         </p:nvSpPr>
         <p:spPr>
           <a:xfrm>
-            <a:off x="10044894" y="2749495"/>
-            <a:ext cx="2147105" cy="246221"/>
+            <a:off x="9571859" y="2740342"/>
+            <a:ext cx="2126168" cy="246221"/>
           </a:xfrm>
           <a:prstGeom prst="rect">
             <a:avLst/>
@@ -11467,8 +11603,8 @@
         </p:nvSpPr>
         <p:spPr>
           <a:xfrm>
-            <a:off x="10124679" y="1147324"/>
-            <a:ext cx="2147105" cy="246221"/>
+            <a:off x="10055195" y="1517862"/>
+            <a:ext cx="1361229" cy="400110"/>
           </a:xfrm>
           <a:prstGeom prst="rect">
             <a:avLst/>
@@ -11503,7 +11639,7 @@
         </p:nvSpPr>
         <p:spPr>
           <a:xfrm>
-            <a:off x="9276621" y="1586126"/>
+            <a:off x="8988949" y="1586126"/>
             <a:ext cx="1134274" cy="400110"/>
           </a:xfrm>
           <a:prstGeom prst="rect">
@@ -11547,7 +11683,7 @@
         </p:blipFill>
         <p:spPr>
           <a:xfrm>
-            <a:off x="10132980" y="2996694"/>
+            <a:off x="9845308" y="2996694"/>
             <a:ext cx="1722449" cy="1016245"/>
           </a:xfrm>
           <a:prstGeom prst="rect">
@@ -11576,7 +11712,7 @@
         </p:nvCxnSpPr>
         <p:spPr>
           <a:xfrm flipH="1">
-            <a:off x="8541694" y="2398972"/>
+            <a:off x="8264296" y="2429794"/>
             <a:ext cx="1867195" cy="8501"/>
           </a:xfrm>
           <a:prstGeom prst="line">
@@ -11628,7 +11764,7 @@
         </p:blipFill>
         <p:spPr>
           <a:xfrm>
-            <a:off x="9352573" y="2014000"/>
+            <a:off x="9064901" y="2014000"/>
             <a:ext cx="883655" cy="549627"/>
           </a:xfrm>
           <a:prstGeom prst="rect">
@@ -11657,7 +11793,7 @@
         </p:nvCxnSpPr>
         <p:spPr>
           <a:xfrm flipH="1">
-            <a:off x="8549279" y="3829743"/>
+            <a:off x="8261607" y="3829743"/>
             <a:ext cx="1575400" cy="6142"/>
           </a:xfrm>
           <a:prstGeom prst="line">
@@ -11709,7 +11845,7 @@
         </p:blipFill>
         <p:spPr>
           <a:xfrm>
-            <a:off x="9372323" y="3353393"/>
+            <a:off x="9084651" y="3353393"/>
             <a:ext cx="499692" cy="580179"/>
           </a:xfrm>
           <a:prstGeom prst="rect">
@@ -11738,7 +11874,7 @@
         </p:nvCxnSpPr>
         <p:spPr>
           <a:xfrm flipH="1">
-            <a:off x="8549279" y="5226453"/>
+            <a:off x="8261607" y="5226453"/>
             <a:ext cx="1495615" cy="19935"/>
           </a:xfrm>
           <a:prstGeom prst="line">
@@ -11790,7 +11926,7 @@
         </p:blipFill>
         <p:spPr>
           <a:xfrm>
-            <a:off x="9338177" y="4781648"/>
+            <a:off x="9050505" y="4781648"/>
             <a:ext cx="499692" cy="580179"/>
           </a:xfrm>
           <a:prstGeom prst="rect">
@@ -11817,8 +11953,8 @@
         </p:nvSpPr>
         <p:spPr>
           <a:xfrm>
-            <a:off x="7243793" y="489403"/>
-            <a:ext cx="1473991" cy="1107996"/>
+            <a:off x="5674543" y="2821009"/>
+            <a:ext cx="1637721" cy="1107996"/>
           </a:xfrm>
           <a:prstGeom prst="rect">
             <a:avLst/>
@@ -11837,6 +11973,10 @@
             </a:r>
           </a:p>
           <a:p>
+            <a:pPr marL="171450" indent="-171450">
+              <a:buFont typeface="Arial" panose="020B0604020202020204" pitchFamily="34" charset="0"/>
+              <a:buChar char="•"/>
+            </a:pPr>
             <a:r>
               <a:rPr lang="en-US" sz="1100" b="1" dirty="0">
                 <a:solidFill>
@@ -11849,6 +11989,10 @@
             </a:r>
           </a:p>
           <a:p>
+            <a:pPr marL="171450" indent="-171450">
+              <a:buFont typeface="Arial" panose="020B0604020202020204" pitchFamily="34" charset="0"/>
+              <a:buChar char="•"/>
+            </a:pPr>
             <a:r>
               <a:rPr lang="en-US" sz="1100" b="1" dirty="0">
                 <a:solidFill>
@@ -11859,6 +12003,10 @@
             </a:r>
           </a:p>
           <a:p>
+            <a:pPr marL="171450" indent="-171450">
+              <a:buFont typeface="Arial" panose="020B0604020202020204" pitchFamily="34" charset="0"/>
+              <a:buChar char="•"/>
+            </a:pPr>
             <a:r>
               <a:rPr lang="en-US" sz="1100" b="1" dirty="0">
                 <a:solidFill>
@@ -11875,6 +12023,10 @@
             </a:r>
           </a:p>
           <a:p>
+            <a:pPr marL="171450" indent="-171450">
+              <a:buFont typeface="Arial" panose="020B0604020202020204" pitchFamily="34" charset="0"/>
+              <a:buChar char="•"/>
+            </a:pPr>
             <a:r>
               <a:rPr lang="en-US" sz="1100" b="1" dirty="0"/>
               <a:t>Black: Customer  </a:t>
@@ -11899,7 +12051,7 @@
         </p:nvSpPr>
         <p:spPr>
           <a:xfrm>
-            <a:off x="3808277" y="2027236"/>
+            <a:off x="4106196" y="2109649"/>
             <a:ext cx="136177" cy="157109"/>
           </a:xfrm>
           <a:prstGeom prst="ellipse">
@@ -11949,7 +12101,7 @@
         </p:nvSpPr>
         <p:spPr>
           <a:xfrm>
-            <a:off x="3838823" y="1306121"/>
+            <a:off x="4136742" y="1388534"/>
             <a:ext cx="136177" cy="157109"/>
           </a:xfrm>
           <a:prstGeom prst="ellipse">
@@ -12004,7 +12156,7 @@
         </p:nvSpPr>
         <p:spPr>
           <a:xfrm>
-            <a:off x="3594212" y="2380179"/>
+            <a:off x="3892131" y="2462592"/>
             <a:ext cx="136177" cy="157109"/>
           </a:xfrm>
           <a:prstGeom prst="ellipse">
@@ -12059,7 +12211,7 @@
         </p:nvSpPr>
         <p:spPr>
           <a:xfrm>
-            <a:off x="4975118" y="2204847"/>
+            <a:off x="5273037" y="2287260"/>
             <a:ext cx="136177" cy="157109"/>
           </a:xfrm>
           <a:prstGeom prst="ellipse">
@@ -12114,7 +12266,7 @@
         </p:nvSpPr>
         <p:spPr>
           <a:xfrm>
-            <a:off x="5614362" y="2213315"/>
+            <a:off x="5912281" y="2295728"/>
             <a:ext cx="136177" cy="157109"/>
           </a:xfrm>
           <a:prstGeom prst="ellipse">
@@ -12169,7 +12321,7 @@
         </p:nvSpPr>
         <p:spPr>
           <a:xfrm>
-            <a:off x="5203209" y="2034962"/>
+            <a:off x="5501128" y="2117375"/>
             <a:ext cx="136177" cy="157109"/>
           </a:xfrm>
           <a:prstGeom prst="ellipse">
@@ -12219,7 +12371,7 @@
         </p:nvSpPr>
         <p:spPr>
           <a:xfrm>
-            <a:off x="5855984" y="2022875"/>
+            <a:off x="6153903" y="2105288"/>
             <a:ext cx="136177" cy="157109"/>
           </a:xfrm>
           <a:prstGeom prst="ellipse">
@@ -12269,7 +12421,7 @@
         </p:nvSpPr>
         <p:spPr>
           <a:xfrm>
-            <a:off x="5216262" y="1306121"/>
+            <a:off x="5514181" y="1388534"/>
             <a:ext cx="136177" cy="157109"/>
           </a:xfrm>
           <a:prstGeom prst="ellipse">
@@ -12324,7 +12476,7 @@
         </p:nvSpPr>
         <p:spPr>
           <a:xfrm>
-            <a:off x="5864307" y="1306120"/>
+            <a:off x="6162226" y="1388533"/>
             <a:ext cx="136177" cy="157109"/>
           </a:xfrm>
           <a:prstGeom prst="ellipse">
@@ -12379,7 +12531,7 @@
         </p:nvSpPr>
         <p:spPr>
           <a:xfrm>
-            <a:off x="4615530" y="2796185"/>
+            <a:off x="4913449" y="2878598"/>
             <a:ext cx="136177" cy="157109"/>
           </a:xfrm>
           <a:prstGeom prst="ellipse">
@@ -12429,7 +12581,7 @@
         </p:nvSpPr>
         <p:spPr>
           <a:xfrm>
-            <a:off x="4404105" y="3286383"/>
+            <a:off x="4693174" y="3296453"/>
             <a:ext cx="136177" cy="157109"/>
           </a:xfrm>
           <a:prstGeom prst="ellipse">
@@ -12484,7 +12636,7 @@
         </p:nvSpPr>
         <p:spPr>
           <a:xfrm>
-            <a:off x="3027027" y="3102979"/>
+            <a:off x="2739355" y="3102979"/>
             <a:ext cx="136177" cy="157109"/>
           </a:xfrm>
           <a:prstGeom prst="ellipse">
@@ -12539,7 +12691,7 @@
         </p:nvSpPr>
         <p:spPr>
           <a:xfrm>
-            <a:off x="1361356" y="3333949"/>
+            <a:off x="1073684" y="3333949"/>
             <a:ext cx="136177" cy="157109"/>
           </a:xfrm>
           <a:prstGeom prst="ellipse">
@@ -12582,10 +12734,10 @@
       </p:sp>
       <p:sp>
         <p:nvSpPr>
-          <p:cNvPr id="50" name="Oval 49">
-            <a:extLst>
-              <a:ext uri="{FF2B5EF4-FFF2-40B4-BE49-F238E27FC236}">
-                <a16:creationId xmlns:a16="http://schemas.microsoft.com/office/drawing/2014/main" id="{44744BBB-B00A-A25D-7A01-BFA5281C4023}"/>
+          <p:cNvPr id="52" name="Oval 51">
+            <a:extLst>
+              <a:ext uri="{FF2B5EF4-FFF2-40B4-BE49-F238E27FC236}">
+                <a16:creationId xmlns:a16="http://schemas.microsoft.com/office/drawing/2014/main" id="{7ED54845-70BF-9A42-D4E9-481E106401E7}"/>
               </a:ext>
             </a:extLst>
           </p:cNvPr>
@@ -12594,7 +12746,7 @@
         </p:nvSpPr>
         <p:spPr>
           <a:xfrm>
-            <a:off x="2923732" y="1556685"/>
+            <a:off x="3803570" y="4450848"/>
             <a:ext cx="136177" cy="157109"/>
           </a:xfrm>
           <a:prstGeom prst="ellipse">
@@ -12632,10 +12784,10 @@
       </p:sp>
       <p:sp>
         <p:nvSpPr>
-          <p:cNvPr id="52" name="Oval 51">
-            <a:extLst>
-              <a:ext uri="{FF2B5EF4-FFF2-40B4-BE49-F238E27FC236}">
-                <a16:creationId xmlns:a16="http://schemas.microsoft.com/office/drawing/2014/main" id="{7ED54845-70BF-9A42-D4E9-481E106401E7}"/>
+          <p:cNvPr id="56" name="Oval 55">
+            <a:extLst>
+              <a:ext uri="{FF2B5EF4-FFF2-40B4-BE49-F238E27FC236}">
+                <a16:creationId xmlns:a16="http://schemas.microsoft.com/office/drawing/2014/main" id="{53FB92A0-583D-EAAB-DBCD-F4D60BF22A03}"/>
               </a:ext>
             </a:extLst>
           </p:cNvPr>
@@ -12644,12 +12796,17 @@
         </p:nvSpPr>
         <p:spPr>
           <a:xfrm>
-            <a:off x="4091242" y="4450848"/>
+            <a:off x="8541477" y="2275217"/>
             <a:ext cx="136177" cy="157109"/>
           </a:xfrm>
           <a:prstGeom prst="ellipse">
             <a:avLst/>
           </a:prstGeom>
+          <a:solidFill>
+            <a:schemeClr val="accent6">
+              <a:lumMod val="75000"/>
+            </a:schemeClr>
+          </a:solidFill>
         </p:spPr>
         <p:style>
           <a:lnRef idx="2">
@@ -12674,7 +12831,7 @@
             <a:pPr algn="ctr"/>
             <a:r>
               <a:rPr lang="en-US" sz="900" dirty="0"/>
-              <a:t>R</a:t>
+              <a:t>P</a:t>
             </a:r>
             <a:endParaRPr lang="en-SG" sz="900" dirty="0"/>
           </a:p>
@@ -12682,10 +12839,10 @@
       </p:sp>
       <p:sp>
         <p:nvSpPr>
-          <p:cNvPr id="56" name="Oval 55">
-            <a:extLst>
-              <a:ext uri="{FF2B5EF4-FFF2-40B4-BE49-F238E27FC236}">
-                <a16:creationId xmlns:a16="http://schemas.microsoft.com/office/drawing/2014/main" id="{53FB92A0-583D-EAAB-DBCD-F4D60BF22A03}"/>
+          <p:cNvPr id="67" name="Oval 66">
+            <a:extLst>
+              <a:ext uri="{FF2B5EF4-FFF2-40B4-BE49-F238E27FC236}">
+                <a16:creationId xmlns:a16="http://schemas.microsoft.com/office/drawing/2014/main" id="{A9C1A488-4AA0-1853-CB83-B00DFF15F353}"/>
               </a:ext>
             </a:extLst>
           </p:cNvPr>
@@ -12694,17 +12851,12 @@
         </p:nvSpPr>
         <p:spPr>
           <a:xfrm>
-            <a:off x="8829149" y="2275217"/>
+            <a:off x="3075474" y="3721350"/>
             <a:ext cx="136177" cy="157109"/>
           </a:xfrm>
           <a:prstGeom prst="ellipse">
             <a:avLst/>
           </a:prstGeom>
-          <a:solidFill>
-            <a:schemeClr val="accent6">
-              <a:lumMod val="75000"/>
-            </a:schemeClr>
-          </a:solidFill>
         </p:spPr>
         <p:style>
           <a:lnRef idx="2">
@@ -12729,7 +12881,7 @@
             <a:pPr algn="ctr"/>
             <a:r>
               <a:rPr lang="en-US" sz="900" dirty="0"/>
-              <a:t>P</a:t>
+              <a:t>R</a:t>
             </a:r>
             <a:endParaRPr lang="en-SG" sz="900" dirty="0"/>
           </a:p>
@@ -12737,10 +12889,10 @@
       </p:sp>
       <p:sp>
         <p:nvSpPr>
-          <p:cNvPr id="67" name="Oval 66">
-            <a:extLst>
-              <a:ext uri="{FF2B5EF4-FFF2-40B4-BE49-F238E27FC236}">
-                <a16:creationId xmlns:a16="http://schemas.microsoft.com/office/drawing/2014/main" id="{A9C1A488-4AA0-1853-CB83-B00DFF15F353}"/>
+          <p:cNvPr id="68" name="Oval 67">
+            <a:extLst>
+              <a:ext uri="{FF2B5EF4-FFF2-40B4-BE49-F238E27FC236}">
+                <a16:creationId xmlns:a16="http://schemas.microsoft.com/office/drawing/2014/main" id="{AF664026-F9A2-714E-61CD-DDB631DA98D9}"/>
               </a:ext>
             </a:extLst>
           </p:cNvPr>
@@ -12749,12 +12901,17 @@
         </p:nvSpPr>
         <p:spPr>
           <a:xfrm>
-            <a:off x="3363146" y="3721350"/>
+            <a:off x="3080874" y="3437845"/>
             <a:ext cx="136177" cy="157109"/>
           </a:xfrm>
           <a:prstGeom prst="ellipse">
             <a:avLst/>
           </a:prstGeom>
+          <a:solidFill>
+            <a:schemeClr val="accent6">
+              <a:lumMod val="75000"/>
+            </a:schemeClr>
+          </a:solidFill>
         </p:spPr>
         <p:style>
           <a:lnRef idx="2">
@@ -12779,7 +12936,7 @@
             <a:pPr algn="ctr"/>
             <a:r>
               <a:rPr lang="en-US" sz="900" dirty="0"/>
-              <a:t>R</a:t>
+              <a:t>P</a:t>
             </a:r>
             <a:endParaRPr lang="en-SG" sz="900" dirty="0"/>
           </a:p>
@@ -12787,10 +12944,10 @@
       </p:sp>
       <p:sp>
         <p:nvSpPr>
-          <p:cNvPr id="68" name="Oval 67">
-            <a:extLst>
-              <a:ext uri="{FF2B5EF4-FFF2-40B4-BE49-F238E27FC236}">
-                <a16:creationId xmlns:a16="http://schemas.microsoft.com/office/drawing/2014/main" id="{AF664026-F9A2-714E-61CD-DDB631DA98D9}"/>
+          <p:cNvPr id="74" name="Oval 73">
+            <a:extLst>
+              <a:ext uri="{FF2B5EF4-FFF2-40B4-BE49-F238E27FC236}">
+                <a16:creationId xmlns:a16="http://schemas.microsoft.com/office/drawing/2014/main" id="{B2AD32F2-8FDA-0CFA-5343-C0F8E2CFDBBF}"/>
               </a:ext>
             </a:extLst>
           </p:cNvPr>
@@ -12799,7 +12956,7 @@
         </p:nvSpPr>
         <p:spPr>
           <a:xfrm>
-            <a:off x="3368546" y="3437845"/>
+            <a:off x="7857696" y="2867138"/>
             <a:ext cx="136177" cy="157109"/>
           </a:xfrm>
           <a:prstGeom prst="ellipse">
@@ -12842,10 +12999,10 @@
       </p:sp>
       <p:sp>
         <p:nvSpPr>
-          <p:cNvPr id="74" name="Oval 73">
-            <a:extLst>
-              <a:ext uri="{FF2B5EF4-FFF2-40B4-BE49-F238E27FC236}">
-                <a16:creationId xmlns:a16="http://schemas.microsoft.com/office/drawing/2014/main" id="{B2AD32F2-8FDA-0CFA-5343-C0F8E2CFDBBF}"/>
+          <p:cNvPr id="75" name="Oval 74">
+            <a:extLst>
+              <a:ext uri="{FF2B5EF4-FFF2-40B4-BE49-F238E27FC236}">
+                <a16:creationId xmlns:a16="http://schemas.microsoft.com/office/drawing/2014/main" id="{E99C3F48-A6BA-B14F-C688-E1AF6697448B}"/>
               </a:ext>
             </a:extLst>
           </p:cNvPr>
@@ -12854,7 +13011,7 @@
         </p:nvSpPr>
         <p:spPr>
           <a:xfrm>
-            <a:off x="8145368" y="2867138"/>
+            <a:off x="1065379" y="2061837"/>
             <a:ext cx="136177" cy="157109"/>
           </a:xfrm>
           <a:prstGeom prst="ellipse">
@@ -12897,10 +13054,10 @@
       </p:sp>
       <p:sp>
         <p:nvSpPr>
-          <p:cNvPr id="75" name="Oval 74">
-            <a:extLst>
-              <a:ext uri="{FF2B5EF4-FFF2-40B4-BE49-F238E27FC236}">
-                <a16:creationId xmlns:a16="http://schemas.microsoft.com/office/drawing/2014/main" id="{E99C3F48-A6BA-B14F-C688-E1AF6697448B}"/>
+          <p:cNvPr id="78" name="Oval 77">
+            <a:extLst>
+              <a:ext uri="{FF2B5EF4-FFF2-40B4-BE49-F238E27FC236}">
+                <a16:creationId xmlns:a16="http://schemas.microsoft.com/office/drawing/2014/main" id="{905F879A-EEF9-6DBE-01FB-E869F5708380}"/>
               </a:ext>
             </a:extLst>
           </p:cNvPr>
@@ -12909,7 +13066,7 @@
         </p:nvSpPr>
         <p:spPr>
           <a:xfrm>
-            <a:off x="1353051" y="2061837"/>
+            <a:off x="2267764" y="2028333"/>
             <a:ext cx="136177" cy="157109"/>
           </a:xfrm>
           <a:prstGeom prst="ellipse">
@@ -12952,10 +13109,10 @@
       </p:sp>
       <p:sp>
         <p:nvSpPr>
-          <p:cNvPr id="78" name="Oval 77">
-            <a:extLst>
-              <a:ext uri="{FF2B5EF4-FFF2-40B4-BE49-F238E27FC236}">
-                <a16:creationId xmlns:a16="http://schemas.microsoft.com/office/drawing/2014/main" id="{905F879A-EEF9-6DBE-01FB-E869F5708380}"/>
+          <p:cNvPr id="79" name="Oval 78">
+            <a:extLst>
+              <a:ext uri="{FF2B5EF4-FFF2-40B4-BE49-F238E27FC236}">
+                <a16:creationId xmlns:a16="http://schemas.microsoft.com/office/drawing/2014/main" id="{008C6A46-706E-F85F-77C3-3D79C546C6CC}"/>
               </a:ext>
             </a:extLst>
           </p:cNvPr>
@@ -12964,17 +13121,12 @@
         </p:nvSpPr>
         <p:spPr>
           <a:xfrm>
-            <a:off x="2555436" y="2028333"/>
+            <a:off x="2525070" y="2860098"/>
             <a:ext cx="136177" cy="157109"/>
           </a:xfrm>
           <a:prstGeom prst="ellipse">
             <a:avLst/>
           </a:prstGeom>
-          <a:solidFill>
-            <a:schemeClr val="accent6">
-              <a:lumMod val="75000"/>
-            </a:schemeClr>
-          </a:solidFill>
         </p:spPr>
         <p:style>
           <a:lnRef idx="2">
@@ -12999,7 +13151,7 @@
             <a:pPr algn="ctr"/>
             <a:r>
               <a:rPr lang="en-US" sz="900" dirty="0"/>
-              <a:t>P</a:t>
+              <a:t>R</a:t>
             </a:r>
             <a:endParaRPr lang="en-SG" sz="900" dirty="0"/>
           </a:p>
@@ -13007,10 +13159,10 @@
       </p:sp>
       <p:sp>
         <p:nvSpPr>
-          <p:cNvPr id="79" name="Oval 78">
-            <a:extLst>
-              <a:ext uri="{FF2B5EF4-FFF2-40B4-BE49-F238E27FC236}">
-                <a16:creationId xmlns:a16="http://schemas.microsoft.com/office/drawing/2014/main" id="{008C6A46-706E-F85F-77C3-3D79C546C6CC}"/>
+          <p:cNvPr id="80" name="Oval 79">
+            <a:extLst>
+              <a:ext uri="{FF2B5EF4-FFF2-40B4-BE49-F238E27FC236}">
+                <a16:creationId xmlns:a16="http://schemas.microsoft.com/office/drawing/2014/main" id="{20913FDF-799E-639D-5226-7776A30E6AD3}"/>
               </a:ext>
             </a:extLst>
           </p:cNvPr>
@@ -13019,7 +13171,7 @@
         </p:nvSpPr>
         <p:spPr>
           <a:xfrm>
-            <a:off x="2812742" y="2860098"/>
+            <a:off x="837581" y="2860098"/>
             <a:ext cx="136177" cy="157109"/>
           </a:xfrm>
           <a:prstGeom prst="ellipse">
@@ -13057,10 +13209,10 @@
       </p:sp>
       <p:sp>
         <p:nvSpPr>
-          <p:cNvPr id="80" name="Oval 79">
-            <a:extLst>
-              <a:ext uri="{FF2B5EF4-FFF2-40B4-BE49-F238E27FC236}">
-                <a16:creationId xmlns:a16="http://schemas.microsoft.com/office/drawing/2014/main" id="{20913FDF-799E-639D-5226-7776A30E6AD3}"/>
+          <p:cNvPr id="82" name="Oval 81">
+            <a:extLst>
+              <a:ext uri="{FF2B5EF4-FFF2-40B4-BE49-F238E27FC236}">
+                <a16:creationId xmlns:a16="http://schemas.microsoft.com/office/drawing/2014/main" id="{D9FF1C60-4006-5257-82FD-02D862BE200F}"/>
               </a:ext>
             </a:extLst>
           </p:cNvPr>
@@ -13069,7 +13221,7 @@
         </p:nvSpPr>
         <p:spPr>
           <a:xfrm>
-            <a:off x="1125253" y="2860098"/>
+            <a:off x="6142757" y="4429532"/>
             <a:ext cx="136177" cy="157109"/>
           </a:xfrm>
           <a:prstGeom prst="ellipse">
@@ -13107,10 +13259,10 @@
       </p:sp>
       <p:sp>
         <p:nvSpPr>
-          <p:cNvPr id="82" name="Oval 81">
-            <a:extLst>
-              <a:ext uri="{FF2B5EF4-FFF2-40B4-BE49-F238E27FC236}">
-                <a16:creationId xmlns:a16="http://schemas.microsoft.com/office/drawing/2014/main" id="{D9FF1C60-4006-5257-82FD-02D862BE200F}"/>
+          <p:cNvPr id="83" name="Oval 82">
+            <a:extLst>
+              <a:ext uri="{FF2B5EF4-FFF2-40B4-BE49-F238E27FC236}">
+                <a16:creationId xmlns:a16="http://schemas.microsoft.com/office/drawing/2014/main" id="{BE7073E5-1B33-5A1C-4779-D78741D03806}"/>
               </a:ext>
             </a:extLst>
           </p:cNvPr>
@@ -13119,12 +13271,17 @@
         </p:nvSpPr>
         <p:spPr>
           <a:xfrm>
-            <a:off x="6430429" y="4429532"/>
+            <a:off x="7396936" y="4788933"/>
             <a:ext cx="136177" cy="157109"/>
           </a:xfrm>
           <a:prstGeom prst="ellipse">
             <a:avLst/>
           </a:prstGeom>
+          <a:solidFill>
+            <a:schemeClr val="accent6">
+              <a:lumMod val="75000"/>
+            </a:schemeClr>
+          </a:solidFill>
         </p:spPr>
         <p:style>
           <a:lnRef idx="2">
@@ -13149,7 +13306,7 @@
             <a:pPr algn="ctr"/>
             <a:r>
               <a:rPr lang="en-US" sz="900" dirty="0"/>
-              <a:t>R</a:t>
+              <a:t>P</a:t>
             </a:r>
             <a:endParaRPr lang="en-SG" sz="900" dirty="0"/>
           </a:p>
@@ -13157,10 +13314,10 @@
       </p:sp>
       <p:sp>
         <p:nvSpPr>
-          <p:cNvPr id="83" name="Oval 82">
-            <a:extLst>
-              <a:ext uri="{FF2B5EF4-FFF2-40B4-BE49-F238E27FC236}">
-                <a16:creationId xmlns:a16="http://schemas.microsoft.com/office/drawing/2014/main" id="{BE7073E5-1B33-5A1C-4779-D78741D03806}"/>
+          <p:cNvPr id="89" name="Oval 88">
+            <a:extLst>
+              <a:ext uri="{FF2B5EF4-FFF2-40B4-BE49-F238E27FC236}">
+                <a16:creationId xmlns:a16="http://schemas.microsoft.com/office/drawing/2014/main" id="{93AC0122-1B2F-F0F9-B349-27BC0EF4D76E}"/>
               </a:ext>
             </a:extLst>
           </p:cNvPr>
@@ -13169,7 +13326,7 @@
         </p:nvSpPr>
         <p:spPr>
           <a:xfrm>
-            <a:off x="7684608" y="4788933"/>
+            <a:off x="3012785" y="4040698"/>
             <a:ext cx="136177" cy="157109"/>
           </a:xfrm>
           <a:prstGeom prst="ellipse">
@@ -13212,10 +13369,10 @@
       </p:sp>
       <p:sp>
         <p:nvSpPr>
-          <p:cNvPr id="89" name="Oval 88">
-            <a:extLst>
-              <a:ext uri="{FF2B5EF4-FFF2-40B4-BE49-F238E27FC236}">
-                <a16:creationId xmlns:a16="http://schemas.microsoft.com/office/drawing/2014/main" id="{93AC0122-1B2F-F0F9-B349-27BC0EF4D76E}"/>
+          <p:cNvPr id="90" name="Oval 89">
+            <a:extLst>
+              <a:ext uri="{FF2B5EF4-FFF2-40B4-BE49-F238E27FC236}">
+                <a16:creationId xmlns:a16="http://schemas.microsoft.com/office/drawing/2014/main" id="{3176BB73-5E35-C55B-B2B6-D0BE84614BF2}"/>
               </a:ext>
             </a:extLst>
           </p:cNvPr>
@@ -13224,7 +13381,7 @@
         </p:nvSpPr>
         <p:spPr>
           <a:xfrm>
-            <a:off x="3300457" y="4040698"/>
+            <a:off x="2567746" y="4127222"/>
             <a:ext cx="136177" cy="157109"/>
           </a:xfrm>
           <a:prstGeom prst="ellipse">
@@ -13267,10 +13424,10 @@
       </p:sp>
       <p:sp>
         <p:nvSpPr>
-          <p:cNvPr id="90" name="Oval 89">
-            <a:extLst>
-              <a:ext uri="{FF2B5EF4-FFF2-40B4-BE49-F238E27FC236}">
-                <a16:creationId xmlns:a16="http://schemas.microsoft.com/office/drawing/2014/main" id="{3176BB73-5E35-C55B-B2B6-D0BE84614BF2}"/>
+          <p:cNvPr id="94" name="Oval 93">
+            <a:extLst>
+              <a:ext uri="{FF2B5EF4-FFF2-40B4-BE49-F238E27FC236}">
+                <a16:creationId xmlns:a16="http://schemas.microsoft.com/office/drawing/2014/main" id="{16B7C5DE-381A-2D9D-85D0-701426358530}"/>
               </a:ext>
             </a:extLst>
           </p:cNvPr>
@@ -13279,7 +13436,7 @@
         </p:nvSpPr>
         <p:spPr>
           <a:xfrm>
-            <a:off x="2855418" y="4127222"/>
+            <a:off x="7874936" y="4206873"/>
             <a:ext cx="136177" cy="157109"/>
           </a:xfrm>
           <a:prstGeom prst="ellipse">
@@ -13322,10 +13479,10 @@
       </p:sp>
       <p:sp>
         <p:nvSpPr>
-          <p:cNvPr id="94" name="Oval 93">
-            <a:extLst>
-              <a:ext uri="{FF2B5EF4-FFF2-40B4-BE49-F238E27FC236}">
-                <a16:creationId xmlns:a16="http://schemas.microsoft.com/office/drawing/2014/main" id="{16B7C5DE-381A-2D9D-85D0-701426358530}"/>
+          <p:cNvPr id="96" name="Oval 95">
+            <a:extLst>
+              <a:ext uri="{FF2B5EF4-FFF2-40B4-BE49-F238E27FC236}">
+                <a16:creationId xmlns:a16="http://schemas.microsoft.com/office/drawing/2014/main" id="{17A5F347-53B3-5BD8-3480-41FCDECFA73A}"/>
               </a:ext>
             </a:extLst>
           </p:cNvPr>
@@ -13334,7 +13491,7 @@
         </p:nvSpPr>
         <p:spPr>
           <a:xfrm>
-            <a:off x="8162608" y="4206873"/>
+            <a:off x="8570672" y="3664557"/>
             <a:ext cx="136177" cy="157109"/>
           </a:xfrm>
           <a:prstGeom prst="ellipse">
@@ -13377,10 +13534,10 @@
       </p:sp>
       <p:sp>
         <p:nvSpPr>
-          <p:cNvPr id="96" name="Oval 95">
-            <a:extLst>
-              <a:ext uri="{FF2B5EF4-FFF2-40B4-BE49-F238E27FC236}">
-                <a16:creationId xmlns:a16="http://schemas.microsoft.com/office/drawing/2014/main" id="{17A5F347-53B3-5BD8-3480-41FCDECFA73A}"/>
+          <p:cNvPr id="98" name="Oval 97">
+            <a:extLst>
+              <a:ext uri="{FF2B5EF4-FFF2-40B4-BE49-F238E27FC236}">
+                <a16:creationId xmlns:a16="http://schemas.microsoft.com/office/drawing/2014/main" id="{9A416CAA-B40F-987C-2334-54EC67DD0D73}"/>
               </a:ext>
             </a:extLst>
           </p:cNvPr>
@@ -13389,7 +13546,7 @@
         </p:nvSpPr>
         <p:spPr>
           <a:xfrm>
-            <a:off x="8858344" y="3664557"/>
+            <a:off x="8552308" y="5063458"/>
             <a:ext cx="136177" cy="157109"/>
           </a:xfrm>
           <a:prstGeom prst="ellipse">
@@ -13432,10 +13589,10 @@
       </p:sp>
       <p:sp>
         <p:nvSpPr>
-          <p:cNvPr id="98" name="Oval 97">
-            <a:extLst>
-              <a:ext uri="{FF2B5EF4-FFF2-40B4-BE49-F238E27FC236}">
-                <a16:creationId xmlns:a16="http://schemas.microsoft.com/office/drawing/2014/main" id="{9A416CAA-B40F-987C-2334-54EC67DD0D73}"/>
+          <p:cNvPr id="99" name="Oval 98">
+            <a:extLst>
+              <a:ext uri="{FF2B5EF4-FFF2-40B4-BE49-F238E27FC236}">
+                <a16:creationId xmlns:a16="http://schemas.microsoft.com/office/drawing/2014/main" id="{F211D308-5E06-2B47-FF07-F3EA1020B435}"/>
               </a:ext>
             </a:extLst>
           </p:cNvPr>
@@ -13444,17 +13601,12 @@
         </p:nvSpPr>
         <p:spPr>
           <a:xfrm>
-            <a:off x="8839980" y="5063458"/>
+            <a:off x="7533113" y="2487357"/>
             <a:ext cx="136177" cy="157109"/>
           </a:xfrm>
           <a:prstGeom prst="ellipse">
             <a:avLst/>
           </a:prstGeom>
-          <a:solidFill>
-            <a:schemeClr val="accent6">
-              <a:lumMod val="75000"/>
-            </a:schemeClr>
-          </a:solidFill>
         </p:spPr>
         <p:style>
           <a:lnRef idx="2">
@@ -13479,7 +13631,7 @@
             <a:pPr algn="ctr"/>
             <a:r>
               <a:rPr lang="en-US" sz="900" dirty="0"/>
-              <a:t>P</a:t>
+              <a:t>R</a:t>
             </a:r>
             <a:endParaRPr lang="en-SG" sz="900" dirty="0"/>
           </a:p>
@@ -13487,10 +13639,10 @@
       </p:sp>
       <p:sp>
         <p:nvSpPr>
-          <p:cNvPr id="99" name="Oval 98">
-            <a:extLst>
-              <a:ext uri="{FF2B5EF4-FFF2-40B4-BE49-F238E27FC236}">
-                <a16:creationId xmlns:a16="http://schemas.microsoft.com/office/drawing/2014/main" id="{F211D308-5E06-2B47-FF07-F3EA1020B435}"/>
+          <p:cNvPr id="100" name="Oval 99">
+            <a:extLst>
+              <a:ext uri="{FF2B5EF4-FFF2-40B4-BE49-F238E27FC236}">
+                <a16:creationId xmlns:a16="http://schemas.microsoft.com/office/drawing/2014/main" id="{1BB340DE-3CD7-BD3C-6DB1-FC9678A8B066}"/>
               </a:ext>
             </a:extLst>
           </p:cNvPr>
@@ -13499,7 +13651,7 @@
         </p:nvSpPr>
         <p:spPr>
           <a:xfrm>
-            <a:off x="7820785" y="2487357"/>
+            <a:off x="7540988" y="3902994"/>
             <a:ext cx="136177" cy="157109"/>
           </a:xfrm>
           <a:prstGeom prst="ellipse">
@@ -13537,10 +13689,10 @@
       </p:sp>
       <p:sp>
         <p:nvSpPr>
-          <p:cNvPr id="100" name="Oval 99">
-            <a:extLst>
-              <a:ext uri="{FF2B5EF4-FFF2-40B4-BE49-F238E27FC236}">
-                <a16:creationId xmlns:a16="http://schemas.microsoft.com/office/drawing/2014/main" id="{1BB340DE-3CD7-BD3C-6DB1-FC9678A8B066}"/>
+          <p:cNvPr id="103" name="Oval 102">
+            <a:extLst>
+              <a:ext uri="{FF2B5EF4-FFF2-40B4-BE49-F238E27FC236}">
+                <a16:creationId xmlns:a16="http://schemas.microsoft.com/office/drawing/2014/main" id="{4C43D2B5-F9E4-007E-2E7D-EE5C13DBDC0E}"/>
               </a:ext>
             </a:extLst>
           </p:cNvPr>
@@ -13549,7 +13701,7 @@
         </p:nvSpPr>
         <p:spPr>
           <a:xfrm>
-            <a:off x="7828660" y="3902994"/>
+            <a:off x="7573753" y="5254506"/>
             <a:ext cx="136177" cy="157109"/>
           </a:xfrm>
           <a:prstGeom prst="ellipse">
@@ -13587,10 +13739,10 @@
       </p:sp>
       <p:sp>
         <p:nvSpPr>
-          <p:cNvPr id="103" name="Oval 102">
-            <a:extLst>
-              <a:ext uri="{FF2B5EF4-FFF2-40B4-BE49-F238E27FC236}">
-                <a16:creationId xmlns:a16="http://schemas.microsoft.com/office/drawing/2014/main" id="{4C43D2B5-F9E4-007E-2E7D-EE5C13DBDC0E}"/>
+          <p:cNvPr id="105" name="Oval 104">
+            <a:extLst>
+              <a:ext uri="{FF2B5EF4-FFF2-40B4-BE49-F238E27FC236}">
+                <a16:creationId xmlns:a16="http://schemas.microsoft.com/office/drawing/2014/main" id="{65E697B1-BA54-7CBC-AF05-A9D03D5E3B86}"/>
               </a:ext>
             </a:extLst>
           </p:cNvPr>
@@ -13599,7 +13751,7 @@
         </p:nvSpPr>
         <p:spPr>
           <a:xfrm>
-            <a:off x="7861425" y="5254506"/>
+            <a:off x="8981218" y="2353771"/>
             <a:ext cx="136177" cy="157109"/>
           </a:xfrm>
           <a:prstGeom prst="ellipse">
@@ -13637,10 +13789,10 @@
       </p:sp>
       <p:sp>
         <p:nvSpPr>
-          <p:cNvPr id="105" name="Oval 104">
-            <a:extLst>
-              <a:ext uri="{FF2B5EF4-FFF2-40B4-BE49-F238E27FC236}">
-                <a16:creationId xmlns:a16="http://schemas.microsoft.com/office/drawing/2014/main" id="{65E697B1-BA54-7CBC-AF05-A9D03D5E3B86}"/>
+          <p:cNvPr id="106" name="Oval 105">
+            <a:extLst>
+              <a:ext uri="{FF2B5EF4-FFF2-40B4-BE49-F238E27FC236}">
+                <a16:creationId xmlns:a16="http://schemas.microsoft.com/office/drawing/2014/main" id="{18152FFA-90D9-0661-EE70-FD1444A80894}"/>
               </a:ext>
             </a:extLst>
           </p:cNvPr>
@@ -13649,7 +13801,7 @@
         </p:nvSpPr>
         <p:spPr>
           <a:xfrm>
-            <a:off x="9268890" y="2353771"/>
+            <a:off x="9016562" y="3870110"/>
             <a:ext cx="136177" cy="157109"/>
           </a:xfrm>
           <a:prstGeom prst="ellipse">
@@ -13687,10 +13839,10 @@
       </p:sp>
       <p:sp>
         <p:nvSpPr>
-          <p:cNvPr id="106" name="Oval 105">
-            <a:extLst>
-              <a:ext uri="{FF2B5EF4-FFF2-40B4-BE49-F238E27FC236}">
-                <a16:creationId xmlns:a16="http://schemas.microsoft.com/office/drawing/2014/main" id="{18152FFA-90D9-0661-EE70-FD1444A80894}"/>
+          <p:cNvPr id="108" name="Oval 107">
+            <a:extLst>
+              <a:ext uri="{FF2B5EF4-FFF2-40B4-BE49-F238E27FC236}">
+                <a16:creationId xmlns:a16="http://schemas.microsoft.com/office/drawing/2014/main" id="{E5501FF4-FD49-BE86-C1F0-FAA3290FDB93}"/>
               </a:ext>
             </a:extLst>
           </p:cNvPr>
@@ -13699,7 +13851,7 @@
         </p:nvSpPr>
         <p:spPr>
           <a:xfrm>
-            <a:off x="9304234" y="3870110"/>
+            <a:off x="8971898" y="5308755"/>
             <a:ext cx="136177" cy="157109"/>
           </a:xfrm>
           <a:prstGeom prst="ellipse">
@@ -13737,10 +13889,10 @@
       </p:sp>
       <p:sp>
         <p:nvSpPr>
-          <p:cNvPr id="108" name="Oval 107">
-            <a:extLst>
-              <a:ext uri="{FF2B5EF4-FFF2-40B4-BE49-F238E27FC236}">
-                <a16:creationId xmlns:a16="http://schemas.microsoft.com/office/drawing/2014/main" id="{E5501FF4-FD49-BE86-C1F0-FAA3290FDB93}"/>
+          <p:cNvPr id="111" name="Oval 110">
+            <a:extLst>
+              <a:ext uri="{FF2B5EF4-FFF2-40B4-BE49-F238E27FC236}">
+                <a16:creationId xmlns:a16="http://schemas.microsoft.com/office/drawing/2014/main" id="{A15DC1CF-B18A-DFFA-A6B5-A97F190114B5}"/>
               </a:ext>
             </a:extLst>
           </p:cNvPr>
@@ -13749,12 +13901,17 @@
         </p:nvSpPr>
         <p:spPr>
           <a:xfrm>
-            <a:off x="9259570" y="5308755"/>
-            <a:ext cx="136177" cy="157109"/>
+            <a:off x="6909564" y="783158"/>
+            <a:ext cx="166624" cy="157109"/>
           </a:xfrm>
           <a:prstGeom prst="ellipse">
             <a:avLst/>
           </a:prstGeom>
+          <a:solidFill>
+            <a:schemeClr val="accent6">
+              <a:lumMod val="75000"/>
+            </a:schemeClr>
+          </a:solidFill>
         </p:spPr>
         <p:style>
           <a:lnRef idx="2">
@@ -13779,7 +13936,7 @@
             <a:pPr algn="ctr"/>
             <a:r>
               <a:rPr lang="en-US" sz="900" dirty="0"/>
-              <a:t>R</a:t>
+              <a:t>P</a:t>
             </a:r>
             <a:endParaRPr lang="en-SG" sz="900" dirty="0"/>
           </a:p>
@@ -13787,10 +13944,46 @@
       </p:sp>
       <p:sp>
         <p:nvSpPr>
-          <p:cNvPr id="111" name="Oval 110">
-            <a:extLst>
-              <a:ext uri="{FF2B5EF4-FFF2-40B4-BE49-F238E27FC236}">
-                <a16:creationId xmlns:a16="http://schemas.microsoft.com/office/drawing/2014/main" id="{A15DC1CF-B18A-DFFA-A6B5-A97F190114B5}"/>
+          <p:cNvPr id="112" name="TextBox 111">
+            <a:extLst>
+              <a:ext uri="{FF2B5EF4-FFF2-40B4-BE49-F238E27FC236}">
+                <a16:creationId xmlns:a16="http://schemas.microsoft.com/office/drawing/2014/main" id="{B154CD43-9DF4-1112-789C-EB52EBEE064D}"/>
+              </a:ext>
+            </a:extLst>
+          </p:cNvPr>
+          <p:cNvSpPr txBox="1"/>
+          <p:nvPr/>
+        </p:nvSpPr>
+        <p:spPr>
+          <a:xfrm>
+            <a:off x="7135879" y="707696"/>
+            <a:ext cx="3672037" cy="430887"/>
+          </a:xfrm>
+          <a:prstGeom prst="rect">
+            <a:avLst/>
+          </a:prstGeom>
+          <a:noFill/>
+        </p:spPr>
+        <p:txBody>
+          <a:bodyPr wrap="square" rtlCol="0">
+            <a:spAutoFit/>
+          </a:bodyPr>
+          <a:lstStyle/>
+          <a:p>
+            <a:r>
+              <a:rPr lang="en-US" sz="1100" b="1" dirty="0"/>
+              <a:t>PLC Connection and Control Point ( remote circuit breaker + closer sensors)</a:t>
+            </a:r>
+            <a:endParaRPr lang="en-SG" sz="1100" b="1" dirty="0"/>
+          </a:p>
+        </p:txBody>
+      </p:sp>
+      <p:sp>
+        <p:nvSpPr>
+          <p:cNvPr id="114" name="Oval 113">
+            <a:extLst>
+              <a:ext uri="{FF2B5EF4-FFF2-40B4-BE49-F238E27FC236}">
+                <a16:creationId xmlns:a16="http://schemas.microsoft.com/office/drawing/2014/main" id="{03C805E0-8504-D0CA-D656-32B9AAB899E0}"/>
               </a:ext>
             </a:extLst>
           </p:cNvPr>
@@ -13799,17 +13992,12 @@
         </p:nvSpPr>
         <p:spPr>
           <a:xfrm>
-            <a:off x="9083140" y="551737"/>
-            <a:ext cx="136177" cy="157109"/>
+            <a:off x="6935223" y="1250718"/>
+            <a:ext cx="166624" cy="157109"/>
           </a:xfrm>
           <a:prstGeom prst="ellipse">
             <a:avLst/>
           </a:prstGeom>
-          <a:solidFill>
-            <a:schemeClr val="accent6">
-              <a:lumMod val="75000"/>
-            </a:schemeClr>
-          </a:solidFill>
         </p:spPr>
         <p:style>
           <a:lnRef idx="2">
@@ -13834,7 +14022,7 @@
             <a:pPr algn="ctr"/>
             <a:r>
               <a:rPr lang="en-US" sz="900" dirty="0"/>
-              <a:t>P</a:t>
+              <a:t>R</a:t>
             </a:r>
             <a:endParaRPr lang="en-SG" sz="900" dirty="0"/>
           </a:p>
@@ -13842,10 +14030,10 @@
       </p:sp>
       <p:sp>
         <p:nvSpPr>
-          <p:cNvPr id="112" name="TextBox 111">
-            <a:extLst>
-              <a:ext uri="{FF2B5EF4-FFF2-40B4-BE49-F238E27FC236}">
-                <a16:creationId xmlns:a16="http://schemas.microsoft.com/office/drawing/2014/main" id="{B154CD43-9DF4-1112-789C-EB52EBEE064D}"/>
+          <p:cNvPr id="115" name="TextBox 114">
+            <a:extLst>
+              <a:ext uri="{FF2B5EF4-FFF2-40B4-BE49-F238E27FC236}">
+                <a16:creationId xmlns:a16="http://schemas.microsoft.com/office/drawing/2014/main" id="{80B88AED-CC66-17EB-3A0C-91A8F6377CA3}"/>
               </a:ext>
             </a:extLst>
           </p:cNvPr>
@@ -13854,8 +14042,8 @@
         </p:nvSpPr>
         <p:spPr>
           <a:xfrm>
-            <a:off x="9334314" y="430751"/>
-            <a:ext cx="1784132" cy="430887"/>
+            <a:off x="7120968" y="1168825"/>
+            <a:ext cx="3171761" cy="261610"/>
           </a:xfrm>
           <a:prstGeom prst="rect">
             <a:avLst/>
@@ -13870,18 +14058,53 @@
           <a:p>
             <a:r>
               <a:rPr lang="en-US" sz="1100" b="1" dirty="0"/>
-              <a:t>PLC Connection and Control Point</a:t>
+              <a:t>RTU Monitoring Point (metering unit)</a:t>
             </a:r>
             <a:endParaRPr lang="en-SG" sz="1100" b="1" dirty="0"/>
           </a:p>
         </p:txBody>
       </p:sp>
+      <p:pic>
+        <p:nvPicPr>
+          <p:cNvPr id="18" name="Picture 17">
+            <a:extLst>
+              <a:ext uri="{FF2B5EF4-FFF2-40B4-BE49-F238E27FC236}">
+                <a16:creationId xmlns:a16="http://schemas.microsoft.com/office/drawing/2014/main" id="{C3A99BF0-6FD2-6AEC-4895-DCAAEFA7DA0E}"/>
+              </a:ext>
+            </a:extLst>
+          </p:cNvPr>
+          <p:cNvPicPr>
+            <a:picLocks noChangeAspect="1"/>
+          </p:cNvPicPr>
+          <p:nvPr/>
+        </p:nvPicPr>
+        <p:blipFill>
+          <a:blip r:embed="rId14"/>
+          <a:stretch>
+            <a:fillRect/>
+          </a:stretch>
+        </p:blipFill>
+        <p:spPr>
+          <a:xfrm>
+            <a:off x="784336" y="1029970"/>
+            <a:ext cx="747676" cy="729440"/>
+          </a:xfrm>
+          <a:prstGeom prst="rect">
+            <a:avLst/>
+          </a:prstGeom>
+          <a:ln w="6350">
+            <a:solidFill>
+              <a:schemeClr val="tx1"/>
+            </a:solidFill>
+          </a:ln>
+        </p:spPr>
+      </p:pic>
       <p:sp>
         <p:nvSpPr>
-          <p:cNvPr id="114" name="Oval 113">
-            <a:extLst>
-              <a:ext uri="{FF2B5EF4-FFF2-40B4-BE49-F238E27FC236}">
-                <a16:creationId xmlns:a16="http://schemas.microsoft.com/office/drawing/2014/main" id="{03C805E0-8504-D0CA-D656-32B9AAB899E0}"/>
+          <p:cNvPr id="60" name="Oval 59">
+            <a:extLst>
+              <a:ext uri="{FF2B5EF4-FFF2-40B4-BE49-F238E27FC236}">
+                <a16:creationId xmlns:a16="http://schemas.microsoft.com/office/drawing/2014/main" id="{0BAAAA52-C369-61AE-923F-DA30BEAB3E86}"/>
               </a:ext>
             </a:extLst>
           </p:cNvPr>
@@ -13890,7 +14113,7 @@
         </p:nvSpPr>
         <p:spPr>
           <a:xfrm>
-            <a:off x="9082083" y="992025"/>
+            <a:off x="1457277" y="1668791"/>
             <a:ext cx="136177" cy="157109"/>
           </a:xfrm>
           <a:prstGeom prst="ellipse">
@@ -13926,96 +14149,12 @@
           </a:p>
         </p:txBody>
       </p:sp>
-      <p:sp>
-        <p:nvSpPr>
-          <p:cNvPr id="115" name="TextBox 114">
-            <a:extLst>
-              <a:ext uri="{FF2B5EF4-FFF2-40B4-BE49-F238E27FC236}">
-                <a16:creationId xmlns:a16="http://schemas.microsoft.com/office/drawing/2014/main" id="{80B88AED-CC66-17EB-3A0C-91A8F6377CA3}"/>
-              </a:ext>
-            </a:extLst>
-          </p:cNvPr>
-          <p:cNvSpPr txBox="1"/>
-          <p:nvPr/>
-        </p:nvSpPr>
-        <p:spPr>
-          <a:xfrm>
-            <a:off x="9368830" y="901907"/>
-            <a:ext cx="1418461" cy="430887"/>
-          </a:xfrm>
-          <a:prstGeom prst="rect">
-            <a:avLst/>
-          </a:prstGeom>
-          <a:noFill/>
-        </p:spPr>
-        <p:txBody>
-          <a:bodyPr wrap="square" rtlCol="0">
-            <a:spAutoFit/>
-          </a:bodyPr>
-          <a:lstStyle/>
-          <a:p>
-            <a:r>
-              <a:rPr lang="en-US" sz="1100" b="1" dirty="0"/>
-              <a:t>RTU Monitoring Point</a:t>
-            </a:r>
-            <a:endParaRPr lang="en-SG" sz="1100" b="1" dirty="0"/>
-          </a:p>
-        </p:txBody>
-      </p:sp>
-      <p:sp>
-        <p:nvSpPr>
-          <p:cNvPr id="117" name="TextBox 116">
-            <a:extLst>
-              <a:ext uri="{FF2B5EF4-FFF2-40B4-BE49-F238E27FC236}">
-                <a16:creationId xmlns:a16="http://schemas.microsoft.com/office/drawing/2014/main" id="{4BA56E06-333B-213F-04A4-86B66AF1E8E6}"/>
-              </a:ext>
-            </a:extLst>
-          </p:cNvPr>
-          <p:cNvSpPr txBox="1"/>
-          <p:nvPr/>
-        </p:nvSpPr>
-        <p:spPr>
-          <a:xfrm>
-            <a:off x="42717" y="1451057"/>
-            <a:ext cx="1126879" cy="461665"/>
-          </a:xfrm>
-          <a:prstGeom prst="rect">
-            <a:avLst/>
-          </a:prstGeom>
-          <a:noFill/>
-        </p:spPr>
-        <p:txBody>
-          <a:bodyPr wrap="square" rtlCol="0">
-            <a:spAutoFit/>
-          </a:bodyPr>
-          <a:lstStyle/>
-          <a:p>
-            <a:r>
-              <a:rPr lang="en-US" sz="1200" b="1" dirty="0">
-                <a:solidFill>
-                  <a:schemeClr val="accent1">
-                    <a:lumMod val="75000"/>
-                  </a:schemeClr>
-                </a:solidFill>
-              </a:rPr>
-              <a:t>Google weather API</a:t>
-            </a:r>
-            <a:endParaRPr lang="en-SG" sz="1200" b="1" dirty="0">
-              <a:solidFill>
-                <a:schemeClr val="accent1">
-                  <a:lumMod val="75000"/>
-                </a:schemeClr>
-              </a:solidFill>
-            </a:endParaRPr>
-          </a:p>
-        </p:txBody>
-      </p:sp>
       <p:pic>
         <p:nvPicPr>
-          <p:cNvPr id="124" name="Picture 123">
-            <a:extLst>
-              <a:ext uri="{FF2B5EF4-FFF2-40B4-BE49-F238E27FC236}">
-                <a16:creationId xmlns:a16="http://schemas.microsoft.com/office/drawing/2014/main" id="{7DA38DF2-2EF8-2F26-4FE3-18E1AB28FF18}"/>
+          <p:cNvPr id="21" name="Picture 20">
+            <a:extLst>
+              <a:ext uri="{FF2B5EF4-FFF2-40B4-BE49-F238E27FC236}">
+                <a16:creationId xmlns:a16="http://schemas.microsoft.com/office/drawing/2014/main" id="{4D321C95-F56D-3CF9-1935-98B3C3CFB44F}"/>
               </a:ext>
             </a:extLst>
           </p:cNvPr>
@@ -14025,27 +14164,82 @@
           <p:nvPr/>
         </p:nvPicPr>
         <p:blipFill>
-          <a:blip r:embed="rId14"/>
+          <a:blip r:embed="rId15"/>
           <a:stretch>
             <a:fillRect/>
           </a:stretch>
         </p:blipFill>
         <p:spPr>
           <a:xfrm>
-            <a:off x="180911" y="992025"/>
-            <a:ext cx="578069" cy="460378"/>
-          </a:xfrm>
-          <a:prstGeom prst="rect">
-            <a:avLst/>
-          </a:prstGeom>
+            <a:off x="1976377" y="1034531"/>
+            <a:ext cx="759113" cy="737310"/>
+          </a:xfrm>
+          <a:prstGeom prst="rect">
+            <a:avLst/>
+          </a:prstGeom>
+          <a:ln w="9525">
+            <a:solidFill>
+              <a:schemeClr val="tx1"/>
+            </a:solidFill>
+          </a:ln>
         </p:spPr>
       </p:pic>
+      <p:sp>
+        <p:nvSpPr>
+          <p:cNvPr id="50" name="Oval 49">
+            <a:extLst>
+              <a:ext uri="{FF2B5EF4-FFF2-40B4-BE49-F238E27FC236}">
+                <a16:creationId xmlns:a16="http://schemas.microsoft.com/office/drawing/2014/main" id="{44744BBB-B00A-A25D-7A01-BFA5281C4023}"/>
+              </a:ext>
+            </a:extLst>
+          </p:cNvPr>
+          <p:cNvSpPr/>
+          <p:nvPr/>
+        </p:nvSpPr>
+        <p:spPr>
+          <a:xfrm>
+            <a:off x="2656175" y="1701414"/>
+            <a:ext cx="136177" cy="157109"/>
+          </a:xfrm>
+          <a:prstGeom prst="ellipse">
+            <a:avLst/>
+          </a:prstGeom>
+        </p:spPr>
+        <p:style>
+          <a:lnRef idx="2">
+            <a:schemeClr val="accent1">
+              <a:shade val="15000"/>
+            </a:schemeClr>
+          </a:lnRef>
+          <a:fillRef idx="1">
+            <a:schemeClr val="accent1"/>
+          </a:fillRef>
+          <a:effectRef idx="0">
+            <a:schemeClr val="accent1"/>
+          </a:effectRef>
+          <a:fontRef idx="minor">
+            <a:schemeClr val="lt1"/>
+          </a:fontRef>
+        </p:style>
+        <p:txBody>
+          <a:bodyPr rtlCol="0" anchor="ctr"/>
+          <a:lstStyle/>
+          <a:p>
+            <a:pPr algn="ctr"/>
+            <a:r>
+              <a:rPr lang="en-US" sz="900" dirty="0"/>
+              <a:t>R</a:t>
+            </a:r>
+            <a:endParaRPr lang="en-SG" sz="900" dirty="0"/>
+          </a:p>
+        </p:txBody>
+      </p:sp>
       <p:cxnSp>
         <p:nvCxnSpPr>
-          <p:cNvPr id="129" name="Straight Arrow Connector 128">
-            <a:extLst>
-              <a:ext uri="{FF2B5EF4-FFF2-40B4-BE49-F238E27FC236}">
-                <a16:creationId xmlns:a16="http://schemas.microsoft.com/office/drawing/2014/main" id="{3004F007-8538-DD54-9966-3CFD230AF15A}"/>
+          <p:cNvPr id="137" name="Straight Arrow Connector 136">
+            <a:extLst>
+              <a:ext uri="{FF2B5EF4-FFF2-40B4-BE49-F238E27FC236}">
+                <a16:creationId xmlns:a16="http://schemas.microsoft.com/office/drawing/2014/main" id="{69FC75F5-4A0F-E638-CD0D-FA1893EDFD5A}"/>
               </a:ext>
             </a:extLst>
           </p:cNvPr>
@@ -14056,13 +14250,19 @@
         </p:nvCxnSpPr>
         <p:spPr>
           <a:xfrm flipV="1">
-            <a:off x="751418" y="1105611"/>
-            <a:ext cx="335501" cy="0"/>
+            <a:off x="905669" y="1738058"/>
+            <a:ext cx="0" cy="321191"/>
           </a:xfrm>
           <a:prstGeom prst="straightConnector1">
             <a:avLst/>
           </a:prstGeom>
           <a:ln>
+            <a:solidFill>
+              <a:schemeClr val="accent2">
+                <a:lumMod val="75000"/>
+              </a:schemeClr>
+            </a:solidFill>
+            <a:prstDash val="sysDash"/>
             <a:tailEnd type="triangle"/>
           </a:ln>
         </p:spPr>
@@ -14083,29 +14283,79 @@
       </p:cxnSp>
       <p:cxnSp>
         <p:nvCxnSpPr>
-          <p:cNvPr id="130" name="Straight Arrow Connector 129">
-            <a:extLst>
-              <a:ext uri="{FF2B5EF4-FFF2-40B4-BE49-F238E27FC236}">
-                <a16:creationId xmlns:a16="http://schemas.microsoft.com/office/drawing/2014/main" id="{1766D63D-F1BE-3AE4-25D4-14CEF814BA8A}"/>
+          <p:cNvPr id="145" name="Straight Connector 144">
+            <a:extLst>
+              <a:ext uri="{FF2B5EF4-FFF2-40B4-BE49-F238E27FC236}">
+                <a16:creationId xmlns:a16="http://schemas.microsoft.com/office/drawing/2014/main" id="{28BC22A0-124C-A4F2-4A2D-FCDA9F83E484}"/>
               </a:ext>
             </a:extLst>
           </p:cNvPr>
           <p:cNvCxnSpPr>
             <a:cxnSpLocks/>
-            <a:endCxn id="21" idx="1"/>
           </p:cNvCxnSpPr>
           <p:nvPr/>
         </p:nvCxnSpPr>
         <p:spPr>
           <a:xfrm flipV="1">
-            <a:off x="751418" y="1286990"/>
-            <a:ext cx="1492551" cy="0"/>
-          </a:xfrm>
-          <a:prstGeom prst="straightConnector1">
+            <a:off x="700112" y="2067816"/>
+            <a:ext cx="205557" cy="0"/>
+          </a:xfrm>
+          <a:prstGeom prst="line">
             <a:avLst/>
           </a:prstGeom>
           <a:ln>
-            <a:tailEnd type="triangle"/>
+            <a:solidFill>
+              <a:schemeClr val="accent2">
+                <a:lumMod val="75000"/>
+              </a:schemeClr>
+            </a:solidFill>
+            <a:prstDash val="sysDash"/>
+          </a:ln>
+        </p:spPr>
+        <p:style>
+          <a:lnRef idx="2">
+            <a:schemeClr val="accent1"/>
+          </a:lnRef>
+          <a:fillRef idx="0">
+            <a:schemeClr val="accent1"/>
+          </a:fillRef>
+          <a:effectRef idx="1">
+            <a:schemeClr val="accent1"/>
+          </a:effectRef>
+          <a:fontRef idx="minor">
+            <a:schemeClr val="tx1"/>
+          </a:fontRef>
+        </p:style>
+      </p:cxnSp>
+      <p:cxnSp>
+        <p:nvCxnSpPr>
+          <p:cNvPr id="147" name="Straight Connector 146">
+            <a:extLst>
+              <a:ext uri="{FF2B5EF4-FFF2-40B4-BE49-F238E27FC236}">
+                <a16:creationId xmlns:a16="http://schemas.microsoft.com/office/drawing/2014/main" id="{989416B9-9D7D-5A6E-F05A-C2A8F3844ED7}"/>
+              </a:ext>
+            </a:extLst>
+          </p:cNvPr>
+          <p:cNvCxnSpPr>
+            <a:cxnSpLocks/>
+          </p:cNvCxnSpPr>
+          <p:nvPr/>
+        </p:nvCxnSpPr>
+        <p:spPr>
+          <a:xfrm>
+            <a:off x="698359" y="1250718"/>
+            <a:ext cx="0" cy="2940075"/>
+          </a:xfrm>
+          <a:prstGeom prst="line">
+            <a:avLst/>
+          </a:prstGeom>
+          <a:ln>
+            <a:solidFill>
+              <a:schemeClr val="accent2">
+                <a:lumMod val="75000"/>
+              </a:schemeClr>
+            </a:solidFill>
+            <a:prstDash val="sysDash"/>
           </a:ln>
         </p:spPr>
         <p:style>
@@ -14125,86 +14375,104 @@
       </p:cxnSp>
       <p:pic>
         <p:nvPicPr>
-          <p:cNvPr id="18" name="Picture 17">
-            <a:extLst>
-              <a:ext uri="{FF2B5EF4-FFF2-40B4-BE49-F238E27FC236}">
-                <a16:creationId xmlns:a16="http://schemas.microsoft.com/office/drawing/2014/main" id="{C3A99BF0-6FD2-6AEC-4895-DCAAEFA7DA0E}"/>
+          <p:cNvPr id="1026" name="Picture 2" descr="Weather - Free weather icons">
+            <a:extLst>
+              <a:ext uri="{FF2B5EF4-FFF2-40B4-BE49-F238E27FC236}">
+                <a16:creationId xmlns:a16="http://schemas.microsoft.com/office/drawing/2014/main" id="{04961E01-B314-7389-B08D-D042B35D634F}"/>
               </a:ext>
             </a:extLst>
           </p:cNvPr>
           <p:cNvPicPr>
-            <a:picLocks noChangeAspect="1"/>
+            <a:picLocks noChangeAspect="1" noChangeArrowheads="1"/>
           </p:cNvPicPr>
           <p:nvPr/>
         </p:nvPicPr>
         <p:blipFill>
-          <a:blip r:embed="rId15"/>
+          <a:blip r:embed="rId16">
+            <a:extLst>
+              <a:ext uri="{28A0092B-C50C-407E-A947-70E740481C1C}">
+                <a14:useLocalDpi xmlns:a14="http://schemas.microsoft.com/office/drawing/2010/main" val="0"/>
+              </a:ext>
+            </a:extLst>
+          </a:blip>
+          <a:srcRect/>
           <a:stretch>
             <a:fillRect/>
           </a:stretch>
         </p:blipFill>
-        <p:spPr>
-          <a:xfrm>
-            <a:off x="1094481" y="926205"/>
-            <a:ext cx="747676" cy="729440"/>
-          </a:xfrm>
-          <a:prstGeom prst="rect">
-            <a:avLst/>
-          </a:prstGeom>
-          <a:ln w="6350">
+        <p:spPr bwMode="auto">
+          <a:xfrm>
+            <a:off x="709144" y="4207730"/>
+            <a:ext cx="637398" cy="637398"/>
+          </a:xfrm>
+          <a:prstGeom prst="rect">
+            <a:avLst/>
+          </a:prstGeom>
+          <a:noFill/>
+          <a:ln w="19050">
             <a:solidFill>
-              <a:schemeClr val="tx1"/>
+              <a:schemeClr val="accent2">
+                <a:lumMod val="75000"/>
+              </a:schemeClr>
             </a:solidFill>
+            <a:prstDash val="sysDash"/>
           </a:ln>
+          <a:extLst>
+            <a:ext uri="{909E8E84-426E-40DD-AFC4-6F175D3DCCD1}">
+              <a14:hiddenFill xmlns:a14="http://schemas.microsoft.com/office/drawing/2010/main">
+                <a:solidFill>
+                  <a:srgbClr val="FFFFFF"/>
+                </a:solidFill>
+              </a14:hiddenFill>
+            </a:ext>
+          </a:extLst>
         </p:spPr>
       </p:pic>
       <p:sp>
         <p:nvSpPr>
-          <p:cNvPr id="60" name="Oval 59">
-            <a:extLst>
-              <a:ext uri="{FF2B5EF4-FFF2-40B4-BE49-F238E27FC236}">
-                <a16:creationId xmlns:a16="http://schemas.microsoft.com/office/drawing/2014/main" id="{0BAAAA52-C369-61AE-923F-DA30BEAB3E86}"/>
-              </a:ext>
-            </a:extLst>
-          </p:cNvPr>
-          <p:cNvSpPr/>
+          <p:cNvPr id="164" name="TextBox 163">
+            <a:extLst>
+              <a:ext uri="{FF2B5EF4-FFF2-40B4-BE49-F238E27FC236}">
+                <a16:creationId xmlns:a16="http://schemas.microsoft.com/office/drawing/2014/main" id="{A3BD4214-973D-764D-6D1B-05E367A381CD}"/>
+              </a:ext>
+            </a:extLst>
+          </p:cNvPr>
+          <p:cNvSpPr txBox="1"/>
           <p:nvPr/>
         </p:nvSpPr>
         <p:spPr>
           <a:xfrm>
-            <a:off x="1767422" y="1565026"/>
-            <a:ext cx="136177" cy="157109"/>
-          </a:xfrm>
-          <a:prstGeom prst="ellipse">
-            <a:avLst/>
-          </a:prstGeom>
-        </p:spPr>
-        <p:style>
-          <a:lnRef idx="2">
-            <a:schemeClr val="accent1">
-              <a:shade val="15000"/>
-            </a:schemeClr>
-          </a:lnRef>
-          <a:fillRef idx="1">
-            <a:schemeClr val="accent1"/>
-          </a:fillRef>
-          <a:effectRef idx="0">
-            <a:schemeClr val="accent1"/>
-          </a:effectRef>
-          <a:fontRef idx="minor">
-            <a:schemeClr val="lt1"/>
-          </a:fontRef>
-        </p:style>
+            <a:off x="600138" y="4898793"/>
+            <a:ext cx="1159007" cy="600164"/>
+          </a:xfrm>
+          <a:prstGeom prst="rect">
+            <a:avLst/>
+          </a:prstGeom>
+          <a:noFill/>
+        </p:spPr>
         <p:txBody>
-          <a:bodyPr rtlCol="0" anchor="ctr"/>
+          <a:bodyPr wrap="square" rtlCol="0">
+            <a:spAutoFit/>
+          </a:bodyPr>
           <a:lstStyle/>
           <a:p>
-            <a:pPr algn="ctr"/>
             <a:r>
-              <a:rPr lang="en-US" sz="900" dirty="0"/>
-              <a:t>R</a:t>
+              <a:rPr lang="en-US" sz="1100" b="1" dirty="0">
+                <a:solidFill>
+                  <a:schemeClr val="accent2">
+                    <a:lumMod val="75000"/>
+                  </a:schemeClr>
+                </a:solidFill>
+              </a:rPr>
+              <a:t>Online real time city weather data </a:t>
             </a:r>
-            <a:endParaRPr lang="en-SG" sz="900" dirty="0"/>
+            <a:endParaRPr lang="en-SG" sz="1100" b="1" dirty="0">
+              <a:solidFill>
+                <a:schemeClr val="accent2">
+                  <a:lumMod val="75000"/>
+                </a:schemeClr>
+              </a:solidFill>
+            </a:endParaRPr>
           </a:p>
         </p:txBody>
       </p:sp>
@@ -14252,8 +14520,8 @@
         </p:nvSpPr>
         <p:spPr>
           <a:xfrm>
-            <a:off x="638175" y="577378"/>
-            <a:ext cx="9763125" cy="5446843"/>
+            <a:off x="708917" y="577378"/>
+            <a:ext cx="9692383" cy="5446843"/>
           </a:xfrm>
           <a:prstGeom prst="rect">
             <a:avLst/>
@@ -19234,7 +19502,7 @@
         </p:nvSpPr>
         <p:spPr>
           <a:xfrm>
-            <a:off x="848795" y="680686"/>
+            <a:off x="848795" y="630752"/>
             <a:ext cx="5662481" cy="646331"/>
           </a:xfrm>
           <a:prstGeom prst="rect">
@@ -19368,7 +19636,7 @@
                 <a:ea typeface="+mn-ea"/>
                 <a:cs typeface="+mn-cs"/>
               </a:rPr>
-              <a:t>Mini OT</a:t>
+              <a:t>Mini </a:t>
             </a:r>
             <a:r>
               <a:rPr lang="en-US" b="1" dirty="0">
@@ -19377,7 +19645,7 @@
                 </a:solidFill>
                 <a:latin typeface="Calibri" panose="020F0502020204030204"/>
               </a:rPr>
-              <a:t>-</a:t>
+              <a:t>Energy</a:t>
             </a:r>
             <a:r>
               <a:rPr kumimoji="0" lang="en-US" sz="1800" b="1" i="0" u="none" strike="noStrike" kern="1200" cap="none" spc="0" normalizeH="0" baseline="0" noProof="0" dirty="0">
@@ -19394,48 +19662,11 @@
                 <a:ea typeface="+mn-ea"/>
                 <a:cs typeface="+mn-cs"/>
               </a:rPr>
-              <a:t>Power-System Cyber Security Test Platform</a:t>
+              <a:t>-OT-System Cyber Security Test Platform</a:t>
             </a:r>
           </a:p>
         </p:txBody>
       </p:sp>
-      <p:pic>
-        <p:nvPicPr>
-          <p:cNvPr id="183" name="Picture 182">
-            <a:extLst>
-              <a:ext uri="{FF2B5EF4-FFF2-40B4-BE49-F238E27FC236}">
-                <a16:creationId xmlns:a16="http://schemas.microsoft.com/office/drawing/2014/main" id="{2DA3CF4F-7358-09CD-0F95-450B9CDC114B}"/>
-              </a:ext>
-            </a:extLst>
-          </p:cNvPr>
-          <p:cNvPicPr>
-            <a:picLocks noChangeAspect="1"/>
-          </p:cNvPicPr>
-          <p:nvPr/>
-        </p:nvPicPr>
-        <p:blipFill>
-          <a:blip r:embed="rId13"/>
-          <a:stretch>
-            <a:fillRect/>
-          </a:stretch>
-        </p:blipFill>
-        <p:spPr>
-          <a:xfrm>
-            <a:off x="7045697" y="4088415"/>
-            <a:ext cx="3176705" cy="1802780"/>
-          </a:xfrm>
-          <a:prstGeom prst="rect">
-            <a:avLst/>
-          </a:prstGeom>
-          <a:ln>
-            <a:solidFill>
-              <a:schemeClr val="accent6">
-                <a:lumMod val="75000"/>
-              </a:schemeClr>
-            </a:solidFill>
-          </a:ln>
-        </p:spPr>
-      </p:pic>
       <p:sp>
         <p:nvSpPr>
           <p:cNvPr id="184" name="TextBox 183">
@@ -19737,7 +19968,7 @@
           <p:nvPr/>
         </p:nvPicPr>
         <p:blipFill>
-          <a:blip r:embed="rId14"/>
+          <a:blip r:embed="rId13"/>
           <a:stretch>
             <a:fillRect/>
           </a:stretch>
@@ -19745,7 +19976,7 @@
         <p:spPr>
           <a:xfrm>
             <a:off x="7040255" y="864601"/>
-            <a:ext cx="3197017" cy="1830292"/>
+            <a:ext cx="3266583" cy="1870118"/>
           </a:xfrm>
           <a:prstGeom prst="rect">
             <a:avLst/>
@@ -20277,6 +20508,36 @@
           </a:p>
         </p:txBody>
       </p:sp>
+      <p:pic>
+        <p:nvPicPr>
+          <p:cNvPr id="26" name="Picture 25">
+            <a:extLst>
+              <a:ext uri="{FF2B5EF4-FFF2-40B4-BE49-F238E27FC236}">
+                <a16:creationId xmlns:a16="http://schemas.microsoft.com/office/drawing/2014/main" id="{FD53ABCC-2C3D-5DAF-D4E4-D50A5E5661E0}"/>
+              </a:ext>
+            </a:extLst>
+          </p:cNvPr>
+          <p:cNvPicPr>
+            <a:picLocks noChangeAspect="1"/>
+          </p:cNvPicPr>
+          <p:nvPr/>
+        </p:nvPicPr>
+        <p:blipFill>
+          <a:blip r:embed="rId14"/>
+          <a:stretch>
+            <a:fillRect/>
+          </a:stretch>
+        </p:blipFill>
+        <p:spPr>
+          <a:xfrm>
+            <a:off x="7087680" y="4080461"/>
+            <a:ext cx="3266583" cy="1852619"/>
+          </a:xfrm>
+          <a:prstGeom prst="rect">
+            <a:avLst/>
+          </a:prstGeom>
+        </p:spPr>
+      </p:pic>
     </p:spTree>
     <p:extLst>
       <p:ext uri="{BB962C8B-B14F-4D97-AF65-F5344CB8AC3E}">

--- a/designDoc/designDoc.pptx
+++ b/designDoc/designDoc.pptx
@@ -5,7 +5,7 @@
     <p:sldMasterId id="2147483648" r:id="rId1"/>
   </p:sldMasterIdLst>
   <p:notesMasterIdLst>
-    <p:notesMasterId r:id="rId8"/>
+    <p:notesMasterId r:id="rId9"/>
   </p:notesMasterIdLst>
   <p:sldIdLst>
     <p:sldId id="256" r:id="rId2"/>
@@ -13,7 +13,8 @@
     <p:sldId id="259" r:id="rId4"/>
     <p:sldId id="258" r:id="rId5"/>
     <p:sldId id="260" r:id="rId6"/>
-    <p:sldId id="261" r:id="rId7"/>
+    <p:sldId id="262" r:id="rId7"/>
+    <p:sldId id="261" r:id="rId8"/>
   </p:sldIdLst>
   <p:sldSz cx="12192000" cy="6858000"/>
   <p:notesSz cx="6858000" cy="9144000"/>
@@ -202,7 +203,7 @@
           <a:p>
             <a:fld id="{60A58DA9-13FF-4A44-80CD-EC4A25FA80B4}" type="datetimeFigureOut">
               <a:rPr lang="en-SG" smtClean="0"/>
-              <a:t>11/10/2024</a:t>
+              <a:t>12/10/2024</a:t>
             </a:fld>
             <a:endParaRPr lang="en-SG"/>
           </a:p>
@@ -787,7 +788,7 @@
           <a:p>
             <a:fld id="{DAB0784D-3A10-485A-BA3A-AF2134252110}" type="datetimeFigureOut">
               <a:rPr lang="en-SG" smtClean="0"/>
-              <a:t>11/10/2024</a:t>
+              <a:t>12/10/2024</a:t>
             </a:fld>
             <a:endParaRPr lang="en-SG"/>
           </a:p>
@@ -987,7 +988,7 @@
           <a:p>
             <a:fld id="{DAB0784D-3A10-485A-BA3A-AF2134252110}" type="datetimeFigureOut">
               <a:rPr lang="en-SG" smtClean="0"/>
-              <a:t>11/10/2024</a:t>
+              <a:t>12/10/2024</a:t>
             </a:fld>
             <a:endParaRPr lang="en-SG"/>
           </a:p>
@@ -1197,7 +1198,7 @@
           <a:p>
             <a:fld id="{DAB0784D-3A10-485A-BA3A-AF2134252110}" type="datetimeFigureOut">
               <a:rPr lang="en-SG" smtClean="0"/>
-              <a:t>11/10/2024</a:t>
+              <a:t>12/10/2024</a:t>
             </a:fld>
             <a:endParaRPr lang="en-SG"/>
           </a:p>
@@ -1397,7 +1398,7 @@
           <a:p>
             <a:fld id="{DAB0784D-3A10-485A-BA3A-AF2134252110}" type="datetimeFigureOut">
               <a:rPr lang="en-SG" smtClean="0"/>
-              <a:t>11/10/2024</a:t>
+              <a:t>12/10/2024</a:t>
             </a:fld>
             <a:endParaRPr lang="en-SG"/>
           </a:p>
@@ -1673,7 +1674,7 @@
           <a:p>
             <a:fld id="{DAB0784D-3A10-485A-BA3A-AF2134252110}" type="datetimeFigureOut">
               <a:rPr lang="en-SG" smtClean="0"/>
-              <a:t>11/10/2024</a:t>
+              <a:t>12/10/2024</a:t>
             </a:fld>
             <a:endParaRPr lang="en-SG"/>
           </a:p>
@@ -1941,7 +1942,7 @@
           <a:p>
             <a:fld id="{DAB0784D-3A10-485A-BA3A-AF2134252110}" type="datetimeFigureOut">
               <a:rPr lang="en-SG" smtClean="0"/>
-              <a:t>11/10/2024</a:t>
+              <a:t>12/10/2024</a:t>
             </a:fld>
             <a:endParaRPr lang="en-SG"/>
           </a:p>
@@ -2356,7 +2357,7 @@
           <a:p>
             <a:fld id="{DAB0784D-3A10-485A-BA3A-AF2134252110}" type="datetimeFigureOut">
               <a:rPr lang="en-SG" smtClean="0"/>
-              <a:t>11/10/2024</a:t>
+              <a:t>12/10/2024</a:t>
             </a:fld>
             <a:endParaRPr lang="en-SG"/>
           </a:p>
@@ -2498,7 +2499,7 @@
           <a:p>
             <a:fld id="{DAB0784D-3A10-485A-BA3A-AF2134252110}" type="datetimeFigureOut">
               <a:rPr lang="en-SG" smtClean="0"/>
-              <a:t>11/10/2024</a:t>
+              <a:t>12/10/2024</a:t>
             </a:fld>
             <a:endParaRPr lang="en-SG"/>
           </a:p>
@@ -2611,7 +2612,7 @@
           <a:p>
             <a:fld id="{DAB0784D-3A10-485A-BA3A-AF2134252110}" type="datetimeFigureOut">
               <a:rPr lang="en-SG" smtClean="0"/>
-              <a:t>11/10/2024</a:t>
+              <a:t>12/10/2024</a:t>
             </a:fld>
             <a:endParaRPr lang="en-SG"/>
           </a:p>
@@ -2924,7 +2925,7 @@
           <a:p>
             <a:fld id="{DAB0784D-3A10-485A-BA3A-AF2134252110}" type="datetimeFigureOut">
               <a:rPr lang="en-SG" smtClean="0"/>
-              <a:t>11/10/2024</a:t>
+              <a:t>12/10/2024</a:t>
             </a:fld>
             <a:endParaRPr lang="en-SG"/>
           </a:p>
@@ -3213,7 +3214,7 @@
           <a:p>
             <a:fld id="{DAB0784D-3A10-485A-BA3A-AF2134252110}" type="datetimeFigureOut">
               <a:rPr lang="en-SG" smtClean="0"/>
-              <a:t>11/10/2024</a:t>
+              <a:t>12/10/2024</a:t>
             </a:fld>
             <a:endParaRPr lang="en-SG"/>
           </a:p>
@@ -3456,7 +3457,7 @@
           <a:p>
             <a:fld id="{DAB0784D-3A10-485A-BA3A-AF2134252110}" type="datetimeFigureOut">
               <a:rPr lang="en-SG" smtClean="0"/>
-              <a:t>11/10/2024</a:t>
+              <a:t>12/10/2024</a:t>
             </a:fld>
             <a:endParaRPr lang="en-SG"/>
           </a:p>
@@ -23664,6 +23665,3021 @@
 </file>
 
 <file path=ppt/slides/slide6.xml><?xml version="1.0" encoding="utf-8"?>
+<p:sld xmlns:a="http://schemas.openxmlformats.org/drawingml/2006/main" xmlns:r="http://schemas.openxmlformats.org/officeDocument/2006/relationships" xmlns:p="http://schemas.openxmlformats.org/presentationml/2006/main">
+  <p:cSld>
+    <p:spTree>
+      <p:nvGrpSpPr>
+        <p:cNvPr id="1" name=""/>
+        <p:cNvGrpSpPr/>
+        <p:nvPr/>
+      </p:nvGrpSpPr>
+      <p:grpSpPr>
+        <a:xfrm>
+          <a:off x="0" y="0"/>
+          <a:ext cx="0" cy="0"/>
+          <a:chOff x="0" y="0"/>
+          <a:chExt cx="0" cy="0"/>
+        </a:xfrm>
+      </p:grpSpPr>
+      <p:sp>
+        <p:nvSpPr>
+          <p:cNvPr id="4" name="Rectangle 3">
+            <a:extLst>
+              <a:ext uri="{FF2B5EF4-FFF2-40B4-BE49-F238E27FC236}">
+                <a16:creationId xmlns:a16="http://schemas.microsoft.com/office/drawing/2014/main" id="{76B139DB-34C9-0B15-E998-E10475EADEC3}"/>
+              </a:ext>
+            </a:extLst>
+          </p:cNvPr>
+          <p:cNvSpPr/>
+          <p:nvPr/>
+        </p:nvSpPr>
+        <p:spPr>
+          <a:xfrm>
+            <a:off x="6836647" y="1867965"/>
+            <a:ext cx="3152368" cy="4200115"/>
+          </a:xfrm>
+          <a:prstGeom prst="rect">
+            <a:avLst/>
+          </a:prstGeom>
+          <a:solidFill>
+            <a:schemeClr val="accent6">
+              <a:lumMod val="20000"/>
+              <a:lumOff val="80000"/>
+            </a:schemeClr>
+          </a:solidFill>
+        </p:spPr>
+        <p:style>
+          <a:lnRef idx="2">
+            <a:schemeClr val="accent1">
+              <a:shade val="15000"/>
+            </a:schemeClr>
+          </a:lnRef>
+          <a:fillRef idx="1">
+            <a:schemeClr val="accent1"/>
+          </a:fillRef>
+          <a:effectRef idx="0">
+            <a:schemeClr val="accent1"/>
+          </a:effectRef>
+          <a:fontRef idx="minor">
+            <a:schemeClr val="lt1"/>
+          </a:fontRef>
+        </p:style>
+        <p:txBody>
+          <a:bodyPr rtlCol="0" anchor="ctr"/>
+          <a:lstStyle/>
+          <a:p>
+            <a:pPr algn="ctr"/>
+            <a:endParaRPr lang="en-SG" dirty="0"/>
+          </a:p>
+        </p:txBody>
+      </p:sp>
+      <p:sp>
+        <p:nvSpPr>
+          <p:cNvPr id="5" name="Rectangle 4">
+            <a:extLst>
+              <a:ext uri="{FF2B5EF4-FFF2-40B4-BE49-F238E27FC236}">
+                <a16:creationId xmlns:a16="http://schemas.microsoft.com/office/drawing/2014/main" id="{8CE8B016-8AFE-140A-D5AA-178EDC42CE7C}"/>
+              </a:ext>
+            </a:extLst>
+          </p:cNvPr>
+          <p:cNvSpPr/>
+          <p:nvPr/>
+        </p:nvSpPr>
+        <p:spPr>
+          <a:xfrm>
+            <a:off x="1056854" y="1819904"/>
+            <a:ext cx="2558905" cy="4248176"/>
+          </a:xfrm>
+          <a:prstGeom prst="rect">
+            <a:avLst/>
+          </a:prstGeom>
+          <a:solidFill>
+            <a:srgbClr val="7030A0"/>
+          </a:solidFill>
+        </p:spPr>
+        <p:style>
+          <a:lnRef idx="2">
+            <a:schemeClr val="accent1">
+              <a:shade val="15000"/>
+            </a:schemeClr>
+          </a:lnRef>
+          <a:fillRef idx="1">
+            <a:schemeClr val="accent1"/>
+          </a:fillRef>
+          <a:effectRef idx="0">
+            <a:schemeClr val="accent1"/>
+          </a:effectRef>
+          <a:fontRef idx="minor">
+            <a:schemeClr val="lt1"/>
+          </a:fontRef>
+        </p:style>
+        <p:txBody>
+          <a:bodyPr rtlCol="0" anchor="ctr"/>
+          <a:lstStyle/>
+          <a:p>
+            <a:pPr algn="ctr"/>
+            <a:endParaRPr lang="en-SG" dirty="0"/>
+          </a:p>
+        </p:txBody>
+      </p:sp>
+      <p:sp>
+        <p:nvSpPr>
+          <p:cNvPr id="6" name="Rectangle 5">
+            <a:extLst>
+              <a:ext uri="{FF2B5EF4-FFF2-40B4-BE49-F238E27FC236}">
+                <a16:creationId xmlns:a16="http://schemas.microsoft.com/office/drawing/2014/main" id="{CA705076-572E-04A1-865D-43C19057FAFF}"/>
+              </a:ext>
+            </a:extLst>
+          </p:cNvPr>
+          <p:cNvSpPr/>
+          <p:nvPr/>
+        </p:nvSpPr>
+        <p:spPr>
+          <a:xfrm>
+            <a:off x="4116865" y="1819903"/>
+            <a:ext cx="2322198" cy="4255329"/>
+          </a:xfrm>
+          <a:prstGeom prst="rect">
+            <a:avLst/>
+          </a:prstGeom>
+          <a:solidFill>
+            <a:schemeClr val="accent1">
+              <a:lumMod val="75000"/>
+            </a:schemeClr>
+          </a:solidFill>
+        </p:spPr>
+        <p:style>
+          <a:lnRef idx="2">
+            <a:schemeClr val="accent1">
+              <a:shade val="15000"/>
+            </a:schemeClr>
+          </a:lnRef>
+          <a:fillRef idx="1">
+            <a:schemeClr val="accent1"/>
+          </a:fillRef>
+          <a:effectRef idx="0">
+            <a:schemeClr val="accent1"/>
+          </a:effectRef>
+          <a:fontRef idx="minor">
+            <a:schemeClr val="lt1"/>
+          </a:fontRef>
+        </p:style>
+        <p:txBody>
+          <a:bodyPr rtlCol="0" anchor="ctr"/>
+          <a:lstStyle/>
+          <a:p>
+            <a:pPr algn="ctr"/>
+            <a:endParaRPr lang="en-SG" dirty="0"/>
+          </a:p>
+        </p:txBody>
+      </p:sp>
+      <p:sp>
+        <p:nvSpPr>
+          <p:cNvPr id="7" name="TextBox 6">
+            <a:extLst>
+              <a:ext uri="{FF2B5EF4-FFF2-40B4-BE49-F238E27FC236}">
+                <a16:creationId xmlns:a16="http://schemas.microsoft.com/office/drawing/2014/main" id="{829AC490-BC0C-93A7-63AE-E1A13196A501}"/>
+              </a:ext>
+            </a:extLst>
+          </p:cNvPr>
+          <p:cNvSpPr txBox="1"/>
+          <p:nvPr/>
+        </p:nvSpPr>
+        <p:spPr>
+          <a:xfrm>
+            <a:off x="1148190" y="1880119"/>
+            <a:ext cx="2255147" cy="276999"/>
+          </a:xfrm>
+          <a:prstGeom prst="rect">
+            <a:avLst/>
+          </a:prstGeom>
+          <a:solidFill>
+            <a:schemeClr val="bg1"/>
+          </a:solidFill>
+        </p:spPr>
+        <p:txBody>
+          <a:bodyPr wrap="square" rtlCol="0">
+            <a:spAutoFit/>
+          </a:bodyPr>
+          <a:lstStyle/>
+          <a:p>
+            <a:r>
+              <a:rPr lang="en-SG" sz="1200" b="1" dirty="0"/>
+              <a:t>Supervision network  SCADA</a:t>
+            </a:r>
+          </a:p>
+        </p:txBody>
+      </p:sp>
+      <p:sp>
+        <p:nvSpPr>
+          <p:cNvPr id="8" name="TextBox 7">
+            <a:extLst>
+              <a:ext uri="{FF2B5EF4-FFF2-40B4-BE49-F238E27FC236}">
+                <a16:creationId xmlns:a16="http://schemas.microsoft.com/office/drawing/2014/main" id="{6A7778A5-BBAE-B0B4-F788-B3A7BAB00018}"/>
+              </a:ext>
+            </a:extLst>
+          </p:cNvPr>
+          <p:cNvSpPr txBox="1"/>
+          <p:nvPr/>
+        </p:nvSpPr>
+        <p:spPr>
+          <a:xfrm>
+            <a:off x="4208949" y="1898517"/>
+            <a:ext cx="2082919" cy="307777"/>
+          </a:xfrm>
+          <a:prstGeom prst="rect">
+            <a:avLst/>
+          </a:prstGeom>
+          <a:solidFill>
+            <a:schemeClr val="bg1"/>
+          </a:solidFill>
+        </p:spPr>
+        <p:txBody>
+          <a:bodyPr wrap="square" rtlCol="0">
+            <a:spAutoFit/>
+          </a:bodyPr>
+          <a:lstStyle/>
+          <a:p>
+            <a:pPr algn="ctr"/>
+            <a:r>
+              <a:rPr lang="en-SG" sz="1400" b="1" dirty="0"/>
+              <a:t>Production network</a:t>
+            </a:r>
+          </a:p>
+        </p:txBody>
+      </p:sp>
+      <p:sp>
+        <p:nvSpPr>
+          <p:cNvPr id="10" name="TextBox 9">
+            <a:extLst>
+              <a:ext uri="{FF2B5EF4-FFF2-40B4-BE49-F238E27FC236}">
+                <a16:creationId xmlns:a16="http://schemas.microsoft.com/office/drawing/2014/main" id="{A550D1DC-BD8A-3C08-98FD-62A7F2CC42C7}"/>
+              </a:ext>
+            </a:extLst>
+          </p:cNvPr>
+          <p:cNvSpPr txBox="1"/>
+          <p:nvPr/>
+        </p:nvSpPr>
+        <p:spPr>
+          <a:xfrm>
+            <a:off x="6768306" y="1362694"/>
+            <a:ext cx="3277976" cy="523220"/>
+          </a:xfrm>
+          <a:prstGeom prst="rect">
+            <a:avLst/>
+          </a:prstGeom>
+          <a:noFill/>
+        </p:spPr>
+        <p:txBody>
+          <a:bodyPr wrap="square" rtlCol="0">
+            <a:spAutoFit/>
+          </a:bodyPr>
+          <a:lstStyle/>
+          <a:p>
+            <a:r>
+              <a:rPr lang="en-SG" sz="1400" b="1" dirty="0"/>
+              <a:t>Power Grid Physical Real World Simulation Network</a:t>
+            </a:r>
+          </a:p>
+        </p:txBody>
+      </p:sp>
+      <p:sp>
+        <p:nvSpPr>
+          <p:cNvPr id="11" name="TextBox 10">
+            <a:extLst>
+              <a:ext uri="{FF2B5EF4-FFF2-40B4-BE49-F238E27FC236}">
+                <a16:creationId xmlns:a16="http://schemas.microsoft.com/office/drawing/2014/main" id="{378AF143-13EB-2817-168F-2FAD51F9AD58}"/>
+              </a:ext>
+            </a:extLst>
+          </p:cNvPr>
+          <p:cNvSpPr txBox="1"/>
+          <p:nvPr/>
+        </p:nvSpPr>
+        <p:spPr>
+          <a:xfrm>
+            <a:off x="6865098" y="1924833"/>
+            <a:ext cx="2505105" cy="307777"/>
+          </a:xfrm>
+          <a:prstGeom prst="rect">
+            <a:avLst/>
+          </a:prstGeom>
+          <a:noFill/>
+        </p:spPr>
+        <p:txBody>
+          <a:bodyPr wrap="square" rtlCol="0">
+            <a:spAutoFit/>
+          </a:bodyPr>
+          <a:lstStyle/>
+          <a:p>
+            <a:r>
+              <a:rPr lang="en-US" sz="1400" b="1" dirty="0"/>
+              <a:t>Physical world simulator</a:t>
+            </a:r>
+            <a:endParaRPr lang="en-SG" sz="1400" b="1" dirty="0"/>
+          </a:p>
+        </p:txBody>
+      </p:sp>
+      <p:sp>
+        <p:nvSpPr>
+          <p:cNvPr id="13" name="TextBox 12">
+            <a:extLst>
+              <a:ext uri="{FF2B5EF4-FFF2-40B4-BE49-F238E27FC236}">
+                <a16:creationId xmlns:a16="http://schemas.microsoft.com/office/drawing/2014/main" id="{3D94EEC9-ABC6-62B8-6386-4A5284A025F5}"/>
+              </a:ext>
+            </a:extLst>
+          </p:cNvPr>
+          <p:cNvSpPr txBox="1"/>
+          <p:nvPr/>
+        </p:nvSpPr>
+        <p:spPr>
+          <a:xfrm>
+            <a:off x="6981084" y="3938925"/>
+            <a:ext cx="1739781" cy="430887"/>
+          </a:xfrm>
+          <a:prstGeom prst="rect">
+            <a:avLst/>
+          </a:prstGeom>
+          <a:noFill/>
+        </p:spPr>
+        <p:txBody>
+          <a:bodyPr wrap="square" rtlCol="0">
+            <a:spAutoFit/>
+          </a:bodyPr>
+          <a:lstStyle/>
+          <a:p>
+            <a:r>
+              <a:rPr lang="en-US" sz="1100" b="1" dirty="0"/>
+              <a:t>Remote controllable circuits breakers</a:t>
+            </a:r>
+            <a:endParaRPr lang="en-SG" sz="1100" b="1" dirty="0"/>
+          </a:p>
+        </p:txBody>
+      </p:sp>
+      <p:sp>
+        <p:nvSpPr>
+          <p:cNvPr id="14" name="TextBox 13">
+            <a:extLst>
+              <a:ext uri="{FF2B5EF4-FFF2-40B4-BE49-F238E27FC236}">
+                <a16:creationId xmlns:a16="http://schemas.microsoft.com/office/drawing/2014/main" id="{37E08E55-09B3-D1A4-955B-C4106E2BD186}"/>
+              </a:ext>
+            </a:extLst>
+          </p:cNvPr>
+          <p:cNvSpPr txBox="1"/>
+          <p:nvPr/>
+        </p:nvSpPr>
+        <p:spPr>
+          <a:xfrm>
+            <a:off x="6931488" y="4858354"/>
+            <a:ext cx="1876546" cy="430887"/>
+          </a:xfrm>
+          <a:prstGeom prst="rect">
+            <a:avLst/>
+          </a:prstGeom>
+          <a:noFill/>
+        </p:spPr>
+        <p:txBody>
+          <a:bodyPr wrap="square" rtlCol="0">
+            <a:spAutoFit/>
+          </a:bodyPr>
+          <a:lstStyle/>
+          <a:p>
+            <a:r>
+              <a:rPr lang="en-US" sz="1100" b="1" dirty="0"/>
+              <a:t>Components with MU integrated </a:t>
+            </a:r>
+            <a:endParaRPr lang="en-SG" sz="1100" b="1" dirty="0"/>
+          </a:p>
+        </p:txBody>
+      </p:sp>
+      <p:pic>
+        <p:nvPicPr>
+          <p:cNvPr id="16" name="Picture 15" descr="A close up of a computer&#10;&#10;Description automatically generated">
+            <a:extLst>
+              <a:ext uri="{FF2B5EF4-FFF2-40B4-BE49-F238E27FC236}">
+                <a16:creationId xmlns:a16="http://schemas.microsoft.com/office/drawing/2014/main" id="{17A0F934-9952-376D-7AF5-4A712C8B3CAE}"/>
+              </a:ext>
+            </a:extLst>
+          </p:cNvPr>
+          <p:cNvPicPr>
+            <a:picLocks noChangeAspect="1"/>
+          </p:cNvPicPr>
+          <p:nvPr/>
+        </p:nvPicPr>
+        <p:blipFill>
+          <a:blip r:embed="rId2">
+            <a:extLst>
+              <a:ext uri="{28A0092B-C50C-407E-A947-70E740481C1C}">
+                <a14:useLocalDpi xmlns:a14="http://schemas.microsoft.com/office/drawing/2010/main" val="0"/>
+              </a:ext>
+            </a:extLst>
+          </a:blip>
+          <a:stretch>
+            <a:fillRect/>
+          </a:stretch>
+        </p:blipFill>
+        <p:spPr>
+          <a:xfrm>
+            <a:off x="4907595" y="4499019"/>
+            <a:ext cx="476190" cy="476190"/>
+          </a:xfrm>
+          <a:prstGeom prst="rect">
+            <a:avLst/>
+          </a:prstGeom>
+          <a:ln w="12700">
+            <a:solidFill>
+              <a:schemeClr val="tx1"/>
+            </a:solidFill>
+          </a:ln>
+        </p:spPr>
+      </p:pic>
+      <p:sp>
+        <p:nvSpPr>
+          <p:cNvPr id="17" name="TextBox 16">
+            <a:extLst>
+              <a:ext uri="{FF2B5EF4-FFF2-40B4-BE49-F238E27FC236}">
+                <a16:creationId xmlns:a16="http://schemas.microsoft.com/office/drawing/2014/main" id="{A5A3929D-C902-D981-6452-E66B61DC3F66}"/>
+              </a:ext>
+            </a:extLst>
+          </p:cNvPr>
+          <p:cNvSpPr txBox="1"/>
+          <p:nvPr/>
+        </p:nvSpPr>
+        <p:spPr>
+          <a:xfrm>
+            <a:off x="4615749" y="3214322"/>
+            <a:ext cx="1858745" cy="261610"/>
+          </a:xfrm>
+          <a:prstGeom prst="rect">
+            <a:avLst/>
+          </a:prstGeom>
+          <a:noFill/>
+        </p:spPr>
+        <p:txBody>
+          <a:bodyPr wrap="square" rtlCol="0">
+            <a:spAutoFit/>
+          </a:bodyPr>
+          <a:lstStyle/>
+          <a:p>
+            <a:r>
+              <a:rPr lang="en-SG" sz="1100" dirty="0">
+                <a:solidFill>
+                  <a:schemeClr val="bg1"/>
+                </a:solidFill>
+              </a:rPr>
+              <a:t>Circuit Control PLC set</a:t>
+            </a:r>
+          </a:p>
+        </p:txBody>
+      </p:sp>
+      <p:sp>
+        <p:nvSpPr>
+          <p:cNvPr id="19" name="TextBox 18">
+            <a:extLst>
+              <a:ext uri="{FF2B5EF4-FFF2-40B4-BE49-F238E27FC236}">
+                <a16:creationId xmlns:a16="http://schemas.microsoft.com/office/drawing/2014/main" id="{DB5700BC-AB94-91E6-92A4-4EBC8A07A845}"/>
+              </a:ext>
+            </a:extLst>
+          </p:cNvPr>
+          <p:cNvSpPr txBox="1"/>
+          <p:nvPr/>
+        </p:nvSpPr>
+        <p:spPr>
+          <a:xfrm>
+            <a:off x="4882612" y="3995387"/>
+            <a:ext cx="1210725" cy="430887"/>
+          </a:xfrm>
+          <a:prstGeom prst="rect">
+            <a:avLst/>
+          </a:prstGeom>
+          <a:noFill/>
+        </p:spPr>
+        <p:txBody>
+          <a:bodyPr wrap="square" rtlCol="0">
+            <a:spAutoFit/>
+          </a:bodyPr>
+          <a:lstStyle/>
+          <a:p>
+            <a:r>
+              <a:rPr lang="en-US" sz="1100" dirty="0">
+                <a:solidFill>
+                  <a:schemeClr val="bg1"/>
+                </a:solidFill>
+              </a:rPr>
+              <a:t>R</a:t>
+            </a:r>
+            <a:r>
+              <a:rPr lang="en-SG" sz="1100" dirty="0" err="1">
+                <a:solidFill>
+                  <a:schemeClr val="bg1"/>
+                </a:solidFill>
+              </a:rPr>
+              <a:t>eal</a:t>
+            </a:r>
+            <a:r>
+              <a:rPr lang="en-SG" sz="1100" dirty="0">
+                <a:solidFill>
+                  <a:schemeClr val="bg1"/>
+                </a:solidFill>
+              </a:rPr>
+              <a:t> time monitor PLC set</a:t>
+            </a:r>
+          </a:p>
+        </p:txBody>
+      </p:sp>
+      <p:cxnSp>
+        <p:nvCxnSpPr>
+          <p:cNvPr id="20" name="Straight Connector 19">
+            <a:extLst>
+              <a:ext uri="{FF2B5EF4-FFF2-40B4-BE49-F238E27FC236}">
+                <a16:creationId xmlns:a16="http://schemas.microsoft.com/office/drawing/2014/main" id="{E32B1653-99C9-65BD-02AD-D43F8A990E96}"/>
+              </a:ext>
+            </a:extLst>
+          </p:cNvPr>
+          <p:cNvCxnSpPr>
+            <a:cxnSpLocks/>
+          </p:cNvCxnSpPr>
+          <p:nvPr/>
+        </p:nvCxnSpPr>
+        <p:spPr>
+          <a:xfrm>
+            <a:off x="4418287" y="2794475"/>
+            <a:ext cx="0" cy="2755677"/>
+          </a:xfrm>
+          <a:prstGeom prst="line">
+            <a:avLst/>
+          </a:prstGeom>
+          <a:ln w="19050">
+            <a:solidFill>
+              <a:schemeClr val="bg1"/>
+            </a:solidFill>
+          </a:ln>
+        </p:spPr>
+        <p:style>
+          <a:lnRef idx="1">
+            <a:schemeClr val="dk1"/>
+          </a:lnRef>
+          <a:fillRef idx="0">
+            <a:schemeClr val="dk1"/>
+          </a:fillRef>
+          <a:effectRef idx="0">
+            <a:schemeClr val="dk1"/>
+          </a:effectRef>
+          <a:fontRef idx="minor">
+            <a:schemeClr val="tx1"/>
+          </a:fontRef>
+        </p:style>
+      </p:cxnSp>
+      <p:cxnSp>
+        <p:nvCxnSpPr>
+          <p:cNvPr id="22" name="Straight Connector 21">
+            <a:extLst>
+              <a:ext uri="{FF2B5EF4-FFF2-40B4-BE49-F238E27FC236}">
+                <a16:creationId xmlns:a16="http://schemas.microsoft.com/office/drawing/2014/main" id="{0E958FC1-5B35-52CD-BBCF-93870C61C10B}"/>
+              </a:ext>
+            </a:extLst>
+          </p:cNvPr>
+          <p:cNvCxnSpPr>
+            <a:cxnSpLocks/>
+          </p:cNvCxnSpPr>
+          <p:nvPr/>
+        </p:nvCxnSpPr>
+        <p:spPr>
+          <a:xfrm>
+            <a:off x="4428225" y="3681236"/>
+            <a:ext cx="375947" cy="0"/>
+          </a:xfrm>
+          <a:prstGeom prst="line">
+            <a:avLst/>
+          </a:prstGeom>
+          <a:ln w="19050">
+            <a:solidFill>
+              <a:schemeClr val="bg1"/>
+            </a:solidFill>
+          </a:ln>
+        </p:spPr>
+        <p:style>
+          <a:lnRef idx="1">
+            <a:schemeClr val="dk1"/>
+          </a:lnRef>
+          <a:fillRef idx="0">
+            <a:schemeClr val="dk1"/>
+          </a:fillRef>
+          <a:effectRef idx="0">
+            <a:schemeClr val="dk1"/>
+          </a:effectRef>
+          <a:fontRef idx="minor">
+            <a:schemeClr val="tx1"/>
+          </a:fontRef>
+        </p:style>
+      </p:cxnSp>
+      <p:pic>
+        <p:nvPicPr>
+          <p:cNvPr id="25" name="Picture 24">
+            <a:extLst>
+              <a:ext uri="{FF2B5EF4-FFF2-40B4-BE49-F238E27FC236}">
+                <a16:creationId xmlns:a16="http://schemas.microsoft.com/office/drawing/2014/main" id="{D0976D29-23E8-129E-BA0E-7CB86FC2761F}"/>
+              </a:ext>
+            </a:extLst>
+          </p:cNvPr>
+          <p:cNvPicPr>
+            <a:picLocks noChangeAspect="1"/>
+          </p:cNvPicPr>
+          <p:nvPr/>
+        </p:nvPicPr>
+        <p:blipFill>
+          <a:blip r:embed="rId3"/>
+          <a:stretch>
+            <a:fillRect/>
+          </a:stretch>
+        </p:blipFill>
+        <p:spPr>
+          <a:xfrm>
+            <a:off x="2742759" y="3753715"/>
+            <a:ext cx="533672" cy="665262"/>
+          </a:xfrm>
+          <a:prstGeom prst="rect">
+            <a:avLst/>
+          </a:prstGeom>
+          <a:ln w="12700">
+            <a:solidFill>
+              <a:schemeClr val="tx1"/>
+            </a:solidFill>
+          </a:ln>
+        </p:spPr>
+      </p:pic>
+      <p:cxnSp>
+        <p:nvCxnSpPr>
+          <p:cNvPr id="30" name="Straight Connector 29">
+            <a:extLst>
+              <a:ext uri="{FF2B5EF4-FFF2-40B4-BE49-F238E27FC236}">
+                <a16:creationId xmlns:a16="http://schemas.microsoft.com/office/drawing/2014/main" id="{75A252A9-BF05-2651-F125-09B075AA901D}"/>
+              </a:ext>
+            </a:extLst>
+          </p:cNvPr>
+          <p:cNvCxnSpPr>
+            <a:cxnSpLocks/>
+          </p:cNvCxnSpPr>
+          <p:nvPr/>
+        </p:nvCxnSpPr>
+        <p:spPr>
+          <a:xfrm>
+            <a:off x="3040726" y="3391465"/>
+            <a:ext cx="0" cy="356697"/>
+          </a:xfrm>
+          <a:prstGeom prst="line">
+            <a:avLst/>
+          </a:prstGeom>
+          <a:ln w="19050"/>
+        </p:spPr>
+        <p:style>
+          <a:lnRef idx="1">
+            <a:schemeClr val="dk1"/>
+          </a:lnRef>
+          <a:fillRef idx="0">
+            <a:schemeClr val="dk1"/>
+          </a:fillRef>
+          <a:effectRef idx="0">
+            <a:schemeClr val="dk1"/>
+          </a:effectRef>
+          <a:fontRef idx="minor">
+            <a:schemeClr val="tx1"/>
+          </a:fontRef>
+        </p:style>
+      </p:cxnSp>
+      <p:cxnSp>
+        <p:nvCxnSpPr>
+          <p:cNvPr id="33" name="Straight Connector 32">
+            <a:extLst>
+              <a:ext uri="{FF2B5EF4-FFF2-40B4-BE49-F238E27FC236}">
+                <a16:creationId xmlns:a16="http://schemas.microsoft.com/office/drawing/2014/main" id="{0E5A7719-E2E2-FCE9-1E68-FACBF797B27E}"/>
+              </a:ext>
+            </a:extLst>
+          </p:cNvPr>
+          <p:cNvCxnSpPr>
+            <a:cxnSpLocks/>
+            <a:stCxn id="25" idx="2"/>
+          </p:cNvCxnSpPr>
+          <p:nvPr/>
+        </p:nvCxnSpPr>
+        <p:spPr>
+          <a:xfrm>
+            <a:off x="3009595" y="4418977"/>
+            <a:ext cx="0" cy="179066"/>
+          </a:xfrm>
+          <a:prstGeom prst="line">
+            <a:avLst/>
+          </a:prstGeom>
+          <a:ln w="19050">
+            <a:solidFill>
+              <a:schemeClr val="tx2">
+                <a:lumMod val="10000"/>
+                <a:lumOff val="90000"/>
+              </a:schemeClr>
+            </a:solidFill>
+            <a:prstDash val="sysDash"/>
+          </a:ln>
+        </p:spPr>
+        <p:style>
+          <a:lnRef idx="1">
+            <a:schemeClr val="dk1"/>
+          </a:lnRef>
+          <a:fillRef idx="0">
+            <a:schemeClr val="dk1"/>
+          </a:fillRef>
+          <a:effectRef idx="0">
+            <a:schemeClr val="dk1"/>
+          </a:effectRef>
+          <a:fontRef idx="minor">
+            <a:schemeClr val="tx1"/>
+          </a:fontRef>
+        </p:style>
+      </p:cxnSp>
+      <p:sp>
+        <p:nvSpPr>
+          <p:cNvPr id="36" name="TextBox 35">
+            <a:extLst>
+              <a:ext uri="{FF2B5EF4-FFF2-40B4-BE49-F238E27FC236}">
+                <a16:creationId xmlns:a16="http://schemas.microsoft.com/office/drawing/2014/main" id="{9EEFFC3C-151F-EE91-5707-95E74A60A64C}"/>
+              </a:ext>
+            </a:extLst>
+          </p:cNvPr>
+          <p:cNvSpPr txBox="1"/>
+          <p:nvPr/>
+        </p:nvSpPr>
+        <p:spPr>
+          <a:xfrm>
+            <a:off x="1842069" y="3794521"/>
+            <a:ext cx="1183689" cy="600164"/>
+          </a:xfrm>
+          <a:prstGeom prst="rect">
+            <a:avLst/>
+          </a:prstGeom>
+          <a:noFill/>
+        </p:spPr>
+        <p:txBody>
+          <a:bodyPr wrap="square" rtlCol="0">
+            <a:spAutoFit/>
+          </a:bodyPr>
+          <a:lstStyle/>
+          <a:p>
+            <a:r>
+              <a:rPr lang="en-SG" sz="1100" dirty="0">
+                <a:solidFill>
+                  <a:schemeClr val="bg1"/>
+                </a:solidFill>
+              </a:rPr>
+              <a:t>Power Grid monitor &amp; control HMI</a:t>
+            </a:r>
+          </a:p>
+        </p:txBody>
+      </p:sp>
+      <p:pic>
+        <p:nvPicPr>
+          <p:cNvPr id="37" name="Picture 36">
+            <a:extLst>
+              <a:ext uri="{FF2B5EF4-FFF2-40B4-BE49-F238E27FC236}">
+                <a16:creationId xmlns:a16="http://schemas.microsoft.com/office/drawing/2014/main" id="{B149C8D1-5FF3-0FC9-76EA-5B913860185D}"/>
+              </a:ext>
+            </a:extLst>
+          </p:cNvPr>
+          <p:cNvPicPr>
+            <a:picLocks noChangeAspect="1"/>
+          </p:cNvPicPr>
+          <p:nvPr/>
+        </p:nvPicPr>
+        <p:blipFill>
+          <a:blip r:embed="rId4"/>
+          <a:stretch>
+            <a:fillRect/>
+          </a:stretch>
+        </p:blipFill>
+        <p:spPr>
+          <a:xfrm>
+            <a:off x="2034546" y="2361698"/>
+            <a:ext cx="635942" cy="533213"/>
+          </a:xfrm>
+          <a:prstGeom prst="rect">
+            <a:avLst/>
+          </a:prstGeom>
+          <a:ln w="9525">
+            <a:solidFill>
+              <a:schemeClr val="tx1"/>
+            </a:solidFill>
+          </a:ln>
+        </p:spPr>
+      </p:pic>
+      <p:sp>
+        <p:nvSpPr>
+          <p:cNvPr id="38" name="TextBox 37">
+            <a:extLst>
+              <a:ext uri="{FF2B5EF4-FFF2-40B4-BE49-F238E27FC236}">
+                <a16:creationId xmlns:a16="http://schemas.microsoft.com/office/drawing/2014/main" id="{ABB1B380-1824-70ED-85C3-462290CF732A}"/>
+              </a:ext>
+            </a:extLst>
+          </p:cNvPr>
+          <p:cNvSpPr txBox="1"/>
+          <p:nvPr/>
+        </p:nvSpPr>
+        <p:spPr>
+          <a:xfrm>
+            <a:off x="1107599" y="2295175"/>
+            <a:ext cx="1101709" cy="430887"/>
+          </a:xfrm>
+          <a:prstGeom prst="rect">
+            <a:avLst/>
+          </a:prstGeom>
+          <a:noFill/>
+        </p:spPr>
+        <p:txBody>
+          <a:bodyPr wrap="square" rtlCol="0">
+            <a:spAutoFit/>
+          </a:bodyPr>
+          <a:lstStyle/>
+          <a:p>
+            <a:r>
+              <a:rPr lang="en-SG" sz="1100" dirty="0">
+                <a:solidFill>
+                  <a:schemeClr val="bg1"/>
+                </a:solidFill>
+              </a:rPr>
+              <a:t>Maintenance laptops </a:t>
+            </a:r>
+          </a:p>
+        </p:txBody>
+      </p:sp>
+      <p:cxnSp>
+        <p:nvCxnSpPr>
+          <p:cNvPr id="39" name="Straight Connector 38">
+            <a:extLst>
+              <a:ext uri="{FF2B5EF4-FFF2-40B4-BE49-F238E27FC236}">
+                <a16:creationId xmlns:a16="http://schemas.microsoft.com/office/drawing/2014/main" id="{B189A855-1153-A93B-8D5E-87B9A3787EA4}"/>
+              </a:ext>
+            </a:extLst>
+          </p:cNvPr>
+          <p:cNvCxnSpPr>
+            <a:cxnSpLocks/>
+          </p:cNvCxnSpPr>
+          <p:nvPr/>
+        </p:nvCxnSpPr>
+        <p:spPr>
+          <a:xfrm>
+            <a:off x="2331879" y="2916524"/>
+            <a:ext cx="0" cy="462557"/>
+          </a:xfrm>
+          <a:prstGeom prst="line">
+            <a:avLst/>
+          </a:prstGeom>
+          <a:ln w="19050"/>
+        </p:spPr>
+        <p:style>
+          <a:lnRef idx="1">
+            <a:schemeClr val="dk1"/>
+          </a:lnRef>
+          <a:fillRef idx="0">
+            <a:schemeClr val="dk1"/>
+          </a:fillRef>
+          <a:effectRef idx="0">
+            <a:schemeClr val="dk1"/>
+          </a:effectRef>
+          <a:fontRef idx="minor">
+            <a:schemeClr val="tx1"/>
+          </a:fontRef>
+        </p:style>
+      </p:cxnSp>
+      <p:pic>
+        <p:nvPicPr>
+          <p:cNvPr id="40" name="Picture 4">
+            <a:extLst>
+              <a:ext uri="{FF2B5EF4-FFF2-40B4-BE49-F238E27FC236}">
+                <a16:creationId xmlns:a16="http://schemas.microsoft.com/office/drawing/2014/main" id="{08758400-F525-780B-D975-D037BF020272}"/>
+              </a:ext>
+            </a:extLst>
+          </p:cNvPr>
+          <p:cNvPicPr>
+            <a:picLocks noChangeAspect="1" noChangeArrowheads="1"/>
+          </p:cNvPicPr>
+          <p:nvPr/>
+        </p:nvPicPr>
+        <p:blipFill>
+          <a:blip r:embed="rId5">
+            <a:extLst>
+              <a:ext uri="{28A0092B-C50C-407E-A947-70E740481C1C}">
+                <a14:useLocalDpi xmlns:a14="http://schemas.microsoft.com/office/drawing/2010/main" val="0"/>
+              </a:ext>
+            </a:extLst>
+          </a:blip>
+          <a:srcRect/>
+          <a:stretch>
+            <a:fillRect/>
+          </a:stretch>
+        </p:blipFill>
+        <p:spPr bwMode="auto">
+          <a:xfrm>
+            <a:off x="1319151" y="3794521"/>
+            <a:ext cx="379932" cy="379932"/>
+          </a:xfrm>
+          <a:prstGeom prst="rect">
+            <a:avLst/>
+          </a:prstGeom>
+          <a:noFill/>
+          <a:extLst>
+            <a:ext uri="{909E8E84-426E-40DD-AFC4-6F175D3DCCD1}">
+              <a14:hiddenFill xmlns:a14="http://schemas.microsoft.com/office/drawing/2010/main">
+                <a:solidFill>
+                  <a:srgbClr val="FFFFFF"/>
+                </a:solidFill>
+              </a14:hiddenFill>
+            </a:ext>
+          </a:extLst>
+        </p:spPr>
+      </p:pic>
+      <p:sp>
+        <p:nvSpPr>
+          <p:cNvPr id="44" name="Right Brace 43">
+            <a:extLst>
+              <a:ext uri="{FF2B5EF4-FFF2-40B4-BE49-F238E27FC236}">
+                <a16:creationId xmlns:a16="http://schemas.microsoft.com/office/drawing/2014/main" id="{43C4A8B2-8966-63D5-79CE-059B6B82A305}"/>
+              </a:ext>
+            </a:extLst>
+          </p:cNvPr>
+          <p:cNvSpPr/>
+          <p:nvPr/>
+        </p:nvSpPr>
+        <p:spPr>
+          <a:xfrm rot="16200000">
+            <a:off x="3637837" y="-1138899"/>
+            <a:ext cx="313530" cy="5568509"/>
+          </a:xfrm>
+          <a:prstGeom prst="rightBrace">
+            <a:avLst>
+              <a:gd name="adj1" fmla="val 8333"/>
+              <a:gd name="adj2" fmla="val 51147"/>
+            </a:avLst>
+          </a:prstGeom>
+          <a:ln w="19050"/>
+        </p:spPr>
+        <p:style>
+          <a:lnRef idx="1">
+            <a:schemeClr val="accent1"/>
+          </a:lnRef>
+          <a:fillRef idx="0">
+            <a:schemeClr val="accent1"/>
+          </a:fillRef>
+          <a:effectRef idx="0">
+            <a:schemeClr val="accent1"/>
+          </a:effectRef>
+          <a:fontRef idx="minor">
+            <a:schemeClr val="tx1"/>
+          </a:fontRef>
+        </p:style>
+        <p:txBody>
+          <a:bodyPr rtlCol="0" anchor="ctr"/>
+          <a:lstStyle/>
+          <a:p>
+            <a:pPr algn="ctr"/>
+            <a:endParaRPr lang="en-SG" dirty="0"/>
+          </a:p>
+        </p:txBody>
+      </p:sp>
+      <p:sp>
+        <p:nvSpPr>
+          <p:cNvPr id="45" name="TextBox 44">
+            <a:extLst>
+              <a:ext uri="{FF2B5EF4-FFF2-40B4-BE49-F238E27FC236}">
+                <a16:creationId xmlns:a16="http://schemas.microsoft.com/office/drawing/2014/main" id="{080DD60D-B6E0-BA75-F578-3A9F17774DBD}"/>
+              </a:ext>
+            </a:extLst>
+          </p:cNvPr>
+          <p:cNvSpPr txBox="1"/>
+          <p:nvPr/>
+        </p:nvSpPr>
+        <p:spPr>
+          <a:xfrm>
+            <a:off x="3009595" y="1207101"/>
+            <a:ext cx="1602777" cy="307777"/>
+          </a:xfrm>
+          <a:prstGeom prst="rect">
+            <a:avLst/>
+          </a:prstGeom>
+          <a:noFill/>
+        </p:spPr>
+        <p:txBody>
+          <a:bodyPr wrap="square" rtlCol="0">
+            <a:spAutoFit/>
+          </a:bodyPr>
+          <a:lstStyle/>
+          <a:p>
+            <a:r>
+              <a:rPr lang="en-SG" sz="1400" b="1" dirty="0"/>
+              <a:t>ICS [OT network ]</a:t>
+            </a:r>
+          </a:p>
+        </p:txBody>
+      </p:sp>
+      <p:sp>
+        <p:nvSpPr>
+          <p:cNvPr id="46" name="TextBox 45">
+            <a:extLst>
+              <a:ext uri="{FF2B5EF4-FFF2-40B4-BE49-F238E27FC236}">
+                <a16:creationId xmlns:a16="http://schemas.microsoft.com/office/drawing/2014/main" id="{A6270ECF-993B-0E2A-EE78-CD3E66CAFE93}"/>
+              </a:ext>
+            </a:extLst>
+          </p:cNvPr>
+          <p:cNvSpPr txBox="1"/>
+          <p:nvPr/>
+        </p:nvSpPr>
+        <p:spPr>
+          <a:xfrm>
+            <a:off x="1010348" y="3562266"/>
+            <a:ext cx="1539924" cy="261610"/>
+          </a:xfrm>
+          <a:prstGeom prst="rect">
+            <a:avLst/>
+          </a:prstGeom>
+          <a:noFill/>
+        </p:spPr>
+        <p:txBody>
+          <a:bodyPr wrap="square" rtlCol="0">
+            <a:spAutoFit/>
+          </a:bodyPr>
+          <a:lstStyle/>
+          <a:p>
+            <a:r>
+              <a:rPr lang="en-SG" sz="1100" b="1" dirty="0">
+                <a:solidFill>
+                  <a:schemeClr val="bg1"/>
+                </a:solidFill>
+              </a:rPr>
+              <a:t>Power Grid operator </a:t>
+            </a:r>
+          </a:p>
+        </p:txBody>
+      </p:sp>
+      <p:pic>
+        <p:nvPicPr>
+          <p:cNvPr id="48" name="Picture 47">
+            <a:extLst>
+              <a:ext uri="{FF2B5EF4-FFF2-40B4-BE49-F238E27FC236}">
+                <a16:creationId xmlns:a16="http://schemas.microsoft.com/office/drawing/2014/main" id="{7859F148-2602-1C62-68FC-4636475EEEBF}"/>
+              </a:ext>
+            </a:extLst>
+          </p:cNvPr>
+          <p:cNvPicPr>
+            <a:picLocks noChangeAspect="1"/>
+          </p:cNvPicPr>
+          <p:nvPr/>
+        </p:nvPicPr>
+        <p:blipFill>
+          <a:blip r:embed="rId6"/>
+          <a:stretch>
+            <a:fillRect/>
+          </a:stretch>
+        </p:blipFill>
+        <p:spPr>
+          <a:xfrm>
+            <a:off x="877130" y="3225413"/>
+            <a:ext cx="389582" cy="307336"/>
+          </a:xfrm>
+          <a:prstGeom prst="rect">
+            <a:avLst/>
+          </a:prstGeom>
+          <a:ln w="9525">
+            <a:solidFill>
+              <a:schemeClr val="tx1"/>
+            </a:solidFill>
+          </a:ln>
+        </p:spPr>
+      </p:pic>
+      <p:pic>
+        <p:nvPicPr>
+          <p:cNvPr id="49" name="Picture 4">
+            <a:extLst>
+              <a:ext uri="{FF2B5EF4-FFF2-40B4-BE49-F238E27FC236}">
+                <a16:creationId xmlns:a16="http://schemas.microsoft.com/office/drawing/2014/main" id="{1DDB67C5-17C7-C5D7-86F3-5AAA6DA5D896}"/>
+              </a:ext>
+            </a:extLst>
+          </p:cNvPr>
+          <p:cNvPicPr>
+            <a:picLocks noChangeAspect="1" noChangeArrowheads="1"/>
+          </p:cNvPicPr>
+          <p:nvPr/>
+        </p:nvPicPr>
+        <p:blipFill>
+          <a:blip r:embed="rId5">
+            <a:extLst>
+              <a:ext uri="{28A0092B-C50C-407E-A947-70E740481C1C}">
+                <a14:useLocalDpi xmlns:a14="http://schemas.microsoft.com/office/drawing/2010/main" val="0"/>
+              </a:ext>
+            </a:extLst>
+          </a:blip>
+          <a:srcRect/>
+          <a:stretch>
+            <a:fillRect/>
+          </a:stretch>
+        </p:blipFill>
+        <p:spPr bwMode="auto">
+          <a:xfrm>
+            <a:off x="3061326" y="2457955"/>
+            <a:ext cx="379932" cy="379932"/>
+          </a:xfrm>
+          <a:prstGeom prst="rect">
+            <a:avLst/>
+          </a:prstGeom>
+          <a:noFill/>
+          <a:extLst>
+            <a:ext uri="{909E8E84-426E-40DD-AFC4-6F175D3DCCD1}">
+              <a14:hiddenFill xmlns:a14="http://schemas.microsoft.com/office/drawing/2010/main">
+                <a:solidFill>
+                  <a:srgbClr val="FFFFFF"/>
+                </a:solidFill>
+              </a14:hiddenFill>
+            </a:ext>
+          </a:extLst>
+        </p:spPr>
+      </p:pic>
+      <p:cxnSp>
+        <p:nvCxnSpPr>
+          <p:cNvPr id="50" name="Straight Arrow Connector 49">
+            <a:extLst>
+              <a:ext uri="{FF2B5EF4-FFF2-40B4-BE49-F238E27FC236}">
+                <a16:creationId xmlns:a16="http://schemas.microsoft.com/office/drawing/2014/main" id="{CC47CB80-858B-2265-4A56-6BB7AE2598D0}"/>
+              </a:ext>
+            </a:extLst>
+          </p:cNvPr>
+          <p:cNvCxnSpPr>
+            <a:cxnSpLocks/>
+          </p:cNvCxnSpPr>
+          <p:nvPr/>
+        </p:nvCxnSpPr>
+        <p:spPr>
+          <a:xfrm flipH="1">
+            <a:off x="2760900" y="2661503"/>
+            <a:ext cx="254931" cy="0"/>
+          </a:xfrm>
+          <a:prstGeom prst="straightConnector1">
+            <a:avLst/>
+          </a:prstGeom>
+          <a:ln w="19050">
+            <a:solidFill>
+              <a:schemeClr val="tx2">
+                <a:lumMod val="10000"/>
+                <a:lumOff val="90000"/>
+              </a:schemeClr>
+            </a:solidFill>
+            <a:tailEnd type="triangle"/>
+          </a:ln>
+        </p:spPr>
+        <p:style>
+          <a:lnRef idx="1">
+            <a:schemeClr val="accent1"/>
+          </a:lnRef>
+          <a:fillRef idx="0">
+            <a:schemeClr val="accent1"/>
+          </a:fillRef>
+          <a:effectRef idx="0">
+            <a:schemeClr val="accent1"/>
+          </a:effectRef>
+          <a:fontRef idx="minor">
+            <a:schemeClr val="tx1"/>
+          </a:fontRef>
+        </p:style>
+      </p:cxnSp>
+      <p:sp>
+        <p:nvSpPr>
+          <p:cNvPr id="51" name="TextBox 50">
+            <a:extLst>
+              <a:ext uri="{FF2B5EF4-FFF2-40B4-BE49-F238E27FC236}">
+                <a16:creationId xmlns:a16="http://schemas.microsoft.com/office/drawing/2014/main" id="{EEBB05C4-DD88-C558-1B2F-E5A286182695}"/>
+              </a:ext>
+            </a:extLst>
+          </p:cNvPr>
+          <p:cNvSpPr txBox="1"/>
+          <p:nvPr/>
+        </p:nvSpPr>
+        <p:spPr>
+          <a:xfrm>
+            <a:off x="2643393" y="2753658"/>
+            <a:ext cx="1036212" cy="261610"/>
+          </a:xfrm>
+          <a:prstGeom prst="rect">
+            <a:avLst/>
+          </a:prstGeom>
+          <a:noFill/>
+        </p:spPr>
+        <p:txBody>
+          <a:bodyPr wrap="square" rtlCol="0">
+            <a:spAutoFit/>
+          </a:bodyPr>
+          <a:lstStyle/>
+          <a:p>
+            <a:r>
+              <a:rPr lang="en-SG" sz="1100" b="1" dirty="0">
+                <a:solidFill>
+                  <a:schemeClr val="bg1"/>
+                </a:solidFill>
+              </a:rPr>
+              <a:t>ICS engineer </a:t>
+            </a:r>
+          </a:p>
+        </p:txBody>
+      </p:sp>
+      <p:pic>
+        <p:nvPicPr>
+          <p:cNvPr id="52" name="Picture 51">
+            <a:extLst>
+              <a:ext uri="{FF2B5EF4-FFF2-40B4-BE49-F238E27FC236}">
+                <a16:creationId xmlns:a16="http://schemas.microsoft.com/office/drawing/2014/main" id="{F05C2730-2AC7-1CB0-50E8-0F83AC89A2FE}"/>
+              </a:ext>
+            </a:extLst>
+          </p:cNvPr>
+          <p:cNvPicPr>
+            <a:picLocks noChangeAspect="1"/>
+          </p:cNvPicPr>
+          <p:nvPr/>
+        </p:nvPicPr>
+        <p:blipFill>
+          <a:blip r:embed="rId4"/>
+          <a:stretch>
+            <a:fillRect/>
+          </a:stretch>
+        </p:blipFill>
+        <p:spPr>
+          <a:xfrm>
+            <a:off x="4665510" y="2642653"/>
+            <a:ext cx="406276" cy="340647"/>
+          </a:xfrm>
+          <a:prstGeom prst="rect">
+            <a:avLst/>
+          </a:prstGeom>
+          <a:ln w="9525">
+            <a:solidFill>
+              <a:schemeClr val="tx1"/>
+            </a:solidFill>
+          </a:ln>
+        </p:spPr>
+      </p:pic>
+      <p:cxnSp>
+        <p:nvCxnSpPr>
+          <p:cNvPr id="53" name="Straight Connector 52">
+            <a:extLst>
+              <a:ext uri="{FF2B5EF4-FFF2-40B4-BE49-F238E27FC236}">
+                <a16:creationId xmlns:a16="http://schemas.microsoft.com/office/drawing/2014/main" id="{DF563507-5A9D-08B9-892A-9600EA198579}"/>
+              </a:ext>
+            </a:extLst>
+          </p:cNvPr>
+          <p:cNvCxnSpPr>
+            <a:cxnSpLocks/>
+            <a:endCxn id="60" idx="1"/>
+          </p:cNvCxnSpPr>
+          <p:nvPr/>
+        </p:nvCxnSpPr>
+        <p:spPr>
+          <a:xfrm>
+            <a:off x="4418287" y="5536135"/>
+            <a:ext cx="505094" cy="0"/>
+          </a:xfrm>
+          <a:prstGeom prst="line">
+            <a:avLst/>
+          </a:prstGeom>
+          <a:ln w="19050">
+            <a:solidFill>
+              <a:schemeClr val="bg1"/>
+            </a:solidFill>
+            <a:prstDash val="sysDash"/>
+          </a:ln>
+        </p:spPr>
+        <p:style>
+          <a:lnRef idx="1">
+            <a:schemeClr val="dk1"/>
+          </a:lnRef>
+          <a:fillRef idx="0">
+            <a:schemeClr val="dk1"/>
+          </a:fillRef>
+          <a:effectRef idx="0">
+            <a:schemeClr val="dk1"/>
+          </a:effectRef>
+          <a:fontRef idx="minor">
+            <a:schemeClr val="tx1"/>
+          </a:fontRef>
+        </p:style>
+      </p:cxnSp>
+      <p:sp>
+        <p:nvSpPr>
+          <p:cNvPr id="54" name="TextBox 53">
+            <a:extLst>
+              <a:ext uri="{FF2B5EF4-FFF2-40B4-BE49-F238E27FC236}">
+                <a16:creationId xmlns:a16="http://schemas.microsoft.com/office/drawing/2014/main" id="{C994BBA5-A1A7-2AE5-3699-11AFF6E1D1EC}"/>
+              </a:ext>
+            </a:extLst>
+          </p:cNvPr>
+          <p:cNvSpPr txBox="1"/>
+          <p:nvPr/>
+        </p:nvSpPr>
+        <p:spPr>
+          <a:xfrm>
+            <a:off x="4342965" y="2238790"/>
+            <a:ext cx="1546830" cy="430887"/>
+          </a:xfrm>
+          <a:prstGeom prst="rect">
+            <a:avLst/>
+          </a:prstGeom>
+          <a:noFill/>
+        </p:spPr>
+        <p:txBody>
+          <a:bodyPr wrap="square" rtlCol="0">
+            <a:spAutoFit/>
+          </a:bodyPr>
+          <a:lstStyle/>
+          <a:p>
+            <a:r>
+              <a:rPr lang="en-SG" sz="1100" dirty="0">
+                <a:solidFill>
+                  <a:schemeClr val="bg1"/>
+                </a:solidFill>
+              </a:rPr>
+              <a:t>Local HW-Engineering admin laptop </a:t>
+            </a:r>
+          </a:p>
+        </p:txBody>
+      </p:sp>
+      <p:pic>
+        <p:nvPicPr>
+          <p:cNvPr id="55" name="Picture 4">
+            <a:extLst>
+              <a:ext uri="{FF2B5EF4-FFF2-40B4-BE49-F238E27FC236}">
+                <a16:creationId xmlns:a16="http://schemas.microsoft.com/office/drawing/2014/main" id="{0117A812-8C12-E4B7-8CEC-CE7EDA09A6A7}"/>
+              </a:ext>
+            </a:extLst>
+          </p:cNvPr>
+          <p:cNvPicPr>
+            <a:picLocks noChangeAspect="1" noChangeArrowheads="1"/>
+          </p:cNvPicPr>
+          <p:nvPr/>
+        </p:nvPicPr>
+        <p:blipFill>
+          <a:blip r:embed="rId5">
+            <a:extLst>
+              <a:ext uri="{28A0092B-C50C-407E-A947-70E740481C1C}">
+                <a14:useLocalDpi xmlns:a14="http://schemas.microsoft.com/office/drawing/2010/main" val="0"/>
+              </a:ext>
+            </a:extLst>
+          </a:blip>
+          <a:srcRect/>
+          <a:stretch>
+            <a:fillRect/>
+          </a:stretch>
+        </p:blipFill>
+        <p:spPr bwMode="auto">
+          <a:xfrm>
+            <a:off x="5289817" y="2620296"/>
+            <a:ext cx="379932" cy="379932"/>
+          </a:xfrm>
+          <a:prstGeom prst="rect">
+            <a:avLst/>
+          </a:prstGeom>
+          <a:noFill/>
+          <a:extLst>
+            <a:ext uri="{909E8E84-426E-40DD-AFC4-6F175D3DCCD1}">
+              <a14:hiddenFill xmlns:a14="http://schemas.microsoft.com/office/drawing/2010/main">
+                <a:solidFill>
+                  <a:srgbClr val="FFFFFF"/>
+                </a:solidFill>
+              </a14:hiddenFill>
+            </a:ext>
+          </a:extLst>
+        </p:spPr>
+      </p:pic>
+      <p:sp>
+        <p:nvSpPr>
+          <p:cNvPr id="57" name="TextBox 56">
+            <a:extLst>
+              <a:ext uri="{FF2B5EF4-FFF2-40B4-BE49-F238E27FC236}">
+                <a16:creationId xmlns:a16="http://schemas.microsoft.com/office/drawing/2014/main" id="{F1867F37-43B9-C76E-3731-DE3B94EA816B}"/>
+              </a:ext>
+            </a:extLst>
+          </p:cNvPr>
+          <p:cNvSpPr txBox="1"/>
+          <p:nvPr/>
+        </p:nvSpPr>
+        <p:spPr>
+          <a:xfrm>
+            <a:off x="5638280" y="2505745"/>
+            <a:ext cx="854690" cy="600164"/>
+          </a:xfrm>
+          <a:prstGeom prst="rect">
+            <a:avLst/>
+          </a:prstGeom>
+          <a:noFill/>
+        </p:spPr>
+        <p:txBody>
+          <a:bodyPr wrap="square" rtlCol="0">
+            <a:spAutoFit/>
+          </a:bodyPr>
+          <a:lstStyle/>
+          <a:p>
+            <a:r>
+              <a:rPr lang="en-SG" sz="1100" b="1" dirty="0">
+                <a:solidFill>
+                  <a:schemeClr val="bg1"/>
+                </a:solidFill>
+              </a:rPr>
+              <a:t>OT-Field device admin</a:t>
+            </a:r>
+          </a:p>
+        </p:txBody>
+      </p:sp>
+      <p:sp>
+        <p:nvSpPr>
+          <p:cNvPr id="58" name="TextBox 57">
+            <a:extLst>
+              <a:ext uri="{FF2B5EF4-FFF2-40B4-BE49-F238E27FC236}">
+                <a16:creationId xmlns:a16="http://schemas.microsoft.com/office/drawing/2014/main" id="{8A263F5F-AE91-883A-B158-4811CD375654}"/>
+              </a:ext>
+            </a:extLst>
+          </p:cNvPr>
+          <p:cNvSpPr txBox="1"/>
+          <p:nvPr/>
+        </p:nvSpPr>
+        <p:spPr>
+          <a:xfrm>
+            <a:off x="1224192" y="2995693"/>
+            <a:ext cx="2486983" cy="400110"/>
+          </a:xfrm>
+          <a:prstGeom prst="rect">
+            <a:avLst/>
+          </a:prstGeom>
+          <a:noFill/>
+        </p:spPr>
+        <p:txBody>
+          <a:bodyPr wrap="square">
+            <a:spAutoFit/>
+          </a:bodyPr>
+          <a:lstStyle/>
+          <a:p>
+            <a:r>
+              <a:rPr lang="en-US" sz="1000" b="1" dirty="0">
+                <a:solidFill>
+                  <a:schemeClr val="accent1">
+                    <a:lumMod val="20000"/>
+                    <a:lumOff val="80000"/>
+                  </a:schemeClr>
+                </a:solidFill>
+              </a:rPr>
+              <a:t>Ethernet TCP/IP, Modbus TCP, S7Comm, MMS </a:t>
+            </a:r>
+            <a:endParaRPr lang="en-SG" sz="1000" dirty="0">
+              <a:solidFill>
+                <a:schemeClr val="accent1">
+                  <a:lumMod val="20000"/>
+                  <a:lumOff val="80000"/>
+                </a:schemeClr>
+              </a:solidFill>
+            </a:endParaRPr>
+          </a:p>
+        </p:txBody>
+      </p:sp>
+      <p:sp>
+        <p:nvSpPr>
+          <p:cNvPr id="59" name="TextBox 58">
+            <a:extLst>
+              <a:ext uri="{FF2B5EF4-FFF2-40B4-BE49-F238E27FC236}">
+                <a16:creationId xmlns:a16="http://schemas.microsoft.com/office/drawing/2014/main" id="{D126852A-FA74-580B-0B8E-E142433A0D4C}"/>
+              </a:ext>
+            </a:extLst>
+          </p:cNvPr>
+          <p:cNvSpPr txBox="1"/>
+          <p:nvPr/>
+        </p:nvSpPr>
+        <p:spPr>
+          <a:xfrm>
+            <a:off x="4063734" y="4214860"/>
+            <a:ext cx="1257727" cy="553998"/>
+          </a:xfrm>
+          <a:prstGeom prst="rect">
+            <a:avLst/>
+          </a:prstGeom>
+          <a:noFill/>
+        </p:spPr>
+        <p:txBody>
+          <a:bodyPr wrap="square">
+            <a:spAutoFit/>
+          </a:bodyPr>
+          <a:lstStyle/>
+          <a:p>
+            <a:r>
+              <a:rPr lang="en-SG" sz="1000" b="1" dirty="0">
+                <a:solidFill>
+                  <a:schemeClr val="bg1"/>
+                </a:solidFill>
+              </a:rPr>
+              <a:t>Modbus TCP </a:t>
+            </a:r>
+          </a:p>
+          <a:p>
+            <a:r>
+              <a:rPr lang="en-SG" sz="1000" b="1" dirty="0">
+                <a:solidFill>
+                  <a:schemeClr val="bg1"/>
+                </a:solidFill>
+              </a:rPr>
+              <a:t>and </a:t>
+            </a:r>
+          </a:p>
+          <a:p>
+            <a:r>
+              <a:rPr lang="en-SG" sz="1000" b="1" dirty="0">
+                <a:solidFill>
+                  <a:schemeClr val="bg1"/>
+                </a:solidFill>
+              </a:rPr>
+              <a:t>S7Comm</a:t>
+            </a:r>
+          </a:p>
+        </p:txBody>
+      </p:sp>
+      <p:pic>
+        <p:nvPicPr>
+          <p:cNvPr id="60" name="Picture 59">
+            <a:extLst>
+              <a:ext uri="{FF2B5EF4-FFF2-40B4-BE49-F238E27FC236}">
+                <a16:creationId xmlns:a16="http://schemas.microsoft.com/office/drawing/2014/main" id="{B76B505D-D2E5-5651-BE76-6135D9AFDEE5}"/>
+              </a:ext>
+            </a:extLst>
+          </p:cNvPr>
+          <p:cNvPicPr>
+            <a:picLocks noChangeAspect="1"/>
+          </p:cNvPicPr>
+          <p:nvPr/>
+        </p:nvPicPr>
+        <p:blipFill>
+          <a:blip r:embed="rId7"/>
+          <a:stretch>
+            <a:fillRect/>
+          </a:stretch>
+        </p:blipFill>
+        <p:spPr>
+          <a:xfrm>
+            <a:off x="4923381" y="5363434"/>
+            <a:ext cx="525145" cy="373437"/>
+          </a:xfrm>
+          <a:prstGeom prst="rect">
+            <a:avLst/>
+          </a:prstGeom>
+          <a:ln w="9525">
+            <a:solidFill>
+              <a:schemeClr val="tx1"/>
+            </a:solidFill>
+          </a:ln>
+        </p:spPr>
+      </p:pic>
+      <p:sp>
+        <p:nvSpPr>
+          <p:cNvPr id="62" name="TextBox 61">
+            <a:extLst>
+              <a:ext uri="{FF2B5EF4-FFF2-40B4-BE49-F238E27FC236}">
+                <a16:creationId xmlns:a16="http://schemas.microsoft.com/office/drawing/2014/main" id="{C259BF4C-8C56-B00E-8119-73CEA0E84F09}"/>
+              </a:ext>
+            </a:extLst>
+          </p:cNvPr>
+          <p:cNvSpPr txBox="1"/>
+          <p:nvPr/>
+        </p:nvSpPr>
+        <p:spPr>
+          <a:xfrm>
+            <a:off x="4760424" y="5019691"/>
+            <a:ext cx="1236466" cy="261610"/>
+          </a:xfrm>
+          <a:prstGeom prst="rect">
+            <a:avLst/>
+          </a:prstGeom>
+          <a:noFill/>
+        </p:spPr>
+        <p:txBody>
+          <a:bodyPr wrap="square" rtlCol="0">
+            <a:spAutoFit/>
+          </a:bodyPr>
+          <a:lstStyle/>
+          <a:p>
+            <a:r>
+              <a:rPr lang="en-SG" sz="1100" dirty="0">
+                <a:solidFill>
+                  <a:schemeClr val="bg1"/>
+                </a:solidFill>
+              </a:rPr>
+              <a:t>Monitor RTUs</a:t>
+            </a:r>
+          </a:p>
+        </p:txBody>
+      </p:sp>
+      <p:pic>
+        <p:nvPicPr>
+          <p:cNvPr id="68" name="Picture 67" descr="A grey rectangular object with buttons and buttons&#10;&#10;Description automatically generated">
+            <a:extLst>
+              <a:ext uri="{FF2B5EF4-FFF2-40B4-BE49-F238E27FC236}">
+                <a16:creationId xmlns:a16="http://schemas.microsoft.com/office/drawing/2014/main" id="{F030B3C1-D616-CF55-DB2F-565FCAE551DE}"/>
+              </a:ext>
+            </a:extLst>
+          </p:cNvPr>
+          <p:cNvPicPr>
+            <a:picLocks noChangeAspect="1"/>
+          </p:cNvPicPr>
+          <p:nvPr/>
+        </p:nvPicPr>
+        <p:blipFill>
+          <a:blip r:embed="rId8">
+            <a:extLst>
+              <a:ext uri="{28A0092B-C50C-407E-A947-70E740481C1C}">
+                <a14:useLocalDpi xmlns:a14="http://schemas.microsoft.com/office/drawing/2010/main" val="0"/>
+              </a:ext>
+            </a:extLst>
+          </a:blip>
+          <a:stretch>
+            <a:fillRect/>
+          </a:stretch>
+        </p:blipFill>
+        <p:spPr>
+          <a:xfrm>
+            <a:off x="4842907" y="3515504"/>
+            <a:ext cx="649894" cy="428930"/>
+          </a:xfrm>
+          <a:prstGeom prst="rect">
+            <a:avLst/>
+          </a:prstGeom>
+          <a:ln w="12700">
+            <a:solidFill>
+              <a:schemeClr val="tx1"/>
+            </a:solidFill>
+          </a:ln>
+        </p:spPr>
+      </p:pic>
+      <p:cxnSp>
+        <p:nvCxnSpPr>
+          <p:cNvPr id="76" name="Straight Connector 75">
+            <a:extLst>
+              <a:ext uri="{FF2B5EF4-FFF2-40B4-BE49-F238E27FC236}">
+                <a16:creationId xmlns:a16="http://schemas.microsoft.com/office/drawing/2014/main" id="{B7F381A9-2A69-B22E-446F-7506F50D506B}"/>
+              </a:ext>
+            </a:extLst>
+          </p:cNvPr>
+          <p:cNvCxnSpPr>
+            <a:cxnSpLocks/>
+          </p:cNvCxnSpPr>
+          <p:nvPr/>
+        </p:nvCxnSpPr>
+        <p:spPr>
+          <a:xfrm>
+            <a:off x="8598173" y="3970237"/>
+            <a:ext cx="0" cy="1565665"/>
+          </a:xfrm>
+          <a:prstGeom prst="line">
+            <a:avLst/>
+          </a:prstGeom>
+          <a:ln w="12700">
+            <a:solidFill>
+              <a:srgbClr val="C00000"/>
+            </a:solidFill>
+          </a:ln>
+        </p:spPr>
+        <p:style>
+          <a:lnRef idx="1">
+            <a:schemeClr val="accent1"/>
+          </a:lnRef>
+          <a:fillRef idx="0">
+            <a:schemeClr val="accent1"/>
+          </a:fillRef>
+          <a:effectRef idx="0">
+            <a:schemeClr val="accent1"/>
+          </a:effectRef>
+          <a:fontRef idx="minor">
+            <a:schemeClr val="tx1"/>
+          </a:fontRef>
+        </p:style>
+      </p:cxnSp>
+      <p:cxnSp>
+        <p:nvCxnSpPr>
+          <p:cNvPr id="79" name="Straight Arrow Connector 78">
+            <a:extLst>
+              <a:ext uri="{FF2B5EF4-FFF2-40B4-BE49-F238E27FC236}">
+                <a16:creationId xmlns:a16="http://schemas.microsoft.com/office/drawing/2014/main" id="{1DAA85BE-4378-29D0-721C-B43798B0FC02}"/>
+              </a:ext>
+            </a:extLst>
+          </p:cNvPr>
+          <p:cNvCxnSpPr>
+            <a:cxnSpLocks/>
+          </p:cNvCxnSpPr>
+          <p:nvPr/>
+        </p:nvCxnSpPr>
+        <p:spPr>
+          <a:xfrm flipH="1">
+            <a:off x="8330678" y="5548386"/>
+            <a:ext cx="284930" cy="0"/>
+          </a:xfrm>
+          <a:prstGeom prst="straightConnector1">
+            <a:avLst/>
+          </a:prstGeom>
+          <a:ln w="12700">
+            <a:solidFill>
+              <a:srgbClr val="C00000"/>
+            </a:solidFill>
+            <a:tailEnd type="triangle"/>
+          </a:ln>
+        </p:spPr>
+        <p:style>
+          <a:lnRef idx="1">
+            <a:schemeClr val="accent1"/>
+          </a:lnRef>
+          <a:fillRef idx="0">
+            <a:schemeClr val="accent1"/>
+          </a:fillRef>
+          <a:effectRef idx="0">
+            <a:schemeClr val="accent1"/>
+          </a:effectRef>
+          <a:fontRef idx="minor">
+            <a:schemeClr val="tx1"/>
+          </a:fontRef>
+        </p:style>
+      </p:cxnSp>
+      <p:cxnSp>
+        <p:nvCxnSpPr>
+          <p:cNvPr id="80" name="Straight Arrow Connector 79">
+            <a:extLst>
+              <a:ext uri="{FF2B5EF4-FFF2-40B4-BE49-F238E27FC236}">
+                <a16:creationId xmlns:a16="http://schemas.microsoft.com/office/drawing/2014/main" id="{F9CAB881-93D8-0805-8166-16B797E8237F}"/>
+              </a:ext>
+            </a:extLst>
+          </p:cNvPr>
+          <p:cNvCxnSpPr>
+            <a:cxnSpLocks/>
+          </p:cNvCxnSpPr>
+          <p:nvPr/>
+        </p:nvCxnSpPr>
+        <p:spPr>
+          <a:xfrm flipH="1">
+            <a:off x="8021867" y="4486606"/>
+            <a:ext cx="567328" cy="0"/>
+          </a:xfrm>
+          <a:prstGeom prst="straightConnector1">
+            <a:avLst/>
+          </a:prstGeom>
+          <a:ln w="12700">
+            <a:solidFill>
+              <a:srgbClr val="C00000"/>
+            </a:solidFill>
+            <a:tailEnd type="triangle"/>
+          </a:ln>
+        </p:spPr>
+        <p:style>
+          <a:lnRef idx="1">
+            <a:schemeClr val="accent1"/>
+          </a:lnRef>
+          <a:fillRef idx="0">
+            <a:schemeClr val="accent1"/>
+          </a:fillRef>
+          <a:effectRef idx="0">
+            <a:schemeClr val="accent1"/>
+          </a:effectRef>
+          <a:fontRef idx="minor">
+            <a:schemeClr val="tx1"/>
+          </a:fontRef>
+        </p:style>
+      </p:cxnSp>
+      <p:cxnSp>
+        <p:nvCxnSpPr>
+          <p:cNvPr id="83" name="Straight Connector 82">
+            <a:extLst>
+              <a:ext uri="{FF2B5EF4-FFF2-40B4-BE49-F238E27FC236}">
+                <a16:creationId xmlns:a16="http://schemas.microsoft.com/office/drawing/2014/main" id="{ECB4A5E4-8B8E-5EE8-10EB-AA92D583FDEE}"/>
+              </a:ext>
+            </a:extLst>
+          </p:cNvPr>
+          <p:cNvCxnSpPr>
+            <a:cxnSpLocks/>
+            <a:stCxn id="48" idx="3"/>
+          </p:cNvCxnSpPr>
+          <p:nvPr/>
+        </p:nvCxnSpPr>
+        <p:spPr>
+          <a:xfrm>
+            <a:off x="1266712" y="3379081"/>
+            <a:ext cx="2803805" cy="0"/>
+          </a:xfrm>
+          <a:prstGeom prst="line">
+            <a:avLst/>
+          </a:prstGeom>
+          <a:ln w="19050"/>
+        </p:spPr>
+        <p:style>
+          <a:lnRef idx="1">
+            <a:schemeClr val="dk1"/>
+          </a:lnRef>
+          <a:fillRef idx="0">
+            <a:schemeClr val="dk1"/>
+          </a:fillRef>
+          <a:effectRef idx="0">
+            <a:schemeClr val="dk1"/>
+          </a:effectRef>
+          <a:fontRef idx="minor">
+            <a:schemeClr val="tx1"/>
+          </a:fontRef>
+        </p:style>
+      </p:cxnSp>
+      <p:pic>
+        <p:nvPicPr>
+          <p:cNvPr id="91" name="Picture 90">
+            <a:extLst>
+              <a:ext uri="{FF2B5EF4-FFF2-40B4-BE49-F238E27FC236}">
+                <a16:creationId xmlns:a16="http://schemas.microsoft.com/office/drawing/2014/main" id="{7A38121D-E65E-417A-87B9-280EDB6D2C87}"/>
+              </a:ext>
+            </a:extLst>
+          </p:cNvPr>
+          <p:cNvPicPr>
+            <a:picLocks noChangeAspect="1"/>
+          </p:cNvPicPr>
+          <p:nvPr/>
+        </p:nvPicPr>
+        <p:blipFill>
+          <a:blip r:embed="rId9"/>
+          <a:stretch>
+            <a:fillRect/>
+          </a:stretch>
+        </p:blipFill>
+        <p:spPr>
+          <a:xfrm>
+            <a:off x="1121417" y="4577918"/>
+            <a:ext cx="2398093" cy="1372908"/>
+          </a:xfrm>
+          <a:prstGeom prst="rect">
+            <a:avLst/>
+          </a:prstGeom>
+          <a:ln w="19050">
+            <a:noFill/>
+          </a:ln>
+        </p:spPr>
+      </p:pic>
+      <p:sp>
+        <p:nvSpPr>
+          <p:cNvPr id="94" name="Arrow: Up-Down 93">
+            <a:extLst>
+              <a:ext uri="{FF2B5EF4-FFF2-40B4-BE49-F238E27FC236}">
+                <a16:creationId xmlns:a16="http://schemas.microsoft.com/office/drawing/2014/main" id="{AFE22A38-498E-773B-CA82-97704FD930B8}"/>
+              </a:ext>
+            </a:extLst>
+          </p:cNvPr>
+          <p:cNvSpPr/>
+          <p:nvPr/>
+        </p:nvSpPr>
+        <p:spPr>
+          <a:xfrm>
+            <a:off x="1449306" y="4217991"/>
+            <a:ext cx="142090" cy="288967"/>
+          </a:xfrm>
+          <a:prstGeom prst="upDownArrow">
+            <a:avLst/>
+          </a:prstGeom>
+          <a:solidFill>
+            <a:schemeClr val="tx2">
+              <a:lumMod val="10000"/>
+              <a:lumOff val="90000"/>
+            </a:schemeClr>
+          </a:solidFill>
+          <a:ln>
+            <a:solidFill>
+              <a:schemeClr val="tx1"/>
+            </a:solidFill>
+          </a:ln>
+        </p:spPr>
+        <p:style>
+          <a:lnRef idx="2">
+            <a:schemeClr val="accent1">
+              <a:shade val="15000"/>
+            </a:schemeClr>
+          </a:lnRef>
+          <a:fillRef idx="1">
+            <a:schemeClr val="accent1"/>
+          </a:fillRef>
+          <a:effectRef idx="0">
+            <a:schemeClr val="accent1"/>
+          </a:effectRef>
+          <a:fontRef idx="minor">
+            <a:schemeClr val="lt1"/>
+          </a:fontRef>
+        </p:style>
+        <p:txBody>
+          <a:bodyPr rtlCol="0" anchor="ctr"/>
+          <a:lstStyle/>
+          <a:p>
+            <a:pPr algn="ctr"/>
+            <a:endParaRPr lang="en-SG"/>
+          </a:p>
+        </p:txBody>
+      </p:sp>
+      <p:cxnSp>
+        <p:nvCxnSpPr>
+          <p:cNvPr id="100" name="Straight Connector 99">
+            <a:extLst>
+              <a:ext uri="{FF2B5EF4-FFF2-40B4-BE49-F238E27FC236}">
+                <a16:creationId xmlns:a16="http://schemas.microsoft.com/office/drawing/2014/main" id="{76B43F67-0240-0F71-68B7-5768977AACF6}"/>
+              </a:ext>
+            </a:extLst>
+          </p:cNvPr>
+          <p:cNvCxnSpPr>
+            <a:cxnSpLocks/>
+            <a:endCxn id="52" idx="1"/>
+          </p:cNvCxnSpPr>
+          <p:nvPr/>
+        </p:nvCxnSpPr>
+        <p:spPr>
+          <a:xfrm>
+            <a:off x="4428225" y="2812977"/>
+            <a:ext cx="237285" cy="0"/>
+          </a:xfrm>
+          <a:prstGeom prst="line">
+            <a:avLst/>
+          </a:prstGeom>
+          <a:ln w="19050">
+            <a:solidFill>
+              <a:schemeClr val="bg1"/>
+            </a:solidFill>
+            <a:prstDash val="sysDash"/>
+          </a:ln>
+        </p:spPr>
+        <p:style>
+          <a:lnRef idx="1">
+            <a:schemeClr val="dk1"/>
+          </a:lnRef>
+          <a:fillRef idx="0">
+            <a:schemeClr val="dk1"/>
+          </a:fillRef>
+          <a:effectRef idx="0">
+            <a:schemeClr val="dk1"/>
+          </a:effectRef>
+          <a:fontRef idx="minor">
+            <a:schemeClr val="tx1"/>
+          </a:fontRef>
+        </p:style>
+      </p:cxnSp>
+      <p:cxnSp>
+        <p:nvCxnSpPr>
+          <p:cNvPr id="106" name="Straight Arrow Connector 105">
+            <a:extLst>
+              <a:ext uri="{FF2B5EF4-FFF2-40B4-BE49-F238E27FC236}">
+                <a16:creationId xmlns:a16="http://schemas.microsoft.com/office/drawing/2014/main" id="{0A671F13-D9FF-C79C-5720-2E35844BA325}"/>
+              </a:ext>
+            </a:extLst>
+          </p:cNvPr>
+          <p:cNvCxnSpPr>
+            <a:cxnSpLocks/>
+          </p:cNvCxnSpPr>
+          <p:nvPr/>
+        </p:nvCxnSpPr>
+        <p:spPr>
+          <a:xfrm flipH="1">
+            <a:off x="5090551" y="2782513"/>
+            <a:ext cx="254931" cy="0"/>
+          </a:xfrm>
+          <a:prstGeom prst="straightConnector1">
+            <a:avLst/>
+          </a:prstGeom>
+          <a:ln w="19050">
+            <a:solidFill>
+              <a:schemeClr val="tx2">
+                <a:lumMod val="10000"/>
+                <a:lumOff val="90000"/>
+              </a:schemeClr>
+            </a:solidFill>
+            <a:tailEnd type="triangle"/>
+          </a:ln>
+        </p:spPr>
+        <p:style>
+          <a:lnRef idx="1">
+            <a:schemeClr val="accent1"/>
+          </a:lnRef>
+          <a:fillRef idx="0">
+            <a:schemeClr val="accent1"/>
+          </a:fillRef>
+          <a:effectRef idx="0">
+            <a:schemeClr val="accent1"/>
+          </a:effectRef>
+          <a:fontRef idx="minor">
+            <a:schemeClr val="tx1"/>
+          </a:fontRef>
+        </p:style>
+      </p:cxnSp>
+      <p:cxnSp>
+        <p:nvCxnSpPr>
+          <p:cNvPr id="111" name="Straight Connector 110">
+            <a:extLst>
+              <a:ext uri="{FF2B5EF4-FFF2-40B4-BE49-F238E27FC236}">
+                <a16:creationId xmlns:a16="http://schemas.microsoft.com/office/drawing/2014/main" id="{721F41C3-E757-2892-1042-95C0E511D189}"/>
+              </a:ext>
+            </a:extLst>
+          </p:cNvPr>
+          <p:cNvCxnSpPr>
+            <a:cxnSpLocks/>
+          </p:cNvCxnSpPr>
+          <p:nvPr/>
+        </p:nvCxnSpPr>
+        <p:spPr>
+          <a:xfrm>
+            <a:off x="4418287" y="4745904"/>
+            <a:ext cx="450361" cy="0"/>
+          </a:xfrm>
+          <a:prstGeom prst="line">
+            <a:avLst/>
+          </a:prstGeom>
+          <a:ln w="19050">
+            <a:solidFill>
+              <a:schemeClr val="bg1"/>
+            </a:solidFill>
+          </a:ln>
+        </p:spPr>
+        <p:style>
+          <a:lnRef idx="1">
+            <a:schemeClr val="dk1"/>
+          </a:lnRef>
+          <a:fillRef idx="0">
+            <a:schemeClr val="dk1"/>
+          </a:fillRef>
+          <a:effectRef idx="0">
+            <a:schemeClr val="dk1"/>
+          </a:effectRef>
+          <a:fontRef idx="minor">
+            <a:schemeClr val="tx1"/>
+          </a:fontRef>
+        </p:style>
+      </p:cxnSp>
+      <p:pic>
+        <p:nvPicPr>
+          <p:cNvPr id="24" name="Picture 23">
+            <a:extLst>
+              <a:ext uri="{FF2B5EF4-FFF2-40B4-BE49-F238E27FC236}">
+                <a16:creationId xmlns:a16="http://schemas.microsoft.com/office/drawing/2014/main" id="{7E4A1D03-AAF8-9D86-4D55-F4B2E0F08888}"/>
+              </a:ext>
+            </a:extLst>
+          </p:cNvPr>
+          <p:cNvPicPr>
+            <a:picLocks noChangeAspect="1"/>
+          </p:cNvPicPr>
+          <p:nvPr/>
+        </p:nvPicPr>
+        <p:blipFill>
+          <a:blip r:embed="rId6"/>
+          <a:stretch>
+            <a:fillRect/>
+          </a:stretch>
+        </p:blipFill>
+        <p:spPr>
+          <a:xfrm>
+            <a:off x="3857365" y="3225413"/>
+            <a:ext cx="389582" cy="307336"/>
+          </a:xfrm>
+          <a:prstGeom prst="rect">
+            <a:avLst/>
+          </a:prstGeom>
+          <a:ln w="9525">
+            <a:solidFill>
+              <a:schemeClr val="tx1"/>
+            </a:solidFill>
+          </a:ln>
+        </p:spPr>
+      </p:pic>
+      <p:pic>
+        <p:nvPicPr>
+          <p:cNvPr id="115" name="Picture 114">
+            <a:extLst>
+              <a:ext uri="{FF2B5EF4-FFF2-40B4-BE49-F238E27FC236}">
+                <a16:creationId xmlns:a16="http://schemas.microsoft.com/office/drawing/2014/main" id="{14FBBD94-5EDB-76AC-9754-12BD0639FE53}"/>
+              </a:ext>
+            </a:extLst>
+          </p:cNvPr>
+          <p:cNvPicPr>
+            <a:picLocks noChangeAspect="1"/>
+          </p:cNvPicPr>
+          <p:nvPr/>
+        </p:nvPicPr>
+        <p:blipFill>
+          <a:blip r:embed="rId10"/>
+          <a:stretch>
+            <a:fillRect/>
+          </a:stretch>
+        </p:blipFill>
+        <p:spPr>
+          <a:xfrm>
+            <a:off x="6901883" y="2223240"/>
+            <a:ext cx="3037805" cy="1722869"/>
+          </a:xfrm>
+          <a:prstGeom prst="rect">
+            <a:avLst/>
+          </a:prstGeom>
+        </p:spPr>
+      </p:pic>
+      <p:pic>
+        <p:nvPicPr>
+          <p:cNvPr id="117" name="Picture 116">
+            <a:extLst>
+              <a:ext uri="{FF2B5EF4-FFF2-40B4-BE49-F238E27FC236}">
+                <a16:creationId xmlns:a16="http://schemas.microsoft.com/office/drawing/2014/main" id="{A00C93CE-4ECF-61DC-6537-24C401928CA0}"/>
+              </a:ext>
+            </a:extLst>
+          </p:cNvPr>
+          <p:cNvPicPr>
+            <a:picLocks noChangeAspect="1"/>
+          </p:cNvPicPr>
+          <p:nvPr/>
+        </p:nvPicPr>
+        <p:blipFill>
+          <a:blip r:embed="rId11"/>
+          <a:stretch>
+            <a:fillRect/>
+          </a:stretch>
+        </p:blipFill>
+        <p:spPr>
+          <a:xfrm>
+            <a:off x="7043689" y="4312775"/>
+            <a:ext cx="1008626" cy="570536"/>
+          </a:xfrm>
+          <a:prstGeom prst="rect">
+            <a:avLst/>
+          </a:prstGeom>
+        </p:spPr>
+      </p:pic>
+      <p:pic>
+        <p:nvPicPr>
+          <p:cNvPr id="119" name="Picture 118">
+            <a:extLst>
+              <a:ext uri="{FF2B5EF4-FFF2-40B4-BE49-F238E27FC236}">
+                <a16:creationId xmlns:a16="http://schemas.microsoft.com/office/drawing/2014/main" id="{3875102D-A9DF-6A26-580D-60B68295B481}"/>
+              </a:ext>
+            </a:extLst>
+          </p:cNvPr>
+          <p:cNvPicPr>
+            <a:picLocks noChangeAspect="1"/>
+          </p:cNvPicPr>
+          <p:nvPr/>
+        </p:nvPicPr>
+        <p:blipFill>
+          <a:blip r:embed="rId12"/>
+          <a:stretch>
+            <a:fillRect/>
+          </a:stretch>
+        </p:blipFill>
+        <p:spPr>
+          <a:xfrm>
+            <a:off x="6976982" y="5212352"/>
+            <a:ext cx="1323810" cy="733333"/>
+          </a:xfrm>
+          <a:prstGeom prst="rect">
+            <a:avLst/>
+          </a:prstGeom>
+        </p:spPr>
+      </p:pic>
+      <p:cxnSp>
+        <p:nvCxnSpPr>
+          <p:cNvPr id="123" name="Connector: Elbow 122">
+            <a:extLst>
+              <a:ext uri="{FF2B5EF4-FFF2-40B4-BE49-F238E27FC236}">
+                <a16:creationId xmlns:a16="http://schemas.microsoft.com/office/drawing/2014/main" id="{2BDF90D1-BA5D-E7FD-8F39-41CE4095EE8E}"/>
+              </a:ext>
+            </a:extLst>
+          </p:cNvPr>
+          <p:cNvCxnSpPr>
+            <a:cxnSpLocks/>
+            <a:endCxn id="117" idx="1"/>
+          </p:cNvCxnSpPr>
+          <p:nvPr/>
+        </p:nvCxnSpPr>
+        <p:spPr>
+          <a:xfrm>
+            <a:off x="5489428" y="3725304"/>
+            <a:ext cx="1554261" cy="872739"/>
+          </a:xfrm>
+          <a:prstGeom prst="bentConnector3">
+            <a:avLst>
+              <a:gd name="adj1" fmla="val 71814"/>
+            </a:avLst>
+          </a:prstGeom>
+          <a:ln w="19050">
+            <a:solidFill>
+              <a:srgbClr val="C00000"/>
+            </a:solidFill>
+            <a:prstDash val="sysDash"/>
+            <a:headEnd type="triangle"/>
+            <a:tailEnd type="triangle"/>
+          </a:ln>
+        </p:spPr>
+        <p:style>
+          <a:lnRef idx="1">
+            <a:schemeClr val="accent1"/>
+          </a:lnRef>
+          <a:fillRef idx="0">
+            <a:schemeClr val="accent1"/>
+          </a:fillRef>
+          <a:effectRef idx="0">
+            <a:schemeClr val="accent1"/>
+          </a:effectRef>
+          <a:fontRef idx="minor">
+            <a:schemeClr val="tx1"/>
+          </a:fontRef>
+        </p:style>
+      </p:cxnSp>
+      <p:sp>
+        <p:nvSpPr>
+          <p:cNvPr id="124" name="TextBox 123">
+            <a:extLst>
+              <a:ext uri="{FF2B5EF4-FFF2-40B4-BE49-F238E27FC236}">
+                <a16:creationId xmlns:a16="http://schemas.microsoft.com/office/drawing/2014/main" id="{6373DE3E-5F52-3004-EFCE-5683D11F186D}"/>
+              </a:ext>
+            </a:extLst>
+          </p:cNvPr>
+          <p:cNvSpPr txBox="1"/>
+          <p:nvPr/>
+        </p:nvSpPr>
+        <p:spPr>
+          <a:xfrm>
+            <a:off x="5527112" y="3507253"/>
+            <a:ext cx="935982" cy="400110"/>
+          </a:xfrm>
+          <a:prstGeom prst="rect">
+            <a:avLst/>
+          </a:prstGeom>
+          <a:noFill/>
+        </p:spPr>
+        <p:txBody>
+          <a:bodyPr wrap="square">
+            <a:spAutoFit/>
+          </a:bodyPr>
+          <a:lstStyle/>
+          <a:p>
+            <a:r>
+              <a:rPr lang="en-SG" sz="1000" b="1" i="0" dirty="0">
+                <a:solidFill>
+                  <a:schemeClr val="accent6">
+                    <a:lumMod val="40000"/>
+                    <a:lumOff val="60000"/>
+                  </a:schemeClr>
+                </a:solidFill>
+                <a:effectLst/>
+              </a:rPr>
+              <a:t>Electrical </a:t>
+            </a:r>
+            <a:r>
+              <a:rPr lang="en-US" sz="1000" b="1" dirty="0">
+                <a:solidFill>
+                  <a:schemeClr val="accent6">
+                    <a:lumMod val="40000"/>
+                    <a:lumOff val="60000"/>
+                  </a:schemeClr>
+                </a:solidFill>
+              </a:rPr>
+              <a:t>signal I/O </a:t>
+            </a:r>
+            <a:endParaRPr lang="en-SG" sz="1000" b="1" dirty="0">
+              <a:solidFill>
+                <a:schemeClr val="accent6">
+                  <a:lumMod val="40000"/>
+                  <a:lumOff val="60000"/>
+                </a:schemeClr>
+              </a:solidFill>
+            </a:endParaRPr>
+          </a:p>
+        </p:txBody>
+      </p:sp>
+      <p:cxnSp>
+        <p:nvCxnSpPr>
+          <p:cNvPr id="128" name="Connector: Elbow 127">
+            <a:extLst>
+              <a:ext uri="{FF2B5EF4-FFF2-40B4-BE49-F238E27FC236}">
+                <a16:creationId xmlns:a16="http://schemas.microsoft.com/office/drawing/2014/main" id="{48522C2D-FE8C-69B7-509E-1FA5936EB8F6}"/>
+              </a:ext>
+            </a:extLst>
+          </p:cNvPr>
+          <p:cNvCxnSpPr>
+            <a:cxnSpLocks/>
+            <a:stCxn id="16" idx="3"/>
+          </p:cNvCxnSpPr>
+          <p:nvPr/>
+        </p:nvCxnSpPr>
+        <p:spPr>
+          <a:xfrm>
+            <a:off x="5383785" y="4737114"/>
+            <a:ext cx="1597299" cy="552567"/>
+          </a:xfrm>
+          <a:prstGeom prst="bentConnector3">
+            <a:avLst>
+              <a:gd name="adj1" fmla="val 50000"/>
+            </a:avLst>
+          </a:prstGeom>
+          <a:ln w="19050">
+            <a:solidFill>
+              <a:srgbClr val="C00000"/>
+            </a:solidFill>
+            <a:prstDash val="sysDash"/>
+            <a:headEnd type="triangle"/>
+            <a:tailEnd type="triangle"/>
+          </a:ln>
+        </p:spPr>
+        <p:style>
+          <a:lnRef idx="1">
+            <a:schemeClr val="accent1"/>
+          </a:lnRef>
+          <a:fillRef idx="0">
+            <a:schemeClr val="accent1"/>
+          </a:fillRef>
+          <a:effectRef idx="0">
+            <a:schemeClr val="accent1"/>
+          </a:effectRef>
+          <a:fontRef idx="minor">
+            <a:schemeClr val="tx1"/>
+          </a:fontRef>
+        </p:style>
+      </p:cxnSp>
+      <p:cxnSp>
+        <p:nvCxnSpPr>
+          <p:cNvPr id="134" name="Straight Arrow Connector 133">
+            <a:extLst>
+              <a:ext uri="{FF2B5EF4-FFF2-40B4-BE49-F238E27FC236}">
+                <a16:creationId xmlns:a16="http://schemas.microsoft.com/office/drawing/2014/main" id="{C4C8946A-F39E-E3D0-36C0-9B04524EE234}"/>
+              </a:ext>
+            </a:extLst>
+          </p:cNvPr>
+          <p:cNvCxnSpPr>
+            <a:cxnSpLocks/>
+          </p:cNvCxnSpPr>
+          <p:nvPr/>
+        </p:nvCxnSpPr>
+        <p:spPr>
+          <a:xfrm flipH="1" flipV="1">
+            <a:off x="5489428" y="5548386"/>
+            <a:ext cx="1491656" cy="0"/>
+          </a:xfrm>
+          <a:prstGeom prst="straightConnector1">
+            <a:avLst/>
+          </a:prstGeom>
+          <a:ln>
+            <a:solidFill>
+              <a:srgbClr val="C00000"/>
+            </a:solidFill>
+            <a:prstDash val="sysDash"/>
+            <a:tailEnd type="triangle"/>
+          </a:ln>
+        </p:spPr>
+        <p:style>
+          <a:lnRef idx="2">
+            <a:schemeClr val="accent1"/>
+          </a:lnRef>
+          <a:fillRef idx="0">
+            <a:schemeClr val="accent1"/>
+          </a:fillRef>
+          <a:effectRef idx="1">
+            <a:schemeClr val="accent1"/>
+          </a:effectRef>
+          <a:fontRef idx="minor">
+            <a:schemeClr val="tx1"/>
+          </a:fontRef>
+        </p:style>
+      </p:cxnSp>
+      <p:sp>
+        <p:nvSpPr>
+          <p:cNvPr id="136" name="TextBox 135">
+            <a:extLst>
+              <a:ext uri="{FF2B5EF4-FFF2-40B4-BE49-F238E27FC236}">
+                <a16:creationId xmlns:a16="http://schemas.microsoft.com/office/drawing/2014/main" id="{12B4C71B-2FA5-FA32-7D2C-86ECB77BFA38}"/>
+              </a:ext>
+            </a:extLst>
+          </p:cNvPr>
+          <p:cNvSpPr txBox="1"/>
+          <p:nvPr/>
+        </p:nvSpPr>
+        <p:spPr>
+          <a:xfrm>
+            <a:off x="5572117" y="5289681"/>
+            <a:ext cx="935982" cy="246221"/>
+          </a:xfrm>
+          <a:prstGeom prst="rect">
+            <a:avLst/>
+          </a:prstGeom>
+          <a:noFill/>
+        </p:spPr>
+        <p:txBody>
+          <a:bodyPr wrap="square">
+            <a:spAutoFit/>
+          </a:bodyPr>
+          <a:lstStyle/>
+          <a:p>
+            <a:r>
+              <a:rPr lang="en-US" sz="1000" b="1" dirty="0">
+                <a:solidFill>
+                  <a:schemeClr val="accent6">
+                    <a:lumMod val="40000"/>
+                    <a:lumOff val="60000"/>
+                  </a:schemeClr>
+                </a:solidFill>
+              </a:rPr>
+              <a:t>SV value </a:t>
+            </a:r>
+            <a:endParaRPr lang="en-SG" sz="1000" b="1" dirty="0">
+              <a:solidFill>
+                <a:schemeClr val="accent6">
+                  <a:lumMod val="40000"/>
+                  <a:lumOff val="60000"/>
+                </a:schemeClr>
+              </a:solidFill>
+            </a:endParaRPr>
+          </a:p>
+        </p:txBody>
+      </p:sp>
+      <p:pic>
+        <p:nvPicPr>
+          <p:cNvPr id="137" name="Picture 2" descr="Weather - Free weather icons">
+            <a:extLst>
+              <a:ext uri="{FF2B5EF4-FFF2-40B4-BE49-F238E27FC236}">
+                <a16:creationId xmlns:a16="http://schemas.microsoft.com/office/drawing/2014/main" id="{E718220F-06AB-FB3A-14B9-E90C01CA6D16}"/>
+              </a:ext>
+            </a:extLst>
+          </p:cNvPr>
+          <p:cNvPicPr>
+            <a:picLocks noChangeAspect="1" noChangeArrowheads="1"/>
+          </p:cNvPicPr>
+          <p:nvPr/>
+        </p:nvPicPr>
+        <p:blipFill>
+          <a:blip r:embed="rId13">
+            <a:extLst>
+              <a:ext uri="{28A0092B-C50C-407E-A947-70E740481C1C}">
+                <a14:useLocalDpi xmlns:a14="http://schemas.microsoft.com/office/drawing/2010/main" val="0"/>
+              </a:ext>
+            </a:extLst>
+          </a:blip>
+          <a:srcRect/>
+          <a:stretch>
+            <a:fillRect/>
+          </a:stretch>
+        </p:blipFill>
+        <p:spPr bwMode="auto">
+          <a:xfrm>
+            <a:off x="10269772" y="1880119"/>
+            <a:ext cx="753707" cy="753707"/>
+          </a:xfrm>
+          <a:prstGeom prst="rect">
+            <a:avLst/>
+          </a:prstGeom>
+          <a:noFill/>
+          <a:ln w="19050">
+            <a:solidFill>
+              <a:schemeClr val="accent3">
+                <a:lumMod val="75000"/>
+              </a:schemeClr>
+            </a:solidFill>
+            <a:prstDash val="sysDash"/>
+          </a:ln>
+          <a:extLst>
+            <a:ext uri="{909E8E84-426E-40DD-AFC4-6F175D3DCCD1}">
+              <a14:hiddenFill xmlns:a14="http://schemas.microsoft.com/office/drawing/2010/main">
+                <a:solidFill>
+                  <a:srgbClr val="FFFFFF"/>
+                </a:solidFill>
+              </a14:hiddenFill>
+            </a:ext>
+          </a:extLst>
+        </p:spPr>
+      </p:pic>
+      <p:pic>
+        <p:nvPicPr>
+          <p:cNvPr id="138" name="Picture 137">
+            <a:extLst>
+              <a:ext uri="{FF2B5EF4-FFF2-40B4-BE49-F238E27FC236}">
+                <a16:creationId xmlns:a16="http://schemas.microsoft.com/office/drawing/2014/main" id="{3D73C4F6-1676-89C4-FA22-D50FD7C71594}"/>
+              </a:ext>
+            </a:extLst>
+          </p:cNvPr>
+          <p:cNvPicPr>
+            <a:picLocks noChangeAspect="1"/>
+          </p:cNvPicPr>
+          <p:nvPr/>
+        </p:nvPicPr>
+        <p:blipFill>
+          <a:blip r:embed="rId6"/>
+          <a:stretch>
+            <a:fillRect/>
+          </a:stretch>
+        </p:blipFill>
+        <p:spPr>
+          <a:xfrm>
+            <a:off x="9794224" y="4086346"/>
+            <a:ext cx="389582" cy="307336"/>
+          </a:xfrm>
+          <a:prstGeom prst="rect">
+            <a:avLst/>
+          </a:prstGeom>
+          <a:ln w="9525">
+            <a:solidFill>
+              <a:schemeClr val="tx1"/>
+            </a:solidFill>
+          </a:ln>
+        </p:spPr>
+      </p:pic>
+      <p:cxnSp>
+        <p:nvCxnSpPr>
+          <p:cNvPr id="139" name="Straight Arrow Connector 138">
+            <a:extLst>
+              <a:ext uri="{FF2B5EF4-FFF2-40B4-BE49-F238E27FC236}">
+                <a16:creationId xmlns:a16="http://schemas.microsoft.com/office/drawing/2014/main" id="{4EBDFC44-AEFE-36C3-EA2B-A76212388521}"/>
+              </a:ext>
+            </a:extLst>
+          </p:cNvPr>
+          <p:cNvCxnSpPr>
+            <a:cxnSpLocks/>
+          </p:cNvCxnSpPr>
+          <p:nvPr/>
+        </p:nvCxnSpPr>
+        <p:spPr>
+          <a:xfrm flipH="1">
+            <a:off x="10183806" y="4217991"/>
+            <a:ext cx="462819" cy="0"/>
+          </a:xfrm>
+          <a:prstGeom prst="straightConnector1">
+            <a:avLst/>
+          </a:prstGeom>
+          <a:ln>
+            <a:solidFill>
+              <a:schemeClr val="accent3">
+                <a:lumMod val="75000"/>
+              </a:schemeClr>
+            </a:solidFill>
+            <a:prstDash val="sysDash"/>
+            <a:tailEnd type="triangle"/>
+          </a:ln>
+        </p:spPr>
+        <p:style>
+          <a:lnRef idx="2">
+            <a:schemeClr val="accent1"/>
+          </a:lnRef>
+          <a:fillRef idx="0">
+            <a:schemeClr val="accent1"/>
+          </a:fillRef>
+          <a:effectRef idx="1">
+            <a:schemeClr val="accent1"/>
+          </a:effectRef>
+          <a:fontRef idx="minor">
+            <a:schemeClr val="tx1"/>
+          </a:fontRef>
+        </p:style>
+      </p:cxnSp>
+      <p:cxnSp>
+        <p:nvCxnSpPr>
+          <p:cNvPr id="140" name="Straight Connector 139">
+            <a:extLst>
+              <a:ext uri="{FF2B5EF4-FFF2-40B4-BE49-F238E27FC236}">
+                <a16:creationId xmlns:a16="http://schemas.microsoft.com/office/drawing/2014/main" id="{9D4ACDD4-9070-0A3D-E27C-953ACA483673}"/>
+              </a:ext>
+            </a:extLst>
+          </p:cNvPr>
+          <p:cNvCxnSpPr>
+            <a:cxnSpLocks/>
+            <a:stCxn id="137" idx="2"/>
+          </p:cNvCxnSpPr>
+          <p:nvPr/>
+        </p:nvCxnSpPr>
+        <p:spPr>
+          <a:xfrm>
+            <a:off x="10646626" y="2633826"/>
+            <a:ext cx="0" cy="1577004"/>
+          </a:xfrm>
+          <a:prstGeom prst="line">
+            <a:avLst/>
+          </a:prstGeom>
+          <a:ln>
+            <a:solidFill>
+              <a:schemeClr val="accent3">
+                <a:lumMod val="75000"/>
+              </a:schemeClr>
+            </a:solidFill>
+            <a:prstDash val="sysDash"/>
+          </a:ln>
+        </p:spPr>
+        <p:style>
+          <a:lnRef idx="2">
+            <a:schemeClr val="accent1"/>
+          </a:lnRef>
+          <a:fillRef idx="0">
+            <a:schemeClr val="accent1"/>
+          </a:fillRef>
+          <a:effectRef idx="1">
+            <a:schemeClr val="accent1"/>
+          </a:effectRef>
+          <a:fontRef idx="minor">
+            <a:schemeClr val="tx1"/>
+          </a:fontRef>
+        </p:style>
+      </p:cxnSp>
+      <p:cxnSp>
+        <p:nvCxnSpPr>
+          <p:cNvPr id="147" name="Straight Connector 146">
+            <a:extLst>
+              <a:ext uri="{FF2B5EF4-FFF2-40B4-BE49-F238E27FC236}">
+                <a16:creationId xmlns:a16="http://schemas.microsoft.com/office/drawing/2014/main" id="{02284D82-2D05-F94B-18C8-ECEE27E71F7B}"/>
+              </a:ext>
+            </a:extLst>
+          </p:cNvPr>
+          <p:cNvCxnSpPr>
+            <a:cxnSpLocks/>
+          </p:cNvCxnSpPr>
+          <p:nvPr/>
+        </p:nvCxnSpPr>
+        <p:spPr>
+          <a:xfrm flipH="1">
+            <a:off x="9370203" y="4244516"/>
+            <a:ext cx="424021" cy="0"/>
+          </a:xfrm>
+          <a:prstGeom prst="line">
+            <a:avLst/>
+          </a:prstGeom>
+          <a:ln>
+            <a:solidFill>
+              <a:schemeClr val="accent3">
+                <a:lumMod val="75000"/>
+              </a:schemeClr>
+            </a:solidFill>
+            <a:prstDash val="sysDash"/>
+          </a:ln>
+        </p:spPr>
+        <p:style>
+          <a:lnRef idx="2">
+            <a:schemeClr val="accent1"/>
+          </a:lnRef>
+          <a:fillRef idx="0">
+            <a:schemeClr val="accent1"/>
+          </a:fillRef>
+          <a:effectRef idx="1">
+            <a:schemeClr val="accent1"/>
+          </a:effectRef>
+          <a:fontRef idx="minor">
+            <a:schemeClr val="tx1"/>
+          </a:fontRef>
+        </p:style>
+      </p:cxnSp>
+      <p:cxnSp>
+        <p:nvCxnSpPr>
+          <p:cNvPr id="149" name="Straight Arrow Connector 148">
+            <a:extLst>
+              <a:ext uri="{FF2B5EF4-FFF2-40B4-BE49-F238E27FC236}">
+                <a16:creationId xmlns:a16="http://schemas.microsoft.com/office/drawing/2014/main" id="{D1FA3F1A-5547-CA3D-F772-A509A67F9BB1}"/>
+              </a:ext>
+            </a:extLst>
+          </p:cNvPr>
+          <p:cNvCxnSpPr>
+            <a:cxnSpLocks/>
+          </p:cNvCxnSpPr>
+          <p:nvPr/>
+        </p:nvCxnSpPr>
+        <p:spPr>
+          <a:xfrm flipV="1">
+            <a:off x="9370203" y="3938925"/>
+            <a:ext cx="0" cy="299647"/>
+          </a:xfrm>
+          <a:prstGeom prst="straightConnector1">
+            <a:avLst/>
+          </a:prstGeom>
+          <a:ln>
+            <a:solidFill>
+              <a:schemeClr val="accent3">
+                <a:lumMod val="75000"/>
+              </a:schemeClr>
+            </a:solidFill>
+            <a:prstDash val="sysDash"/>
+            <a:tailEnd type="triangle"/>
+          </a:ln>
+        </p:spPr>
+        <p:style>
+          <a:lnRef idx="2">
+            <a:schemeClr val="accent1"/>
+          </a:lnRef>
+          <a:fillRef idx="0">
+            <a:schemeClr val="accent1"/>
+          </a:fillRef>
+          <a:effectRef idx="1">
+            <a:schemeClr val="accent1"/>
+          </a:effectRef>
+          <a:fontRef idx="minor">
+            <a:schemeClr val="tx1"/>
+          </a:fontRef>
+        </p:style>
+      </p:cxnSp>
+      <p:sp>
+        <p:nvSpPr>
+          <p:cNvPr id="152" name="Cloud 151">
+            <a:extLst>
+              <a:ext uri="{FF2B5EF4-FFF2-40B4-BE49-F238E27FC236}">
+                <a16:creationId xmlns:a16="http://schemas.microsoft.com/office/drawing/2014/main" id="{E2E54F92-9A84-92C5-2B64-038789348A67}"/>
+              </a:ext>
+            </a:extLst>
+          </p:cNvPr>
+          <p:cNvSpPr/>
+          <p:nvPr/>
+        </p:nvSpPr>
+        <p:spPr>
+          <a:xfrm>
+            <a:off x="10046282" y="3020803"/>
+            <a:ext cx="1046735" cy="660431"/>
+          </a:xfrm>
+          <a:prstGeom prst="cloud">
+            <a:avLst/>
+          </a:prstGeom>
+        </p:spPr>
+        <p:style>
+          <a:lnRef idx="2">
+            <a:schemeClr val="accent1">
+              <a:shade val="15000"/>
+            </a:schemeClr>
+          </a:lnRef>
+          <a:fillRef idx="1">
+            <a:schemeClr val="accent1"/>
+          </a:fillRef>
+          <a:effectRef idx="0">
+            <a:schemeClr val="accent1"/>
+          </a:effectRef>
+          <a:fontRef idx="minor">
+            <a:schemeClr val="lt1"/>
+          </a:fontRef>
+        </p:style>
+        <p:txBody>
+          <a:bodyPr rtlCol="0" anchor="ctr"/>
+          <a:lstStyle/>
+          <a:p>
+            <a:pPr algn="ctr"/>
+            <a:r>
+              <a:rPr lang="en-US" sz="1000" b="1" dirty="0"/>
+              <a:t>internet</a:t>
+            </a:r>
+            <a:endParaRPr lang="en-SG" sz="1000" b="1" dirty="0"/>
+          </a:p>
+        </p:txBody>
+      </p:sp>
+      <p:sp>
+        <p:nvSpPr>
+          <p:cNvPr id="153" name="TextBox 152">
+            <a:extLst>
+              <a:ext uri="{FF2B5EF4-FFF2-40B4-BE49-F238E27FC236}">
+                <a16:creationId xmlns:a16="http://schemas.microsoft.com/office/drawing/2014/main" id="{5799505C-DCD0-4279-20B0-100536A7DE70}"/>
+              </a:ext>
+            </a:extLst>
+          </p:cNvPr>
+          <p:cNvSpPr txBox="1"/>
+          <p:nvPr/>
+        </p:nvSpPr>
+        <p:spPr>
+          <a:xfrm>
+            <a:off x="10183806" y="1298353"/>
+            <a:ext cx="1159007" cy="600164"/>
+          </a:xfrm>
+          <a:prstGeom prst="rect">
+            <a:avLst/>
+          </a:prstGeom>
+          <a:noFill/>
+        </p:spPr>
+        <p:txBody>
+          <a:bodyPr wrap="square" rtlCol="0">
+            <a:spAutoFit/>
+          </a:bodyPr>
+          <a:lstStyle/>
+          <a:p>
+            <a:r>
+              <a:rPr lang="en-US" sz="1100" b="1" dirty="0">
+                <a:solidFill>
+                  <a:schemeClr val="accent2">
+                    <a:lumMod val="75000"/>
+                  </a:schemeClr>
+                </a:solidFill>
+              </a:rPr>
+              <a:t>Online real time city weather data </a:t>
+            </a:r>
+            <a:endParaRPr lang="en-SG" sz="1100" b="1" dirty="0">
+              <a:solidFill>
+                <a:schemeClr val="accent2">
+                  <a:lumMod val="75000"/>
+                </a:schemeClr>
+              </a:solidFill>
+            </a:endParaRPr>
+          </a:p>
+        </p:txBody>
+      </p:sp>
+      <p:cxnSp>
+        <p:nvCxnSpPr>
+          <p:cNvPr id="154" name="Connector: Elbow 153">
+            <a:extLst>
+              <a:ext uri="{FF2B5EF4-FFF2-40B4-BE49-F238E27FC236}">
+                <a16:creationId xmlns:a16="http://schemas.microsoft.com/office/drawing/2014/main" id="{4C478292-4E93-1E74-0608-9C31E99A8092}"/>
+              </a:ext>
+            </a:extLst>
+          </p:cNvPr>
+          <p:cNvCxnSpPr>
+            <a:cxnSpLocks/>
+            <a:endCxn id="157" idx="1"/>
+          </p:cNvCxnSpPr>
+          <p:nvPr/>
+        </p:nvCxnSpPr>
+        <p:spPr>
+          <a:xfrm rot="16200000" flipH="1">
+            <a:off x="8319441" y="4513016"/>
+            <a:ext cx="1514402" cy="393154"/>
+          </a:xfrm>
+          <a:prstGeom prst="bentConnector2">
+            <a:avLst/>
+          </a:prstGeom>
+          <a:ln w="19050">
+            <a:solidFill>
+              <a:srgbClr val="C00000"/>
+            </a:solidFill>
+            <a:prstDash val="sysDash"/>
+            <a:headEnd type="triangle"/>
+            <a:tailEnd type="triangle"/>
+          </a:ln>
+        </p:spPr>
+        <p:style>
+          <a:lnRef idx="1">
+            <a:schemeClr val="accent1"/>
+          </a:lnRef>
+          <a:fillRef idx="0">
+            <a:schemeClr val="accent1"/>
+          </a:fillRef>
+          <a:effectRef idx="0">
+            <a:schemeClr val="accent1"/>
+          </a:effectRef>
+          <a:fontRef idx="minor">
+            <a:schemeClr val="tx1"/>
+          </a:fontRef>
+        </p:style>
+      </p:cxnSp>
+      <p:pic>
+        <p:nvPicPr>
+          <p:cNvPr id="157" name="Picture 156">
+            <a:extLst>
+              <a:ext uri="{FF2B5EF4-FFF2-40B4-BE49-F238E27FC236}">
+                <a16:creationId xmlns:a16="http://schemas.microsoft.com/office/drawing/2014/main" id="{119C4FAE-F1DE-D122-582E-B837A3C10C28}"/>
+              </a:ext>
+            </a:extLst>
+          </p:cNvPr>
+          <p:cNvPicPr>
+            <a:picLocks noChangeAspect="1"/>
+          </p:cNvPicPr>
+          <p:nvPr/>
+        </p:nvPicPr>
+        <p:blipFill>
+          <a:blip r:embed="rId14"/>
+          <a:stretch>
+            <a:fillRect/>
+          </a:stretch>
+        </p:blipFill>
+        <p:spPr>
+          <a:xfrm>
+            <a:off x="9273219" y="4858354"/>
+            <a:ext cx="2122463" cy="1216879"/>
+          </a:xfrm>
+          <a:prstGeom prst="rect">
+            <a:avLst/>
+          </a:prstGeom>
+          <a:ln w="9525">
+            <a:solidFill>
+              <a:schemeClr val="tx1"/>
+            </a:solidFill>
+          </a:ln>
+        </p:spPr>
+      </p:pic>
+      <p:sp>
+        <p:nvSpPr>
+          <p:cNvPr id="167" name="TextBox 166">
+            <a:extLst>
+              <a:ext uri="{FF2B5EF4-FFF2-40B4-BE49-F238E27FC236}">
+                <a16:creationId xmlns:a16="http://schemas.microsoft.com/office/drawing/2014/main" id="{38B66B89-4D8B-D1A3-E392-4A1D6B07C5A6}"/>
+              </a:ext>
+            </a:extLst>
+          </p:cNvPr>
+          <p:cNvSpPr txBox="1"/>
+          <p:nvPr/>
+        </p:nvSpPr>
+        <p:spPr>
+          <a:xfrm>
+            <a:off x="9172571" y="4433042"/>
+            <a:ext cx="2370928" cy="461665"/>
+          </a:xfrm>
+          <a:prstGeom prst="rect">
+            <a:avLst/>
+          </a:prstGeom>
+          <a:noFill/>
+        </p:spPr>
+        <p:txBody>
+          <a:bodyPr wrap="square" rtlCol="0">
+            <a:spAutoFit/>
+          </a:bodyPr>
+          <a:lstStyle/>
+          <a:p>
+            <a:r>
+              <a:rPr lang="en-US" sz="1200" b="1" dirty="0"/>
+              <a:t>Other power customer physical world simulator/network </a:t>
+            </a:r>
+            <a:endParaRPr lang="en-SG" sz="1200" b="1" dirty="0"/>
+          </a:p>
+        </p:txBody>
+      </p:sp>
+      <p:cxnSp>
+        <p:nvCxnSpPr>
+          <p:cNvPr id="170" name="Straight Connector 169">
+            <a:extLst>
+              <a:ext uri="{FF2B5EF4-FFF2-40B4-BE49-F238E27FC236}">
+                <a16:creationId xmlns:a16="http://schemas.microsoft.com/office/drawing/2014/main" id="{1E04BDCF-5E4F-9C86-BD67-FFD6CDF5A238}"/>
+              </a:ext>
+            </a:extLst>
+          </p:cNvPr>
+          <p:cNvCxnSpPr>
+            <a:cxnSpLocks/>
+          </p:cNvCxnSpPr>
+          <p:nvPr/>
+        </p:nvCxnSpPr>
+        <p:spPr>
+          <a:xfrm>
+            <a:off x="4240251" y="3359908"/>
+            <a:ext cx="187974" cy="0"/>
+          </a:xfrm>
+          <a:prstGeom prst="line">
+            <a:avLst/>
+          </a:prstGeom>
+          <a:ln w="19050">
+            <a:solidFill>
+              <a:schemeClr val="bg1"/>
+            </a:solidFill>
+          </a:ln>
+        </p:spPr>
+        <p:style>
+          <a:lnRef idx="1">
+            <a:schemeClr val="dk1"/>
+          </a:lnRef>
+          <a:fillRef idx="0">
+            <a:schemeClr val="dk1"/>
+          </a:fillRef>
+          <a:effectRef idx="0">
+            <a:schemeClr val="dk1"/>
+          </a:effectRef>
+          <a:fontRef idx="minor">
+            <a:schemeClr val="tx1"/>
+          </a:fontRef>
+        </p:style>
+      </p:cxnSp>
+      <p:sp>
+        <p:nvSpPr>
+          <p:cNvPr id="172" name="TextBox 171">
+            <a:extLst>
+              <a:ext uri="{FF2B5EF4-FFF2-40B4-BE49-F238E27FC236}">
+                <a16:creationId xmlns:a16="http://schemas.microsoft.com/office/drawing/2014/main" id="{7E926E0C-896C-9B88-9FE8-CAEB1D083EA7}"/>
+              </a:ext>
+            </a:extLst>
+          </p:cNvPr>
+          <p:cNvSpPr txBox="1"/>
+          <p:nvPr/>
+        </p:nvSpPr>
+        <p:spPr>
+          <a:xfrm>
+            <a:off x="1027132" y="704977"/>
+            <a:ext cx="8145439" cy="369332"/>
+          </a:xfrm>
+          <a:prstGeom prst="rect">
+            <a:avLst/>
+          </a:prstGeom>
+          <a:noFill/>
+          <a:ln w="12700">
+            <a:solidFill>
+              <a:schemeClr val="tx1"/>
+            </a:solidFill>
+            <a:prstDash val="sysDash"/>
+          </a:ln>
+        </p:spPr>
+        <p:txBody>
+          <a:bodyPr wrap="square" rtlCol="0">
+            <a:spAutoFit/>
+          </a:bodyPr>
+          <a:lstStyle/>
+          <a:p>
+            <a:r>
+              <a:rPr lang="en-US" b="1" dirty="0"/>
+              <a:t>Power Grid OT Simulation System Network Diagram and Components View </a:t>
+            </a:r>
+            <a:endParaRPr lang="en-SG" b="1" dirty="0"/>
+          </a:p>
+        </p:txBody>
+      </p:sp>
+    </p:spTree>
+    <p:extLst>
+      <p:ext uri="{BB962C8B-B14F-4D97-AF65-F5344CB8AC3E}">
+        <p14:creationId xmlns:p14="http://schemas.microsoft.com/office/powerpoint/2010/main" val="1682714829"/>
+      </p:ext>
+    </p:extLst>
+  </p:cSld>
+  <p:clrMapOvr>
+    <a:masterClrMapping/>
+  </p:clrMapOvr>
+</p:sld>
+</file>
+
+<file path=ppt/slides/slide7.xml><?xml version="1.0" encoding="utf-8"?>
 <p:sld xmlns:a="http://schemas.openxmlformats.org/drawingml/2006/main" xmlns:r="http://schemas.openxmlformats.org/officeDocument/2006/relationships" xmlns:p="http://schemas.openxmlformats.org/presentationml/2006/main">
   <p:cSld>
     <p:spTree>

--- a/designDoc/designDoc.pptx
+++ b/designDoc/designDoc.pptx
@@ -5,7 +5,7 @@
     <p:sldMasterId id="2147483648" r:id="rId1"/>
   </p:sldMasterIdLst>
   <p:notesMasterIdLst>
-    <p:notesMasterId r:id="rId9"/>
+    <p:notesMasterId r:id="rId11"/>
   </p:notesMasterIdLst>
   <p:sldIdLst>
     <p:sldId id="256" r:id="rId2"/>
@@ -15,6 +15,8 @@
     <p:sldId id="260" r:id="rId6"/>
     <p:sldId id="262" r:id="rId7"/>
     <p:sldId id="261" r:id="rId8"/>
+    <p:sldId id="263" r:id="rId9"/>
+    <p:sldId id="264" r:id="rId10"/>
   </p:sldIdLst>
   <p:sldSz cx="12192000" cy="6858000"/>
   <p:notesSz cx="6858000" cy="9144000"/>
@@ -203,7 +205,7 @@
           <a:p>
             <a:fld id="{60A58DA9-13FF-4A44-80CD-EC4A25FA80B4}" type="datetimeFigureOut">
               <a:rPr lang="en-SG" smtClean="0"/>
-              <a:t>12/10/2024</a:t>
+              <a:t>13/10/2024</a:t>
             </a:fld>
             <a:endParaRPr lang="en-SG"/>
           </a:p>
@@ -639,6 +641,90 @@
 </p:notes>
 </file>
 
+<file path=ppt/notesSlides/notesSlide3.xml><?xml version="1.0" encoding="utf-8"?>
+<p:notes xmlns:a="http://schemas.openxmlformats.org/drawingml/2006/main" xmlns:r="http://schemas.openxmlformats.org/officeDocument/2006/relationships" xmlns:p="http://schemas.openxmlformats.org/presentationml/2006/main">
+  <p:cSld>
+    <p:spTree>
+      <p:nvGrpSpPr>
+        <p:cNvPr id="1" name=""/>
+        <p:cNvGrpSpPr/>
+        <p:nvPr/>
+      </p:nvGrpSpPr>
+      <p:grpSpPr>
+        <a:xfrm>
+          <a:off x="0" y="0"/>
+          <a:ext cx="0" cy="0"/>
+          <a:chOff x="0" y="0"/>
+          <a:chExt cx="0" cy="0"/>
+        </a:xfrm>
+      </p:grpSpPr>
+      <p:sp>
+        <p:nvSpPr>
+          <p:cNvPr id="2" name="Slide Image Placeholder 1"/>
+          <p:cNvSpPr>
+            <a:spLocks noGrp="1" noRot="1" noChangeAspect="1"/>
+          </p:cNvSpPr>
+          <p:nvPr>
+            <p:ph type="sldImg"/>
+          </p:nvPr>
+        </p:nvSpPr>
+        <p:spPr/>
+      </p:sp>
+      <p:sp>
+        <p:nvSpPr>
+          <p:cNvPr id="3" name="Notes Placeholder 2"/>
+          <p:cNvSpPr>
+            <a:spLocks noGrp="1"/>
+          </p:cNvSpPr>
+          <p:nvPr>
+            <p:ph type="body" idx="1"/>
+          </p:nvPr>
+        </p:nvSpPr>
+        <p:spPr/>
+        <p:txBody>
+          <a:bodyPr/>
+          <a:lstStyle/>
+          <a:p>
+            <a:endParaRPr lang="en-SG" dirty="0"/>
+          </a:p>
+        </p:txBody>
+      </p:sp>
+      <p:sp>
+        <p:nvSpPr>
+          <p:cNvPr id="4" name="Slide Number Placeholder 3"/>
+          <p:cNvSpPr>
+            <a:spLocks noGrp="1"/>
+          </p:cNvSpPr>
+          <p:nvPr>
+            <p:ph type="sldNum" sz="quarter" idx="5"/>
+          </p:nvPr>
+        </p:nvSpPr>
+        <p:spPr/>
+        <p:txBody>
+          <a:bodyPr/>
+          <a:lstStyle/>
+          <a:p>
+            <a:fld id="{2F8A4C87-30FF-4E0D-9FFA-CCB73B1DE919}" type="slidenum">
+              <a:rPr lang="en-SG" smtClean="0"/>
+              <a:t>8</a:t>
+            </a:fld>
+            <a:endParaRPr lang="en-SG"/>
+          </a:p>
+        </p:txBody>
+      </p:sp>
+    </p:spTree>
+    <p:extLst>
+      <p:ext uri="{BB962C8B-B14F-4D97-AF65-F5344CB8AC3E}">
+        <p14:creationId xmlns:p14="http://schemas.microsoft.com/office/powerpoint/2010/main" val="2609639645"/>
+      </p:ext>
+    </p:extLst>
+  </p:cSld>
+  <p:clrMapOvr>
+    <a:masterClrMapping/>
+  </p:clrMapOvr>
+</p:notes>
+</file>
+
 <file path=ppt/slideLayouts/slideLayout1.xml><?xml version="1.0" encoding="utf-8"?>
 <p:sldLayout xmlns:a="http://schemas.openxmlformats.org/drawingml/2006/main" xmlns:r="http://schemas.openxmlformats.org/officeDocument/2006/relationships" xmlns:p="http://schemas.openxmlformats.org/presentationml/2006/main" type="title" preserve="1">
   <p:cSld name="Title Slide">
@@ -788,7 +874,7 @@
           <a:p>
             <a:fld id="{DAB0784D-3A10-485A-BA3A-AF2134252110}" type="datetimeFigureOut">
               <a:rPr lang="en-SG" smtClean="0"/>
-              <a:t>12/10/2024</a:t>
+              <a:t>13/10/2024</a:t>
             </a:fld>
             <a:endParaRPr lang="en-SG"/>
           </a:p>
@@ -988,7 +1074,7 @@
           <a:p>
             <a:fld id="{DAB0784D-3A10-485A-BA3A-AF2134252110}" type="datetimeFigureOut">
               <a:rPr lang="en-SG" smtClean="0"/>
-              <a:t>12/10/2024</a:t>
+              <a:t>13/10/2024</a:t>
             </a:fld>
             <a:endParaRPr lang="en-SG"/>
           </a:p>
@@ -1198,7 +1284,7 @@
           <a:p>
             <a:fld id="{DAB0784D-3A10-485A-BA3A-AF2134252110}" type="datetimeFigureOut">
               <a:rPr lang="en-SG" smtClean="0"/>
-              <a:t>12/10/2024</a:t>
+              <a:t>13/10/2024</a:t>
             </a:fld>
             <a:endParaRPr lang="en-SG"/>
           </a:p>
@@ -1398,7 +1484,7 @@
           <a:p>
             <a:fld id="{DAB0784D-3A10-485A-BA3A-AF2134252110}" type="datetimeFigureOut">
               <a:rPr lang="en-SG" smtClean="0"/>
-              <a:t>12/10/2024</a:t>
+              <a:t>13/10/2024</a:t>
             </a:fld>
             <a:endParaRPr lang="en-SG"/>
           </a:p>
@@ -1674,7 +1760,7 @@
           <a:p>
             <a:fld id="{DAB0784D-3A10-485A-BA3A-AF2134252110}" type="datetimeFigureOut">
               <a:rPr lang="en-SG" smtClean="0"/>
-              <a:t>12/10/2024</a:t>
+              <a:t>13/10/2024</a:t>
             </a:fld>
             <a:endParaRPr lang="en-SG"/>
           </a:p>
@@ -1942,7 +2028,7 @@
           <a:p>
             <a:fld id="{DAB0784D-3A10-485A-BA3A-AF2134252110}" type="datetimeFigureOut">
               <a:rPr lang="en-SG" smtClean="0"/>
-              <a:t>12/10/2024</a:t>
+              <a:t>13/10/2024</a:t>
             </a:fld>
             <a:endParaRPr lang="en-SG"/>
           </a:p>
@@ -2357,7 +2443,7 @@
           <a:p>
             <a:fld id="{DAB0784D-3A10-485A-BA3A-AF2134252110}" type="datetimeFigureOut">
               <a:rPr lang="en-SG" smtClean="0"/>
-              <a:t>12/10/2024</a:t>
+              <a:t>13/10/2024</a:t>
             </a:fld>
             <a:endParaRPr lang="en-SG"/>
           </a:p>
@@ -2499,7 +2585,7 @@
           <a:p>
             <a:fld id="{DAB0784D-3A10-485A-BA3A-AF2134252110}" type="datetimeFigureOut">
               <a:rPr lang="en-SG" smtClean="0"/>
-              <a:t>12/10/2024</a:t>
+              <a:t>13/10/2024</a:t>
             </a:fld>
             <a:endParaRPr lang="en-SG"/>
           </a:p>
@@ -2612,7 +2698,7 @@
           <a:p>
             <a:fld id="{DAB0784D-3A10-485A-BA3A-AF2134252110}" type="datetimeFigureOut">
               <a:rPr lang="en-SG" smtClean="0"/>
-              <a:t>12/10/2024</a:t>
+              <a:t>13/10/2024</a:t>
             </a:fld>
             <a:endParaRPr lang="en-SG"/>
           </a:p>
@@ -2925,7 +3011,7 @@
           <a:p>
             <a:fld id="{DAB0784D-3A10-485A-BA3A-AF2134252110}" type="datetimeFigureOut">
               <a:rPr lang="en-SG" smtClean="0"/>
-              <a:t>12/10/2024</a:t>
+              <a:t>13/10/2024</a:t>
             </a:fld>
             <a:endParaRPr lang="en-SG"/>
           </a:p>
@@ -3214,7 +3300,7 @@
           <a:p>
             <a:fld id="{DAB0784D-3A10-485A-BA3A-AF2134252110}" type="datetimeFigureOut">
               <a:rPr lang="en-SG" smtClean="0"/>
-              <a:t>12/10/2024</a:t>
+              <a:t>13/10/2024</a:t>
             </a:fld>
             <a:endParaRPr lang="en-SG"/>
           </a:p>
@@ -3457,7 +3543,7 @@
           <a:p>
             <a:fld id="{DAB0784D-3A10-485A-BA3A-AF2134252110}" type="datetimeFigureOut">
               <a:rPr lang="en-SG" smtClean="0"/>
-              <a:t>12/10/2024</a:t>
+              <a:t>13/10/2024</a:t>
             </a:fld>
             <a:endParaRPr lang="en-SG"/>
           </a:p>
@@ -28678,6 +28764,1341 @@
     <p:extLst>
       <p:ext uri="{BB962C8B-B14F-4D97-AF65-F5344CB8AC3E}">
         <p14:creationId xmlns:p14="http://schemas.microsoft.com/office/powerpoint/2010/main" val="3956027493"/>
+      </p:ext>
+    </p:extLst>
+  </p:cSld>
+  <p:clrMapOvr>
+    <a:masterClrMapping/>
+  </p:clrMapOvr>
+</p:sld>
+</file>
+
+<file path=ppt/slides/slide8.xml><?xml version="1.0" encoding="utf-8"?>
+<p:sld xmlns:a="http://schemas.openxmlformats.org/drawingml/2006/main" xmlns:r="http://schemas.openxmlformats.org/officeDocument/2006/relationships" xmlns:p="http://schemas.openxmlformats.org/presentationml/2006/main">
+  <p:cSld>
+    <p:spTree>
+      <p:nvGrpSpPr>
+        <p:cNvPr id="1" name=""/>
+        <p:cNvGrpSpPr/>
+        <p:nvPr/>
+      </p:nvGrpSpPr>
+      <p:grpSpPr>
+        <a:xfrm>
+          <a:off x="0" y="0"/>
+          <a:ext cx="0" cy="0"/>
+          <a:chOff x="0" y="0"/>
+          <a:chExt cx="0" cy="0"/>
+        </a:xfrm>
+      </p:grpSpPr>
+      <p:pic>
+        <p:nvPicPr>
+          <p:cNvPr id="5" name="Picture 4" descr="A diagram of a computer server&#10;&#10;Description automatically generated">
+            <a:extLst>
+              <a:ext uri="{FF2B5EF4-FFF2-40B4-BE49-F238E27FC236}">
+                <a16:creationId xmlns:a16="http://schemas.microsoft.com/office/drawing/2014/main" id="{1B8EC2D4-0D3E-81A3-128B-49A6DCAD7C39}"/>
+              </a:ext>
+            </a:extLst>
+          </p:cNvPr>
+          <p:cNvPicPr>
+            <a:picLocks noChangeAspect="1"/>
+          </p:cNvPicPr>
+          <p:nvPr/>
+        </p:nvPicPr>
+        <p:blipFill>
+          <a:blip r:embed="rId3">
+            <a:extLst>
+              <a:ext uri="{28A0092B-C50C-407E-A947-70E740481C1C}">
+                <a14:useLocalDpi xmlns:a14="http://schemas.microsoft.com/office/drawing/2010/main" val="0"/>
+              </a:ext>
+            </a:extLst>
+          </a:blip>
+          <a:srcRect l="10355" t="4040" r="14772" b="5500"/>
+          <a:stretch/>
+        </p:blipFill>
+        <p:spPr>
+          <a:xfrm>
+            <a:off x="349954" y="496711"/>
+            <a:ext cx="6694312" cy="4549422"/>
+          </a:xfrm>
+          <a:prstGeom prst="rect">
+            <a:avLst/>
+          </a:prstGeom>
+        </p:spPr>
+      </p:pic>
+      <p:pic>
+        <p:nvPicPr>
+          <p:cNvPr id="7" name="Picture 6" descr="A diagram of a computer&#10;&#10;Description automatically generated">
+            <a:extLst>
+              <a:ext uri="{FF2B5EF4-FFF2-40B4-BE49-F238E27FC236}">
+                <a16:creationId xmlns:a16="http://schemas.microsoft.com/office/drawing/2014/main" id="{363851A7-7D25-858A-6416-376727D7B8A3}"/>
+              </a:ext>
+            </a:extLst>
+          </p:cNvPr>
+          <p:cNvPicPr>
+            <a:picLocks noChangeAspect="1"/>
+          </p:cNvPicPr>
+          <p:nvPr/>
+        </p:nvPicPr>
+        <p:blipFill>
+          <a:blip r:embed="rId4">
+            <a:extLst>
+              <a:ext uri="{28A0092B-C50C-407E-A947-70E740481C1C}">
+                <a14:useLocalDpi xmlns:a14="http://schemas.microsoft.com/office/drawing/2010/main" val="0"/>
+              </a:ext>
+            </a:extLst>
+          </a:blip>
+          <a:stretch>
+            <a:fillRect/>
+          </a:stretch>
+        </p:blipFill>
+        <p:spPr>
+          <a:xfrm>
+            <a:off x="6188691" y="2850146"/>
+            <a:ext cx="5537294" cy="2231345"/>
+          </a:xfrm>
+          <a:prstGeom prst="rect">
+            <a:avLst/>
+          </a:prstGeom>
+        </p:spPr>
+      </p:pic>
+      <p:sp>
+        <p:nvSpPr>
+          <p:cNvPr id="8" name="Rectangle 7">
+            <a:extLst>
+              <a:ext uri="{FF2B5EF4-FFF2-40B4-BE49-F238E27FC236}">
+                <a16:creationId xmlns:a16="http://schemas.microsoft.com/office/drawing/2014/main" id="{AAA24A25-04C1-5578-EC9A-7668E568064F}"/>
+              </a:ext>
+            </a:extLst>
+          </p:cNvPr>
+          <p:cNvSpPr/>
+          <p:nvPr/>
+        </p:nvSpPr>
+        <p:spPr>
+          <a:xfrm>
+            <a:off x="541867" y="2024009"/>
+            <a:ext cx="5125155" cy="3101147"/>
+          </a:xfrm>
+          <a:prstGeom prst="rect">
+            <a:avLst/>
+          </a:prstGeom>
+          <a:noFill/>
+          <a:ln>
+            <a:solidFill>
+              <a:schemeClr val="accent4">
+                <a:lumMod val="50000"/>
+              </a:schemeClr>
+            </a:solidFill>
+            <a:prstDash val="sysDash"/>
+          </a:ln>
+        </p:spPr>
+        <p:style>
+          <a:lnRef idx="2">
+            <a:schemeClr val="accent1">
+              <a:shade val="15000"/>
+            </a:schemeClr>
+          </a:lnRef>
+          <a:fillRef idx="1">
+            <a:schemeClr val="accent1"/>
+          </a:fillRef>
+          <a:effectRef idx="0">
+            <a:schemeClr val="accent1"/>
+          </a:effectRef>
+          <a:fontRef idx="minor">
+            <a:schemeClr val="lt1"/>
+          </a:fontRef>
+        </p:style>
+        <p:txBody>
+          <a:bodyPr rtlCol="0" anchor="ctr"/>
+          <a:lstStyle/>
+          <a:p>
+            <a:pPr algn="ctr"/>
+            <a:endParaRPr lang="en-SG" dirty="0"/>
+          </a:p>
+        </p:txBody>
+      </p:sp>
+      <p:sp>
+        <p:nvSpPr>
+          <p:cNvPr id="9" name="Arrow: Right 8">
+            <a:extLst>
+              <a:ext uri="{FF2B5EF4-FFF2-40B4-BE49-F238E27FC236}">
+                <a16:creationId xmlns:a16="http://schemas.microsoft.com/office/drawing/2014/main" id="{FB3DFE57-6593-90F1-B122-B46922F9419C}"/>
+              </a:ext>
+            </a:extLst>
+          </p:cNvPr>
+          <p:cNvSpPr/>
+          <p:nvPr/>
+        </p:nvSpPr>
+        <p:spPr>
+          <a:xfrm>
+            <a:off x="5455578" y="3739793"/>
+            <a:ext cx="821932" cy="308225"/>
+          </a:xfrm>
+          <a:prstGeom prst="rightArrow">
+            <a:avLst/>
+          </a:prstGeom>
+        </p:spPr>
+        <p:style>
+          <a:lnRef idx="2">
+            <a:schemeClr val="accent1">
+              <a:shade val="15000"/>
+            </a:schemeClr>
+          </a:lnRef>
+          <a:fillRef idx="1">
+            <a:schemeClr val="accent1"/>
+          </a:fillRef>
+          <a:effectRef idx="0">
+            <a:schemeClr val="accent1"/>
+          </a:effectRef>
+          <a:fontRef idx="minor">
+            <a:schemeClr val="lt1"/>
+          </a:fontRef>
+        </p:style>
+        <p:txBody>
+          <a:bodyPr rtlCol="0" anchor="ctr"/>
+          <a:lstStyle/>
+          <a:p>
+            <a:pPr algn="ctr"/>
+            <a:endParaRPr lang="en-SG"/>
+          </a:p>
+        </p:txBody>
+      </p:sp>
+      <p:sp>
+        <p:nvSpPr>
+          <p:cNvPr id="10" name="TextBox 9">
+            <a:extLst>
+              <a:ext uri="{FF2B5EF4-FFF2-40B4-BE49-F238E27FC236}">
+                <a16:creationId xmlns:a16="http://schemas.microsoft.com/office/drawing/2014/main" id="{98325CB0-2584-7696-BD93-2C37D4D17EAB}"/>
+              </a:ext>
+            </a:extLst>
+          </p:cNvPr>
+          <p:cNvSpPr txBox="1"/>
+          <p:nvPr/>
+        </p:nvSpPr>
+        <p:spPr>
+          <a:xfrm>
+            <a:off x="6524980" y="642377"/>
+            <a:ext cx="4358606" cy="2062103"/>
+          </a:xfrm>
+          <a:prstGeom prst="rect">
+            <a:avLst/>
+          </a:prstGeom>
+          <a:noFill/>
+        </p:spPr>
+        <p:txBody>
+          <a:bodyPr wrap="square" rtlCol="0">
+            <a:spAutoFit/>
+          </a:bodyPr>
+          <a:lstStyle/>
+          <a:p>
+            <a:r>
+              <a:rPr lang="en-US" sz="1600" b="1" dirty="0"/>
+              <a:t>Simulate the </a:t>
+            </a:r>
+          </a:p>
+          <a:p>
+            <a:endParaRPr lang="en-US" sz="1600" b="1" dirty="0"/>
+          </a:p>
+          <a:p>
+            <a:r>
+              <a:rPr lang="en-US" sz="1600" b="1" dirty="0">
+                <a:solidFill>
+                  <a:srgbClr val="0070C0"/>
+                </a:solidFill>
+              </a:rPr>
+              <a:t>MU </a:t>
+            </a:r>
+            <a:r>
+              <a:rPr lang="en-US" sz="1600" b="1" dirty="0">
+                <a:solidFill>
+                  <a:srgbClr val="0070C0"/>
+                </a:solidFill>
+                <a:sym typeface="Wingdings" panose="05000000000000000000" pitchFamily="2" charset="2"/>
+              </a:rPr>
+              <a:t> IED &lt;=  MMS =&gt; RTU &lt;= MMS =&gt; SCADA</a:t>
+            </a:r>
+          </a:p>
+          <a:p>
+            <a:endParaRPr lang="en-US" sz="1600" b="1" dirty="0">
+              <a:sym typeface="Wingdings" panose="05000000000000000000" pitchFamily="2" charset="2"/>
+            </a:endParaRPr>
+          </a:p>
+          <a:p>
+            <a:r>
+              <a:rPr lang="en-US" sz="1600" b="1" dirty="0">
+                <a:sym typeface="Wingdings" panose="05000000000000000000" pitchFamily="2" charset="2"/>
+              </a:rPr>
+              <a:t>With </a:t>
+            </a:r>
+          </a:p>
+          <a:p>
+            <a:endParaRPr lang="en-US" sz="1600" b="1" dirty="0">
+              <a:sym typeface="Wingdings" panose="05000000000000000000" pitchFamily="2" charset="2"/>
+            </a:endParaRPr>
+          </a:p>
+          <a:p>
+            <a:r>
+              <a:rPr lang="en-US" sz="1600" b="1" dirty="0">
+                <a:solidFill>
+                  <a:schemeClr val="accent6">
+                    <a:lumMod val="75000"/>
+                  </a:schemeClr>
+                </a:solidFill>
+                <a:sym typeface="Wingdings" panose="05000000000000000000" pitchFamily="2" charset="2"/>
+              </a:rPr>
+              <a:t>MU  PLC &lt;= S7Comm =&gt; HD676220-AD Converter  SCADA</a:t>
+            </a:r>
+            <a:endParaRPr lang="en-SG" sz="1600" b="1" dirty="0">
+              <a:solidFill>
+                <a:schemeClr val="accent6">
+                  <a:lumMod val="75000"/>
+                </a:schemeClr>
+              </a:solidFill>
+            </a:endParaRPr>
+          </a:p>
+        </p:txBody>
+      </p:sp>
+    </p:spTree>
+    <p:extLst>
+      <p:ext uri="{BB962C8B-B14F-4D97-AF65-F5344CB8AC3E}">
+        <p14:creationId xmlns:p14="http://schemas.microsoft.com/office/powerpoint/2010/main" val="190804645"/>
+      </p:ext>
+    </p:extLst>
+  </p:cSld>
+  <p:clrMapOvr>
+    <a:masterClrMapping/>
+  </p:clrMapOvr>
+</p:sld>
+</file>
+
+<file path=ppt/slides/slide9.xml><?xml version="1.0" encoding="utf-8"?>
+<p:sld xmlns:a="http://schemas.openxmlformats.org/drawingml/2006/main" xmlns:r="http://schemas.openxmlformats.org/officeDocument/2006/relationships" xmlns:p="http://schemas.openxmlformats.org/presentationml/2006/main">
+  <p:cSld>
+    <p:spTree>
+      <p:nvGrpSpPr>
+        <p:cNvPr id="1" name=""/>
+        <p:cNvGrpSpPr/>
+        <p:nvPr/>
+      </p:nvGrpSpPr>
+      <p:grpSpPr>
+        <a:xfrm>
+          <a:off x="0" y="0"/>
+          <a:ext cx="0" cy="0"/>
+          <a:chOff x="0" y="0"/>
+          <a:chExt cx="0" cy="0"/>
+        </a:xfrm>
+      </p:grpSpPr>
+      <p:pic>
+        <p:nvPicPr>
+          <p:cNvPr id="12" name="Picture 11">
+            <a:extLst>
+              <a:ext uri="{FF2B5EF4-FFF2-40B4-BE49-F238E27FC236}">
+                <a16:creationId xmlns:a16="http://schemas.microsoft.com/office/drawing/2014/main" id="{2B7140F6-787C-55D2-365C-C3D0C71CDB9E}"/>
+              </a:ext>
+            </a:extLst>
+          </p:cNvPr>
+          <p:cNvPicPr>
+            <a:picLocks noChangeAspect="1"/>
+          </p:cNvPicPr>
+          <p:nvPr/>
+        </p:nvPicPr>
+        <p:blipFill>
+          <a:blip r:embed="rId2"/>
+          <a:stretch>
+            <a:fillRect/>
+          </a:stretch>
+        </p:blipFill>
+        <p:spPr>
+          <a:xfrm>
+            <a:off x="845781" y="1286201"/>
+            <a:ext cx="2619048" cy="3504762"/>
+          </a:xfrm>
+          <a:prstGeom prst="rect">
+            <a:avLst/>
+          </a:prstGeom>
+        </p:spPr>
+      </p:pic>
+      <p:pic>
+        <p:nvPicPr>
+          <p:cNvPr id="6" name="Picture 5">
+            <a:extLst>
+              <a:ext uri="{FF2B5EF4-FFF2-40B4-BE49-F238E27FC236}">
+                <a16:creationId xmlns:a16="http://schemas.microsoft.com/office/drawing/2014/main" id="{EBE51B74-57B1-669A-AA41-3C839BBF9DB4}"/>
+              </a:ext>
+            </a:extLst>
+          </p:cNvPr>
+          <p:cNvPicPr>
+            <a:picLocks noChangeAspect="1"/>
+          </p:cNvPicPr>
+          <p:nvPr/>
+        </p:nvPicPr>
+        <p:blipFill>
+          <a:blip r:embed="rId3"/>
+          <a:stretch>
+            <a:fillRect/>
+          </a:stretch>
+        </p:blipFill>
+        <p:spPr>
+          <a:xfrm>
+            <a:off x="3821987" y="2696188"/>
+            <a:ext cx="485714" cy="466667"/>
+          </a:xfrm>
+          <a:prstGeom prst="rect">
+            <a:avLst/>
+          </a:prstGeom>
+        </p:spPr>
+      </p:pic>
+      <p:sp>
+        <p:nvSpPr>
+          <p:cNvPr id="7" name="TextBox 6">
+            <a:extLst>
+              <a:ext uri="{FF2B5EF4-FFF2-40B4-BE49-F238E27FC236}">
+                <a16:creationId xmlns:a16="http://schemas.microsoft.com/office/drawing/2014/main" id="{FC2B8337-BD0F-A008-CC3E-0B95C19475D0}"/>
+              </a:ext>
+            </a:extLst>
+          </p:cNvPr>
+          <p:cNvSpPr txBox="1"/>
+          <p:nvPr/>
+        </p:nvSpPr>
+        <p:spPr>
+          <a:xfrm>
+            <a:off x="3670141" y="2475939"/>
+            <a:ext cx="1246534" cy="261610"/>
+          </a:xfrm>
+          <a:prstGeom prst="rect">
+            <a:avLst/>
+          </a:prstGeom>
+          <a:noFill/>
+        </p:spPr>
+        <p:txBody>
+          <a:bodyPr wrap="square">
+            <a:spAutoFit/>
+          </a:bodyPr>
+          <a:lstStyle/>
+          <a:p>
+            <a:r>
+              <a:rPr lang="en-SG" sz="1100" b="1" dirty="0"/>
+              <a:t>Solar farm MU</a:t>
+            </a:r>
+          </a:p>
+        </p:txBody>
+      </p:sp>
+      <p:cxnSp>
+        <p:nvCxnSpPr>
+          <p:cNvPr id="9" name="Straight Connector 8">
+            <a:extLst>
+              <a:ext uri="{FF2B5EF4-FFF2-40B4-BE49-F238E27FC236}">
+                <a16:creationId xmlns:a16="http://schemas.microsoft.com/office/drawing/2014/main" id="{1DA65730-DA85-82E1-6727-5C9D802A6292}"/>
+              </a:ext>
+            </a:extLst>
+          </p:cNvPr>
+          <p:cNvCxnSpPr>
+            <a:cxnSpLocks/>
+            <a:endCxn id="6" idx="1"/>
+          </p:cNvCxnSpPr>
+          <p:nvPr/>
+        </p:nvCxnSpPr>
+        <p:spPr>
+          <a:xfrm>
+            <a:off x="2784297" y="2929522"/>
+            <a:ext cx="1037690" cy="0"/>
+          </a:xfrm>
+          <a:prstGeom prst="line">
+            <a:avLst/>
+          </a:prstGeom>
+          <a:ln>
+            <a:solidFill>
+              <a:srgbClr val="C00000"/>
+            </a:solidFill>
+            <a:prstDash val="sysDash"/>
+          </a:ln>
+        </p:spPr>
+        <p:style>
+          <a:lnRef idx="2">
+            <a:schemeClr val="accent1"/>
+          </a:lnRef>
+          <a:fillRef idx="0">
+            <a:schemeClr val="accent1"/>
+          </a:fillRef>
+          <a:effectRef idx="1">
+            <a:schemeClr val="accent1"/>
+          </a:effectRef>
+          <a:fontRef idx="minor">
+            <a:schemeClr val="tx1"/>
+          </a:fontRef>
+        </p:style>
+      </p:cxnSp>
+      <p:cxnSp>
+        <p:nvCxnSpPr>
+          <p:cNvPr id="14" name="Straight Connector 13">
+            <a:extLst>
+              <a:ext uri="{FF2B5EF4-FFF2-40B4-BE49-F238E27FC236}">
+                <a16:creationId xmlns:a16="http://schemas.microsoft.com/office/drawing/2014/main" id="{34F52C5C-80E2-CBA2-378A-A69C2DF93657}"/>
+              </a:ext>
+            </a:extLst>
+          </p:cNvPr>
+          <p:cNvCxnSpPr>
+            <a:cxnSpLocks/>
+          </p:cNvCxnSpPr>
+          <p:nvPr/>
+        </p:nvCxnSpPr>
+        <p:spPr>
+          <a:xfrm>
+            <a:off x="1700243" y="3994282"/>
+            <a:ext cx="2121744" cy="0"/>
+          </a:xfrm>
+          <a:prstGeom prst="line">
+            <a:avLst/>
+          </a:prstGeom>
+          <a:ln>
+            <a:solidFill>
+              <a:srgbClr val="C00000"/>
+            </a:solidFill>
+            <a:prstDash val="sysDash"/>
+          </a:ln>
+        </p:spPr>
+        <p:style>
+          <a:lnRef idx="2">
+            <a:schemeClr val="accent1"/>
+          </a:lnRef>
+          <a:fillRef idx="0">
+            <a:schemeClr val="accent1"/>
+          </a:fillRef>
+          <a:effectRef idx="1">
+            <a:schemeClr val="accent1"/>
+          </a:effectRef>
+          <a:fontRef idx="minor">
+            <a:schemeClr val="tx1"/>
+          </a:fontRef>
+        </p:style>
+      </p:cxnSp>
+      <p:pic>
+        <p:nvPicPr>
+          <p:cNvPr id="16" name="Picture 15">
+            <a:extLst>
+              <a:ext uri="{FF2B5EF4-FFF2-40B4-BE49-F238E27FC236}">
+                <a16:creationId xmlns:a16="http://schemas.microsoft.com/office/drawing/2014/main" id="{D3F284DA-910F-F839-17C2-19B27B353084}"/>
+              </a:ext>
+            </a:extLst>
+          </p:cNvPr>
+          <p:cNvPicPr>
+            <a:picLocks noChangeAspect="1"/>
+          </p:cNvPicPr>
+          <p:nvPr/>
+        </p:nvPicPr>
+        <p:blipFill>
+          <a:blip r:embed="rId3"/>
+          <a:stretch>
+            <a:fillRect/>
+          </a:stretch>
+        </p:blipFill>
+        <p:spPr>
+          <a:xfrm>
+            <a:off x="3791134" y="3695145"/>
+            <a:ext cx="485714" cy="466667"/>
+          </a:xfrm>
+          <a:prstGeom prst="rect">
+            <a:avLst/>
+          </a:prstGeom>
+        </p:spPr>
+      </p:pic>
+      <p:pic>
+        <p:nvPicPr>
+          <p:cNvPr id="18" name="Picture 17">
+            <a:extLst>
+              <a:ext uri="{FF2B5EF4-FFF2-40B4-BE49-F238E27FC236}">
+                <a16:creationId xmlns:a16="http://schemas.microsoft.com/office/drawing/2014/main" id="{BC5E373F-BF0F-9416-40DB-B9837BD8CF32}"/>
+              </a:ext>
+            </a:extLst>
+          </p:cNvPr>
+          <p:cNvPicPr>
+            <a:picLocks noChangeAspect="1"/>
+          </p:cNvPicPr>
+          <p:nvPr/>
+        </p:nvPicPr>
+        <p:blipFill>
+          <a:blip r:embed="rId3"/>
+          <a:stretch>
+            <a:fillRect/>
+          </a:stretch>
+        </p:blipFill>
+        <p:spPr>
+          <a:xfrm>
+            <a:off x="3791134" y="4329341"/>
+            <a:ext cx="485714" cy="466667"/>
+          </a:xfrm>
+          <a:prstGeom prst="rect">
+            <a:avLst/>
+          </a:prstGeom>
+        </p:spPr>
+      </p:pic>
+      <p:sp>
+        <p:nvSpPr>
+          <p:cNvPr id="19" name="TextBox 18">
+            <a:extLst>
+              <a:ext uri="{FF2B5EF4-FFF2-40B4-BE49-F238E27FC236}">
+                <a16:creationId xmlns:a16="http://schemas.microsoft.com/office/drawing/2014/main" id="{DA8FBCA6-B826-133E-20F4-7412A1C82088}"/>
+              </a:ext>
+            </a:extLst>
+          </p:cNvPr>
+          <p:cNvSpPr txBox="1"/>
+          <p:nvPr/>
+        </p:nvSpPr>
+        <p:spPr>
+          <a:xfrm>
+            <a:off x="3709333" y="3325945"/>
+            <a:ext cx="917598" cy="430887"/>
+          </a:xfrm>
+          <a:prstGeom prst="rect">
+            <a:avLst/>
+          </a:prstGeom>
+          <a:noFill/>
+        </p:spPr>
+        <p:txBody>
+          <a:bodyPr wrap="square">
+            <a:spAutoFit/>
+          </a:bodyPr>
+          <a:lstStyle/>
+          <a:p>
+            <a:r>
+              <a:rPr lang="en-SG" sz="1100" b="1" dirty="0"/>
+              <a:t>Solar storage MU</a:t>
+            </a:r>
+          </a:p>
+        </p:txBody>
+      </p:sp>
+      <p:cxnSp>
+        <p:nvCxnSpPr>
+          <p:cNvPr id="20" name="Straight Connector 19">
+            <a:extLst>
+              <a:ext uri="{FF2B5EF4-FFF2-40B4-BE49-F238E27FC236}">
+                <a16:creationId xmlns:a16="http://schemas.microsoft.com/office/drawing/2014/main" id="{A3BBCD53-9E94-DA95-60B9-C307D2A37C79}"/>
+              </a:ext>
+            </a:extLst>
+          </p:cNvPr>
+          <p:cNvCxnSpPr>
+            <a:cxnSpLocks/>
+            <a:endCxn id="18" idx="1"/>
+          </p:cNvCxnSpPr>
+          <p:nvPr/>
+        </p:nvCxnSpPr>
+        <p:spPr>
+          <a:xfrm>
+            <a:off x="2242270" y="4562674"/>
+            <a:ext cx="1548864" cy="1"/>
+          </a:xfrm>
+          <a:prstGeom prst="line">
+            <a:avLst/>
+          </a:prstGeom>
+          <a:ln>
+            <a:solidFill>
+              <a:srgbClr val="C00000"/>
+            </a:solidFill>
+            <a:prstDash val="sysDash"/>
+          </a:ln>
+        </p:spPr>
+        <p:style>
+          <a:lnRef idx="2">
+            <a:schemeClr val="accent1"/>
+          </a:lnRef>
+          <a:fillRef idx="0">
+            <a:schemeClr val="accent1"/>
+          </a:fillRef>
+          <a:effectRef idx="1">
+            <a:schemeClr val="accent1"/>
+          </a:effectRef>
+          <a:fontRef idx="minor">
+            <a:schemeClr val="tx1"/>
+          </a:fontRef>
+        </p:style>
+      </p:cxnSp>
+      <p:sp>
+        <p:nvSpPr>
+          <p:cNvPr id="22" name="TextBox 21">
+            <a:extLst>
+              <a:ext uri="{FF2B5EF4-FFF2-40B4-BE49-F238E27FC236}">
+                <a16:creationId xmlns:a16="http://schemas.microsoft.com/office/drawing/2014/main" id="{5B801450-A1B9-D162-16A8-2340DB72D24F}"/>
+              </a:ext>
+            </a:extLst>
+          </p:cNvPr>
+          <p:cNvSpPr txBox="1"/>
+          <p:nvPr/>
+        </p:nvSpPr>
+        <p:spPr>
+          <a:xfrm>
+            <a:off x="3574318" y="4133535"/>
+            <a:ext cx="1537501" cy="261610"/>
+          </a:xfrm>
+          <a:prstGeom prst="rect">
+            <a:avLst/>
+          </a:prstGeom>
+          <a:noFill/>
+        </p:spPr>
+        <p:txBody>
+          <a:bodyPr wrap="square">
+            <a:spAutoFit/>
+          </a:bodyPr>
+          <a:lstStyle/>
+          <a:p>
+            <a:r>
+              <a:rPr lang="en-SG" sz="1100" b="1" dirty="0"/>
+              <a:t>Transformer-01-MU</a:t>
+            </a:r>
+          </a:p>
+        </p:txBody>
+      </p:sp>
+      <p:cxnSp>
+        <p:nvCxnSpPr>
+          <p:cNvPr id="24" name="Connector: Elbow 23">
+            <a:extLst>
+              <a:ext uri="{FF2B5EF4-FFF2-40B4-BE49-F238E27FC236}">
+                <a16:creationId xmlns:a16="http://schemas.microsoft.com/office/drawing/2014/main" id="{CF4613A2-3F61-E8A9-025E-800FECB46958}"/>
+              </a:ext>
+            </a:extLst>
+          </p:cNvPr>
+          <p:cNvCxnSpPr>
+            <a:cxnSpLocks/>
+            <a:stCxn id="6" idx="3"/>
+          </p:cNvCxnSpPr>
+          <p:nvPr/>
+        </p:nvCxnSpPr>
+        <p:spPr>
+          <a:xfrm>
+            <a:off x="4307701" y="2929522"/>
+            <a:ext cx="531427" cy="699665"/>
+          </a:xfrm>
+          <a:prstGeom prst="bentConnector2">
+            <a:avLst/>
+          </a:prstGeom>
+        </p:spPr>
+        <p:style>
+          <a:lnRef idx="2">
+            <a:schemeClr val="accent1"/>
+          </a:lnRef>
+          <a:fillRef idx="0">
+            <a:schemeClr val="accent1"/>
+          </a:fillRef>
+          <a:effectRef idx="1">
+            <a:schemeClr val="accent1"/>
+          </a:effectRef>
+          <a:fontRef idx="minor">
+            <a:schemeClr val="tx1"/>
+          </a:fontRef>
+        </p:style>
+      </p:cxnSp>
+      <p:pic>
+        <p:nvPicPr>
+          <p:cNvPr id="26" name="Picture 25">
+            <a:extLst>
+              <a:ext uri="{FF2B5EF4-FFF2-40B4-BE49-F238E27FC236}">
+                <a16:creationId xmlns:a16="http://schemas.microsoft.com/office/drawing/2014/main" id="{F4791415-6A11-FABC-A480-5A8B5FFF3A41}"/>
+              </a:ext>
+            </a:extLst>
+          </p:cNvPr>
+          <p:cNvPicPr>
+            <a:picLocks noChangeAspect="1"/>
+          </p:cNvPicPr>
+          <p:nvPr/>
+        </p:nvPicPr>
+        <p:blipFill>
+          <a:blip r:embed="rId4"/>
+          <a:stretch>
+            <a:fillRect/>
+          </a:stretch>
+        </p:blipFill>
+        <p:spPr>
+          <a:xfrm>
+            <a:off x="4603153" y="3644352"/>
+            <a:ext cx="895236" cy="489183"/>
+          </a:xfrm>
+          <a:prstGeom prst="rect">
+            <a:avLst/>
+          </a:prstGeom>
+          <a:ln w="12700">
+            <a:solidFill>
+              <a:schemeClr val="tx1"/>
+            </a:solidFill>
+          </a:ln>
+        </p:spPr>
+      </p:pic>
+      <p:cxnSp>
+        <p:nvCxnSpPr>
+          <p:cNvPr id="29" name="Straight Connector 28">
+            <a:extLst>
+              <a:ext uri="{FF2B5EF4-FFF2-40B4-BE49-F238E27FC236}">
+                <a16:creationId xmlns:a16="http://schemas.microsoft.com/office/drawing/2014/main" id="{AEAFD911-0600-C185-E97E-CAE41C2951AF}"/>
+              </a:ext>
+            </a:extLst>
+          </p:cNvPr>
+          <p:cNvCxnSpPr>
+            <a:cxnSpLocks/>
+            <a:stCxn id="16" idx="3"/>
+            <a:endCxn id="26" idx="1"/>
+          </p:cNvCxnSpPr>
+          <p:nvPr/>
+        </p:nvCxnSpPr>
+        <p:spPr>
+          <a:xfrm flipV="1">
+            <a:off x="4276848" y="3888944"/>
+            <a:ext cx="326305" cy="0"/>
+          </a:xfrm>
+          <a:prstGeom prst="line">
+            <a:avLst/>
+          </a:prstGeom>
+        </p:spPr>
+        <p:style>
+          <a:lnRef idx="2">
+            <a:schemeClr val="accent1"/>
+          </a:lnRef>
+          <a:fillRef idx="0">
+            <a:schemeClr val="accent1"/>
+          </a:fillRef>
+          <a:effectRef idx="1">
+            <a:schemeClr val="accent1"/>
+          </a:effectRef>
+          <a:fontRef idx="minor">
+            <a:schemeClr val="tx1"/>
+          </a:fontRef>
+        </p:style>
+      </p:cxnSp>
+      <p:cxnSp>
+        <p:nvCxnSpPr>
+          <p:cNvPr id="31" name="Connector: Elbow 30">
+            <a:extLst>
+              <a:ext uri="{FF2B5EF4-FFF2-40B4-BE49-F238E27FC236}">
+                <a16:creationId xmlns:a16="http://schemas.microsoft.com/office/drawing/2014/main" id="{83CA1279-EDD7-B916-190D-2F7017EE6BD9}"/>
+              </a:ext>
+            </a:extLst>
+          </p:cNvPr>
+          <p:cNvCxnSpPr>
+            <a:cxnSpLocks/>
+            <a:endCxn id="26" idx="2"/>
+          </p:cNvCxnSpPr>
+          <p:nvPr/>
+        </p:nvCxnSpPr>
+        <p:spPr>
+          <a:xfrm flipV="1">
+            <a:off x="4174287" y="4133535"/>
+            <a:ext cx="876484" cy="429139"/>
+          </a:xfrm>
+          <a:prstGeom prst="bentConnector2">
+            <a:avLst/>
+          </a:prstGeom>
+        </p:spPr>
+        <p:style>
+          <a:lnRef idx="2">
+            <a:schemeClr val="accent1"/>
+          </a:lnRef>
+          <a:fillRef idx="0">
+            <a:schemeClr val="accent1"/>
+          </a:fillRef>
+          <a:effectRef idx="1">
+            <a:schemeClr val="accent1"/>
+          </a:effectRef>
+          <a:fontRef idx="minor">
+            <a:schemeClr val="tx1"/>
+          </a:fontRef>
+        </p:style>
+      </p:cxnSp>
+      <p:cxnSp>
+        <p:nvCxnSpPr>
+          <p:cNvPr id="35" name="Straight Connector 34">
+            <a:extLst>
+              <a:ext uri="{FF2B5EF4-FFF2-40B4-BE49-F238E27FC236}">
+                <a16:creationId xmlns:a16="http://schemas.microsoft.com/office/drawing/2014/main" id="{02087A92-238E-51D3-CDAE-6C5D1F227805}"/>
+              </a:ext>
+            </a:extLst>
+          </p:cNvPr>
+          <p:cNvCxnSpPr>
+            <a:stCxn id="26" idx="3"/>
+          </p:cNvCxnSpPr>
+          <p:nvPr/>
+        </p:nvCxnSpPr>
+        <p:spPr>
+          <a:xfrm flipV="1">
+            <a:off x="5498389" y="3888943"/>
+            <a:ext cx="871589" cy="1"/>
+          </a:xfrm>
+          <a:prstGeom prst="line">
+            <a:avLst/>
+          </a:prstGeom>
+        </p:spPr>
+        <p:style>
+          <a:lnRef idx="2">
+            <a:schemeClr val="accent1"/>
+          </a:lnRef>
+          <a:fillRef idx="0">
+            <a:schemeClr val="accent1"/>
+          </a:fillRef>
+          <a:effectRef idx="1">
+            <a:schemeClr val="accent1"/>
+          </a:effectRef>
+          <a:fontRef idx="minor">
+            <a:schemeClr val="tx1"/>
+          </a:fontRef>
+        </p:style>
+      </p:cxnSp>
+      <p:sp>
+        <p:nvSpPr>
+          <p:cNvPr id="36" name="TextBox 35">
+            <a:extLst>
+              <a:ext uri="{FF2B5EF4-FFF2-40B4-BE49-F238E27FC236}">
+                <a16:creationId xmlns:a16="http://schemas.microsoft.com/office/drawing/2014/main" id="{DFBA27CA-B484-5EBC-A0A7-96888CD00718}"/>
+              </a:ext>
+            </a:extLst>
+          </p:cNvPr>
+          <p:cNvSpPr txBox="1"/>
+          <p:nvPr/>
+        </p:nvSpPr>
+        <p:spPr>
+          <a:xfrm>
+            <a:off x="4890860" y="3403424"/>
+            <a:ext cx="549146" cy="261610"/>
+          </a:xfrm>
+          <a:prstGeom prst="rect">
+            <a:avLst/>
+          </a:prstGeom>
+          <a:noFill/>
+        </p:spPr>
+        <p:txBody>
+          <a:bodyPr wrap="square">
+            <a:spAutoFit/>
+          </a:bodyPr>
+          <a:lstStyle/>
+          <a:p>
+            <a:r>
+              <a:rPr lang="en-US" sz="1100" b="1" dirty="0"/>
+              <a:t>RTU</a:t>
+            </a:r>
+            <a:endParaRPr lang="en-SG" sz="1100" b="1" dirty="0"/>
+          </a:p>
+        </p:txBody>
+      </p:sp>
+      <p:sp>
+        <p:nvSpPr>
+          <p:cNvPr id="37" name="TextBox 36">
+            <a:extLst>
+              <a:ext uri="{FF2B5EF4-FFF2-40B4-BE49-F238E27FC236}">
+                <a16:creationId xmlns:a16="http://schemas.microsoft.com/office/drawing/2014/main" id="{4D2A2767-BA1F-85EE-8665-5E2A88BE7BC9}"/>
+              </a:ext>
+            </a:extLst>
+          </p:cNvPr>
+          <p:cNvSpPr txBox="1"/>
+          <p:nvPr/>
+        </p:nvSpPr>
+        <p:spPr>
+          <a:xfrm>
+            <a:off x="5491738" y="3621492"/>
+            <a:ext cx="871588" cy="276999"/>
+          </a:xfrm>
+          <a:prstGeom prst="rect">
+            <a:avLst/>
+          </a:prstGeom>
+          <a:noFill/>
+        </p:spPr>
+        <p:txBody>
+          <a:bodyPr wrap="square">
+            <a:spAutoFit/>
+          </a:bodyPr>
+          <a:lstStyle/>
+          <a:p>
+            <a:r>
+              <a:rPr lang="en-US" sz="1200" b="1" dirty="0">
+                <a:solidFill>
+                  <a:srgbClr val="002060"/>
+                </a:solidFill>
+              </a:rPr>
+              <a:t>S7Comm</a:t>
+            </a:r>
+            <a:endParaRPr lang="en-SG" sz="1200" b="1" dirty="0">
+              <a:solidFill>
+                <a:srgbClr val="002060"/>
+              </a:solidFill>
+            </a:endParaRPr>
+          </a:p>
+        </p:txBody>
+      </p:sp>
+      <p:pic>
+        <p:nvPicPr>
+          <p:cNvPr id="40" name="Picture 39">
+            <a:extLst>
+              <a:ext uri="{FF2B5EF4-FFF2-40B4-BE49-F238E27FC236}">
+                <a16:creationId xmlns:a16="http://schemas.microsoft.com/office/drawing/2014/main" id="{92C9EC9D-38CA-E5B8-F2A7-E87647E5527B}"/>
+              </a:ext>
+            </a:extLst>
+          </p:cNvPr>
+          <p:cNvPicPr>
+            <a:picLocks noChangeAspect="1"/>
+          </p:cNvPicPr>
+          <p:nvPr/>
+        </p:nvPicPr>
+        <p:blipFill>
+          <a:blip r:embed="rId5"/>
+          <a:srcRect t="-1" b="6117"/>
+          <a:stretch/>
+        </p:blipFill>
+        <p:spPr>
+          <a:xfrm>
+            <a:off x="6376629" y="3346663"/>
+            <a:ext cx="3628571" cy="1216009"/>
+          </a:xfrm>
+          <a:prstGeom prst="rect">
+            <a:avLst/>
+          </a:prstGeom>
+          <a:ln w="12700">
+            <a:solidFill>
+              <a:schemeClr val="tx1"/>
+            </a:solidFill>
+          </a:ln>
+        </p:spPr>
+      </p:pic>
+      <p:sp>
+        <p:nvSpPr>
+          <p:cNvPr id="38" name="TextBox 37">
+            <a:extLst>
+              <a:ext uri="{FF2B5EF4-FFF2-40B4-BE49-F238E27FC236}">
+                <a16:creationId xmlns:a16="http://schemas.microsoft.com/office/drawing/2014/main" id="{16C335C5-BB8D-58E2-7CE1-C11976146DA4}"/>
+              </a:ext>
+            </a:extLst>
+          </p:cNvPr>
+          <p:cNvSpPr txBox="1"/>
+          <p:nvPr/>
+        </p:nvSpPr>
+        <p:spPr>
+          <a:xfrm>
+            <a:off x="6376629" y="4136625"/>
+            <a:ext cx="3628571" cy="430887"/>
+          </a:xfrm>
+          <a:prstGeom prst="rect">
+            <a:avLst/>
+          </a:prstGeom>
+          <a:solidFill>
+            <a:schemeClr val="bg2">
+              <a:lumMod val="90000"/>
+            </a:schemeClr>
+          </a:solidFill>
+          <a:ln w="19050">
+            <a:solidFill>
+              <a:schemeClr val="tx1"/>
+            </a:solidFill>
+          </a:ln>
+        </p:spPr>
+        <p:txBody>
+          <a:bodyPr wrap="square">
+            <a:spAutoFit/>
+          </a:bodyPr>
+          <a:lstStyle/>
+          <a:p>
+            <a:r>
+              <a:rPr lang="en-SG" sz="1100" b="1" dirty="0"/>
+              <a:t>S7Comm to Manufacturing Message Specification (MMS) IEC61850 Converter Interface simulator</a:t>
+            </a:r>
+          </a:p>
+        </p:txBody>
+      </p:sp>
+      <p:pic>
+        <p:nvPicPr>
+          <p:cNvPr id="42" name="Picture 41">
+            <a:extLst>
+              <a:ext uri="{FF2B5EF4-FFF2-40B4-BE49-F238E27FC236}">
+                <a16:creationId xmlns:a16="http://schemas.microsoft.com/office/drawing/2014/main" id="{3F4E732E-6B33-0B39-94C0-900765FCB86C}"/>
+              </a:ext>
+            </a:extLst>
+          </p:cNvPr>
+          <p:cNvPicPr>
+            <a:picLocks noChangeAspect="1"/>
+          </p:cNvPicPr>
+          <p:nvPr/>
+        </p:nvPicPr>
+        <p:blipFill>
+          <a:blip r:embed="rId6"/>
+          <a:stretch>
+            <a:fillRect/>
+          </a:stretch>
+        </p:blipFill>
+        <p:spPr>
+          <a:xfrm>
+            <a:off x="6363326" y="1320269"/>
+            <a:ext cx="2780952" cy="1638095"/>
+          </a:xfrm>
+          <a:prstGeom prst="rect">
+            <a:avLst/>
+          </a:prstGeom>
+          <a:ln w="9525">
+            <a:solidFill>
+              <a:schemeClr val="tx1"/>
+            </a:solidFill>
+          </a:ln>
+        </p:spPr>
+      </p:pic>
+      <p:sp>
+        <p:nvSpPr>
+          <p:cNvPr id="43" name="Arrow: Up 42">
+            <a:extLst>
+              <a:ext uri="{FF2B5EF4-FFF2-40B4-BE49-F238E27FC236}">
+                <a16:creationId xmlns:a16="http://schemas.microsoft.com/office/drawing/2014/main" id="{C9793B5C-E0BF-66FB-00F4-1E2D1FC218D2}"/>
+              </a:ext>
+            </a:extLst>
+          </p:cNvPr>
+          <p:cNvSpPr/>
+          <p:nvPr/>
+        </p:nvSpPr>
+        <p:spPr>
+          <a:xfrm>
+            <a:off x="7387119" y="3010328"/>
+            <a:ext cx="184935" cy="226032"/>
+          </a:xfrm>
+          <a:prstGeom prst="upArrow">
+            <a:avLst/>
+          </a:prstGeom>
+        </p:spPr>
+        <p:style>
+          <a:lnRef idx="2">
+            <a:schemeClr val="accent1">
+              <a:shade val="15000"/>
+            </a:schemeClr>
+          </a:lnRef>
+          <a:fillRef idx="1">
+            <a:schemeClr val="accent1"/>
+          </a:fillRef>
+          <a:effectRef idx="0">
+            <a:schemeClr val="accent1"/>
+          </a:effectRef>
+          <a:fontRef idx="minor">
+            <a:schemeClr val="lt1"/>
+          </a:fontRef>
+        </p:style>
+        <p:txBody>
+          <a:bodyPr rtlCol="0" anchor="ctr"/>
+          <a:lstStyle/>
+          <a:p>
+            <a:pPr algn="ctr"/>
+            <a:endParaRPr lang="en-SG"/>
+          </a:p>
+        </p:txBody>
+      </p:sp>
+      <p:sp>
+        <p:nvSpPr>
+          <p:cNvPr id="44" name="TextBox 43">
+            <a:extLst>
+              <a:ext uri="{FF2B5EF4-FFF2-40B4-BE49-F238E27FC236}">
+                <a16:creationId xmlns:a16="http://schemas.microsoft.com/office/drawing/2014/main" id="{DAFDA79B-3E6F-BDD3-0F41-7C1C0EB6D302}"/>
+              </a:ext>
+            </a:extLst>
+          </p:cNvPr>
+          <p:cNvSpPr txBox="1"/>
+          <p:nvPr/>
+        </p:nvSpPr>
+        <p:spPr>
+          <a:xfrm>
+            <a:off x="836360" y="969306"/>
+            <a:ext cx="2811819" cy="307777"/>
+          </a:xfrm>
+          <a:prstGeom prst="rect">
+            <a:avLst/>
+          </a:prstGeom>
+          <a:noFill/>
+        </p:spPr>
+        <p:txBody>
+          <a:bodyPr wrap="square">
+            <a:spAutoFit/>
+          </a:bodyPr>
+          <a:lstStyle/>
+          <a:p>
+            <a:r>
+              <a:rPr lang="en-US" sz="1400" b="1" dirty="0"/>
+              <a:t>Physical world data generation </a:t>
+            </a:r>
+            <a:endParaRPr lang="en-SG" sz="1400" b="1" dirty="0"/>
+          </a:p>
+        </p:txBody>
+      </p:sp>
+      <p:sp>
+        <p:nvSpPr>
+          <p:cNvPr id="45" name="TextBox 44">
+            <a:extLst>
+              <a:ext uri="{FF2B5EF4-FFF2-40B4-BE49-F238E27FC236}">
+                <a16:creationId xmlns:a16="http://schemas.microsoft.com/office/drawing/2014/main" id="{2D573FE5-E903-D0D7-3816-6C2A83D92217}"/>
+              </a:ext>
+            </a:extLst>
+          </p:cNvPr>
+          <p:cNvSpPr txBox="1"/>
+          <p:nvPr/>
+        </p:nvSpPr>
+        <p:spPr>
+          <a:xfrm>
+            <a:off x="6265220" y="1008318"/>
+            <a:ext cx="2811819" cy="307777"/>
+          </a:xfrm>
+          <a:prstGeom prst="rect">
+            <a:avLst/>
+          </a:prstGeom>
+          <a:noFill/>
+        </p:spPr>
+        <p:txBody>
+          <a:bodyPr wrap="square">
+            <a:spAutoFit/>
+          </a:bodyPr>
+          <a:lstStyle/>
+          <a:p>
+            <a:r>
+              <a:rPr lang="en-US" sz="1400" b="1" dirty="0"/>
+              <a:t>IEC61850 data visualization</a:t>
+            </a:r>
+            <a:endParaRPr lang="en-SG" sz="1400" b="1" dirty="0"/>
+          </a:p>
+        </p:txBody>
+      </p:sp>
+      <p:sp>
+        <p:nvSpPr>
+          <p:cNvPr id="46" name="TextBox 45">
+            <a:extLst>
+              <a:ext uri="{FF2B5EF4-FFF2-40B4-BE49-F238E27FC236}">
+                <a16:creationId xmlns:a16="http://schemas.microsoft.com/office/drawing/2014/main" id="{D61B94F5-D9CB-F2B0-9687-09EBFBFCA06B}"/>
+              </a:ext>
+            </a:extLst>
+          </p:cNvPr>
+          <p:cNvSpPr txBox="1"/>
+          <p:nvPr/>
+        </p:nvSpPr>
+        <p:spPr>
+          <a:xfrm>
+            <a:off x="3786832" y="1414640"/>
+            <a:ext cx="2080472" cy="900246"/>
+          </a:xfrm>
+          <a:prstGeom prst="rect">
+            <a:avLst/>
+          </a:prstGeom>
+          <a:noFill/>
+        </p:spPr>
+        <p:txBody>
+          <a:bodyPr wrap="square">
+            <a:spAutoFit/>
+          </a:bodyPr>
+          <a:lstStyle/>
+          <a:p>
+            <a:r>
+              <a:rPr lang="en-US" sz="1050" b="1" dirty="0">
+                <a:solidFill>
+                  <a:schemeClr val="bg1">
+                    <a:lumMod val="50000"/>
+                  </a:schemeClr>
+                </a:solidFill>
+              </a:rPr>
+              <a:t>Work state: </a:t>
+            </a:r>
+            <a:r>
+              <a:rPr lang="en-US" sz="1050" dirty="0">
+                <a:solidFill>
+                  <a:schemeClr val="bg1">
+                    <a:lumMod val="50000"/>
+                  </a:schemeClr>
+                </a:solidFill>
+              </a:rPr>
+              <a:t>running, Idle , error</a:t>
+            </a:r>
+          </a:p>
+          <a:p>
+            <a:r>
+              <a:rPr lang="en-US" sz="1050" b="1" dirty="0">
+                <a:solidFill>
+                  <a:schemeClr val="bg1">
+                    <a:lumMod val="50000"/>
+                  </a:schemeClr>
+                </a:solidFill>
+              </a:rPr>
+              <a:t>Power output state: </a:t>
+            </a:r>
+            <a:r>
+              <a:rPr lang="en-US" sz="1050" dirty="0">
+                <a:solidFill>
+                  <a:schemeClr val="bg1">
+                    <a:lumMod val="50000"/>
+                  </a:schemeClr>
+                </a:solidFill>
+              </a:rPr>
+              <a:t>Voltage, current </a:t>
+            </a:r>
+          </a:p>
+          <a:p>
+            <a:r>
+              <a:rPr lang="en-US" sz="1050" b="1" dirty="0">
+                <a:solidFill>
+                  <a:schemeClr val="bg1">
+                    <a:lumMod val="50000"/>
+                  </a:schemeClr>
+                </a:solidFill>
+              </a:rPr>
+              <a:t>Special State: </a:t>
+            </a:r>
+            <a:r>
+              <a:rPr lang="en-US" sz="1050" dirty="0">
+                <a:solidFill>
+                  <a:schemeClr val="bg1">
+                    <a:lumMod val="50000"/>
+                  </a:schemeClr>
+                </a:solidFill>
+              </a:rPr>
+              <a:t>such as motor RPM, battery percentage </a:t>
+            </a:r>
+            <a:endParaRPr lang="en-SG" sz="1050" dirty="0">
+              <a:solidFill>
+                <a:schemeClr val="bg1">
+                  <a:lumMod val="50000"/>
+                </a:schemeClr>
+              </a:solidFill>
+            </a:endParaRPr>
+          </a:p>
+        </p:txBody>
+      </p:sp>
+      <p:cxnSp>
+        <p:nvCxnSpPr>
+          <p:cNvPr id="48" name="Straight Arrow Connector 47">
+            <a:extLst>
+              <a:ext uri="{FF2B5EF4-FFF2-40B4-BE49-F238E27FC236}">
+                <a16:creationId xmlns:a16="http://schemas.microsoft.com/office/drawing/2014/main" id="{B86655BE-B09B-0950-D341-1F248526B344}"/>
+              </a:ext>
+            </a:extLst>
+          </p:cNvPr>
+          <p:cNvCxnSpPr/>
+          <p:nvPr/>
+        </p:nvCxnSpPr>
+        <p:spPr>
+          <a:xfrm>
+            <a:off x="3490664" y="2317655"/>
+            <a:ext cx="2800391" cy="0"/>
+          </a:xfrm>
+          <a:prstGeom prst="straightConnector1">
+            <a:avLst/>
+          </a:prstGeom>
+          <a:ln>
+            <a:solidFill>
+              <a:schemeClr val="bg1">
+                <a:lumMod val="50000"/>
+              </a:schemeClr>
+            </a:solidFill>
+            <a:prstDash val="sysDash"/>
+            <a:tailEnd type="triangle"/>
+          </a:ln>
+        </p:spPr>
+        <p:style>
+          <a:lnRef idx="2">
+            <a:schemeClr val="accent1"/>
+          </a:lnRef>
+          <a:fillRef idx="0">
+            <a:schemeClr val="accent1"/>
+          </a:fillRef>
+          <a:effectRef idx="1">
+            <a:schemeClr val="accent1"/>
+          </a:effectRef>
+          <a:fontRef idx="minor">
+            <a:schemeClr val="tx1"/>
+          </a:fontRef>
+        </p:style>
+      </p:cxnSp>
+    </p:spTree>
+    <p:extLst>
+      <p:ext uri="{BB962C8B-B14F-4D97-AF65-F5344CB8AC3E}">
+        <p14:creationId xmlns:p14="http://schemas.microsoft.com/office/powerpoint/2010/main" val="3646988712"/>
       </p:ext>
     </p:extLst>
   </p:cSld>

--- a/designDoc/designDoc.pptx
+++ b/designDoc/designDoc.pptx
@@ -19749,8 +19749,31 @@
                 <a:ea typeface="+mn-ea"/>
                 <a:cs typeface="+mn-cs"/>
               </a:rPr>
-              <a:t>-OT-System Cyber Security Test Platform</a:t>
-            </a:r>
+              <a:t>-OT-System Cyber Security</a:t>
+            </a:r>
+            <a:r>
+              <a:rPr lang="en-US" b="1" dirty="0">
+                <a:solidFill>
+                  <a:prstClr val="white"/>
+                </a:solidFill>
+                <a:latin typeface="Calibri" panose="020F0502020204030204"/>
+              </a:rPr>
+              <a:t> Digital Twin</a:t>
+            </a:r>
+            <a:endParaRPr kumimoji="0" lang="en-US" sz="1800" b="1" i="0" u="none" strike="noStrike" kern="1200" cap="none" spc="0" normalizeH="0" baseline="0" noProof="0" dirty="0">
+              <a:ln>
+                <a:noFill/>
+              </a:ln>
+              <a:solidFill>
+                <a:prstClr val="white"/>
+              </a:solidFill>
+              <a:effectLst/>
+              <a:uLnTx/>
+              <a:uFillTx/>
+              <a:latin typeface="Calibri" panose="020F0502020204030204"/>
+              <a:ea typeface="+mn-ea"/>
+              <a:cs typeface="+mn-cs"/>
+            </a:endParaRPr>
           </a:p>
         </p:txBody>
       </p:sp>

--- a/designDoc/designDoc.pptx
+++ b/designDoc/designDoc.pptx
@@ -5,7 +5,7 @@
     <p:sldMasterId id="2147483648" r:id="rId1"/>
   </p:sldMasterIdLst>
   <p:notesMasterIdLst>
-    <p:notesMasterId r:id="rId11"/>
+    <p:notesMasterId r:id="rId12"/>
   </p:notesMasterIdLst>
   <p:sldIdLst>
     <p:sldId id="256" r:id="rId2"/>
@@ -17,6 +17,7 @@
     <p:sldId id="261" r:id="rId8"/>
     <p:sldId id="263" r:id="rId9"/>
     <p:sldId id="264" r:id="rId10"/>
+    <p:sldId id="265" r:id="rId11"/>
   </p:sldIdLst>
   <p:sldSz cx="12192000" cy="6858000"/>
   <p:notesSz cx="6858000" cy="9144000"/>
@@ -205,7 +206,7 @@
           <a:p>
             <a:fld id="{60A58DA9-13FF-4A44-80CD-EC4A25FA80B4}" type="datetimeFigureOut">
               <a:rPr lang="en-SG" smtClean="0"/>
-              <a:t>13/10/2024</a:t>
+              <a:t>16/10/2024</a:t>
             </a:fld>
             <a:endParaRPr lang="en-SG"/>
           </a:p>
@@ -874,7 +875,7 @@
           <a:p>
             <a:fld id="{DAB0784D-3A10-485A-BA3A-AF2134252110}" type="datetimeFigureOut">
               <a:rPr lang="en-SG" smtClean="0"/>
-              <a:t>13/10/2024</a:t>
+              <a:t>16/10/2024</a:t>
             </a:fld>
             <a:endParaRPr lang="en-SG"/>
           </a:p>
@@ -1074,7 +1075,7 @@
           <a:p>
             <a:fld id="{DAB0784D-3A10-485A-BA3A-AF2134252110}" type="datetimeFigureOut">
               <a:rPr lang="en-SG" smtClean="0"/>
-              <a:t>13/10/2024</a:t>
+              <a:t>16/10/2024</a:t>
             </a:fld>
             <a:endParaRPr lang="en-SG"/>
           </a:p>
@@ -1284,7 +1285,7 @@
           <a:p>
             <a:fld id="{DAB0784D-3A10-485A-BA3A-AF2134252110}" type="datetimeFigureOut">
               <a:rPr lang="en-SG" smtClean="0"/>
-              <a:t>13/10/2024</a:t>
+              <a:t>16/10/2024</a:t>
             </a:fld>
             <a:endParaRPr lang="en-SG"/>
           </a:p>
@@ -1484,7 +1485,7 @@
           <a:p>
             <a:fld id="{DAB0784D-3A10-485A-BA3A-AF2134252110}" type="datetimeFigureOut">
               <a:rPr lang="en-SG" smtClean="0"/>
-              <a:t>13/10/2024</a:t>
+              <a:t>16/10/2024</a:t>
             </a:fld>
             <a:endParaRPr lang="en-SG"/>
           </a:p>
@@ -1760,7 +1761,7 @@
           <a:p>
             <a:fld id="{DAB0784D-3A10-485A-BA3A-AF2134252110}" type="datetimeFigureOut">
               <a:rPr lang="en-SG" smtClean="0"/>
-              <a:t>13/10/2024</a:t>
+              <a:t>16/10/2024</a:t>
             </a:fld>
             <a:endParaRPr lang="en-SG"/>
           </a:p>
@@ -2028,7 +2029,7 @@
           <a:p>
             <a:fld id="{DAB0784D-3A10-485A-BA3A-AF2134252110}" type="datetimeFigureOut">
               <a:rPr lang="en-SG" smtClean="0"/>
-              <a:t>13/10/2024</a:t>
+              <a:t>16/10/2024</a:t>
             </a:fld>
             <a:endParaRPr lang="en-SG"/>
           </a:p>
@@ -2443,7 +2444,7 @@
           <a:p>
             <a:fld id="{DAB0784D-3A10-485A-BA3A-AF2134252110}" type="datetimeFigureOut">
               <a:rPr lang="en-SG" smtClean="0"/>
-              <a:t>13/10/2024</a:t>
+              <a:t>16/10/2024</a:t>
             </a:fld>
             <a:endParaRPr lang="en-SG"/>
           </a:p>
@@ -2585,7 +2586,7 @@
           <a:p>
             <a:fld id="{DAB0784D-3A10-485A-BA3A-AF2134252110}" type="datetimeFigureOut">
               <a:rPr lang="en-SG" smtClean="0"/>
-              <a:t>13/10/2024</a:t>
+              <a:t>16/10/2024</a:t>
             </a:fld>
             <a:endParaRPr lang="en-SG"/>
           </a:p>
@@ -2698,7 +2699,7 @@
           <a:p>
             <a:fld id="{DAB0784D-3A10-485A-BA3A-AF2134252110}" type="datetimeFigureOut">
               <a:rPr lang="en-SG" smtClean="0"/>
-              <a:t>13/10/2024</a:t>
+              <a:t>16/10/2024</a:t>
             </a:fld>
             <a:endParaRPr lang="en-SG"/>
           </a:p>
@@ -3011,7 +3012,7 @@
           <a:p>
             <a:fld id="{DAB0784D-3A10-485A-BA3A-AF2134252110}" type="datetimeFigureOut">
               <a:rPr lang="en-SG" smtClean="0"/>
-              <a:t>13/10/2024</a:t>
+              <a:t>16/10/2024</a:t>
             </a:fld>
             <a:endParaRPr lang="en-SG"/>
           </a:p>
@@ -3300,7 +3301,7 @@
           <a:p>
             <a:fld id="{DAB0784D-3A10-485A-BA3A-AF2134252110}" type="datetimeFigureOut">
               <a:rPr lang="en-SG" smtClean="0"/>
-              <a:t>13/10/2024</a:t>
+              <a:t>16/10/2024</a:t>
             </a:fld>
             <a:endParaRPr lang="en-SG"/>
           </a:p>
@@ -3543,7 +3544,7 @@
           <a:p>
             <a:fld id="{DAB0784D-3A10-485A-BA3A-AF2134252110}" type="datetimeFigureOut">
               <a:rPr lang="en-SG" smtClean="0"/>
-              <a:t>13/10/2024</a:t>
+              <a:t>16/10/2024</a:t>
             </a:fld>
             <a:endParaRPr lang="en-SG"/>
           </a:p>
@@ -8014,6 +8015,2185 @@
     <p:extLst>
       <p:ext uri="{BB962C8B-B14F-4D97-AF65-F5344CB8AC3E}">
         <p14:creationId xmlns:p14="http://schemas.microsoft.com/office/powerpoint/2010/main" val="4194442898"/>
+      </p:ext>
+    </p:extLst>
+  </p:cSld>
+  <p:clrMapOvr>
+    <a:masterClrMapping/>
+  </p:clrMapOvr>
+</p:sld>
+</file>
+
+<file path=ppt/slides/slide10.xml><?xml version="1.0" encoding="utf-8"?>
+<p:sld xmlns:a="http://schemas.openxmlformats.org/drawingml/2006/main" xmlns:r="http://schemas.openxmlformats.org/officeDocument/2006/relationships" xmlns:p="http://schemas.openxmlformats.org/presentationml/2006/main">
+  <p:cSld>
+    <p:spTree>
+      <p:nvGrpSpPr>
+        <p:cNvPr id="1" name=""/>
+        <p:cNvGrpSpPr/>
+        <p:nvPr/>
+      </p:nvGrpSpPr>
+      <p:grpSpPr>
+        <a:xfrm>
+          <a:off x="0" y="0"/>
+          <a:ext cx="0" cy="0"/>
+          <a:chOff x="0" y="0"/>
+          <a:chExt cx="0" cy="0"/>
+        </a:xfrm>
+      </p:grpSpPr>
+      <p:pic>
+        <p:nvPicPr>
+          <p:cNvPr id="5" name="Picture 4" descr="A computer screen shot of a computer program&#10;&#10;Description automatically generated">
+            <a:extLst>
+              <a:ext uri="{FF2B5EF4-FFF2-40B4-BE49-F238E27FC236}">
+                <a16:creationId xmlns:a16="http://schemas.microsoft.com/office/drawing/2014/main" id="{68D6C56F-E3B7-511C-28A1-285F77155D87}"/>
+              </a:ext>
+            </a:extLst>
+          </p:cNvPr>
+          <p:cNvPicPr>
+            <a:picLocks noChangeAspect="1"/>
+          </p:cNvPicPr>
+          <p:nvPr/>
+        </p:nvPicPr>
+        <p:blipFill>
+          <a:blip r:embed="rId2">
+            <a:extLst>
+              <a:ext uri="{28A0092B-C50C-407E-A947-70E740481C1C}">
+                <a14:useLocalDpi xmlns:a14="http://schemas.microsoft.com/office/drawing/2010/main" val="0"/>
+              </a:ext>
+            </a:extLst>
+          </a:blip>
+          <a:stretch>
+            <a:fillRect/>
+          </a:stretch>
+        </p:blipFill>
+        <p:spPr>
+          <a:xfrm>
+            <a:off x="6983850" y="416824"/>
+            <a:ext cx="3516023" cy="2013936"/>
+          </a:xfrm>
+          <a:prstGeom prst="rect">
+            <a:avLst/>
+          </a:prstGeom>
+        </p:spPr>
+      </p:pic>
+      <p:pic>
+        <p:nvPicPr>
+          <p:cNvPr id="7" name="Picture 6">
+            <a:extLst>
+              <a:ext uri="{FF2B5EF4-FFF2-40B4-BE49-F238E27FC236}">
+                <a16:creationId xmlns:a16="http://schemas.microsoft.com/office/drawing/2014/main" id="{1459AC39-A9A3-3D33-6F4C-68FA7B1E5B89}"/>
+              </a:ext>
+            </a:extLst>
+          </p:cNvPr>
+          <p:cNvPicPr>
+            <a:picLocks noChangeAspect="1"/>
+          </p:cNvPicPr>
+          <p:nvPr/>
+        </p:nvPicPr>
+        <p:blipFill>
+          <a:blip r:embed="rId3"/>
+          <a:stretch>
+            <a:fillRect/>
+          </a:stretch>
+        </p:blipFill>
+        <p:spPr>
+          <a:xfrm>
+            <a:off x="1052122" y="375264"/>
+            <a:ext cx="3516021" cy="2013936"/>
+          </a:xfrm>
+          <a:prstGeom prst="rect">
+            <a:avLst/>
+          </a:prstGeom>
+        </p:spPr>
+      </p:pic>
+      <p:pic>
+        <p:nvPicPr>
+          <p:cNvPr id="8" name="Picture 7">
+            <a:extLst>
+              <a:ext uri="{FF2B5EF4-FFF2-40B4-BE49-F238E27FC236}">
+                <a16:creationId xmlns:a16="http://schemas.microsoft.com/office/drawing/2014/main" id="{7084338B-3F72-E5DC-0C03-7230E649B703}"/>
+              </a:ext>
+            </a:extLst>
+          </p:cNvPr>
+          <p:cNvPicPr>
+            <a:picLocks noChangeAspect="1"/>
+          </p:cNvPicPr>
+          <p:nvPr/>
+        </p:nvPicPr>
+        <p:blipFill>
+          <a:blip r:embed="rId4"/>
+          <a:stretch>
+            <a:fillRect/>
+          </a:stretch>
+        </p:blipFill>
+        <p:spPr>
+          <a:xfrm>
+            <a:off x="1195805" y="3508103"/>
+            <a:ext cx="3372338" cy="1912598"/>
+          </a:xfrm>
+          <a:prstGeom prst="rect">
+            <a:avLst/>
+          </a:prstGeom>
+        </p:spPr>
+      </p:pic>
+      <p:pic>
+        <p:nvPicPr>
+          <p:cNvPr id="9" name="Picture 8">
+            <a:extLst>
+              <a:ext uri="{FF2B5EF4-FFF2-40B4-BE49-F238E27FC236}">
+                <a16:creationId xmlns:a16="http://schemas.microsoft.com/office/drawing/2014/main" id="{8B233F02-7184-0048-51D7-EABC0701BA43}"/>
+              </a:ext>
+            </a:extLst>
+          </p:cNvPr>
+          <p:cNvPicPr>
+            <a:picLocks noChangeAspect="1"/>
+          </p:cNvPicPr>
+          <p:nvPr/>
+        </p:nvPicPr>
+        <p:blipFill>
+          <a:blip r:embed="rId5"/>
+          <a:stretch>
+            <a:fillRect/>
+          </a:stretch>
+        </p:blipFill>
+        <p:spPr>
+          <a:xfrm>
+            <a:off x="7008035" y="3429000"/>
+            <a:ext cx="3339099" cy="1914416"/>
+          </a:xfrm>
+          <a:prstGeom prst="rect">
+            <a:avLst/>
+          </a:prstGeom>
+        </p:spPr>
+      </p:pic>
+      <p:pic>
+        <p:nvPicPr>
+          <p:cNvPr id="10" name="Picture 9" descr="TM221CE16R Schneider Electric Modicon M221 PLC CPU Mini USB Interface –  Ralakde Automation">
+            <a:extLst>
+              <a:ext uri="{FF2B5EF4-FFF2-40B4-BE49-F238E27FC236}">
+                <a16:creationId xmlns:a16="http://schemas.microsoft.com/office/drawing/2014/main" id="{8DAED76A-9731-A499-166C-DD1096FEC680}"/>
+              </a:ext>
+            </a:extLst>
+          </p:cNvPr>
+          <p:cNvPicPr>
+            <a:picLocks noChangeAspect="1" noChangeArrowheads="1"/>
+          </p:cNvPicPr>
+          <p:nvPr/>
+        </p:nvPicPr>
+        <p:blipFill>
+          <a:blip r:embed="rId6">
+            <a:extLst>
+              <a:ext uri="{28A0092B-C50C-407E-A947-70E740481C1C}">
+                <a14:useLocalDpi xmlns:a14="http://schemas.microsoft.com/office/drawing/2010/main" val="0"/>
+              </a:ext>
+            </a:extLst>
+          </a:blip>
+          <a:srcRect/>
+          <a:stretch>
+            <a:fillRect/>
+          </a:stretch>
+        </p:blipFill>
+        <p:spPr bwMode="auto">
+          <a:xfrm>
+            <a:off x="5145974" y="3952966"/>
+            <a:ext cx="520526" cy="570651"/>
+          </a:xfrm>
+          <a:prstGeom prst="rect">
+            <a:avLst/>
+          </a:prstGeom>
+          <a:noFill/>
+          <a:extLst>
+            <a:ext uri="{909E8E84-426E-40DD-AFC4-6F175D3DCCD1}">
+              <a14:hiddenFill xmlns:a14="http://schemas.microsoft.com/office/drawing/2010/main">
+                <a:solidFill>
+                  <a:srgbClr val="FFFFFF"/>
+                </a:solidFill>
+              </a14:hiddenFill>
+            </a:ext>
+          </a:extLst>
+        </p:spPr>
+      </p:pic>
+      <p:pic>
+        <p:nvPicPr>
+          <p:cNvPr id="11" name="Picture 10">
+            <a:extLst>
+              <a:ext uri="{FF2B5EF4-FFF2-40B4-BE49-F238E27FC236}">
+                <a16:creationId xmlns:a16="http://schemas.microsoft.com/office/drawing/2014/main" id="{4E2762B6-C3B1-D154-3D5C-2151C129F3D9}"/>
+              </a:ext>
+            </a:extLst>
+          </p:cNvPr>
+          <p:cNvPicPr>
+            <a:picLocks noChangeAspect="1"/>
+          </p:cNvPicPr>
+          <p:nvPr/>
+        </p:nvPicPr>
+        <p:blipFill>
+          <a:blip r:embed="rId7"/>
+          <a:stretch>
+            <a:fillRect/>
+          </a:stretch>
+        </p:blipFill>
+        <p:spPr>
+          <a:xfrm>
+            <a:off x="4370923" y="4865492"/>
+            <a:ext cx="485714" cy="466667"/>
+          </a:xfrm>
+          <a:prstGeom prst="rect">
+            <a:avLst/>
+          </a:prstGeom>
+        </p:spPr>
+      </p:pic>
+      <p:pic>
+        <p:nvPicPr>
+          <p:cNvPr id="12" name="Picture 11">
+            <a:extLst>
+              <a:ext uri="{FF2B5EF4-FFF2-40B4-BE49-F238E27FC236}">
+                <a16:creationId xmlns:a16="http://schemas.microsoft.com/office/drawing/2014/main" id="{61265CDB-25E5-C0C0-D71A-CB351FA2E9BC}"/>
+              </a:ext>
+            </a:extLst>
+          </p:cNvPr>
+          <p:cNvPicPr>
+            <a:picLocks noChangeAspect="1"/>
+          </p:cNvPicPr>
+          <p:nvPr/>
+        </p:nvPicPr>
+        <p:blipFill>
+          <a:blip r:embed="rId8"/>
+          <a:stretch>
+            <a:fillRect/>
+          </a:stretch>
+        </p:blipFill>
+        <p:spPr>
+          <a:xfrm>
+            <a:off x="5100021" y="4854233"/>
+            <a:ext cx="895236" cy="489183"/>
+          </a:xfrm>
+          <a:prstGeom prst="rect">
+            <a:avLst/>
+          </a:prstGeom>
+          <a:ln w="12700">
+            <a:solidFill>
+              <a:schemeClr val="tx1"/>
+            </a:solidFill>
+          </a:ln>
+        </p:spPr>
+      </p:pic>
+      <p:cxnSp>
+        <p:nvCxnSpPr>
+          <p:cNvPr id="14" name="Straight Connector 13">
+            <a:extLst>
+              <a:ext uri="{FF2B5EF4-FFF2-40B4-BE49-F238E27FC236}">
+                <a16:creationId xmlns:a16="http://schemas.microsoft.com/office/drawing/2014/main" id="{05478A3B-46E7-9071-4F9D-8EC90B6BFF14}"/>
+              </a:ext>
+            </a:extLst>
+          </p:cNvPr>
+          <p:cNvCxnSpPr>
+            <a:cxnSpLocks/>
+            <a:endCxn id="10" idx="1"/>
+          </p:cNvCxnSpPr>
+          <p:nvPr/>
+        </p:nvCxnSpPr>
+        <p:spPr>
+          <a:xfrm>
+            <a:off x="4613780" y="4238291"/>
+            <a:ext cx="532194" cy="1"/>
+          </a:xfrm>
+          <a:prstGeom prst="line">
+            <a:avLst/>
+          </a:prstGeom>
+          <a:ln w="28575">
+            <a:solidFill>
+              <a:schemeClr val="accent6">
+                <a:lumMod val="75000"/>
+              </a:schemeClr>
+            </a:solidFill>
+          </a:ln>
+        </p:spPr>
+        <p:style>
+          <a:lnRef idx="2">
+            <a:schemeClr val="accent1"/>
+          </a:lnRef>
+          <a:fillRef idx="0">
+            <a:schemeClr val="accent1"/>
+          </a:fillRef>
+          <a:effectRef idx="1">
+            <a:schemeClr val="accent1"/>
+          </a:effectRef>
+          <a:fontRef idx="minor">
+            <a:schemeClr val="tx1"/>
+          </a:fontRef>
+        </p:style>
+      </p:cxnSp>
+      <p:cxnSp>
+        <p:nvCxnSpPr>
+          <p:cNvPr id="16" name="Straight Connector 15">
+            <a:extLst>
+              <a:ext uri="{FF2B5EF4-FFF2-40B4-BE49-F238E27FC236}">
+                <a16:creationId xmlns:a16="http://schemas.microsoft.com/office/drawing/2014/main" id="{CE5E5437-7D26-84CE-5AE0-573FE5E0F9D3}"/>
+              </a:ext>
+            </a:extLst>
+          </p:cNvPr>
+          <p:cNvCxnSpPr>
+            <a:cxnSpLocks/>
+            <a:stCxn id="10" idx="3"/>
+          </p:cNvCxnSpPr>
+          <p:nvPr/>
+        </p:nvCxnSpPr>
+        <p:spPr>
+          <a:xfrm flipV="1">
+            <a:off x="5666500" y="4238290"/>
+            <a:ext cx="1341535" cy="2"/>
+          </a:xfrm>
+          <a:prstGeom prst="line">
+            <a:avLst/>
+          </a:prstGeom>
+          <a:ln w="28575">
+            <a:solidFill>
+              <a:schemeClr val="accent6">
+                <a:lumMod val="75000"/>
+              </a:schemeClr>
+            </a:solidFill>
+          </a:ln>
+        </p:spPr>
+        <p:style>
+          <a:lnRef idx="2">
+            <a:schemeClr val="accent1"/>
+          </a:lnRef>
+          <a:fillRef idx="0">
+            <a:schemeClr val="accent1"/>
+          </a:fillRef>
+          <a:effectRef idx="1">
+            <a:schemeClr val="accent1"/>
+          </a:effectRef>
+          <a:fontRef idx="minor">
+            <a:schemeClr val="tx1"/>
+          </a:fontRef>
+        </p:style>
+      </p:cxnSp>
+      <p:cxnSp>
+        <p:nvCxnSpPr>
+          <p:cNvPr id="19" name="Straight Connector 18">
+            <a:extLst>
+              <a:ext uri="{FF2B5EF4-FFF2-40B4-BE49-F238E27FC236}">
+                <a16:creationId xmlns:a16="http://schemas.microsoft.com/office/drawing/2014/main" id="{9134E40F-4491-78B3-B8E1-5C8E95455520}"/>
+              </a:ext>
+            </a:extLst>
+          </p:cNvPr>
+          <p:cNvCxnSpPr>
+            <a:cxnSpLocks/>
+            <a:endCxn id="12" idx="1"/>
+          </p:cNvCxnSpPr>
+          <p:nvPr/>
+        </p:nvCxnSpPr>
+        <p:spPr>
+          <a:xfrm>
+            <a:off x="4767642" y="5098823"/>
+            <a:ext cx="332379" cy="2"/>
+          </a:xfrm>
+          <a:prstGeom prst="line">
+            <a:avLst/>
+          </a:prstGeom>
+          <a:ln w="28575">
+            <a:solidFill>
+              <a:srgbClr val="00B0F0"/>
+            </a:solidFill>
+          </a:ln>
+        </p:spPr>
+        <p:style>
+          <a:lnRef idx="2">
+            <a:schemeClr val="accent1"/>
+          </a:lnRef>
+          <a:fillRef idx="0">
+            <a:schemeClr val="accent1"/>
+          </a:fillRef>
+          <a:effectRef idx="1">
+            <a:schemeClr val="accent1"/>
+          </a:effectRef>
+          <a:fontRef idx="minor">
+            <a:schemeClr val="tx1"/>
+          </a:fontRef>
+        </p:style>
+      </p:cxnSp>
+      <p:cxnSp>
+        <p:nvCxnSpPr>
+          <p:cNvPr id="21" name="Straight Connector 20">
+            <a:extLst>
+              <a:ext uri="{FF2B5EF4-FFF2-40B4-BE49-F238E27FC236}">
+                <a16:creationId xmlns:a16="http://schemas.microsoft.com/office/drawing/2014/main" id="{B3C4B7CA-DDB5-362B-F450-06FCFD183986}"/>
+              </a:ext>
+            </a:extLst>
+          </p:cNvPr>
+          <p:cNvCxnSpPr>
+            <a:cxnSpLocks/>
+          </p:cNvCxnSpPr>
+          <p:nvPr/>
+        </p:nvCxnSpPr>
+        <p:spPr>
+          <a:xfrm>
+            <a:off x="6013807" y="5098823"/>
+            <a:ext cx="994228" cy="0"/>
+          </a:xfrm>
+          <a:prstGeom prst="line">
+            <a:avLst/>
+          </a:prstGeom>
+          <a:ln w="28575">
+            <a:solidFill>
+              <a:srgbClr val="00B0F0"/>
+            </a:solidFill>
+          </a:ln>
+        </p:spPr>
+        <p:style>
+          <a:lnRef idx="2">
+            <a:schemeClr val="accent1"/>
+          </a:lnRef>
+          <a:fillRef idx="0">
+            <a:schemeClr val="accent1"/>
+          </a:fillRef>
+          <a:effectRef idx="1">
+            <a:schemeClr val="accent1"/>
+          </a:effectRef>
+          <a:fontRef idx="minor">
+            <a:schemeClr val="tx1"/>
+          </a:fontRef>
+        </p:style>
+      </p:cxnSp>
+      <p:cxnSp>
+        <p:nvCxnSpPr>
+          <p:cNvPr id="25" name="Straight Connector 24">
+            <a:extLst>
+              <a:ext uri="{FF2B5EF4-FFF2-40B4-BE49-F238E27FC236}">
+                <a16:creationId xmlns:a16="http://schemas.microsoft.com/office/drawing/2014/main" id="{539E7466-FCD6-DFC8-49F8-BA97A7493DA2}"/>
+              </a:ext>
+            </a:extLst>
+          </p:cNvPr>
+          <p:cNvCxnSpPr>
+            <a:cxnSpLocks/>
+          </p:cNvCxnSpPr>
+          <p:nvPr/>
+        </p:nvCxnSpPr>
+        <p:spPr>
+          <a:xfrm flipV="1">
+            <a:off x="2407577" y="2307007"/>
+            <a:ext cx="0" cy="1201096"/>
+          </a:xfrm>
+          <a:prstGeom prst="line">
+            <a:avLst/>
+          </a:prstGeom>
+          <a:ln w="28575">
+            <a:solidFill>
+              <a:schemeClr val="accent6">
+                <a:lumMod val="75000"/>
+              </a:schemeClr>
+            </a:solidFill>
+          </a:ln>
+        </p:spPr>
+        <p:style>
+          <a:lnRef idx="2">
+            <a:schemeClr val="accent1"/>
+          </a:lnRef>
+          <a:fillRef idx="0">
+            <a:schemeClr val="accent1"/>
+          </a:fillRef>
+          <a:effectRef idx="1">
+            <a:schemeClr val="accent1"/>
+          </a:effectRef>
+          <a:fontRef idx="minor">
+            <a:schemeClr val="tx1"/>
+          </a:fontRef>
+        </p:style>
+      </p:cxnSp>
+      <p:pic>
+        <p:nvPicPr>
+          <p:cNvPr id="24" name="Picture 23" descr="A blue background with white lightning bolt and arrows&#10;&#10;Description automatically generated">
+            <a:extLst>
+              <a:ext uri="{FF2B5EF4-FFF2-40B4-BE49-F238E27FC236}">
+                <a16:creationId xmlns:a16="http://schemas.microsoft.com/office/drawing/2014/main" id="{94D0AE90-9B7E-6208-6240-46601BF3D7CC}"/>
+              </a:ext>
+            </a:extLst>
+          </p:cNvPr>
+          <p:cNvPicPr>
+            <a:picLocks noChangeAspect="1"/>
+          </p:cNvPicPr>
+          <p:nvPr/>
+        </p:nvPicPr>
+        <p:blipFill>
+          <a:blip r:embed="rId9">
+            <a:extLst>
+              <a:ext uri="{28A0092B-C50C-407E-A947-70E740481C1C}">
+                <a14:useLocalDpi xmlns:a14="http://schemas.microsoft.com/office/drawing/2010/main" val="0"/>
+              </a:ext>
+            </a:extLst>
+          </a:blip>
+          <a:stretch>
+            <a:fillRect/>
+          </a:stretch>
+        </p:blipFill>
+        <p:spPr>
+          <a:xfrm>
+            <a:off x="2169482" y="2744639"/>
+            <a:ext cx="476190" cy="476190"/>
+          </a:xfrm>
+          <a:prstGeom prst="rect">
+            <a:avLst/>
+          </a:prstGeom>
+        </p:spPr>
+      </p:pic>
+      <p:pic>
+        <p:nvPicPr>
+          <p:cNvPr id="28" name="Picture 27">
+            <a:extLst>
+              <a:ext uri="{FF2B5EF4-FFF2-40B4-BE49-F238E27FC236}">
+                <a16:creationId xmlns:a16="http://schemas.microsoft.com/office/drawing/2014/main" id="{E30FCD53-84DA-79FC-B1D9-EA4F6FD6357C}"/>
+              </a:ext>
+            </a:extLst>
+          </p:cNvPr>
+          <p:cNvPicPr>
+            <a:picLocks noChangeAspect="1"/>
+          </p:cNvPicPr>
+          <p:nvPr/>
+        </p:nvPicPr>
+        <p:blipFill>
+          <a:blip r:embed="rId10"/>
+          <a:stretch>
+            <a:fillRect/>
+          </a:stretch>
+        </p:blipFill>
+        <p:spPr>
+          <a:xfrm>
+            <a:off x="4637020" y="5849500"/>
+            <a:ext cx="485714" cy="538509"/>
+          </a:xfrm>
+          <a:prstGeom prst="rect">
+            <a:avLst/>
+          </a:prstGeom>
+          <a:ln w="9525">
+            <a:solidFill>
+              <a:schemeClr val="tx1"/>
+            </a:solidFill>
+          </a:ln>
+        </p:spPr>
+      </p:pic>
+      <p:sp>
+        <p:nvSpPr>
+          <p:cNvPr id="30" name="TextBox 29">
+            <a:extLst>
+              <a:ext uri="{FF2B5EF4-FFF2-40B4-BE49-F238E27FC236}">
+                <a16:creationId xmlns:a16="http://schemas.microsoft.com/office/drawing/2014/main" id="{50C54F8A-6C21-A921-D9B6-2329FC79FE73}"/>
+              </a:ext>
+            </a:extLst>
+          </p:cNvPr>
+          <p:cNvSpPr txBox="1"/>
+          <p:nvPr/>
+        </p:nvSpPr>
+        <p:spPr>
+          <a:xfrm>
+            <a:off x="4284936" y="5275758"/>
+            <a:ext cx="549146" cy="261610"/>
+          </a:xfrm>
+          <a:prstGeom prst="rect">
+            <a:avLst/>
+          </a:prstGeom>
+          <a:noFill/>
+        </p:spPr>
+        <p:txBody>
+          <a:bodyPr wrap="square">
+            <a:spAutoFit/>
+          </a:bodyPr>
+          <a:lstStyle/>
+          <a:p>
+            <a:r>
+              <a:rPr lang="en-SG" sz="1100" b="1" dirty="0"/>
+              <a:t>MU00</a:t>
+            </a:r>
+          </a:p>
+        </p:txBody>
+      </p:sp>
+      <p:sp>
+        <p:nvSpPr>
+          <p:cNvPr id="31" name="TextBox 30">
+            <a:extLst>
+              <a:ext uri="{FF2B5EF4-FFF2-40B4-BE49-F238E27FC236}">
+                <a16:creationId xmlns:a16="http://schemas.microsoft.com/office/drawing/2014/main" id="{342B87B4-E74D-C8BF-C0B4-5B3556D8556D}"/>
+              </a:ext>
+            </a:extLst>
+          </p:cNvPr>
+          <p:cNvSpPr txBox="1"/>
+          <p:nvPr/>
+        </p:nvSpPr>
+        <p:spPr>
+          <a:xfrm>
+            <a:off x="5188905" y="4607453"/>
+            <a:ext cx="1188485" cy="261610"/>
+          </a:xfrm>
+          <a:prstGeom prst="rect">
+            <a:avLst/>
+          </a:prstGeom>
+          <a:noFill/>
+        </p:spPr>
+        <p:txBody>
+          <a:bodyPr wrap="square">
+            <a:spAutoFit/>
+          </a:bodyPr>
+          <a:lstStyle/>
+          <a:p>
+            <a:r>
+              <a:rPr lang="en-SG" sz="1100" b="1" dirty="0"/>
+              <a:t>RTU</a:t>
+            </a:r>
+          </a:p>
+        </p:txBody>
+      </p:sp>
+      <p:sp>
+        <p:nvSpPr>
+          <p:cNvPr id="32" name="TextBox 31">
+            <a:extLst>
+              <a:ext uri="{FF2B5EF4-FFF2-40B4-BE49-F238E27FC236}">
+                <a16:creationId xmlns:a16="http://schemas.microsoft.com/office/drawing/2014/main" id="{025C2DB2-7CA1-C60C-53CB-919EF41E0F31}"/>
+              </a:ext>
+            </a:extLst>
+          </p:cNvPr>
+          <p:cNvSpPr txBox="1"/>
+          <p:nvPr/>
+        </p:nvSpPr>
+        <p:spPr>
+          <a:xfrm>
+            <a:off x="5128536" y="3619679"/>
+            <a:ext cx="558073" cy="261610"/>
+          </a:xfrm>
+          <a:prstGeom prst="rect">
+            <a:avLst/>
+          </a:prstGeom>
+          <a:noFill/>
+        </p:spPr>
+        <p:txBody>
+          <a:bodyPr wrap="square">
+            <a:spAutoFit/>
+          </a:bodyPr>
+          <a:lstStyle/>
+          <a:p>
+            <a:r>
+              <a:rPr lang="en-US" sz="1100" b="1" dirty="0"/>
+              <a:t>PLC</a:t>
+            </a:r>
+            <a:endParaRPr lang="en-SG" sz="1100" b="1" dirty="0"/>
+          </a:p>
+        </p:txBody>
+      </p:sp>
+      <p:cxnSp>
+        <p:nvCxnSpPr>
+          <p:cNvPr id="34" name="Straight Arrow Connector 33">
+            <a:extLst>
+              <a:ext uri="{FF2B5EF4-FFF2-40B4-BE49-F238E27FC236}">
+                <a16:creationId xmlns:a16="http://schemas.microsoft.com/office/drawing/2014/main" id="{1C95CE6D-8A90-B77D-900E-923A26B96E54}"/>
+              </a:ext>
+            </a:extLst>
+          </p:cNvPr>
+          <p:cNvCxnSpPr>
+            <a:cxnSpLocks/>
+          </p:cNvCxnSpPr>
+          <p:nvPr/>
+        </p:nvCxnSpPr>
+        <p:spPr>
+          <a:xfrm flipV="1">
+            <a:off x="4900095" y="5208545"/>
+            <a:ext cx="0" cy="613149"/>
+          </a:xfrm>
+          <a:prstGeom prst="straightConnector1">
+            <a:avLst/>
+          </a:prstGeom>
+          <a:ln>
+            <a:solidFill>
+              <a:srgbClr val="FF0000"/>
+            </a:solidFill>
+            <a:prstDash val="sysDash"/>
+            <a:tailEnd type="triangle"/>
+          </a:ln>
+        </p:spPr>
+        <p:style>
+          <a:lnRef idx="2">
+            <a:schemeClr val="accent1"/>
+          </a:lnRef>
+          <a:fillRef idx="0">
+            <a:schemeClr val="accent1"/>
+          </a:fillRef>
+          <a:effectRef idx="1">
+            <a:schemeClr val="accent1"/>
+          </a:effectRef>
+          <a:fontRef idx="minor">
+            <a:schemeClr val="tx1"/>
+          </a:fontRef>
+        </p:style>
+      </p:cxnSp>
+      <p:cxnSp>
+        <p:nvCxnSpPr>
+          <p:cNvPr id="36" name="Straight Arrow Connector 35">
+            <a:extLst>
+              <a:ext uri="{FF2B5EF4-FFF2-40B4-BE49-F238E27FC236}">
+                <a16:creationId xmlns:a16="http://schemas.microsoft.com/office/drawing/2014/main" id="{9122F67E-9941-C1D1-7FFE-62FD706EAA0B}"/>
+              </a:ext>
+            </a:extLst>
+          </p:cNvPr>
+          <p:cNvCxnSpPr>
+            <a:cxnSpLocks/>
+          </p:cNvCxnSpPr>
+          <p:nvPr/>
+        </p:nvCxnSpPr>
+        <p:spPr>
+          <a:xfrm>
+            <a:off x="4900095" y="5208545"/>
+            <a:ext cx="199926" cy="0"/>
+          </a:xfrm>
+          <a:prstGeom prst="straightConnector1">
+            <a:avLst/>
+          </a:prstGeom>
+          <a:ln>
+            <a:solidFill>
+              <a:srgbClr val="FF0000"/>
+            </a:solidFill>
+            <a:prstDash val="sysDash"/>
+            <a:tailEnd type="triangle"/>
+          </a:ln>
+        </p:spPr>
+        <p:style>
+          <a:lnRef idx="2">
+            <a:schemeClr val="accent1"/>
+          </a:lnRef>
+          <a:fillRef idx="0">
+            <a:schemeClr val="accent1"/>
+          </a:fillRef>
+          <a:effectRef idx="1">
+            <a:schemeClr val="accent1"/>
+          </a:effectRef>
+          <a:fontRef idx="minor">
+            <a:schemeClr val="tx1"/>
+          </a:fontRef>
+        </p:style>
+      </p:cxnSp>
+      <p:sp>
+        <p:nvSpPr>
+          <p:cNvPr id="40" name="Oval 39">
+            <a:extLst>
+              <a:ext uri="{FF2B5EF4-FFF2-40B4-BE49-F238E27FC236}">
+                <a16:creationId xmlns:a16="http://schemas.microsoft.com/office/drawing/2014/main" id="{A7CECA70-ACD6-90E2-92B0-EA6A43D0C534}"/>
+              </a:ext>
+            </a:extLst>
+          </p:cNvPr>
+          <p:cNvSpPr/>
+          <p:nvPr/>
+        </p:nvSpPr>
+        <p:spPr>
+          <a:xfrm>
+            <a:off x="4992932" y="5520678"/>
+            <a:ext cx="198642" cy="214127"/>
+          </a:xfrm>
+          <a:prstGeom prst="ellipse">
+            <a:avLst/>
+          </a:prstGeom>
+          <a:solidFill>
+            <a:srgbClr val="FFC000"/>
+          </a:solidFill>
+        </p:spPr>
+        <p:style>
+          <a:lnRef idx="2">
+            <a:schemeClr val="accent1">
+              <a:shade val="15000"/>
+            </a:schemeClr>
+          </a:lnRef>
+          <a:fillRef idx="1">
+            <a:schemeClr val="accent1"/>
+          </a:fillRef>
+          <a:effectRef idx="0">
+            <a:schemeClr val="accent1"/>
+          </a:effectRef>
+          <a:fontRef idx="minor">
+            <a:schemeClr val="lt1"/>
+          </a:fontRef>
+        </p:style>
+        <p:txBody>
+          <a:bodyPr rtlCol="0" anchor="ctr"/>
+          <a:lstStyle/>
+          <a:p>
+            <a:pPr algn="ctr"/>
+            <a:r>
+              <a:rPr lang="en-SG" sz="1600" b="1" dirty="0">
+                <a:solidFill>
+                  <a:srgbClr val="C00000"/>
+                </a:solidFill>
+              </a:rPr>
+              <a:t>1</a:t>
+            </a:r>
+          </a:p>
+        </p:txBody>
+      </p:sp>
+      <p:sp>
+        <p:nvSpPr>
+          <p:cNvPr id="41" name="TextBox 40">
+            <a:extLst>
+              <a:ext uri="{FF2B5EF4-FFF2-40B4-BE49-F238E27FC236}">
+                <a16:creationId xmlns:a16="http://schemas.microsoft.com/office/drawing/2014/main" id="{4E4BC502-5796-34D5-FB32-B683478B6576}"/>
+              </a:ext>
+            </a:extLst>
+          </p:cNvPr>
+          <p:cNvSpPr txBox="1"/>
+          <p:nvPr/>
+        </p:nvSpPr>
+        <p:spPr>
+          <a:xfrm>
+            <a:off x="5100020" y="5810460"/>
+            <a:ext cx="4064519" cy="646331"/>
+          </a:xfrm>
+          <a:prstGeom prst="rect">
+            <a:avLst/>
+          </a:prstGeom>
+          <a:noFill/>
+        </p:spPr>
+        <p:txBody>
+          <a:bodyPr wrap="square" rtlCol="0">
+            <a:spAutoFit/>
+          </a:bodyPr>
+          <a:lstStyle/>
+          <a:p>
+            <a:r>
+              <a:rPr lang="en-US" sz="1200" b="1" dirty="0">
+                <a:solidFill>
+                  <a:srgbClr val="C00000"/>
+                </a:solidFill>
+              </a:rPr>
+              <a:t>Attacker keeps injecting the high voltage value (100KV) regularly to one of the RTU address to overwrite the reading from the railway’s transformer’s metering unit.</a:t>
+            </a:r>
+            <a:endParaRPr lang="en-SG" sz="1200" b="1" dirty="0">
+              <a:solidFill>
+                <a:srgbClr val="C00000"/>
+              </a:solidFill>
+            </a:endParaRPr>
+          </a:p>
+        </p:txBody>
+      </p:sp>
+      <p:sp>
+        <p:nvSpPr>
+          <p:cNvPr id="42" name="TextBox 41">
+            <a:extLst>
+              <a:ext uri="{FF2B5EF4-FFF2-40B4-BE49-F238E27FC236}">
+                <a16:creationId xmlns:a16="http://schemas.microsoft.com/office/drawing/2014/main" id="{BB409913-6770-253C-5912-AB6B98F2FDE2}"/>
+              </a:ext>
+            </a:extLst>
+          </p:cNvPr>
+          <p:cNvSpPr txBox="1"/>
+          <p:nvPr/>
+        </p:nvSpPr>
+        <p:spPr>
+          <a:xfrm>
+            <a:off x="5984848" y="4822094"/>
+            <a:ext cx="1188485" cy="261610"/>
+          </a:xfrm>
+          <a:prstGeom prst="rect">
+            <a:avLst/>
+          </a:prstGeom>
+          <a:noFill/>
+        </p:spPr>
+        <p:txBody>
+          <a:bodyPr wrap="square">
+            <a:spAutoFit/>
+          </a:bodyPr>
+          <a:lstStyle/>
+          <a:p>
+            <a:r>
+              <a:rPr lang="en-US" sz="1100" b="1" dirty="0"/>
+              <a:t>S7Comm</a:t>
+            </a:r>
+            <a:endParaRPr lang="en-SG" sz="1100" b="1" dirty="0"/>
+          </a:p>
+        </p:txBody>
+      </p:sp>
+      <p:sp>
+        <p:nvSpPr>
+          <p:cNvPr id="43" name="TextBox 42">
+            <a:extLst>
+              <a:ext uri="{FF2B5EF4-FFF2-40B4-BE49-F238E27FC236}">
+                <a16:creationId xmlns:a16="http://schemas.microsoft.com/office/drawing/2014/main" id="{2E483204-B34E-33CD-A870-8B0BEE2471F9}"/>
+              </a:ext>
+            </a:extLst>
+          </p:cNvPr>
+          <p:cNvSpPr txBox="1"/>
+          <p:nvPr/>
+        </p:nvSpPr>
+        <p:spPr>
+          <a:xfrm>
+            <a:off x="5795365" y="4022926"/>
+            <a:ext cx="1188485" cy="261610"/>
+          </a:xfrm>
+          <a:prstGeom prst="rect">
+            <a:avLst/>
+          </a:prstGeom>
+          <a:noFill/>
+        </p:spPr>
+        <p:txBody>
+          <a:bodyPr wrap="square">
+            <a:spAutoFit/>
+          </a:bodyPr>
+          <a:lstStyle/>
+          <a:p>
+            <a:r>
+              <a:rPr lang="en-US" sz="1100" b="1" dirty="0"/>
+              <a:t>Modbus-TCP</a:t>
+            </a:r>
+            <a:endParaRPr lang="en-SG" sz="1100" b="1" dirty="0"/>
+          </a:p>
+        </p:txBody>
+      </p:sp>
+      <p:cxnSp>
+        <p:nvCxnSpPr>
+          <p:cNvPr id="44" name="Straight Arrow Connector 43">
+            <a:extLst>
+              <a:ext uri="{FF2B5EF4-FFF2-40B4-BE49-F238E27FC236}">
+                <a16:creationId xmlns:a16="http://schemas.microsoft.com/office/drawing/2014/main" id="{5E4B2783-53AA-22F5-45CC-CF60E0C29474}"/>
+              </a:ext>
+            </a:extLst>
+          </p:cNvPr>
+          <p:cNvCxnSpPr>
+            <a:cxnSpLocks/>
+          </p:cNvCxnSpPr>
+          <p:nvPr/>
+        </p:nvCxnSpPr>
+        <p:spPr>
+          <a:xfrm>
+            <a:off x="6013807" y="5208545"/>
+            <a:ext cx="970043" cy="0"/>
+          </a:xfrm>
+          <a:prstGeom prst="straightConnector1">
+            <a:avLst/>
+          </a:prstGeom>
+          <a:ln>
+            <a:solidFill>
+              <a:srgbClr val="FF0000"/>
+            </a:solidFill>
+            <a:prstDash val="sysDash"/>
+            <a:tailEnd type="triangle"/>
+          </a:ln>
+        </p:spPr>
+        <p:style>
+          <a:lnRef idx="2">
+            <a:schemeClr val="accent1"/>
+          </a:lnRef>
+          <a:fillRef idx="0">
+            <a:schemeClr val="accent1"/>
+          </a:fillRef>
+          <a:effectRef idx="1">
+            <a:schemeClr val="accent1"/>
+          </a:effectRef>
+          <a:fontRef idx="minor">
+            <a:schemeClr val="tx1"/>
+          </a:fontRef>
+        </p:style>
+      </p:cxnSp>
+      <p:sp>
+        <p:nvSpPr>
+          <p:cNvPr id="46" name="Oval 45">
+            <a:extLst>
+              <a:ext uri="{FF2B5EF4-FFF2-40B4-BE49-F238E27FC236}">
+                <a16:creationId xmlns:a16="http://schemas.microsoft.com/office/drawing/2014/main" id="{2BA3C7E9-AF6C-3236-F32A-3C2C3135B59D}"/>
+              </a:ext>
+            </a:extLst>
+          </p:cNvPr>
+          <p:cNvSpPr/>
+          <p:nvPr/>
+        </p:nvSpPr>
+        <p:spPr>
+          <a:xfrm>
+            <a:off x="6337913" y="5240514"/>
+            <a:ext cx="198642" cy="214127"/>
+          </a:xfrm>
+          <a:prstGeom prst="ellipse">
+            <a:avLst/>
+          </a:prstGeom>
+          <a:solidFill>
+            <a:srgbClr val="FFC000"/>
+          </a:solidFill>
+        </p:spPr>
+        <p:style>
+          <a:lnRef idx="2">
+            <a:schemeClr val="accent1">
+              <a:shade val="15000"/>
+            </a:schemeClr>
+          </a:lnRef>
+          <a:fillRef idx="1">
+            <a:schemeClr val="accent1"/>
+          </a:fillRef>
+          <a:effectRef idx="0">
+            <a:schemeClr val="accent1"/>
+          </a:effectRef>
+          <a:fontRef idx="minor">
+            <a:schemeClr val="lt1"/>
+          </a:fontRef>
+        </p:style>
+        <p:txBody>
+          <a:bodyPr rtlCol="0" anchor="ctr"/>
+          <a:lstStyle/>
+          <a:p>
+            <a:pPr algn="ctr"/>
+            <a:r>
+              <a:rPr lang="en-US" sz="1600" b="1" dirty="0">
+                <a:solidFill>
+                  <a:srgbClr val="C00000"/>
+                </a:solidFill>
+              </a:rPr>
+              <a:t>2</a:t>
+            </a:r>
+            <a:endParaRPr lang="en-SG" sz="1600" b="1" dirty="0">
+              <a:solidFill>
+                <a:srgbClr val="C00000"/>
+              </a:solidFill>
+            </a:endParaRPr>
+          </a:p>
+        </p:txBody>
+      </p:sp>
+      <p:sp>
+        <p:nvSpPr>
+          <p:cNvPr id="48" name="TextBox 47">
+            <a:extLst>
+              <a:ext uri="{FF2B5EF4-FFF2-40B4-BE49-F238E27FC236}">
+                <a16:creationId xmlns:a16="http://schemas.microsoft.com/office/drawing/2014/main" id="{4A93F28B-D0D1-9C4C-3CDB-E3ECFD65804C}"/>
+              </a:ext>
+            </a:extLst>
+          </p:cNvPr>
+          <p:cNvSpPr txBox="1"/>
+          <p:nvPr/>
+        </p:nvSpPr>
+        <p:spPr>
+          <a:xfrm>
+            <a:off x="6089681" y="5391796"/>
+            <a:ext cx="1821494" cy="276999"/>
+          </a:xfrm>
+          <a:prstGeom prst="rect">
+            <a:avLst/>
+          </a:prstGeom>
+          <a:noFill/>
+        </p:spPr>
+        <p:txBody>
+          <a:bodyPr wrap="square" rtlCol="0">
+            <a:spAutoFit/>
+          </a:bodyPr>
+          <a:lstStyle/>
+          <a:p>
+            <a:r>
+              <a:rPr lang="en-US" sz="1200" b="1" dirty="0">
+                <a:solidFill>
+                  <a:srgbClr val="C00000"/>
+                </a:solidFill>
+              </a:rPr>
+              <a:t>False data read by HMI</a:t>
+            </a:r>
+            <a:endParaRPr lang="en-SG" sz="1200" b="1" dirty="0">
+              <a:solidFill>
+                <a:srgbClr val="C00000"/>
+              </a:solidFill>
+            </a:endParaRPr>
+          </a:p>
+        </p:txBody>
+      </p:sp>
+      <p:sp>
+        <p:nvSpPr>
+          <p:cNvPr id="49" name="Oval 48">
+            <a:extLst>
+              <a:ext uri="{FF2B5EF4-FFF2-40B4-BE49-F238E27FC236}">
+                <a16:creationId xmlns:a16="http://schemas.microsoft.com/office/drawing/2014/main" id="{0A9A45DC-BB94-EEAA-7658-F8F236CE928E}"/>
+              </a:ext>
+            </a:extLst>
+          </p:cNvPr>
+          <p:cNvSpPr/>
+          <p:nvPr/>
+        </p:nvSpPr>
+        <p:spPr>
+          <a:xfrm>
+            <a:off x="9514670" y="5133450"/>
+            <a:ext cx="198642" cy="214127"/>
+          </a:xfrm>
+          <a:prstGeom prst="ellipse">
+            <a:avLst/>
+          </a:prstGeom>
+          <a:solidFill>
+            <a:srgbClr val="FFC000"/>
+          </a:solidFill>
+        </p:spPr>
+        <p:style>
+          <a:lnRef idx="2">
+            <a:schemeClr val="accent1">
+              <a:shade val="15000"/>
+            </a:schemeClr>
+          </a:lnRef>
+          <a:fillRef idx="1">
+            <a:schemeClr val="accent1"/>
+          </a:fillRef>
+          <a:effectRef idx="0">
+            <a:schemeClr val="accent1"/>
+          </a:effectRef>
+          <a:fontRef idx="minor">
+            <a:schemeClr val="lt1"/>
+          </a:fontRef>
+        </p:style>
+        <p:txBody>
+          <a:bodyPr rtlCol="0" anchor="ctr"/>
+          <a:lstStyle/>
+          <a:p>
+            <a:pPr algn="ctr"/>
+            <a:r>
+              <a:rPr lang="en-US" sz="1600" b="1" dirty="0">
+                <a:solidFill>
+                  <a:srgbClr val="C00000"/>
+                </a:solidFill>
+              </a:rPr>
+              <a:t>3</a:t>
+            </a:r>
+            <a:endParaRPr lang="en-SG" sz="1600" b="1" dirty="0">
+              <a:solidFill>
+                <a:srgbClr val="C00000"/>
+              </a:solidFill>
+            </a:endParaRPr>
+          </a:p>
+        </p:txBody>
+      </p:sp>
+      <p:sp>
+        <p:nvSpPr>
+          <p:cNvPr id="50" name="TextBox 49">
+            <a:extLst>
+              <a:ext uri="{FF2B5EF4-FFF2-40B4-BE49-F238E27FC236}">
+                <a16:creationId xmlns:a16="http://schemas.microsoft.com/office/drawing/2014/main" id="{65BB1782-5CC9-0700-6DD4-1EC108D36708}"/>
+              </a:ext>
+            </a:extLst>
+          </p:cNvPr>
+          <p:cNvSpPr txBox="1"/>
+          <p:nvPr/>
+        </p:nvSpPr>
+        <p:spPr>
+          <a:xfrm>
+            <a:off x="8677584" y="5313586"/>
+            <a:ext cx="3054052" cy="461665"/>
+          </a:xfrm>
+          <a:prstGeom prst="rect">
+            <a:avLst/>
+          </a:prstGeom>
+          <a:noFill/>
+        </p:spPr>
+        <p:txBody>
+          <a:bodyPr wrap="square" rtlCol="0">
+            <a:spAutoFit/>
+          </a:bodyPr>
+          <a:lstStyle/>
+          <a:p>
+            <a:r>
+              <a:rPr lang="en-US" sz="1200" b="1" dirty="0">
+                <a:solidFill>
+                  <a:srgbClr val="C00000"/>
+                </a:solidFill>
+              </a:rPr>
+              <a:t>HMI read the railway operating voltage is out of safety range 0~72kV, Show alert.</a:t>
+            </a:r>
+            <a:endParaRPr lang="en-SG" sz="1200" b="1" dirty="0">
+              <a:solidFill>
+                <a:srgbClr val="C00000"/>
+              </a:solidFill>
+            </a:endParaRPr>
+          </a:p>
+        </p:txBody>
+      </p:sp>
+      <p:cxnSp>
+        <p:nvCxnSpPr>
+          <p:cNvPr id="51" name="Straight Arrow Connector 50">
+            <a:extLst>
+              <a:ext uri="{FF2B5EF4-FFF2-40B4-BE49-F238E27FC236}">
+                <a16:creationId xmlns:a16="http://schemas.microsoft.com/office/drawing/2014/main" id="{0E2D3C33-CBA0-6AE1-FD91-1C041257BF1F}"/>
+              </a:ext>
+            </a:extLst>
+          </p:cNvPr>
+          <p:cNvCxnSpPr>
+            <a:cxnSpLocks/>
+          </p:cNvCxnSpPr>
+          <p:nvPr/>
+        </p:nvCxnSpPr>
+        <p:spPr>
+          <a:xfrm>
+            <a:off x="10347134" y="5083704"/>
+            <a:ext cx="275690" cy="0"/>
+          </a:xfrm>
+          <a:prstGeom prst="straightConnector1">
+            <a:avLst/>
+          </a:prstGeom>
+          <a:ln>
+            <a:solidFill>
+              <a:srgbClr val="FF0000"/>
+            </a:solidFill>
+            <a:prstDash val="sysDash"/>
+            <a:tailEnd type="triangle"/>
+          </a:ln>
+        </p:spPr>
+        <p:style>
+          <a:lnRef idx="2">
+            <a:schemeClr val="accent1"/>
+          </a:lnRef>
+          <a:fillRef idx="0">
+            <a:schemeClr val="accent1"/>
+          </a:fillRef>
+          <a:effectRef idx="1">
+            <a:schemeClr val="accent1"/>
+          </a:effectRef>
+          <a:fontRef idx="minor">
+            <a:schemeClr val="tx1"/>
+          </a:fontRef>
+        </p:style>
+      </p:cxnSp>
+      <p:cxnSp>
+        <p:nvCxnSpPr>
+          <p:cNvPr id="53" name="Straight Arrow Connector 52">
+            <a:extLst>
+              <a:ext uri="{FF2B5EF4-FFF2-40B4-BE49-F238E27FC236}">
+                <a16:creationId xmlns:a16="http://schemas.microsoft.com/office/drawing/2014/main" id="{D61E6DF8-1F2D-9082-5297-14A1E4DD5DD7}"/>
+              </a:ext>
+            </a:extLst>
+          </p:cNvPr>
+          <p:cNvCxnSpPr>
+            <a:cxnSpLocks/>
+          </p:cNvCxnSpPr>
+          <p:nvPr/>
+        </p:nvCxnSpPr>
+        <p:spPr>
+          <a:xfrm flipV="1">
+            <a:off x="10667142" y="3708800"/>
+            <a:ext cx="0" cy="1354815"/>
+          </a:xfrm>
+          <a:prstGeom prst="straightConnector1">
+            <a:avLst/>
+          </a:prstGeom>
+          <a:ln>
+            <a:solidFill>
+              <a:srgbClr val="FF0000"/>
+            </a:solidFill>
+            <a:prstDash val="sysDash"/>
+            <a:tailEnd type="triangle"/>
+          </a:ln>
+        </p:spPr>
+        <p:style>
+          <a:lnRef idx="2">
+            <a:schemeClr val="accent1"/>
+          </a:lnRef>
+          <a:fillRef idx="0">
+            <a:schemeClr val="accent1"/>
+          </a:fillRef>
+          <a:effectRef idx="1">
+            <a:schemeClr val="accent1"/>
+          </a:effectRef>
+          <a:fontRef idx="minor">
+            <a:schemeClr val="tx1"/>
+          </a:fontRef>
+        </p:style>
+      </p:cxnSp>
+      <p:cxnSp>
+        <p:nvCxnSpPr>
+          <p:cNvPr id="57" name="Straight Arrow Connector 56">
+            <a:extLst>
+              <a:ext uri="{FF2B5EF4-FFF2-40B4-BE49-F238E27FC236}">
+                <a16:creationId xmlns:a16="http://schemas.microsoft.com/office/drawing/2014/main" id="{63742F07-C2D3-6D35-2161-0292BE8E1F28}"/>
+              </a:ext>
+            </a:extLst>
+          </p:cNvPr>
+          <p:cNvCxnSpPr>
+            <a:cxnSpLocks/>
+          </p:cNvCxnSpPr>
+          <p:nvPr/>
+        </p:nvCxnSpPr>
+        <p:spPr>
+          <a:xfrm flipH="1">
+            <a:off x="10312435" y="3714747"/>
+            <a:ext cx="345087" cy="4409"/>
+          </a:xfrm>
+          <a:prstGeom prst="straightConnector1">
+            <a:avLst/>
+          </a:prstGeom>
+          <a:ln>
+            <a:solidFill>
+              <a:srgbClr val="FF0000"/>
+            </a:solidFill>
+            <a:prstDash val="sysDash"/>
+            <a:tailEnd type="triangle"/>
+          </a:ln>
+        </p:spPr>
+        <p:style>
+          <a:lnRef idx="2">
+            <a:schemeClr val="accent1"/>
+          </a:lnRef>
+          <a:fillRef idx="0">
+            <a:schemeClr val="accent1"/>
+          </a:fillRef>
+          <a:effectRef idx="1">
+            <a:schemeClr val="accent1"/>
+          </a:effectRef>
+          <a:fontRef idx="minor">
+            <a:schemeClr val="tx1"/>
+          </a:fontRef>
+        </p:style>
+      </p:cxnSp>
+      <p:sp>
+        <p:nvSpPr>
+          <p:cNvPr id="59" name="Oval 58">
+            <a:extLst>
+              <a:ext uri="{FF2B5EF4-FFF2-40B4-BE49-F238E27FC236}">
+                <a16:creationId xmlns:a16="http://schemas.microsoft.com/office/drawing/2014/main" id="{245BF00B-5168-3EB5-7941-6A1755CF54B7}"/>
+              </a:ext>
+            </a:extLst>
+          </p:cNvPr>
+          <p:cNvSpPr/>
+          <p:nvPr/>
+        </p:nvSpPr>
+        <p:spPr>
+          <a:xfrm>
+            <a:off x="9898491" y="3354913"/>
+            <a:ext cx="198642" cy="214127"/>
+          </a:xfrm>
+          <a:prstGeom prst="ellipse">
+            <a:avLst/>
+          </a:prstGeom>
+          <a:solidFill>
+            <a:srgbClr val="FFC000"/>
+          </a:solidFill>
+        </p:spPr>
+        <p:style>
+          <a:lnRef idx="2">
+            <a:schemeClr val="accent1">
+              <a:shade val="15000"/>
+            </a:schemeClr>
+          </a:lnRef>
+          <a:fillRef idx="1">
+            <a:schemeClr val="accent1"/>
+          </a:fillRef>
+          <a:effectRef idx="0">
+            <a:schemeClr val="accent1"/>
+          </a:effectRef>
+          <a:fontRef idx="minor">
+            <a:schemeClr val="lt1"/>
+          </a:fontRef>
+        </p:style>
+        <p:txBody>
+          <a:bodyPr rtlCol="0" anchor="ctr"/>
+          <a:lstStyle/>
+          <a:p>
+            <a:pPr algn="ctr"/>
+            <a:r>
+              <a:rPr lang="en-US" sz="1600" b="1" dirty="0">
+                <a:solidFill>
+                  <a:srgbClr val="C00000"/>
+                </a:solidFill>
+              </a:rPr>
+              <a:t>4</a:t>
+            </a:r>
+            <a:endParaRPr lang="en-SG" sz="1600" b="1" dirty="0">
+              <a:solidFill>
+                <a:srgbClr val="C00000"/>
+              </a:solidFill>
+            </a:endParaRPr>
+          </a:p>
+        </p:txBody>
+      </p:sp>
+      <p:sp>
+        <p:nvSpPr>
+          <p:cNvPr id="60" name="TextBox 59">
+            <a:extLst>
+              <a:ext uri="{FF2B5EF4-FFF2-40B4-BE49-F238E27FC236}">
+                <a16:creationId xmlns:a16="http://schemas.microsoft.com/office/drawing/2014/main" id="{3DC78103-B499-4544-F4EF-1DFBB02BEEE7}"/>
+              </a:ext>
+            </a:extLst>
+          </p:cNvPr>
+          <p:cNvSpPr txBox="1"/>
+          <p:nvPr/>
+        </p:nvSpPr>
+        <p:spPr>
+          <a:xfrm>
+            <a:off x="8271215" y="2536382"/>
+            <a:ext cx="3417454" cy="830997"/>
+          </a:xfrm>
+          <a:prstGeom prst="rect">
+            <a:avLst/>
+          </a:prstGeom>
+          <a:noFill/>
+        </p:spPr>
+        <p:txBody>
+          <a:bodyPr wrap="square" rtlCol="0">
+            <a:spAutoFit/>
+          </a:bodyPr>
+          <a:lstStyle/>
+          <a:p>
+            <a:r>
+              <a:rPr lang="en-US" sz="1200" b="1" dirty="0">
+                <a:solidFill>
+                  <a:srgbClr val="C00000"/>
+                </a:solidFill>
+              </a:rPr>
+              <a:t>After get 3 times high voltage alert, HMI confirm railway system power error, HMI auto safety control active to cut off the railway transformer’s output to protect the system. </a:t>
+            </a:r>
+            <a:endParaRPr lang="en-SG" sz="1200" b="1" dirty="0">
+              <a:solidFill>
+                <a:srgbClr val="C00000"/>
+              </a:solidFill>
+            </a:endParaRPr>
+          </a:p>
+        </p:txBody>
+      </p:sp>
+      <p:cxnSp>
+        <p:nvCxnSpPr>
+          <p:cNvPr id="61" name="Straight Arrow Connector 60">
+            <a:extLst>
+              <a:ext uri="{FF2B5EF4-FFF2-40B4-BE49-F238E27FC236}">
+                <a16:creationId xmlns:a16="http://schemas.microsoft.com/office/drawing/2014/main" id="{DFEF1F6C-FCF0-369C-2EAE-955EC8F1AAF7}"/>
+              </a:ext>
+            </a:extLst>
+          </p:cNvPr>
+          <p:cNvCxnSpPr>
+            <a:cxnSpLocks/>
+          </p:cNvCxnSpPr>
+          <p:nvPr/>
+        </p:nvCxnSpPr>
+        <p:spPr>
+          <a:xfrm flipH="1">
+            <a:off x="5737134" y="3993698"/>
+            <a:ext cx="1246716" cy="0"/>
+          </a:xfrm>
+          <a:prstGeom prst="straightConnector1">
+            <a:avLst/>
+          </a:prstGeom>
+          <a:ln>
+            <a:solidFill>
+              <a:srgbClr val="FF0000"/>
+            </a:solidFill>
+            <a:prstDash val="sysDash"/>
+            <a:tailEnd type="triangle"/>
+          </a:ln>
+        </p:spPr>
+        <p:style>
+          <a:lnRef idx="2">
+            <a:schemeClr val="accent1"/>
+          </a:lnRef>
+          <a:fillRef idx="0">
+            <a:schemeClr val="accent1"/>
+          </a:fillRef>
+          <a:effectRef idx="1">
+            <a:schemeClr val="accent1"/>
+          </a:effectRef>
+          <a:fontRef idx="minor">
+            <a:schemeClr val="tx1"/>
+          </a:fontRef>
+        </p:style>
+      </p:cxnSp>
+      <p:cxnSp>
+        <p:nvCxnSpPr>
+          <p:cNvPr id="64" name="Straight Arrow Connector 63">
+            <a:extLst>
+              <a:ext uri="{FF2B5EF4-FFF2-40B4-BE49-F238E27FC236}">
+                <a16:creationId xmlns:a16="http://schemas.microsoft.com/office/drawing/2014/main" id="{57F506FF-AC4D-46A6-7FAB-EE93F5C2332A}"/>
+              </a:ext>
+            </a:extLst>
+          </p:cNvPr>
+          <p:cNvCxnSpPr>
+            <a:cxnSpLocks/>
+          </p:cNvCxnSpPr>
+          <p:nvPr/>
+        </p:nvCxnSpPr>
+        <p:spPr>
+          <a:xfrm flipH="1">
+            <a:off x="4592328" y="4013136"/>
+            <a:ext cx="499925" cy="0"/>
+          </a:xfrm>
+          <a:prstGeom prst="straightConnector1">
+            <a:avLst/>
+          </a:prstGeom>
+          <a:ln>
+            <a:solidFill>
+              <a:srgbClr val="FF0000"/>
+            </a:solidFill>
+            <a:prstDash val="sysDash"/>
+            <a:tailEnd type="triangle"/>
+          </a:ln>
+        </p:spPr>
+        <p:style>
+          <a:lnRef idx="2">
+            <a:schemeClr val="accent1"/>
+          </a:lnRef>
+          <a:fillRef idx="0">
+            <a:schemeClr val="accent1"/>
+          </a:fillRef>
+          <a:effectRef idx="1">
+            <a:schemeClr val="accent1"/>
+          </a:effectRef>
+          <a:fontRef idx="minor">
+            <a:schemeClr val="tx1"/>
+          </a:fontRef>
+        </p:style>
+      </p:cxnSp>
+      <p:sp>
+        <p:nvSpPr>
+          <p:cNvPr id="66" name="TextBox 65">
+            <a:extLst>
+              <a:ext uri="{FF2B5EF4-FFF2-40B4-BE49-F238E27FC236}">
+                <a16:creationId xmlns:a16="http://schemas.microsoft.com/office/drawing/2014/main" id="{3DE54184-4D99-ABF7-533F-947E9F368C2B}"/>
+              </a:ext>
+            </a:extLst>
+          </p:cNvPr>
+          <p:cNvSpPr txBox="1"/>
+          <p:nvPr/>
+        </p:nvSpPr>
+        <p:spPr>
+          <a:xfrm>
+            <a:off x="5666075" y="2853575"/>
+            <a:ext cx="2460426" cy="830997"/>
+          </a:xfrm>
+          <a:prstGeom prst="rect">
+            <a:avLst/>
+          </a:prstGeom>
+          <a:noFill/>
+        </p:spPr>
+        <p:txBody>
+          <a:bodyPr wrap="square" rtlCol="0">
+            <a:spAutoFit/>
+          </a:bodyPr>
+          <a:lstStyle/>
+          <a:p>
+            <a:r>
+              <a:rPr lang="en-US" sz="1200" b="1" dirty="0">
+                <a:solidFill>
+                  <a:srgbClr val="C00000"/>
+                </a:solidFill>
+              </a:rPr>
+              <a:t>HMI send PLC coil set control command to cut off the railway system’s transformer output circuit breaker.</a:t>
+            </a:r>
+            <a:endParaRPr lang="en-SG" sz="1200" b="1" dirty="0">
+              <a:solidFill>
+                <a:srgbClr val="C00000"/>
+              </a:solidFill>
+            </a:endParaRPr>
+          </a:p>
+        </p:txBody>
+      </p:sp>
+      <p:sp>
+        <p:nvSpPr>
+          <p:cNvPr id="67" name="Oval 66">
+            <a:extLst>
+              <a:ext uri="{FF2B5EF4-FFF2-40B4-BE49-F238E27FC236}">
+                <a16:creationId xmlns:a16="http://schemas.microsoft.com/office/drawing/2014/main" id="{05C31714-B8DB-2C01-5BDA-BE6EAE1E23D5}"/>
+              </a:ext>
+            </a:extLst>
+          </p:cNvPr>
+          <p:cNvSpPr/>
+          <p:nvPr/>
+        </p:nvSpPr>
+        <p:spPr>
+          <a:xfrm>
+            <a:off x="6136994" y="3794031"/>
+            <a:ext cx="198642" cy="214127"/>
+          </a:xfrm>
+          <a:prstGeom prst="ellipse">
+            <a:avLst/>
+          </a:prstGeom>
+          <a:solidFill>
+            <a:srgbClr val="FFC000"/>
+          </a:solidFill>
+        </p:spPr>
+        <p:style>
+          <a:lnRef idx="2">
+            <a:schemeClr val="accent1">
+              <a:shade val="15000"/>
+            </a:schemeClr>
+          </a:lnRef>
+          <a:fillRef idx="1">
+            <a:schemeClr val="accent1"/>
+          </a:fillRef>
+          <a:effectRef idx="0">
+            <a:schemeClr val="accent1"/>
+          </a:effectRef>
+          <a:fontRef idx="minor">
+            <a:schemeClr val="lt1"/>
+          </a:fontRef>
+        </p:style>
+        <p:txBody>
+          <a:bodyPr rtlCol="0" anchor="ctr"/>
+          <a:lstStyle/>
+          <a:p>
+            <a:pPr algn="ctr"/>
+            <a:r>
+              <a:rPr lang="en-US" sz="1600" b="1" dirty="0">
+                <a:solidFill>
+                  <a:srgbClr val="C00000"/>
+                </a:solidFill>
+              </a:rPr>
+              <a:t>4</a:t>
+            </a:r>
+            <a:endParaRPr lang="en-SG" sz="1600" b="1" dirty="0">
+              <a:solidFill>
+                <a:srgbClr val="C00000"/>
+              </a:solidFill>
+            </a:endParaRPr>
+          </a:p>
+        </p:txBody>
+      </p:sp>
+      <p:sp>
+        <p:nvSpPr>
+          <p:cNvPr id="68" name="Oval 67">
+            <a:extLst>
+              <a:ext uri="{FF2B5EF4-FFF2-40B4-BE49-F238E27FC236}">
+                <a16:creationId xmlns:a16="http://schemas.microsoft.com/office/drawing/2014/main" id="{B611A7EA-00AA-4450-FC40-670F6E98467E}"/>
+              </a:ext>
+            </a:extLst>
+          </p:cNvPr>
+          <p:cNvSpPr/>
+          <p:nvPr/>
+        </p:nvSpPr>
+        <p:spPr>
+          <a:xfrm>
+            <a:off x="3763033" y="3429000"/>
+            <a:ext cx="198642" cy="214127"/>
+          </a:xfrm>
+          <a:prstGeom prst="ellipse">
+            <a:avLst/>
+          </a:prstGeom>
+          <a:solidFill>
+            <a:srgbClr val="FFC000"/>
+          </a:solidFill>
+        </p:spPr>
+        <p:style>
+          <a:lnRef idx="2">
+            <a:schemeClr val="accent1">
+              <a:shade val="15000"/>
+            </a:schemeClr>
+          </a:lnRef>
+          <a:fillRef idx="1">
+            <a:schemeClr val="accent1"/>
+          </a:fillRef>
+          <a:effectRef idx="0">
+            <a:schemeClr val="accent1"/>
+          </a:effectRef>
+          <a:fontRef idx="minor">
+            <a:schemeClr val="lt1"/>
+          </a:fontRef>
+        </p:style>
+        <p:txBody>
+          <a:bodyPr rtlCol="0" anchor="ctr"/>
+          <a:lstStyle/>
+          <a:p>
+            <a:pPr algn="ctr"/>
+            <a:r>
+              <a:rPr lang="en-US" sz="1600" b="1" dirty="0">
+                <a:solidFill>
+                  <a:srgbClr val="C00000"/>
+                </a:solidFill>
+              </a:rPr>
+              <a:t>5</a:t>
+            </a:r>
+            <a:endParaRPr lang="en-SG" sz="1600" b="1" dirty="0">
+              <a:solidFill>
+                <a:srgbClr val="C00000"/>
+              </a:solidFill>
+            </a:endParaRPr>
+          </a:p>
+        </p:txBody>
+      </p:sp>
+      <p:sp>
+        <p:nvSpPr>
+          <p:cNvPr id="69" name="TextBox 68">
+            <a:extLst>
+              <a:ext uri="{FF2B5EF4-FFF2-40B4-BE49-F238E27FC236}">
+                <a16:creationId xmlns:a16="http://schemas.microsoft.com/office/drawing/2014/main" id="{86BE7A28-F0BB-6924-1EE8-02BF125032A9}"/>
+              </a:ext>
+            </a:extLst>
+          </p:cNvPr>
+          <p:cNvSpPr txBox="1"/>
+          <p:nvPr/>
+        </p:nvSpPr>
+        <p:spPr>
+          <a:xfrm>
+            <a:off x="3017529" y="2830685"/>
+            <a:ext cx="2347754" cy="646331"/>
+          </a:xfrm>
+          <a:prstGeom prst="rect">
+            <a:avLst/>
+          </a:prstGeom>
+          <a:noFill/>
+        </p:spPr>
+        <p:txBody>
+          <a:bodyPr wrap="square" rtlCol="0">
+            <a:spAutoFit/>
+          </a:bodyPr>
+          <a:lstStyle/>
+          <a:p>
+            <a:r>
+              <a:rPr lang="en-US" sz="1200" b="1" dirty="0">
+                <a:solidFill>
+                  <a:srgbClr val="C00000"/>
+                </a:solidFill>
+              </a:rPr>
+              <a:t>Physical world simulation shows power input of railway system cut off.  </a:t>
+            </a:r>
+            <a:endParaRPr lang="en-SG" sz="1200" b="1" dirty="0">
+              <a:solidFill>
+                <a:srgbClr val="C00000"/>
+              </a:solidFill>
+            </a:endParaRPr>
+          </a:p>
+        </p:txBody>
+      </p:sp>
+      <p:sp>
+        <p:nvSpPr>
+          <p:cNvPr id="70" name="TextBox 69">
+            <a:extLst>
+              <a:ext uri="{FF2B5EF4-FFF2-40B4-BE49-F238E27FC236}">
+                <a16:creationId xmlns:a16="http://schemas.microsoft.com/office/drawing/2014/main" id="{FE193C3C-89F0-7D98-FC6F-34262B268C98}"/>
+              </a:ext>
+            </a:extLst>
+          </p:cNvPr>
+          <p:cNvSpPr txBox="1"/>
+          <p:nvPr/>
+        </p:nvSpPr>
+        <p:spPr>
+          <a:xfrm>
+            <a:off x="1615056" y="2744639"/>
+            <a:ext cx="712294" cy="430887"/>
+          </a:xfrm>
+          <a:prstGeom prst="rect">
+            <a:avLst/>
+          </a:prstGeom>
+          <a:noFill/>
+        </p:spPr>
+        <p:txBody>
+          <a:bodyPr wrap="square">
+            <a:spAutoFit/>
+          </a:bodyPr>
+          <a:lstStyle/>
+          <a:p>
+            <a:r>
+              <a:rPr lang="en-US" sz="1100" b="1" dirty="0"/>
+              <a:t>Power Link</a:t>
+            </a:r>
+            <a:endParaRPr lang="en-SG" sz="1100" b="1" dirty="0"/>
+          </a:p>
+        </p:txBody>
+      </p:sp>
+      <p:sp>
+        <p:nvSpPr>
+          <p:cNvPr id="71" name="Oval 70">
+            <a:extLst>
+              <a:ext uri="{FF2B5EF4-FFF2-40B4-BE49-F238E27FC236}">
+                <a16:creationId xmlns:a16="http://schemas.microsoft.com/office/drawing/2014/main" id="{C2A07AFA-2F31-F0ED-ADC5-2F912898C7C7}"/>
+              </a:ext>
+            </a:extLst>
+          </p:cNvPr>
+          <p:cNvSpPr/>
+          <p:nvPr/>
+        </p:nvSpPr>
+        <p:spPr>
+          <a:xfrm>
+            <a:off x="2633709" y="2566103"/>
+            <a:ext cx="198642" cy="214127"/>
+          </a:xfrm>
+          <a:prstGeom prst="ellipse">
+            <a:avLst/>
+          </a:prstGeom>
+          <a:solidFill>
+            <a:srgbClr val="FFC000"/>
+          </a:solidFill>
+        </p:spPr>
+        <p:style>
+          <a:lnRef idx="2">
+            <a:schemeClr val="accent1">
+              <a:shade val="15000"/>
+            </a:schemeClr>
+          </a:lnRef>
+          <a:fillRef idx="1">
+            <a:schemeClr val="accent1"/>
+          </a:fillRef>
+          <a:effectRef idx="0">
+            <a:schemeClr val="accent1"/>
+          </a:effectRef>
+          <a:fontRef idx="minor">
+            <a:schemeClr val="lt1"/>
+          </a:fontRef>
+        </p:style>
+        <p:txBody>
+          <a:bodyPr rtlCol="0" anchor="ctr"/>
+          <a:lstStyle/>
+          <a:p>
+            <a:pPr algn="ctr"/>
+            <a:r>
+              <a:rPr lang="en-US" sz="1600" b="1" dirty="0">
+                <a:solidFill>
+                  <a:srgbClr val="C00000"/>
+                </a:solidFill>
+              </a:rPr>
+              <a:t>6</a:t>
+            </a:r>
+            <a:endParaRPr lang="en-SG" sz="1600" b="1" dirty="0">
+              <a:solidFill>
+                <a:srgbClr val="C00000"/>
+              </a:solidFill>
+            </a:endParaRPr>
+          </a:p>
+        </p:txBody>
+      </p:sp>
+      <p:sp>
+        <p:nvSpPr>
+          <p:cNvPr id="72" name="TextBox 71">
+            <a:extLst>
+              <a:ext uri="{FF2B5EF4-FFF2-40B4-BE49-F238E27FC236}">
+                <a16:creationId xmlns:a16="http://schemas.microsoft.com/office/drawing/2014/main" id="{7318B81D-83A4-0862-0A3D-6120ECB2BAF0}"/>
+              </a:ext>
+            </a:extLst>
+          </p:cNvPr>
+          <p:cNvSpPr txBox="1"/>
+          <p:nvPr/>
+        </p:nvSpPr>
+        <p:spPr>
+          <a:xfrm>
+            <a:off x="2864888" y="2404519"/>
+            <a:ext cx="1748891" cy="461665"/>
+          </a:xfrm>
+          <a:prstGeom prst="rect">
+            <a:avLst/>
+          </a:prstGeom>
+          <a:noFill/>
+        </p:spPr>
+        <p:txBody>
+          <a:bodyPr wrap="square" rtlCol="0">
+            <a:spAutoFit/>
+          </a:bodyPr>
+          <a:lstStyle/>
+          <a:p>
+            <a:r>
+              <a:rPr lang="en-US" sz="1200" b="1" dirty="0">
+                <a:solidFill>
+                  <a:srgbClr val="C00000"/>
+                </a:solidFill>
+              </a:rPr>
+              <a:t>Power link energy transfer drop to 0v 0A</a:t>
+            </a:r>
+            <a:endParaRPr lang="en-SG" sz="1200" b="1" dirty="0">
+              <a:solidFill>
+                <a:srgbClr val="C00000"/>
+              </a:solidFill>
+            </a:endParaRPr>
+          </a:p>
+        </p:txBody>
+      </p:sp>
+      <p:sp>
+        <p:nvSpPr>
+          <p:cNvPr id="73" name="TextBox 72">
+            <a:extLst>
+              <a:ext uri="{FF2B5EF4-FFF2-40B4-BE49-F238E27FC236}">
+                <a16:creationId xmlns:a16="http://schemas.microsoft.com/office/drawing/2014/main" id="{43B689A8-6D72-2E59-1AD8-49B4C20880DB}"/>
+              </a:ext>
+            </a:extLst>
+          </p:cNvPr>
+          <p:cNvSpPr txBox="1"/>
+          <p:nvPr/>
+        </p:nvSpPr>
+        <p:spPr>
+          <a:xfrm>
+            <a:off x="1012660" y="126194"/>
+            <a:ext cx="1281675" cy="261610"/>
+          </a:xfrm>
+          <a:prstGeom prst="rect">
+            <a:avLst/>
+          </a:prstGeom>
+          <a:noFill/>
+        </p:spPr>
+        <p:txBody>
+          <a:bodyPr wrap="square">
+            <a:spAutoFit/>
+          </a:bodyPr>
+          <a:lstStyle/>
+          <a:p>
+            <a:r>
+              <a:rPr lang="en-US" sz="1100" b="1" dirty="0"/>
+              <a:t>Before FDI attack </a:t>
+            </a:r>
+            <a:endParaRPr lang="en-SG" sz="1100" b="1" dirty="0"/>
+          </a:p>
+        </p:txBody>
+      </p:sp>
+      <p:cxnSp>
+        <p:nvCxnSpPr>
+          <p:cNvPr id="74" name="Straight Arrow Connector 73">
+            <a:extLst>
+              <a:ext uri="{FF2B5EF4-FFF2-40B4-BE49-F238E27FC236}">
+                <a16:creationId xmlns:a16="http://schemas.microsoft.com/office/drawing/2014/main" id="{EE98239B-B58E-D587-C664-550292B36A11}"/>
+              </a:ext>
+            </a:extLst>
+          </p:cNvPr>
+          <p:cNvCxnSpPr>
+            <a:cxnSpLocks/>
+          </p:cNvCxnSpPr>
+          <p:nvPr/>
+        </p:nvCxnSpPr>
+        <p:spPr>
+          <a:xfrm>
+            <a:off x="4592328" y="1248668"/>
+            <a:ext cx="2303960" cy="0"/>
+          </a:xfrm>
+          <a:prstGeom prst="straightConnector1">
+            <a:avLst/>
+          </a:prstGeom>
+          <a:ln>
+            <a:solidFill>
+              <a:srgbClr val="FF0000"/>
+            </a:solidFill>
+            <a:prstDash val="sysDash"/>
+            <a:tailEnd type="triangle"/>
+          </a:ln>
+        </p:spPr>
+        <p:style>
+          <a:lnRef idx="2">
+            <a:schemeClr val="accent1"/>
+          </a:lnRef>
+          <a:fillRef idx="0">
+            <a:schemeClr val="accent1"/>
+          </a:fillRef>
+          <a:effectRef idx="1">
+            <a:schemeClr val="accent1"/>
+          </a:effectRef>
+          <a:fontRef idx="minor">
+            <a:schemeClr val="tx1"/>
+          </a:fontRef>
+        </p:style>
+      </p:cxnSp>
+      <p:sp>
+        <p:nvSpPr>
+          <p:cNvPr id="77" name="TextBox 76">
+            <a:extLst>
+              <a:ext uri="{FF2B5EF4-FFF2-40B4-BE49-F238E27FC236}">
+                <a16:creationId xmlns:a16="http://schemas.microsoft.com/office/drawing/2014/main" id="{E9B9A37B-3A00-85AC-23A6-8E66D42DB4EF}"/>
+              </a:ext>
+            </a:extLst>
+          </p:cNvPr>
+          <p:cNvSpPr txBox="1"/>
+          <p:nvPr/>
+        </p:nvSpPr>
+        <p:spPr>
+          <a:xfrm>
+            <a:off x="6896288" y="161178"/>
+            <a:ext cx="1281675" cy="261610"/>
+          </a:xfrm>
+          <a:prstGeom prst="rect">
+            <a:avLst/>
+          </a:prstGeom>
+          <a:noFill/>
+        </p:spPr>
+        <p:txBody>
+          <a:bodyPr wrap="square">
+            <a:spAutoFit/>
+          </a:bodyPr>
+          <a:lstStyle/>
+          <a:p>
+            <a:r>
+              <a:rPr lang="en-US" sz="1100" b="1" dirty="0">
+                <a:solidFill>
+                  <a:srgbClr val="C00000"/>
+                </a:solidFill>
+              </a:rPr>
+              <a:t>After FDI attack </a:t>
+            </a:r>
+            <a:endParaRPr lang="en-SG" sz="1100" b="1" dirty="0">
+              <a:solidFill>
+                <a:srgbClr val="C00000"/>
+              </a:solidFill>
+            </a:endParaRPr>
+          </a:p>
+        </p:txBody>
+      </p:sp>
+      <p:sp>
+        <p:nvSpPr>
+          <p:cNvPr id="79" name="Oval 78">
+            <a:extLst>
+              <a:ext uri="{FF2B5EF4-FFF2-40B4-BE49-F238E27FC236}">
+                <a16:creationId xmlns:a16="http://schemas.microsoft.com/office/drawing/2014/main" id="{A28237D8-AFD3-A7C9-B21E-9185F9C671F3}"/>
+              </a:ext>
+            </a:extLst>
+          </p:cNvPr>
+          <p:cNvSpPr/>
+          <p:nvPr/>
+        </p:nvSpPr>
+        <p:spPr>
+          <a:xfrm>
+            <a:off x="5406237" y="942339"/>
+            <a:ext cx="198642" cy="214127"/>
+          </a:xfrm>
+          <a:prstGeom prst="ellipse">
+            <a:avLst/>
+          </a:prstGeom>
+          <a:solidFill>
+            <a:srgbClr val="FFC000"/>
+          </a:solidFill>
+        </p:spPr>
+        <p:style>
+          <a:lnRef idx="2">
+            <a:schemeClr val="accent1">
+              <a:shade val="15000"/>
+            </a:schemeClr>
+          </a:lnRef>
+          <a:fillRef idx="1">
+            <a:schemeClr val="accent1"/>
+          </a:fillRef>
+          <a:effectRef idx="0">
+            <a:schemeClr val="accent1"/>
+          </a:effectRef>
+          <a:fontRef idx="minor">
+            <a:schemeClr val="lt1"/>
+          </a:fontRef>
+        </p:style>
+        <p:txBody>
+          <a:bodyPr rtlCol="0" anchor="ctr"/>
+          <a:lstStyle/>
+          <a:p>
+            <a:pPr algn="ctr"/>
+            <a:r>
+              <a:rPr lang="en-US" sz="1600" b="1" dirty="0">
+                <a:solidFill>
+                  <a:srgbClr val="C00000"/>
+                </a:solidFill>
+              </a:rPr>
+              <a:t>7</a:t>
+            </a:r>
+            <a:endParaRPr lang="en-SG" sz="1600" b="1" dirty="0">
+              <a:solidFill>
+                <a:srgbClr val="C00000"/>
+              </a:solidFill>
+            </a:endParaRPr>
+          </a:p>
+        </p:txBody>
+      </p:sp>
+      <p:sp>
+        <p:nvSpPr>
+          <p:cNvPr id="80" name="TextBox 79">
+            <a:extLst>
+              <a:ext uri="{FF2B5EF4-FFF2-40B4-BE49-F238E27FC236}">
+                <a16:creationId xmlns:a16="http://schemas.microsoft.com/office/drawing/2014/main" id="{83CB447F-322E-CB53-752D-E47977D2F3AE}"/>
+              </a:ext>
+            </a:extLst>
+          </p:cNvPr>
+          <p:cNvSpPr txBox="1"/>
+          <p:nvPr/>
+        </p:nvSpPr>
+        <p:spPr>
+          <a:xfrm>
+            <a:off x="4664498" y="1258703"/>
+            <a:ext cx="2254729" cy="1200329"/>
+          </a:xfrm>
+          <a:prstGeom prst="rect">
+            <a:avLst/>
+          </a:prstGeom>
+          <a:noFill/>
+        </p:spPr>
+        <p:txBody>
+          <a:bodyPr wrap="square" rtlCol="0">
+            <a:spAutoFit/>
+          </a:bodyPr>
+          <a:lstStyle/>
+          <a:p>
+            <a:pPr marL="171450" indent="-171450">
+              <a:buFont typeface="Arial" panose="020B0604020202020204" pitchFamily="34" charset="0"/>
+              <a:buChar char="•"/>
+            </a:pPr>
+            <a:r>
+              <a:rPr lang="en-US" sz="1200" b="1" dirty="0">
+                <a:solidFill>
+                  <a:srgbClr val="C00000"/>
+                </a:solidFill>
+              </a:rPr>
+              <a:t>All trains emergency stop because lose power. </a:t>
+            </a:r>
+          </a:p>
+          <a:p>
+            <a:pPr marL="171450" indent="-171450">
+              <a:buFont typeface="Arial" panose="020B0604020202020204" pitchFamily="34" charset="0"/>
+              <a:buChar char="•"/>
+            </a:pPr>
+            <a:r>
+              <a:rPr lang="en-US" sz="1200" b="1" dirty="0">
+                <a:solidFill>
+                  <a:srgbClr val="C00000"/>
+                </a:solidFill>
+              </a:rPr>
+              <a:t>All tracker change to power fail state (red color)</a:t>
+            </a:r>
+          </a:p>
+          <a:p>
+            <a:pPr marL="171450" indent="-171450">
+              <a:buFont typeface="Arial" panose="020B0604020202020204" pitchFamily="34" charset="0"/>
+              <a:buChar char="•"/>
+            </a:pPr>
+            <a:r>
+              <a:rPr lang="en-US" sz="1200" b="1" dirty="0">
+                <a:solidFill>
+                  <a:srgbClr val="C00000"/>
+                </a:solidFill>
+              </a:rPr>
+              <a:t>Railway shows power outage alert. </a:t>
+            </a:r>
+            <a:endParaRPr lang="en-SG" sz="1200" b="1" dirty="0">
+              <a:solidFill>
+                <a:srgbClr val="C00000"/>
+              </a:solidFill>
+            </a:endParaRPr>
+          </a:p>
+        </p:txBody>
+      </p:sp>
+      <p:sp>
+        <p:nvSpPr>
+          <p:cNvPr id="82" name="TextBox 81">
+            <a:extLst>
+              <a:ext uri="{FF2B5EF4-FFF2-40B4-BE49-F238E27FC236}">
+                <a16:creationId xmlns:a16="http://schemas.microsoft.com/office/drawing/2014/main" id="{8FB309EA-57E3-A406-951B-7A50D4D15450}"/>
+              </a:ext>
+            </a:extLst>
+          </p:cNvPr>
+          <p:cNvSpPr txBox="1"/>
+          <p:nvPr/>
+        </p:nvSpPr>
+        <p:spPr>
+          <a:xfrm>
+            <a:off x="1177947" y="5821694"/>
+            <a:ext cx="2532563" cy="584775"/>
+          </a:xfrm>
+          <a:prstGeom prst="rect">
+            <a:avLst/>
+          </a:prstGeom>
+          <a:noFill/>
+          <a:ln w="19050">
+            <a:solidFill>
+              <a:srgbClr val="FF0000"/>
+            </a:solidFill>
+            <a:prstDash val="sysDash"/>
+          </a:ln>
+        </p:spPr>
+        <p:txBody>
+          <a:bodyPr wrap="square">
+            <a:spAutoFit/>
+          </a:bodyPr>
+          <a:lstStyle/>
+          <a:p>
+            <a:r>
+              <a:rPr lang="en-US" sz="1600" b="1" dirty="0">
+                <a:solidFill>
+                  <a:srgbClr val="C00000"/>
+                </a:solidFill>
+              </a:rPr>
+              <a:t>FDI Power Outage Attack Workflow Diagram </a:t>
+            </a:r>
+            <a:endParaRPr lang="en-SG" sz="1600" b="1" dirty="0">
+              <a:solidFill>
+                <a:srgbClr val="C00000"/>
+              </a:solidFill>
+            </a:endParaRPr>
+          </a:p>
+        </p:txBody>
+      </p:sp>
+    </p:spTree>
+    <p:extLst>
+      <p:ext uri="{BB962C8B-B14F-4D97-AF65-F5344CB8AC3E}">
+        <p14:creationId xmlns:p14="http://schemas.microsoft.com/office/powerpoint/2010/main" val="2164551008"/>
       </p:ext>
     </p:extLst>
   </p:cSld>
